--- a/Final presentation outline & temporary draft.pptx
+++ b/Final presentation outline & temporary draft.pptx
@@ -1452,13 +1452,6 @@
         </dgm:presLayoutVars>
       </dgm:prSet>
       <dgm:spPr/>
-      <dgm:t>
-        <a:bodyPr/>
-        <a:lstStyle/>
-        <a:p>
-          <a:endParaRPr lang="de-DE"/>
-        </a:p>
-      </dgm:t>
     </dgm:pt>
     <dgm:pt modelId="{2C22C249-745A-4F49-A4A3-E23684FDD763}" type="pres">
       <dgm:prSet presAssocID="{12D8E94D-00D7-455B-90C4-90703054E70D}" presName="circleA" presStyleLbl="node1" presStyleIdx="0" presStyleCnt="9"/>
@@ -1492,13 +1485,6 @@
         </dgm:presLayoutVars>
       </dgm:prSet>
       <dgm:spPr/>
-      <dgm:t>
-        <a:bodyPr/>
-        <a:lstStyle/>
-        <a:p>
-          <a:endParaRPr lang="de-DE"/>
-        </a:p>
-      </dgm:t>
     </dgm:pt>
     <dgm:pt modelId="{5E4A987C-48F9-4592-A0ED-B98CECC2DC5A}" type="pres">
       <dgm:prSet presAssocID="{BCA13BA7-6A1C-4AAE-966E-FF6988D94048}" presName="circleB" presStyleLbl="node1" presStyleIdx="1" presStyleCnt="9"/>
@@ -1532,13 +1518,6 @@
         </dgm:presLayoutVars>
       </dgm:prSet>
       <dgm:spPr/>
-      <dgm:t>
-        <a:bodyPr/>
-        <a:lstStyle/>
-        <a:p>
-          <a:endParaRPr lang="de-DE"/>
-        </a:p>
-      </dgm:t>
     </dgm:pt>
     <dgm:pt modelId="{A3812726-53FC-4C87-9C59-E0C46E26AECA}" type="pres">
       <dgm:prSet presAssocID="{EB047645-3B42-4811-B69D-97FCD7674731}" presName="circleA" presStyleLbl="node1" presStyleIdx="2" presStyleCnt="9"/>
@@ -1572,13 +1551,6 @@
         </dgm:presLayoutVars>
       </dgm:prSet>
       <dgm:spPr/>
-      <dgm:t>
-        <a:bodyPr/>
-        <a:lstStyle/>
-        <a:p>
-          <a:endParaRPr lang="de-DE"/>
-        </a:p>
-      </dgm:t>
     </dgm:pt>
     <dgm:pt modelId="{CCBD143A-C550-46B3-A8D1-A77600783F58}" type="pres">
       <dgm:prSet presAssocID="{5447B6D7-4C71-4773-8731-84301B499AD9}" presName="circleB" presStyleLbl="node1" presStyleIdx="3" presStyleCnt="9"/>
@@ -1612,13 +1584,6 @@
         </dgm:presLayoutVars>
       </dgm:prSet>
       <dgm:spPr/>
-      <dgm:t>
-        <a:bodyPr/>
-        <a:lstStyle/>
-        <a:p>
-          <a:endParaRPr lang="de-DE"/>
-        </a:p>
-      </dgm:t>
     </dgm:pt>
     <dgm:pt modelId="{626AFBA3-1EF1-4427-81DA-F7148E607606}" type="pres">
       <dgm:prSet presAssocID="{0F17D292-765B-44A9-A69F-4328886CACDA}" presName="circleA" presStyleLbl="node1" presStyleIdx="4" presStyleCnt="9"/>
@@ -1652,13 +1617,6 @@
         </dgm:presLayoutVars>
       </dgm:prSet>
       <dgm:spPr/>
-      <dgm:t>
-        <a:bodyPr/>
-        <a:lstStyle/>
-        <a:p>
-          <a:endParaRPr lang="de-DE"/>
-        </a:p>
-      </dgm:t>
     </dgm:pt>
     <dgm:pt modelId="{A271D321-7910-4F9A-BE0F-8D5E75E0FC3C}" type="pres">
       <dgm:prSet presAssocID="{70AE8643-8EB7-4F98-A2AE-C7E108F7A629}" presName="circleB" presStyleLbl="node1" presStyleIdx="5" presStyleCnt="9"/>
@@ -1692,13 +1650,6 @@
         </dgm:presLayoutVars>
       </dgm:prSet>
       <dgm:spPr/>
-      <dgm:t>
-        <a:bodyPr/>
-        <a:lstStyle/>
-        <a:p>
-          <a:endParaRPr lang="de-DE"/>
-        </a:p>
-      </dgm:t>
     </dgm:pt>
     <dgm:pt modelId="{EB21C87F-DA82-42F1-9CC1-2012FC55EAA9}" type="pres">
       <dgm:prSet presAssocID="{F6A1322B-43C1-4F81-B719-6A39E695122B}" presName="circleA" presStyleLbl="node1" presStyleIdx="6" presStyleCnt="9"/>
@@ -1732,13 +1683,6 @@
         </dgm:presLayoutVars>
       </dgm:prSet>
       <dgm:spPr/>
-      <dgm:t>
-        <a:bodyPr/>
-        <a:lstStyle/>
-        <a:p>
-          <a:endParaRPr lang="de-DE"/>
-        </a:p>
-      </dgm:t>
     </dgm:pt>
     <dgm:pt modelId="{FDD99BD6-5339-4104-A41C-AA3473CF5574}" type="pres">
       <dgm:prSet presAssocID="{AF549019-AF3A-4BE5-91A6-737648D62591}" presName="circleB" presStyleLbl="node1" presStyleIdx="7" presStyleCnt="9"/>
@@ -1772,13 +1716,6 @@
         </dgm:presLayoutVars>
       </dgm:prSet>
       <dgm:spPr/>
-      <dgm:t>
-        <a:bodyPr/>
-        <a:lstStyle/>
-        <a:p>
-          <a:endParaRPr lang="de-DE"/>
-        </a:p>
-      </dgm:t>
     </dgm:pt>
     <dgm:pt modelId="{72184247-47AF-452E-B84C-4251A01C060D}" type="pres">
       <dgm:prSet presAssocID="{F89955B8-2B80-45EC-A82C-BC2F0207F441}" presName="circleA" presStyleLbl="node1" presStyleIdx="8" presStyleCnt="9"/>
@@ -1799,25 +1736,25 @@
     </dgm:pt>
   </dgm:ptLst>
   <dgm:cxnLst>
+    <dgm:cxn modelId="{FA98932C-F346-4393-BC27-22A9070279CF}" type="presOf" srcId="{12D8E94D-00D7-455B-90C4-90703054E70D}" destId="{12542E8B-B433-4F07-825E-10914970EEE1}" srcOrd="0" destOrd="0" presId="urn:microsoft.com/office/officeart/2005/8/layout/hProcess11"/>
+    <dgm:cxn modelId="{DF00B031-3742-4B5B-BF9D-411EA55037D7}" type="presOf" srcId="{EB047645-3B42-4811-B69D-97FCD7674731}" destId="{7D9BB48E-AF6C-42EB-BD20-395CD76AFB67}" srcOrd="0" destOrd="0" presId="urn:microsoft.com/office/officeart/2005/8/layout/hProcess11"/>
+    <dgm:cxn modelId="{7A213737-79FF-4DBD-A3E7-DF2F31D491EF}" type="presOf" srcId="{F89955B8-2B80-45EC-A82C-BC2F0207F441}" destId="{088CDC90-FBCD-4CCD-A429-E5EFAC35668C}" srcOrd="0" destOrd="0" presId="urn:microsoft.com/office/officeart/2005/8/layout/hProcess11"/>
+    <dgm:cxn modelId="{404C483F-AC10-4B2B-A7F3-AF1F4E77634F}" srcId="{2681C8BB-1CB0-4F9A-9DDE-EB70239F6760}" destId="{F6A1322B-43C1-4F81-B719-6A39E695122B}" srcOrd="6" destOrd="0" parTransId="{B4792EBD-A800-401C-A4BD-922E39D40717}" sibTransId="{54C9FF84-D683-488D-9099-6CA06890D909}"/>
+    <dgm:cxn modelId="{C1213E43-B12B-44D5-B019-FCC347CE073A}" type="presOf" srcId="{0F17D292-765B-44A9-A69F-4328886CACDA}" destId="{CB3BB6F9-F0CC-439C-9978-AFDB0034E3BF}" srcOrd="0" destOrd="0" presId="urn:microsoft.com/office/officeart/2005/8/layout/hProcess11"/>
+    <dgm:cxn modelId="{CB316464-D6BB-4FDD-9DD3-DC15CB88635D}" type="presOf" srcId="{BCA13BA7-6A1C-4AAE-966E-FF6988D94048}" destId="{4AD32377-C93C-4A93-835B-7089607B0CD5}" srcOrd="0" destOrd="0" presId="urn:microsoft.com/office/officeart/2005/8/layout/hProcess11"/>
+    <dgm:cxn modelId="{678BE165-EE3B-46E7-A315-8451AACA7B67}" type="presOf" srcId="{5447B6D7-4C71-4773-8731-84301B499AD9}" destId="{12380685-A2AA-47BE-8004-2A6284D523FA}" srcOrd="0" destOrd="0" presId="urn:microsoft.com/office/officeart/2005/8/layout/hProcess11"/>
+    <dgm:cxn modelId="{9D499C48-3091-4DC5-86A4-6687AC9BFF13}" srcId="{2681C8BB-1CB0-4F9A-9DDE-EB70239F6760}" destId="{70AE8643-8EB7-4F98-A2AE-C7E108F7A629}" srcOrd="5" destOrd="0" parTransId="{C724D19C-2E9D-4ABD-92B2-7277DD5DFD90}" sibTransId="{A32E9BED-B0B6-4F89-AE82-3966C28C8E96}"/>
+    <dgm:cxn modelId="{B5A1A64F-BADA-427E-9BF8-27C86DA36B26}" srcId="{2681C8BB-1CB0-4F9A-9DDE-EB70239F6760}" destId="{BCA13BA7-6A1C-4AAE-966E-FF6988D94048}" srcOrd="1" destOrd="0" parTransId="{EEA1723C-0516-408A-B84B-D3515A5516D0}" sibTransId="{FF62E7A8-03C9-4D60-8771-6B2E8EB8E2BF}"/>
+    <dgm:cxn modelId="{4BC70E72-4458-41A9-AD32-2042224E29EF}" srcId="{2681C8BB-1CB0-4F9A-9DDE-EB70239F6760}" destId="{F89955B8-2B80-45EC-A82C-BC2F0207F441}" srcOrd="8" destOrd="0" parTransId="{0D5047F0-26F1-4E85-8F34-D604D5652A13}" sibTransId="{86630843-AC5C-444D-B0B2-B114A51F09B0}"/>
+    <dgm:cxn modelId="{51F1FE58-64FD-4213-877D-867A9BE9A08C}" type="presOf" srcId="{70AE8643-8EB7-4F98-A2AE-C7E108F7A629}" destId="{8919401E-8187-4E25-9908-477BBF774F98}" srcOrd="0" destOrd="0" presId="urn:microsoft.com/office/officeart/2005/8/layout/hProcess11"/>
+    <dgm:cxn modelId="{4E80398A-C038-4402-8AD9-F66E50F50024}" srcId="{2681C8BB-1CB0-4F9A-9DDE-EB70239F6760}" destId="{EB047645-3B42-4811-B69D-97FCD7674731}" srcOrd="2" destOrd="0" parTransId="{5B93713A-F00D-4987-B6AF-EB5141CEECC4}" sibTransId="{5B2C4190-5A43-48FA-B72A-DB2B99B03EEE}"/>
+    <dgm:cxn modelId="{8265DA94-ED46-4F5C-8DC8-DE41849CDB07}" srcId="{2681C8BB-1CB0-4F9A-9DDE-EB70239F6760}" destId="{12D8E94D-00D7-455B-90C4-90703054E70D}" srcOrd="0" destOrd="0" parTransId="{AD6E41B7-D0B4-4CBD-94C0-E5C9C4CD43FF}" sibTransId="{B0E314C1-4149-4BBD-9D77-513E161308E3}"/>
+    <dgm:cxn modelId="{82E28D95-2571-4D42-94EB-E6AD06FC3332}" type="presOf" srcId="{2681C8BB-1CB0-4F9A-9DDE-EB70239F6760}" destId="{C6B28CB7-F68B-4892-A8C0-26B767A19EC9}" srcOrd="0" destOrd="0" presId="urn:microsoft.com/office/officeart/2005/8/layout/hProcess11"/>
     <dgm:cxn modelId="{2C94D396-E199-4A70-A66E-571C72049CC6}" srcId="{2681C8BB-1CB0-4F9A-9DDE-EB70239F6760}" destId="{AF549019-AF3A-4BE5-91A6-737648D62591}" srcOrd="7" destOrd="0" parTransId="{3AABBB59-4559-4826-81BE-EC5CC0CD7E7D}" sibTransId="{0E641455-5D98-4BB0-AA0D-CE021CE03E61}"/>
-    <dgm:cxn modelId="{7A213737-79FF-4DBD-A3E7-DF2F31D491EF}" type="presOf" srcId="{F89955B8-2B80-45EC-A82C-BC2F0207F441}" destId="{088CDC90-FBCD-4CCD-A429-E5EFAC35668C}" srcOrd="0" destOrd="0" presId="urn:microsoft.com/office/officeart/2005/8/layout/hProcess11"/>
-    <dgm:cxn modelId="{82E28D95-2571-4D42-94EB-E6AD06FC3332}" type="presOf" srcId="{2681C8BB-1CB0-4F9A-9DDE-EB70239F6760}" destId="{C6B28CB7-F68B-4892-A8C0-26B767A19EC9}" srcOrd="0" destOrd="0" presId="urn:microsoft.com/office/officeart/2005/8/layout/hProcess11"/>
-    <dgm:cxn modelId="{FA98932C-F346-4393-BC27-22A9070279CF}" type="presOf" srcId="{12D8E94D-00D7-455B-90C4-90703054E70D}" destId="{12542E8B-B433-4F07-825E-10914970EEE1}" srcOrd="0" destOrd="0" presId="urn:microsoft.com/office/officeart/2005/8/layout/hProcess11"/>
-    <dgm:cxn modelId="{B5A1A64F-BADA-427E-9BF8-27C86DA36B26}" srcId="{2681C8BB-1CB0-4F9A-9DDE-EB70239F6760}" destId="{BCA13BA7-6A1C-4AAE-966E-FF6988D94048}" srcOrd="1" destOrd="0" parTransId="{EEA1723C-0516-408A-B84B-D3515A5516D0}" sibTransId="{FF62E7A8-03C9-4D60-8771-6B2E8EB8E2BF}"/>
-    <dgm:cxn modelId="{51F1FE58-64FD-4213-877D-867A9BE9A08C}" type="presOf" srcId="{70AE8643-8EB7-4F98-A2AE-C7E108F7A629}" destId="{8919401E-8187-4E25-9908-477BBF774F98}" srcOrd="0" destOrd="0" presId="urn:microsoft.com/office/officeart/2005/8/layout/hProcess11"/>
-    <dgm:cxn modelId="{DF00B031-3742-4B5B-BF9D-411EA55037D7}" type="presOf" srcId="{EB047645-3B42-4811-B69D-97FCD7674731}" destId="{7D9BB48E-AF6C-42EB-BD20-395CD76AFB67}" srcOrd="0" destOrd="0" presId="urn:microsoft.com/office/officeart/2005/8/layout/hProcess11"/>
-    <dgm:cxn modelId="{C1213E43-B12B-44D5-B019-FCC347CE073A}" type="presOf" srcId="{0F17D292-765B-44A9-A69F-4328886CACDA}" destId="{CB3BB6F9-F0CC-439C-9978-AFDB0034E3BF}" srcOrd="0" destOrd="0" presId="urn:microsoft.com/office/officeart/2005/8/layout/hProcess11"/>
+    <dgm:cxn modelId="{ADABA3BB-8D31-45AB-9DCC-AE12ED8407B4}" srcId="{2681C8BB-1CB0-4F9A-9DDE-EB70239F6760}" destId="{5447B6D7-4C71-4773-8731-84301B499AD9}" srcOrd="3" destOrd="0" parTransId="{A86B3799-7288-46CE-9B9B-DE104DFE06E9}" sibTransId="{1A2026AA-0880-4156-9779-94A4F0ACD710}"/>
+    <dgm:cxn modelId="{03B54CC4-E710-4D70-89EA-CB2695B15F6A}" type="presOf" srcId="{AF549019-AF3A-4BE5-91A6-737648D62591}" destId="{C859C5BE-FA0F-41B7-87A3-83A7782FC81A}" srcOrd="0" destOrd="0" presId="urn:microsoft.com/office/officeart/2005/8/layout/hProcess11"/>
     <dgm:cxn modelId="{0F5D58DA-99EF-4987-BF05-EF9DDE12AC25}" type="presOf" srcId="{F6A1322B-43C1-4F81-B719-6A39E695122B}" destId="{2F19FEBB-A6AA-48E7-B88A-51B661C12912}" srcOrd="0" destOrd="0" presId="urn:microsoft.com/office/officeart/2005/8/layout/hProcess11"/>
-    <dgm:cxn modelId="{8265DA94-ED46-4F5C-8DC8-DE41849CDB07}" srcId="{2681C8BB-1CB0-4F9A-9DDE-EB70239F6760}" destId="{12D8E94D-00D7-455B-90C4-90703054E70D}" srcOrd="0" destOrd="0" parTransId="{AD6E41B7-D0B4-4CBD-94C0-E5C9C4CD43FF}" sibTransId="{B0E314C1-4149-4BBD-9D77-513E161308E3}"/>
-    <dgm:cxn modelId="{4E80398A-C038-4402-8AD9-F66E50F50024}" srcId="{2681C8BB-1CB0-4F9A-9DDE-EB70239F6760}" destId="{EB047645-3B42-4811-B69D-97FCD7674731}" srcOrd="2" destOrd="0" parTransId="{5B93713A-F00D-4987-B6AF-EB5141CEECC4}" sibTransId="{5B2C4190-5A43-48FA-B72A-DB2B99B03EEE}"/>
-    <dgm:cxn modelId="{678BE165-EE3B-46E7-A315-8451AACA7B67}" type="presOf" srcId="{5447B6D7-4C71-4773-8731-84301B499AD9}" destId="{12380685-A2AA-47BE-8004-2A6284D523FA}" srcOrd="0" destOrd="0" presId="urn:microsoft.com/office/officeart/2005/8/layout/hProcess11"/>
-    <dgm:cxn modelId="{4BC70E72-4458-41A9-AD32-2042224E29EF}" srcId="{2681C8BB-1CB0-4F9A-9DDE-EB70239F6760}" destId="{F89955B8-2B80-45EC-A82C-BC2F0207F441}" srcOrd="8" destOrd="0" parTransId="{0D5047F0-26F1-4E85-8F34-D604D5652A13}" sibTransId="{86630843-AC5C-444D-B0B2-B114A51F09B0}"/>
-    <dgm:cxn modelId="{9D499C48-3091-4DC5-86A4-6687AC9BFF13}" srcId="{2681C8BB-1CB0-4F9A-9DDE-EB70239F6760}" destId="{70AE8643-8EB7-4F98-A2AE-C7E108F7A629}" srcOrd="5" destOrd="0" parTransId="{C724D19C-2E9D-4ABD-92B2-7277DD5DFD90}" sibTransId="{A32E9BED-B0B6-4F89-AE82-3966C28C8E96}"/>
     <dgm:cxn modelId="{DC6B95F0-42C0-4481-A371-E753931DB267}" srcId="{2681C8BB-1CB0-4F9A-9DDE-EB70239F6760}" destId="{0F17D292-765B-44A9-A69F-4328886CACDA}" srcOrd="4" destOrd="0" parTransId="{21518068-66DB-45B7-82BD-7FA7099DCB77}" sibTransId="{F0CA6AE8-743C-496A-AFD6-75BA5FBF334E}"/>
-    <dgm:cxn modelId="{CB316464-D6BB-4FDD-9DD3-DC15CB88635D}" type="presOf" srcId="{BCA13BA7-6A1C-4AAE-966E-FF6988D94048}" destId="{4AD32377-C93C-4A93-835B-7089607B0CD5}" srcOrd="0" destOrd="0" presId="urn:microsoft.com/office/officeart/2005/8/layout/hProcess11"/>
-    <dgm:cxn modelId="{03B54CC4-E710-4D70-89EA-CB2695B15F6A}" type="presOf" srcId="{AF549019-AF3A-4BE5-91A6-737648D62591}" destId="{C859C5BE-FA0F-41B7-87A3-83A7782FC81A}" srcOrd="0" destOrd="0" presId="urn:microsoft.com/office/officeart/2005/8/layout/hProcess11"/>
-    <dgm:cxn modelId="{ADABA3BB-8D31-45AB-9DCC-AE12ED8407B4}" srcId="{2681C8BB-1CB0-4F9A-9DDE-EB70239F6760}" destId="{5447B6D7-4C71-4773-8731-84301B499AD9}" srcOrd="3" destOrd="0" parTransId="{A86B3799-7288-46CE-9B9B-DE104DFE06E9}" sibTransId="{1A2026AA-0880-4156-9779-94A4F0ACD710}"/>
-    <dgm:cxn modelId="{404C483F-AC10-4B2B-A7F3-AF1F4E77634F}" srcId="{2681C8BB-1CB0-4F9A-9DDE-EB70239F6760}" destId="{F6A1322B-43C1-4F81-B719-6A39E695122B}" srcOrd="6" destOrd="0" parTransId="{B4792EBD-A800-401C-A4BD-922E39D40717}" sibTransId="{54C9FF84-D683-488D-9099-6CA06890D909}"/>
     <dgm:cxn modelId="{256568F1-E79E-4E4E-B214-B81BCB5C7B7D}" type="presParOf" srcId="{C6B28CB7-F68B-4892-A8C0-26B767A19EC9}" destId="{00C60EF5-7547-4079-99E6-987A2C998C82}" srcOrd="0" destOrd="0" presId="urn:microsoft.com/office/officeart/2005/8/layout/hProcess11"/>
     <dgm:cxn modelId="{43B5C4F6-D8C6-40FD-96AA-39854F5C0CF1}" type="presParOf" srcId="{C6B28CB7-F68B-4892-A8C0-26B767A19EC9}" destId="{6511B819-FB6F-45CE-9B23-4B4F374C6584}" srcOrd="1" destOrd="0" presId="urn:microsoft.com/office/officeart/2005/8/layout/hProcess11"/>
     <dgm:cxn modelId="{4FC40B43-3ACB-401F-A4CC-9A4B92C29911}" type="presParOf" srcId="{6511B819-FB6F-45CE-9B23-4B4F374C6584}" destId="{63A88676-CCDF-4C23-AC7A-D7F194F6DF4F}" srcOrd="0" destOrd="0" presId="urn:microsoft.com/office/officeart/2005/8/layout/hProcess11"/>
@@ -1954,7 +1891,7 @@
         </a:bodyPr>
         <a:lstStyle/>
         <a:p>
-          <a:pPr lvl="0" algn="ctr" defTabSz="622300">
+          <a:pPr marL="0" lvl="0" indent="0" algn="ctr" defTabSz="622300">
             <a:lnSpc>
               <a:spcPct val="90000"/>
             </a:lnSpc>
@@ -1964,6 +1901,7 @@
             <a:spcAft>
               <a:spcPct val="35000"/>
             </a:spcAft>
+            <a:buNone/>
           </a:pPr>
           <a:r>
             <a:rPr lang="de-DE" sz="1400" kern="1200" dirty="0"/>
@@ -1984,7 +1922,7 @@
           <a:endParaRPr lang="de-DE" sz="1400" kern="1200" dirty="0"/>
         </a:p>
         <a:p>
-          <a:pPr lvl="0" algn="ctr" defTabSz="622300">
+          <a:pPr marL="0" lvl="0" indent="0" algn="ctr" defTabSz="622300">
             <a:lnSpc>
               <a:spcPct val="90000"/>
             </a:lnSpc>
@@ -1994,11 +1932,12 @@
             <a:spcAft>
               <a:spcPct val="35000"/>
             </a:spcAft>
+            <a:buNone/>
           </a:pPr>
           <a:endParaRPr lang="de-DE" sz="1400" kern="1200" dirty="0"/>
         </a:p>
         <a:p>
-          <a:pPr lvl="0" algn="ctr" defTabSz="622300">
+          <a:pPr marL="0" lvl="0" indent="0" algn="ctr" defTabSz="622300">
             <a:lnSpc>
               <a:spcPct val="90000"/>
             </a:lnSpc>
@@ -2008,6 +1947,7 @@
             <a:spcAft>
               <a:spcPct val="35000"/>
             </a:spcAft>
+            <a:buNone/>
           </a:pPr>
           <a:r>
             <a:rPr lang="de-DE" sz="1400" kern="1200" dirty="0" err="1"/>
@@ -2102,7 +2042,7 @@
         </a:bodyPr>
         <a:lstStyle/>
         <a:p>
-          <a:pPr lvl="0" algn="ctr" defTabSz="622300">
+          <a:pPr marL="0" lvl="0" indent="0" algn="ctr" defTabSz="622300">
             <a:lnSpc>
               <a:spcPct val="90000"/>
             </a:lnSpc>
@@ -2112,6 +2052,7 @@
             <a:spcAft>
               <a:spcPct val="35000"/>
             </a:spcAft>
+            <a:buNone/>
           </a:pPr>
           <a:r>
             <a:rPr lang="de-DE" sz="1400" kern="1200" dirty="0"/>
@@ -2217,7 +2158,7 @@
         </a:bodyPr>
         <a:lstStyle/>
         <a:p>
-          <a:pPr lvl="0" algn="ctr" defTabSz="622300">
+          <a:pPr marL="0" lvl="0" indent="0" algn="ctr" defTabSz="622300">
             <a:lnSpc>
               <a:spcPct val="90000"/>
             </a:lnSpc>
@@ -2227,6 +2168,7 @@
             <a:spcAft>
               <a:spcPct val="35000"/>
             </a:spcAft>
+            <a:buNone/>
           </a:pPr>
           <a:r>
             <a:rPr lang="de-DE" sz="1400" kern="1200" dirty="0"/>
@@ -2321,7 +2263,7 @@
         </a:bodyPr>
         <a:lstStyle/>
         <a:p>
-          <a:pPr lvl="0" algn="ctr" defTabSz="622300">
+          <a:pPr marL="0" lvl="0" indent="0" algn="ctr" defTabSz="622300">
             <a:lnSpc>
               <a:spcPct val="90000"/>
             </a:lnSpc>
@@ -2331,6 +2273,7 @@
             <a:spcAft>
               <a:spcPct val="35000"/>
             </a:spcAft>
+            <a:buNone/>
           </a:pPr>
           <a:r>
             <a:rPr lang="de-DE" sz="1400" kern="1200" dirty="0"/>
@@ -2421,7 +2364,7 @@
         </a:bodyPr>
         <a:lstStyle/>
         <a:p>
-          <a:pPr lvl="0" algn="ctr" defTabSz="622300">
+          <a:pPr marL="0" lvl="0" indent="0" algn="ctr" defTabSz="622300">
             <a:lnSpc>
               <a:spcPct val="90000"/>
             </a:lnSpc>
@@ -2431,6 +2374,7 @@
             <a:spcAft>
               <a:spcPct val="35000"/>
             </a:spcAft>
+            <a:buNone/>
           </a:pPr>
           <a:r>
             <a:rPr lang="de-DE" sz="1400" kern="1200" dirty="0"/>
@@ -2529,7 +2473,7 @@
         </a:bodyPr>
         <a:lstStyle/>
         <a:p>
-          <a:pPr lvl="0" algn="ctr" defTabSz="622300">
+          <a:pPr marL="0" lvl="0" indent="0" algn="ctr" defTabSz="622300">
             <a:lnSpc>
               <a:spcPct val="90000"/>
             </a:lnSpc>
@@ -2539,6 +2483,7 @@
             <a:spcAft>
               <a:spcPct val="35000"/>
             </a:spcAft>
+            <a:buNone/>
           </a:pPr>
           <a:r>
             <a:rPr lang="de-DE" sz="1400" kern="1200" dirty="0"/>
@@ -2562,7 +2507,7 @@
           </a:r>
         </a:p>
         <a:p>
-          <a:pPr lvl="0" algn="ctr" defTabSz="622300">
+          <a:pPr marL="0" lvl="0" indent="0" algn="ctr" defTabSz="622300">
             <a:lnSpc>
               <a:spcPct val="90000"/>
             </a:lnSpc>
@@ -2572,6 +2517,7 @@
             <a:spcAft>
               <a:spcPct val="35000"/>
             </a:spcAft>
+            <a:buNone/>
           </a:pPr>
           <a:r>
             <a:rPr lang="de-DE" sz="1400" kern="1200" dirty="0"/>
@@ -2579,7 +2525,7 @@
           </a:r>
         </a:p>
         <a:p>
-          <a:pPr lvl="0" algn="ctr" defTabSz="622300">
+          <a:pPr marL="0" lvl="0" indent="0" algn="ctr" defTabSz="622300">
             <a:lnSpc>
               <a:spcPct val="90000"/>
             </a:lnSpc>
@@ -2589,6 +2535,7 @@
             <a:spcAft>
               <a:spcPct val="35000"/>
             </a:spcAft>
+            <a:buNone/>
           </a:pPr>
           <a:r>
             <a:rPr lang="de-DE" sz="1400" kern="1200" dirty="0" err="1"/>
@@ -2691,7 +2638,7 @@
         </a:bodyPr>
         <a:lstStyle/>
         <a:p>
-          <a:pPr lvl="0" algn="ctr" defTabSz="622300">
+          <a:pPr marL="0" lvl="0" indent="0" algn="ctr" defTabSz="622300">
             <a:lnSpc>
               <a:spcPct val="90000"/>
             </a:lnSpc>
@@ -2701,6 +2648,7 @@
             <a:spcAft>
               <a:spcPct val="35000"/>
             </a:spcAft>
+            <a:buNone/>
           </a:pPr>
           <a:r>
             <a:rPr lang="de-DE" sz="1400" kern="1200" dirty="0" err="1"/>
@@ -2725,7 +2673,7 @@
           <a:endParaRPr lang="de-DE" sz="1400" kern="1200" dirty="0"/>
         </a:p>
         <a:p>
-          <a:pPr lvl="0" algn="ctr" defTabSz="622300">
+          <a:pPr marL="0" lvl="0" indent="0" algn="ctr" defTabSz="622300">
             <a:lnSpc>
               <a:spcPct val="90000"/>
             </a:lnSpc>
@@ -2735,11 +2683,12 @@
             <a:spcAft>
               <a:spcPct val="35000"/>
             </a:spcAft>
+            <a:buNone/>
           </a:pPr>
           <a:endParaRPr lang="en-GB" sz="1400" kern="1200" dirty="0"/>
         </a:p>
         <a:p>
-          <a:pPr lvl="0" algn="ctr" defTabSz="622300">
+          <a:pPr marL="0" lvl="0" indent="0" algn="ctr" defTabSz="622300">
             <a:lnSpc>
               <a:spcPct val="90000"/>
             </a:lnSpc>
@@ -2749,6 +2698,7 @@
             <a:spcAft>
               <a:spcPct val="35000"/>
             </a:spcAft>
+            <a:buNone/>
           </a:pPr>
           <a:r>
             <a:rPr lang="en-GB" sz="1400" kern="1200" dirty="0"/>
@@ -2838,7 +2788,7 @@
         </a:bodyPr>
         <a:lstStyle/>
         <a:p>
-          <a:pPr lvl="0" algn="ctr" defTabSz="622300">
+          <a:pPr marL="0" lvl="0" indent="0" algn="ctr" defTabSz="622300">
             <a:lnSpc>
               <a:spcPct val="90000"/>
             </a:lnSpc>
@@ -2848,6 +2798,7 @@
             <a:spcAft>
               <a:spcPct val="35000"/>
             </a:spcAft>
+            <a:buNone/>
           </a:pPr>
           <a:r>
             <a:rPr lang="de-DE" sz="1400" kern="1200" dirty="0"/>
@@ -2950,7 +2901,7 @@
         </a:bodyPr>
         <a:lstStyle/>
         <a:p>
-          <a:pPr lvl="0" algn="ctr" defTabSz="622300">
+          <a:pPr marL="0" lvl="0" indent="0" algn="ctr" defTabSz="622300">
             <a:lnSpc>
               <a:spcPct val="90000"/>
             </a:lnSpc>
@@ -2960,6 +2911,7 @@
             <a:spcAft>
               <a:spcPct val="35000"/>
             </a:spcAft>
+            <a:buNone/>
           </a:pPr>
           <a:r>
             <a:rPr lang="de-DE" sz="1400" kern="1200" dirty="0" err="1"/>
@@ -4409,7 +4361,7 @@
           <a:p>
             <a:fld id="{5B336E8D-0131-4BC3-9872-2221C06C416F}" type="datetimeFigureOut">
               <a:rPr lang="en-GB" smtClean="0"/>
-              <a:t>14/07/2022</a:t>
+              <a:t>15/07/2022</a:t>
             </a:fld>
             <a:endParaRPr lang="en-GB"/>
           </a:p>
@@ -4726,50 +4678,50 @@
               <a:buChar char="•"/>
             </a:pPr>
             <a:r>
-              <a:rPr lang="de-DE" dirty="0" err="1" smtClean="0"/>
+              <a:rPr lang="de-DE" dirty="0" err="1"/>
               <a:t>Left</a:t>
             </a:r>
             <a:r>
-              <a:rPr lang="de-DE" dirty="0" smtClean="0"/>
-              <a:t> </a:t>
-            </a:r>
-            <a:r>
-              <a:rPr lang="de-DE" dirty="0" err="1" smtClean="0"/>
+              <a:rPr lang="de-DE" dirty="0"/>
+              <a:t> </a:t>
+            </a:r>
+            <a:r>
+              <a:rPr lang="de-DE" dirty="0" err="1"/>
               <a:t>shift</a:t>
             </a:r>
             <a:r>
-              <a:rPr lang="de-DE" dirty="0" smtClean="0"/>
+              <a:rPr lang="de-DE" dirty="0"/>
               <a:t>: </a:t>
             </a:r>
             <a:r>
-              <a:rPr lang="de-DE" dirty="0" err="1" smtClean="0"/>
+              <a:rPr lang="de-DE" dirty="0" err="1"/>
               <a:t>loss</a:t>
             </a:r>
             <a:r>
-              <a:rPr lang="de-DE" dirty="0" smtClean="0"/>
-              <a:t> </a:t>
-            </a:r>
-            <a:r>
-              <a:rPr lang="de-DE" dirty="0" err="1" smtClean="0"/>
+              <a:rPr lang="de-DE" dirty="0"/>
+              <a:t> </a:t>
+            </a:r>
+            <a:r>
+              <a:rPr lang="de-DE" dirty="0" err="1"/>
               <a:t>of</a:t>
             </a:r>
             <a:r>
-              <a:rPr lang="de-DE" dirty="0" smtClean="0"/>
-              <a:t> </a:t>
-            </a:r>
-            <a:r>
-              <a:rPr lang="de-DE" dirty="0" err="1" smtClean="0"/>
+              <a:rPr lang="de-DE" dirty="0"/>
+              <a:t> </a:t>
+            </a:r>
+            <a:r>
+              <a:rPr lang="de-DE" dirty="0" err="1"/>
               <a:t>interaction</a:t>
             </a:r>
             <a:r>
-              <a:rPr lang="de-DE" dirty="0" smtClean="0"/>
-              <a:t> </a:t>
-            </a:r>
-            <a:r>
-              <a:rPr lang="de-DE" dirty="0" err="1" smtClean="0"/>
+              <a:rPr lang="de-DE" dirty="0"/>
+              <a:t> </a:t>
+            </a:r>
+            <a:r>
+              <a:rPr lang="de-DE" dirty="0" err="1"/>
               <a:t>partners</a:t>
             </a:r>
-            <a:endParaRPr lang="de-DE" dirty="0" smtClean="0"/>
+            <a:endParaRPr lang="de-DE" dirty="0"/>
           </a:p>
           <a:p>
             <a:pPr marL="285750" indent="-285750">
@@ -4777,50 +4729,50 @@
               <a:buChar char="•"/>
             </a:pPr>
             <a:r>
-              <a:rPr lang="de-DE" dirty="0" err="1" smtClean="0"/>
+              <a:rPr lang="de-DE" dirty="0" err="1"/>
               <a:t>Right</a:t>
             </a:r>
             <a:r>
-              <a:rPr lang="de-DE" dirty="0" smtClean="0"/>
-              <a:t> </a:t>
-            </a:r>
-            <a:r>
-              <a:rPr lang="de-DE" dirty="0" err="1" smtClean="0"/>
+              <a:rPr lang="de-DE" dirty="0"/>
+              <a:t> </a:t>
+            </a:r>
+            <a:r>
+              <a:rPr lang="de-DE" dirty="0" err="1"/>
               <a:t>shift</a:t>
             </a:r>
             <a:r>
-              <a:rPr lang="de-DE" dirty="0" smtClean="0"/>
+              <a:rPr lang="de-DE" dirty="0"/>
               <a:t>: </a:t>
             </a:r>
             <a:r>
-              <a:rPr lang="de-DE" dirty="0" err="1" smtClean="0"/>
+              <a:rPr lang="de-DE" dirty="0" err="1"/>
               <a:t>gain</a:t>
             </a:r>
             <a:r>
-              <a:rPr lang="de-DE" dirty="0" smtClean="0"/>
-              <a:t> </a:t>
-            </a:r>
-            <a:r>
-              <a:rPr lang="de-DE" dirty="0" err="1" smtClean="0"/>
+              <a:rPr lang="de-DE" dirty="0"/>
+              <a:t> </a:t>
+            </a:r>
+            <a:r>
+              <a:rPr lang="de-DE" dirty="0" err="1"/>
               <a:t>of</a:t>
             </a:r>
             <a:r>
-              <a:rPr lang="de-DE" dirty="0" smtClean="0"/>
-              <a:t> </a:t>
-            </a:r>
-            <a:r>
-              <a:rPr lang="de-DE" dirty="0" err="1" smtClean="0"/>
+              <a:rPr lang="de-DE" dirty="0"/>
+              <a:t> </a:t>
+            </a:r>
+            <a:r>
+              <a:rPr lang="de-DE" dirty="0" err="1"/>
               <a:t>interaction</a:t>
             </a:r>
             <a:r>
-              <a:rPr lang="de-DE" dirty="0" smtClean="0"/>
-              <a:t> </a:t>
-            </a:r>
-            <a:r>
-              <a:rPr lang="de-DE" dirty="0" err="1" smtClean="0"/>
+              <a:rPr lang="de-DE" dirty="0"/>
+              <a:t> </a:t>
+            </a:r>
+            <a:r>
+              <a:rPr lang="de-DE" dirty="0" err="1"/>
               <a:t>partners</a:t>
             </a:r>
-            <a:endParaRPr lang="de-DE" dirty="0" smtClean="0"/>
+            <a:endParaRPr lang="de-DE" dirty="0"/>
           </a:p>
           <a:p>
             <a:endParaRPr lang="en-GB" dirty="0"/>
@@ -4912,45 +4864,45 @@
               <a:buChar char="-"/>
             </a:pPr>
             <a:r>
-              <a:rPr lang="en-GB" dirty="0" smtClean="0"/>
+              <a:rPr lang="en-GB" dirty="0"/>
               <a:t>To-do:</a:t>
             </a:r>
             <a:r>
-              <a:rPr lang="en-GB" baseline="0" dirty="0" smtClean="0"/>
-              <a:t> </a:t>
-            </a:r>
-            <a:r>
-              <a:rPr lang="en-GB" baseline="0" dirty="0" err="1" smtClean="0"/>
+              <a:rPr lang="en-GB" baseline="0" dirty="0"/>
+              <a:t> </a:t>
+            </a:r>
+            <a:r>
+              <a:rPr lang="en-GB" baseline="0" dirty="0" err="1"/>
               <a:t>kurze</a:t>
             </a:r>
             <a:r>
-              <a:rPr lang="en-GB" baseline="0" dirty="0" smtClean="0"/>
+              <a:rPr lang="en-GB" baseline="0" dirty="0"/>
               <a:t> Definition: was </a:t>
             </a:r>
             <a:r>
-              <a:rPr lang="en-GB" baseline="0" dirty="0" err="1" smtClean="0"/>
+              <a:rPr lang="en-GB" baseline="0" dirty="0" err="1"/>
               <a:t>ist</a:t>
             </a:r>
             <a:r>
-              <a:rPr lang="en-GB" baseline="0" dirty="0" smtClean="0"/>
-              <a:t> </a:t>
-            </a:r>
-            <a:r>
-              <a:rPr lang="en-GB" baseline="0" dirty="0" err="1" smtClean="0"/>
+              <a:rPr lang="en-GB" baseline="0" dirty="0"/>
+              <a:t> </a:t>
+            </a:r>
+            <a:r>
+              <a:rPr lang="en-GB" baseline="0" dirty="0" err="1"/>
               <a:t>eigentlich</a:t>
             </a:r>
             <a:r>
-              <a:rPr lang="en-GB" baseline="0" dirty="0" smtClean="0"/>
+              <a:rPr lang="en-GB" baseline="0" dirty="0"/>
               <a:t> interphase?</a:t>
             </a:r>
-            <a:endParaRPr lang="en-GB" dirty="0" smtClean="0"/>
+            <a:endParaRPr lang="en-GB" dirty="0"/>
           </a:p>
           <a:p>
             <a:pPr marL="171450" indent="-171450">
               <a:buFontTx/>
               <a:buChar char="-"/>
             </a:pPr>
-            <a:endParaRPr lang="en-GB" dirty="0" smtClean="0"/>
+            <a:endParaRPr lang="en-GB" dirty="0"/>
           </a:p>
           <a:p>
             <a:pPr marL="171450" indent="-171450">
@@ -4958,12 +4910,8 @@
               <a:buChar char="-"/>
             </a:pPr>
             <a:r>
-              <a:rPr lang="en-GB" dirty="0" smtClean="0"/>
-              <a:t>Data </a:t>
-            </a:r>
-            <a:r>
               <a:rPr lang="en-GB" dirty="0"/>
-              <a:t>frame with 7086 rows and 150 columns</a:t>
+              <a:t>Data frame with 7086 rows and 150 columns</a:t>
             </a:r>
           </a:p>
           <a:p>
@@ -5290,115 +5238,115 @@
           <a:lstStyle/>
           <a:p>
             <a:r>
-              <a:rPr lang="de-DE" dirty="0" smtClean="0"/>
+              <a:rPr lang="de-DE" dirty="0"/>
               <a:t>This was </a:t>
             </a:r>
             <a:r>
-              <a:rPr lang="de-DE" dirty="0" err="1" smtClean="0"/>
+              <a:rPr lang="de-DE" dirty="0" err="1"/>
               <a:t>our</a:t>
             </a:r>
             <a:r>
-              <a:rPr lang="de-DE" dirty="0" smtClean="0"/>
+              <a:rPr lang="de-DE" dirty="0"/>
               <a:t> initial </a:t>
             </a:r>
             <a:r>
-              <a:rPr lang="de-DE" dirty="0" err="1" smtClean="0"/>
+              <a:rPr lang="de-DE" dirty="0" err="1"/>
               <a:t>timeline</a:t>
             </a:r>
             <a:r>
-              <a:rPr lang="de-DE" dirty="0" smtClean="0"/>
+              <a:rPr lang="de-DE" dirty="0"/>
               <a:t>, in </a:t>
             </a:r>
             <a:r>
-              <a:rPr lang="de-DE" dirty="0" err="1" smtClean="0"/>
+              <a:rPr lang="de-DE" dirty="0" err="1"/>
               <a:t>the</a:t>
             </a:r>
             <a:r>
-              <a:rPr lang="de-DE" dirty="0" smtClean="0"/>
+              <a:rPr lang="de-DE" dirty="0"/>
               <a:t> end </a:t>
             </a:r>
             <a:r>
-              <a:rPr lang="de-DE" dirty="0" err="1" smtClean="0"/>
+              <a:rPr lang="de-DE" dirty="0" err="1"/>
               <a:t>we</a:t>
             </a:r>
             <a:r>
-              <a:rPr lang="de-DE" dirty="0" smtClean="0"/>
-              <a:t> </a:t>
-            </a:r>
-            <a:r>
-              <a:rPr lang="de-DE" dirty="0" err="1" smtClean="0"/>
+              <a:rPr lang="de-DE" dirty="0"/>
+              <a:t> </a:t>
+            </a:r>
+            <a:r>
+              <a:rPr lang="de-DE" dirty="0" err="1"/>
               <a:t>did</a:t>
             </a:r>
             <a:r>
-              <a:rPr lang="de-DE" dirty="0" smtClean="0"/>
+              <a:rPr lang="de-DE" dirty="0"/>
               <a:t> not </a:t>
             </a:r>
             <a:r>
-              <a:rPr lang="de-DE" dirty="0" err="1" smtClean="0"/>
+              <a:rPr lang="de-DE" dirty="0" err="1"/>
               <a:t>exactly</a:t>
             </a:r>
             <a:r>
-              <a:rPr lang="de-DE" baseline="0" dirty="0" smtClean="0"/>
+              <a:rPr lang="de-DE" baseline="0" dirty="0"/>
               <a:t> stick </a:t>
             </a:r>
             <a:r>
-              <a:rPr lang="de-DE" baseline="0" dirty="0" err="1" smtClean="0"/>
+              <a:rPr lang="de-DE" baseline="0" dirty="0" err="1"/>
               <a:t>to</a:t>
             </a:r>
             <a:r>
-              <a:rPr lang="de-DE" baseline="0" dirty="0" smtClean="0"/>
-              <a:t> </a:t>
-            </a:r>
-            <a:r>
-              <a:rPr lang="de-DE" baseline="0" dirty="0" err="1" smtClean="0"/>
+              <a:rPr lang="de-DE" baseline="0" dirty="0"/>
+              <a:t> </a:t>
+            </a:r>
+            <a:r>
+              <a:rPr lang="de-DE" baseline="0" dirty="0" err="1"/>
               <a:t>it</a:t>
             </a:r>
             <a:r>
-              <a:rPr lang="de-DE" baseline="0" dirty="0" smtClean="0"/>
+              <a:rPr lang="de-DE" baseline="0" dirty="0"/>
               <a:t>, but </a:t>
             </a:r>
             <a:r>
-              <a:rPr lang="de-DE" baseline="0" dirty="0" err="1" smtClean="0"/>
+              <a:rPr lang="de-DE" baseline="0" dirty="0" err="1"/>
               <a:t>we</a:t>
             </a:r>
             <a:r>
-              <a:rPr lang="de-DE" baseline="0" dirty="0" smtClean="0"/>
+              <a:rPr lang="de-DE" baseline="0" dirty="0"/>
               <a:t> will </a:t>
             </a:r>
             <a:r>
-              <a:rPr lang="de-DE" baseline="0" dirty="0" err="1" smtClean="0"/>
+              <a:rPr lang="de-DE" baseline="0" dirty="0" err="1"/>
               <a:t>show</a:t>
             </a:r>
             <a:r>
-              <a:rPr lang="de-DE" baseline="0" dirty="0" smtClean="0"/>
-              <a:t> </a:t>
-            </a:r>
-            <a:r>
-              <a:rPr lang="de-DE" baseline="0" dirty="0" err="1" smtClean="0"/>
+              <a:rPr lang="de-DE" baseline="0" dirty="0"/>
+              <a:t> </a:t>
+            </a:r>
+            <a:r>
+              <a:rPr lang="de-DE" baseline="0" dirty="0" err="1"/>
               <a:t>you</a:t>
             </a:r>
             <a:r>
-              <a:rPr lang="de-DE" baseline="0" dirty="0" smtClean="0"/>
-              <a:t> </a:t>
-            </a:r>
-            <a:r>
-              <a:rPr lang="de-DE" baseline="0" dirty="0" err="1" smtClean="0"/>
+              <a:rPr lang="de-DE" baseline="0" dirty="0"/>
+              <a:t> </a:t>
+            </a:r>
+            <a:r>
+              <a:rPr lang="de-DE" baseline="0" dirty="0" err="1"/>
               <a:t>what</a:t>
             </a:r>
             <a:r>
-              <a:rPr lang="de-DE" baseline="0" dirty="0" smtClean="0"/>
-              <a:t> </a:t>
-            </a:r>
-            <a:r>
-              <a:rPr lang="de-DE" baseline="0" dirty="0" err="1" smtClean="0"/>
+              <a:rPr lang="de-DE" baseline="0" dirty="0"/>
+              <a:t> </a:t>
+            </a:r>
+            <a:r>
+              <a:rPr lang="de-DE" baseline="0" dirty="0" err="1"/>
               <a:t>we</a:t>
             </a:r>
             <a:r>
-              <a:rPr lang="de-DE" baseline="0" dirty="0" smtClean="0"/>
-              <a:t> </a:t>
-            </a:r>
-            <a:r>
-              <a:rPr lang="de-DE" baseline="0" dirty="0" err="1" smtClean="0"/>
+              <a:rPr lang="de-DE" baseline="0" dirty="0"/>
+              <a:t> </a:t>
+            </a:r>
+            <a:r>
+              <a:rPr lang="de-DE" baseline="0" dirty="0" err="1"/>
               <a:t>did</a:t>
             </a:r>
             <a:endParaRPr lang="de-DE" dirty="0"/>
@@ -5574,153 +5522,153 @@
           <a:lstStyle/>
           <a:p>
             <a:r>
-              <a:rPr lang="de-DE" dirty="0" smtClean="0"/>
+              <a:rPr lang="de-DE" dirty="0"/>
               <a:t>100:</a:t>
             </a:r>
             <a:r>
-              <a:rPr lang="de-DE" baseline="0" dirty="0" smtClean="0"/>
-              <a:t> </a:t>
-            </a:r>
-            <a:r>
-              <a:rPr lang="de-DE" baseline="0" dirty="0" err="1" smtClean="0"/>
+              <a:rPr lang="de-DE" baseline="0" dirty="0"/>
+              <a:t> </a:t>
+            </a:r>
+            <a:r>
+              <a:rPr lang="de-DE" baseline="0" dirty="0" err="1"/>
               <a:t>amount</a:t>
             </a:r>
             <a:r>
-              <a:rPr lang="de-DE" baseline="0" dirty="0" smtClean="0"/>
-              <a:t> </a:t>
-            </a:r>
-            <a:r>
-              <a:rPr lang="de-DE" baseline="0" dirty="0" err="1" smtClean="0"/>
+              <a:rPr lang="de-DE" baseline="0" dirty="0"/>
+              <a:t> </a:t>
+            </a:r>
+            <a:r>
+              <a:rPr lang="de-DE" baseline="0" dirty="0" err="1"/>
               <a:t>is</a:t>
             </a:r>
             <a:r>
-              <a:rPr lang="de-DE" baseline="0" dirty="0" smtClean="0"/>
-              <a:t> </a:t>
-            </a:r>
-            <a:r>
-              <a:rPr lang="de-DE" baseline="0" dirty="0" err="1" smtClean="0"/>
+              <a:rPr lang="de-DE" baseline="0" dirty="0"/>
+              <a:t> </a:t>
+            </a:r>
+            <a:r>
+              <a:rPr lang="de-DE" baseline="0" dirty="0" err="1"/>
               <a:t>now</a:t>
             </a:r>
             <a:r>
-              <a:rPr lang="de-DE" baseline="0" dirty="0" smtClean="0"/>
-              <a:t> </a:t>
-            </a:r>
-            <a:r>
-              <a:rPr lang="de-DE" baseline="0" dirty="0" err="1" smtClean="0"/>
+              <a:rPr lang="de-DE" baseline="0" dirty="0"/>
+              <a:t> </a:t>
+            </a:r>
+            <a:r>
+              <a:rPr lang="de-DE" baseline="0" dirty="0" err="1"/>
               <a:t>interpretable</a:t>
             </a:r>
             <a:r>
-              <a:rPr lang="de-DE" baseline="0" dirty="0" smtClean="0"/>
-              <a:t> </a:t>
-            </a:r>
-            <a:r>
-              <a:rPr lang="de-DE" baseline="0" dirty="0" err="1" smtClean="0"/>
+              <a:rPr lang="de-DE" baseline="0" dirty="0"/>
+              <a:t> </a:t>
+            </a:r>
+            <a:r>
+              <a:rPr lang="de-DE" baseline="0" dirty="0" err="1"/>
               <a:t>as</a:t>
             </a:r>
             <a:r>
-              <a:rPr lang="de-DE" baseline="0" dirty="0" smtClean="0"/>
+              <a:rPr lang="de-DE" baseline="0" dirty="0"/>
               <a:t> a </a:t>
             </a:r>
             <a:r>
-              <a:rPr lang="de-DE" baseline="0" dirty="0" err="1" smtClean="0"/>
+              <a:rPr lang="de-DE" baseline="0" dirty="0" err="1"/>
               <a:t>percentage</a:t>
             </a:r>
             <a:r>
-              <a:rPr lang="de-DE" baseline="0" dirty="0" smtClean="0"/>
-              <a:t> </a:t>
-            </a:r>
-            <a:r>
-              <a:rPr lang="de-DE" baseline="0" dirty="0" smtClean="0">
+              <a:rPr lang="de-DE" baseline="0" dirty="0"/>
+              <a:t> </a:t>
+            </a:r>
+            <a:r>
+              <a:rPr lang="de-DE" baseline="0" dirty="0">
                 <a:sym typeface="Wingdings" panose="05000000000000000000" pitchFamily="2" charset="2"/>
               </a:rPr>
               <a:t> will </a:t>
             </a:r>
             <a:r>
-              <a:rPr lang="de-DE" baseline="0" dirty="0" err="1" smtClean="0">
+              <a:rPr lang="de-DE" baseline="0" dirty="0" err="1">
                 <a:sym typeface="Wingdings" panose="05000000000000000000" pitchFamily="2" charset="2"/>
               </a:rPr>
               <a:t>be</a:t>
             </a:r>
             <a:r>
-              <a:rPr lang="de-DE" baseline="0" dirty="0" smtClean="0">
+              <a:rPr lang="de-DE" baseline="0" dirty="0">
                 <a:sym typeface="Wingdings" panose="05000000000000000000" pitchFamily="2" charset="2"/>
               </a:rPr>
               <a:t> </a:t>
             </a:r>
             <a:r>
-              <a:rPr lang="de-DE" baseline="0" dirty="0" err="1" smtClean="0">
+              <a:rPr lang="de-DE" baseline="0" dirty="0" err="1">
                 <a:sym typeface="Wingdings" panose="05000000000000000000" pitchFamily="2" charset="2"/>
               </a:rPr>
               <a:t>used</a:t>
             </a:r>
             <a:r>
-              <a:rPr lang="de-DE" baseline="0" dirty="0" smtClean="0">
+              <a:rPr lang="de-DE" baseline="0" dirty="0">
                 <a:sym typeface="Wingdings" panose="05000000000000000000" pitchFamily="2" charset="2"/>
               </a:rPr>
               <a:t> </a:t>
             </a:r>
             <a:r>
-              <a:rPr lang="de-DE" baseline="0" dirty="0" err="1" smtClean="0">
+              <a:rPr lang="de-DE" baseline="0" dirty="0" err="1">
                 <a:sym typeface="Wingdings" panose="05000000000000000000" pitchFamily="2" charset="2"/>
               </a:rPr>
               <a:t>for</a:t>
             </a:r>
             <a:r>
-              <a:rPr lang="de-DE" baseline="0" dirty="0" smtClean="0">
+              <a:rPr lang="de-DE" baseline="0" dirty="0">
                 <a:sym typeface="Wingdings" panose="05000000000000000000" pitchFamily="2" charset="2"/>
               </a:rPr>
               <a:t> </a:t>
             </a:r>
             <a:r>
-              <a:rPr lang="de-DE" baseline="0" dirty="0" err="1" smtClean="0">
+              <a:rPr lang="de-DE" baseline="0" dirty="0" err="1">
                 <a:sym typeface="Wingdings" panose="05000000000000000000" pitchFamily="2" charset="2"/>
               </a:rPr>
               <a:t>the</a:t>
             </a:r>
             <a:r>
-              <a:rPr lang="de-DE" baseline="0" dirty="0" smtClean="0">
+              <a:rPr lang="de-DE" baseline="0" dirty="0">
                 <a:sym typeface="Wingdings" panose="05000000000000000000" pitchFamily="2" charset="2"/>
               </a:rPr>
               <a:t> </a:t>
             </a:r>
             <a:r>
-              <a:rPr lang="de-DE" baseline="0" dirty="0" err="1" smtClean="0">
+              <a:rPr lang="de-DE" baseline="0" dirty="0" err="1">
                 <a:sym typeface="Wingdings" panose="05000000000000000000" pitchFamily="2" charset="2"/>
               </a:rPr>
               <a:t>determination</a:t>
             </a:r>
             <a:r>
-              <a:rPr lang="de-DE" baseline="0" dirty="0" smtClean="0">
+              <a:rPr lang="de-DE" baseline="0" dirty="0">
                 <a:sym typeface="Wingdings" panose="05000000000000000000" pitchFamily="2" charset="2"/>
               </a:rPr>
               <a:t> </a:t>
             </a:r>
             <a:r>
-              <a:rPr lang="de-DE" baseline="0" dirty="0" err="1" smtClean="0">
+              <a:rPr lang="de-DE" baseline="0" dirty="0" err="1">
                 <a:sym typeface="Wingdings" panose="05000000000000000000" pitchFamily="2" charset="2"/>
               </a:rPr>
               <a:t>of</a:t>
             </a:r>
             <a:r>
-              <a:rPr lang="de-DE" baseline="0" dirty="0" smtClean="0">
+              <a:rPr lang="de-DE" baseline="0" dirty="0">
                 <a:sym typeface="Wingdings" panose="05000000000000000000" pitchFamily="2" charset="2"/>
               </a:rPr>
               <a:t> </a:t>
             </a:r>
             <a:r>
-              <a:rPr lang="de-DE" baseline="0" dirty="0" err="1" smtClean="0">
+              <a:rPr lang="de-DE" baseline="0" dirty="0" err="1">
                 <a:sym typeface="Wingdings" panose="05000000000000000000" pitchFamily="2" charset="2"/>
               </a:rPr>
               <a:t>local</a:t>
             </a:r>
             <a:r>
-              <a:rPr lang="de-DE" baseline="0" dirty="0" smtClean="0">
+              <a:rPr lang="de-DE" baseline="0" dirty="0">
                 <a:sym typeface="Wingdings" panose="05000000000000000000" pitchFamily="2" charset="2"/>
               </a:rPr>
               <a:t> </a:t>
             </a:r>
             <a:r>
-              <a:rPr lang="de-DE" baseline="0" dirty="0" err="1" smtClean="0">
+              <a:rPr lang="de-DE" baseline="0" dirty="0" err="1">
                 <a:sym typeface="Wingdings" panose="05000000000000000000" pitchFamily="2" charset="2"/>
               </a:rPr>
               <a:t>maxima</a:t>
@@ -5810,91 +5758,91 @@
           <a:lstStyle/>
           <a:p>
             <a:r>
-              <a:rPr lang="de-DE" dirty="0" err="1" smtClean="0"/>
+              <a:rPr lang="de-DE" dirty="0" err="1"/>
               <a:t>Coiled</a:t>
             </a:r>
             <a:r>
-              <a:rPr lang="de-DE" dirty="0" smtClean="0"/>
-              <a:t> </a:t>
-            </a:r>
-            <a:r>
-              <a:rPr lang="de-DE" dirty="0" err="1" smtClean="0"/>
+              <a:rPr lang="de-DE" dirty="0"/>
+              <a:t> </a:t>
+            </a:r>
+            <a:r>
+              <a:rPr lang="de-DE" dirty="0" err="1"/>
               <a:t>coil</a:t>
             </a:r>
             <a:r>
-              <a:rPr lang="de-DE" dirty="0" smtClean="0"/>
-              <a:t> </a:t>
-            </a:r>
-            <a:r>
-              <a:rPr lang="de-DE" dirty="0" err="1" smtClean="0"/>
+              <a:rPr lang="de-DE" dirty="0"/>
+              <a:t> </a:t>
+            </a:r>
+            <a:r>
+              <a:rPr lang="de-DE" dirty="0" err="1"/>
               <a:t>and</a:t>
             </a:r>
             <a:r>
-              <a:rPr lang="de-DE" dirty="0" smtClean="0"/>
-              <a:t> </a:t>
-            </a:r>
-            <a:r>
-              <a:rPr lang="de-DE" dirty="0" err="1" smtClean="0"/>
+              <a:rPr lang="de-DE" dirty="0"/>
+              <a:t> </a:t>
+            </a:r>
+            <a:r>
+              <a:rPr lang="de-DE" dirty="0" err="1"/>
               <a:t>intriniscally</a:t>
             </a:r>
             <a:r>
-              <a:rPr lang="de-DE" baseline="0" dirty="0" smtClean="0"/>
-              <a:t> </a:t>
-            </a:r>
-            <a:r>
-              <a:rPr lang="de-DE" baseline="0" dirty="0" err="1" smtClean="0"/>
+              <a:rPr lang="de-DE" baseline="0" dirty="0"/>
+              <a:t> </a:t>
+            </a:r>
+            <a:r>
+              <a:rPr lang="de-DE" baseline="0" dirty="0" err="1"/>
               <a:t>disordered</a:t>
             </a:r>
             <a:r>
-              <a:rPr lang="de-DE" baseline="0" dirty="0" smtClean="0"/>
-              <a:t> </a:t>
-            </a:r>
-            <a:r>
-              <a:rPr lang="de-DE" baseline="0" dirty="0" err="1" smtClean="0"/>
+              <a:rPr lang="de-DE" baseline="0" dirty="0"/>
+              <a:t> </a:t>
+            </a:r>
+            <a:r>
+              <a:rPr lang="de-DE" baseline="0" dirty="0" err="1"/>
               <a:t>regions</a:t>
             </a:r>
             <a:r>
-              <a:rPr lang="de-DE" baseline="0" dirty="0" smtClean="0"/>
+              <a:rPr lang="de-DE" baseline="0" dirty="0"/>
               <a:t> (last </a:t>
             </a:r>
             <a:r>
-              <a:rPr lang="de-DE" baseline="0" dirty="0" err="1" smtClean="0"/>
+              <a:rPr lang="de-DE" baseline="0" dirty="0" err="1"/>
               <a:t>ones</a:t>
             </a:r>
             <a:r>
-              <a:rPr lang="de-DE" baseline="0" dirty="0" smtClean="0"/>
-              <a:t> </a:t>
-            </a:r>
-            <a:r>
-              <a:rPr lang="de-DE" baseline="0" dirty="0" err="1" smtClean="0"/>
+              <a:rPr lang="de-DE" baseline="0" dirty="0"/>
+              <a:t> </a:t>
+            </a:r>
+            <a:r>
+              <a:rPr lang="de-DE" baseline="0" dirty="0" err="1"/>
               <a:t>enable</a:t>
             </a:r>
             <a:r>
-              <a:rPr lang="de-DE" baseline="0" dirty="0" smtClean="0"/>
+              <a:rPr lang="de-DE" baseline="0" dirty="0"/>
               <a:t> an </a:t>
             </a:r>
             <a:r>
-              <a:rPr lang="de-DE" baseline="0" dirty="0" err="1" smtClean="0"/>
+              <a:rPr lang="de-DE" baseline="0" dirty="0" err="1"/>
               <a:t>unspecific</a:t>
             </a:r>
             <a:r>
-              <a:rPr lang="de-DE" baseline="0" dirty="0" smtClean="0"/>
-              <a:t> </a:t>
-            </a:r>
-            <a:r>
-              <a:rPr lang="de-DE" baseline="0" dirty="0" err="1" smtClean="0"/>
+              <a:rPr lang="de-DE" baseline="0" dirty="0"/>
+              <a:t> </a:t>
+            </a:r>
+            <a:r>
+              <a:rPr lang="de-DE" baseline="0" dirty="0" err="1"/>
               <a:t>binding</a:t>
             </a:r>
             <a:r>
-              <a:rPr lang="de-DE" baseline="0" dirty="0" smtClean="0"/>
-              <a:t> </a:t>
-            </a:r>
-            <a:r>
-              <a:rPr lang="de-DE" baseline="0" dirty="0" err="1" smtClean="0"/>
+              <a:rPr lang="de-DE" baseline="0" dirty="0"/>
+              <a:t> </a:t>
+            </a:r>
+            <a:r>
+              <a:rPr lang="de-DE" baseline="0" dirty="0" err="1"/>
               <a:t>to</a:t>
             </a:r>
             <a:r>
-              <a:rPr lang="de-DE" baseline="0" dirty="0" smtClean="0"/>
+              <a:rPr lang="de-DE" baseline="0" dirty="0"/>
               <a:t> RNA</a:t>
             </a:r>
             <a:endParaRPr lang="de-DE" dirty="0"/>
@@ -6180,22 +6128,22 @@
           <a:lstStyle/>
           <a:p>
             <a:r>
-              <a:rPr lang="de-DE" dirty="0" smtClean="0"/>
+              <a:rPr lang="de-DE" dirty="0"/>
               <a:t>RNA </a:t>
             </a:r>
             <a:r>
-              <a:rPr lang="de-DE" dirty="0" err="1" smtClean="0"/>
+              <a:rPr lang="de-DE" dirty="0" err="1"/>
               <a:t>is</a:t>
             </a:r>
             <a:r>
-              <a:rPr lang="de-DE" dirty="0" smtClean="0"/>
+              <a:rPr lang="de-DE" dirty="0"/>
               <a:t> not </a:t>
             </a:r>
             <a:r>
-              <a:rPr lang="de-DE" dirty="0" err="1" smtClean="0"/>
+              <a:rPr lang="de-DE" dirty="0" err="1"/>
               <a:t>alone</a:t>
             </a:r>
-            <a:endParaRPr lang="de-DE" dirty="0" smtClean="0"/>
+            <a:endParaRPr lang="de-DE" dirty="0"/>
           </a:p>
           <a:p>
             <a:pPr marL="285750" indent="-285750">
@@ -6203,67 +6151,67 @@
               <a:buChar char="-"/>
             </a:pPr>
             <a:r>
-              <a:rPr lang="de-DE" dirty="0" err="1" smtClean="0"/>
+              <a:rPr lang="de-DE" dirty="0" err="1"/>
               <a:t>During</a:t>
             </a:r>
             <a:r>
-              <a:rPr lang="de-DE" dirty="0" smtClean="0"/>
-              <a:t> </a:t>
-            </a:r>
-            <a:r>
-              <a:rPr lang="de-DE" dirty="0" err="1" smtClean="0"/>
+              <a:rPr lang="de-DE" dirty="0"/>
+              <a:t> </a:t>
+            </a:r>
+            <a:r>
+              <a:rPr lang="de-DE" dirty="0" err="1"/>
               <a:t>every</a:t>
             </a:r>
             <a:r>
-              <a:rPr lang="de-DE" dirty="0" smtClean="0"/>
-              <a:t> </a:t>
-            </a:r>
-            <a:r>
-              <a:rPr lang="de-DE" dirty="0" err="1" smtClean="0"/>
+              <a:rPr lang="de-DE" dirty="0"/>
+              <a:t> </a:t>
+            </a:r>
+            <a:r>
+              <a:rPr lang="de-DE" dirty="0" err="1"/>
               <a:t>step</a:t>
             </a:r>
             <a:r>
-              <a:rPr lang="de-DE" dirty="0" smtClean="0"/>
-              <a:t> </a:t>
-            </a:r>
-            <a:r>
-              <a:rPr lang="de-DE" dirty="0" err="1" smtClean="0"/>
+              <a:rPr lang="de-DE" dirty="0"/>
+              <a:t> </a:t>
+            </a:r>
+            <a:r>
+              <a:rPr lang="de-DE" dirty="0" err="1"/>
               <a:t>of</a:t>
             </a:r>
             <a:r>
-              <a:rPr lang="de-DE" dirty="0" smtClean="0"/>
+              <a:rPr lang="de-DE" dirty="0"/>
               <a:t> RNA </a:t>
             </a:r>
             <a:r>
-              <a:rPr lang="de-DE" dirty="0" err="1" smtClean="0"/>
+              <a:rPr lang="de-DE" dirty="0" err="1"/>
               <a:t>metabolism</a:t>
             </a:r>
             <a:r>
-              <a:rPr lang="de-DE" dirty="0" smtClean="0"/>
+              <a:rPr lang="de-DE" dirty="0"/>
               <a:t> RBPs </a:t>
             </a:r>
             <a:r>
-              <a:rPr lang="de-DE" dirty="0" err="1" smtClean="0"/>
+              <a:rPr lang="de-DE" dirty="0" err="1"/>
               <a:t>are</a:t>
             </a:r>
             <a:r>
-              <a:rPr lang="de-DE" dirty="0" smtClean="0"/>
-              <a:t> </a:t>
-            </a:r>
-            <a:r>
-              <a:rPr lang="de-DE" dirty="0" err="1" smtClean="0"/>
+              <a:rPr lang="de-DE" dirty="0"/>
+              <a:t> </a:t>
+            </a:r>
+            <a:r>
+              <a:rPr lang="de-DE" dirty="0" err="1"/>
               <a:t>associated</a:t>
             </a:r>
             <a:r>
-              <a:rPr lang="de-DE" dirty="0" smtClean="0"/>
-              <a:t> </a:t>
-            </a:r>
-            <a:r>
-              <a:rPr lang="de-DE" dirty="0" err="1" smtClean="0"/>
+              <a:rPr lang="de-DE" dirty="0"/>
+              <a:t> </a:t>
+            </a:r>
+            <a:r>
+              <a:rPr lang="de-DE" dirty="0" err="1"/>
               <a:t>with</a:t>
             </a:r>
             <a:r>
-              <a:rPr lang="de-DE" dirty="0" smtClean="0"/>
+              <a:rPr lang="de-DE" dirty="0"/>
               <a:t> RNA</a:t>
             </a:r>
           </a:p>
@@ -6273,26 +6221,26 @@
               <a:buChar char="-"/>
             </a:pPr>
             <a:r>
-              <a:rPr lang="de-DE" dirty="0" err="1" smtClean="0"/>
+              <a:rPr lang="de-DE" dirty="0" err="1"/>
               <a:t>Cooperative</a:t>
             </a:r>
             <a:r>
-              <a:rPr lang="de-DE" dirty="0" smtClean="0"/>
+              <a:rPr lang="de-DE" dirty="0"/>
               <a:t> &amp; </a:t>
             </a:r>
             <a:r>
-              <a:rPr lang="de-DE" dirty="0" err="1" smtClean="0"/>
+              <a:rPr lang="de-DE" dirty="0" err="1"/>
               <a:t>antagonistic</a:t>
             </a:r>
             <a:r>
-              <a:rPr lang="de-DE" dirty="0" smtClean="0"/>
-              <a:t> </a:t>
-            </a:r>
-            <a:r>
-              <a:rPr lang="de-DE" dirty="0" err="1" smtClean="0"/>
+              <a:rPr lang="de-DE" dirty="0"/>
+              <a:t> </a:t>
+            </a:r>
+            <a:r>
+              <a:rPr lang="de-DE" dirty="0" err="1"/>
               <a:t>interactions</a:t>
             </a:r>
-            <a:endParaRPr lang="de-DE" dirty="0" smtClean="0"/>
+            <a:endParaRPr lang="de-DE" dirty="0"/>
           </a:p>
           <a:p>
             <a:pPr marL="285750" indent="-285750">
@@ -6300,14 +6248,14 @@
               <a:buChar char="-"/>
             </a:pPr>
             <a:r>
-              <a:rPr lang="de-DE" dirty="0" smtClean="0"/>
+              <a:rPr lang="de-DE" dirty="0"/>
               <a:t>Dynamic </a:t>
             </a:r>
             <a:r>
-              <a:rPr lang="de-DE" dirty="0" err="1" smtClean="0"/>
+              <a:rPr lang="de-DE" dirty="0" err="1"/>
               <a:t>associations</a:t>
             </a:r>
-            <a:endParaRPr lang="de-DE" dirty="0" smtClean="0"/>
+            <a:endParaRPr lang="de-DE" dirty="0"/>
           </a:p>
           <a:p>
             <a:pPr marL="285750" indent="-285750">
@@ -6315,66 +6263,66 @@
               <a:buChar char="-"/>
             </a:pPr>
             <a:r>
-              <a:rPr lang="de-DE" dirty="0" smtClean="0">
+              <a:rPr lang="de-DE" dirty="0">
                 <a:sym typeface="Wingdings" panose="05000000000000000000" pitchFamily="2" charset="2"/>
               </a:rPr>
               <a:t></a:t>
             </a:r>
             <a:r>
-              <a:rPr lang="de-DE" dirty="0" err="1" smtClean="0">
+              <a:rPr lang="de-DE" dirty="0" err="1">
                 <a:sym typeface="Wingdings" panose="05000000000000000000" pitchFamily="2" charset="2"/>
               </a:rPr>
               <a:t>fine-tuned</a:t>
             </a:r>
             <a:r>
-              <a:rPr lang="de-DE" dirty="0" smtClean="0">
+              <a:rPr lang="de-DE" dirty="0">
                 <a:sym typeface="Wingdings" panose="05000000000000000000" pitchFamily="2" charset="2"/>
               </a:rPr>
               <a:t> </a:t>
             </a:r>
             <a:r>
-              <a:rPr lang="de-DE" dirty="0" err="1" smtClean="0">
+              <a:rPr lang="de-DE" dirty="0" err="1">
                 <a:sym typeface="Wingdings" panose="05000000000000000000" pitchFamily="2" charset="2"/>
               </a:rPr>
               <a:t>regulation</a:t>
             </a:r>
             <a:r>
-              <a:rPr lang="de-DE" dirty="0" smtClean="0">
+              <a:rPr lang="de-DE" dirty="0">
                 <a:sym typeface="Wingdings" panose="05000000000000000000" pitchFamily="2" charset="2"/>
               </a:rPr>
               <a:t> </a:t>
             </a:r>
             <a:r>
-              <a:rPr lang="de-DE" dirty="0" err="1" smtClean="0">
+              <a:rPr lang="de-DE" dirty="0" err="1">
                 <a:sym typeface="Wingdings" panose="05000000000000000000" pitchFamily="2" charset="2"/>
               </a:rPr>
               <a:t>of</a:t>
             </a:r>
             <a:r>
-              <a:rPr lang="de-DE" dirty="0" smtClean="0">
+              <a:rPr lang="de-DE" dirty="0">
                 <a:sym typeface="Wingdings" panose="05000000000000000000" pitchFamily="2" charset="2"/>
               </a:rPr>
               <a:t> </a:t>
             </a:r>
             <a:r>
-              <a:rPr lang="de-DE" dirty="0" err="1" smtClean="0">
+              <a:rPr lang="de-DE" dirty="0" err="1">
                 <a:sym typeface="Wingdings" panose="05000000000000000000" pitchFamily="2" charset="2"/>
               </a:rPr>
               <a:t>their</a:t>
             </a:r>
             <a:r>
-              <a:rPr lang="de-DE" dirty="0" smtClean="0">
+              <a:rPr lang="de-DE" dirty="0">
                 <a:sym typeface="Wingdings" panose="05000000000000000000" pitchFamily="2" charset="2"/>
               </a:rPr>
               <a:t> RNA </a:t>
             </a:r>
             <a:r>
-              <a:rPr lang="de-DE" dirty="0" err="1" smtClean="0">
+              <a:rPr lang="de-DE" dirty="0" err="1">
                 <a:sym typeface="Wingdings" panose="05000000000000000000" pitchFamily="2" charset="2"/>
               </a:rPr>
               <a:t>targets</a:t>
             </a:r>
-            <a:endParaRPr lang="de-DE" dirty="0" smtClean="0"/>
+            <a:endParaRPr lang="de-DE" dirty="0"/>
           </a:p>
           <a:p>
             <a:endParaRPr lang="de-DE" dirty="0"/>
@@ -6734,11 +6682,11 @@
               <a:buChar char="-"/>
             </a:pPr>
             <a:r>
-              <a:rPr lang="de-DE" baseline="0" dirty="0" err="1" smtClean="0"/>
+              <a:rPr lang="de-DE" baseline="0" dirty="0" err="1"/>
               <a:t>How</a:t>
             </a:r>
             <a:r>
-              <a:rPr lang="de-DE" baseline="0" dirty="0" smtClean="0"/>
+              <a:rPr lang="de-DE" baseline="0" dirty="0"/>
               <a:t> </a:t>
             </a:r>
             <a:r>
@@ -6850,7 +6798,7 @@
               <a:t>predictions</a:t>
             </a:r>
             <a:r>
-              <a:rPr lang="de-DE" baseline="0" dirty="0" smtClean="0"/>
+              <a:rPr lang="de-DE" baseline="0" dirty="0"/>
               <a:t>?</a:t>
             </a:r>
           </a:p>
@@ -6859,7 +6807,7 @@
               <a:buFontTx/>
               <a:buChar char="-"/>
             </a:pPr>
-            <a:endParaRPr lang="de-DE" baseline="0" dirty="0" smtClean="0"/>
+            <a:endParaRPr lang="de-DE" baseline="0" dirty="0"/>
           </a:p>
           <a:p>
             <a:pPr marL="171450" indent="-171450">
@@ -6867,103 +6815,103 @@
               <a:buChar char="-"/>
             </a:pPr>
             <a:r>
-              <a:rPr lang="de-DE" baseline="0" dirty="0" err="1" smtClean="0"/>
+              <a:rPr lang="de-DE" baseline="0" dirty="0" err="1"/>
               <a:t>Comparison</a:t>
             </a:r>
             <a:r>
-              <a:rPr lang="de-DE" baseline="0" dirty="0" smtClean="0"/>
-              <a:t> </a:t>
-            </a:r>
-            <a:r>
-              <a:rPr lang="de-DE" baseline="0" dirty="0" err="1" smtClean="0"/>
+              <a:rPr lang="de-DE" baseline="0" dirty="0"/>
+              <a:t> </a:t>
+            </a:r>
+            <a:r>
+              <a:rPr lang="de-DE" baseline="0" dirty="0" err="1"/>
               <a:t>with</a:t>
             </a:r>
             <a:r>
-              <a:rPr lang="de-DE" baseline="0" dirty="0" smtClean="0"/>
-              <a:t> </a:t>
-            </a:r>
-            <a:r>
-              <a:rPr lang="de-DE" baseline="0" dirty="0" err="1" smtClean="0"/>
+              <a:rPr lang="de-DE" baseline="0" dirty="0"/>
+              <a:t> </a:t>
+            </a:r>
+            <a:r>
+              <a:rPr lang="de-DE" baseline="0" dirty="0" err="1"/>
               <a:t>protein</a:t>
             </a:r>
             <a:r>
-              <a:rPr lang="de-DE" baseline="0" dirty="0" smtClean="0"/>
-              <a:t> </a:t>
-            </a:r>
-            <a:r>
-              <a:rPr lang="de-DE" baseline="0" dirty="0" err="1" smtClean="0"/>
+              <a:rPr lang="de-DE" baseline="0" dirty="0"/>
+              <a:t> </a:t>
+            </a:r>
+            <a:r>
+              <a:rPr lang="de-DE" baseline="0" dirty="0" err="1"/>
               <a:t>databases</a:t>
             </a:r>
             <a:r>
-              <a:rPr lang="de-DE" baseline="0" dirty="0" smtClean="0"/>
+              <a:rPr lang="de-DE" baseline="0" dirty="0"/>
               <a:t>: </a:t>
             </a:r>
             <a:r>
-              <a:rPr lang="de-DE" baseline="0" dirty="0" err="1" smtClean="0"/>
+              <a:rPr lang="de-DE" baseline="0" dirty="0" err="1"/>
               <a:t>later</a:t>
             </a:r>
             <a:r>
-              <a:rPr lang="de-DE" baseline="0" dirty="0" smtClean="0"/>
+              <a:rPr lang="de-DE" baseline="0" dirty="0"/>
               <a:t>: </a:t>
             </a:r>
             <a:r>
-              <a:rPr lang="de-DE" baseline="0" dirty="0" err="1" smtClean="0"/>
+              <a:rPr lang="de-DE" baseline="0" dirty="0" err="1"/>
               <a:t>what</a:t>
             </a:r>
             <a:r>
-              <a:rPr lang="de-DE" baseline="0" dirty="0" smtClean="0"/>
-              <a:t> </a:t>
-            </a:r>
-            <a:r>
-              <a:rPr lang="de-DE" baseline="0" dirty="0" err="1" smtClean="0"/>
+              <a:rPr lang="de-DE" baseline="0" dirty="0"/>
+              <a:t> </a:t>
+            </a:r>
+            <a:r>
+              <a:rPr lang="de-DE" baseline="0" dirty="0" err="1"/>
               <a:t>other</a:t>
             </a:r>
             <a:r>
-              <a:rPr lang="de-DE" baseline="0" dirty="0" smtClean="0"/>
-              <a:t> </a:t>
-            </a:r>
-            <a:r>
-              <a:rPr lang="de-DE" baseline="0" dirty="0" err="1" smtClean="0"/>
+              <a:rPr lang="de-DE" baseline="0" dirty="0"/>
+              <a:t> </a:t>
+            </a:r>
+            <a:r>
+              <a:rPr lang="de-DE" baseline="0" dirty="0" err="1"/>
               <a:t>traits</a:t>
             </a:r>
             <a:r>
-              <a:rPr lang="de-DE" baseline="0" dirty="0" smtClean="0"/>
+              <a:rPr lang="de-DE" baseline="0" dirty="0"/>
               <a:t> do </a:t>
             </a:r>
             <a:r>
-              <a:rPr lang="de-DE" baseline="0" dirty="0" err="1" smtClean="0"/>
+              <a:rPr lang="de-DE" baseline="0" dirty="0" err="1"/>
               <a:t>the</a:t>
             </a:r>
             <a:r>
-              <a:rPr lang="de-DE" baseline="0" dirty="0" smtClean="0"/>
+              <a:rPr lang="de-DE" baseline="0" dirty="0"/>
               <a:t> RBPs </a:t>
             </a:r>
             <a:r>
-              <a:rPr lang="de-DE" baseline="0" dirty="0" err="1" smtClean="0"/>
+              <a:rPr lang="de-DE" baseline="0" dirty="0" err="1"/>
               <a:t>we</a:t>
             </a:r>
             <a:r>
-              <a:rPr lang="de-DE" baseline="0" dirty="0" smtClean="0"/>
-              <a:t> </a:t>
-            </a:r>
-            <a:r>
-              <a:rPr lang="de-DE" baseline="0" dirty="0" err="1" smtClean="0"/>
+              <a:rPr lang="de-DE" baseline="0" dirty="0"/>
+              <a:t> </a:t>
+            </a:r>
+            <a:r>
+              <a:rPr lang="de-DE" baseline="0" dirty="0" err="1"/>
               <a:t>identify</a:t>
             </a:r>
             <a:r>
-              <a:rPr lang="de-DE" baseline="0" dirty="0" smtClean="0"/>
-              <a:t> </a:t>
-            </a:r>
-            <a:r>
-              <a:rPr lang="de-DE" baseline="0" dirty="0" err="1" smtClean="0"/>
+              <a:rPr lang="de-DE" baseline="0" dirty="0"/>
+              <a:t> </a:t>
+            </a:r>
+            <a:r>
+              <a:rPr lang="de-DE" baseline="0" dirty="0" err="1"/>
               <a:t>have</a:t>
             </a:r>
             <a:r>
-              <a:rPr lang="de-DE" baseline="0" dirty="0" smtClean="0"/>
+              <a:rPr lang="de-DE" baseline="0" dirty="0"/>
               <a:t> in </a:t>
             </a:r>
             <a:r>
-              <a:rPr lang="de-DE" baseline="0" dirty="0" err="1" smtClean="0"/>
+              <a:rPr lang="de-DE" baseline="0" dirty="0" err="1"/>
               <a:t>common</a:t>
             </a:r>
             <a:endParaRPr lang="de-DE" dirty="0"/>
@@ -6981,43 +6929,43 @@
               <a:buNone/>
             </a:pPr>
             <a:r>
-              <a:rPr lang="de-DE" dirty="0" err="1" smtClean="0"/>
+              <a:rPr lang="de-DE" dirty="0" err="1"/>
               <a:t>Enable</a:t>
             </a:r>
             <a:r>
-              <a:rPr lang="de-DE" dirty="0" smtClean="0"/>
+              <a:rPr lang="de-DE" dirty="0"/>
               <a:t> a </a:t>
             </a:r>
             <a:r>
-              <a:rPr lang="de-DE" dirty="0" err="1" smtClean="0"/>
+              <a:rPr lang="de-DE" dirty="0" err="1"/>
               <a:t>fine</a:t>
             </a:r>
             <a:r>
-              <a:rPr lang="de-DE" dirty="0" smtClean="0"/>
-              <a:t> </a:t>
-            </a:r>
-            <a:r>
-              <a:rPr lang="de-DE" dirty="0" err="1" smtClean="0"/>
+              <a:rPr lang="de-DE" dirty="0"/>
+              <a:t> </a:t>
+            </a:r>
+            <a:r>
+              <a:rPr lang="de-DE" dirty="0" err="1"/>
               <a:t>tuned</a:t>
             </a:r>
             <a:r>
-              <a:rPr lang="de-DE" baseline="0" dirty="0" smtClean="0"/>
-              <a:t> </a:t>
-            </a:r>
-            <a:r>
-              <a:rPr lang="de-DE" baseline="0" dirty="0" err="1" smtClean="0"/>
+              <a:rPr lang="de-DE" baseline="0" dirty="0"/>
+              <a:t> </a:t>
+            </a:r>
+            <a:r>
+              <a:rPr lang="de-DE" baseline="0" dirty="0" err="1"/>
               <a:t>regulation</a:t>
             </a:r>
             <a:r>
-              <a:rPr lang="de-DE" baseline="0" dirty="0" smtClean="0"/>
-              <a:t> </a:t>
-            </a:r>
-            <a:r>
-              <a:rPr lang="de-DE" baseline="0" dirty="0" err="1" smtClean="0"/>
+              <a:rPr lang="de-DE" baseline="0" dirty="0"/>
+              <a:t> </a:t>
+            </a:r>
+            <a:r>
+              <a:rPr lang="de-DE" baseline="0" dirty="0" err="1"/>
               <a:t>of</a:t>
             </a:r>
             <a:r>
-              <a:rPr lang="de-DE" baseline="0" dirty="0" smtClean="0"/>
+              <a:rPr lang="de-DE" baseline="0" dirty="0"/>
               <a:t> RNA</a:t>
             </a:r>
           </a:p>
@@ -7027,111 +6975,111 @@
               <a:buNone/>
             </a:pPr>
             <a:r>
-              <a:rPr lang="de-DE" baseline="0" dirty="0" err="1" smtClean="0"/>
+              <a:rPr lang="de-DE" baseline="0" dirty="0" err="1"/>
               <a:t>We</a:t>
             </a:r>
             <a:r>
-              <a:rPr lang="de-DE" baseline="0" dirty="0" smtClean="0"/>
-              <a:t> </a:t>
-            </a:r>
-            <a:r>
-              <a:rPr lang="de-DE" baseline="0" dirty="0" err="1" smtClean="0"/>
+              <a:rPr lang="de-DE" baseline="0" dirty="0"/>
+              <a:t> </a:t>
+            </a:r>
+            <a:r>
+              <a:rPr lang="de-DE" baseline="0" dirty="0" err="1"/>
               <a:t>looked</a:t>
             </a:r>
             <a:r>
-              <a:rPr lang="de-DE" baseline="0" dirty="0" smtClean="0"/>
+              <a:rPr lang="de-DE" baseline="0" dirty="0"/>
               <a:t> at 2 </a:t>
             </a:r>
             <a:r>
-              <a:rPr lang="de-DE" baseline="0" dirty="0" err="1" smtClean="0"/>
+              <a:rPr lang="de-DE" baseline="0" dirty="0" err="1"/>
               <a:t>phases</a:t>
             </a:r>
             <a:r>
-              <a:rPr lang="de-DE" baseline="0" dirty="0" smtClean="0"/>
-              <a:t> </a:t>
-            </a:r>
-            <a:r>
-              <a:rPr lang="de-DE" baseline="0" dirty="0" err="1" smtClean="0"/>
+              <a:rPr lang="de-DE" baseline="0" dirty="0"/>
+              <a:t> </a:t>
+            </a:r>
+            <a:r>
+              <a:rPr lang="de-DE" baseline="0" dirty="0" err="1"/>
               <a:t>of</a:t>
             </a:r>
             <a:r>
-              <a:rPr lang="de-DE" baseline="0" dirty="0" smtClean="0"/>
-              <a:t> </a:t>
-            </a:r>
-            <a:r>
-              <a:rPr lang="de-DE" baseline="0" dirty="0" err="1" smtClean="0"/>
+              <a:rPr lang="de-DE" baseline="0" dirty="0"/>
+              <a:t> </a:t>
+            </a:r>
+            <a:r>
+              <a:rPr lang="de-DE" baseline="0" dirty="0" err="1"/>
               <a:t>the</a:t>
             </a:r>
             <a:r>
-              <a:rPr lang="de-DE" baseline="0" dirty="0" smtClean="0"/>
-              <a:t> </a:t>
-            </a:r>
-            <a:r>
-              <a:rPr lang="de-DE" baseline="0" dirty="0" err="1" smtClean="0"/>
+              <a:rPr lang="de-DE" baseline="0" dirty="0"/>
+              <a:t> </a:t>
+            </a:r>
+            <a:r>
+              <a:rPr lang="de-DE" baseline="0" dirty="0" err="1"/>
               <a:t>cell</a:t>
             </a:r>
             <a:r>
-              <a:rPr lang="de-DE" baseline="0" dirty="0" smtClean="0"/>
-              <a:t> </a:t>
-            </a:r>
-            <a:r>
-              <a:rPr lang="de-DE" baseline="0" dirty="0" err="1" smtClean="0"/>
+              <a:rPr lang="de-DE" baseline="0" dirty="0"/>
+              <a:t> </a:t>
+            </a:r>
+            <a:r>
+              <a:rPr lang="de-DE" baseline="0" dirty="0" err="1"/>
               <a:t>cycle</a:t>
             </a:r>
             <a:r>
-              <a:rPr lang="de-DE" baseline="0" dirty="0" smtClean="0"/>
-              <a:t> </a:t>
-            </a:r>
-            <a:r>
-              <a:rPr lang="de-DE" baseline="0" dirty="0" err="1" smtClean="0"/>
+              <a:rPr lang="de-DE" baseline="0" dirty="0"/>
+              <a:t> </a:t>
+            </a:r>
+            <a:r>
+              <a:rPr lang="de-DE" baseline="0" dirty="0" err="1"/>
               <a:t>to</a:t>
             </a:r>
             <a:r>
-              <a:rPr lang="de-DE" baseline="0" dirty="0" smtClean="0"/>
-              <a:t> </a:t>
-            </a:r>
-            <a:r>
-              <a:rPr lang="de-DE" baseline="0" dirty="0" err="1" smtClean="0"/>
+              <a:rPr lang="de-DE" baseline="0" dirty="0"/>
+              <a:t> </a:t>
+            </a:r>
+            <a:r>
+              <a:rPr lang="de-DE" baseline="0" dirty="0" err="1"/>
               <a:t>see</a:t>
             </a:r>
             <a:r>
-              <a:rPr lang="de-DE" baseline="0" dirty="0" smtClean="0"/>
-              <a:t> </a:t>
-            </a:r>
-            <a:r>
-              <a:rPr lang="de-DE" baseline="0" dirty="0" err="1" smtClean="0"/>
+              <a:rPr lang="de-DE" baseline="0" dirty="0"/>
+              <a:t> </a:t>
+            </a:r>
+            <a:r>
+              <a:rPr lang="de-DE" baseline="0" dirty="0" err="1"/>
               <a:t>if</a:t>
             </a:r>
             <a:r>
-              <a:rPr lang="de-DE" baseline="0" dirty="0" smtClean="0"/>
-              <a:t> </a:t>
-            </a:r>
-            <a:r>
-              <a:rPr lang="de-DE" baseline="0" dirty="0" err="1" smtClean="0"/>
+              <a:rPr lang="de-DE" baseline="0" dirty="0"/>
+              <a:t> </a:t>
+            </a:r>
+            <a:r>
+              <a:rPr lang="de-DE" baseline="0" dirty="0" err="1"/>
               <a:t>we</a:t>
             </a:r>
             <a:r>
-              <a:rPr lang="de-DE" baseline="0" dirty="0" smtClean="0"/>
-              <a:t> </a:t>
-            </a:r>
-            <a:r>
-              <a:rPr lang="de-DE" baseline="0" dirty="0" err="1" smtClean="0"/>
+              <a:rPr lang="de-DE" baseline="0" dirty="0"/>
+              <a:t> </a:t>
+            </a:r>
+            <a:r>
+              <a:rPr lang="de-DE" baseline="0" dirty="0" err="1"/>
               <a:t>could</a:t>
             </a:r>
             <a:r>
-              <a:rPr lang="de-DE" baseline="0" dirty="0" smtClean="0"/>
-              <a:t> </a:t>
-            </a:r>
-            <a:r>
-              <a:rPr lang="de-DE" baseline="0" dirty="0" err="1" smtClean="0"/>
+              <a:rPr lang="de-DE" baseline="0" dirty="0"/>
+              <a:t> </a:t>
+            </a:r>
+            <a:r>
+              <a:rPr lang="de-DE" baseline="0" dirty="0" err="1"/>
               <a:t>identify</a:t>
             </a:r>
             <a:r>
-              <a:rPr lang="de-DE" baseline="0" dirty="0" smtClean="0"/>
-              <a:t> </a:t>
-            </a:r>
-            <a:r>
-              <a:rPr lang="de-DE" baseline="0" dirty="0" err="1" smtClean="0"/>
+              <a:rPr lang="de-DE" baseline="0" dirty="0"/>
+              <a:t> </a:t>
+            </a:r>
+            <a:r>
+              <a:rPr lang="de-DE" baseline="0" dirty="0" err="1"/>
               <a:t>changes</a:t>
             </a:r>
             <a:endParaRPr lang="de-DE" dirty="0"/>
@@ -7321,7 +7269,7 @@
           <a:p>
             <a:fld id="{4C41AFD5-5EF3-415F-9F0B-4492BA775CD3}" type="datetime1">
               <a:rPr lang="de-DE" smtClean="0"/>
-              <a:t>14.07.2022</a:t>
+              <a:t>15.07.2022</a:t>
             </a:fld>
             <a:endParaRPr lang="de-DE" dirty="0"/>
           </a:p>
@@ -7519,7 +7467,7 @@
           <a:p>
             <a:fld id="{BA225CD3-E3C7-4284-82B6-D3CC5F3C340C}" type="datetime1">
               <a:rPr lang="de-DE" smtClean="0"/>
-              <a:t>14.07.2022</a:t>
+              <a:t>15.07.2022</a:t>
             </a:fld>
             <a:endParaRPr lang="de-DE" dirty="0"/>
           </a:p>
@@ -7727,7 +7675,7 @@
           <a:p>
             <a:fld id="{B77A8850-3A74-4291-B8EC-899B7DFC2FD7}" type="datetime1">
               <a:rPr lang="de-DE" smtClean="0"/>
-              <a:t>14.07.2022</a:t>
+              <a:t>15.07.2022</a:t>
             </a:fld>
             <a:endParaRPr lang="de-DE" dirty="0"/>
           </a:p>
@@ -7925,7 +7873,7 @@
           <a:p>
             <a:fld id="{56B77935-0F02-486B-93E2-1A62BA52A9DC}" type="datetime1">
               <a:rPr lang="de-DE" smtClean="0"/>
-              <a:t>14.07.2022</a:t>
+              <a:t>15.07.2022</a:t>
             </a:fld>
             <a:endParaRPr lang="de-DE" dirty="0"/>
           </a:p>
@@ -8200,7 +8148,7 @@
           <a:p>
             <a:fld id="{F3346B55-F93A-4A82-B394-5844EB08D3EE}" type="datetime1">
               <a:rPr lang="de-DE" smtClean="0"/>
-              <a:t>14.07.2022</a:t>
+              <a:t>15.07.2022</a:t>
             </a:fld>
             <a:endParaRPr lang="de-DE" dirty="0"/>
           </a:p>
@@ -8465,7 +8413,7 @@
           <a:p>
             <a:fld id="{56D90E57-9042-4FB1-9DB0-BAB388798E9F}" type="datetime1">
               <a:rPr lang="de-DE" smtClean="0"/>
-              <a:t>14.07.2022</a:t>
+              <a:t>15.07.2022</a:t>
             </a:fld>
             <a:endParaRPr lang="de-DE" dirty="0"/>
           </a:p>
@@ -8877,7 +8825,7 @@
           <a:p>
             <a:fld id="{CA3BE1AF-841F-4B25-AE94-453CAF9C5BFF}" type="datetime1">
               <a:rPr lang="de-DE" smtClean="0"/>
-              <a:t>14.07.2022</a:t>
+              <a:t>15.07.2022</a:t>
             </a:fld>
             <a:endParaRPr lang="de-DE" dirty="0"/>
           </a:p>
@@ -9018,7 +8966,7 @@
           <a:p>
             <a:fld id="{D077077D-0C95-40B3-BB8B-96239E34F330}" type="datetime1">
               <a:rPr lang="de-DE" smtClean="0"/>
-              <a:t>14.07.2022</a:t>
+              <a:t>15.07.2022</a:t>
             </a:fld>
             <a:endParaRPr lang="de-DE" dirty="0"/>
           </a:p>
@@ -9131,7 +9079,7 @@
           <a:p>
             <a:fld id="{F3FE1BFC-C431-4CE0-8637-2AA7341065DA}" type="datetime1">
               <a:rPr lang="de-DE" smtClean="0"/>
-              <a:t>14.07.2022</a:t>
+              <a:t>15.07.2022</a:t>
             </a:fld>
             <a:endParaRPr lang="de-DE" dirty="0"/>
           </a:p>
@@ -9442,7 +9390,7 @@
           <a:p>
             <a:fld id="{D4A7182B-B9BE-4267-9D89-433FC66079F1}" type="datetime1">
               <a:rPr lang="de-DE" smtClean="0"/>
-              <a:t>14.07.2022</a:t>
+              <a:t>15.07.2022</a:t>
             </a:fld>
             <a:endParaRPr lang="de-DE" dirty="0"/>
           </a:p>
@@ -9730,7 +9678,7 @@
           <a:p>
             <a:fld id="{3C9B8F85-A77D-4AA7-B335-BF3E3C502D74}" type="datetime1">
               <a:rPr lang="de-DE" smtClean="0"/>
-              <a:t>14.07.2022</a:t>
+              <a:t>15.07.2022</a:t>
             </a:fld>
             <a:endParaRPr lang="de-DE" dirty="0"/>
           </a:p>
@@ -9974,7 +9922,7 @@
           <a:p>
             <a:fld id="{59D52E96-2B6B-4C69-B67F-9C08F3E73303}" type="datetime1">
               <a:rPr lang="de-DE" smtClean="0"/>
-              <a:t>14.07.2022</a:t>
+              <a:t>15.07.2022</a:t>
             </a:fld>
             <a:endParaRPr lang="de-DE" dirty="0"/>
           </a:p>
@@ -10400,7 +10348,7 @@
                 <a16:creationId xmlns:a16="http://schemas.microsoft.com/office/drawing/2014/main" id="{41E60544-1BC9-CE72-0547-00E3C87E7E62}"/>
               </a:ext>
               <a:ext uri="{C183D7F6-B498-43B3-948B-1728B52AA6E4}">
-                <adec:decorative xmlns:adec="http://schemas.microsoft.com/office/drawing/2017/decorative" xmlns="" val="0"/>
+                <adec:decorative xmlns:adec="http://schemas.microsoft.com/office/drawing/2017/decorative" val="0"/>
               </a:ext>
             </a:extLst>
           </p:cNvPr>
@@ -10438,7 +10386,7 @@
                 <a16:creationId xmlns:a16="http://schemas.microsoft.com/office/drawing/2014/main" id="{D928DD85-BB99-450D-A702-2683E0296282}"/>
               </a:ext>
               <a:ext uri="{C183D7F6-B498-43B3-948B-1728B52AA6E4}">
-                <adec:decorative xmlns:adec="http://schemas.microsoft.com/office/drawing/2017/decorative" xmlns="" val="1"/>
+                <adec:decorative xmlns:adec="http://schemas.microsoft.com/office/drawing/2017/decorative" val="1"/>
               </a:ext>
             </a:extLst>
           </p:cNvPr>
@@ -10595,7 +10543,7 @@
                 <a16:creationId xmlns:a16="http://schemas.microsoft.com/office/drawing/2014/main" id="{240E5BD2-4019-4012-A1AA-628900E659E9}"/>
               </a:ext>
               <a:ext uri="{C183D7F6-B498-43B3-948B-1728B52AA6E4}">
-                <adec:decorative xmlns:adec="http://schemas.microsoft.com/office/drawing/2017/decorative" xmlns="" val="1"/>
+                <adec:decorative xmlns:adec="http://schemas.microsoft.com/office/drawing/2017/decorative" val="1"/>
               </a:ext>
             </a:extLst>
           </p:cNvPr>
@@ -10774,13 +10722,8 @@
             <a:pPr algn="l"/>
             <a:r>
               <a:rPr lang="en-GB" sz="4000" b="1" noProof="0" dirty="0"/>
-              <a:t>Proteome-wide Screen for RNA-dependent Proteins in HeLa cells </a:t>
-            </a:r>
-            <a:r>
-              <a:rPr lang="en-GB" sz="4000" b="1" noProof="0" dirty="0" smtClean="0"/>
-              <a:t>during Interphase &amp; Mitosis</a:t>
-            </a:r>
-            <a:endParaRPr lang="en-GB" sz="4000" b="1" noProof="0" dirty="0"/>
+              <a:t>Proteome-wide Screen for RNA-dependent Proteins in HeLa cells during Interphase &amp; Mitosis</a:t>
+            </a:r>
           </a:p>
         </p:txBody>
       </p:sp>
@@ -10814,67 +10757,49 @@
           <a:p>
             <a:pPr algn="l"/>
             <a:r>
-              <a:rPr lang="en-GB" noProof="0" dirty="0" smtClean="0">
-                <a:latin typeface="+mj-lt"/>
-              </a:rPr>
-              <a:t>Data </a:t>
-            </a:r>
-            <a:r>
               <a:rPr lang="en-GB" noProof="0" dirty="0">
                 <a:latin typeface="+mj-lt"/>
               </a:rPr>
-              <a:t>Analysis Project 2022</a:t>
+              <a:t>Data Analysis Project 2022</a:t>
             </a:r>
           </a:p>
           <a:p>
             <a:pPr algn="l"/>
             <a:r>
-              <a:rPr lang="en-GB" sz="1200" dirty="0" smtClean="0"/>
+              <a:rPr lang="en-GB" sz="1200" dirty="0"/>
               <a:t>Team</a:t>
             </a:r>
             <a:r>
-              <a:rPr lang="en-GB" sz="1200" noProof="0" dirty="0" smtClean="0"/>
-              <a:t> </a:t>
-            </a:r>
-            <a:r>
               <a:rPr lang="en-GB" sz="1200" noProof="0" dirty="0"/>
-              <a:t>5: </a:t>
-            </a:r>
-            <a:r>
-              <a:rPr lang="en-GB" sz="1200" noProof="0" dirty="0" smtClean="0"/>
-              <a:t>Laure </a:t>
-            </a:r>
-            <a:r>
-              <a:rPr lang="en-GB" sz="1200" noProof="0" dirty="0" err="1" smtClean="0"/>
+              <a:t> 5: Laure </a:t>
+            </a:r>
+            <a:r>
+              <a:rPr lang="en-GB" sz="1200" noProof="0" dirty="0" err="1"/>
               <a:t>Herfurrth</a:t>
             </a:r>
             <a:r>
-              <a:rPr lang="en-GB" sz="1200" noProof="0" dirty="0" smtClean="0"/>
+              <a:rPr lang="en-GB" sz="1200" noProof="0" dirty="0"/>
               <a:t>, Katharina Lotter, </a:t>
             </a:r>
             <a:r>
-              <a:rPr lang="en-GB" sz="1200" noProof="0" dirty="0" err="1" smtClean="0"/>
+              <a:rPr lang="en-GB" sz="1200" noProof="0" dirty="0" err="1"/>
               <a:t>Kiren</a:t>
             </a:r>
             <a:r>
-              <a:rPr lang="en-GB" sz="1200" noProof="0" dirty="0" smtClean="0"/>
+              <a:rPr lang="en-GB" sz="1200" noProof="0" dirty="0"/>
               <a:t> Nadeem, Marie Lulu </a:t>
             </a:r>
             <a:r>
-              <a:rPr lang="en-GB" sz="1200" noProof="0" dirty="0" err="1" smtClean="0"/>
+              <a:rPr lang="en-GB" sz="1200" noProof="0" dirty="0" err="1"/>
               <a:t>Salein</a:t>
             </a:r>
-            <a:endParaRPr lang="en-GB" sz="1200" noProof="0" dirty="0" smtClean="0"/>
+            <a:endParaRPr lang="en-GB" sz="1200" noProof="0" dirty="0"/>
           </a:p>
           <a:p>
             <a:pPr algn="l"/>
             <a:r>
-              <a:rPr lang="en-GB" sz="1200" noProof="0" dirty="0" smtClean="0"/>
-              <a:t>Supervisors</a:t>
-            </a:r>
-            <a:r>
               <a:rPr lang="en-GB" sz="1200" noProof="0" dirty="0"/>
-              <a:t>: </a:t>
+              <a:t>Supervisors: </a:t>
             </a:r>
             <a:r>
               <a:rPr lang="en-GB" sz="1200" noProof="0" dirty="0" err="1"/>
@@ -10926,17 +10851,13 @@
             </a:r>
             <a:r>
               <a:rPr lang="en-GB" sz="1200" noProof="0" dirty="0"/>
-              <a:t> University of </a:t>
-            </a:r>
-            <a:r>
-              <a:rPr lang="en-GB" sz="1200" noProof="0" dirty="0" smtClean="0"/>
-              <a:t>Heidelberg</a:t>
+              <a:t> University of Heidelberg</a:t>
             </a:r>
           </a:p>
           <a:p>
             <a:pPr algn="l"/>
             <a:r>
-              <a:rPr lang="en-GB" sz="1200" dirty="0" smtClean="0"/>
+              <a:rPr lang="en-GB" sz="1200" dirty="0"/>
               <a:t>19.07.2022</a:t>
             </a:r>
             <a:endParaRPr lang="en-GB" sz="1200" noProof="0" dirty="0"/>
@@ -11043,13 +10964,6 @@
   <p:clrMapOvr>
     <a:overrideClrMapping bg1="dk1" tx1="lt1" bg2="dk2" tx2="lt2" accent1="accent1" accent2="accent2" accent3="accent3" accent4="accent4" accent5="accent5" accent6="accent6" hlink="hlink" folHlink="folHlink"/>
   </p:clrMapOvr>
-  <p:timing>
-    <p:tnLst>
-      <p:par>
-        <p:cTn id="1" dur="indefinite" restart="never" nodeType="tmRoot"/>
-      </p:par>
-    </p:tnLst>
-  </p:timing>
 </p:sld>
 </file>
 
@@ -11143,7 +11057,7 @@
           <a:lstStyle/>
           <a:p>
             <a:r>
-              <a:rPr lang="en-US" sz="3600" dirty="0" smtClean="0">
+              <a:rPr lang="en-US" sz="3600" dirty="0">
                 <a:solidFill>
                   <a:schemeClr val="bg1"/>
                 </a:solidFill>
@@ -11246,34 +11160,33 @@
           <a:lstStyle/>
           <a:p>
             <a:r>
-              <a:rPr lang="de-DE" sz="2400" dirty="0" smtClean="0"/>
+              <a:rPr lang="de-DE" sz="2400" dirty="0"/>
               <a:t>Do </a:t>
             </a:r>
             <a:r>
-              <a:rPr lang="de-DE" sz="2400" dirty="0" err="1" smtClean="0"/>
+              <a:rPr lang="de-DE" sz="2400" dirty="0" err="1"/>
               <a:t>the</a:t>
             </a:r>
             <a:r>
-              <a:rPr lang="de-DE" sz="2400" dirty="0" smtClean="0"/>
-              <a:t> </a:t>
-            </a:r>
-            <a:r>
-              <a:rPr lang="de-DE" sz="2400" dirty="0" err="1" smtClean="0"/>
+              <a:rPr lang="de-DE" sz="2400" dirty="0"/>
+              <a:t> </a:t>
+            </a:r>
+            <a:r>
+              <a:rPr lang="de-DE" sz="2400" dirty="0" err="1"/>
               <a:t>maxima</a:t>
             </a:r>
             <a:r>
-              <a:rPr lang="de-DE" sz="2400" dirty="0" smtClean="0"/>
-              <a:t> </a:t>
-            </a:r>
-            <a:r>
-              <a:rPr lang="de-DE" sz="2400" dirty="0" err="1" smtClean="0"/>
+              <a:rPr lang="de-DE" sz="2400" dirty="0"/>
+              <a:t> </a:t>
+            </a:r>
+            <a:r>
+              <a:rPr lang="de-DE" sz="2400" dirty="0" err="1"/>
               <a:t>align</a:t>
             </a:r>
             <a:r>
-              <a:rPr lang="de-DE" sz="2400" dirty="0" smtClean="0"/>
+              <a:rPr lang="de-DE" sz="2400" dirty="0"/>
               <a:t>?</a:t>
             </a:r>
-            <a:endParaRPr lang="de-DE" sz="2400" dirty="0"/>
           </a:p>
         </p:txBody>
       </p:sp>
@@ -11285,7 +11198,7 @@
         </p:nvSpPr>
         <p:spPr>
           <a:xfrm>
-            <a:off x="180227" y="2574251"/>
+            <a:off x="838200" y="2630305"/>
             <a:ext cx="6250898" cy="461665"/>
           </a:xfrm>
           <a:prstGeom prst="rect">
@@ -11300,50 +11213,49 @@
           <a:lstStyle/>
           <a:p>
             <a:r>
-              <a:rPr lang="de-DE" sz="2400" dirty="0" smtClean="0"/>
+              <a:rPr lang="de-DE" sz="2400" dirty="0"/>
               <a:t>Maxima </a:t>
             </a:r>
             <a:r>
-              <a:rPr lang="de-DE" sz="2400" dirty="0" err="1" smtClean="0"/>
-              <a:t>had</a:t>
-            </a:r>
-            <a:r>
-              <a:rPr lang="de-DE" sz="2400" dirty="0" smtClean="0"/>
-              <a:t> </a:t>
-            </a:r>
-            <a:r>
-              <a:rPr lang="de-DE" sz="2400" dirty="0" err="1" smtClean="0"/>
+              <a:rPr lang="de-DE" sz="2400" dirty="0" err="1"/>
+              <a:t>have</a:t>
+            </a:r>
+            <a:r>
+              <a:rPr lang="de-DE" sz="2400" dirty="0"/>
+              <a:t> </a:t>
+            </a:r>
+            <a:r>
+              <a:rPr lang="de-DE" sz="2400" dirty="0" err="1"/>
               <a:t>to</a:t>
             </a:r>
             <a:r>
-              <a:rPr lang="de-DE" sz="2400" dirty="0" smtClean="0"/>
-              <a:t> </a:t>
-            </a:r>
-            <a:r>
-              <a:rPr lang="de-DE" sz="2400" dirty="0" err="1" smtClean="0"/>
+              <a:rPr lang="de-DE" sz="2400" dirty="0"/>
+              <a:t> </a:t>
+            </a:r>
+            <a:r>
+              <a:rPr lang="de-DE" sz="2400" dirty="0" err="1"/>
               <a:t>be</a:t>
             </a:r>
             <a:r>
-              <a:rPr lang="de-DE" sz="2400" dirty="0" smtClean="0"/>
+              <a:rPr lang="de-DE" sz="2400" dirty="0"/>
               <a:t> in </a:t>
             </a:r>
             <a:r>
-              <a:rPr lang="de-DE" sz="2400" dirty="0" err="1" smtClean="0"/>
+              <a:rPr lang="de-DE" sz="2400" dirty="0" err="1"/>
               <a:t>the</a:t>
             </a:r>
             <a:r>
-              <a:rPr lang="de-DE" sz="2400" dirty="0" smtClean="0"/>
+              <a:rPr lang="de-DE" sz="2400" dirty="0"/>
               <a:t> same </a:t>
             </a:r>
             <a:r>
-              <a:rPr lang="de-DE" sz="2400" dirty="0" err="1" smtClean="0"/>
+              <a:rPr lang="de-DE" sz="2400" dirty="0" err="1"/>
               <a:t>fraction</a:t>
             </a:r>
             <a:r>
-              <a:rPr lang="de-DE" sz="2400" dirty="0" smtClean="0"/>
+              <a:rPr lang="de-DE" sz="2400" dirty="0"/>
               <a:t> (+/-1)</a:t>
             </a:r>
-            <a:endParaRPr lang="de-DE" sz="2400" dirty="0"/>
           </a:p>
         </p:txBody>
       </p:sp>
@@ -11390,7 +11302,7 @@
           <a:p>
             <a:pPr algn="ctr"/>
             <a:r>
-              <a:rPr lang="de-DE" sz="3200" dirty="0" err="1" smtClean="0"/>
+              <a:rPr lang="de-DE" sz="3200" dirty="0" err="1"/>
               <a:t>Reproducibility</a:t>
             </a:r>
             <a:endParaRPr lang="de-DE" sz="3200" b="1" dirty="0">
@@ -11410,13 +11322,6 @@
   <p:clrMapOvr>
     <a:masterClrMapping/>
   </p:clrMapOvr>
-  <p:timing>
-    <p:tnLst>
-      <p:par>
-        <p:cTn id="1" dur="indefinite" restart="never" nodeType="tmRoot"/>
-      </p:par>
-    </p:tnLst>
-  </p:timing>
 </p:sld>
 </file>
 
@@ -11510,7 +11415,7 @@
           <a:lstStyle/>
           <a:p>
             <a:r>
-              <a:rPr lang="en-US" sz="3600" dirty="0" smtClean="0">
+              <a:rPr lang="en-US" sz="3600" dirty="0">
                 <a:solidFill>
                   <a:schemeClr val="bg1"/>
                 </a:solidFill>
@@ -11703,14 +11608,9 @@
           <a:lstStyle/>
           <a:p>
             <a:r>
-              <a:rPr lang="de-DE" sz="2200" i="1" dirty="0" smtClean="0"/>
-              <a:t>Global </a:t>
-            </a:r>
-            <a:r>
-              <a:rPr lang="de-DE" sz="2200" i="1" dirty="0" smtClean="0"/>
-              <a:t>Maxima</a:t>
-            </a:r>
-            <a:endParaRPr lang="de-DE" sz="2200" i="1" dirty="0" smtClean="0"/>
+              <a:rPr lang="de-DE" sz="2200" i="1" dirty="0"/>
+              <a:t>Global Maxima</a:t>
+            </a:r>
           </a:p>
           <a:p>
             <a:pPr marL="285750" indent="-285750">
@@ -11718,31 +11618,31 @@
               <a:buChar char="•"/>
             </a:pPr>
             <a:r>
-              <a:rPr lang="de-DE" sz="2200" dirty="0" err="1" smtClean="0"/>
+              <a:rPr lang="de-DE" sz="2200" dirty="0" err="1"/>
               <a:t>Highest</a:t>
             </a:r>
             <a:r>
-              <a:rPr lang="de-DE" sz="2200" dirty="0" smtClean="0"/>
-              <a:t> </a:t>
-            </a:r>
-            <a:r>
-              <a:rPr lang="de-DE" sz="2200" dirty="0" err="1" smtClean="0"/>
+              <a:rPr lang="de-DE" sz="2200" dirty="0"/>
+              <a:t> </a:t>
+            </a:r>
+            <a:r>
+              <a:rPr lang="de-DE" sz="2200" dirty="0" err="1"/>
               <a:t>amount</a:t>
             </a:r>
             <a:r>
-              <a:rPr lang="de-DE" sz="2200" dirty="0" smtClean="0"/>
-              <a:t> </a:t>
-            </a:r>
-            <a:r>
-              <a:rPr lang="de-DE" sz="2200" dirty="0" err="1" smtClean="0"/>
+              <a:rPr lang="de-DE" sz="2200" dirty="0"/>
+              <a:t> </a:t>
+            </a:r>
+            <a:r>
+              <a:rPr lang="de-DE" sz="2200" dirty="0" err="1"/>
               <a:t>of</a:t>
             </a:r>
             <a:r>
-              <a:rPr lang="de-DE" sz="2200" dirty="0" smtClean="0"/>
-              <a:t> </a:t>
-            </a:r>
-            <a:r>
-              <a:rPr lang="de-DE" sz="2200" dirty="0" err="1" smtClean="0"/>
+              <a:rPr lang="de-DE" sz="2200" dirty="0"/>
+              <a:t> </a:t>
+            </a:r>
+            <a:r>
+              <a:rPr lang="de-DE" sz="2200" dirty="0" err="1"/>
               <a:t>protein</a:t>
             </a:r>
             <a:endParaRPr lang="de-DE" sz="2200" dirty="0"/>
@@ -11772,11 +11672,11 @@
           <a:lstStyle/>
           <a:p>
             <a:r>
-              <a:rPr lang="de-DE" sz="2200" b="1" dirty="0" err="1" smtClean="0"/>
+              <a:rPr lang="de-DE" sz="2200" b="1" dirty="0" err="1"/>
               <a:t>Local</a:t>
             </a:r>
             <a:r>
-              <a:rPr lang="de-DE" sz="2200" b="1" dirty="0" smtClean="0"/>
+              <a:rPr lang="de-DE" sz="2200" b="1" dirty="0"/>
               <a:t> Maxima</a:t>
             </a:r>
           </a:p>
@@ -11812,62 +11712,62 @@
               <a:buChar char="•"/>
             </a:pPr>
             <a:r>
-              <a:rPr lang="de-DE" sz="2200" dirty="0" smtClean="0"/>
+              <a:rPr lang="de-DE" sz="2200" dirty="0"/>
               <a:t>Higher </a:t>
             </a:r>
             <a:r>
-              <a:rPr lang="de-DE" sz="2200" dirty="0" err="1" smtClean="0"/>
+              <a:rPr lang="de-DE" sz="2200" dirty="0" err="1"/>
               <a:t>value</a:t>
             </a:r>
             <a:r>
-              <a:rPr lang="de-DE" sz="2200" dirty="0" smtClean="0"/>
-              <a:t> </a:t>
-            </a:r>
-            <a:r>
-              <a:rPr lang="de-DE" sz="2200" dirty="0" err="1" smtClean="0"/>
+              <a:rPr lang="de-DE" sz="2200" dirty="0"/>
+              <a:t> </a:t>
+            </a:r>
+            <a:r>
+              <a:rPr lang="de-DE" sz="2200" dirty="0" err="1"/>
               <a:t>than</a:t>
             </a:r>
             <a:r>
-              <a:rPr lang="de-DE" sz="2200" dirty="0" smtClean="0"/>
-              <a:t> </a:t>
-            </a:r>
-            <a:r>
-              <a:rPr lang="de-DE" sz="2200" dirty="0" err="1" smtClean="0"/>
+              <a:rPr lang="de-DE" sz="2200" dirty="0"/>
+              <a:t> </a:t>
+            </a:r>
+            <a:r>
+              <a:rPr lang="de-DE" sz="2200" dirty="0" err="1"/>
               <a:t>the</a:t>
             </a:r>
             <a:r>
-              <a:rPr lang="de-DE" sz="2200" dirty="0" smtClean="0"/>
+              <a:rPr lang="de-DE" sz="2200" dirty="0"/>
               <a:t> 2 </a:t>
             </a:r>
             <a:r>
-              <a:rPr lang="de-DE" sz="2200" dirty="0" err="1" smtClean="0"/>
+              <a:rPr lang="de-DE" sz="2200" dirty="0" err="1"/>
               <a:t>fractions</a:t>
             </a:r>
             <a:r>
-              <a:rPr lang="de-DE" sz="2200" dirty="0" smtClean="0"/>
-              <a:t> </a:t>
-            </a:r>
-            <a:r>
-              <a:rPr lang="de-DE" sz="2200" dirty="0" err="1" smtClean="0"/>
+              <a:rPr lang="de-DE" sz="2200" dirty="0"/>
+              <a:t> </a:t>
+            </a:r>
+            <a:r>
+              <a:rPr lang="de-DE" sz="2200" dirty="0" err="1"/>
               <a:t>to</a:t>
             </a:r>
             <a:r>
-              <a:rPr lang="de-DE" sz="2200" dirty="0" smtClean="0"/>
-              <a:t> </a:t>
-            </a:r>
-            <a:r>
-              <a:rPr lang="de-DE" sz="2200" dirty="0" err="1" smtClean="0"/>
+              <a:rPr lang="de-DE" sz="2200" dirty="0"/>
+              <a:t> </a:t>
+            </a:r>
+            <a:r>
+              <a:rPr lang="de-DE" sz="2200" dirty="0" err="1"/>
               <a:t>each</a:t>
             </a:r>
             <a:r>
-              <a:rPr lang="de-DE" sz="2200" dirty="0" smtClean="0"/>
-              <a:t> </a:t>
-            </a:r>
-            <a:r>
-              <a:rPr lang="de-DE" sz="2200" dirty="0" err="1" smtClean="0"/>
+              <a:rPr lang="de-DE" sz="2200" dirty="0"/>
+              <a:t> </a:t>
+            </a:r>
+            <a:r>
+              <a:rPr lang="de-DE" sz="2200" dirty="0" err="1"/>
               <a:t>side</a:t>
             </a:r>
-            <a:endParaRPr lang="de-DE" sz="2200" dirty="0" smtClean="0"/>
+            <a:endParaRPr lang="de-DE" sz="2200" dirty="0"/>
           </a:p>
           <a:p>
             <a:pPr marL="285750" indent="-285750">
@@ -11875,35 +11775,35 @@
               <a:buChar char="•"/>
             </a:pPr>
             <a:r>
-              <a:rPr lang="de-DE" sz="2200" dirty="0" smtClean="0"/>
+              <a:rPr lang="de-DE" sz="2200" dirty="0"/>
               <a:t>At least 5 % </a:t>
             </a:r>
             <a:r>
-              <a:rPr lang="de-DE" sz="2200" dirty="0" err="1" smtClean="0"/>
+              <a:rPr lang="de-DE" sz="2200" dirty="0" err="1"/>
               <a:t>of</a:t>
             </a:r>
             <a:r>
-              <a:rPr lang="de-DE" sz="2200" dirty="0" smtClean="0"/>
-              <a:t> </a:t>
-            </a:r>
-            <a:r>
-              <a:rPr lang="de-DE" sz="2200" dirty="0" err="1" smtClean="0"/>
+              <a:rPr lang="de-DE" sz="2200" dirty="0"/>
+              <a:t> </a:t>
+            </a:r>
+            <a:r>
+              <a:rPr lang="de-DE" sz="2200" dirty="0" err="1"/>
               <a:t>the</a:t>
             </a:r>
             <a:r>
-              <a:rPr lang="de-DE" sz="2200" dirty="0" smtClean="0"/>
+              <a:rPr lang="de-DE" sz="2200" dirty="0"/>
               <a:t> total </a:t>
             </a:r>
             <a:r>
-              <a:rPr lang="de-DE" sz="2200" dirty="0" err="1" smtClean="0"/>
+              <a:rPr lang="de-DE" sz="2200" dirty="0" err="1"/>
               <a:t>protein</a:t>
             </a:r>
             <a:r>
-              <a:rPr lang="de-DE" sz="2200" dirty="0" smtClean="0"/>
-              <a:t> </a:t>
-            </a:r>
-            <a:r>
-              <a:rPr lang="de-DE" sz="2200" dirty="0" err="1" smtClean="0"/>
+              <a:rPr lang="de-DE" sz="2200" dirty="0"/>
+              <a:t> </a:t>
+            </a:r>
+            <a:r>
+              <a:rPr lang="de-DE" sz="2200" dirty="0" err="1"/>
               <a:t>amount</a:t>
             </a:r>
             <a:endParaRPr lang="de-DE" sz="2200" dirty="0"/>
@@ -11953,7 +11853,7 @@
           <a:p>
             <a:pPr algn="ctr"/>
             <a:r>
-              <a:rPr lang="de-DE" sz="3200" dirty="0" smtClean="0"/>
+              <a:rPr lang="de-DE" sz="3200" dirty="0"/>
               <a:t>Maxima</a:t>
             </a:r>
             <a:endParaRPr lang="de-DE" sz="3200" b="1" dirty="0">
@@ -12524,7 +12424,7 @@
           <a:lstStyle/>
           <a:p>
             <a:r>
-              <a:rPr lang="en-US" sz="3600" dirty="0" smtClean="0">
+              <a:rPr lang="en-US" sz="3600" dirty="0">
                 <a:solidFill>
                   <a:schemeClr val="bg1"/>
                 </a:solidFill>
@@ -12620,7 +12520,7 @@
         </p:blipFill>
         <p:spPr>
           <a:xfrm>
-            <a:off x="7029825" y="4682989"/>
+            <a:off x="7029824" y="4458619"/>
             <a:ext cx="3475832" cy="2156596"/>
           </a:xfrm>
           <a:prstGeom prst="rect">
@@ -12644,8 +12544,8 @@
         </p:blipFill>
         <p:spPr>
           <a:xfrm>
-            <a:off x="342720" y="3279004"/>
-            <a:ext cx="4086225" cy="2571750"/>
+            <a:off x="2371545" y="4458619"/>
+            <a:ext cx="3305355" cy="2080293"/>
           </a:xfrm>
           <a:prstGeom prst="rect">
             <a:avLst/>
@@ -12668,7 +12568,7 @@
         </p:blipFill>
         <p:spPr>
           <a:xfrm>
-            <a:off x="6975100" y="2039220"/>
+            <a:off x="7002462" y="1671972"/>
             <a:ext cx="3530557" cy="2145393"/>
           </a:xfrm>
           <a:prstGeom prst="rect">
@@ -12684,7 +12584,7 @@
         </p:nvSpPr>
         <p:spPr>
           <a:xfrm>
-            <a:off x="728434" y="2841329"/>
+            <a:off x="2623600" y="3980103"/>
             <a:ext cx="3053300" cy="430887"/>
           </a:xfrm>
           <a:prstGeom prst="rect">
@@ -12699,15 +12599,15 @@
           <a:lstStyle/>
           <a:p>
             <a:r>
-              <a:rPr lang="de-DE" sz="2200" dirty="0" err="1" smtClean="0"/>
+              <a:rPr lang="de-DE" sz="2200" dirty="0" err="1"/>
               <a:t>No</a:t>
             </a:r>
             <a:r>
-              <a:rPr lang="de-DE" sz="2200" dirty="0" smtClean="0"/>
-              <a:t> </a:t>
-            </a:r>
-            <a:r>
-              <a:rPr lang="de-DE" sz="2200" dirty="0" err="1" smtClean="0"/>
+              <a:rPr lang="de-DE" sz="2200" dirty="0"/>
+              <a:t> </a:t>
+            </a:r>
+            <a:r>
+              <a:rPr lang="de-DE" sz="2200" dirty="0" err="1"/>
               <a:t>shift</a:t>
             </a:r>
             <a:endParaRPr lang="de-DE" sz="2200" dirty="0"/>
@@ -12722,7 +12622,7 @@
         </p:nvSpPr>
         <p:spPr>
           <a:xfrm>
-            <a:off x="2670105" y="1058204"/>
+            <a:off x="2587764" y="1758177"/>
             <a:ext cx="3315694" cy="1446550"/>
           </a:xfrm>
           <a:prstGeom prst="rect">
@@ -12737,83 +12637,75 @@
           <a:lstStyle/>
           <a:p>
             <a:r>
-              <a:rPr lang="de-DE" sz="2200" dirty="0" smtClean="0"/>
-              <a:t>=Maxima </a:t>
-            </a:r>
-            <a:r>
-              <a:rPr lang="de-DE" sz="2200" dirty="0" err="1" smtClean="0"/>
+              <a:rPr lang="de-DE" sz="2200" dirty="0"/>
+              <a:t>= Maxima </a:t>
+            </a:r>
+            <a:r>
+              <a:rPr lang="de-DE" sz="2200" dirty="0" err="1"/>
               <a:t>of</a:t>
             </a:r>
             <a:r>
-              <a:rPr lang="de-DE" sz="2200" dirty="0" smtClean="0"/>
-              <a:t> </a:t>
-            </a:r>
-            <a:r>
-              <a:rPr lang="de-DE" sz="2200" dirty="0" err="1" smtClean="0"/>
+              <a:rPr lang="de-DE" sz="2200" dirty="0"/>
+              <a:t> </a:t>
+            </a:r>
+            <a:r>
+              <a:rPr lang="de-DE" sz="2200" dirty="0" err="1"/>
               <a:t>control</a:t>
             </a:r>
             <a:r>
-              <a:rPr lang="de-DE" sz="2200" dirty="0" smtClean="0"/>
-              <a:t> </a:t>
-            </a:r>
-            <a:r>
-              <a:rPr lang="de-DE" sz="2200" dirty="0" err="1" smtClean="0"/>
-              <a:t>and</a:t>
-            </a:r>
-            <a:r>
-              <a:rPr lang="de-DE" sz="2200" dirty="0" smtClean="0"/>
-              <a:t> </a:t>
-            </a:r>
-            <a:r>
-              <a:rPr lang="de-DE" sz="2200" dirty="0" err="1" smtClean="0"/>
+              <a:rPr lang="de-DE" sz="2200" dirty="0"/>
+              <a:t> and </a:t>
+            </a:r>
+            <a:r>
+              <a:rPr lang="de-DE" sz="2200" dirty="0" err="1"/>
               <a:t>RNase</a:t>
             </a:r>
             <a:r>
-              <a:rPr lang="de-DE" sz="2200" dirty="0" smtClean="0"/>
-              <a:t> </a:t>
-            </a:r>
-            <a:r>
-              <a:rPr lang="de-DE" sz="2200" dirty="0" err="1" smtClean="0"/>
+              <a:rPr lang="de-DE" sz="2200" dirty="0"/>
+              <a:t> </a:t>
+            </a:r>
+            <a:r>
+              <a:rPr lang="de-DE" sz="2200" dirty="0" err="1"/>
               <a:t>have</a:t>
             </a:r>
             <a:r>
-              <a:rPr lang="de-DE" sz="2200" dirty="0" smtClean="0"/>
+              <a:rPr lang="de-DE" sz="2200" dirty="0"/>
               <a:t> a </a:t>
             </a:r>
             <a:r>
-              <a:rPr lang="de-DE" sz="2200" dirty="0" err="1" smtClean="0"/>
+              <a:rPr lang="de-DE" sz="2200" dirty="0" err="1"/>
               <a:t>difference</a:t>
             </a:r>
             <a:r>
-              <a:rPr lang="de-DE" sz="2200" dirty="0" smtClean="0"/>
-              <a:t> </a:t>
-            </a:r>
-            <a:r>
-              <a:rPr lang="de-DE" sz="2200" dirty="0" err="1" smtClean="0"/>
+              <a:rPr lang="de-DE" sz="2200" dirty="0"/>
+              <a:t> </a:t>
+            </a:r>
+            <a:r>
+              <a:rPr lang="de-DE" sz="2200" dirty="0" err="1"/>
               <a:t>of</a:t>
             </a:r>
             <a:r>
-              <a:rPr lang="de-DE" sz="2200" dirty="0" smtClean="0"/>
+              <a:rPr lang="de-DE" sz="2200" dirty="0"/>
               <a:t> at least 2 </a:t>
             </a:r>
             <a:r>
-              <a:rPr lang="de-DE" sz="2200" dirty="0" err="1" smtClean="0"/>
+              <a:rPr lang="de-DE" sz="2200" dirty="0" err="1"/>
               <a:t>fractions</a:t>
             </a:r>
             <a:r>
-              <a:rPr lang="de-DE" sz="2200" dirty="0" smtClean="0"/>
+              <a:rPr lang="de-DE" sz="2200" dirty="0"/>
               <a:t> in </a:t>
             </a:r>
             <a:r>
-              <a:rPr lang="de-DE" sz="2200" dirty="0" err="1" smtClean="0"/>
+              <a:rPr lang="de-DE" sz="2200" dirty="0" err="1"/>
               <a:t>the</a:t>
             </a:r>
             <a:r>
-              <a:rPr lang="de-DE" sz="2200" dirty="0" smtClean="0"/>
+              <a:rPr lang="de-DE" sz="2200" dirty="0"/>
               <a:t>  x-</a:t>
             </a:r>
             <a:r>
-              <a:rPr lang="de-DE" sz="2200" dirty="0" err="1" smtClean="0"/>
+              <a:rPr lang="de-DE" sz="2200" dirty="0" err="1"/>
               <a:t>direction</a:t>
             </a:r>
             <a:endParaRPr lang="de-DE" sz="2200" dirty="0"/>
@@ -12828,7 +12720,7 @@
         </p:nvSpPr>
         <p:spPr>
           <a:xfrm>
-            <a:off x="7453685" y="4195547"/>
+            <a:off x="7453685" y="4014229"/>
             <a:ext cx="2313830" cy="430887"/>
           </a:xfrm>
           <a:prstGeom prst="rect">
@@ -12843,11 +12735,11 @@
           <a:lstStyle/>
           <a:p>
             <a:r>
-              <a:rPr lang="de-DE" sz="2200" dirty="0" smtClean="0"/>
+              <a:rPr lang="de-DE" sz="2200" dirty="0"/>
               <a:t>2. Partial </a:t>
             </a:r>
             <a:r>
-              <a:rPr lang="de-DE" sz="2200" dirty="0" err="1" smtClean="0"/>
+              <a:rPr lang="de-DE" sz="2200" dirty="0" err="1"/>
               <a:t>Shift</a:t>
             </a:r>
             <a:endParaRPr lang="de-DE" sz="2200" dirty="0"/>
@@ -12862,7 +12754,7 @@
         </p:nvSpPr>
         <p:spPr>
           <a:xfrm>
-            <a:off x="7290406" y="1506022"/>
+            <a:off x="7261831" y="1200703"/>
             <a:ext cx="2313830" cy="430887"/>
           </a:xfrm>
           <a:prstGeom prst="rect">
@@ -12877,19 +12769,19 @@
           <a:lstStyle/>
           <a:p>
             <a:r>
-              <a:rPr lang="de-DE" sz="2200" dirty="0" smtClean="0"/>
+              <a:rPr lang="de-DE" sz="2200" dirty="0"/>
               <a:t>1. </a:t>
             </a:r>
             <a:r>
-              <a:rPr lang="de-DE" sz="2200" dirty="0" err="1" smtClean="0"/>
+              <a:rPr lang="de-DE" sz="2200" dirty="0" err="1"/>
               <a:t>Full</a:t>
             </a:r>
             <a:r>
-              <a:rPr lang="de-DE" sz="2200" dirty="0" smtClean="0"/>
-              <a:t> </a:t>
-            </a:r>
-            <a:r>
-              <a:rPr lang="de-DE" sz="2200" dirty="0" err="1" smtClean="0"/>
+              <a:rPr lang="de-DE" sz="2200" dirty="0"/>
+              <a:t> </a:t>
+            </a:r>
+            <a:r>
+              <a:rPr lang="de-DE" sz="2200" dirty="0" err="1"/>
               <a:t>Shift</a:t>
             </a:r>
             <a:endParaRPr lang="de-DE" sz="2200" dirty="0"/>
@@ -12939,7 +12831,7 @@
           <a:p>
             <a:pPr algn="ctr"/>
             <a:r>
-              <a:rPr lang="de-DE" sz="3200" dirty="0" err="1" smtClean="0"/>
+              <a:rPr lang="de-DE" sz="3200" dirty="0" err="1"/>
               <a:t>Shifts</a:t>
             </a:r>
             <a:endParaRPr lang="de-DE" sz="3200" b="1" dirty="0">
@@ -13503,7 +13395,7 @@
           <a:lstStyle/>
           <a:p>
             <a:r>
-              <a:rPr lang="en-US" sz="3600" dirty="0" smtClean="0">
+              <a:rPr lang="en-US" sz="3600" dirty="0">
                 <a:solidFill>
                   <a:schemeClr val="bg1"/>
                 </a:solidFill>
@@ -13606,87 +13498,75 @@
           <a:lstStyle/>
           <a:p>
             <a:r>
-              <a:rPr lang="de-DE" sz="2200" dirty="0" smtClean="0"/>
-              <a:t>=Maxima </a:t>
-            </a:r>
-            <a:r>
-              <a:rPr lang="de-DE" sz="2200" dirty="0" err="1" smtClean="0"/>
+              <a:rPr lang="de-DE" sz="2200" dirty="0"/>
+              <a:t>= Maxima </a:t>
+            </a:r>
+            <a:r>
+              <a:rPr lang="de-DE" sz="2200" dirty="0" err="1"/>
               <a:t>of</a:t>
             </a:r>
             <a:r>
-              <a:rPr lang="de-DE" sz="2200" dirty="0" smtClean="0"/>
-              <a:t> </a:t>
-            </a:r>
-            <a:r>
-              <a:rPr lang="de-DE" sz="2200" dirty="0" err="1" smtClean="0"/>
+              <a:rPr lang="de-DE" sz="2200" dirty="0"/>
+              <a:t> </a:t>
+            </a:r>
+            <a:r>
+              <a:rPr lang="de-DE" sz="2200" dirty="0" err="1"/>
               <a:t>control</a:t>
             </a:r>
             <a:r>
-              <a:rPr lang="de-DE" sz="2200" dirty="0" smtClean="0"/>
-              <a:t> </a:t>
-            </a:r>
-            <a:r>
-              <a:rPr lang="de-DE" sz="2200" dirty="0" err="1" smtClean="0"/>
-              <a:t>and</a:t>
-            </a:r>
-            <a:r>
-              <a:rPr lang="de-DE" sz="2200" dirty="0" smtClean="0"/>
-              <a:t> </a:t>
-            </a:r>
-            <a:r>
-              <a:rPr lang="de-DE" sz="2200" dirty="0" err="1" smtClean="0"/>
+              <a:rPr lang="de-DE" sz="2200" dirty="0"/>
+              <a:t> and </a:t>
+            </a:r>
+            <a:r>
+              <a:rPr lang="de-DE" sz="2200" dirty="0" err="1"/>
               <a:t>RNase</a:t>
             </a:r>
             <a:r>
-              <a:rPr lang="de-DE" sz="2200" dirty="0" smtClean="0"/>
-              <a:t> </a:t>
-            </a:r>
-            <a:r>
-              <a:rPr lang="de-DE" sz="2200" dirty="0" err="1" smtClean="0"/>
+              <a:rPr lang="de-DE" sz="2200" dirty="0"/>
+              <a:t> </a:t>
+            </a:r>
+            <a:r>
+              <a:rPr lang="de-DE" sz="2200" dirty="0" err="1"/>
               <a:t>have</a:t>
             </a:r>
             <a:r>
-              <a:rPr lang="de-DE" sz="2200" dirty="0" smtClean="0"/>
+              <a:rPr lang="de-DE" sz="2200" dirty="0"/>
               <a:t> a </a:t>
             </a:r>
             <a:r>
-              <a:rPr lang="de-DE" sz="2200" dirty="0" err="1" smtClean="0"/>
+              <a:rPr lang="de-DE" sz="2200" dirty="0" err="1"/>
               <a:t>difference</a:t>
             </a:r>
             <a:r>
-              <a:rPr lang="de-DE" sz="2200" dirty="0" smtClean="0"/>
-              <a:t> </a:t>
-            </a:r>
-            <a:r>
-              <a:rPr lang="de-DE" sz="2200" dirty="0" err="1" smtClean="0"/>
+              <a:rPr lang="de-DE" sz="2200" dirty="0"/>
+              <a:t> </a:t>
+            </a:r>
+            <a:r>
+              <a:rPr lang="de-DE" sz="2200" dirty="0" err="1"/>
               <a:t>of</a:t>
             </a:r>
             <a:r>
-              <a:rPr lang="de-DE" sz="2200" dirty="0" smtClean="0"/>
+              <a:rPr lang="de-DE" sz="2200" dirty="0"/>
               <a:t> at least 2 </a:t>
             </a:r>
             <a:r>
-              <a:rPr lang="de-DE" sz="2200" dirty="0" err="1" smtClean="0"/>
+              <a:rPr lang="de-DE" sz="2200" dirty="0" err="1"/>
               <a:t>fractions</a:t>
             </a:r>
             <a:r>
-              <a:rPr lang="de-DE" sz="2200" dirty="0" smtClean="0"/>
-              <a:t> in </a:t>
-            </a:r>
-            <a:r>
-              <a:rPr lang="de-DE" sz="2200" dirty="0" err="1" smtClean="0"/>
+              <a:rPr lang="de-DE" sz="2200" dirty="0"/>
+              <a:t>   in </a:t>
+            </a:r>
+            <a:r>
+              <a:rPr lang="de-DE" sz="2200" dirty="0" err="1"/>
               <a:t>the</a:t>
             </a:r>
             <a:r>
-              <a:rPr lang="de-DE" sz="2200" dirty="0" smtClean="0"/>
-              <a:t> </a:t>
-            </a:r>
-            <a:r>
-              <a:rPr lang="de-DE" sz="2200" dirty="0" smtClean="0"/>
-              <a:t> x-</a:t>
-            </a:r>
-            <a:r>
-              <a:rPr lang="de-DE" sz="2200" dirty="0" err="1" smtClean="0"/>
+              <a:rPr lang="de-DE" sz="2200" dirty="0"/>
+              <a:t>  x-</a:t>
+            </a:r>
+            <a:r>
+              <a:rPr lang="de-DE" sz="2200" dirty="0" err="1"/>
               <a:t>direction</a:t>
             </a:r>
             <a:endParaRPr lang="de-DE" sz="2200" dirty="0"/>
@@ -13716,13 +13596,13 @@
           <a:lstStyle/>
           <a:p>
             <a:r>
-              <a:rPr lang="de-DE" sz="2200" dirty="0" err="1" smtClean="0"/>
+              <a:rPr lang="de-DE" sz="2200" dirty="0" err="1"/>
               <a:t>Results</a:t>
             </a:r>
             <a:endParaRPr lang="de-DE" sz="2200" dirty="0"/>
           </a:p>
           <a:p>
-            <a:endParaRPr lang="de-DE" sz="2200" dirty="0" smtClean="0"/>
+            <a:endParaRPr lang="de-DE" sz="2200" dirty="0"/>
           </a:p>
         </p:txBody>
       </p:sp>
@@ -13769,7 +13649,7 @@
           <a:p>
             <a:pPr algn="ctr"/>
             <a:r>
-              <a:rPr lang="de-DE" sz="3200" dirty="0" err="1" smtClean="0"/>
+              <a:rPr lang="de-DE" sz="3200" dirty="0" err="1"/>
               <a:t>Shifts</a:t>
             </a:r>
             <a:endParaRPr lang="de-DE" sz="3200" b="1" dirty="0">
@@ -14060,7 +13940,7 @@
           <a:lstStyle/>
           <a:p>
             <a:r>
-              <a:rPr lang="en-US" sz="3600" dirty="0" smtClean="0">
+              <a:rPr lang="en-US" sz="3600" dirty="0">
                 <a:solidFill>
                   <a:schemeClr val="bg1"/>
                 </a:solidFill>
@@ -14149,7 +14029,7 @@
         <p:spPr>
           <a:xfrm>
             <a:off x="558174" y="2883490"/>
-            <a:ext cx="3337965" cy="2492990"/>
+            <a:ext cx="3337965" cy="2831544"/>
           </a:xfrm>
           <a:prstGeom prst="rect">
             <a:avLst/>
@@ -14167,34 +14047,34 @@
               <a:buChar char="•"/>
             </a:pPr>
             <a:r>
-              <a:rPr lang="de-DE" sz="2200" dirty="0" err="1" smtClean="0"/>
+              <a:rPr lang="de-DE" sz="2200" dirty="0" err="1"/>
               <a:t>Assuming</a:t>
             </a:r>
             <a:r>
-              <a:rPr lang="de-DE" sz="2200" dirty="0" smtClean="0"/>
-              <a:t> </a:t>
-            </a:r>
-            <a:r>
-              <a:rPr lang="de-DE" sz="2200" dirty="0" err="1" smtClean="0"/>
+              <a:rPr lang="de-DE" sz="2200" dirty="0"/>
+              <a:t> </a:t>
+            </a:r>
+            <a:r>
+              <a:rPr lang="de-DE" sz="2200" dirty="0" err="1"/>
               <a:t>normality</a:t>
             </a:r>
             <a:r>
-              <a:rPr lang="de-DE" sz="2200" dirty="0" smtClean="0"/>
+              <a:rPr lang="de-DE" sz="2200" dirty="0"/>
               <a:t> due </a:t>
             </a:r>
             <a:r>
-              <a:rPr lang="de-DE" sz="2200" dirty="0" err="1" smtClean="0"/>
+              <a:rPr lang="de-DE" sz="2200" dirty="0" err="1"/>
               <a:t>to</a:t>
             </a:r>
             <a:r>
-              <a:rPr lang="de-DE" sz="2200" dirty="0" smtClean="0"/>
-              <a:t> </a:t>
-            </a:r>
-            <a:r>
-              <a:rPr lang="de-DE" sz="2200" dirty="0" err="1" smtClean="0"/>
+              <a:rPr lang="de-DE" sz="2200" dirty="0"/>
+              <a:t> </a:t>
+            </a:r>
+            <a:r>
+              <a:rPr lang="de-DE" sz="2200" dirty="0" err="1"/>
               <a:t>reproducibility</a:t>
             </a:r>
-            <a:endParaRPr lang="de-DE" sz="2200" dirty="0" smtClean="0"/>
+            <a:endParaRPr lang="de-DE" sz="2200" dirty="0"/>
           </a:p>
           <a:p>
             <a:pPr marL="342900" indent="-342900">
@@ -14202,7 +14082,7 @@
               <a:buChar char="•"/>
             </a:pPr>
             <a:r>
-              <a:rPr lang="de-DE" sz="2200" dirty="0" smtClean="0"/>
+              <a:rPr lang="de-DE" sz="2200" dirty="0"/>
               <a:t>2-sided t-test</a:t>
             </a:r>
           </a:p>
@@ -14212,46 +14092,53 @@
               <a:buChar char="•"/>
             </a:pPr>
             <a:r>
-              <a:rPr lang="de-DE" sz="2200" dirty="0" smtClean="0"/>
+              <a:rPr lang="de-DE" sz="2200" dirty="0"/>
               <a:t>α = 0.5</a:t>
             </a:r>
           </a:p>
           <a:p>
-            <a:r>
-              <a:rPr lang="de-DE" sz="2200" b="1" dirty="0" err="1" smtClean="0"/>
+            <a:pPr marL="342900" indent="-342900">
+              <a:buFont typeface="Arial" panose="020B0604020202020204" pitchFamily="34" charset="0"/>
+              <a:buChar char="•"/>
+            </a:pPr>
+            <a:endParaRPr lang="de-DE" sz="2200" dirty="0"/>
+          </a:p>
+          <a:p>
+            <a:r>
+              <a:rPr lang="de-DE" sz="2200" b="1" dirty="0" err="1"/>
               <a:t>Significant</a:t>
             </a:r>
             <a:r>
-              <a:rPr lang="de-DE" sz="2200" b="1" dirty="0" smtClean="0"/>
-              <a:t> </a:t>
-            </a:r>
-            <a:r>
-              <a:rPr lang="de-DE" sz="2200" b="1" dirty="0" err="1" smtClean="0"/>
+              <a:rPr lang="de-DE" sz="2200" b="1" dirty="0"/>
+              <a:t> </a:t>
+            </a:r>
+            <a:r>
+              <a:rPr lang="de-DE" sz="2200" b="1" dirty="0" err="1"/>
               <a:t>if</a:t>
             </a:r>
             <a:r>
-              <a:rPr lang="de-DE" sz="2200" b="1" dirty="0" smtClean="0"/>
+              <a:rPr lang="de-DE" sz="2200" b="1" dirty="0"/>
               <a:t> p&lt;0.025</a:t>
             </a:r>
           </a:p>
           <a:p>
             <a:r>
-              <a:rPr lang="de-DE" sz="2200" b="1" dirty="0" smtClean="0"/>
+              <a:rPr lang="de-DE" sz="2200" b="1" dirty="0"/>
               <a:t>Analysis </a:t>
             </a:r>
             <a:r>
-              <a:rPr lang="de-DE" sz="2200" b="1" dirty="0" err="1" smtClean="0"/>
+              <a:rPr lang="de-DE" sz="2200" b="1" dirty="0" err="1"/>
               <a:t>of</a:t>
             </a:r>
             <a:r>
-              <a:rPr lang="de-DE" sz="2200" b="1" dirty="0" smtClean="0"/>
+              <a:rPr lang="de-DE" sz="2200" b="1" dirty="0"/>
               <a:t> y-</a:t>
             </a:r>
             <a:r>
-              <a:rPr lang="de-DE" sz="2200" b="1" dirty="0" err="1" smtClean="0"/>
+              <a:rPr lang="de-DE" sz="2200" b="1" dirty="0" err="1"/>
               <a:t>shifts</a:t>
             </a:r>
-            <a:endParaRPr lang="de-DE" sz="2200" b="1" dirty="0" smtClean="0"/>
+            <a:endParaRPr lang="de-DE" sz="2200" b="1" dirty="0"/>
           </a:p>
           <a:p>
             <a:pPr marL="342900" indent="-342900">
@@ -14378,14 +14265,10 @@
           <a:p>
             <a:r>
               <a:rPr lang="de-DE" b="1" dirty="0"/>
-              <a:t>x</a:t>
-            </a:r>
-            <a:r>
-              <a:rPr lang="de-DE" b="1" dirty="0" smtClean="0"/>
-              <a:t>-</a:t>
-            </a:r>
-            <a:r>
-              <a:rPr lang="de-DE" b="1" dirty="0" err="1" smtClean="0"/>
+              <a:t>x-</a:t>
+            </a:r>
+            <a:r>
+              <a:rPr lang="de-DE" b="1" dirty="0" err="1"/>
               <a:t>shift</a:t>
             </a:r>
             <a:endParaRPr lang="de-DE" b="1" dirty="0"/>
@@ -14416,14 +14299,10 @@
           <a:p>
             <a:r>
               <a:rPr lang="de-DE" b="1" dirty="0"/>
-              <a:t>y</a:t>
-            </a:r>
-            <a:r>
-              <a:rPr lang="de-DE" b="1" dirty="0" smtClean="0"/>
-              <a:t>-</a:t>
-            </a:r>
-            <a:r>
-              <a:rPr lang="de-DE" b="1" dirty="0" err="1" smtClean="0"/>
+              <a:t>y-</a:t>
+            </a:r>
+            <a:r>
+              <a:rPr lang="de-DE" b="1" dirty="0" err="1"/>
               <a:t>shift</a:t>
             </a:r>
             <a:endParaRPr lang="de-DE" b="1" dirty="0"/>
@@ -14473,39 +14352,39 @@
           <a:p>
             <a:pPr algn="ctr"/>
             <a:r>
-              <a:rPr lang="de-DE" sz="3200" dirty="0" smtClean="0"/>
+              <a:rPr lang="de-DE" sz="3200" dirty="0"/>
               <a:t>T-test: </a:t>
             </a:r>
             <a:r>
-              <a:rPr lang="de-DE" sz="3200" dirty="0" err="1" smtClean="0"/>
+              <a:rPr lang="de-DE" sz="3200" dirty="0" err="1"/>
               <a:t>Is</a:t>
             </a:r>
             <a:r>
-              <a:rPr lang="de-DE" sz="3200" dirty="0" smtClean="0"/>
-              <a:t> </a:t>
-            </a:r>
-            <a:r>
-              <a:rPr lang="de-DE" sz="3200" dirty="0" err="1" smtClean="0"/>
+              <a:rPr lang="de-DE" sz="3200" dirty="0"/>
+              <a:t> </a:t>
+            </a:r>
+            <a:r>
+              <a:rPr lang="de-DE" sz="3200" dirty="0" err="1"/>
               <a:t>the</a:t>
             </a:r>
             <a:r>
-              <a:rPr lang="de-DE" sz="3200" dirty="0" smtClean="0"/>
+              <a:rPr lang="de-DE" sz="3200" dirty="0"/>
               <a:t> y-</a:t>
             </a:r>
             <a:r>
-              <a:rPr lang="de-DE" sz="3200" dirty="0" err="1" smtClean="0"/>
+              <a:rPr lang="de-DE" sz="3200" dirty="0" err="1"/>
               <a:t>shift</a:t>
             </a:r>
             <a:r>
-              <a:rPr lang="de-DE" sz="3200" dirty="0" smtClean="0"/>
-              <a:t> </a:t>
-            </a:r>
-            <a:r>
-              <a:rPr lang="de-DE" sz="3200" dirty="0" err="1" smtClean="0"/>
+              <a:rPr lang="de-DE" sz="3200" dirty="0"/>
+              <a:t> </a:t>
+            </a:r>
+            <a:r>
+              <a:rPr lang="de-DE" sz="3200" dirty="0" err="1"/>
               <a:t>significant</a:t>
             </a:r>
             <a:r>
-              <a:rPr lang="de-DE" sz="3200" dirty="0" smtClean="0"/>
+              <a:rPr lang="de-DE" sz="3200" dirty="0"/>
               <a:t>?</a:t>
             </a:r>
             <a:endParaRPr lang="de-DE" sz="3200" b="1" dirty="0">
@@ -14988,7 +14867,7 @@
         <p:spPr>
           <a:xfrm>
             <a:off x="-219037" y="-160776"/>
-            <a:ext cx="2540205" cy="2496013"/>
+            <a:ext cx="2775625" cy="2680679"/>
           </a:xfrm>
           <a:prstGeom prst="ellipse">
             <a:avLst/>
@@ -15023,7 +14902,7 @@
           <a:lstStyle/>
           <a:p>
             <a:r>
-              <a:rPr lang="en-US" sz="3600" dirty="0" smtClean="0">
+              <a:rPr lang="en-US" sz="3600" dirty="0">
                 <a:solidFill>
                   <a:schemeClr val="bg1"/>
                 </a:solidFill>
@@ -15151,14 +15030,10 @@
           <a:p>
             <a:r>
               <a:rPr lang="de-DE" dirty="0"/>
-              <a:t>x</a:t>
-            </a:r>
-            <a:r>
-              <a:rPr lang="de-DE" dirty="0" smtClean="0"/>
-              <a:t>-</a:t>
-            </a:r>
-            <a:r>
-              <a:rPr lang="de-DE" dirty="0" err="1" smtClean="0"/>
+              <a:t>x-</a:t>
+            </a:r>
+            <a:r>
+              <a:rPr lang="de-DE" dirty="0" err="1"/>
               <a:t>shift</a:t>
             </a:r>
             <a:endParaRPr lang="de-DE" dirty="0"/>
@@ -15188,11 +15063,11 @@
           <a:lstStyle/>
           <a:p>
             <a:r>
-              <a:rPr lang="de-DE" dirty="0" smtClean="0"/>
+              <a:rPr lang="de-DE" dirty="0"/>
               <a:t>y-</a:t>
             </a:r>
             <a:r>
-              <a:rPr lang="de-DE" dirty="0" err="1" smtClean="0"/>
+              <a:rPr lang="de-DE" dirty="0" err="1"/>
               <a:t>shift</a:t>
             </a:r>
             <a:endParaRPr lang="de-DE" dirty="0"/>
@@ -15290,17 +15165,17 @@
           <a:lstStyle/>
           <a:p>
             <a:r>
-              <a:rPr lang="de-DE" sz="2200" dirty="0" err="1" smtClean="0"/>
+              <a:rPr lang="de-DE" sz="2200" dirty="0" err="1"/>
               <a:t>Results</a:t>
             </a:r>
-            <a:endParaRPr lang="de-DE" sz="2200" dirty="0" smtClean="0"/>
-          </a:p>
-          <a:p>
             <a:endParaRPr lang="de-DE" sz="2200" dirty="0"/>
           </a:p>
           <a:p>
-            <a:r>
-              <a:rPr lang="de-DE" sz="2200" dirty="0" smtClean="0"/>
+            <a:endParaRPr lang="de-DE" sz="2200" dirty="0"/>
+          </a:p>
+          <a:p>
+            <a:r>
+              <a:rPr lang="de-DE" sz="2200" dirty="0"/>
               <a:t>Global Maxima</a:t>
             </a:r>
           </a:p>
@@ -15332,20 +15207,20 @@
           <a:lstStyle/>
           <a:p>
             <a:r>
-              <a:rPr lang="de-DE" sz="2200" dirty="0" err="1" smtClean="0"/>
+              <a:rPr lang="de-DE" sz="2200" dirty="0" err="1"/>
               <a:t>Results</a:t>
             </a:r>
-            <a:endParaRPr lang="de-DE" sz="2200" dirty="0" smtClean="0"/>
-          </a:p>
-          <a:p>
             <a:endParaRPr lang="de-DE" sz="2200" dirty="0"/>
           </a:p>
           <a:p>
-            <a:r>
-              <a:rPr lang="de-DE" sz="2200" dirty="0" err="1" smtClean="0"/>
+            <a:endParaRPr lang="de-DE" sz="2200" dirty="0"/>
+          </a:p>
+          <a:p>
+            <a:r>
+              <a:rPr lang="de-DE" sz="2200" dirty="0" err="1"/>
               <a:t>Local</a:t>
             </a:r>
-            <a:endParaRPr lang="de-DE" sz="2200" dirty="0" smtClean="0"/>
+            <a:endParaRPr lang="de-DE" sz="2200" dirty="0"/>
           </a:p>
           <a:p>
             <a:endParaRPr lang="de-DE" sz="2200" dirty="0"/>
@@ -15395,39 +15270,39 @@
           <a:p>
             <a:pPr algn="ctr"/>
             <a:r>
-              <a:rPr lang="de-DE" sz="3200" dirty="0" smtClean="0"/>
+              <a:rPr lang="de-DE" sz="3200" dirty="0"/>
               <a:t>T-test: </a:t>
             </a:r>
             <a:r>
-              <a:rPr lang="de-DE" sz="3200" dirty="0" err="1" smtClean="0"/>
+              <a:rPr lang="de-DE" sz="3200" dirty="0" err="1"/>
               <a:t>Is</a:t>
             </a:r>
             <a:r>
-              <a:rPr lang="de-DE" sz="3200" dirty="0" smtClean="0"/>
-              <a:t> </a:t>
-            </a:r>
-            <a:r>
-              <a:rPr lang="de-DE" sz="3200" dirty="0" err="1" smtClean="0"/>
+              <a:rPr lang="de-DE" sz="3200" dirty="0"/>
+              <a:t> </a:t>
+            </a:r>
+            <a:r>
+              <a:rPr lang="de-DE" sz="3200" dirty="0" err="1"/>
               <a:t>the</a:t>
             </a:r>
             <a:r>
-              <a:rPr lang="de-DE" sz="3200" dirty="0" smtClean="0"/>
+              <a:rPr lang="de-DE" sz="3200" dirty="0"/>
               <a:t> y-</a:t>
             </a:r>
             <a:r>
-              <a:rPr lang="de-DE" sz="3200" dirty="0" err="1" smtClean="0"/>
+              <a:rPr lang="de-DE" sz="3200" dirty="0" err="1"/>
               <a:t>shift</a:t>
             </a:r>
             <a:r>
-              <a:rPr lang="de-DE" sz="3200" dirty="0" smtClean="0"/>
-              <a:t> </a:t>
-            </a:r>
-            <a:r>
-              <a:rPr lang="de-DE" sz="3200" dirty="0" err="1" smtClean="0"/>
+              <a:rPr lang="de-DE" sz="3200" dirty="0"/>
+              <a:t> </a:t>
+            </a:r>
+            <a:r>
+              <a:rPr lang="de-DE" sz="3200" dirty="0" err="1"/>
               <a:t>significant</a:t>
             </a:r>
             <a:r>
-              <a:rPr lang="de-DE" sz="3200" dirty="0" smtClean="0"/>
+              <a:rPr lang="de-DE" sz="3200" dirty="0"/>
               <a:t>?</a:t>
             </a:r>
             <a:endParaRPr lang="de-DE" sz="3200" b="1" dirty="0">
@@ -15677,7 +15552,7 @@
           <a:lstStyle/>
           <a:p>
             <a:r>
-              <a:rPr lang="en-US" sz="3600" dirty="0" err="1" smtClean="0">
+              <a:rPr lang="en-US" sz="3600" dirty="0" err="1">
                 <a:solidFill>
                   <a:schemeClr val="bg1"/>
                 </a:solidFill>
@@ -15685,7 +15560,7 @@
               <a:t>Kmeans</a:t>
             </a:r>
             <a:r>
-              <a:rPr lang="en-US" sz="3600" dirty="0" smtClean="0">
+              <a:rPr lang="en-US" sz="3600" dirty="0">
                 <a:solidFill>
                   <a:schemeClr val="bg1"/>
                 </a:solidFill>
@@ -15788,57 +15663,57 @@
           <a:lstStyle/>
           <a:p>
             <a:r>
-              <a:rPr lang="de-DE" sz="2200" dirty="0" err="1" smtClean="0"/>
+              <a:rPr lang="de-DE" sz="2200" dirty="0" err="1"/>
               <a:t>What</a:t>
             </a:r>
             <a:r>
-              <a:rPr lang="de-DE" sz="2200" dirty="0" smtClean="0"/>
-              <a:t> </a:t>
-            </a:r>
-            <a:r>
-              <a:rPr lang="de-DE" sz="2200" dirty="0" err="1" smtClean="0"/>
+              <a:rPr lang="de-DE" sz="2200" dirty="0"/>
+              <a:t> </a:t>
+            </a:r>
+            <a:r>
+              <a:rPr lang="de-DE" sz="2200" dirty="0" err="1"/>
               <a:t>did</a:t>
             </a:r>
             <a:r>
-              <a:rPr lang="de-DE" sz="2200" dirty="0" smtClean="0"/>
-              <a:t> </a:t>
-            </a:r>
-            <a:r>
-              <a:rPr lang="de-DE" sz="2200" dirty="0" err="1" smtClean="0"/>
+              <a:rPr lang="de-DE" sz="2200" dirty="0"/>
+              <a:t> </a:t>
+            </a:r>
+            <a:r>
+              <a:rPr lang="de-DE" sz="2200" dirty="0" err="1"/>
               <a:t>we</a:t>
             </a:r>
             <a:r>
-              <a:rPr lang="de-DE" sz="2200" dirty="0" smtClean="0"/>
-              <a:t> </a:t>
-            </a:r>
-            <a:r>
-              <a:rPr lang="de-DE" sz="2200" dirty="0" err="1" smtClean="0"/>
+              <a:rPr lang="de-DE" sz="2200" dirty="0"/>
+              <a:t> </a:t>
+            </a:r>
+            <a:r>
+              <a:rPr lang="de-DE" sz="2200" dirty="0" err="1"/>
               <a:t>cluster</a:t>
             </a:r>
             <a:r>
-              <a:rPr lang="de-DE" sz="2200" dirty="0" smtClean="0"/>
+              <a:rPr lang="de-DE" sz="2200" dirty="0"/>
               <a:t>?</a:t>
             </a:r>
           </a:p>
           <a:p>
             <a:r>
-              <a:rPr lang="de-DE" sz="2200" dirty="0" err="1" smtClean="0"/>
+              <a:rPr lang="de-DE" sz="2200" dirty="0" err="1"/>
               <a:t>Method</a:t>
             </a:r>
             <a:r>
-              <a:rPr lang="de-DE" sz="2200" dirty="0" smtClean="0"/>
+              <a:rPr lang="de-DE" sz="2200" dirty="0"/>
               <a:t>: k-</a:t>
             </a:r>
             <a:r>
-              <a:rPr lang="de-DE" sz="2200" dirty="0" err="1" smtClean="0"/>
+              <a:rPr lang="de-DE" sz="2200" dirty="0" err="1"/>
               <a:t>means</a:t>
             </a:r>
             <a:r>
-              <a:rPr lang="de-DE" sz="2200" dirty="0" smtClean="0"/>
-              <a:t> </a:t>
-            </a:r>
-            <a:r>
-              <a:rPr lang="de-DE" sz="2200" dirty="0" err="1" smtClean="0"/>
+              <a:rPr lang="de-DE" sz="2200" dirty="0"/>
+              <a:t> </a:t>
+            </a:r>
+            <a:r>
+              <a:rPr lang="de-DE" sz="2200" dirty="0" err="1"/>
               <a:t>clustering</a:t>
             </a:r>
             <a:endParaRPr lang="de-DE" sz="2200" dirty="0"/>
@@ -15868,47 +15743,47 @@
           <a:lstStyle/>
           <a:p>
             <a:r>
-              <a:rPr lang="de-DE" sz="2200" dirty="0" err="1" smtClean="0"/>
+              <a:rPr lang="de-DE" sz="2200" dirty="0" err="1"/>
               <a:t>Determining</a:t>
             </a:r>
             <a:r>
-              <a:rPr lang="de-DE" sz="2200" dirty="0" smtClean="0"/>
-              <a:t> </a:t>
-            </a:r>
-            <a:r>
-              <a:rPr lang="de-DE" sz="2200" dirty="0" err="1" smtClean="0"/>
+              <a:rPr lang="de-DE" sz="2200" dirty="0"/>
+              <a:t> </a:t>
+            </a:r>
+            <a:r>
+              <a:rPr lang="de-DE" sz="2200" dirty="0" err="1"/>
               <a:t>the</a:t>
             </a:r>
             <a:r>
-              <a:rPr lang="de-DE" sz="2200" dirty="0" smtClean="0"/>
-              <a:t> </a:t>
-            </a:r>
-            <a:r>
-              <a:rPr lang="de-DE" sz="2200" dirty="0" err="1" smtClean="0"/>
+              <a:rPr lang="de-DE" sz="2200" dirty="0"/>
+              <a:t> </a:t>
+            </a:r>
+            <a:r>
+              <a:rPr lang="de-DE" sz="2200" dirty="0" err="1"/>
               <a:t>right</a:t>
             </a:r>
             <a:r>
-              <a:rPr lang="de-DE" sz="2200" dirty="0" smtClean="0"/>
-              <a:t> </a:t>
-            </a:r>
-            <a:r>
-              <a:rPr lang="de-DE" sz="2200" dirty="0" err="1" smtClean="0"/>
+              <a:rPr lang="de-DE" sz="2200" dirty="0"/>
+              <a:t> </a:t>
+            </a:r>
+            <a:r>
+              <a:rPr lang="de-DE" sz="2200" dirty="0" err="1"/>
               <a:t>amount</a:t>
             </a:r>
             <a:r>
-              <a:rPr lang="de-DE" sz="2200" dirty="0" smtClean="0"/>
-              <a:t> </a:t>
-            </a:r>
-            <a:r>
-              <a:rPr lang="de-DE" sz="2200" dirty="0" err="1" smtClean="0"/>
+              <a:rPr lang="de-DE" sz="2200" dirty="0"/>
+              <a:t> </a:t>
+            </a:r>
+            <a:r>
+              <a:rPr lang="de-DE" sz="2200" dirty="0" err="1"/>
               <a:t>of</a:t>
             </a:r>
             <a:r>
-              <a:rPr lang="de-DE" sz="2200" dirty="0" smtClean="0"/>
-              <a:t> </a:t>
-            </a:r>
-            <a:r>
-              <a:rPr lang="de-DE" sz="2200" dirty="0" err="1" smtClean="0"/>
+              <a:rPr lang="de-DE" sz="2200" dirty="0"/>
+              <a:t> </a:t>
+            </a:r>
+            <a:r>
+              <a:rPr lang="de-DE" sz="2200" dirty="0" err="1"/>
               <a:t>clusters</a:t>
             </a:r>
             <a:endParaRPr lang="de-DE" sz="2200" dirty="0"/>
@@ -15958,17 +15833,17 @@
           <a:p>
             <a:pPr algn="ctr"/>
             <a:r>
-              <a:rPr lang="de-DE" sz="3200" dirty="0" smtClean="0"/>
+              <a:rPr lang="de-DE" sz="3200" dirty="0"/>
               <a:t>Clustering</a:t>
             </a:r>
-            <a:endParaRPr lang="de-DE" sz="3200" b="1" dirty="0" smtClean="0">
+            <a:endParaRPr lang="de-DE" sz="3200" b="1" dirty="0">
               <a:latin typeface="Calibri Light" panose="020F0302020204030204" pitchFamily="34" charset="0"/>
               <a:cs typeface="Calibri Light" panose="020F0302020204030204" pitchFamily="34" charset="0"/>
             </a:endParaRPr>
           </a:p>
           <a:p>
             <a:pPr algn="ctr"/>
-            <a:endParaRPr lang="de-DE" sz="3200" dirty="0" smtClean="0"/>
+            <a:endParaRPr lang="de-DE" sz="3200" dirty="0"/>
           </a:p>
         </p:txBody>
       </p:sp>
@@ -16269,7 +16144,7 @@
           <a:lstStyle/>
           <a:p>
             <a:r>
-              <a:rPr lang="en-US" sz="3600" dirty="0" smtClean="0">
+              <a:rPr lang="en-US" sz="3600" dirty="0">
                 <a:solidFill>
                   <a:schemeClr val="bg1"/>
                 </a:solidFill>
@@ -16392,21 +16267,21 @@
           <a:p>
             <a:pPr algn="ctr"/>
             <a:r>
-              <a:rPr lang="de-DE" sz="3200" dirty="0" smtClean="0"/>
+              <a:rPr lang="de-DE" sz="3200" dirty="0"/>
               <a:t>Clustering </a:t>
             </a:r>
             <a:r>
-              <a:rPr lang="de-DE" sz="3200" dirty="0" err="1" smtClean="0"/>
+              <a:rPr lang="de-DE" sz="3200" dirty="0" err="1"/>
               <a:t>results</a:t>
             </a:r>
-            <a:endParaRPr lang="de-DE" sz="3200" b="1" dirty="0" smtClean="0">
+            <a:endParaRPr lang="de-DE" sz="3200" b="1" dirty="0">
               <a:latin typeface="Calibri Light" panose="020F0302020204030204" pitchFamily="34" charset="0"/>
               <a:cs typeface="Calibri Light" panose="020F0302020204030204" pitchFamily="34" charset="0"/>
             </a:endParaRPr>
           </a:p>
           <a:p>
             <a:pPr algn="ctr"/>
-            <a:endParaRPr lang="de-DE" sz="3200" dirty="0" smtClean="0"/>
+            <a:endParaRPr lang="de-DE" sz="3200" dirty="0"/>
           </a:p>
         </p:txBody>
       </p:sp>
@@ -16669,7 +16544,7 @@
           <a:lstStyle/>
           <a:p>
             <a:r>
-              <a:rPr lang="en-US" sz="3600" dirty="0" smtClean="0">
+              <a:rPr lang="en-US" sz="3600" dirty="0">
                 <a:solidFill>
                   <a:schemeClr val="bg1"/>
                 </a:solidFill>
@@ -16677,14 +16552,14 @@
               <a:t>Regression </a:t>
             </a:r>
             <a:r>
-              <a:rPr lang="en-US" sz="3600" dirty="0" err="1" smtClean="0">
+              <a:rPr lang="en-US" sz="3600" dirty="0" err="1">
                 <a:solidFill>
                   <a:schemeClr val="bg1"/>
                 </a:solidFill>
               </a:rPr>
               <a:t>analyisis</a:t>
             </a:r>
-            <a:endParaRPr lang="en-US" sz="3600" dirty="0" smtClean="0">
+            <a:endParaRPr lang="en-US" sz="3600" dirty="0">
               <a:solidFill>
                 <a:schemeClr val="bg1"/>
               </a:solidFill>
@@ -16805,17 +16680,17 @@
           <a:p>
             <a:pPr algn="ctr"/>
             <a:r>
-              <a:rPr lang="de-DE" sz="3200" dirty="0" smtClean="0"/>
+              <a:rPr lang="de-DE" sz="3200" dirty="0"/>
               <a:t>Regression Analysis</a:t>
             </a:r>
-            <a:endParaRPr lang="de-DE" sz="3200" b="1" dirty="0" smtClean="0">
+            <a:endParaRPr lang="de-DE" sz="3200" b="1" dirty="0">
               <a:latin typeface="Calibri Light" panose="020F0302020204030204" pitchFamily="34" charset="0"/>
               <a:cs typeface="Calibri Light" panose="020F0302020204030204" pitchFamily="34" charset="0"/>
             </a:endParaRPr>
           </a:p>
           <a:p>
             <a:pPr algn="ctr"/>
-            <a:endParaRPr lang="de-DE" sz="3200" dirty="0" smtClean="0"/>
+            <a:endParaRPr lang="de-DE" sz="3200" dirty="0"/>
           </a:p>
         </p:txBody>
       </p:sp>
@@ -16847,107 +16722,107 @@
           </a:p>
           <a:p>
             <a:r>
-              <a:rPr lang="de-DE" sz="2200" dirty="0" smtClean="0">
+              <a:rPr lang="de-DE" sz="2200" dirty="0">
                 <a:sym typeface="Wingdings" panose="05000000000000000000" pitchFamily="2" charset="2"/>
               </a:rPr>
               <a:t>Variable: </a:t>
             </a:r>
             <a:r>
-              <a:rPr lang="de-DE" sz="2200" dirty="0" err="1" smtClean="0">
+              <a:rPr lang="de-DE" sz="2200" dirty="0" err="1">
                 <a:sym typeface="Wingdings" panose="05000000000000000000" pitchFamily="2" charset="2"/>
               </a:rPr>
               <a:t>correlation</a:t>
             </a:r>
-            <a:endParaRPr lang="de-DE" sz="2200" dirty="0" smtClean="0">
+            <a:endParaRPr lang="de-DE" sz="2200" dirty="0">
               <a:sym typeface="Wingdings" panose="05000000000000000000" pitchFamily="2" charset="2"/>
             </a:endParaRPr>
           </a:p>
           <a:p>
             <a:r>
-              <a:rPr lang="de-DE" sz="2200" dirty="0" smtClean="0">
+              <a:rPr lang="de-DE" sz="2200" dirty="0">
                 <a:sym typeface="Wingdings" panose="05000000000000000000" pitchFamily="2" charset="2"/>
               </a:rPr>
               <a:t>Variable </a:t>
             </a:r>
             <a:r>
-              <a:rPr lang="de-DE" sz="2200" dirty="0" err="1" smtClean="0">
+              <a:rPr lang="de-DE" sz="2200" dirty="0" err="1">
                 <a:sym typeface="Wingdings" panose="05000000000000000000" pitchFamily="2" charset="2"/>
               </a:rPr>
               <a:t>to</a:t>
             </a:r>
             <a:r>
-              <a:rPr lang="de-DE" sz="2200" dirty="0" smtClean="0">
+              <a:rPr lang="de-DE" sz="2200" dirty="0">
                 <a:sym typeface="Wingdings" panose="05000000000000000000" pitchFamily="2" charset="2"/>
               </a:rPr>
               <a:t> </a:t>
             </a:r>
             <a:r>
-              <a:rPr lang="de-DE" sz="2200" dirty="0" err="1" smtClean="0">
+              <a:rPr lang="de-DE" sz="2200" dirty="0" err="1">
                 <a:sym typeface="Wingdings" panose="05000000000000000000" pitchFamily="2" charset="2"/>
               </a:rPr>
               <a:t>be</a:t>
             </a:r>
             <a:r>
-              <a:rPr lang="de-DE" sz="2200" dirty="0" smtClean="0">
+              <a:rPr lang="de-DE" sz="2200" dirty="0">
                 <a:sym typeface="Wingdings" panose="05000000000000000000" pitchFamily="2" charset="2"/>
               </a:rPr>
               <a:t> </a:t>
             </a:r>
             <a:r>
-              <a:rPr lang="de-DE" sz="2200" dirty="0" err="1" smtClean="0">
+              <a:rPr lang="de-DE" sz="2200" dirty="0" err="1">
                 <a:sym typeface="Wingdings" panose="05000000000000000000" pitchFamily="2" charset="2"/>
               </a:rPr>
               <a:t>predicted</a:t>
             </a:r>
             <a:r>
-              <a:rPr lang="de-DE" sz="2200" dirty="0" smtClean="0">
+              <a:rPr lang="de-DE" sz="2200" dirty="0">
                 <a:sym typeface="Wingdings" panose="05000000000000000000" pitchFamily="2" charset="2"/>
               </a:rPr>
               <a:t>: </a:t>
             </a:r>
             <a:r>
-              <a:rPr lang="de-DE" sz="2200" dirty="0" err="1" smtClean="0">
+              <a:rPr lang="de-DE" sz="2200" dirty="0" err="1">
                 <a:sym typeface="Wingdings" panose="05000000000000000000" pitchFamily="2" charset="2"/>
               </a:rPr>
               <a:t>absoulte</a:t>
             </a:r>
             <a:r>
-              <a:rPr lang="de-DE" sz="2200" dirty="0" smtClean="0">
+              <a:rPr lang="de-DE" sz="2200" dirty="0">
                 <a:sym typeface="Wingdings" panose="05000000000000000000" pitchFamily="2" charset="2"/>
               </a:rPr>
               <a:t> </a:t>
             </a:r>
             <a:r>
-              <a:rPr lang="de-DE" sz="2200" dirty="0" err="1" smtClean="0">
+              <a:rPr lang="de-DE" sz="2200" dirty="0" err="1">
                 <a:sym typeface="Wingdings" panose="05000000000000000000" pitchFamily="2" charset="2"/>
               </a:rPr>
               <a:t>value</a:t>
             </a:r>
             <a:r>
-              <a:rPr lang="de-DE" sz="2200" dirty="0" smtClean="0">
+              <a:rPr lang="de-DE" sz="2200" dirty="0">
                 <a:sym typeface="Wingdings" panose="05000000000000000000" pitchFamily="2" charset="2"/>
               </a:rPr>
               <a:t> </a:t>
             </a:r>
             <a:r>
-              <a:rPr lang="de-DE" sz="2200" dirty="0" err="1" smtClean="0">
+              <a:rPr lang="de-DE" sz="2200" dirty="0" err="1">
                 <a:sym typeface="Wingdings" panose="05000000000000000000" pitchFamily="2" charset="2"/>
               </a:rPr>
               <a:t>of</a:t>
             </a:r>
             <a:r>
-              <a:rPr lang="de-DE" sz="2200" dirty="0" smtClean="0">
+              <a:rPr lang="de-DE" sz="2200" dirty="0">
                 <a:sym typeface="Wingdings" panose="05000000000000000000" pitchFamily="2" charset="2"/>
               </a:rPr>
               <a:t> x-</a:t>
             </a:r>
             <a:r>
-              <a:rPr lang="de-DE" sz="2200" dirty="0" err="1" smtClean="0">
+              <a:rPr lang="de-DE" sz="2200" dirty="0" err="1">
                 <a:sym typeface="Wingdings" panose="05000000000000000000" pitchFamily="2" charset="2"/>
               </a:rPr>
               <a:t>shifts</a:t>
             </a:r>
-            <a:endParaRPr lang="de-DE" sz="2200" dirty="0" smtClean="0"/>
+            <a:endParaRPr lang="de-DE" sz="2200" dirty="0"/>
           </a:p>
         </p:txBody>
       </p:sp>
@@ -17102,11 +16977,11 @@
               <a:t> </a:t>
             </a:r>
             <a:r>
-              <a:rPr lang="de-DE" sz="2200" dirty="0" err="1" smtClean="0"/>
+              <a:rPr lang="de-DE" sz="2200" dirty="0" err="1"/>
               <a:t>of</a:t>
             </a:r>
             <a:r>
-              <a:rPr lang="de-DE" sz="2200" dirty="0" smtClean="0"/>
+              <a:rPr lang="de-DE" sz="2200" dirty="0"/>
               <a:t> </a:t>
             </a:r>
             <a:r>
@@ -17833,7 +17708,7 @@
           <a:lstStyle/>
           <a:p>
             <a:r>
-              <a:rPr lang="en-US" sz="3600" dirty="0" smtClean="0">
+              <a:rPr lang="en-US" sz="3600" dirty="0">
                 <a:solidFill>
                   <a:schemeClr val="bg1"/>
                 </a:solidFill>
@@ -17841,14 +17716,14 @@
               <a:t>Regression </a:t>
             </a:r>
             <a:r>
-              <a:rPr lang="en-US" sz="3600" dirty="0" err="1" smtClean="0">
+              <a:rPr lang="en-US" sz="3600" dirty="0" err="1">
                 <a:solidFill>
                   <a:schemeClr val="bg1"/>
                 </a:solidFill>
               </a:rPr>
               <a:t>analyisis</a:t>
             </a:r>
-            <a:endParaRPr lang="en-US" sz="3600" dirty="0" smtClean="0">
+            <a:endParaRPr lang="en-US" sz="3600" dirty="0">
               <a:solidFill>
                 <a:schemeClr val="bg1"/>
               </a:solidFill>
@@ -17969,17 +17844,17 @@
           <a:p>
             <a:pPr algn="ctr"/>
             <a:r>
-              <a:rPr lang="de-DE" sz="3200" dirty="0" smtClean="0"/>
+              <a:rPr lang="de-DE" sz="3200" dirty="0"/>
               <a:t>Regression Analysis</a:t>
             </a:r>
-            <a:endParaRPr lang="de-DE" sz="3200" b="1" dirty="0" smtClean="0">
+            <a:endParaRPr lang="de-DE" sz="3200" b="1" dirty="0">
               <a:latin typeface="Calibri Light" panose="020F0302020204030204" pitchFamily="34" charset="0"/>
               <a:cs typeface="Calibri Light" panose="020F0302020204030204" pitchFamily="34" charset="0"/>
             </a:endParaRPr>
           </a:p>
           <a:p>
             <a:pPr algn="ctr"/>
-            <a:endParaRPr lang="de-DE" sz="3200" dirty="0" smtClean="0"/>
+            <a:endParaRPr lang="de-DE" sz="3200" dirty="0"/>
           </a:p>
         </p:txBody>
       </p:sp>
@@ -18192,24 +18067,20 @@
           <a:lstStyle/>
           <a:p>
             <a:r>
-              <a:rPr lang="de-DE" sz="3200" dirty="0" err="1" smtClean="0"/>
+              <a:rPr lang="de-DE" sz="3200" dirty="0" err="1"/>
               <a:t>What</a:t>
             </a:r>
             <a:r>
-              <a:rPr lang="de-DE" sz="3200" dirty="0" smtClean="0"/>
-              <a:t> </a:t>
-            </a:r>
-            <a:r>
-              <a:rPr lang="de-DE" sz="3200" dirty="0" err="1" smtClean="0"/>
+              <a:rPr lang="de-DE" sz="3200" dirty="0"/>
+              <a:t> </a:t>
+            </a:r>
+            <a:r>
+              <a:rPr lang="de-DE" sz="3200" dirty="0" err="1"/>
               <a:t>are</a:t>
             </a:r>
             <a:r>
-              <a:rPr lang="de-DE" sz="3200" dirty="0" smtClean="0"/>
+              <a:rPr lang="de-DE" sz="3200" dirty="0"/>
               <a:t> RBPs?</a:t>
-            </a:r>
-            <a:r>
-              <a:rPr lang="de-DE" sz="3200" dirty="0"/>
-              <a:t/>
             </a:r>
             <a:br>
               <a:rPr lang="de-DE" sz="3200" dirty="0"/>
@@ -18526,7 +18397,7 @@
           <a:lstStyle/>
           <a:p>
             <a:r>
-              <a:rPr lang="en-US" sz="3600" dirty="0" smtClean="0">
+              <a:rPr lang="en-US" sz="3600" dirty="0">
                 <a:solidFill>
                   <a:schemeClr val="bg1"/>
                 </a:solidFill>
@@ -18562,34 +18433,34 @@
               <a:buAutoNum type="arabicPeriod"/>
             </a:pPr>
             <a:r>
-              <a:rPr lang="de-DE" sz="2200" dirty="0" smtClean="0"/>
+              <a:rPr lang="de-DE" sz="2200" dirty="0"/>
               <a:t>RNA </a:t>
             </a:r>
             <a:r>
-              <a:rPr lang="de-DE" sz="2200" dirty="0" err="1" smtClean="0"/>
+              <a:rPr lang="de-DE" sz="2200" dirty="0" err="1"/>
               <a:t>binding</a:t>
             </a:r>
             <a:r>
-              <a:rPr lang="de-DE" sz="2200" dirty="0" smtClean="0"/>
-              <a:t> </a:t>
-            </a:r>
-            <a:r>
-              <a:rPr lang="de-DE" sz="2200" dirty="0" err="1" smtClean="0"/>
+              <a:rPr lang="de-DE" sz="2200" dirty="0"/>
+              <a:t> </a:t>
+            </a:r>
+            <a:r>
+              <a:rPr lang="de-DE" sz="2200" dirty="0" err="1"/>
               <a:t>protein</a:t>
             </a:r>
-            <a:endParaRPr lang="de-DE" sz="2200" dirty="0" smtClean="0"/>
-          </a:p>
-          <a:p>
-            <a:r>
-              <a:rPr lang="de-DE" sz="2200" dirty="0" smtClean="0"/>
+            <a:endParaRPr lang="de-DE" sz="2200" dirty="0"/>
+          </a:p>
+          <a:p>
+            <a:r>
+              <a:rPr lang="de-DE" sz="2200" dirty="0"/>
               <a:t>=Proteins </a:t>
             </a:r>
             <a:r>
-              <a:rPr lang="de-DE" sz="2200" dirty="0" err="1" smtClean="0"/>
+              <a:rPr lang="de-DE" sz="2200" dirty="0" err="1"/>
               <a:t>which</a:t>
             </a:r>
             <a:r>
-              <a:rPr lang="de-DE" sz="2200" dirty="0" smtClean="0"/>
+              <a:rPr lang="de-DE" sz="2200" dirty="0"/>
               <a:t> bind RNA</a:t>
             </a:r>
           </a:p>
@@ -18618,58 +18489,58 @@
           <a:lstStyle/>
           <a:p>
             <a:r>
-              <a:rPr lang="de-DE" sz="2200" dirty="0" smtClean="0"/>
+              <a:rPr lang="de-DE" sz="2200" dirty="0"/>
               <a:t>2. RNA </a:t>
             </a:r>
             <a:r>
-              <a:rPr lang="de-DE" sz="2200" dirty="0" err="1" smtClean="0"/>
+              <a:rPr lang="de-DE" sz="2200" dirty="0" err="1"/>
               <a:t>dependent</a:t>
             </a:r>
             <a:r>
-              <a:rPr lang="de-DE" sz="2200" dirty="0" smtClean="0"/>
-              <a:t> </a:t>
-            </a:r>
-            <a:r>
-              <a:rPr lang="de-DE" sz="2200" dirty="0" err="1" smtClean="0"/>
+              <a:rPr lang="de-DE" sz="2200" dirty="0"/>
+              <a:t> </a:t>
+            </a:r>
+            <a:r>
+              <a:rPr lang="de-DE" sz="2200" dirty="0" err="1"/>
               <a:t>proteins</a:t>
             </a:r>
-            <a:endParaRPr lang="de-DE" sz="2200" dirty="0" smtClean="0"/>
-          </a:p>
-          <a:p>
-            <a:r>
-              <a:rPr lang="de-DE" sz="2200" dirty="0" smtClean="0"/>
+            <a:endParaRPr lang="de-DE" sz="2200" dirty="0"/>
+          </a:p>
+          <a:p>
+            <a:r>
+              <a:rPr lang="de-DE" sz="2200" dirty="0"/>
               <a:t>=do not bind </a:t>
             </a:r>
             <a:r>
-              <a:rPr lang="de-DE" sz="2200" dirty="0" err="1" smtClean="0"/>
+              <a:rPr lang="de-DE" sz="2200" dirty="0" err="1"/>
               <a:t>directly</a:t>
             </a:r>
             <a:r>
-              <a:rPr lang="de-DE" sz="2200" dirty="0" smtClean="0"/>
+              <a:rPr lang="de-DE" sz="2200" dirty="0"/>
               <a:t>, but </a:t>
             </a:r>
             <a:r>
-              <a:rPr lang="de-DE" sz="2200" dirty="0" err="1" smtClean="0"/>
+              <a:rPr lang="de-DE" sz="2200" dirty="0" err="1"/>
               <a:t>their</a:t>
             </a:r>
             <a:r>
-              <a:rPr lang="de-DE" sz="2200" dirty="0" smtClean="0"/>
-              <a:t> </a:t>
-            </a:r>
-            <a:r>
-              <a:rPr lang="de-DE" sz="2200" dirty="0" err="1" smtClean="0"/>
+              <a:rPr lang="de-DE" sz="2200" dirty="0"/>
+              <a:t> </a:t>
+            </a:r>
+            <a:r>
+              <a:rPr lang="de-DE" sz="2200" dirty="0" err="1"/>
               <a:t>interactome</a:t>
             </a:r>
             <a:r>
-              <a:rPr lang="de-DE" sz="2200" dirty="0" smtClean="0"/>
-              <a:t> </a:t>
-            </a:r>
-            <a:r>
-              <a:rPr lang="de-DE" sz="2200" dirty="0" err="1" smtClean="0"/>
+              <a:rPr lang="de-DE" sz="2200" dirty="0"/>
+              <a:t> </a:t>
+            </a:r>
+            <a:r>
+              <a:rPr lang="de-DE" sz="2200" dirty="0" err="1"/>
               <a:t>depends</a:t>
             </a:r>
             <a:r>
-              <a:rPr lang="de-DE" sz="2200" dirty="0" smtClean="0"/>
+              <a:rPr lang="de-DE" sz="2200" dirty="0"/>
               <a:t> on RNA</a:t>
             </a:r>
           </a:p>
@@ -19318,7 +19189,7 @@
           <a:lstStyle/>
           <a:p>
             <a:r>
-              <a:rPr lang="en-US" sz="4000" dirty="0" smtClean="0">
+              <a:rPr lang="en-US" sz="4000" dirty="0">
                 <a:solidFill>
                   <a:schemeClr val="bg1"/>
                 </a:solidFill>
@@ -19441,37 +19312,37 @@
           <a:p>
             <a:pPr algn="ctr"/>
             <a:r>
-              <a:rPr lang="de-DE" sz="3200" dirty="0" err="1" smtClean="0"/>
+              <a:rPr lang="de-DE" sz="3200" dirty="0" err="1"/>
               <a:t>What</a:t>
             </a:r>
             <a:r>
-              <a:rPr lang="de-DE" sz="3200" dirty="0" smtClean="0"/>
-              <a:t> </a:t>
-            </a:r>
-            <a:r>
-              <a:rPr lang="de-DE" sz="3200" dirty="0" err="1" smtClean="0"/>
+              <a:rPr lang="de-DE" sz="3200" dirty="0"/>
+              <a:t> </a:t>
+            </a:r>
+            <a:r>
+              <a:rPr lang="de-DE" sz="3200" dirty="0" err="1"/>
               <a:t>did</a:t>
             </a:r>
             <a:r>
-              <a:rPr lang="de-DE" sz="3200" dirty="0" smtClean="0"/>
-              <a:t> </a:t>
-            </a:r>
-            <a:r>
-              <a:rPr lang="de-DE" sz="3200" dirty="0" err="1" smtClean="0"/>
+              <a:rPr lang="de-DE" sz="3200" dirty="0"/>
+              <a:t> </a:t>
+            </a:r>
+            <a:r>
+              <a:rPr lang="de-DE" sz="3200" dirty="0" err="1"/>
               <a:t>we</a:t>
             </a:r>
             <a:r>
-              <a:rPr lang="de-DE" sz="3200" dirty="0" smtClean="0"/>
+              <a:rPr lang="de-DE" sz="3200" dirty="0"/>
               <a:t> find out?</a:t>
             </a:r>
-            <a:endParaRPr lang="de-DE" sz="3200" b="1" dirty="0" smtClean="0">
+            <a:endParaRPr lang="de-DE" sz="3200" b="1" dirty="0">
               <a:latin typeface="Calibri Light" panose="020F0302020204030204" pitchFamily="34" charset="0"/>
               <a:cs typeface="Calibri Light" panose="020F0302020204030204" pitchFamily="34" charset="0"/>
             </a:endParaRPr>
           </a:p>
           <a:p>
             <a:pPr algn="ctr"/>
-            <a:endParaRPr lang="de-DE" sz="3200" dirty="0" smtClean="0"/>
+            <a:endParaRPr lang="de-DE" sz="3200" dirty="0"/>
           </a:p>
         </p:txBody>
       </p:sp>
@@ -19485,13 +19356,6 @@
   <p:clrMapOvr>
     <a:masterClrMapping/>
   </p:clrMapOvr>
-  <p:timing>
-    <p:tnLst>
-      <p:par>
-        <p:cTn id="1" dur="indefinite" restart="never" nodeType="tmRoot"/>
-      </p:par>
-    </p:tnLst>
-  </p:timing>
 </p:sld>
 </file>
 
@@ -19585,7 +19449,7 @@
           <a:lstStyle/>
           <a:p>
             <a:r>
-              <a:rPr lang="en-US" sz="3600" dirty="0" smtClean="0">
+              <a:rPr lang="en-US" sz="3600" dirty="0">
                 <a:solidFill>
                   <a:schemeClr val="bg1"/>
                 </a:solidFill>
@@ -19712,85 +19576,85 @@
           <a:lstStyle/>
           <a:p>
             <a:r>
-              <a:rPr lang="de-DE" sz="2200" dirty="0" smtClean="0"/>
+              <a:rPr lang="de-DE" sz="2200" dirty="0"/>
               <a:t>RBP Score</a:t>
             </a:r>
           </a:p>
           <a:p>
             <a:r>
-              <a:rPr lang="de-DE" sz="2200" dirty="0" smtClean="0"/>
+              <a:rPr lang="de-DE" sz="2200" dirty="0"/>
               <a:t>=</a:t>
             </a:r>
             <a:r>
-              <a:rPr lang="de-DE" sz="2200" dirty="0" err="1" smtClean="0"/>
+              <a:rPr lang="de-DE" sz="2200" dirty="0" err="1"/>
               <a:t>How</a:t>
             </a:r>
             <a:r>
-              <a:rPr lang="de-DE" sz="2200" dirty="0" smtClean="0"/>
-              <a:t> </a:t>
-            </a:r>
-            <a:r>
-              <a:rPr lang="de-DE" sz="2200" dirty="0" err="1" smtClean="0"/>
+              <a:rPr lang="de-DE" sz="2200" dirty="0"/>
+              <a:t> </a:t>
+            </a:r>
+            <a:r>
+              <a:rPr lang="de-DE" sz="2200" dirty="0" err="1"/>
               <a:t>many</a:t>
             </a:r>
             <a:r>
-              <a:rPr lang="de-DE" sz="2200" dirty="0" smtClean="0"/>
-              <a:t> </a:t>
-            </a:r>
-            <a:r>
-              <a:rPr lang="de-DE" sz="2200" dirty="0" err="1" smtClean="0"/>
+              <a:rPr lang="de-DE" sz="2200" dirty="0"/>
+              <a:t> </a:t>
+            </a:r>
+            <a:r>
+              <a:rPr lang="de-DE" sz="2200" dirty="0" err="1"/>
               <a:t>times</a:t>
             </a:r>
             <a:r>
-              <a:rPr lang="de-DE" sz="2200" dirty="0" smtClean="0"/>
-              <a:t> </a:t>
-            </a:r>
-            <a:r>
-              <a:rPr lang="de-DE" sz="2200" dirty="0" err="1" smtClean="0"/>
+              <a:rPr lang="de-DE" sz="2200" dirty="0"/>
+              <a:t> </a:t>
+            </a:r>
+            <a:r>
+              <a:rPr lang="de-DE" sz="2200" dirty="0" err="1"/>
               <a:t>has</a:t>
             </a:r>
             <a:r>
-              <a:rPr lang="de-DE" sz="2200" dirty="0" smtClean="0"/>
-              <a:t> </a:t>
-            </a:r>
-            <a:r>
-              <a:rPr lang="de-DE" sz="2200" dirty="0" err="1" smtClean="0"/>
+              <a:rPr lang="de-DE" sz="2200" dirty="0"/>
+              <a:t> </a:t>
+            </a:r>
+            <a:r>
+              <a:rPr lang="de-DE" sz="2200" dirty="0" err="1"/>
               <a:t>the</a:t>
             </a:r>
             <a:r>
-              <a:rPr lang="de-DE" sz="2200" dirty="0" smtClean="0"/>
-              <a:t> </a:t>
-            </a:r>
-            <a:r>
-              <a:rPr lang="de-DE" sz="2200" dirty="0" err="1" smtClean="0"/>
+              <a:rPr lang="de-DE" sz="2200" dirty="0"/>
+              <a:t> </a:t>
+            </a:r>
+            <a:r>
+              <a:rPr lang="de-DE" sz="2200" dirty="0" err="1"/>
               <a:t>protein</a:t>
             </a:r>
             <a:r>
-              <a:rPr lang="de-DE" sz="2200" dirty="0" smtClean="0"/>
-              <a:t> </a:t>
-            </a:r>
-            <a:r>
-              <a:rPr lang="de-DE" sz="2200" dirty="0" err="1" smtClean="0"/>
+              <a:rPr lang="de-DE" sz="2200" dirty="0"/>
+              <a:t> </a:t>
+            </a:r>
+            <a:r>
+              <a:rPr lang="de-DE" sz="2200" dirty="0" err="1"/>
               <a:t>been</a:t>
             </a:r>
             <a:r>
-              <a:rPr lang="de-DE" sz="2200" dirty="0" smtClean="0"/>
-              <a:t> </a:t>
-            </a:r>
-            <a:r>
-              <a:rPr lang="de-DE" sz="2200" dirty="0" err="1" smtClean="0"/>
+              <a:rPr lang="de-DE" sz="2200" dirty="0"/>
+              <a:t> </a:t>
+            </a:r>
+            <a:r>
+              <a:rPr lang="de-DE" sz="2200" dirty="0" err="1"/>
               <a:t>identified</a:t>
             </a:r>
             <a:r>
-              <a:rPr lang="de-DE" sz="2200" dirty="0" smtClean="0"/>
-              <a:t> </a:t>
-            </a:r>
-            <a:r>
-              <a:rPr lang="de-DE" sz="2200" dirty="0" err="1" smtClean="0"/>
+              <a:rPr lang="de-DE" sz="2200" dirty="0"/>
+              <a:t> </a:t>
+            </a:r>
+            <a:r>
+              <a:rPr lang="de-DE" sz="2200" dirty="0" err="1"/>
               <a:t>as</a:t>
             </a:r>
             <a:r>
-              <a:rPr lang="de-DE" sz="2200" dirty="0" smtClean="0"/>
+              <a:rPr lang="de-DE" sz="2200" dirty="0"/>
               <a:t> an RBP?</a:t>
             </a:r>
           </a:p>
@@ -19822,32 +19686,32 @@
           <a:lstStyle/>
           <a:p>
             <a:r>
-              <a:rPr lang="de-DE" sz="2200" dirty="0" err="1" smtClean="0"/>
+              <a:rPr lang="de-DE" sz="2200" dirty="0" err="1"/>
               <a:t>Success</a:t>
             </a:r>
             <a:r>
-              <a:rPr lang="de-DE" sz="2200" dirty="0" smtClean="0"/>
+              <a:rPr lang="de-DE" sz="2200" dirty="0"/>
               <a:t> rate</a:t>
             </a:r>
           </a:p>
           <a:p>
             <a:r>
-              <a:rPr lang="de-DE" sz="2200" dirty="0" smtClean="0"/>
+              <a:rPr lang="de-DE" sz="2200" dirty="0"/>
               <a:t>Analysis </a:t>
             </a:r>
             <a:r>
-              <a:rPr lang="de-DE" sz="2200" dirty="0" err="1" smtClean="0"/>
+              <a:rPr lang="de-DE" sz="2200" dirty="0" err="1"/>
               <a:t>of</a:t>
             </a:r>
             <a:r>
-              <a:rPr lang="de-DE" sz="2200" dirty="0" smtClean="0"/>
+              <a:rPr lang="de-DE" sz="2200" dirty="0"/>
               <a:t> 1181 </a:t>
             </a:r>
             <a:r>
-              <a:rPr lang="de-DE" sz="2200" dirty="0" err="1" smtClean="0"/>
+              <a:rPr lang="de-DE" sz="2200" dirty="0" err="1"/>
               <a:t>proteins</a:t>
             </a:r>
-            <a:endParaRPr lang="de-DE" sz="2200" dirty="0" smtClean="0"/>
+            <a:endParaRPr lang="de-DE" sz="2200" dirty="0"/>
           </a:p>
           <a:p>
             <a:endParaRPr lang="de-DE" sz="2200" dirty="0"/>
@@ -19901,64 +19765,63 @@
           <a:lstStyle/>
           <a:p>
             <a:r>
-              <a:rPr lang="de-DE" sz="2200" dirty="0" smtClean="0">
+              <a:rPr lang="de-DE" sz="2200" dirty="0">
                 <a:sym typeface="Wingdings" panose="05000000000000000000" pitchFamily="2" charset="2"/>
               </a:rPr>
               <a:t></a:t>
             </a:r>
             <a:r>
-              <a:rPr lang="de-DE" sz="2200" dirty="0" smtClean="0"/>
+              <a:rPr lang="de-DE" sz="2200" dirty="0"/>
               <a:t>X </a:t>
             </a:r>
             <a:r>
-              <a:rPr lang="de-DE" sz="2200" dirty="0" err="1" smtClean="0"/>
+              <a:rPr lang="de-DE" sz="2200" dirty="0" err="1"/>
               <a:t>proteins</a:t>
             </a:r>
             <a:r>
-              <a:rPr lang="de-DE" sz="2200" dirty="0" smtClean="0"/>
-              <a:t> </a:t>
-            </a:r>
-            <a:r>
-              <a:rPr lang="de-DE" sz="2200" dirty="0" err="1" smtClean="0"/>
+              <a:rPr lang="de-DE" sz="2200" dirty="0"/>
+              <a:t> </a:t>
+            </a:r>
+            <a:r>
+              <a:rPr lang="de-DE" sz="2200" dirty="0" err="1"/>
               <a:t>which</a:t>
             </a:r>
             <a:r>
-              <a:rPr lang="de-DE" sz="2200" dirty="0" smtClean="0"/>
-              <a:t> </a:t>
-            </a:r>
-            <a:r>
-              <a:rPr lang="de-DE" sz="2200" dirty="0" err="1" smtClean="0"/>
+              <a:rPr lang="de-DE" sz="2200" dirty="0"/>
+              <a:t> </a:t>
+            </a:r>
+            <a:r>
+              <a:rPr lang="de-DE" sz="2200" dirty="0" err="1"/>
               <a:t>had</a:t>
             </a:r>
             <a:r>
-              <a:rPr lang="de-DE" sz="2200" dirty="0" smtClean="0"/>
+              <a:rPr lang="de-DE" sz="2200" dirty="0"/>
               <a:t> not </a:t>
             </a:r>
             <a:r>
-              <a:rPr lang="de-DE" sz="2200" dirty="0" err="1" smtClean="0"/>
+              <a:rPr lang="de-DE" sz="2200" dirty="0" err="1"/>
               <a:t>been</a:t>
             </a:r>
             <a:r>
-              <a:rPr lang="de-DE" sz="2200" dirty="0" smtClean="0"/>
-              <a:t> </a:t>
-            </a:r>
-            <a:r>
-              <a:rPr lang="de-DE" sz="2200" dirty="0" err="1" smtClean="0"/>
+              <a:rPr lang="de-DE" sz="2200" dirty="0"/>
+              <a:t> </a:t>
+            </a:r>
+            <a:r>
+              <a:rPr lang="de-DE" sz="2200" dirty="0" err="1"/>
               <a:t>identified</a:t>
             </a:r>
             <a:r>
-              <a:rPr lang="de-DE" sz="2200" dirty="0" smtClean="0"/>
-              <a:t> </a:t>
-            </a:r>
-            <a:r>
-              <a:rPr lang="de-DE" sz="2200" dirty="0" err="1" smtClean="0"/>
+              <a:rPr lang="de-DE" sz="2200" dirty="0"/>
+              <a:t> </a:t>
+            </a:r>
+            <a:r>
+              <a:rPr lang="de-DE" sz="2200" dirty="0" err="1"/>
               <a:t>previously</a:t>
             </a:r>
             <a:r>
-              <a:rPr lang="de-DE" sz="2200" dirty="0" smtClean="0"/>
+              <a:rPr lang="de-DE" sz="2200" dirty="0"/>
               <a:t>!</a:t>
             </a:r>
-            <a:endParaRPr lang="de-DE" sz="2200" dirty="0"/>
           </a:p>
         </p:txBody>
       </p:sp>
@@ -20005,69 +19868,65 @@
           <a:p>
             <a:pPr algn="ctr"/>
             <a:r>
-              <a:rPr lang="de-DE" sz="3200" dirty="0" err="1" smtClean="0"/>
+              <a:rPr lang="de-DE" sz="3200" dirty="0" err="1"/>
               <a:t>What</a:t>
             </a:r>
             <a:r>
-              <a:rPr lang="de-DE" sz="3200" dirty="0" smtClean="0"/>
+              <a:rPr lang="de-DE" sz="3200" dirty="0"/>
               <a:t> do </a:t>
             </a:r>
             <a:r>
-              <a:rPr lang="de-DE" sz="3200" dirty="0" err="1" smtClean="0"/>
+              <a:rPr lang="de-DE" sz="3200" dirty="0" err="1"/>
               <a:t>the</a:t>
             </a:r>
             <a:r>
-              <a:rPr lang="de-DE" sz="3200" dirty="0" smtClean="0"/>
+              <a:rPr lang="de-DE" sz="3200" dirty="0"/>
               <a:t> RBPs </a:t>
             </a:r>
             <a:r>
-              <a:rPr lang="de-DE" sz="3200" dirty="0" err="1" smtClean="0"/>
+              <a:rPr lang="de-DE" sz="3200" dirty="0" err="1"/>
               <a:t>have</a:t>
             </a:r>
             <a:r>
-              <a:rPr lang="de-DE" sz="3200" dirty="0" smtClean="0"/>
+              <a:rPr lang="de-DE" sz="3200" dirty="0"/>
               <a:t> in </a:t>
             </a:r>
             <a:r>
-              <a:rPr lang="de-DE" sz="3200" dirty="0" err="1" smtClean="0"/>
+              <a:rPr lang="de-DE" sz="3200" dirty="0" err="1"/>
               <a:t>common</a:t>
             </a:r>
             <a:r>
-              <a:rPr lang="de-DE" sz="3200" dirty="0" smtClean="0"/>
+              <a:rPr lang="de-DE" sz="3200" dirty="0"/>
               <a:t>?  </a:t>
             </a:r>
           </a:p>
           <a:p>
             <a:pPr algn="ctr"/>
             <a:r>
-              <a:rPr lang="de-DE" sz="3200" dirty="0" err="1" smtClean="0"/>
+              <a:rPr lang="de-DE" sz="3200" dirty="0" err="1"/>
               <a:t>Comparison</a:t>
             </a:r>
             <a:r>
-              <a:rPr lang="de-DE" sz="3200" dirty="0" smtClean="0"/>
-              <a:t> </a:t>
-            </a:r>
-            <a:r>
-              <a:rPr lang="de-DE" sz="3200" dirty="0" err="1" smtClean="0"/>
+              <a:rPr lang="de-DE" sz="3200" dirty="0"/>
+              <a:t> </a:t>
+            </a:r>
+            <a:r>
+              <a:rPr lang="de-DE" sz="3200" dirty="0" err="1"/>
               <a:t>with</a:t>
             </a:r>
             <a:r>
-              <a:rPr lang="de-DE" sz="3200" dirty="0" smtClean="0"/>
-              <a:t> </a:t>
-            </a:r>
-            <a:r>
-              <a:rPr lang="de-DE" sz="3200" dirty="0" smtClean="0"/>
-              <a:t>R-</a:t>
-            </a:r>
-            <a:r>
-              <a:rPr lang="de-DE" sz="3200" dirty="0" err="1" smtClean="0"/>
+              <a:rPr lang="de-DE" sz="3200" dirty="0"/>
+              <a:t> R-</a:t>
+            </a:r>
+            <a:r>
+              <a:rPr lang="de-DE" sz="3200" dirty="0" err="1"/>
               <a:t>DeeP</a:t>
             </a:r>
-            <a:endParaRPr lang="de-DE" sz="3200" dirty="0" smtClean="0"/>
+            <a:endParaRPr lang="de-DE" sz="3200" dirty="0"/>
           </a:p>
           <a:p>
             <a:pPr algn="ctr"/>
-            <a:endParaRPr lang="de-DE" sz="3200" dirty="0" smtClean="0"/>
+            <a:endParaRPr lang="de-DE" sz="3200" dirty="0"/>
           </a:p>
           <a:p>
             <a:pPr algn="ctr"/>
@@ -20126,7 +19985,7 @@
           </a:p>
           <a:p>
             <a:pPr algn="ctr"/>
-            <a:endParaRPr lang="de-DE" sz="3200" dirty="0" smtClean="0"/>
+            <a:endParaRPr lang="de-DE" sz="3200" dirty="0"/>
           </a:p>
         </p:txBody>
       </p:sp>
@@ -20601,7 +20460,7 @@
           <a:lstStyle/>
           <a:p>
             <a:r>
-              <a:rPr lang="en-US" sz="3600" dirty="0" smtClean="0">
+              <a:rPr lang="en-US" sz="3600" dirty="0">
                 <a:solidFill>
                   <a:schemeClr val="bg1"/>
                 </a:solidFill>
@@ -20704,10 +20563,10 @@
           <a:lstStyle/>
           <a:p>
             <a:r>
-              <a:rPr lang="de-DE" sz="2200" dirty="0" err="1" smtClean="0"/>
+              <a:rPr lang="de-DE" sz="2200" dirty="0" err="1"/>
               <a:t>Function</a:t>
             </a:r>
-            <a:endParaRPr lang="de-DE" sz="2200" dirty="0" smtClean="0"/>
+            <a:endParaRPr lang="de-DE" sz="2200" dirty="0"/>
           </a:p>
           <a:p>
             <a:pPr marL="285750" indent="-285750">
@@ -20715,14 +20574,14 @@
               <a:buChar char="•"/>
             </a:pPr>
             <a:r>
-              <a:rPr lang="de-DE" sz="2200" dirty="0" smtClean="0"/>
+              <a:rPr lang="de-DE" sz="2200" dirty="0"/>
               <a:t>Chromatin </a:t>
             </a:r>
             <a:r>
-              <a:rPr lang="de-DE" sz="2200" dirty="0" err="1" smtClean="0"/>
+              <a:rPr lang="de-DE" sz="2200" dirty="0" err="1"/>
               <a:t>organization</a:t>
             </a:r>
-            <a:endParaRPr lang="de-DE" sz="2200" dirty="0" smtClean="0"/>
+            <a:endParaRPr lang="de-DE" sz="2200" dirty="0"/>
           </a:p>
           <a:p>
             <a:pPr marL="285750" indent="-285750">
@@ -20730,18 +20589,18 @@
               <a:buChar char="•"/>
             </a:pPr>
             <a:r>
-              <a:rPr lang="de-DE" sz="2200" dirty="0" err="1" smtClean="0"/>
+              <a:rPr lang="de-DE" sz="2200" dirty="0" err="1"/>
               <a:t>Cytoskeleton</a:t>
             </a:r>
             <a:r>
-              <a:rPr lang="de-DE" sz="2200" dirty="0" smtClean="0"/>
-              <a:t> </a:t>
-            </a:r>
-            <a:r>
-              <a:rPr lang="de-DE" sz="2200" dirty="0" err="1" smtClean="0"/>
+              <a:rPr lang="de-DE" sz="2200" dirty="0"/>
+              <a:t> </a:t>
+            </a:r>
+            <a:r>
+              <a:rPr lang="de-DE" sz="2200" dirty="0" err="1"/>
               <a:t>organization</a:t>
             </a:r>
-            <a:endParaRPr lang="de-DE" sz="2200" dirty="0" smtClean="0"/>
+            <a:endParaRPr lang="de-DE" sz="2200" dirty="0"/>
           </a:p>
           <a:p>
             <a:pPr marL="285750" indent="-285750">
@@ -20749,42 +20608,42 @@
               <a:buChar char="•"/>
             </a:pPr>
             <a:r>
-              <a:rPr lang="de-DE" sz="2200" dirty="0" err="1" smtClean="0"/>
+              <a:rPr lang="de-DE" sz="2200" dirty="0" err="1"/>
               <a:t>Cell</a:t>
             </a:r>
             <a:r>
-              <a:rPr lang="de-DE" sz="2200" dirty="0" smtClean="0"/>
-              <a:t> </a:t>
-            </a:r>
-            <a:r>
-              <a:rPr lang="de-DE" sz="2200" dirty="0" err="1" smtClean="0"/>
+              <a:rPr lang="de-DE" sz="2200" dirty="0"/>
+              <a:t> </a:t>
+            </a:r>
+            <a:r>
+              <a:rPr lang="de-DE" sz="2200" dirty="0" err="1"/>
               <a:t>division</a:t>
             </a:r>
             <a:r>
-              <a:rPr lang="de-DE" sz="2200" dirty="0" smtClean="0"/>
+              <a:rPr lang="de-DE" sz="2200" dirty="0"/>
               <a:t> &amp; </a:t>
             </a:r>
             <a:r>
-              <a:rPr lang="de-DE" sz="2200" dirty="0" err="1" smtClean="0"/>
+              <a:rPr lang="de-DE" sz="2200" dirty="0" err="1"/>
               <a:t>cell</a:t>
             </a:r>
             <a:r>
-              <a:rPr lang="de-DE" sz="2200" dirty="0" smtClean="0"/>
-              <a:t> </a:t>
-            </a:r>
-            <a:r>
-              <a:rPr lang="de-DE" sz="2200" dirty="0" err="1" smtClean="0"/>
+              <a:rPr lang="de-DE" sz="2200" dirty="0"/>
+              <a:t> </a:t>
+            </a:r>
+            <a:r>
+              <a:rPr lang="de-DE" sz="2200" dirty="0" err="1"/>
               <a:t>cycle</a:t>
             </a:r>
             <a:r>
-              <a:rPr lang="de-DE" sz="2200" dirty="0" smtClean="0"/>
-              <a:t> </a:t>
-            </a:r>
-            <a:r>
-              <a:rPr lang="de-DE" sz="2200" dirty="0" err="1" smtClean="0"/>
+              <a:rPr lang="de-DE" sz="2200" dirty="0"/>
+              <a:t> </a:t>
+            </a:r>
+            <a:r>
+              <a:rPr lang="de-DE" sz="2200" dirty="0" err="1"/>
               <a:t>regulation</a:t>
             </a:r>
-            <a:endParaRPr lang="de-DE" sz="2200" dirty="0" smtClean="0"/>
+            <a:endParaRPr lang="de-DE" sz="2200" dirty="0"/>
           </a:p>
           <a:p>
             <a:pPr marL="285750" indent="-285750">
@@ -20792,30 +20651,30 @@
               <a:buChar char="•"/>
             </a:pPr>
             <a:r>
-              <a:rPr lang="de-DE" sz="2200" dirty="0" smtClean="0"/>
+              <a:rPr lang="de-DE" sz="2200" dirty="0"/>
               <a:t>Brain </a:t>
             </a:r>
             <a:r>
-              <a:rPr lang="de-DE" sz="2200" dirty="0" err="1" smtClean="0"/>
+              <a:rPr lang="de-DE" sz="2200" dirty="0" err="1"/>
               <a:t>development</a:t>
             </a:r>
             <a:r>
-              <a:rPr lang="de-DE" sz="2200" dirty="0" smtClean="0"/>
+              <a:rPr lang="de-DE" sz="2200" dirty="0"/>
               <a:t> &amp; </a:t>
             </a:r>
             <a:r>
-              <a:rPr lang="de-DE" sz="2200" dirty="0" err="1" smtClean="0"/>
+              <a:rPr lang="de-DE" sz="2200" dirty="0" err="1"/>
               <a:t>embroynic</a:t>
             </a:r>
             <a:r>
-              <a:rPr lang="de-DE" sz="2200" dirty="0" smtClean="0"/>
-              <a:t> </a:t>
-            </a:r>
-            <a:r>
-              <a:rPr lang="de-DE" sz="2200" dirty="0" err="1" smtClean="0"/>
+              <a:rPr lang="de-DE" sz="2200" dirty="0"/>
+              <a:t> </a:t>
+            </a:r>
+            <a:r>
+              <a:rPr lang="de-DE" sz="2200" dirty="0" err="1"/>
               <a:t>development</a:t>
             </a:r>
-            <a:endParaRPr lang="de-DE" sz="2200" dirty="0" smtClean="0"/>
+            <a:endParaRPr lang="de-DE" sz="2200" dirty="0"/>
           </a:p>
           <a:p>
             <a:pPr marL="285750" indent="-285750">
@@ -20823,34 +20682,34 @@
               <a:buChar char="•"/>
             </a:pPr>
             <a:r>
-              <a:rPr lang="de-DE" sz="2200" dirty="0" err="1" smtClean="0"/>
+              <a:rPr lang="de-DE" sz="2200" dirty="0" err="1"/>
               <a:t>Funtion</a:t>
             </a:r>
             <a:r>
-              <a:rPr lang="de-DE" sz="2200" dirty="0" smtClean="0"/>
-              <a:t> </a:t>
-            </a:r>
-            <a:r>
-              <a:rPr lang="de-DE" sz="2200" dirty="0" err="1" smtClean="0"/>
+              <a:rPr lang="de-DE" sz="2200" dirty="0"/>
+              <a:t> </a:t>
+            </a:r>
+            <a:r>
+              <a:rPr lang="de-DE" sz="2200" dirty="0" err="1"/>
               <a:t>of</a:t>
             </a:r>
             <a:r>
-              <a:rPr lang="de-DE" sz="2200" dirty="0" smtClean="0"/>
-              <a:t> </a:t>
-            </a:r>
-            <a:r>
-              <a:rPr lang="de-DE" sz="2200" dirty="0" err="1" smtClean="0"/>
+              <a:rPr lang="de-DE" sz="2200" dirty="0"/>
+              <a:t> </a:t>
+            </a:r>
+            <a:r>
+              <a:rPr lang="de-DE" sz="2200" dirty="0" err="1"/>
               <a:t>the</a:t>
             </a:r>
             <a:r>
-              <a:rPr lang="de-DE" sz="2200" dirty="0" smtClean="0"/>
+              <a:rPr lang="de-DE" sz="2200" dirty="0"/>
               <a:t> immune </a:t>
             </a:r>
             <a:r>
-              <a:rPr lang="de-DE" sz="2200" dirty="0" err="1" smtClean="0"/>
+              <a:rPr lang="de-DE" sz="2200" dirty="0" err="1"/>
               <a:t>system</a:t>
             </a:r>
-            <a:endParaRPr lang="de-DE" sz="2200" dirty="0" smtClean="0"/>
+            <a:endParaRPr lang="de-DE" sz="2200" dirty="0"/>
           </a:p>
           <a:p>
             <a:pPr marL="285750" indent="-285750">
@@ -20858,34 +20717,34 @@
               <a:buChar char="•"/>
             </a:pPr>
             <a:r>
-              <a:rPr lang="de-DE" sz="2200" dirty="0" err="1" smtClean="0"/>
+              <a:rPr lang="de-DE" sz="2200" dirty="0" err="1"/>
               <a:t>Transcription</a:t>
             </a:r>
             <a:r>
-              <a:rPr lang="de-DE" sz="2200" dirty="0" smtClean="0"/>
-              <a:t> </a:t>
-            </a:r>
-            <a:r>
-              <a:rPr lang="de-DE" sz="2200" dirty="0" err="1" smtClean="0"/>
+              <a:rPr lang="de-DE" sz="2200" dirty="0"/>
+              <a:t> </a:t>
+            </a:r>
+            <a:r>
+              <a:rPr lang="de-DE" sz="2200" dirty="0" err="1"/>
               <a:t>and</a:t>
             </a:r>
             <a:r>
-              <a:rPr lang="de-DE" sz="2200" dirty="0" smtClean="0"/>
-              <a:t> </a:t>
-            </a:r>
-            <a:r>
-              <a:rPr lang="de-DE" sz="2200" dirty="0" err="1" smtClean="0"/>
+              <a:rPr lang="de-DE" sz="2200" dirty="0"/>
+              <a:t> </a:t>
+            </a:r>
+            <a:r>
+              <a:rPr lang="de-DE" sz="2200" dirty="0" err="1"/>
               <a:t>translation</a:t>
             </a:r>
             <a:r>
-              <a:rPr lang="de-DE" sz="2200" dirty="0" smtClean="0"/>
-              <a:t> </a:t>
-            </a:r>
-            <a:r>
-              <a:rPr lang="de-DE" sz="2200" dirty="0" err="1" smtClean="0"/>
+              <a:rPr lang="de-DE" sz="2200" dirty="0"/>
+              <a:t> </a:t>
+            </a:r>
+            <a:r>
+              <a:rPr lang="de-DE" sz="2200" dirty="0" err="1"/>
               <a:t>regulation</a:t>
             </a:r>
-            <a:endParaRPr lang="de-DE" sz="2200" dirty="0" smtClean="0"/>
+            <a:endParaRPr lang="de-DE" sz="2200" dirty="0"/>
           </a:p>
           <a:p>
             <a:pPr marL="285750" indent="-285750">
@@ -20893,34 +20752,34 @@
               <a:buChar char="•"/>
             </a:pPr>
             <a:r>
-              <a:rPr lang="de-DE" sz="2200" dirty="0" err="1" smtClean="0"/>
+              <a:rPr lang="de-DE" sz="2200" dirty="0" err="1"/>
               <a:t>Ribosome</a:t>
             </a:r>
             <a:r>
-              <a:rPr lang="de-DE" sz="2200" dirty="0" smtClean="0"/>
-              <a:t> </a:t>
-            </a:r>
-            <a:r>
-              <a:rPr lang="de-DE" sz="2200" dirty="0" err="1" smtClean="0"/>
+              <a:rPr lang="de-DE" sz="2200" dirty="0"/>
+              <a:t> </a:t>
+            </a:r>
+            <a:r>
+              <a:rPr lang="de-DE" sz="2200" dirty="0" err="1"/>
               <a:t>function</a:t>
             </a:r>
             <a:r>
-              <a:rPr lang="de-DE" sz="2200" dirty="0" smtClean="0"/>
+              <a:rPr lang="de-DE" sz="2200" dirty="0"/>
               <a:t> &amp; </a:t>
             </a:r>
             <a:r>
-              <a:rPr lang="de-DE" sz="2200" dirty="0" err="1" smtClean="0"/>
+              <a:rPr lang="de-DE" sz="2200" dirty="0" err="1"/>
               <a:t>subunit</a:t>
             </a:r>
             <a:r>
-              <a:rPr lang="de-DE" sz="2200" dirty="0" smtClean="0"/>
-              <a:t> </a:t>
-            </a:r>
-            <a:r>
-              <a:rPr lang="de-DE" sz="2200" dirty="0" err="1" smtClean="0"/>
+              <a:rPr lang="de-DE" sz="2200" dirty="0"/>
+              <a:t> </a:t>
+            </a:r>
+            <a:r>
+              <a:rPr lang="de-DE" sz="2200" dirty="0" err="1"/>
               <a:t>organization</a:t>
             </a:r>
-            <a:endParaRPr lang="de-DE" sz="2200" dirty="0" smtClean="0"/>
+            <a:endParaRPr lang="de-DE" sz="2200" dirty="0"/>
           </a:p>
           <a:p>
             <a:pPr marL="285750" indent="-285750">
@@ -20928,34 +20787,34 @@
               <a:buChar char="•"/>
             </a:pPr>
             <a:r>
-              <a:rPr lang="de-DE" sz="2200" dirty="0" err="1" smtClean="0"/>
+              <a:rPr lang="de-DE" sz="2200" dirty="0" err="1"/>
               <a:t>rRNA</a:t>
             </a:r>
             <a:r>
-              <a:rPr lang="de-DE" sz="2200" dirty="0" smtClean="0"/>
-              <a:t> </a:t>
-            </a:r>
-            <a:r>
-              <a:rPr lang="de-DE" sz="2200" dirty="0" err="1" smtClean="0"/>
+              <a:rPr lang="de-DE" sz="2200" dirty="0"/>
+              <a:t> </a:t>
+            </a:r>
+            <a:r>
+              <a:rPr lang="de-DE" sz="2200" dirty="0" err="1"/>
               <a:t>and</a:t>
             </a:r>
             <a:r>
-              <a:rPr lang="de-DE" sz="2200" dirty="0" smtClean="0"/>
-              <a:t> </a:t>
-            </a:r>
-            <a:r>
-              <a:rPr lang="de-DE" sz="2200" dirty="0" err="1" smtClean="0"/>
+              <a:rPr lang="de-DE" sz="2200" dirty="0"/>
+              <a:t> </a:t>
+            </a:r>
+            <a:r>
+              <a:rPr lang="de-DE" sz="2200" dirty="0" err="1"/>
               <a:t>mRNA</a:t>
             </a:r>
             <a:r>
-              <a:rPr lang="de-DE" sz="2200" dirty="0" smtClean="0"/>
-              <a:t> </a:t>
-            </a:r>
-            <a:r>
-              <a:rPr lang="de-DE" sz="2200" dirty="0" err="1" smtClean="0"/>
+              <a:rPr lang="de-DE" sz="2200" dirty="0"/>
+              <a:t> </a:t>
+            </a:r>
+            <a:r>
+              <a:rPr lang="de-DE" sz="2200" dirty="0" err="1"/>
               <a:t>metabolism</a:t>
             </a:r>
-            <a:endParaRPr lang="de-DE" sz="2200" dirty="0" smtClean="0"/>
+            <a:endParaRPr lang="de-DE" sz="2200" dirty="0"/>
           </a:p>
         </p:txBody>
       </p:sp>
@@ -21002,72 +20861,72 @@
           <a:p>
             <a:pPr algn="ctr"/>
             <a:r>
-              <a:rPr lang="de-DE" sz="3200" dirty="0" err="1" smtClean="0"/>
+              <a:rPr lang="de-DE" sz="3200" dirty="0" err="1"/>
               <a:t>What</a:t>
             </a:r>
             <a:r>
-              <a:rPr lang="de-DE" sz="3200" dirty="0" smtClean="0"/>
+              <a:rPr lang="de-DE" sz="3200" dirty="0"/>
               <a:t> do </a:t>
             </a:r>
             <a:r>
-              <a:rPr lang="de-DE" sz="3200" dirty="0" err="1" smtClean="0"/>
+              <a:rPr lang="de-DE" sz="3200" dirty="0" err="1"/>
               <a:t>the</a:t>
             </a:r>
             <a:r>
-              <a:rPr lang="de-DE" sz="3200" dirty="0" smtClean="0"/>
+              <a:rPr lang="de-DE" sz="3200" dirty="0"/>
               <a:t> RBPs </a:t>
             </a:r>
             <a:r>
-              <a:rPr lang="de-DE" sz="3200" dirty="0" err="1" smtClean="0"/>
+              <a:rPr lang="de-DE" sz="3200" dirty="0" err="1"/>
               <a:t>have</a:t>
             </a:r>
             <a:r>
-              <a:rPr lang="de-DE" sz="3200" dirty="0" smtClean="0"/>
+              <a:rPr lang="de-DE" sz="3200" dirty="0"/>
               <a:t> in </a:t>
             </a:r>
             <a:r>
-              <a:rPr lang="de-DE" sz="3200" dirty="0" err="1" smtClean="0"/>
+              <a:rPr lang="de-DE" sz="3200" dirty="0" err="1"/>
               <a:t>common</a:t>
             </a:r>
             <a:r>
-              <a:rPr lang="de-DE" sz="3200" dirty="0" smtClean="0"/>
+              <a:rPr lang="de-DE" sz="3200" dirty="0"/>
               <a:t>?  </a:t>
             </a:r>
           </a:p>
           <a:p>
             <a:pPr algn="ctr"/>
             <a:r>
-              <a:rPr lang="de-DE" sz="3200" dirty="0" err="1" smtClean="0"/>
+              <a:rPr lang="de-DE" sz="3200" dirty="0" err="1"/>
               <a:t>Comparison</a:t>
             </a:r>
             <a:r>
-              <a:rPr lang="de-DE" sz="3200" dirty="0" smtClean="0"/>
-              <a:t> </a:t>
-            </a:r>
-            <a:r>
-              <a:rPr lang="de-DE" sz="3200" dirty="0" err="1" smtClean="0"/>
+              <a:rPr lang="de-DE" sz="3200" dirty="0"/>
+              <a:t> </a:t>
+            </a:r>
+            <a:r>
+              <a:rPr lang="de-DE" sz="3200" dirty="0" err="1"/>
               <a:t>with</a:t>
             </a:r>
             <a:r>
-              <a:rPr lang="de-DE" sz="3200" dirty="0" smtClean="0"/>
-              <a:t> </a:t>
-            </a:r>
-            <a:r>
-              <a:rPr lang="de-DE" sz="3200" dirty="0" err="1" smtClean="0"/>
+              <a:rPr lang="de-DE" sz="3200" dirty="0"/>
+              <a:t> </a:t>
+            </a:r>
+            <a:r>
+              <a:rPr lang="de-DE" sz="3200" dirty="0" err="1"/>
               <a:t>UniProt</a:t>
             </a:r>
-            <a:endParaRPr lang="de-DE" sz="3200" dirty="0" smtClean="0"/>
+            <a:endParaRPr lang="de-DE" sz="3200" dirty="0"/>
           </a:p>
           <a:p>
             <a:pPr algn="ctr"/>
-            <a:endParaRPr lang="de-DE" sz="3200" b="1" dirty="0" smtClean="0">
+            <a:endParaRPr lang="de-DE" sz="3200" b="1" dirty="0">
               <a:latin typeface="Calibri Light" panose="020F0302020204030204" pitchFamily="34" charset="0"/>
               <a:cs typeface="Calibri Light" panose="020F0302020204030204" pitchFamily="34" charset="0"/>
             </a:endParaRPr>
           </a:p>
           <a:p>
             <a:pPr algn="ctr"/>
-            <a:endParaRPr lang="de-DE" sz="3200" dirty="0" smtClean="0"/>
+            <a:endParaRPr lang="de-DE" sz="3200" dirty="0"/>
           </a:p>
         </p:txBody>
       </p:sp>
@@ -21879,7 +21738,7 @@
           <a:lstStyle/>
           <a:p>
             <a:r>
-              <a:rPr lang="en-US" sz="3600" dirty="0" smtClean="0">
+              <a:rPr lang="en-US" sz="3600" dirty="0">
                 <a:solidFill>
                   <a:schemeClr val="bg1"/>
                 </a:solidFill>
@@ -21983,7 +21842,7 @@
           <a:p>
             <a:pPr algn="ctr"/>
             <a:r>
-              <a:rPr lang="de-DE" sz="2200" dirty="0" smtClean="0"/>
+              <a:rPr lang="de-DE" sz="2200" dirty="0"/>
               <a:t>Common Domains</a:t>
             </a:r>
           </a:p>
@@ -22036,29 +21895,28 @@
           <a:lstStyle/>
           <a:p>
             <a:r>
-              <a:rPr lang="de-DE" sz="2200" dirty="0" smtClean="0"/>
+              <a:rPr lang="de-DE" sz="2200" dirty="0"/>
               <a:t>RNA </a:t>
             </a:r>
             <a:r>
-              <a:rPr lang="de-DE" sz="2200" dirty="0" err="1" smtClean="0"/>
+              <a:rPr lang="de-DE" sz="2200" dirty="0" err="1"/>
               <a:t>recognition</a:t>
             </a:r>
             <a:r>
-              <a:rPr lang="de-DE" sz="2200" dirty="0" smtClean="0"/>
-              <a:t> </a:t>
-            </a:r>
-            <a:r>
-              <a:rPr lang="de-DE" sz="2200" dirty="0" err="1" smtClean="0"/>
+              <a:rPr lang="de-DE" sz="2200" dirty="0"/>
+              <a:t> </a:t>
+            </a:r>
+            <a:r>
+              <a:rPr lang="de-DE" sz="2200" dirty="0" err="1"/>
               <a:t>motif</a:t>
             </a:r>
-            <a:endParaRPr lang="de-DE" sz="2200" dirty="0" smtClean="0"/>
-          </a:p>
-          <a:p>
-            <a:r>
-              <a:rPr lang="de-DE" sz="2200" dirty="0" smtClean="0"/>
+            <a:endParaRPr lang="de-DE" sz="2200" dirty="0"/>
+          </a:p>
+          <a:p>
+            <a:r>
+              <a:rPr lang="de-DE" sz="2200" dirty="0"/>
               <a:t>X Proteins</a:t>
             </a:r>
-            <a:endParaRPr lang="de-DE" sz="2200" dirty="0"/>
           </a:p>
         </p:txBody>
       </p:sp>
@@ -22109,20 +21967,19 @@
           <a:lstStyle/>
           <a:p>
             <a:r>
-              <a:rPr lang="de-DE" sz="2200" dirty="0" err="1" smtClean="0"/>
+              <a:rPr lang="de-DE" sz="2200" dirty="0" err="1"/>
               <a:t>Zinc</a:t>
             </a:r>
             <a:r>
-              <a:rPr lang="de-DE" sz="2200" dirty="0" smtClean="0"/>
+              <a:rPr lang="de-DE" sz="2200" dirty="0"/>
               <a:t> Finger</a:t>
             </a:r>
           </a:p>
           <a:p>
             <a:r>
-              <a:rPr lang="de-DE" sz="2200" dirty="0" smtClean="0"/>
+              <a:rPr lang="de-DE" sz="2200" dirty="0"/>
               <a:t>X Proteins</a:t>
             </a:r>
-            <a:endParaRPr lang="de-DE" sz="2200" dirty="0"/>
           </a:p>
         </p:txBody>
       </p:sp>
@@ -22173,37 +22030,36 @@
           <a:lstStyle/>
           <a:p>
             <a:r>
-              <a:rPr lang="de-DE" sz="2200" dirty="0" smtClean="0"/>
+              <a:rPr lang="de-DE" sz="2200" dirty="0"/>
               <a:t>Dead/</a:t>
             </a:r>
             <a:r>
-              <a:rPr lang="de-DE" sz="2200" dirty="0" err="1" smtClean="0"/>
+              <a:rPr lang="de-DE" sz="2200" dirty="0" err="1"/>
               <a:t>Deah</a:t>
             </a:r>
             <a:r>
-              <a:rPr lang="de-DE" sz="2200" dirty="0" smtClean="0"/>
+              <a:rPr lang="de-DE" sz="2200" dirty="0"/>
               <a:t> Domain/</a:t>
             </a:r>
             <a:r>
-              <a:rPr lang="de-DE" sz="2200" dirty="0" err="1" smtClean="0"/>
+              <a:rPr lang="de-DE" sz="2200" dirty="0" err="1"/>
               <a:t>Helicase</a:t>
             </a:r>
             <a:r>
-              <a:rPr lang="de-DE" sz="2200" dirty="0" smtClean="0"/>
-              <a:t> </a:t>
-            </a:r>
-            <a:r>
-              <a:rPr lang="de-DE" sz="2200" dirty="0" err="1" smtClean="0"/>
+              <a:rPr lang="de-DE" sz="2200" dirty="0"/>
+              <a:t> </a:t>
+            </a:r>
+            <a:r>
+              <a:rPr lang="de-DE" sz="2200" dirty="0" err="1"/>
               <a:t>Doman</a:t>
             </a:r>
-            <a:endParaRPr lang="de-DE" sz="2200" dirty="0" smtClean="0"/>
-          </a:p>
-          <a:p>
-            <a:r>
-              <a:rPr lang="de-DE" sz="2200" dirty="0" smtClean="0"/>
+            <a:endParaRPr lang="de-DE" sz="2200" dirty="0"/>
+          </a:p>
+          <a:p>
+            <a:r>
+              <a:rPr lang="de-DE" sz="2200" dirty="0"/>
               <a:t>X Proteins</a:t>
             </a:r>
-            <a:endParaRPr lang="de-DE" sz="2200" dirty="0"/>
           </a:p>
         </p:txBody>
       </p:sp>
@@ -22230,49 +22086,49 @@
           <a:lstStyle/>
           <a:p>
             <a:r>
-              <a:rPr lang="de-DE" sz="2200" dirty="0" smtClean="0">
+              <a:rPr lang="de-DE" sz="2200" dirty="0">
                 <a:sym typeface="Wingdings" panose="05000000000000000000" pitchFamily="2" charset="2"/>
               </a:rPr>
               <a:t> </a:t>
             </a:r>
             <a:r>
-              <a:rPr lang="de-DE" sz="2200" dirty="0" smtClean="0"/>
+              <a:rPr lang="de-DE" sz="2200" dirty="0"/>
               <a:t>Most </a:t>
             </a:r>
             <a:r>
-              <a:rPr lang="de-DE" sz="2200" dirty="0" err="1" smtClean="0"/>
+              <a:rPr lang="de-DE" sz="2200" dirty="0" err="1"/>
               <a:t>proteins</a:t>
             </a:r>
             <a:r>
-              <a:rPr lang="de-DE" sz="2200" dirty="0" smtClean="0"/>
-              <a:t> </a:t>
-            </a:r>
-            <a:r>
-              <a:rPr lang="de-DE" sz="2200" dirty="0" err="1" smtClean="0"/>
+              <a:rPr lang="de-DE" sz="2200" dirty="0"/>
+              <a:t> </a:t>
+            </a:r>
+            <a:r>
+              <a:rPr lang="de-DE" sz="2200" dirty="0" err="1"/>
               <a:t>contained</a:t>
             </a:r>
             <a:r>
-              <a:rPr lang="de-DE" sz="2200" dirty="0" smtClean="0"/>
-              <a:t> </a:t>
-            </a:r>
-            <a:r>
-              <a:rPr lang="de-DE" sz="2200" dirty="0" err="1" smtClean="0"/>
+              <a:rPr lang="de-DE" sz="2200" dirty="0"/>
+              <a:t> </a:t>
+            </a:r>
+            <a:r>
+              <a:rPr lang="de-DE" sz="2200" dirty="0" err="1"/>
               <a:t>intrinsically</a:t>
             </a:r>
             <a:r>
-              <a:rPr lang="de-DE" sz="2200" dirty="0" smtClean="0"/>
-              <a:t> </a:t>
-            </a:r>
-            <a:r>
-              <a:rPr lang="de-DE" sz="2200" dirty="0" err="1" smtClean="0"/>
+              <a:rPr lang="de-DE" sz="2200" dirty="0"/>
+              <a:t> </a:t>
+            </a:r>
+            <a:r>
+              <a:rPr lang="de-DE" sz="2200" dirty="0" err="1"/>
               <a:t>disordered</a:t>
             </a:r>
             <a:r>
-              <a:rPr lang="de-DE" sz="2200" dirty="0" smtClean="0"/>
-              <a:t> </a:t>
-            </a:r>
-            <a:r>
-              <a:rPr lang="de-DE" sz="2200" dirty="0" err="1" smtClean="0"/>
+              <a:rPr lang="de-DE" sz="2200" dirty="0"/>
+              <a:t> </a:t>
+            </a:r>
+            <a:r>
+              <a:rPr lang="de-DE" sz="2200" dirty="0" err="1"/>
               <a:t>regions</a:t>
             </a:r>
             <a:endParaRPr lang="de-DE" sz="2200" dirty="0"/>
@@ -22322,29 +22178,29 @@
           <a:p>
             <a:pPr algn="ctr"/>
             <a:r>
-              <a:rPr lang="de-DE" sz="3200" dirty="0" smtClean="0"/>
+              <a:rPr lang="de-DE" sz="3200" dirty="0"/>
               <a:t>Common </a:t>
             </a:r>
             <a:r>
-              <a:rPr lang="de-DE" sz="3200" dirty="0" err="1" smtClean="0"/>
+              <a:rPr lang="de-DE" sz="3200" dirty="0" err="1"/>
               <a:t>features</a:t>
             </a:r>
             <a:r>
-              <a:rPr lang="de-DE" sz="3200" dirty="0" smtClean="0"/>
-              <a:t> </a:t>
-            </a:r>
-            <a:r>
-              <a:rPr lang="de-DE" sz="3200" dirty="0" err="1" smtClean="0"/>
+              <a:rPr lang="de-DE" sz="3200" dirty="0"/>
+              <a:t> </a:t>
+            </a:r>
+            <a:r>
+              <a:rPr lang="de-DE" sz="3200" dirty="0" err="1"/>
               <a:t>of</a:t>
             </a:r>
             <a:r>
-              <a:rPr lang="de-DE" sz="3200" dirty="0" smtClean="0"/>
+              <a:rPr lang="de-DE" sz="3200" dirty="0"/>
               <a:t> RBPs</a:t>
             </a:r>
           </a:p>
           <a:p>
             <a:pPr algn="ctr"/>
-            <a:endParaRPr lang="de-DE" sz="3200" b="1" dirty="0" smtClean="0">
+            <a:endParaRPr lang="de-DE" sz="3200" b="1" dirty="0">
               <a:latin typeface="Calibri Light" panose="020F0302020204030204" pitchFamily="34" charset="0"/>
               <a:cs typeface="Calibri Light" panose="020F0302020204030204" pitchFamily="34" charset="0"/>
             </a:endParaRPr>
@@ -23148,7 +23004,7 @@
           <a:lstStyle/>
           <a:p>
             <a:r>
-              <a:rPr lang="en-US" sz="3600" dirty="0" smtClean="0">
+              <a:rPr lang="en-US" sz="3600" dirty="0">
                 <a:solidFill>
                   <a:schemeClr val="bg1"/>
                 </a:solidFill>
@@ -23181,10 +23037,10 @@
           <a:lstStyle/>
           <a:p>
             <a:r>
-              <a:rPr lang="de-DE" sz="2200" dirty="0" err="1" smtClean="0"/>
+              <a:rPr lang="de-DE" sz="2200" dirty="0" err="1"/>
               <a:t>Functions</a:t>
             </a:r>
-            <a:endParaRPr lang="de-DE" sz="2200" dirty="0" smtClean="0"/>
+            <a:endParaRPr lang="de-DE" sz="2200" dirty="0"/>
           </a:p>
           <a:p>
             <a:pPr marL="285750" indent="-285750">
@@ -23192,22 +23048,22 @@
               <a:buChar char="•"/>
             </a:pPr>
             <a:r>
-              <a:rPr lang="de-DE" sz="2200" dirty="0" smtClean="0"/>
+              <a:rPr lang="de-DE" sz="2200" dirty="0"/>
               <a:t>Chromatin </a:t>
             </a:r>
             <a:r>
-              <a:rPr lang="de-DE" sz="2200" dirty="0" err="1" smtClean="0"/>
+              <a:rPr lang="de-DE" sz="2200" dirty="0" err="1"/>
               <a:t>binding</a:t>
             </a:r>
             <a:r>
-              <a:rPr lang="de-DE" sz="2200" dirty="0" smtClean="0"/>
+              <a:rPr lang="de-DE" sz="2200" dirty="0"/>
               <a:t> &amp; </a:t>
             </a:r>
             <a:r>
-              <a:rPr lang="de-DE" sz="2200" dirty="0" err="1" smtClean="0"/>
+              <a:rPr lang="de-DE" sz="2200" dirty="0" err="1"/>
               <a:t>remodelling</a:t>
             </a:r>
-            <a:endParaRPr lang="de-DE" sz="2200" dirty="0" smtClean="0"/>
+            <a:endParaRPr lang="de-DE" sz="2200" dirty="0"/>
           </a:p>
           <a:p>
             <a:pPr marL="285750" indent="-285750">
@@ -23215,18 +23071,18 @@
               <a:buChar char="•"/>
             </a:pPr>
             <a:r>
-              <a:rPr lang="de-DE" sz="2200" dirty="0" err="1" smtClean="0"/>
+              <a:rPr lang="de-DE" sz="2200" dirty="0" err="1"/>
               <a:t>Cytoskeleton</a:t>
             </a:r>
             <a:r>
-              <a:rPr lang="de-DE" sz="2200" dirty="0" smtClean="0"/>
-              <a:t> </a:t>
-            </a:r>
-            <a:r>
-              <a:rPr lang="de-DE" sz="2200" dirty="0" err="1" smtClean="0"/>
+              <a:rPr lang="de-DE" sz="2200" dirty="0"/>
+              <a:t> </a:t>
+            </a:r>
+            <a:r>
+              <a:rPr lang="de-DE" sz="2200" dirty="0" err="1"/>
               <a:t>organization</a:t>
             </a:r>
-            <a:endParaRPr lang="de-DE" sz="2200" dirty="0" smtClean="0"/>
+            <a:endParaRPr lang="de-DE" sz="2200" dirty="0"/>
           </a:p>
           <a:p>
             <a:pPr marL="285750" indent="-285750">
@@ -23234,10 +23090,10 @@
               <a:buChar char="•"/>
             </a:pPr>
             <a:r>
-              <a:rPr lang="de-DE" sz="2200" dirty="0" err="1" smtClean="0"/>
+              <a:rPr lang="de-DE" sz="2200" dirty="0" err="1"/>
               <a:t>Angiogenesis</a:t>
             </a:r>
-            <a:endParaRPr lang="de-DE" sz="2200" dirty="0" smtClean="0"/>
+            <a:endParaRPr lang="de-DE" sz="2200" dirty="0"/>
           </a:p>
           <a:p>
             <a:pPr marL="285750" indent="-285750">
@@ -23245,18 +23101,18 @@
               <a:buChar char="•"/>
             </a:pPr>
             <a:r>
-              <a:rPr lang="de-DE" sz="2200" dirty="0" err="1" smtClean="0"/>
+              <a:rPr lang="de-DE" sz="2200" dirty="0" err="1"/>
               <a:t>Embryonic</a:t>
             </a:r>
             <a:r>
-              <a:rPr lang="de-DE" sz="2200" dirty="0" smtClean="0"/>
-              <a:t> </a:t>
-            </a:r>
-            <a:r>
-              <a:rPr lang="de-DE" sz="2200" dirty="0" err="1" smtClean="0"/>
+              <a:rPr lang="de-DE" sz="2200" dirty="0"/>
+              <a:t> </a:t>
+            </a:r>
+            <a:r>
+              <a:rPr lang="de-DE" sz="2200" dirty="0" err="1"/>
               <a:t>development</a:t>
             </a:r>
-            <a:endParaRPr lang="de-DE" sz="2200" dirty="0" smtClean="0"/>
+            <a:endParaRPr lang="de-DE" sz="2200" dirty="0"/>
           </a:p>
           <a:p>
             <a:pPr marL="285750" indent="-285750">
@@ -23264,18 +23120,18 @@
               <a:buChar char="•"/>
             </a:pPr>
             <a:r>
-              <a:rPr lang="de-DE" sz="2200" dirty="0" err="1" smtClean="0"/>
+              <a:rPr lang="de-DE" sz="2200" dirty="0" err="1"/>
               <a:t>Microtubule</a:t>
             </a:r>
             <a:r>
-              <a:rPr lang="de-DE" sz="2200" dirty="0" smtClean="0"/>
-              <a:t> </a:t>
-            </a:r>
-            <a:r>
-              <a:rPr lang="de-DE" sz="2200" dirty="0" err="1" smtClean="0"/>
+              <a:rPr lang="de-DE" sz="2200" dirty="0"/>
+              <a:t> </a:t>
+            </a:r>
+            <a:r>
+              <a:rPr lang="de-DE" sz="2200" dirty="0" err="1"/>
               <a:t>organization</a:t>
             </a:r>
-            <a:endParaRPr lang="de-DE" sz="2200" dirty="0" smtClean="0"/>
+            <a:endParaRPr lang="de-DE" sz="2200" dirty="0"/>
           </a:p>
           <a:p>
             <a:pPr marL="285750" indent="-285750">
@@ -23283,18 +23139,18 @@
               <a:buChar char="•"/>
             </a:pPr>
             <a:r>
-              <a:rPr lang="de-DE" sz="2200" dirty="0" err="1" smtClean="0"/>
+              <a:rPr lang="de-DE" sz="2200" dirty="0" err="1"/>
               <a:t>Cell</a:t>
             </a:r>
             <a:r>
-              <a:rPr lang="de-DE" sz="2200" dirty="0" smtClean="0"/>
-              <a:t> </a:t>
-            </a:r>
-            <a:r>
-              <a:rPr lang="de-DE" sz="2200" dirty="0" err="1" smtClean="0"/>
+              <a:rPr lang="de-DE" sz="2200" dirty="0"/>
+              <a:t> </a:t>
+            </a:r>
+            <a:r>
+              <a:rPr lang="de-DE" sz="2200" dirty="0" err="1"/>
               <a:t>division</a:t>
             </a:r>
-            <a:endParaRPr lang="de-DE" sz="2200" dirty="0" smtClean="0"/>
+            <a:endParaRPr lang="de-DE" sz="2200" dirty="0"/>
           </a:p>
           <a:p>
             <a:pPr marL="285750" indent="-285750">
@@ -23302,18 +23158,18 @@
               <a:buChar char="•"/>
             </a:pPr>
             <a:r>
-              <a:rPr lang="de-DE" sz="2200" dirty="0" err="1" smtClean="0"/>
+              <a:rPr lang="de-DE" sz="2200" dirty="0" err="1"/>
               <a:t>Actin</a:t>
             </a:r>
             <a:r>
-              <a:rPr lang="de-DE" sz="2200" dirty="0" smtClean="0"/>
-              <a:t> </a:t>
-            </a:r>
-            <a:r>
-              <a:rPr lang="de-DE" sz="2200" dirty="0" err="1" smtClean="0"/>
+              <a:rPr lang="de-DE" sz="2200" dirty="0"/>
+              <a:t> </a:t>
+            </a:r>
+            <a:r>
+              <a:rPr lang="de-DE" sz="2200" dirty="0" err="1"/>
               <a:t>polymerization</a:t>
             </a:r>
-            <a:endParaRPr lang="de-DE" sz="2200" dirty="0" smtClean="0"/>
+            <a:endParaRPr lang="de-DE" sz="2200" dirty="0"/>
           </a:p>
           <a:p>
             <a:pPr marL="285750" indent="-285750">
@@ -23321,14 +23177,14 @@
               <a:buChar char="•"/>
             </a:pPr>
             <a:r>
-              <a:rPr lang="de-DE" sz="2200" dirty="0" smtClean="0"/>
+              <a:rPr lang="de-DE" sz="2200" dirty="0"/>
               <a:t>Brain </a:t>
             </a:r>
             <a:r>
-              <a:rPr lang="de-DE" sz="2200" dirty="0" err="1" smtClean="0"/>
+              <a:rPr lang="de-DE" sz="2200" dirty="0" err="1"/>
               <a:t>development</a:t>
             </a:r>
-            <a:endParaRPr lang="de-DE" sz="2200" dirty="0" smtClean="0"/>
+            <a:endParaRPr lang="de-DE" sz="2200" dirty="0"/>
           </a:p>
           <a:p>
             <a:pPr marL="285750" indent="-285750">
@@ -23382,29 +23238,29 @@
           <a:p>
             <a:pPr algn="ctr"/>
             <a:r>
-              <a:rPr lang="de-DE" sz="3200" dirty="0" err="1" smtClean="0"/>
+              <a:rPr lang="de-DE" sz="3200" dirty="0" err="1"/>
               <a:t>Actin-associated</a:t>
             </a:r>
             <a:r>
-              <a:rPr lang="de-DE" sz="3200" dirty="0" smtClean="0"/>
-              <a:t> </a:t>
-            </a:r>
-            <a:r>
-              <a:rPr lang="de-DE" sz="3200" dirty="0" err="1" smtClean="0"/>
+              <a:rPr lang="de-DE" sz="3200" dirty="0"/>
+              <a:t> </a:t>
+            </a:r>
+            <a:r>
+              <a:rPr lang="de-DE" sz="3200" dirty="0" err="1"/>
               <a:t>proteins</a:t>
             </a:r>
-            <a:endParaRPr lang="de-DE" sz="3200" dirty="0" smtClean="0"/>
+            <a:endParaRPr lang="de-DE" sz="3200" dirty="0"/>
           </a:p>
           <a:p>
             <a:pPr algn="ctr"/>
-            <a:endParaRPr lang="de-DE" sz="3200" b="1" dirty="0" smtClean="0">
+            <a:endParaRPr lang="de-DE" sz="3200" b="1" dirty="0">
               <a:latin typeface="Calibri Light" panose="020F0302020204030204" pitchFamily="34" charset="0"/>
               <a:cs typeface="Calibri Light" panose="020F0302020204030204" pitchFamily="34" charset="0"/>
             </a:endParaRPr>
           </a:p>
           <a:p>
             <a:pPr algn="ctr"/>
-            <a:endParaRPr lang="de-DE" sz="3200" dirty="0" smtClean="0"/>
+            <a:endParaRPr lang="de-DE" sz="3200" dirty="0"/>
           </a:p>
         </p:txBody>
       </p:sp>
@@ -24242,7 +24098,7 @@
           <a:lstStyle/>
           <a:p>
             <a:r>
-              <a:rPr lang="en-US" sz="3600" dirty="0" smtClean="0">
+              <a:rPr lang="en-US" sz="3600" dirty="0">
                 <a:solidFill>
                   <a:schemeClr val="bg1"/>
                 </a:solidFill>
@@ -24365,21 +24221,21 @@
           <a:p>
             <a:pPr algn="ctr"/>
             <a:r>
-              <a:rPr lang="de-DE" sz="3200" dirty="0" err="1" smtClean="0"/>
+              <a:rPr lang="de-DE" sz="3200" dirty="0" err="1"/>
               <a:t>Conclusion</a:t>
             </a:r>
-            <a:endParaRPr lang="de-DE" sz="3200" dirty="0" smtClean="0"/>
+            <a:endParaRPr lang="de-DE" sz="3200" dirty="0"/>
           </a:p>
           <a:p>
             <a:pPr algn="ctr"/>
-            <a:endParaRPr lang="de-DE" sz="3200" b="1" dirty="0" smtClean="0">
+            <a:endParaRPr lang="de-DE" sz="3200" b="1" dirty="0">
               <a:latin typeface="Calibri Light" panose="020F0302020204030204" pitchFamily="34" charset="0"/>
               <a:cs typeface="Calibri Light" panose="020F0302020204030204" pitchFamily="34" charset="0"/>
             </a:endParaRPr>
           </a:p>
           <a:p>
             <a:pPr algn="ctr"/>
-            <a:endParaRPr lang="de-DE" sz="3200" dirty="0" smtClean="0"/>
+            <a:endParaRPr lang="de-DE" sz="3200" dirty="0"/>
           </a:p>
         </p:txBody>
       </p:sp>
@@ -24618,7 +24474,7 @@
           <a:lstStyle/>
           <a:p>
             <a:r>
-              <a:rPr lang="en-US" sz="3600" dirty="0" smtClean="0">
+              <a:rPr lang="en-US" sz="3600" dirty="0">
                 <a:solidFill>
                   <a:schemeClr val="bg1"/>
                 </a:solidFill>
@@ -24741,21 +24597,21 @@
           <a:p>
             <a:pPr algn="ctr"/>
             <a:r>
-              <a:rPr lang="de-DE" sz="3200" dirty="0" err="1" smtClean="0"/>
+              <a:rPr lang="de-DE" sz="3200" dirty="0" err="1"/>
               <a:t>Conclusion</a:t>
             </a:r>
-            <a:endParaRPr lang="de-DE" sz="3200" dirty="0" smtClean="0"/>
+            <a:endParaRPr lang="de-DE" sz="3200" dirty="0"/>
           </a:p>
           <a:p>
             <a:pPr algn="ctr"/>
-            <a:endParaRPr lang="de-DE" sz="3200" b="1" dirty="0" smtClean="0">
+            <a:endParaRPr lang="de-DE" sz="3200" b="1" dirty="0">
               <a:latin typeface="Calibri Light" panose="020F0302020204030204" pitchFamily="34" charset="0"/>
               <a:cs typeface="Calibri Light" panose="020F0302020204030204" pitchFamily="34" charset="0"/>
             </a:endParaRPr>
           </a:p>
           <a:p>
             <a:pPr algn="ctr"/>
-            <a:endParaRPr lang="de-DE" sz="3200" dirty="0" smtClean="0"/>
+            <a:endParaRPr lang="de-DE" sz="3200" dirty="0"/>
           </a:p>
         </p:txBody>
       </p:sp>
@@ -24769,13 +24625,6 @@
   <p:clrMapOvr>
     <a:masterClrMapping/>
   </p:clrMapOvr>
-  <p:timing>
-    <p:tnLst>
-      <p:par>
-        <p:cTn id="1" dur="indefinite" restart="never" nodeType="tmRoot"/>
-      </p:par>
-    </p:tnLst>
-  </p:timing>
 </p:sld>
 </file>
 
@@ -25546,13 +25395,6 @@
   <p:clrMapOvr>
     <a:masterClrMapping/>
   </p:clrMapOvr>
-  <p:timing>
-    <p:tnLst>
-      <p:par>
-        <p:cTn id="1" dur="indefinite" restart="never" nodeType="tmRoot"/>
-      </p:par>
-    </p:tnLst>
-  </p:timing>
 </p:sld>
 </file>
 
@@ -25597,22 +25439,21 @@
           <a:p>
             <a:pPr algn="ctr"/>
             <a:r>
-              <a:rPr lang="de-DE" sz="3200" dirty="0" err="1" smtClean="0"/>
+              <a:rPr lang="de-DE" sz="3200" dirty="0" err="1"/>
               <a:t>What</a:t>
             </a:r>
             <a:r>
-              <a:rPr lang="de-DE" sz="3200" dirty="0" smtClean="0"/>
+              <a:rPr lang="de-DE" sz="3200" dirty="0"/>
               <a:t> do </a:t>
             </a:r>
             <a:r>
-              <a:rPr lang="de-DE" sz="3200" dirty="0" err="1" smtClean="0"/>
+              <a:rPr lang="de-DE" sz="3200" dirty="0" err="1"/>
               <a:t>they</a:t>
             </a:r>
             <a:r>
-              <a:rPr lang="de-DE" sz="3200" dirty="0" smtClean="0"/>
+              <a:rPr lang="de-DE" sz="3200" dirty="0"/>
               <a:t> do?</a:t>
             </a:r>
-            <a:endParaRPr lang="de-DE" sz="3200" dirty="0"/>
           </a:p>
         </p:txBody>
       </p:sp>
@@ -25689,7 +25530,7 @@
           <a:lstStyle/>
           <a:p>
             <a:r>
-              <a:rPr lang="en-US" sz="3600" dirty="0" smtClean="0">
+              <a:rPr lang="en-US" sz="3600" dirty="0">
                 <a:solidFill>
                   <a:schemeClr val="bg1"/>
                 </a:solidFill>
@@ -25839,47 +25680,47 @@
               <a:buChar char="•"/>
             </a:pPr>
             <a:r>
-              <a:rPr lang="de-DE" dirty="0" smtClean="0"/>
+              <a:rPr lang="de-DE" dirty="0"/>
               <a:t>Essential </a:t>
             </a:r>
             <a:r>
-              <a:rPr lang="de-DE" dirty="0" err="1" smtClean="0"/>
+              <a:rPr lang="de-DE" dirty="0" err="1"/>
               <a:t>for</a:t>
             </a:r>
             <a:r>
-              <a:rPr lang="de-DE" dirty="0" smtClean="0"/>
-              <a:t> </a:t>
-            </a:r>
-            <a:r>
-              <a:rPr lang="de-DE" dirty="0" err="1" smtClean="0"/>
+              <a:rPr lang="de-DE" dirty="0"/>
+              <a:t> </a:t>
+            </a:r>
+            <a:r>
+              <a:rPr lang="de-DE" dirty="0" err="1"/>
               <a:t>gene</a:t>
             </a:r>
             <a:r>
-              <a:rPr lang="de-DE" dirty="0" smtClean="0"/>
-              <a:t> </a:t>
-            </a:r>
-            <a:r>
-              <a:rPr lang="de-DE" dirty="0" err="1" smtClean="0"/>
+              <a:rPr lang="de-DE" dirty="0"/>
+              <a:t> </a:t>
+            </a:r>
+            <a:r>
+              <a:rPr lang="de-DE" dirty="0" err="1"/>
               <a:t>expression</a:t>
             </a:r>
             <a:r>
-              <a:rPr lang="de-DE" dirty="0" smtClean="0"/>
+              <a:rPr lang="de-DE" dirty="0"/>
               <a:t> (</a:t>
             </a:r>
             <a:r>
-              <a:rPr lang="de-DE" dirty="0" err="1" smtClean="0"/>
+              <a:rPr lang="de-DE" dirty="0" err="1"/>
               <a:t>translation</a:t>
             </a:r>
             <a:r>
-              <a:rPr lang="de-DE" dirty="0" smtClean="0"/>
+              <a:rPr lang="de-DE" dirty="0"/>
               <a:t>, </a:t>
             </a:r>
             <a:r>
-              <a:rPr lang="de-DE" dirty="0" err="1" smtClean="0"/>
+              <a:rPr lang="de-DE" dirty="0" err="1"/>
               <a:t>transcription</a:t>
             </a:r>
             <a:r>
-              <a:rPr lang="de-DE" dirty="0" smtClean="0"/>
+              <a:rPr lang="de-DE" dirty="0"/>
               <a:t>)</a:t>
             </a:r>
           </a:p>
@@ -25889,18 +25730,18 @@
               <a:buChar char="•"/>
             </a:pPr>
             <a:r>
-              <a:rPr lang="de-DE" dirty="0" err="1" smtClean="0"/>
+              <a:rPr lang="de-DE" dirty="0" err="1"/>
               <a:t>Transcription</a:t>
             </a:r>
             <a:r>
-              <a:rPr lang="de-DE" dirty="0" smtClean="0"/>
-              <a:t> </a:t>
-            </a:r>
-            <a:r>
-              <a:rPr lang="de-DE" dirty="0" err="1" smtClean="0"/>
+              <a:rPr lang="de-DE" dirty="0"/>
+              <a:t> </a:t>
+            </a:r>
+            <a:r>
+              <a:rPr lang="de-DE" dirty="0" err="1"/>
               <a:t>factors</a:t>
             </a:r>
-            <a:endParaRPr lang="de-DE" dirty="0" smtClean="0"/>
+            <a:endParaRPr lang="de-DE" dirty="0"/>
           </a:p>
           <a:p>
             <a:pPr marL="285750" indent="-285750">
@@ -25908,14 +25749,14 @@
               <a:buChar char="•"/>
             </a:pPr>
             <a:r>
-              <a:rPr lang="de-DE" dirty="0" smtClean="0"/>
+              <a:rPr lang="de-DE" dirty="0"/>
               <a:t>Alternative </a:t>
             </a:r>
             <a:r>
-              <a:rPr lang="de-DE" dirty="0" err="1" smtClean="0"/>
+              <a:rPr lang="de-DE" dirty="0" err="1"/>
               <a:t>splicing</a:t>
             </a:r>
-            <a:endParaRPr lang="de-DE" dirty="0" smtClean="0"/>
+            <a:endParaRPr lang="de-DE" dirty="0"/>
           </a:p>
           <a:p>
             <a:pPr marL="285750" indent="-285750">
@@ -25923,19 +25764,19 @@
               <a:buChar char="•"/>
             </a:pPr>
             <a:r>
-              <a:rPr lang="de-DE" dirty="0" err="1" smtClean="0"/>
+              <a:rPr lang="de-DE" dirty="0" err="1"/>
               <a:t>Stabilization</a:t>
             </a:r>
             <a:r>
-              <a:rPr lang="de-DE" dirty="0" smtClean="0"/>
+              <a:rPr lang="de-DE" dirty="0"/>
               <a:t> &amp; Degradation </a:t>
             </a:r>
             <a:r>
-              <a:rPr lang="de-DE" dirty="0" err="1" smtClean="0"/>
+              <a:rPr lang="de-DE" dirty="0" err="1"/>
               <a:t>of</a:t>
             </a:r>
             <a:r>
-              <a:rPr lang="de-DE" dirty="0" smtClean="0"/>
+              <a:rPr lang="de-DE" dirty="0"/>
               <a:t> RNA</a:t>
             </a:r>
           </a:p>
@@ -25945,18 +25786,18 @@
               <a:buChar char="•"/>
             </a:pPr>
             <a:r>
-              <a:rPr lang="de-DE" dirty="0" err="1" smtClean="0"/>
+              <a:rPr lang="de-DE" dirty="0" err="1"/>
               <a:t>Cytoskeleton</a:t>
             </a:r>
             <a:r>
-              <a:rPr lang="de-DE" dirty="0" smtClean="0"/>
-              <a:t> </a:t>
-            </a:r>
-            <a:r>
-              <a:rPr lang="de-DE" dirty="0" err="1" smtClean="0"/>
+              <a:rPr lang="de-DE" dirty="0"/>
+              <a:t> </a:t>
+            </a:r>
+            <a:r>
+              <a:rPr lang="de-DE" dirty="0" err="1"/>
               <a:t>organization</a:t>
             </a:r>
-            <a:endParaRPr lang="de-DE" dirty="0" smtClean="0"/>
+            <a:endParaRPr lang="de-DE" dirty="0"/>
           </a:p>
           <a:p>
             <a:pPr marL="285750" indent="-285750">
@@ -25964,18 +25805,18 @@
               <a:buChar char="•"/>
             </a:pPr>
             <a:r>
-              <a:rPr lang="de-DE" dirty="0" err="1" smtClean="0"/>
+              <a:rPr lang="de-DE" dirty="0" err="1"/>
               <a:t>Developmental</a:t>
             </a:r>
             <a:r>
-              <a:rPr lang="de-DE" dirty="0" smtClean="0"/>
-              <a:t> </a:t>
-            </a:r>
-            <a:r>
-              <a:rPr lang="de-DE" dirty="0" err="1" smtClean="0"/>
+              <a:rPr lang="de-DE" dirty="0"/>
+              <a:t> </a:t>
+            </a:r>
+            <a:r>
+              <a:rPr lang="de-DE" dirty="0" err="1"/>
               <a:t>processes</a:t>
             </a:r>
-            <a:endParaRPr lang="de-DE" dirty="0" smtClean="0"/>
+            <a:endParaRPr lang="de-DE" dirty="0"/>
           </a:p>
           <a:p>
             <a:pPr marL="285750" indent="-285750">
@@ -25983,23 +25824,23 @@
               <a:buChar char="•"/>
             </a:pPr>
             <a:r>
-              <a:rPr lang="de-DE" dirty="0" err="1" smtClean="0"/>
+              <a:rPr lang="de-DE" dirty="0" err="1"/>
               <a:t>Cell</a:t>
             </a:r>
             <a:r>
-              <a:rPr lang="de-DE" dirty="0" smtClean="0"/>
-              <a:t> </a:t>
-            </a:r>
-            <a:r>
-              <a:rPr lang="de-DE" dirty="0" err="1" smtClean="0"/>
+              <a:rPr lang="de-DE" dirty="0"/>
+              <a:t> </a:t>
+            </a:r>
+            <a:r>
+              <a:rPr lang="de-DE" dirty="0" err="1"/>
               <a:t>cycle</a:t>
             </a:r>
             <a:r>
-              <a:rPr lang="de-DE" dirty="0" smtClean="0"/>
-              <a:t> </a:t>
-            </a:r>
-            <a:r>
-              <a:rPr lang="de-DE" dirty="0" err="1" smtClean="0"/>
+              <a:rPr lang="de-DE" dirty="0"/>
+              <a:t> </a:t>
+            </a:r>
+            <a:r>
+              <a:rPr lang="de-DE" dirty="0" err="1"/>
               <a:t>regulation</a:t>
             </a:r>
             <a:endParaRPr lang="de-DE" dirty="0"/>
@@ -26016,13 +25857,6 @@
   <p:clrMapOvr>
     <a:masterClrMapping/>
   </p:clrMapOvr>
-  <p:timing>
-    <p:tnLst>
-      <p:par>
-        <p:cTn id="1" dur="indefinite" restart="never" nodeType="tmRoot"/>
-      </p:par>
-    </p:tnLst>
-  </p:timing>
 </p:sld>
 </file>
 
@@ -26067,22 +25901,21 @@
           <a:p>
             <a:pPr algn="ctr"/>
             <a:r>
-              <a:rPr lang="de-DE" sz="3200" dirty="0" err="1" smtClean="0"/>
+              <a:rPr lang="de-DE" sz="3200" dirty="0" err="1"/>
               <a:t>How</a:t>
             </a:r>
             <a:r>
-              <a:rPr lang="de-DE" sz="3200" dirty="0" smtClean="0"/>
+              <a:rPr lang="de-DE" sz="3200" dirty="0"/>
               <a:t> do </a:t>
             </a:r>
             <a:r>
-              <a:rPr lang="de-DE" sz="3200" dirty="0" err="1" smtClean="0"/>
+              <a:rPr lang="de-DE" sz="3200" dirty="0" err="1"/>
               <a:t>they</a:t>
             </a:r>
             <a:r>
-              <a:rPr lang="de-DE" sz="3200" dirty="0" smtClean="0"/>
+              <a:rPr lang="de-DE" sz="3200" dirty="0"/>
               <a:t> bind RNA?</a:t>
             </a:r>
-            <a:endParaRPr lang="de-DE" sz="3200" dirty="0"/>
           </a:p>
         </p:txBody>
       </p:sp>
@@ -26167,10 +26000,10 @@
               <a:t> </a:t>
             </a:r>
             <a:r>
-              <a:rPr lang="de-DE" sz="2000" dirty="0" err="1" smtClean="0"/>
+              <a:rPr lang="de-DE" sz="2000" dirty="0" err="1"/>
               <a:t>domains</a:t>
             </a:r>
-            <a:endParaRPr lang="de-DE" sz="2000" dirty="0" smtClean="0"/>
+            <a:endParaRPr lang="de-DE" sz="2000" dirty="0"/>
           </a:p>
           <a:p>
             <a:pPr>
@@ -26178,47 +26011,47 @@
               <a:buChar char="-"/>
             </a:pPr>
             <a:r>
-              <a:rPr lang="de-DE" sz="2000" dirty="0" err="1" smtClean="0"/>
+              <a:rPr lang="de-DE" sz="2000" dirty="0" err="1"/>
               <a:t>Changes</a:t>
             </a:r>
             <a:r>
-              <a:rPr lang="de-DE" sz="2000" dirty="0" smtClean="0"/>
+              <a:rPr lang="de-DE" sz="2000" dirty="0"/>
               <a:t> in </a:t>
             </a:r>
             <a:r>
-              <a:rPr lang="de-DE" sz="2000" dirty="0" err="1" smtClean="0"/>
+              <a:rPr lang="de-DE" sz="2000" dirty="0" err="1"/>
               <a:t>response</a:t>
             </a:r>
             <a:r>
-              <a:rPr lang="de-DE" sz="2000" dirty="0" smtClean="0"/>
-              <a:t> </a:t>
-            </a:r>
-            <a:r>
-              <a:rPr lang="de-DE" sz="2000" dirty="0" err="1" smtClean="0"/>
+              <a:rPr lang="de-DE" sz="2000" dirty="0"/>
+              <a:t> </a:t>
+            </a:r>
+            <a:r>
+              <a:rPr lang="de-DE" sz="2000" dirty="0" err="1"/>
               <a:t>to</a:t>
             </a:r>
             <a:r>
-              <a:rPr lang="de-DE" sz="2000" dirty="0" smtClean="0"/>
-              <a:t> </a:t>
-            </a:r>
-            <a:r>
-              <a:rPr lang="de-DE" sz="2000" dirty="0" err="1" smtClean="0"/>
+              <a:rPr lang="de-DE" sz="2000" dirty="0"/>
+              <a:t> </a:t>
+            </a:r>
+            <a:r>
+              <a:rPr lang="de-DE" sz="2000" dirty="0" err="1"/>
               <a:t>cellular</a:t>
             </a:r>
             <a:r>
-              <a:rPr lang="de-DE" sz="2000" dirty="0" smtClean="0"/>
-              <a:t> </a:t>
-            </a:r>
-            <a:r>
-              <a:rPr lang="de-DE" sz="2000" dirty="0" err="1" smtClean="0"/>
+              <a:rPr lang="de-DE" sz="2000" dirty="0"/>
+              <a:t> </a:t>
+            </a:r>
+            <a:r>
+              <a:rPr lang="de-DE" sz="2000" dirty="0" err="1"/>
               <a:t>and</a:t>
             </a:r>
             <a:r>
-              <a:rPr lang="de-DE" sz="2000" dirty="0" smtClean="0"/>
+              <a:rPr lang="de-DE" sz="2000" dirty="0"/>
               <a:t> environmental </a:t>
             </a:r>
             <a:r>
-              <a:rPr lang="de-DE" sz="2000" dirty="0" err="1" smtClean="0"/>
+              <a:rPr lang="de-DE" sz="2000" dirty="0" err="1"/>
               <a:t>stimuli</a:t>
             </a:r>
             <a:endParaRPr lang="de-DE" sz="2000" dirty="0"/>
@@ -26284,14 +26117,13 @@
               <a:t> </a:t>
             </a:r>
             <a:r>
-              <a:rPr lang="de-DE" sz="1400" dirty="0" err="1" smtClean="0"/>
+              <a:rPr lang="de-DE" sz="1400" dirty="0" err="1"/>
               <a:t>motif</a:t>
             </a:r>
             <a:r>
-              <a:rPr lang="de-DE" sz="1400" dirty="0" smtClean="0"/>
+              <a:rPr lang="de-DE" sz="1400" dirty="0"/>
               <a:t> (RRM)</a:t>
             </a:r>
-            <a:endParaRPr lang="de-DE" sz="1400" dirty="0"/>
           </a:p>
         </p:txBody>
       </p:sp>
@@ -26430,23 +26262,23 @@
           </a:bodyPr>
           <a:lstStyle/>
           <a:p>
-            <a:endParaRPr lang="de-DE" sz="1400" dirty="0" smtClean="0"/>
-          </a:p>
-          <a:p>
-            <a:r>
-              <a:rPr lang="de-DE" sz="1400" dirty="0" err="1" smtClean="0"/>
+            <a:endParaRPr lang="de-DE" sz="1400" dirty="0"/>
+          </a:p>
+          <a:p>
+            <a:r>
+              <a:rPr lang="de-DE" sz="1400" dirty="0" err="1"/>
               <a:t>Unspecific</a:t>
             </a:r>
             <a:r>
-              <a:rPr lang="de-DE" sz="1400" dirty="0" smtClean="0"/>
-              <a:t> </a:t>
-            </a:r>
-            <a:r>
-              <a:rPr lang="de-DE" sz="1400" dirty="0" err="1" smtClean="0"/>
+              <a:rPr lang="de-DE" sz="1400" dirty="0"/>
+              <a:t> </a:t>
+            </a:r>
+            <a:r>
+              <a:rPr lang="de-DE" sz="1400" dirty="0" err="1"/>
               <a:t>interactions</a:t>
             </a:r>
             <a:r>
-              <a:rPr lang="de-DE" sz="1400" dirty="0" smtClean="0"/>
+              <a:rPr lang="de-DE" sz="1400" dirty="0"/>
               <a:t> Hydrogen </a:t>
             </a:r>
             <a:r>
@@ -27076,7 +26908,7 @@
           <a:lstStyle/>
           <a:p>
             <a:r>
-              <a:rPr lang="en-US" sz="3600" dirty="0" smtClean="0">
+              <a:rPr lang="en-US" sz="3600" dirty="0">
                 <a:solidFill>
                   <a:schemeClr val="bg1"/>
                 </a:solidFill>
@@ -27110,26 +26942,22 @@
           <a:p>
             <a:r>
               <a:rPr lang="de-DE" dirty="0" err="1"/>
-              <a:t>m</a:t>
-            </a:r>
-            <a:r>
-              <a:rPr lang="de-DE" dirty="0" err="1" smtClean="0"/>
-              <a:t>ost</a:t>
-            </a:r>
-            <a:r>
-              <a:rPr lang="de-DE" dirty="0" smtClean="0"/>
-              <a:t> </a:t>
-            </a:r>
-            <a:r>
-              <a:rPr lang="de-DE" dirty="0" err="1" smtClean="0"/>
+              <a:t>most</a:t>
+            </a:r>
+            <a:r>
+              <a:rPr lang="de-DE" dirty="0"/>
+              <a:t> </a:t>
+            </a:r>
+            <a:r>
+              <a:rPr lang="de-DE" dirty="0" err="1"/>
               <a:t>common</a:t>
             </a:r>
             <a:r>
-              <a:rPr lang="de-DE" dirty="0" smtClean="0"/>
-              <a:t> </a:t>
-            </a:r>
-            <a:r>
-              <a:rPr lang="de-DE" dirty="0" err="1" smtClean="0"/>
+              <a:rPr lang="de-DE" dirty="0"/>
+              <a:t> </a:t>
+            </a:r>
+            <a:r>
+              <a:rPr lang="de-DE" dirty="0" err="1"/>
               <a:t>domains</a:t>
             </a:r>
             <a:endParaRPr lang="de-DE" dirty="0"/>
@@ -27146,13 +26974,6 @@
   <p:clrMapOvr>
     <a:masterClrMapping/>
   </p:clrMapOvr>
-  <p:timing>
-    <p:tnLst>
-      <p:par>
-        <p:cTn id="1" dur="indefinite" restart="never" nodeType="tmRoot"/>
-      </p:par>
-    </p:tnLst>
-  </p:timing>
 </p:sld>
 </file>
 
@@ -27641,7 +27462,7 @@
           <a:lstStyle/>
           <a:p>
             <a:r>
-              <a:rPr lang="en-US" sz="3600" dirty="0" smtClean="0">
+              <a:rPr lang="en-US" sz="3600" dirty="0">
                 <a:solidFill>
                   <a:schemeClr val="bg1"/>
                 </a:solidFill>
@@ -27991,19 +27812,8 @@
                 <a:latin typeface="Calibri Light" panose="020F0302020204030204" pitchFamily="34" charset="0"/>
                 <a:cs typeface="Calibri Light" panose="020F0302020204030204" pitchFamily="34" charset="0"/>
               </a:rPr>
-              <a:t>The </a:t>
-            </a:r>
-            <a:r>
-              <a:rPr lang="en-GB" sz="3200" dirty="0" smtClean="0">
-                <a:latin typeface="Calibri Light" panose="020F0302020204030204" pitchFamily="34" charset="0"/>
-                <a:cs typeface="Calibri Light" panose="020F0302020204030204" pitchFamily="34" charset="0"/>
-              </a:rPr>
-              <a:t>HeLa Interphase dataset</a:t>
-            </a:r>
-            <a:endParaRPr lang="en-GB" sz="3200" dirty="0">
-              <a:latin typeface="Calibri Light" panose="020F0302020204030204" pitchFamily="34" charset="0"/>
-              <a:cs typeface="Calibri Light" panose="020F0302020204030204" pitchFamily="34" charset="0"/>
-            </a:endParaRPr>
+              <a:t>The HeLa Interphase dataset</a:t>
+            </a:r>
           </a:p>
         </p:txBody>
       </p:sp>
@@ -28208,19 +28018,14 @@
           <a:p>
             <a:r>
               <a:rPr lang="en-GB" dirty="0"/>
-              <a:t>separated into 25 </a:t>
-            </a:r>
-            <a:r>
-              <a:rPr lang="en-GB" dirty="0" smtClean="0"/>
-              <a:t>fractions</a:t>
-            </a:r>
-          </a:p>
-          <a:p>
-            <a:r>
-              <a:rPr lang="en-GB" dirty="0" smtClean="0"/>
+              <a:t>separated into 25 fractions</a:t>
+            </a:r>
+          </a:p>
+          <a:p>
+            <a:r>
+              <a:rPr lang="en-GB" dirty="0"/>
               <a:t>Measurements were made in triplicates!</a:t>
             </a:r>
-            <a:endParaRPr lang="en-GB" dirty="0"/>
           </a:p>
           <a:p>
             <a:r>
@@ -28458,7 +28263,7 @@
           <a:lstStyle/>
           <a:p>
             <a:r>
-              <a:rPr lang="en-US" sz="3600" dirty="0" smtClean="0">
+              <a:rPr lang="en-US" sz="3600" dirty="0">
                 <a:solidFill>
                   <a:schemeClr val="bg1"/>
                 </a:solidFill>
@@ -28903,7 +28708,7 @@
           <a:lstStyle/>
           <a:p>
             <a:r>
-              <a:rPr lang="en-US" sz="3600" dirty="0" smtClean="0">
+              <a:rPr lang="en-US" sz="3600" dirty="0">
                 <a:solidFill>
                   <a:schemeClr val="bg1"/>
                 </a:solidFill>
@@ -29048,11 +28853,11 @@
           <a:p>
             <a:pPr algn="ctr"/>
             <a:r>
-              <a:rPr lang="de-DE" sz="3200" dirty="0" err="1" smtClean="0"/>
+              <a:rPr lang="de-DE" sz="3200" dirty="0" err="1"/>
               <a:t>Our</a:t>
             </a:r>
             <a:r>
-              <a:rPr lang="de-DE" sz="3200" dirty="0" smtClean="0"/>
+              <a:rPr lang="de-DE" sz="3200" dirty="0"/>
               <a:t> Project</a:t>
             </a:r>
             <a:endParaRPr lang="de-DE" sz="3200" b="1" dirty="0">
@@ -29088,19 +28893,19 @@
               <a:buNone/>
             </a:pPr>
             <a:r>
-              <a:rPr lang="de-DE" sz="2200" b="1" dirty="0" smtClean="0"/>
+              <a:rPr lang="de-DE" sz="2200" b="1" dirty="0"/>
               <a:t>Analysis </a:t>
             </a:r>
             <a:r>
-              <a:rPr lang="de-DE" sz="2200" b="1" dirty="0" err="1" smtClean="0"/>
+              <a:rPr lang="de-DE" sz="2200" b="1" dirty="0" err="1"/>
               <a:t>of</a:t>
             </a:r>
             <a:r>
-              <a:rPr lang="de-DE" sz="2200" b="1" dirty="0" smtClean="0"/>
-              <a:t> </a:t>
-            </a:r>
-            <a:r>
-              <a:rPr lang="de-DE" sz="2200" b="1" dirty="0" err="1" smtClean="0"/>
+              <a:rPr lang="de-DE" sz="2200" b="1" dirty="0"/>
+              <a:t> </a:t>
+            </a:r>
+            <a:r>
+              <a:rPr lang="de-DE" sz="2200" b="1" dirty="0" err="1"/>
               <a:t>the</a:t>
             </a:r>
             <a:r>
@@ -29108,42 +28913,42 @@
               <a:t> </a:t>
             </a:r>
             <a:r>
-              <a:rPr lang="de-DE" sz="2200" b="1" dirty="0" err="1" smtClean="0"/>
+              <a:rPr lang="de-DE" sz="2200" b="1" dirty="0" err="1"/>
               <a:t>HeLa</a:t>
             </a:r>
             <a:r>
-              <a:rPr lang="de-DE" sz="2200" b="1" dirty="0" smtClean="0"/>
+              <a:rPr lang="de-DE" sz="2200" b="1" dirty="0"/>
               <a:t> Interphase &amp; </a:t>
             </a:r>
             <a:r>
-              <a:rPr lang="de-DE" sz="2200" b="1" dirty="0" err="1" smtClean="0"/>
+              <a:rPr lang="de-DE" sz="2200" b="1" dirty="0" err="1"/>
               <a:t>Mitosis</a:t>
             </a:r>
             <a:r>
-              <a:rPr lang="de-DE" sz="2200" b="1" dirty="0" smtClean="0"/>
-              <a:t> </a:t>
-            </a:r>
-            <a:r>
-              <a:rPr lang="de-DE" sz="2200" b="1" dirty="0" err="1" smtClean="0"/>
+              <a:rPr lang="de-DE" sz="2200" b="1" dirty="0"/>
+              <a:t> </a:t>
+            </a:r>
+            <a:r>
+              <a:rPr lang="de-DE" sz="2200" b="1" dirty="0" err="1"/>
               <a:t>data</a:t>
             </a:r>
             <a:r>
-              <a:rPr lang="de-DE" sz="2200" b="1" dirty="0" smtClean="0"/>
-              <a:t> </a:t>
-            </a:r>
-            <a:r>
-              <a:rPr lang="de-DE" sz="2200" b="1" dirty="0" err="1" smtClean="0"/>
+              <a:rPr lang="de-DE" sz="2200" b="1" dirty="0"/>
+              <a:t> </a:t>
+            </a:r>
+            <a:r>
+              <a:rPr lang="de-DE" sz="2200" b="1" dirty="0" err="1"/>
               <a:t>set</a:t>
             </a:r>
             <a:endParaRPr lang="de-DE" sz="2200" b="1" dirty="0"/>
           </a:p>
           <a:p>
             <a:r>
-              <a:rPr lang="de-DE" sz="2200" b="1" dirty="0" err="1" smtClean="0"/>
+              <a:rPr lang="de-DE" sz="2200" b="1" dirty="0" err="1"/>
               <a:t>Which</a:t>
             </a:r>
             <a:r>
-              <a:rPr lang="de-DE" sz="2200" b="1" dirty="0" smtClean="0"/>
+              <a:rPr lang="de-DE" sz="2200" b="1" dirty="0"/>
               <a:t> </a:t>
             </a:r>
             <a:r>
@@ -29167,65 +28972,65 @@
               <a:t>dependent</a:t>
             </a:r>
             <a:r>
-              <a:rPr lang="de-DE" sz="2200" b="1" dirty="0" smtClean="0"/>
+              <a:rPr lang="de-DE" sz="2200" b="1" dirty="0"/>
               <a:t>?</a:t>
             </a:r>
           </a:p>
           <a:p>
             <a:pPr lvl="1"/>
             <a:r>
-              <a:rPr lang="de-DE" sz="2200" dirty="0" err="1" smtClean="0"/>
+              <a:rPr lang="de-DE" sz="2200" dirty="0" err="1"/>
               <a:t>Identification</a:t>
             </a:r>
             <a:r>
-              <a:rPr lang="de-DE" sz="2200" dirty="0" smtClean="0"/>
-              <a:t> </a:t>
-            </a:r>
-            <a:r>
-              <a:rPr lang="de-DE" sz="2200" dirty="0" err="1" smtClean="0"/>
+              <a:rPr lang="de-DE" sz="2200" dirty="0"/>
+              <a:t> </a:t>
+            </a:r>
+            <a:r>
+              <a:rPr lang="de-DE" sz="2200" dirty="0" err="1"/>
               <a:t>of</a:t>
             </a:r>
             <a:r>
-              <a:rPr lang="de-DE" sz="2200" dirty="0" smtClean="0"/>
-              <a:t> </a:t>
-            </a:r>
-            <a:r>
-              <a:rPr lang="de-DE" sz="2200" dirty="0" err="1" smtClean="0"/>
+              <a:rPr lang="de-DE" sz="2200" dirty="0"/>
+              <a:t> </a:t>
+            </a:r>
+            <a:r>
+              <a:rPr lang="de-DE" sz="2200" dirty="0" err="1"/>
               <a:t>both</a:t>
             </a:r>
             <a:r>
-              <a:rPr lang="de-DE" sz="2200" dirty="0" smtClean="0"/>
+              <a:rPr lang="de-DE" sz="2200" dirty="0"/>
               <a:t> RNA-</a:t>
             </a:r>
             <a:r>
-              <a:rPr lang="de-DE" sz="2200" dirty="0" err="1" smtClean="0"/>
+              <a:rPr lang="de-DE" sz="2200" dirty="0" err="1"/>
               <a:t>binding</a:t>
             </a:r>
             <a:r>
-              <a:rPr lang="de-DE" sz="2200" dirty="0" smtClean="0"/>
-              <a:t> </a:t>
-            </a:r>
-            <a:r>
-              <a:rPr lang="de-DE" sz="2200" dirty="0" err="1" smtClean="0"/>
+              <a:rPr lang="de-DE" sz="2200" dirty="0"/>
+              <a:t> </a:t>
+            </a:r>
+            <a:r>
+              <a:rPr lang="de-DE" sz="2200" dirty="0" err="1"/>
               <a:t>and</a:t>
             </a:r>
             <a:r>
-              <a:rPr lang="de-DE" sz="2200" dirty="0" smtClean="0"/>
+              <a:rPr lang="de-DE" sz="2200" dirty="0"/>
               <a:t> RNA-</a:t>
             </a:r>
             <a:r>
-              <a:rPr lang="de-DE" sz="2200" dirty="0" err="1" smtClean="0"/>
+              <a:rPr lang="de-DE" sz="2200" dirty="0" err="1"/>
               <a:t>dependent</a:t>
             </a:r>
             <a:r>
-              <a:rPr lang="de-DE" sz="2200" dirty="0" smtClean="0"/>
-              <a:t> </a:t>
-            </a:r>
-            <a:r>
-              <a:rPr lang="de-DE" sz="2200" dirty="0" err="1" smtClean="0"/>
+              <a:rPr lang="de-DE" sz="2200" dirty="0"/>
+              <a:t> </a:t>
+            </a:r>
+            <a:r>
+              <a:rPr lang="de-DE" sz="2200" dirty="0" err="1"/>
               <a:t>proteins</a:t>
             </a:r>
-            <a:endParaRPr lang="de-DE" sz="2200" dirty="0" smtClean="0"/>
+            <a:endParaRPr lang="de-DE" sz="2200" dirty="0"/>
           </a:p>
           <a:p>
             <a:pPr marL="457200" lvl="1" indent="0">
@@ -29284,18 +29089,14 @@
             </a:r>
             <a:r>
               <a:rPr lang="de-DE" sz="2200" b="1" dirty="0"/>
-              <a:t> </a:t>
-            </a:r>
-            <a:r>
-              <a:rPr lang="de-DE" sz="2200" b="1" dirty="0" smtClean="0"/>
-              <a:t>RNA-</a:t>
-            </a:r>
-            <a:r>
-              <a:rPr lang="de-DE" sz="2200" b="1" dirty="0" err="1" smtClean="0"/>
+              <a:t> RNA-</a:t>
+            </a:r>
+            <a:r>
+              <a:rPr lang="de-DE" sz="2200" b="1" dirty="0" err="1"/>
               <a:t>dependent</a:t>
             </a:r>
             <a:r>
-              <a:rPr lang="de-DE" sz="2200" b="1" dirty="0" smtClean="0"/>
+              <a:rPr lang="de-DE" sz="2200" b="1" dirty="0"/>
               <a:t> </a:t>
             </a:r>
             <a:r>
@@ -29335,161 +29136,161 @@
               <a:t>traits</a:t>
             </a:r>
             <a:r>
-              <a:rPr lang="de-DE" sz="2200" b="1" dirty="0" smtClean="0"/>
+              <a:rPr lang="de-DE" sz="2200" b="1" dirty="0"/>
               <a:t>?</a:t>
             </a:r>
           </a:p>
           <a:p>
             <a:r>
-              <a:rPr lang="de-DE" sz="2200" b="1" dirty="0" smtClean="0"/>
+              <a:rPr lang="de-DE" sz="2200" b="1" dirty="0"/>
               <a:t>Can </a:t>
             </a:r>
             <a:r>
-              <a:rPr lang="de-DE" sz="2200" b="1" dirty="0" err="1" smtClean="0"/>
+              <a:rPr lang="de-DE" sz="2200" b="1" dirty="0" err="1"/>
               <a:t>we</a:t>
             </a:r>
             <a:r>
-              <a:rPr lang="de-DE" sz="2200" b="1" dirty="0" smtClean="0"/>
+              <a:rPr lang="de-DE" sz="2200" b="1" dirty="0"/>
               <a:t> find RBPs </a:t>
             </a:r>
             <a:r>
-              <a:rPr lang="de-DE" sz="2200" b="1" dirty="0" err="1" smtClean="0"/>
+              <a:rPr lang="de-DE" sz="2200" b="1" dirty="0" err="1"/>
               <a:t>associated</a:t>
             </a:r>
             <a:r>
-              <a:rPr lang="de-DE" sz="2200" b="1" dirty="0" smtClean="0"/>
-              <a:t> </a:t>
-            </a:r>
-            <a:r>
-              <a:rPr lang="de-DE" sz="2200" b="1" dirty="0" err="1" smtClean="0"/>
+              <a:rPr lang="de-DE" sz="2200" b="1" dirty="0"/>
+              <a:t> </a:t>
+            </a:r>
+            <a:r>
+              <a:rPr lang="de-DE" sz="2200" b="1" dirty="0" err="1"/>
               <a:t>with</a:t>
             </a:r>
             <a:r>
-              <a:rPr lang="de-DE" sz="2200" b="1" dirty="0" smtClean="0"/>
-              <a:t> </a:t>
-            </a:r>
-            <a:r>
-              <a:rPr lang="de-DE" sz="2200" b="1" dirty="0" err="1" smtClean="0"/>
+              <a:rPr lang="de-DE" sz="2200" b="1" dirty="0"/>
+              <a:t> </a:t>
+            </a:r>
+            <a:r>
+              <a:rPr lang="de-DE" sz="2200" b="1" dirty="0" err="1"/>
               <a:t>Actin</a:t>
             </a:r>
             <a:r>
-              <a:rPr lang="de-DE" sz="2200" b="1" dirty="0" smtClean="0"/>
+              <a:rPr lang="de-DE" sz="2200" b="1" dirty="0"/>
               <a:t>?</a:t>
             </a:r>
           </a:p>
           <a:p>
             <a:r>
-              <a:rPr lang="de-DE" sz="2200" b="1" dirty="0" err="1" smtClean="0"/>
+              <a:rPr lang="de-DE" sz="2200" b="1" dirty="0" err="1"/>
               <a:t>What</a:t>
             </a:r>
             <a:r>
-              <a:rPr lang="de-DE" sz="2200" b="1" dirty="0" smtClean="0"/>
-              <a:t> </a:t>
-            </a:r>
-            <a:r>
-              <a:rPr lang="de-DE" sz="2200" b="1" dirty="0" err="1" smtClean="0"/>
+              <a:rPr lang="de-DE" sz="2200" b="1" dirty="0"/>
+              <a:t> </a:t>
+            </a:r>
+            <a:r>
+              <a:rPr lang="de-DE" sz="2200" b="1" dirty="0" err="1"/>
               <a:t>properties</a:t>
             </a:r>
             <a:r>
-              <a:rPr lang="de-DE" sz="2200" b="1" dirty="0" smtClean="0"/>
+              <a:rPr lang="de-DE" sz="2200" b="1" dirty="0"/>
               <a:t> do </a:t>
             </a:r>
             <a:r>
-              <a:rPr lang="de-DE" sz="2200" b="1" dirty="0" err="1" smtClean="0"/>
+              <a:rPr lang="de-DE" sz="2200" b="1" dirty="0" err="1"/>
               <a:t>the</a:t>
             </a:r>
             <a:r>
-              <a:rPr lang="de-DE" sz="2200" b="1" dirty="0" smtClean="0"/>
+              <a:rPr lang="de-DE" sz="2200" b="1" dirty="0"/>
               <a:t> RBPs </a:t>
             </a:r>
             <a:r>
-              <a:rPr lang="de-DE" sz="2200" b="1" dirty="0" err="1" smtClean="0"/>
+              <a:rPr lang="de-DE" sz="2200" b="1" dirty="0" err="1"/>
               <a:t>have</a:t>
             </a:r>
             <a:r>
-              <a:rPr lang="de-DE" sz="2200" b="1" dirty="0" smtClean="0"/>
+              <a:rPr lang="de-DE" sz="2200" b="1" dirty="0"/>
               <a:t> in </a:t>
             </a:r>
             <a:r>
-              <a:rPr lang="de-DE" sz="2200" b="1" dirty="0" err="1" smtClean="0"/>
+              <a:rPr lang="de-DE" sz="2200" b="1" dirty="0" err="1"/>
               <a:t>common</a:t>
             </a:r>
             <a:r>
-              <a:rPr lang="de-DE" sz="2200" b="1" dirty="0" smtClean="0"/>
+              <a:rPr lang="de-DE" sz="2200" b="1" dirty="0"/>
               <a:t>?</a:t>
             </a:r>
           </a:p>
           <a:p>
             <a:pPr lvl="1"/>
             <a:r>
-              <a:rPr lang="de-DE" sz="2200" dirty="0" err="1" smtClean="0"/>
+              <a:rPr lang="de-DE" sz="2200" dirty="0" err="1"/>
               <a:t>Comparision</a:t>
             </a:r>
             <a:r>
-              <a:rPr lang="de-DE" sz="2200" dirty="0" smtClean="0"/>
-              <a:t> </a:t>
-            </a:r>
-            <a:r>
-              <a:rPr lang="de-DE" sz="2200" dirty="0" err="1" smtClean="0"/>
+              <a:rPr lang="de-DE" sz="2200" dirty="0"/>
+              <a:t> </a:t>
+            </a:r>
+            <a:r>
+              <a:rPr lang="de-DE" sz="2200" dirty="0" err="1"/>
               <a:t>with</a:t>
             </a:r>
             <a:r>
-              <a:rPr lang="de-DE" sz="2200" dirty="0" smtClean="0"/>
-              <a:t> </a:t>
-            </a:r>
-            <a:r>
-              <a:rPr lang="de-DE" sz="2200" dirty="0" err="1" smtClean="0"/>
+              <a:rPr lang="de-DE" sz="2200" dirty="0"/>
+              <a:t> </a:t>
+            </a:r>
+            <a:r>
+              <a:rPr lang="de-DE" sz="2200" dirty="0" err="1"/>
               <a:t>the</a:t>
             </a:r>
             <a:r>
-              <a:rPr lang="de-DE" sz="2200" dirty="0" smtClean="0"/>
+              <a:rPr lang="de-DE" sz="2200" dirty="0"/>
               <a:t> R-</a:t>
             </a:r>
             <a:r>
-              <a:rPr lang="de-DE" sz="2200" dirty="0" err="1" smtClean="0"/>
+              <a:rPr lang="de-DE" sz="2200" dirty="0" err="1"/>
               <a:t>DeeP</a:t>
             </a:r>
             <a:r>
-              <a:rPr lang="de-DE" sz="2200" dirty="0" smtClean="0"/>
-              <a:t> </a:t>
-            </a:r>
-            <a:r>
-              <a:rPr lang="de-DE" sz="2200" dirty="0" err="1" smtClean="0"/>
+              <a:rPr lang="de-DE" sz="2200" dirty="0"/>
+              <a:t> </a:t>
+            </a:r>
+            <a:r>
+              <a:rPr lang="de-DE" sz="2200" dirty="0" err="1"/>
               <a:t>database</a:t>
             </a:r>
             <a:r>
-              <a:rPr lang="de-DE" sz="2200" dirty="0" smtClean="0"/>
-              <a:t> </a:t>
-            </a:r>
-            <a:r>
-              <a:rPr lang="de-DE" sz="2200" dirty="0" err="1" smtClean="0"/>
+              <a:rPr lang="de-DE" sz="2200" dirty="0"/>
+              <a:t> </a:t>
+            </a:r>
+            <a:r>
+              <a:rPr lang="de-DE" sz="2200" dirty="0" err="1"/>
               <a:t>and</a:t>
             </a:r>
             <a:r>
-              <a:rPr lang="de-DE" sz="2200" dirty="0" smtClean="0"/>
-              <a:t> </a:t>
-            </a:r>
-            <a:r>
-              <a:rPr lang="de-DE" sz="2200" dirty="0" err="1" smtClean="0"/>
+              <a:rPr lang="de-DE" sz="2200" dirty="0"/>
+              <a:t> </a:t>
+            </a:r>
+            <a:r>
+              <a:rPr lang="de-DE" sz="2200" dirty="0" err="1"/>
               <a:t>the</a:t>
             </a:r>
             <a:r>
-              <a:rPr lang="de-DE" sz="2200" dirty="0" smtClean="0"/>
-              <a:t> </a:t>
-            </a:r>
-            <a:r>
-              <a:rPr lang="de-DE" sz="2200" dirty="0" err="1" smtClean="0"/>
+              <a:rPr lang="de-DE" sz="2200" dirty="0"/>
+              <a:t> </a:t>
+            </a:r>
+            <a:r>
+              <a:rPr lang="de-DE" sz="2200" dirty="0" err="1"/>
               <a:t>UniProt</a:t>
             </a:r>
             <a:r>
-              <a:rPr lang="de-DE" sz="2200" dirty="0" smtClean="0"/>
-              <a:t> </a:t>
-            </a:r>
-            <a:r>
-              <a:rPr lang="de-DE" sz="2200" dirty="0" err="1" smtClean="0"/>
+              <a:rPr lang="de-DE" sz="2200" dirty="0"/>
+              <a:t> </a:t>
+            </a:r>
+            <a:r>
+              <a:rPr lang="de-DE" sz="2200" dirty="0" err="1"/>
               <a:t>database</a:t>
             </a:r>
-            <a:endParaRPr lang="de-DE" sz="2200" dirty="0" smtClean="0"/>
+            <a:endParaRPr lang="de-DE" sz="2200" dirty="0"/>
           </a:p>
           <a:p>
             <a:pPr marL="457200" lvl="1" indent="0">
@@ -29655,7 +29456,7 @@
           <a:p>
             <a:pPr algn="ctr"/>
             <a:r>
-              <a:rPr lang="en-US" sz="3600" dirty="0" smtClean="0">
+              <a:rPr lang="en-US" sz="3600" dirty="0">
                 <a:solidFill>
                   <a:schemeClr val="bg1"/>
                 </a:solidFill>
@@ -30248,14 +30049,11 @@
           <a:p>
             <a:pPr algn="ctr"/>
             <a:r>
-              <a:rPr lang="de-DE" sz="3200" dirty="0" smtClean="0">
+              <a:rPr lang="de-DE" sz="3200" dirty="0">
                 <a:latin typeface="+mj-lt"/>
               </a:rPr>
               <a:t>Timeline</a:t>
             </a:r>
-            <a:endParaRPr lang="de-DE" sz="3200" dirty="0">
-              <a:latin typeface="+mj-lt"/>
-            </a:endParaRPr>
           </a:p>
         </p:txBody>
       </p:sp>
@@ -30641,7 +30439,7 @@
           <a:p>
             <a:pPr algn="ctr"/>
             <a:r>
-              <a:rPr lang="de-DE" dirty="0" smtClean="0">
+              <a:rPr lang="de-DE" dirty="0">
                 <a:solidFill>
                   <a:schemeClr val="bg1"/>
                 </a:solidFill>
@@ -30649,7 +30447,7 @@
               <a:t>Data </a:t>
             </a:r>
             <a:r>
-              <a:rPr lang="de-DE" dirty="0" err="1" smtClean="0">
+              <a:rPr lang="de-DE" dirty="0" err="1">
                 <a:solidFill>
                   <a:schemeClr val="bg1"/>
                 </a:solidFill>
@@ -30688,18 +30486,13 @@
           <a:p>
             <a:pPr algn="ctr"/>
             <a:r>
-              <a:rPr lang="de-DE" dirty="0" smtClean="0">
+              <a:rPr lang="de-DE" dirty="0">
                 <a:solidFill>
                   <a:schemeClr val="bg1"/>
                 </a:solidFill>
               </a:rPr>
               <a:t>Regression Analysis</a:t>
             </a:r>
-            <a:endParaRPr lang="de-DE" dirty="0">
-              <a:solidFill>
-                <a:schemeClr val="bg1"/>
-              </a:solidFill>
-            </a:endParaRPr>
           </a:p>
         </p:txBody>
       </p:sp>
@@ -30726,7 +30519,7 @@
           <a:lstStyle/>
           <a:p>
             <a:r>
-              <a:rPr lang="de-DE" dirty="0" smtClean="0">
+              <a:rPr lang="de-DE" dirty="0">
                 <a:solidFill>
                   <a:schemeClr val="bg1"/>
                 </a:solidFill>
@@ -30737,7 +30530,7 @@
           <a:p>
             <a:pPr algn="ctr"/>
             <a:r>
-              <a:rPr lang="de-DE" dirty="0" smtClean="0">
+              <a:rPr lang="de-DE" dirty="0">
                 <a:solidFill>
                   <a:schemeClr val="bg1"/>
                 </a:solidFill>
@@ -30747,7 +30540,7 @@
           </a:p>
           <a:p>
             <a:r>
-              <a:rPr lang="de-DE" dirty="0" err="1" smtClean="0">
+              <a:rPr lang="de-DE" dirty="0" err="1">
                 <a:solidFill>
                   <a:schemeClr val="bg1"/>
                 </a:solidFill>
@@ -30786,7 +30579,7 @@
           <a:p>
             <a:pPr algn="ctr"/>
             <a:r>
-              <a:rPr lang="de-DE" dirty="0" err="1" smtClean="0">
+              <a:rPr lang="de-DE" dirty="0" err="1">
                 <a:solidFill>
                   <a:schemeClr val="bg1"/>
                 </a:solidFill>
@@ -30794,7 +30587,7 @@
               <a:t>Normalization</a:t>
             </a:r>
             <a:r>
-              <a:rPr lang="de-DE" dirty="0" smtClean="0">
+              <a:rPr lang="de-DE" dirty="0">
                 <a:solidFill>
                   <a:schemeClr val="bg1"/>
                 </a:solidFill>
@@ -30802,14 +30595,14 @@
               <a:t> &amp; </a:t>
             </a:r>
             <a:r>
-              <a:rPr lang="de-DE" dirty="0" err="1" smtClean="0">
+              <a:rPr lang="de-DE" dirty="0" err="1">
                 <a:solidFill>
                   <a:schemeClr val="bg1"/>
                 </a:solidFill>
               </a:rPr>
               <a:t>Reproducibility</a:t>
             </a:r>
-            <a:endParaRPr lang="de-DE" dirty="0" smtClean="0">
+            <a:endParaRPr lang="de-DE" dirty="0">
               <a:solidFill>
                 <a:schemeClr val="bg1"/>
               </a:solidFill>
@@ -30841,7 +30634,7 @@
           <a:p>
             <a:pPr algn="ctr"/>
             <a:r>
-              <a:rPr lang="de-DE" dirty="0" smtClean="0">
+              <a:rPr lang="de-DE" dirty="0">
                 <a:solidFill>
                   <a:schemeClr val="bg1"/>
                 </a:solidFill>
@@ -30849,7 +30642,7 @@
               <a:t>Statistical </a:t>
             </a:r>
             <a:r>
-              <a:rPr lang="de-DE" dirty="0" err="1" smtClean="0">
+              <a:rPr lang="de-DE" dirty="0" err="1">
                 <a:solidFill>
                   <a:schemeClr val="bg1"/>
                 </a:solidFill>
@@ -30888,7 +30681,7 @@
           <a:p>
             <a:pPr algn="ctr"/>
             <a:r>
-              <a:rPr lang="de-DE" dirty="0" smtClean="0">
+              <a:rPr lang="de-DE" dirty="0">
                 <a:solidFill>
                   <a:schemeClr val="bg1"/>
                 </a:solidFill>
@@ -30896,7 +30689,7 @@
               <a:t>Maxima &amp; </a:t>
             </a:r>
             <a:r>
-              <a:rPr lang="de-DE" dirty="0" err="1" smtClean="0">
+              <a:rPr lang="de-DE" dirty="0" err="1">
                 <a:solidFill>
                   <a:schemeClr val="bg1"/>
                 </a:solidFill>
@@ -32026,7 +31819,7 @@
           <a:lstStyle/>
           <a:p>
             <a:r>
-              <a:rPr lang="en-US" sz="2800" dirty="0" smtClean="0">
+              <a:rPr lang="en-US" sz="2800" dirty="0">
                 <a:solidFill>
                   <a:schemeClr val="bg1"/>
                 </a:solidFill>
@@ -32066,8 +31859,8 @@
         </p:nvSpPr>
         <p:spPr>
           <a:xfrm>
-            <a:off x="2905757" y="100590"/>
-            <a:ext cx="5170862" cy="2554545"/>
+            <a:off x="3108518" y="386341"/>
+            <a:ext cx="4820084" cy="2554545"/>
           </a:xfrm>
           <a:prstGeom prst="rect">
             <a:avLst/>
@@ -32082,18 +31875,18 @@
           <a:p>
             <a:pPr algn="ctr"/>
             <a:r>
-              <a:rPr lang="de-DE" sz="3200" dirty="0" smtClean="0">
+              <a:rPr lang="de-DE" sz="3200" dirty="0">
                 <a:latin typeface="+mj-lt"/>
               </a:rPr>
               <a:t>Data </a:t>
             </a:r>
             <a:r>
-              <a:rPr lang="de-DE" sz="3200" dirty="0" err="1" smtClean="0">
+              <a:rPr lang="de-DE" sz="3200" dirty="0" err="1">
                 <a:latin typeface="+mj-lt"/>
               </a:rPr>
               <a:t>Reduction</a:t>
             </a:r>
-            <a:endParaRPr lang="de-DE" sz="3200" dirty="0" smtClean="0">
+            <a:endParaRPr lang="de-DE" sz="3200" dirty="0">
               <a:latin typeface="+mj-lt"/>
             </a:endParaRPr>
           </a:p>
@@ -32104,7 +31897,7 @@
             </a:endParaRPr>
           </a:p>
           <a:p>
-            <a:endParaRPr lang="de-DE" sz="2400" dirty="0" smtClean="0">
+            <a:endParaRPr lang="de-DE" sz="2400" dirty="0">
               <a:sym typeface="Wingdings" panose="05000000000000000000" pitchFamily="2" charset="2"/>
             </a:endParaRPr>
           </a:p>
@@ -32122,7 +31915,7 @@
               <a:buFont typeface="Arial" panose="020B0604020202020204" pitchFamily="34" charset="0"/>
               <a:buChar char="•"/>
             </a:pPr>
-            <a:endParaRPr lang="de-DE" sz="2400" dirty="0" smtClean="0">
+            <a:endParaRPr lang="de-DE" sz="2400" dirty="0">
               <a:sym typeface="Wingdings" panose="05000000000000000000" pitchFamily="2" charset="2"/>
             </a:endParaRPr>
           </a:p>
@@ -32131,30 +31924,6 @@
           </a:p>
         </p:txBody>
       </p:sp>
-      <p:pic>
-        <p:nvPicPr>
-          <p:cNvPr id="5" name="Grafik 4"/>
-          <p:cNvPicPr>
-            <a:picLocks noChangeAspect="1"/>
-          </p:cNvPicPr>
-          <p:nvPr/>
-        </p:nvPicPr>
-        <p:blipFill>
-          <a:blip r:embed="rId8"/>
-          <a:stretch>
-            <a:fillRect/>
-          </a:stretch>
-        </p:blipFill>
-        <p:spPr>
-          <a:xfrm>
-            <a:off x="8076619" y="1673653"/>
-            <a:ext cx="3914444" cy="3785308"/>
-          </a:xfrm>
-          <a:prstGeom prst="rect">
-            <a:avLst/>
-          </a:prstGeom>
-        </p:spPr>
-      </p:pic>
       <p:sp>
         <p:nvSpPr>
           <p:cNvPr id="6" name="Textfeld 5"/>
@@ -32163,7 +31932,7 @@
         </p:nvSpPr>
         <p:spPr>
           <a:xfrm>
-            <a:off x="2966072" y="4710017"/>
+            <a:off x="2966072" y="3976592"/>
             <a:ext cx="4645847" cy="830997"/>
           </a:xfrm>
           <a:prstGeom prst="rect">
@@ -32178,16 +31947,10 @@
           <a:lstStyle/>
           <a:p>
             <a:r>
-              <a:rPr lang="de-DE" sz="2400" dirty="0" smtClean="0">
-                <a:sym typeface="Wingdings" panose="05000000000000000000" pitchFamily="2" charset="2"/>
-              </a:rPr>
-              <a:t> 7081 </a:t>
-            </a:r>
-            <a:r>
               <a:rPr lang="de-DE" sz="2400" dirty="0">
                 <a:sym typeface="Wingdings" panose="05000000000000000000" pitchFamily="2" charset="2"/>
               </a:rPr>
-              <a:t>Proteins </a:t>
+              <a:t> 7081 Proteins </a:t>
             </a:r>
             <a:r>
               <a:rPr lang="de-DE" sz="2400" dirty="0" err="1">
@@ -32273,7 +32036,7 @@
           <a:lstStyle/>
           <a:p>
             <a:r>
-              <a:rPr lang="en-US" sz="3600" dirty="0" smtClean="0">
+              <a:rPr lang="en-US" sz="3600" dirty="0">
                 <a:solidFill>
                   <a:schemeClr val="bg1"/>
                 </a:solidFill>
@@ -32292,7 +32055,7 @@
           <p:nvPr/>
         </p:nvPicPr>
         <p:blipFill>
-          <a:blip r:embed="rId9"/>
+          <a:blip r:embed="rId8"/>
           <a:stretch>
             <a:fillRect/>
           </a:stretch>
@@ -32355,14 +32118,14 @@
       </p:sp>
       <p:sp>
         <p:nvSpPr>
-          <p:cNvPr id="19" name="Textfeld 18"/>
+          <p:cNvPr id="7" name="Textfeld 6"/>
           <p:cNvSpPr txBox="1"/>
           <p:nvPr/>
         </p:nvSpPr>
         <p:spPr>
           <a:xfrm>
-            <a:off x="2966072" y="2827643"/>
-            <a:ext cx="5532904" cy="1384995"/>
+            <a:off x="2966072" y="2065896"/>
+            <a:ext cx="4820083" cy="1384995"/>
           </a:xfrm>
           <a:prstGeom prst="rect">
             <a:avLst/>
@@ -32375,222 +32138,17 @@
           </a:bodyPr>
           <a:lstStyle/>
           <a:p>
-            <a:r>
-              <a:rPr lang="de-DE" sz="2200" dirty="0" err="1">
-                <a:sym typeface="Wingdings" panose="05000000000000000000" pitchFamily="2" charset="2"/>
-              </a:rPr>
-              <a:t>We</a:t>
-            </a:r>
-            <a:r>
-              <a:rPr lang="de-DE" sz="2200" dirty="0">
-                <a:sym typeface="Wingdings" panose="05000000000000000000" pitchFamily="2" charset="2"/>
-              </a:rPr>
-              <a:t> </a:t>
-            </a:r>
-            <a:r>
-              <a:rPr lang="de-DE" sz="2200" dirty="0" err="1">
-                <a:sym typeface="Wingdings" panose="05000000000000000000" pitchFamily="2" charset="2"/>
-              </a:rPr>
-              <a:t>did</a:t>
-            </a:r>
-            <a:r>
-              <a:rPr lang="de-DE" sz="2200" dirty="0">
-                <a:sym typeface="Wingdings" panose="05000000000000000000" pitchFamily="2" charset="2"/>
-              </a:rPr>
-              <a:t> </a:t>
-            </a:r>
-            <a:r>
-              <a:rPr lang="de-DE" sz="2200" dirty="0" err="1">
-                <a:sym typeface="Wingdings" panose="05000000000000000000" pitchFamily="2" charset="2"/>
-              </a:rPr>
-              <a:t>chose</a:t>
-            </a:r>
-            <a:r>
-              <a:rPr lang="de-DE" sz="2200" dirty="0">
-                <a:sym typeface="Wingdings" panose="05000000000000000000" pitchFamily="2" charset="2"/>
-              </a:rPr>
-              <a:t> not </a:t>
-            </a:r>
-            <a:r>
-              <a:rPr lang="de-DE" sz="2200" dirty="0" err="1">
-                <a:sym typeface="Wingdings" panose="05000000000000000000" pitchFamily="2" charset="2"/>
-              </a:rPr>
-              <a:t>to</a:t>
-            </a:r>
-            <a:r>
-              <a:rPr lang="de-DE" sz="2200" dirty="0">
-                <a:sym typeface="Wingdings" panose="05000000000000000000" pitchFamily="2" charset="2"/>
-              </a:rPr>
-              <a:t> </a:t>
-            </a:r>
-            <a:r>
-              <a:rPr lang="de-DE" sz="2200" dirty="0" err="1">
-                <a:sym typeface="Wingdings" panose="05000000000000000000" pitchFamily="2" charset="2"/>
-              </a:rPr>
-              <a:t>remove</a:t>
-            </a:r>
-            <a:r>
-              <a:rPr lang="de-DE" sz="2200" dirty="0">
-                <a:sym typeface="Wingdings" panose="05000000000000000000" pitchFamily="2" charset="2"/>
-              </a:rPr>
-              <a:t> </a:t>
-            </a:r>
-            <a:r>
-              <a:rPr lang="de-DE" sz="2200" dirty="0" err="1">
-                <a:sym typeface="Wingdings" panose="05000000000000000000" pitchFamily="2" charset="2"/>
-              </a:rPr>
-              <a:t>proteins</a:t>
-            </a:r>
-            <a:r>
-              <a:rPr lang="de-DE" sz="2200" dirty="0">
-                <a:sym typeface="Wingdings" panose="05000000000000000000" pitchFamily="2" charset="2"/>
-              </a:rPr>
-              <a:t> </a:t>
-            </a:r>
-            <a:r>
-              <a:rPr lang="de-DE" sz="2200" dirty="0" err="1">
-                <a:sym typeface="Wingdings" panose="05000000000000000000" pitchFamily="2" charset="2"/>
-              </a:rPr>
-              <a:t>which</a:t>
-            </a:r>
-            <a:r>
-              <a:rPr lang="de-DE" sz="2200" dirty="0">
-                <a:sym typeface="Wingdings" panose="05000000000000000000" pitchFamily="2" charset="2"/>
-              </a:rPr>
-              <a:t> </a:t>
-            </a:r>
-            <a:r>
-              <a:rPr lang="de-DE" sz="2200" dirty="0" err="1">
-                <a:sym typeface="Wingdings" panose="05000000000000000000" pitchFamily="2" charset="2"/>
-              </a:rPr>
-              <a:t>had</a:t>
-            </a:r>
-            <a:r>
-              <a:rPr lang="de-DE" sz="2200" dirty="0">
-                <a:sym typeface="Wingdings" panose="05000000000000000000" pitchFamily="2" charset="2"/>
-              </a:rPr>
-              <a:t> </a:t>
-            </a:r>
-            <a:r>
-              <a:rPr lang="de-DE" sz="2200" dirty="0" err="1">
-                <a:sym typeface="Wingdings" panose="05000000000000000000" pitchFamily="2" charset="2"/>
-              </a:rPr>
-              <a:t>many</a:t>
-            </a:r>
-            <a:r>
-              <a:rPr lang="de-DE" sz="2200" dirty="0">
-                <a:sym typeface="Wingdings" panose="05000000000000000000" pitchFamily="2" charset="2"/>
-              </a:rPr>
-              <a:t> NA </a:t>
-            </a:r>
-            <a:r>
-              <a:rPr lang="de-DE" sz="2200" dirty="0" err="1">
-                <a:sym typeface="Wingdings" panose="05000000000000000000" pitchFamily="2" charset="2"/>
-              </a:rPr>
-              <a:t>values</a:t>
-            </a:r>
-            <a:r>
-              <a:rPr lang="de-DE" sz="2200" dirty="0">
-                <a:sym typeface="Wingdings" panose="05000000000000000000" pitchFamily="2" charset="2"/>
-              </a:rPr>
-              <a:t>, </a:t>
-            </a:r>
-            <a:r>
-              <a:rPr lang="de-DE" sz="2200" dirty="0" err="1">
-                <a:sym typeface="Wingdings" panose="05000000000000000000" pitchFamily="2" charset="2"/>
-              </a:rPr>
-              <a:t>they</a:t>
-            </a:r>
-            <a:r>
-              <a:rPr lang="de-DE" sz="2200" dirty="0">
-                <a:sym typeface="Wingdings" panose="05000000000000000000" pitchFamily="2" charset="2"/>
-              </a:rPr>
-              <a:t> </a:t>
-            </a:r>
-            <a:r>
-              <a:rPr lang="de-DE" sz="2200" dirty="0" err="1">
-                <a:sym typeface="Wingdings" panose="05000000000000000000" pitchFamily="2" charset="2"/>
-              </a:rPr>
-              <a:t>could</a:t>
-            </a:r>
-            <a:r>
-              <a:rPr lang="de-DE" sz="2200" dirty="0">
-                <a:sym typeface="Wingdings" panose="05000000000000000000" pitchFamily="2" charset="2"/>
-              </a:rPr>
-              <a:t> </a:t>
-            </a:r>
-            <a:r>
-              <a:rPr lang="de-DE" sz="2200" dirty="0" err="1">
-                <a:sym typeface="Wingdings" panose="05000000000000000000" pitchFamily="2" charset="2"/>
-              </a:rPr>
-              <a:t>represent</a:t>
-            </a:r>
-            <a:r>
-              <a:rPr lang="de-DE" sz="2200" dirty="0">
-                <a:sym typeface="Wingdings" panose="05000000000000000000" pitchFamily="2" charset="2"/>
-              </a:rPr>
-              <a:t> a </a:t>
-            </a:r>
-            <a:r>
-              <a:rPr lang="de-DE" sz="2200" dirty="0" err="1">
-                <a:sym typeface="Wingdings" panose="05000000000000000000" pitchFamily="2" charset="2"/>
-              </a:rPr>
-              <a:t>narrow</a:t>
-            </a:r>
-            <a:r>
-              <a:rPr lang="de-DE" sz="2200" dirty="0">
-                <a:sym typeface="Wingdings" panose="05000000000000000000" pitchFamily="2" charset="2"/>
-              </a:rPr>
-              <a:t> </a:t>
-            </a:r>
-            <a:r>
-              <a:rPr lang="de-DE" sz="2200" dirty="0" err="1">
-                <a:sym typeface="Wingdings" panose="05000000000000000000" pitchFamily="2" charset="2"/>
-              </a:rPr>
-              <a:t>peak</a:t>
-            </a:r>
-            <a:endParaRPr lang="de-DE" sz="2200" dirty="0">
-              <a:sym typeface="Wingdings" panose="05000000000000000000" pitchFamily="2" charset="2"/>
-            </a:endParaRPr>
-          </a:p>
-          <a:p>
-            <a:endParaRPr lang="de-DE" dirty="0"/>
-          </a:p>
-        </p:txBody>
-      </p:sp>
-      <p:sp>
-        <p:nvSpPr>
-          <p:cNvPr id="7" name="Textfeld 6"/>
-          <p:cNvSpPr txBox="1"/>
-          <p:nvPr/>
-        </p:nvSpPr>
-        <p:spPr>
-          <a:xfrm>
-            <a:off x="2685679" y="864826"/>
-            <a:ext cx="5522626" cy="1384995"/>
-          </a:xfrm>
-          <a:prstGeom prst="rect">
-            <a:avLst/>
-          </a:prstGeom>
-          <a:noFill/>
-        </p:spPr>
-        <p:txBody>
-          <a:bodyPr wrap="square" rtlCol="0">
-            <a:spAutoFit/>
-          </a:bodyPr>
-          <a:lstStyle/>
-          <a:p>
             <a:pPr marL="457200" indent="-457200">
               <a:buFont typeface="Arial" panose="020B0604020202020204" pitchFamily="34" charset="0"/>
               <a:buChar char="•"/>
             </a:pPr>
             <a:r>
               <a:rPr lang="de-DE" sz="2200" dirty="0"/>
-              <a:t>1 </a:t>
+              <a:t>Delete </a:t>
             </a:r>
             <a:r>
               <a:rPr lang="de-DE" sz="2200" dirty="0" err="1"/>
-              <a:t>protein</a:t>
+              <a:t>proteins</a:t>
             </a:r>
             <a:r>
               <a:rPr lang="de-DE" sz="2200" dirty="0"/>
@@ -32598,7 +32156,7 @@
             </a:r>
             <a:r>
               <a:rPr lang="de-DE" sz="2200" dirty="0" err="1"/>
-              <a:t>that</a:t>
+              <a:t>without</a:t>
             </a:r>
             <a:r>
               <a:rPr lang="de-DE" sz="2200" dirty="0"/>
@@ -32606,15 +32164,7 @@
             </a:r>
             <a:r>
               <a:rPr lang="de-DE" sz="2200" dirty="0" err="1"/>
-              <a:t>did</a:t>
-            </a:r>
-            <a:r>
-              <a:rPr lang="de-DE" sz="2200" dirty="0"/>
-              <a:t> not </a:t>
-            </a:r>
-            <a:r>
-              <a:rPr lang="de-DE" sz="2200" dirty="0" err="1"/>
-              <a:t>contain</a:t>
+              <a:t>any</a:t>
             </a:r>
             <a:r>
               <a:rPr lang="de-DE" sz="2200" dirty="0"/>
@@ -32624,20 +32174,13 @@
               <a:rPr lang="de-DE" sz="2200" dirty="0" err="1"/>
               <a:t>values</a:t>
             </a:r>
-            <a:endParaRPr lang="de-DE" sz="2200" dirty="0"/>
-          </a:p>
-          <a:p>
-            <a:pPr marL="457200" indent="-457200">
-              <a:buFont typeface="Arial" panose="020B0604020202020204" pitchFamily="34" charset="0"/>
-              <a:buChar char="•"/>
-            </a:pPr>
             <a:r>
               <a:rPr lang="de-DE" sz="2200" dirty="0"/>
-              <a:t>4 </a:t>
+              <a:t> </a:t>
             </a:r>
             <a:r>
               <a:rPr lang="de-DE" sz="2200" dirty="0" err="1"/>
-              <a:t>proteins</a:t>
+              <a:t>or</a:t>
             </a:r>
             <a:r>
               <a:rPr lang="de-DE" sz="2200" dirty="0"/>
@@ -32645,7 +32188,7 @@
             </a:r>
             <a:r>
               <a:rPr lang="de-DE" sz="2200" dirty="0" err="1"/>
-              <a:t>which</a:t>
+              <a:t>without</a:t>
             </a:r>
             <a:r>
               <a:rPr lang="de-DE" sz="2200" dirty="0"/>
@@ -32653,15 +32196,15 @@
             </a:r>
             <a:r>
               <a:rPr lang="de-DE" sz="2200" dirty="0" err="1"/>
-              <a:t>did</a:t>
+              <a:t>values</a:t>
             </a:r>
             <a:r>
               <a:rPr lang="de-DE" sz="2200" dirty="0"/>
-              <a:t> </a:t>
+              <a:t> in </a:t>
             </a:r>
             <a:r>
               <a:rPr lang="de-DE" sz="2200" dirty="0" err="1"/>
-              <a:t>only</a:t>
+              <a:t>either</a:t>
             </a:r>
             <a:r>
               <a:rPr lang="de-DE" sz="2200" dirty="0"/>
@@ -32669,27 +32212,19 @@
             </a:r>
             <a:r>
               <a:rPr lang="de-DE" sz="2200" dirty="0" err="1"/>
-              <a:t>have</a:t>
+              <a:t>RNase</a:t>
             </a:r>
             <a:r>
               <a:rPr lang="de-DE" sz="2200" dirty="0"/>
-              <a:t> NA in </a:t>
+              <a:t> </a:t>
             </a:r>
             <a:r>
               <a:rPr lang="de-DE" sz="2200" dirty="0" err="1"/>
-              <a:t>the</a:t>
+              <a:t>or</a:t>
             </a:r>
             <a:r>
               <a:rPr lang="de-DE" sz="2200" dirty="0"/>
               <a:t> </a:t>
-            </a:r>
-            <a:r>
-              <a:rPr lang="de-DE" sz="2200" dirty="0" err="1"/>
-              <a:t>Rnase</a:t>
-            </a:r>
-            <a:r>
-              <a:rPr lang="de-DE" sz="2200" dirty="0"/>
-              <a:t>/</a:t>
             </a:r>
             <a:r>
               <a:rPr lang="de-DE" sz="2200" dirty="0" err="1"/>
@@ -32700,40 +32235,8 @@
               <a:t> </a:t>
             </a:r>
             <a:r>
-              <a:rPr lang="de-DE" sz="2200" dirty="0">
-                <a:sym typeface="Wingdings" panose="05000000000000000000" pitchFamily="2" charset="2"/>
-              </a:rPr>
-              <a:t> </a:t>
-            </a:r>
-            <a:r>
-              <a:rPr lang="de-DE" sz="2200" dirty="0" err="1">
-                <a:sym typeface="Wingdings" panose="05000000000000000000" pitchFamily="2" charset="2"/>
-              </a:rPr>
-              <a:t>no</a:t>
-            </a:r>
-            <a:r>
-              <a:rPr lang="de-DE" sz="2200" dirty="0">
-                <a:sym typeface="Wingdings" panose="05000000000000000000" pitchFamily="2" charset="2"/>
-              </a:rPr>
-              <a:t> </a:t>
-            </a:r>
-            <a:r>
-              <a:rPr lang="de-DE" sz="2200" dirty="0" err="1">
-                <a:sym typeface="Wingdings" panose="05000000000000000000" pitchFamily="2" charset="2"/>
-              </a:rPr>
-              <a:t>comparison</a:t>
-            </a:r>
-            <a:r>
-              <a:rPr lang="de-DE" sz="2200" dirty="0">
-                <a:sym typeface="Wingdings" panose="05000000000000000000" pitchFamily="2" charset="2"/>
-              </a:rPr>
-              <a:t> </a:t>
-            </a:r>
-            <a:r>
-              <a:rPr lang="de-DE" sz="2200" dirty="0" err="1">
-                <a:sym typeface="Wingdings" panose="05000000000000000000" pitchFamily="2" charset="2"/>
-              </a:rPr>
-              <a:t>possible</a:t>
+              <a:rPr lang="de-DE" sz="2200" dirty="0" err="1"/>
+              <a:t>group</a:t>
             </a:r>
             <a:endParaRPr lang="de-DE" sz="2200" dirty="0">
               <a:sym typeface="Wingdings" panose="05000000000000000000" pitchFamily="2" charset="2"/>
@@ -32754,13 +32257,13 @@
   <p:clrMapOvr>
     <a:masterClrMapping/>
   </p:clrMapOvr>
-  <mc:AlternateContent xmlns:mc="http://schemas.openxmlformats.org/markup-compatibility/2006">
-    <mc:Choice xmlns:p159="http://schemas.microsoft.com/office/powerpoint/2015/09/main" xmlns="" Requires="p159">
+  <mc:AlternateContent xmlns:mc="http://schemas.openxmlformats.org/markup-compatibility/2006" xmlns:p159="http://schemas.microsoft.com/office/powerpoint/2015/09/main">
+    <mc:Choice Requires="p159">
       <p:transition xmlns:p14="http://schemas.microsoft.com/office/powerpoint/2010/main" spd="slow" p14:dur="2000">
         <p159:morph option="byObject"/>
       </p:transition>
     </mc:Choice>
-    <mc:Fallback>
+    <mc:Fallback xmlns="">
       <p:transition spd="slow">
         <p:fade/>
       </p:transition>
@@ -32930,7 +32433,7 @@
                             </p:stCondLst>
                             <p:childTnLst>
                               <p:par>
-                                <p:cTn id="18" presetID="1" presetClass="entr" presetSubtype="0" fill="hold" grpId="0" nodeType="clickEffect">
+                                <p:cTn id="18" presetID="22" presetClass="entr" presetSubtype="8" fill="hold" grpId="0" nodeType="clickEffect">
                                   <p:stCondLst>
                                     <p:cond delay="0"/>
                                   </p:stCondLst>
@@ -32938,96 +32441,6 @@
                                     <p:set>
                                       <p:cBhvr>
                                         <p:cTn id="19" dur="1" fill="hold">
-                                          <p:stCondLst>
-                                            <p:cond delay="0"/>
-                                          </p:stCondLst>
-                                        </p:cTn>
-                                        <p:tgtEl>
-                                          <p:spTgt spid="19"/>
-                                        </p:tgtEl>
-                                        <p:attrNameLst>
-                                          <p:attrName>style.visibility</p:attrName>
-                                        </p:attrNameLst>
-                                      </p:cBhvr>
-                                      <p:to>
-                                        <p:strVal val="visible"/>
-                                      </p:to>
-                                    </p:set>
-                                  </p:childTnLst>
-                                </p:cTn>
-                              </p:par>
-                            </p:childTnLst>
-                          </p:cTn>
-                        </p:par>
-                      </p:childTnLst>
-                    </p:cTn>
-                  </p:par>
-                  <p:par>
-                    <p:cTn id="20" fill="hold">
-                      <p:stCondLst>
-                        <p:cond delay="indefinite"/>
-                      </p:stCondLst>
-                      <p:childTnLst>
-                        <p:par>
-                          <p:cTn id="21" fill="hold">
-                            <p:stCondLst>
-                              <p:cond delay="0"/>
-                            </p:stCondLst>
-                            <p:childTnLst>
-                              <p:par>
-                                <p:cTn id="22" presetID="1" presetClass="entr" presetSubtype="0" fill="hold" nodeType="clickEffect">
-                                  <p:stCondLst>
-                                    <p:cond delay="0"/>
-                                  </p:stCondLst>
-                                  <p:childTnLst>
-                                    <p:set>
-                                      <p:cBhvr>
-                                        <p:cTn id="23" dur="1" fill="hold">
-                                          <p:stCondLst>
-                                            <p:cond delay="0"/>
-                                          </p:stCondLst>
-                                        </p:cTn>
-                                        <p:tgtEl>
-                                          <p:spTgt spid="5"/>
-                                        </p:tgtEl>
-                                        <p:attrNameLst>
-                                          <p:attrName>style.visibility</p:attrName>
-                                        </p:attrNameLst>
-                                      </p:cBhvr>
-                                      <p:to>
-                                        <p:strVal val="visible"/>
-                                      </p:to>
-                                    </p:set>
-                                  </p:childTnLst>
-                                </p:cTn>
-                              </p:par>
-                            </p:childTnLst>
-                          </p:cTn>
-                        </p:par>
-                      </p:childTnLst>
-                    </p:cTn>
-                  </p:par>
-                  <p:par>
-                    <p:cTn id="24" fill="hold">
-                      <p:stCondLst>
-                        <p:cond delay="indefinite"/>
-                      </p:stCondLst>
-                      <p:childTnLst>
-                        <p:par>
-                          <p:cTn id="25" fill="hold">
-                            <p:stCondLst>
-                              <p:cond delay="0"/>
-                            </p:stCondLst>
-                            <p:childTnLst>
-                              <p:par>
-                                <p:cTn id="26" presetID="22" presetClass="entr" presetSubtype="8" fill="hold" grpId="0" nodeType="clickEffect">
-                                  <p:stCondLst>
-                                    <p:cond delay="0"/>
-                                  </p:stCondLst>
-                                  <p:childTnLst>
-                                    <p:set>
-                                      <p:cBhvr>
-                                        <p:cTn id="27" dur="1" fill="hold">
                                           <p:stCondLst>
                                             <p:cond delay="0"/>
                                           </p:stCondLst>
@@ -33045,7 +32458,7 @@
                                     </p:set>
                                     <p:animEffect transition="in" filter="wipe(left)">
                                       <p:cBhvr>
-                                        <p:cTn id="28" dur="500"/>
+                                        <p:cTn id="20" dur="500"/>
                                         <p:tgtEl>
                                           <p:spTgt spid="6"/>
                                         </p:tgtEl>
@@ -33085,7 +32498,6 @@
       <p:bldP spid="4" grpId="0"/>
       <p:bldP spid="6" grpId="0"/>
       <p:bldP spid="17" grpId="0" animBg="1"/>
-      <p:bldP spid="19" grpId="0"/>
       <p:bldP spid="7" grpId="0"/>
     </p:bldLst>
   </p:timing>
@@ -33204,7 +32616,7 @@
           <a:lstStyle/>
           <a:p>
             <a:r>
-              <a:rPr lang="en-US" sz="3600" dirty="0" smtClean="0">
+              <a:rPr lang="en-US" sz="3600" dirty="0">
                 <a:solidFill>
                   <a:schemeClr val="bg1"/>
                 </a:solidFill>
@@ -33307,144 +32719,144 @@
           <a:lstStyle/>
           <a:p>
             <a:r>
-              <a:rPr lang="de-DE" sz="2200" b="1" dirty="0" smtClean="0"/>
+              <a:rPr lang="de-DE" sz="2200" b="1" dirty="0"/>
               <a:t>Problem: </a:t>
             </a:r>
             <a:r>
-              <a:rPr lang="de-DE" sz="2200" dirty="0" err="1" smtClean="0"/>
+              <a:rPr lang="de-DE" sz="2200" dirty="0" err="1"/>
               <a:t>each</a:t>
             </a:r>
             <a:r>
-              <a:rPr lang="de-DE" sz="2200" dirty="0" smtClean="0"/>
-              <a:t> </a:t>
-            </a:r>
-            <a:r>
-              <a:rPr lang="de-DE" sz="2200" dirty="0" err="1" smtClean="0"/>
+              <a:rPr lang="de-DE" sz="2200" dirty="0"/>
+              <a:t> </a:t>
+            </a:r>
+            <a:r>
+              <a:rPr lang="de-DE" sz="2200" dirty="0" err="1"/>
               <a:t>measurement</a:t>
             </a:r>
             <a:r>
-              <a:rPr lang="de-DE" sz="2200" dirty="0" smtClean="0"/>
+              <a:rPr lang="de-DE" sz="2200" dirty="0"/>
               <a:t> was </a:t>
             </a:r>
             <a:r>
-              <a:rPr lang="de-DE" sz="2200" dirty="0" err="1" smtClean="0"/>
+              <a:rPr lang="de-DE" sz="2200" dirty="0" err="1"/>
               <a:t>made</a:t>
             </a:r>
             <a:r>
-              <a:rPr lang="de-DE" sz="2200" dirty="0" smtClean="0"/>
-              <a:t> </a:t>
-            </a:r>
-            <a:r>
-              <a:rPr lang="de-DE" sz="2200" dirty="0" err="1" smtClean="0"/>
+              <a:rPr lang="de-DE" sz="2200" dirty="0"/>
+              <a:t> </a:t>
+            </a:r>
+            <a:r>
+              <a:rPr lang="de-DE" sz="2200" dirty="0" err="1"/>
               <a:t>with</a:t>
             </a:r>
             <a:r>
-              <a:rPr lang="de-DE" sz="2200" dirty="0" smtClean="0"/>
+              <a:rPr lang="de-DE" sz="2200" dirty="0"/>
               <a:t> a different </a:t>
             </a:r>
             <a:r>
-              <a:rPr lang="de-DE" sz="2200" dirty="0" err="1" smtClean="0"/>
+              <a:rPr lang="de-DE" sz="2200" dirty="0" err="1"/>
               <a:t>amount</a:t>
             </a:r>
             <a:r>
-              <a:rPr lang="de-DE" sz="2200" dirty="0" smtClean="0"/>
-              <a:t> </a:t>
-            </a:r>
-            <a:r>
-              <a:rPr lang="de-DE" sz="2200" dirty="0" err="1" smtClean="0"/>
+              <a:rPr lang="de-DE" sz="2200" dirty="0"/>
+              <a:t> </a:t>
+            </a:r>
+            <a:r>
+              <a:rPr lang="de-DE" sz="2200" dirty="0" err="1"/>
               <a:t>of</a:t>
             </a:r>
             <a:r>
-              <a:rPr lang="de-DE" sz="2200" dirty="0" smtClean="0"/>
-              <a:t> </a:t>
-            </a:r>
-            <a:r>
-              <a:rPr lang="de-DE" sz="2200" dirty="0" err="1" smtClean="0"/>
+              <a:rPr lang="de-DE" sz="2200" dirty="0"/>
+              <a:t> </a:t>
+            </a:r>
+            <a:r>
+              <a:rPr lang="de-DE" sz="2200" dirty="0" err="1"/>
               <a:t>protein</a:t>
             </a:r>
-            <a:endParaRPr lang="de-DE" sz="2200" dirty="0" smtClean="0"/>
-          </a:p>
-          <a:p>
-            <a:r>
-              <a:rPr lang="de-DE" sz="2200" dirty="0" smtClean="0">
+            <a:endParaRPr lang="de-DE" sz="2200" dirty="0"/>
+          </a:p>
+          <a:p>
+            <a:r>
+              <a:rPr lang="de-DE" sz="2200" dirty="0">
                 <a:sym typeface="Wingdings" panose="05000000000000000000" pitchFamily="2" charset="2"/>
               </a:rPr>
               <a:t> </a:t>
             </a:r>
             <a:r>
-              <a:rPr lang="de-DE" sz="2200" dirty="0" err="1" smtClean="0">
+              <a:rPr lang="de-DE" sz="2200" dirty="0" err="1">
                 <a:sym typeface="Wingdings" panose="05000000000000000000" pitchFamily="2" charset="2"/>
               </a:rPr>
               <a:t>Amount</a:t>
             </a:r>
             <a:r>
-              <a:rPr lang="de-DE" sz="2200" dirty="0" smtClean="0">
+              <a:rPr lang="de-DE" sz="2200" dirty="0">
                 <a:sym typeface="Wingdings" panose="05000000000000000000" pitchFamily="2" charset="2"/>
               </a:rPr>
               <a:t> </a:t>
             </a:r>
             <a:r>
-              <a:rPr lang="de-DE" sz="2200" dirty="0" err="1" smtClean="0">
+              <a:rPr lang="de-DE" sz="2200" dirty="0" err="1">
                 <a:sym typeface="Wingdings" panose="05000000000000000000" pitchFamily="2" charset="2"/>
               </a:rPr>
               <a:t>has</a:t>
             </a:r>
             <a:r>
-              <a:rPr lang="de-DE" sz="2200" dirty="0" smtClean="0">
+              <a:rPr lang="de-DE" sz="2200" dirty="0">
                 <a:sym typeface="Wingdings" panose="05000000000000000000" pitchFamily="2" charset="2"/>
               </a:rPr>
               <a:t> </a:t>
             </a:r>
             <a:r>
-              <a:rPr lang="de-DE" sz="2200" dirty="0" err="1" smtClean="0">
+              <a:rPr lang="de-DE" sz="2200" dirty="0" err="1">
                 <a:sym typeface="Wingdings" panose="05000000000000000000" pitchFamily="2" charset="2"/>
               </a:rPr>
               <a:t>to</a:t>
             </a:r>
             <a:r>
-              <a:rPr lang="de-DE" sz="2200" dirty="0" smtClean="0">
+              <a:rPr lang="de-DE" sz="2200" dirty="0">
                 <a:sym typeface="Wingdings" panose="05000000000000000000" pitchFamily="2" charset="2"/>
               </a:rPr>
               <a:t> </a:t>
             </a:r>
             <a:r>
-              <a:rPr lang="de-DE" sz="2200" dirty="0" err="1" smtClean="0">
+              <a:rPr lang="de-DE" sz="2200" dirty="0" err="1">
                 <a:sym typeface="Wingdings" panose="05000000000000000000" pitchFamily="2" charset="2"/>
               </a:rPr>
               <a:t>be</a:t>
             </a:r>
             <a:r>
-              <a:rPr lang="de-DE" sz="2200" dirty="0" smtClean="0">
+              <a:rPr lang="de-DE" sz="2200" dirty="0">
                 <a:sym typeface="Wingdings" panose="05000000000000000000" pitchFamily="2" charset="2"/>
               </a:rPr>
               <a:t> </a:t>
             </a:r>
             <a:r>
-              <a:rPr lang="de-DE" sz="2200" dirty="0" err="1" smtClean="0">
+              <a:rPr lang="de-DE" sz="2200" dirty="0" err="1">
                 <a:sym typeface="Wingdings" panose="05000000000000000000" pitchFamily="2" charset="2"/>
               </a:rPr>
               <a:t>similar</a:t>
             </a:r>
             <a:r>
-              <a:rPr lang="de-DE" sz="2200" dirty="0" smtClean="0">
+              <a:rPr lang="de-DE" sz="2200" dirty="0">
                 <a:sym typeface="Wingdings" panose="05000000000000000000" pitchFamily="2" charset="2"/>
               </a:rPr>
               <a:t> </a:t>
             </a:r>
             <a:r>
-              <a:rPr lang="de-DE" sz="2200" dirty="0" err="1" smtClean="0">
+              <a:rPr lang="de-DE" sz="2200" dirty="0" err="1">
                 <a:sym typeface="Wingdings" panose="05000000000000000000" pitchFamily="2" charset="2"/>
               </a:rPr>
               <a:t>within</a:t>
             </a:r>
             <a:r>
-              <a:rPr lang="de-DE" sz="2200" dirty="0" smtClean="0">
+              <a:rPr lang="de-DE" sz="2200" dirty="0">
                 <a:sym typeface="Wingdings" panose="05000000000000000000" pitchFamily="2" charset="2"/>
               </a:rPr>
               <a:t> </a:t>
             </a:r>
             <a:r>
-              <a:rPr lang="de-DE" sz="2200" dirty="0" err="1" smtClean="0">
+              <a:rPr lang="de-DE" sz="2200" dirty="0" err="1">
                 <a:sym typeface="Wingdings" panose="05000000000000000000" pitchFamily="2" charset="2"/>
               </a:rPr>
               <a:t>replicates</a:t>
@@ -33476,73 +32888,73 @@
           <a:lstStyle/>
           <a:p>
             <a:r>
-              <a:rPr lang="de-DE" sz="2200" b="1" dirty="0" smtClean="0"/>
+              <a:rPr lang="de-DE" sz="2200" b="1" dirty="0"/>
               <a:t>Solution</a:t>
             </a:r>
           </a:p>
           <a:p>
             <a:r>
-              <a:rPr lang="de-DE" sz="2200" dirty="0" err="1" smtClean="0"/>
+              <a:rPr lang="de-DE" sz="2200" dirty="0" err="1"/>
               <a:t>Which</a:t>
             </a:r>
             <a:r>
-              <a:rPr lang="de-DE" sz="2200" dirty="0" smtClean="0"/>
-              <a:t> </a:t>
-            </a:r>
-            <a:r>
-              <a:rPr lang="de-DE" sz="2200" dirty="0" err="1" smtClean="0"/>
+              <a:rPr lang="de-DE" sz="2200" dirty="0"/>
+              <a:t> </a:t>
+            </a:r>
+            <a:r>
+              <a:rPr lang="de-DE" sz="2200" dirty="0" err="1"/>
               <a:t>two</a:t>
             </a:r>
             <a:r>
-              <a:rPr lang="de-DE" sz="2200" dirty="0" smtClean="0"/>
-              <a:t> </a:t>
-            </a:r>
-            <a:r>
-              <a:rPr lang="de-DE" sz="2200" dirty="0" err="1" smtClean="0"/>
+              <a:rPr lang="de-DE" sz="2200" dirty="0"/>
+              <a:t> </a:t>
+            </a:r>
+            <a:r>
+              <a:rPr lang="de-DE" sz="2200" dirty="0" err="1"/>
               <a:t>replicates</a:t>
             </a:r>
             <a:r>
-              <a:rPr lang="de-DE" sz="2200" dirty="0" smtClean="0"/>
-              <a:t> </a:t>
-            </a:r>
-            <a:r>
-              <a:rPr lang="de-DE" sz="2200" dirty="0" err="1" smtClean="0"/>
+              <a:rPr lang="de-DE" sz="2200" dirty="0"/>
+              <a:t> </a:t>
+            </a:r>
+            <a:r>
+              <a:rPr lang="de-DE" sz="2200" dirty="0" err="1"/>
               <a:t>have</a:t>
             </a:r>
             <a:r>
-              <a:rPr lang="de-DE" sz="2200" dirty="0" smtClean="0"/>
-              <a:t> </a:t>
-            </a:r>
-            <a:r>
-              <a:rPr lang="de-DE" sz="2200" dirty="0" err="1" smtClean="0"/>
+              <a:rPr lang="de-DE" sz="2200" dirty="0"/>
+              <a:t> </a:t>
+            </a:r>
+            <a:r>
+              <a:rPr lang="de-DE" sz="2200" dirty="0" err="1"/>
               <a:t>the</a:t>
             </a:r>
             <a:r>
-              <a:rPr lang="de-DE" sz="2200" dirty="0" smtClean="0"/>
-              <a:t> </a:t>
-            </a:r>
-            <a:r>
-              <a:rPr lang="de-DE" sz="2200" dirty="0" err="1" smtClean="0"/>
+              <a:rPr lang="de-DE" sz="2200" dirty="0"/>
+              <a:t> </a:t>
+            </a:r>
+            <a:r>
+              <a:rPr lang="de-DE" sz="2200" dirty="0" err="1"/>
               <a:t>closest</a:t>
             </a:r>
             <a:r>
-              <a:rPr lang="de-DE" sz="2200" dirty="0" smtClean="0"/>
-              <a:t> </a:t>
-            </a:r>
-            <a:r>
-              <a:rPr lang="de-DE" sz="2200" dirty="0" err="1" smtClean="0"/>
+              <a:rPr lang="de-DE" sz="2200" dirty="0"/>
+              <a:t> </a:t>
+            </a:r>
+            <a:r>
+              <a:rPr lang="de-DE" sz="2200" dirty="0" err="1"/>
               <a:t>mean</a:t>
             </a:r>
             <a:r>
-              <a:rPr lang="de-DE" sz="2200" dirty="0" smtClean="0"/>
-              <a:t> </a:t>
-            </a:r>
-            <a:r>
-              <a:rPr lang="de-DE" sz="2200" dirty="0" err="1" smtClean="0"/>
+              <a:rPr lang="de-DE" sz="2200" dirty="0"/>
+              <a:t> </a:t>
+            </a:r>
+            <a:r>
+              <a:rPr lang="de-DE" sz="2200" dirty="0" err="1"/>
               <a:t>values</a:t>
             </a:r>
             <a:r>
-              <a:rPr lang="de-DE" sz="2200" dirty="0" smtClean="0"/>
+              <a:rPr lang="de-DE" sz="2200" dirty="0"/>
               <a:t>? </a:t>
             </a:r>
           </a:p>
@@ -33552,78 +32964,78 @@
               <a:buChar char="à"/>
             </a:pPr>
             <a:r>
-              <a:rPr lang="de-DE" sz="2200" dirty="0" smtClean="0">
+              <a:rPr lang="de-DE" sz="2200" dirty="0">
                 <a:sym typeface="Wingdings" panose="05000000000000000000" pitchFamily="2" charset="2"/>
               </a:rPr>
               <a:t>e.g. Rep1 &amp; Rep2  </a:t>
             </a:r>
             <a:r>
-              <a:rPr lang="de-DE" sz="2200" dirty="0" err="1" smtClean="0">
+              <a:rPr lang="de-DE" sz="2200" dirty="0" err="1">
                 <a:sym typeface="Wingdings" panose="05000000000000000000" pitchFamily="2" charset="2"/>
               </a:rPr>
               <a:t>calculate</a:t>
             </a:r>
             <a:r>
-              <a:rPr lang="de-DE" sz="2200" dirty="0" smtClean="0">
+              <a:rPr lang="de-DE" sz="2200" dirty="0">
                 <a:sym typeface="Wingdings" panose="05000000000000000000" pitchFamily="2" charset="2"/>
               </a:rPr>
               <a:t> </a:t>
             </a:r>
             <a:r>
-              <a:rPr lang="de-DE" sz="2200" dirty="0" err="1" smtClean="0">
+              <a:rPr lang="de-DE" sz="2200" dirty="0" err="1">
                 <a:sym typeface="Wingdings" panose="05000000000000000000" pitchFamily="2" charset="2"/>
               </a:rPr>
               <a:t>the</a:t>
             </a:r>
             <a:r>
-              <a:rPr lang="de-DE" sz="2200" dirty="0" smtClean="0">
+              <a:rPr lang="de-DE" sz="2200" dirty="0">
                 <a:sym typeface="Wingdings" panose="05000000000000000000" pitchFamily="2" charset="2"/>
               </a:rPr>
               <a:t> </a:t>
             </a:r>
             <a:r>
-              <a:rPr lang="de-DE" sz="2200" dirty="0" err="1" smtClean="0">
+              <a:rPr lang="de-DE" sz="2200" dirty="0" err="1">
                 <a:sym typeface="Wingdings" panose="05000000000000000000" pitchFamily="2" charset="2"/>
               </a:rPr>
               <a:t>mean</a:t>
             </a:r>
             <a:r>
-              <a:rPr lang="de-DE" sz="2200" dirty="0" smtClean="0">
+              <a:rPr lang="de-DE" sz="2200" dirty="0">
                 <a:sym typeface="Wingdings" panose="05000000000000000000" pitchFamily="2" charset="2"/>
               </a:rPr>
               <a:t> </a:t>
             </a:r>
             <a:r>
-              <a:rPr lang="de-DE" sz="2200" dirty="0" err="1" smtClean="0">
+              <a:rPr lang="de-DE" sz="2200" dirty="0" err="1">
                 <a:sym typeface="Wingdings" panose="05000000000000000000" pitchFamily="2" charset="2"/>
               </a:rPr>
               <a:t>of</a:t>
             </a:r>
             <a:r>
-              <a:rPr lang="de-DE" sz="2200" dirty="0" smtClean="0">
+              <a:rPr lang="de-DE" sz="2200" dirty="0">
                 <a:sym typeface="Wingdings" panose="05000000000000000000" pitchFamily="2" charset="2"/>
               </a:rPr>
               <a:t> </a:t>
             </a:r>
             <a:r>
-              <a:rPr lang="de-DE" sz="2200" dirty="0" err="1" smtClean="0">
+              <a:rPr lang="de-DE" sz="2200" dirty="0" err="1">
                 <a:sym typeface="Wingdings" panose="05000000000000000000" pitchFamily="2" charset="2"/>
               </a:rPr>
               <a:t>the</a:t>
             </a:r>
             <a:r>
-              <a:rPr lang="de-DE" sz="2200" dirty="0" smtClean="0">
+              <a:rPr lang="de-DE" sz="2200" dirty="0">
                 <a:sym typeface="Wingdings" panose="05000000000000000000" pitchFamily="2" charset="2"/>
               </a:rPr>
               <a:t> </a:t>
             </a:r>
             <a:r>
-              <a:rPr lang="de-DE" sz="2200" dirty="0" err="1" smtClean="0">
+              <a:rPr lang="de-DE" sz="2200" dirty="0" err="1">
                 <a:sym typeface="Wingdings" panose="05000000000000000000" pitchFamily="2" charset="2"/>
               </a:rPr>
               <a:t>means</a:t>
             </a:r>
-            <a:endParaRPr lang="de-DE" sz="2200" dirty="0" smtClean="0">
+            <a:endParaRPr lang="de-DE" sz="2200" dirty="0">
               <a:sym typeface="Wingdings" panose="05000000000000000000" pitchFamily="2" charset="2"/>
             </a:endParaRPr>
           </a:p>
@@ -33633,102 +33045,102 @@
               <a:buChar char="à"/>
             </a:pPr>
             <a:r>
-              <a:rPr lang="de-DE" sz="2200" dirty="0" smtClean="0">
+              <a:rPr lang="de-DE" sz="2200" dirty="0">
                 <a:sym typeface="Wingdings" panose="05000000000000000000" pitchFamily="2" charset="2"/>
               </a:rPr>
               <a:t>Set </a:t>
             </a:r>
             <a:r>
-              <a:rPr lang="de-DE" sz="2200" dirty="0" err="1" smtClean="0">
+              <a:rPr lang="de-DE" sz="2200" dirty="0" err="1">
                 <a:sym typeface="Wingdings" panose="05000000000000000000" pitchFamily="2" charset="2"/>
               </a:rPr>
               <a:t>the</a:t>
             </a:r>
             <a:r>
-              <a:rPr lang="de-DE" sz="2200" dirty="0" smtClean="0">
+              <a:rPr lang="de-DE" sz="2200" dirty="0">
                 <a:sym typeface="Wingdings" panose="05000000000000000000" pitchFamily="2" charset="2"/>
               </a:rPr>
               <a:t> </a:t>
             </a:r>
             <a:r>
-              <a:rPr lang="de-DE" sz="2200" dirty="0" err="1" smtClean="0">
+              <a:rPr lang="de-DE" sz="2200" dirty="0" err="1">
                 <a:sym typeface="Wingdings" panose="05000000000000000000" pitchFamily="2" charset="2"/>
               </a:rPr>
               <a:t>mean</a:t>
             </a:r>
             <a:r>
-              <a:rPr lang="de-DE" sz="2200" dirty="0" smtClean="0">
+              <a:rPr lang="de-DE" sz="2200" dirty="0">
                 <a:sym typeface="Wingdings" panose="05000000000000000000" pitchFamily="2" charset="2"/>
               </a:rPr>
               <a:t> </a:t>
             </a:r>
             <a:r>
-              <a:rPr lang="de-DE" sz="2200" dirty="0" err="1" smtClean="0">
+              <a:rPr lang="de-DE" sz="2200" dirty="0" err="1">
                 <a:sym typeface="Wingdings" panose="05000000000000000000" pitchFamily="2" charset="2"/>
               </a:rPr>
               <a:t>of</a:t>
             </a:r>
             <a:r>
-              <a:rPr lang="de-DE" sz="2200" dirty="0" smtClean="0">
+              <a:rPr lang="de-DE" sz="2200" dirty="0">
                 <a:sym typeface="Wingdings" panose="05000000000000000000" pitchFamily="2" charset="2"/>
               </a:rPr>
               <a:t> Rep3 </a:t>
             </a:r>
             <a:r>
-              <a:rPr lang="de-DE" sz="2200" dirty="0" err="1" smtClean="0">
+              <a:rPr lang="de-DE" sz="2200" dirty="0" err="1">
                 <a:sym typeface="Wingdings" panose="05000000000000000000" pitchFamily="2" charset="2"/>
               </a:rPr>
               <a:t>to</a:t>
             </a:r>
             <a:r>
-              <a:rPr lang="de-DE" sz="2200" dirty="0" smtClean="0">
+              <a:rPr lang="de-DE" sz="2200" dirty="0">
                 <a:sym typeface="Wingdings" panose="05000000000000000000" pitchFamily="2" charset="2"/>
               </a:rPr>
               <a:t> </a:t>
             </a:r>
             <a:r>
-              <a:rPr lang="de-DE" sz="2200" dirty="0" err="1" smtClean="0">
+              <a:rPr lang="de-DE" sz="2200" dirty="0" err="1">
                 <a:sym typeface="Wingdings" panose="05000000000000000000" pitchFamily="2" charset="2"/>
               </a:rPr>
               <a:t>the</a:t>
             </a:r>
             <a:r>
-              <a:rPr lang="de-DE" sz="2200" dirty="0" smtClean="0">
+              <a:rPr lang="de-DE" sz="2200" dirty="0">
                 <a:sym typeface="Wingdings" panose="05000000000000000000" pitchFamily="2" charset="2"/>
               </a:rPr>
               <a:t> </a:t>
             </a:r>
             <a:r>
-              <a:rPr lang="de-DE" sz="2200" dirty="0" err="1" smtClean="0">
+              <a:rPr lang="de-DE" sz="2200" dirty="0" err="1">
                 <a:sym typeface="Wingdings" panose="05000000000000000000" pitchFamily="2" charset="2"/>
               </a:rPr>
               <a:t>value</a:t>
             </a:r>
             <a:r>
-              <a:rPr lang="de-DE" sz="2200" dirty="0" smtClean="0">
+              <a:rPr lang="de-DE" sz="2200" dirty="0">
                 <a:sym typeface="Wingdings" panose="05000000000000000000" pitchFamily="2" charset="2"/>
               </a:rPr>
               <a:t> </a:t>
             </a:r>
             <a:r>
-              <a:rPr lang="de-DE" sz="2200" dirty="0" err="1" smtClean="0">
+              <a:rPr lang="de-DE" sz="2200" dirty="0" err="1">
                 <a:sym typeface="Wingdings" panose="05000000000000000000" pitchFamily="2" charset="2"/>
               </a:rPr>
               <a:t>calculated</a:t>
             </a:r>
             <a:r>
-              <a:rPr lang="de-DE" sz="2200" dirty="0" smtClean="0">
+              <a:rPr lang="de-DE" sz="2200" dirty="0">
                 <a:sym typeface="Wingdings" panose="05000000000000000000" pitchFamily="2" charset="2"/>
               </a:rPr>
               <a:t> </a:t>
             </a:r>
             <a:r>
-              <a:rPr lang="de-DE" sz="2200" dirty="0" err="1" smtClean="0">
+              <a:rPr lang="de-DE" sz="2200" dirty="0" err="1">
                 <a:sym typeface="Wingdings" panose="05000000000000000000" pitchFamily="2" charset="2"/>
               </a:rPr>
               <a:t>above</a:t>
             </a:r>
-            <a:endParaRPr lang="de-DE" sz="2200" dirty="0" smtClean="0">
+            <a:endParaRPr lang="de-DE" sz="2200" dirty="0">
               <a:sym typeface="Wingdings" panose="05000000000000000000" pitchFamily="2" charset="2"/>
             </a:endParaRPr>
           </a:p>
@@ -33738,43 +33150,43 @@
               <a:buChar char="à"/>
             </a:pPr>
             <a:r>
-              <a:rPr lang="de-DE" sz="2200" dirty="0" smtClean="0">
+              <a:rPr lang="de-DE" sz="2200" dirty="0">
                 <a:sym typeface="Wingdings" panose="05000000000000000000" pitchFamily="2" charset="2"/>
               </a:rPr>
               <a:t>Protein </a:t>
             </a:r>
             <a:r>
-              <a:rPr lang="de-DE" sz="2200" dirty="0" err="1" smtClean="0">
+              <a:rPr lang="de-DE" sz="2200" dirty="0" err="1">
                 <a:sym typeface="Wingdings" panose="05000000000000000000" pitchFamily="2" charset="2"/>
               </a:rPr>
               <a:t>amount</a:t>
             </a:r>
             <a:r>
-              <a:rPr lang="de-DE" sz="2200" dirty="0" smtClean="0">
+              <a:rPr lang="de-DE" sz="2200" dirty="0">
                 <a:sym typeface="Wingdings" panose="05000000000000000000" pitchFamily="2" charset="2"/>
               </a:rPr>
               <a:t> was </a:t>
             </a:r>
             <a:r>
-              <a:rPr lang="de-DE" sz="2200" dirty="0" err="1" smtClean="0">
+              <a:rPr lang="de-DE" sz="2200" dirty="0" err="1">
                 <a:sym typeface="Wingdings" panose="05000000000000000000" pitchFamily="2" charset="2"/>
               </a:rPr>
               <a:t>set</a:t>
             </a:r>
             <a:r>
-              <a:rPr lang="de-DE" sz="2200" dirty="0" smtClean="0">
+              <a:rPr lang="de-DE" sz="2200" dirty="0">
                 <a:sym typeface="Wingdings" panose="05000000000000000000" pitchFamily="2" charset="2"/>
               </a:rPr>
               <a:t> </a:t>
             </a:r>
             <a:r>
-              <a:rPr lang="de-DE" sz="2200" dirty="0" err="1" smtClean="0">
+              <a:rPr lang="de-DE" sz="2200" dirty="0" err="1">
                 <a:sym typeface="Wingdings" panose="05000000000000000000" pitchFamily="2" charset="2"/>
               </a:rPr>
               <a:t>to</a:t>
             </a:r>
             <a:r>
-              <a:rPr lang="de-DE" sz="2200" dirty="0" smtClean="0">
+              <a:rPr lang="de-DE" sz="2200" dirty="0">
                 <a:sym typeface="Wingdings" panose="05000000000000000000" pitchFamily="2" charset="2"/>
               </a:rPr>
               <a:t> 100 </a:t>
@@ -33826,7 +33238,7 @@
           <a:p>
             <a:pPr algn="ctr"/>
             <a:r>
-              <a:rPr lang="de-DE" sz="3200" dirty="0" err="1" smtClean="0"/>
+              <a:rPr lang="de-DE" sz="3200" dirty="0" err="1"/>
               <a:t>Normalization</a:t>
             </a:r>
             <a:endParaRPr lang="de-DE" sz="3200" b="1" dirty="0">
@@ -34283,7 +33695,7 @@
           <a:lstStyle/>
           <a:p>
             <a:r>
-              <a:rPr lang="en-US" sz="3600" dirty="0" smtClean="0">
+              <a:rPr lang="en-US" sz="3600" dirty="0">
                 <a:solidFill>
                   <a:schemeClr val="bg1"/>
                 </a:solidFill>
@@ -34410,10 +33822,10 @@
           <a:lstStyle/>
           <a:p>
             <a:r>
-              <a:rPr lang="de-DE" dirty="0" err="1" smtClean="0"/>
+              <a:rPr lang="de-DE" dirty="0" err="1"/>
               <a:t>Normalization</a:t>
             </a:r>
-            <a:endParaRPr lang="de-DE" dirty="0" smtClean="0"/>
+            <a:endParaRPr lang="de-DE" dirty="0"/>
           </a:p>
           <a:p>
             <a:endParaRPr lang="de-DE" dirty="0"/>
@@ -34467,27 +33879,27 @@
           <a:lstStyle/>
           <a:p>
             <a:r>
-              <a:rPr lang="de-DE" sz="2200" dirty="0" smtClean="0"/>
+              <a:rPr lang="de-DE" sz="2200" dirty="0"/>
               <a:t>Protein </a:t>
             </a:r>
             <a:r>
-              <a:rPr lang="de-DE" sz="2200" dirty="0" err="1" smtClean="0"/>
+              <a:rPr lang="de-DE" sz="2200" dirty="0" err="1"/>
               <a:t>Amount</a:t>
             </a:r>
             <a:r>
-              <a:rPr lang="de-DE" sz="2200" dirty="0" smtClean="0"/>
+              <a:rPr lang="de-DE" sz="2200" dirty="0"/>
               <a:t> in Rep1, Rep2, Rep3 </a:t>
             </a:r>
             <a:r>
-              <a:rPr lang="de-DE" sz="2200" dirty="0" err="1" smtClean="0"/>
+              <a:rPr lang="de-DE" sz="2200" dirty="0" err="1"/>
               <a:t>before</a:t>
             </a:r>
             <a:r>
-              <a:rPr lang="de-DE" sz="2200" dirty="0" smtClean="0"/>
-              <a:t> </a:t>
-            </a:r>
-            <a:r>
-              <a:rPr lang="de-DE" sz="2200" dirty="0" err="1" smtClean="0"/>
+              <a:rPr lang="de-DE" sz="2200" dirty="0"/>
+              <a:t> </a:t>
+            </a:r>
+            <a:r>
+              <a:rPr lang="de-DE" sz="2200" dirty="0" err="1"/>
               <a:t>normalization</a:t>
             </a:r>
             <a:endParaRPr lang="de-DE" sz="2200" dirty="0"/>
@@ -34517,19 +33929,19 @@
           <a:lstStyle/>
           <a:p>
             <a:r>
-              <a:rPr lang="de-DE" sz="2200" dirty="0" smtClean="0"/>
+              <a:rPr lang="de-DE" sz="2200" dirty="0"/>
               <a:t>Protein </a:t>
             </a:r>
             <a:r>
-              <a:rPr lang="de-DE" sz="2200" dirty="0" err="1" smtClean="0"/>
+              <a:rPr lang="de-DE" sz="2200" dirty="0" err="1"/>
               <a:t>Amount</a:t>
             </a:r>
             <a:r>
-              <a:rPr lang="de-DE" sz="2200" dirty="0" smtClean="0"/>
+              <a:rPr lang="de-DE" sz="2200" dirty="0"/>
               <a:t> in Rep1, Rep2, Rep3 after </a:t>
             </a:r>
             <a:r>
-              <a:rPr lang="de-DE" sz="2200" dirty="0" err="1" smtClean="0"/>
+              <a:rPr lang="de-DE" sz="2200" dirty="0" err="1"/>
               <a:t>normalization</a:t>
             </a:r>
             <a:endParaRPr lang="de-DE" sz="2200" dirty="0"/>
@@ -34579,7 +33991,7 @@
           <a:p>
             <a:pPr algn="ctr"/>
             <a:r>
-              <a:rPr lang="de-DE" sz="3200" dirty="0" err="1" smtClean="0"/>
+              <a:rPr lang="de-DE" sz="3200" dirty="0" err="1"/>
               <a:t>Normalization</a:t>
             </a:r>
             <a:endParaRPr lang="de-DE" sz="3200" b="1" dirty="0">
@@ -35138,7 +34550,7 @@
           <a:lstStyle/>
           <a:p>
             <a:r>
-              <a:rPr lang="en-US" sz="3600" dirty="0" smtClean="0">
+              <a:rPr lang="en-US" sz="3600" dirty="0">
                 <a:solidFill>
                   <a:schemeClr val="bg1"/>
                 </a:solidFill>
@@ -35241,85 +34653,84 @@
           <a:lstStyle/>
           <a:p>
             <a:r>
-              <a:rPr lang="de-DE" sz="2400" b="1" dirty="0" smtClean="0"/>
+              <a:rPr lang="de-DE" sz="2400" b="1" dirty="0"/>
               <a:t>Batch </a:t>
             </a:r>
             <a:r>
-              <a:rPr lang="de-DE" sz="2400" b="1" dirty="0" err="1" smtClean="0"/>
+              <a:rPr lang="de-DE" sz="2400" b="1" dirty="0" err="1"/>
               <a:t>Effect</a:t>
             </a:r>
-            <a:endParaRPr lang="de-DE" sz="2400" b="1" dirty="0" smtClean="0"/>
-          </a:p>
-          <a:p>
-            <a:r>
-              <a:rPr lang="de-DE" sz="2200" dirty="0" smtClean="0"/>
+            <a:endParaRPr lang="de-DE" sz="2400" b="1" dirty="0"/>
+          </a:p>
+          <a:p>
+            <a:r>
+              <a:rPr lang="de-DE" sz="2200" dirty="0"/>
               <a:t>=</a:t>
             </a:r>
             <a:r>
-              <a:rPr lang="de-DE" sz="2200" dirty="0" err="1" smtClean="0"/>
+              <a:rPr lang="de-DE" sz="2200" dirty="0" err="1"/>
               <a:t>variations</a:t>
             </a:r>
             <a:r>
-              <a:rPr lang="de-DE" sz="2200" dirty="0" smtClean="0"/>
+              <a:rPr lang="de-DE" sz="2200" dirty="0"/>
               <a:t> in </a:t>
             </a:r>
             <a:r>
-              <a:rPr lang="de-DE" sz="2200" dirty="0" err="1" smtClean="0"/>
+              <a:rPr lang="de-DE" sz="2200" dirty="0" err="1"/>
               <a:t>the</a:t>
             </a:r>
             <a:r>
-              <a:rPr lang="de-DE" sz="2200" dirty="0" smtClean="0"/>
-              <a:t> </a:t>
-            </a:r>
-            <a:r>
-              <a:rPr lang="de-DE" sz="2200" dirty="0" err="1" smtClean="0"/>
+              <a:rPr lang="de-DE" sz="2200" dirty="0"/>
+              <a:t> </a:t>
+            </a:r>
+            <a:r>
+              <a:rPr lang="de-DE" sz="2200" dirty="0" err="1"/>
               <a:t>data</a:t>
             </a:r>
             <a:r>
-              <a:rPr lang="de-DE" sz="2200" dirty="0" smtClean="0"/>
+              <a:rPr lang="de-DE" sz="2200" dirty="0"/>
               <a:t>/</a:t>
             </a:r>
             <a:r>
-              <a:rPr lang="de-DE" sz="2200" dirty="0" err="1" smtClean="0"/>
+              <a:rPr lang="de-DE" sz="2200" dirty="0" err="1"/>
               <a:t>outliers</a:t>
             </a:r>
             <a:r>
-              <a:rPr lang="de-DE" sz="2200" dirty="0" smtClean="0"/>
-              <a:t> </a:t>
-            </a:r>
-            <a:r>
-              <a:rPr lang="de-DE" sz="2200" dirty="0" err="1" smtClean="0"/>
+              <a:rPr lang="de-DE" sz="2200" dirty="0"/>
+              <a:t> </a:t>
+            </a:r>
+            <a:r>
+              <a:rPr lang="de-DE" sz="2200" dirty="0" err="1"/>
               <a:t>caused</a:t>
             </a:r>
             <a:r>
-              <a:rPr lang="de-DE" sz="2200" dirty="0" smtClean="0"/>
-              <a:t> </a:t>
-            </a:r>
-            <a:r>
-              <a:rPr lang="de-DE" sz="2200" dirty="0" err="1" smtClean="0"/>
+              <a:rPr lang="de-DE" sz="2200" dirty="0"/>
+              <a:t> </a:t>
+            </a:r>
+            <a:r>
+              <a:rPr lang="de-DE" sz="2200" dirty="0" err="1"/>
               <a:t>by</a:t>
             </a:r>
             <a:r>
-              <a:rPr lang="de-DE" sz="2200" dirty="0" smtClean="0"/>
-              <a:t> </a:t>
-            </a:r>
-            <a:r>
-              <a:rPr lang="de-DE" sz="2200" dirty="0" err="1" smtClean="0"/>
+              <a:rPr lang="de-DE" sz="2200" dirty="0"/>
+              <a:t> </a:t>
+            </a:r>
+            <a:r>
+              <a:rPr lang="de-DE" sz="2200" dirty="0" err="1"/>
               <a:t>technical</a:t>
             </a:r>
             <a:r>
-              <a:rPr lang="de-DE" sz="2200" dirty="0" smtClean="0"/>
-              <a:t> </a:t>
-            </a:r>
-            <a:r>
-              <a:rPr lang="de-DE" sz="2200" dirty="0" err="1" smtClean="0"/>
+              <a:rPr lang="de-DE" sz="2200" dirty="0"/>
+              <a:t> </a:t>
+            </a:r>
+            <a:r>
+              <a:rPr lang="de-DE" sz="2200" dirty="0" err="1"/>
               <a:t>means</a:t>
             </a:r>
             <a:r>
               <a:rPr lang="de-DE" sz="2200" dirty="0"/>
               <a:t> </a:t>
             </a:r>
-            <a:endParaRPr lang="de-DE" sz="2200" dirty="0" smtClean="0"/>
           </a:p>
           <a:p>
             <a:pPr marL="342900" indent="-342900">
@@ -35327,36 +34738,36 @@
               <a:buChar char="à"/>
             </a:pPr>
             <a:r>
-              <a:rPr lang="de-DE" sz="2200" dirty="0" err="1" smtClean="0">
+              <a:rPr lang="de-DE" sz="2200" dirty="0" err="1">
                 <a:sym typeface="Wingdings" panose="05000000000000000000" pitchFamily="2" charset="2"/>
               </a:rPr>
               <a:t>No</a:t>
             </a:r>
             <a:r>
-              <a:rPr lang="de-DE" sz="2200" dirty="0" smtClean="0">
+              <a:rPr lang="de-DE" sz="2200" dirty="0">
                 <a:sym typeface="Wingdings" panose="05000000000000000000" pitchFamily="2" charset="2"/>
               </a:rPr>
               <a:t> </a:t>
             </a:r>
             <a:r>
-              <a:rPr lang="de-DE" sz="2200" dirty="0" err="1" smtClean="0">
+              <a:rPr lang="de-DE" sz="2200" dirty="0" err="1">
                 <a:sym typeface="Wingdings" panose="05000000000000000000" pitchFamily="2" charset="2"/>
               </a:rPr>
               <a:t>biological</a:t>
             </a:r>
             <a:r>
-              <a:rPr lang="de-DE" sz="2200" dirty="0" smtClean="0">
+              <a:rPr lang="de-DE" sz="2200" dirty="0">
                 <a:sym typeface="Wingdings" panose="05000000000000000000" pitchFamily="2" charset="2"/>
               </a:rPr>
               <a:t> </a:t>
             </a:r>
             <a:r>
-              <a:rPr lang="de-DE" sz="2200" dirty="0" err="1" smtClean="0">
+              <a:rPr lang="de-DE" sz="2200" dirty="0" err="1">
                 <a:sym typeface="Wingdings" panose="05000000000000000000" pitchFamily="2" charset="2"/>
               </a:rPr>
               <a:t>significance</a:t>
             </a:r>
-            <a:endParaRPr lang="de-DE" sz="2200" dirty="0" smtClean="0">
+            <a:endParaRPr lang="de-DE" sz="2200" dirty="0">
               <a:sym typeface="Wingdings" panose="05000000000000000000" pitchFamily="2" charset="2"/>
             </a:endParaRPr>
           </a:p>
@@ -35366,103 +34777,100 @@
               <a:buChar char="à"/>
             </a:pPr>
             <a:r>
-              <a:rPr lang="de-DE" sz="2200" dirty="0" smtClean="0">
+              <a:rPr lang="de-DE" sz="2200" dirty="0">
                 <a:sym typeface="Wingdings" panose="05000000000000000000" pitchFamily="2" charset="2"/>
               </a:rPr>
               <a:t>Can </a:t>
             </a:r>
             <a:r>
-              <a:rPr lang="de-DE" sz="2200" dirty="0" err="1" smtClean="0">
+              <a:rPr lang="de-DE" sz="2200" dirty="0" err="1">
                 <a:sym typeface="Wingdings" panose="05000000000000000000" pitchFamily="2" charset="2"/>
               </a:rPr>
               <a:t>result</a:t>
             </a:r>
             <a:r>
-              <a:rPr lang="de-DE" sz="2200" dirty="0" smtClean="0">
+              <a:rPr lang="de-DE" sz="2200" dirty="0">
                 <a:sym typeface="Wingdings" panose="05000000000000000000" pitchFamily="2" charset="2"/>
               </a:rPr>
               <a:t> in </a:t>
             </a:r>
             <a:r>
-              <a:rPr lang="de-DE" sz="2200" dirty="0" err="1" smtClean="0">
+              <a:rPr lang="de-DE" sz="2200" dirty="0" err="1">
                 <a:sym typeface="Wingdings" panose="05000000000000000000" pitchFamily="2" charset="2"/>
               </a:rPr>
               <a:t>false</a:t>
             </a:r>
             <a:r>
-              <a:rPr lang="de-DE" sz="2200" dirty="0" smtClean="0">
+              <a:rPr lang="de-DE" sz="2200" dirty="0">
                 <a:sym typeface="Wingdings" panose="05000000000000000000" pitchFamily="2" charset="2"/>
               </a:rPr>
               <a:t> </a:t>
             </a:r>
             <a:r>
-              <a:rPr lang="de-DE" sz="2200" dirty="0" err="1" smtClean="0">
+              <a:rPr lang="de-DE" sz="2200" dirty="0" err="1">
                 <a:sym typeface="Wingdings" panose="05000000000000000000" pitchFamily="2" charset="2"/>
               </a:rPr>
               <a:t>conclusions</a:t>
             </a:r>
-            <a:endParaRPr lang="de-DE" sz="2200" dirty="0" smtClean="0">
+            <a:endParaRPr lang="de-DE" sz="2200" dirty="0">
               <a:sym typeface="Wingdings" panose="05000000000000000000" pitchFamily="2" charset="2"/>
             </a:endParaRPr>
           </a:p>
           <a:p>
             <a:r>
-              <a:rPr lang="de-DE" sz="2200" dirty="0" smtClean="0">
+              <a:rPr lang="de-DE" sz="2200" dirty="0">
                 <a:sym typeface="Wingdings" panose="05000000000000000000" pitchFamily="2" charset="2"/>
               </a:rPr>
               <a:t>Batch </a:t>
             </a:r>
             <a:r>
-              <a:rPr lang="de-DE" sz="2200" dirty="0" err="1" smtClean="0">
+              <a:rPr lang="de-DE" sz="2200" dirty="0" err="1">
                 <a:sym typeface="Wingdings" panose="05000000000000000000" pitchFamily="2" charset="2"/>
               </a:rPr>
               <a:t>Effects</a:t>
             </a:r>
             <a:r>
-              <a:rPr lang="de-DE" sz="2200" dirty="0" smtClean="0">
+              <a:rPr lang="de-DE" sz="2200" dirty="0">
                 <a:sym typeface="Wingdings" panose="05000000000000000000" pitchFamily="2" charset="2"/>
               </a:rPr>
               <a:t> </a:t>
             </a:r>
             <a:r>
-              <a:rPr lang="de-DE" sz="2200" dirty="0" err="1" smtClean="0">
+              <a:rPr lang="de-DE" sz="2200" dirty="0" err="1">
                 <a:sym typeface="Wingdings" panose="05000000000000000000" pitchFamily="2" charset="2"/>
               </a:rPr>
               <a:t>were</a:t>
             </a:r>
             <a:r>
-              <a:rPr lang="de-DE" sz="2200" dirty="0" smtClean="0">
+              <a:rPr lang="de-DE" sz="2200" dirty="0">
                 <a:sym typeface="Wingdings" panose="05000000000000000000" pitchFamily="2" charset="2"/>
               </a:rPr>
               <a:t> </a:t>
             </a:r>
             <a:r>
-              <a:rPr lang="de-DE" sz="2200" dirty="0" err="1" smtClean="0">
+              <a:rPr lang="de-DE" sz="2200" dirty="0" err="1">
                 <a:sym typeface="Wingdings" panose="05000000000000000000" pitchFamily="2" charset="2"/>
               </a:rPr>
               <a:t>found</a:t>
             </a:r>
             <a:r>
-              <a:rPr lang="de-DE" sz="2200" dirty="0" smtClean="0">
+              <a:rPr lang="de-DE" sz="2200" dirty="0">
                 <a:sym typeface="Wingdings" panose="05000000000000000000" pitchFamily="2" charset="2"/>
               </a:rPr>
               <a:t> in 23 </a:t>
             </a:r>
             <a:r>
-              <a:rPr lang="de-DE" sz="2200" dirty="0" err="1" smtClean="0">
+              <a:rPr lang="de-DE" sz="2200" dirty="0" err="1">
                 <a:sym typeface="Wingdings" panose="05000000000000000000" pitchFamily="2" charset="2"/>
               </a:rPr>
               <a:t>proteins</a:t>
             </a:r>
             <a:r>
-              <a:rPr lang="de-DE" sz="2400" dirty="0" smtClean="0">
+              <a:rPr lang="de-DE" sz="2400" dirty="0">
                 <a:sym typeface="Wingdings" panose="05000000000000000000" pitchFamily="2" charset="2"/>
               </a:rPr>
               <a:t>!</a:t>
             </a:r>
-            <a:endParaRPr lang="de-DE" sz="2400" dirty="0">
-              <a:sym typeface="Wingdings" panose="05000000000000000000" pitchFamily="2" charset="2"/>
-            </a:endParaRPr>
           </a:p>
         </p:txBody>
       </p:sp>
@@ -35489,65 +34897,65 @@
           <a:lstStyle/>
           <a:p>
             <a:r>
-              <a:rPr lang="de-DE" sz="2200" b="1" dirty="0" smtClean="0"/>
+              <a:rPr lang="de-DE" sz="2200" b="1" dirty="0"/>
               <a:t>Solution</a:t>
             </a:r>
           </a:p>
           <a:p>
             <a:r>
-              <a:rPr lang="de-DE" sz="2200" dirty="0" smtClean="0"/>
+              <a:rPr lang="de-DE" sz="2200" dirty="0"/>
               <a:t>1. </a:t>
             </a:r>
             <a:r>
-              <a:rPr lang="de-DE" sz="2200" dirty="0" err="1" smtClean="0"/>
+              <a:rPr lang="de-DE" sz="2200" dirty="0" err="1"/>
               <a:t>Comparing</a:t>
             </a:r>
             <a:r>
-              <a:rPr lang="de-DE" sz="2200" dirty="0" smtClean="0"/>
-              <a:t> </a:t>
-            </a:r>
-            <a:r>
-              <a:rPr lang="de-DE" sz="2200" dirty="0" err="1" smtClean="0"/>
+              <a:rPr lang="de-DE" sz="2200" dirty="0"/>
+              <a:t> </a:t>
+            </a:r>
+            <a:r>
+              <a:rPr lang="de-DE" sz="2200" dirty="0" err="1"/>
               <a:t>the</a:t>
             </a:r>
             <a:r>
-              <a:rPr lang="de-DE" sz="2200" dirty="0" smtClean="0"/>
-              <a:t> </a:t>
-            </a:r>
-            <a:r>
-              <a:rPr lang="de-DE" sz="2200" dirty="0" err="1" smtClean="0"/>
+              <a:rPr lang="de-DE" sz="2200" dirty="0"/>
+              <a:t> </a:t>
+            </a:r>
+            <a:r>
+              <a:rPr lang="de-DE" sz="2200" dirty="0" err="1"/>
               <a:t>values</a:t>
             </a:r>
             <a:r>
-              <a:rPr lang="de-DE" sz="2200" dirty="0" smtClean="0"/>
-              <a:t> </a:t>
-            </a:r>
-            <a:r>
-              <a:rPr lang="de-DE" sz="2200" dirty="0" err="1" smtClean="0"/>
+              <a:rPr lang="de-DE" sz="2200" dirty="0"/>
+              <a:t> </a:t>
+            </a:r>
+            <a:r>
+              <a:rPr lang="de-DE" sz="2200" dirty="0" err="1"/>
               <a:t>of</a:t>
             </a:r>
             <a:r>
-              <a:rPr lang="de-DE" sz="2200" dirty="0" smtClean="0"/>
+              <a:rPr lang="de-DE" sz="2200" dirty="0"/>
               <a:t> all 3 Reps </a:t>
             </a:r>
             <a:r>
-              <a:rPr lang="de-DE" sz="2200" dirty="0" err="1" smtClean="0"/>
+              <a:rPr lang="de-DE" sz="2200" dirty="0" err="1"/>
               <a:t>for</a:t>
             </a:r>
             <a:r>
-              <a:rPr lang="de-DE" sz="2200" dirty="0" smtClean="0"/>
-              <a:t> </a:t>
-            </a:r>
-            <a:r>
-              <a:rPr lang="de-DE" sz="2200" dirty="0" err="1" smtClean="0"/>
+              <a:rPr lang="de-DE" sz="2200" dirty="0"/>
+              <a:t> </a:t>
+            </a:r>
+            <a:r>
+              <a:rPr lang="de-DE" sz="2200" dirty="0" err="1"/>
               <a:t>each</a:t>
             </a:r>
             <a:r>
-              <a:rPr lang="de-DE" sz="2200" dirty="0" smtClean="0"/>
-              <a:t> </a:t>
-            </a:r>
-            <a:r>
-              <a:rPr lang="de-DE" sz="2200" dirty="0" err="1" smtClean="0"/>
+              <a:rPr lang="de-DE" sz="2200" dirty="0"/>
+              <a:t> </a:t>
+            </a:r>
+            <a:r>
+              <a:rPr lang="de-DE" sz="2200" dirty="0" err="1"/>
               <a:t>fraction</a:t>
             </a:r>
             <a:endParaRPr lang="de-DE" sz="2200" dirty="0"/>
@@ -35674,18 +35082,13 @@
                     <a:lstStyle/>
                     <a:p>
                       <a:r>
-                        <a:rPr lang="de-DE" dirty="0" smtClean="0">
+                        <a:rPr lang="de-DE" dirty="0">
                           <a:solidFill>
                             <a:schemeClr val="tx1"/>
                           </a:solidFill>
                         </a:rPr>
                         <a:t>Rep1</a:t>
                       </a:r>
-                      <a:endParaRPr lang="de-DE" dirty="0">
-                        <a:solidFill>
-                          <a:schemeClr val="tx1"/>
-                        </a:solidFill>
-                      </a:endParaRPr>
                     </a:p>
                   </a:txBody>
                   <a:tcPr/>
@@ -35696,18 +35099,13 @@
                     <a:lstStyle/>
                     <a:p>
                       <a:r>
-                        <a:rPr lang="de-DE" dirty="0" smtClean="0">
+                        <a:rPr lang="de-DE" dirty="0">
                           <a:solidFill>
                             <a:schemeClr val="tx1"/>
                           </a:solidFill>
                         </a:rPr>
                         <a:t>Rep2</a:t>
                       </a:r>
-                      <a:endParaRPr lang="de-DE" dirty="0">
-                        <a:solidFill>
-                          <a:schemeClr val="tx1"/>
-                        </a:solidFill>
-                      </a:endParaRPr>
                     </a:p>
                   </a:txBody>
                   <a:tcPr/>
@@ -35718,18 +35116,13 @@
                     <a:lstStyle/>
                     <a:p>
                       <a:r>
-                        <a:rPr lang="de-DE" dirty="0" smtClean="0">
+                        <a:rPr lang="de-DE" dirty="0">
                           <a:solidFill>
                             <a:schemeClr val="tx1"/>
                           </a:solidFill>
                         </a:rPr>
                         <a:t>Rep3</a:t>
                       </a:r>
-                      <a:endParaRPr lang="de-DE" dirty="0">
-                        <a:solidFill>
-                          <a:schemeClr val="tx1"/>
-                        </a:solidFill>
-                      </a:endParaRPr>
                     </a:p>
                   </a:txBody>
                   <a:tcPr/>
@@ -35747,10 +35140,9 @@
                     <a:lstStyle/>
                     <a:p>
                       <a:r>
-                        <a:rPr lang="de-DE" dirty="0" smtClean="0"/>
+                        <a:rPr lang="de-DE" dirty="0"/>
                         <a:t>0</a:t>
                       </a:r>
-                      <a:endParaRPr lang="de-DE" dirty="0"/>
                     </a:p>
                   </a:txBody>
                   <a:tcPr/>
@@ -35761,10 +35153,9 @@
                     <a:lstStyle/>
                     <a:p>
                       <a:r>
-                        <a:rPr lang="de-DE" dirty="0" smtClean="0"/>
+                        <a:rPr lang="de-DE" dirty="0"/>
                         <a:t>0</a:t>
                       </a:r>
-                      <a:endParaRPr lang="de-DE" dirty="0"/>
                     </a:p>
                   </a:txBody>
                   <a:tcPr/>
@@ -35775,10 +35166,9 @@
                     <a:lstStyle/>
                     <a:p>
                       <a:r>
-                        <a:rPr lang="de-DE" dirty="0" smtClean="0"/>
+                        <a:rPr lang="de-DE" dirty="0"/>
                         <a:t>0.75</a:t>
                       </a:r>
-                      <a:endParaRPr lang="de-DE" dirty="0"/>
                     </a:p>
                   </a:txBody>
                   <a:tcPr/>
@@ -35847,18 +35237,13 @@
                     <a:lstStyle/>
                     <a:p>
                       <a:r>
-                        <a:rPr lang="de-DE" dirty="0" smtClean="0">
+                        <a:rPr lang="de-DE" dirty="0">
                           <a:solidFill>
                             <a:schemeClr val="tx1"/>
                           </a:solidFill>
                         </a:rPr>
                         <a:t>Rep1</a:t>
                       </a:r>
-                      <a:endParaRPr lang="de-DE" dirty="0">
-                        <a:solidFill>
-                          <a:schemeClr val="tx1"/>
-                        </a:solidFill>
-                      </a:endParaRPr>
                     </a:p>
                   </a:txBody>
                   <a:tcPr/>
@@ -35869,18 +35254,13 @@
                     <a:lstStyle/>
                     <a:p>
                       <a:r>
-                        <a:rPr lang="de-DE" dirty="0" smtClean="0">
+                        <a:rPr lang="de-DE" dirty="0">
                           <a:solidFill>
                             <a:schemeClr val="tx1"/>
                           </a:solidFill>
                         </a:rPr>
                         <a:t>Rep2</a:t>
                       </a:r>
-                      <a:endParaRPr lang="de-DE" dirty="0">
-                        <a:solidFill>
-                          <a:schemeClr val="tx1"/>
-                        </a:solidFill>
-                      </a:endParaRPr>
                     </a:p>
                   </a:txBody>
                   <a:tcPr/>
@@ -35891,18 +35271,13 @@
                     <a:lstStyle/>
                     <a:p>
                       <a:r>
-                        <a:rPr lang="de-DE" dirty="0" smtClean="0">
+                        <a:rPr lang="de-DE" dirty="0">
                           <a:solidFill>
                             <a:schemeClr val="tx1"/>
                           </a:solidFill>
                         </a:rPr>
                         <a:t>Rep3</a:t>
                       </a:r>
-                      <a:endParaRPr lang="de-DE" dirty="0">
-                        <a:solidFill>
-                          <a:schemeClr val="tx1"/>
-                        </a:solidFill>
-                      </a:endParaRPr>
                     </a:p>
                   </a:txBody>
                   <a:tcPr/>
@@ -35920,10 +35295,9 @@
                     <a:lstStyle/>
                     <a:p>
                       <a:r>
-                        <a:rPr lang="de-DE" dirty="0" smtClean="0"/>
+                        <a:rPr lang="de-DE" dirty="0"/>
                         <a:t>0.67</a:t>
                       </a:r>
-                      <a:endParaRPr lang="de-DE" dirty="0"/>
                     </a:p>
                   </a:txBody>
                   <a:tcPr/>
@@ -35934,10 +35308,9 @@
                     <a:lstStyle/>
                     <a:p>
                       <a:r>
-                        <a:rPr lang="de-DE" dirty="0" smtClean="0"/>
+                        <a:rPr lang="de-DE" dirty="0"/>
                         <a:t>0.98</a:t>
                       </a:r>
-                      <a:endParaRPr lang="de-DE" dirty="0"/>
                     </a:p>
                   </a:txBody>
                   <a:tcPr/>
@@ -35948,10 +35321,9 @@
                     <a:lstStyle/>
                     <a:p>
                       <a:r>
-                        <a:rPr lang="de-DE" dirty="0" smtClean="0"/>
+                        <a:rPr lang="de-DE" dirty="0"/>
                         <a:t>0</a:t>
                       </a:r>
-                      <a:endParaRPr lang="de-DE" dirty="0"/>
                     </a:p>
                   </a:txBody>
                   <a:tcPr/>
@@ -35989,10 +35361,9 @@
           <a:lstStyle/>
           <a:p>
             <a:r>
-              <a:rPr lang="de-DE" sz="2200" b="1" dirty="0" smtClean="0"/>
+              <a:rPr lang="de-DE" sz="2200" b="1" dirty="0"/>
               <a:t>Rep3=0</a:t>
             </a:r>
-            <a:endParaRPr lang="de-DE" sz="2200" b="1" dirty="0"/>
           </a:p>
         </p:txBody>
       </p:sp>
@@ -36019,10 +35390,9 @@
           <a:lstStyle/>
           <a:p>
             <a:r>
-              <a:rPr lang="de-DE" sz="2200" b="1" dirty="0" smtClean="0"/>
+              <a:rPr lang="de-DE" sz="2200" b="1" dirty="0"/>
               <a:t>Rep3=(0,67+0,98):2=0,825</a:t>
             </a:r>
-            <a:endParaRPr lang="de-DE" sz="2200" b="1" dirty="0"/>
           </a:p>
         </p:txBody>
       </p:sp>
@@ -36069,31 +35439,31 @@
           <a:p>
             <a:pPr algn="ctr"/>
             <a:r>
-              <a:rPr lang="de-DE" sz="3200" dirty="0" err="1" smtClean="0"/>
+              <a:rPr lang="de-DE" sz="3200" dirty="0" err="1"/>
               <a:t>Removal</a:t>
             </a:r>
             <a:r>
-              <a:rPr lang="de-DE" sz="3200" dirty="0" smtClean="0"/>
-              <a:t> </a:t>
-            </a:r>
-            <a:r>
-              <a:rPr lang="de-DE" sz="3200" dirty="0" err="1" smtClean="0"/>
+              <a:rPr lang="de-DE" sz="3200" dirty="0"/>
+              <a:t> </a:t>
+            </a:r>
+            <a:r>
+              <a:rPr lang="de-DE" sz="3200" dirty="0" err="1"/>
               <a:t>of</a:t>
             </a:r>
             <a:r>
-              <a:rPr lang="de-DE" sz="3200" dirty="0" smtClean="0"/>
-              <a:t> </a:t>
-            </a:r>
-            <a:r>
-              <a:rPr lang="de-DE" sz="3200" dirty="0" err="1" smtClean="0"/>
+              <a:rPr lang="de-DE" sz="3200" dirty="0"/>
+              <a:t> </a:t>
+            </a:r>
+            <a:r>
+              <a:rPr lang="de-DE" sz="3200" dirty="0" err="1"/>
               <a:t>batch</a:t>
             </a:r>
             <a:r>
-              <a:rPr lang="de-DE" sz="3200" dirty="0" smtClean="0"/>
-              <a:t> </a:t>
-            </a:r>
-            <a:r>
-              <a:rPr lang="de-DE" sz="3200" dirty="0" err="1" smtClean="0"/>
+              <a:rPr lang="de-DE" sz="3200" dirty="0"/>
+              <a:t> </a:t>
+            </a:r>
+            <a:r>
+              <a:rPr lang="de-DE" sz="3200" dirty="0" err="1"/>
               <a:t>effects</a:t>
             </a:r>
             <a:endParaRPr lang="de-DE" sz="3200" b="1" dirty="0">

--- a/Final presentation outline & temporary draft.pptx
+++ b/Final presentation outline & temporary draft.pptx
@@ -27,8 +27,8 @@
     <p:sldId id="307" r:id="rId18"/>
     <p:sldId id="317" r:id="rId19"/>
     <p:sldId id="320" r:id="rId20"/>
-    <p:sldId id="310" r:id="rId21"/>
-    <p:sldId id="308" r:id="rId22"/>
+    <p:sldId id="308" r:id="rId21"/>
+    <p:sldId id="327" r:id="rId22"/>
     <p:sldId id="309" r:id="rId23"/>
     <p:sldId id="319" r:id="rId24"/>
     <p:sldId id="318" r:id="rId25"/>
@@ -161,8 +161,8 @@
             <p14:sldId id="307"/>
             <p14:sldId id="317"/>
             <p14:sldId id="320"/>
-            <p14:sldId id="310"/>
             <p14:sldId id="308"/>
+            <p14:sldId id="327"/>
             <p14:sldId id="309"/>
             <p14:sldId id="319"/>
             <p14:sldId id="318"/>
@@ -1452,6 +1452,13 @@
         </dgm:presLayoutVars>
       </dgm:prSet>
       <dgm:spPr/>
+      <dgm:t>
+        <a:bodyPr/>
+        <a:lstStyle/>
+        <a:p>
+          <a:endParaRPr lang="de-DE"/>
+        </a:p>
+      </dgm:t>
     </dgm:pt>
     <dgm:pt modelId="{2C22C249-745A-4F49-A4A3-E23684FDD763}" type="pres">
       <dgm:prSet presAssocID="{12D8E94D-00D7-455B-90C4-90703054E70D}" presName="circleA" presStyleLbl="node1" presStyleIdx="0" presStyleCnt="9"/>
@@ -1485,6 +1492,13 @@
         </dgm:presLayoutVars>
       </dgm:prSet>
       <dgm:spPr/>
+      <dgm:t>
+        <a:bodyPr/>
+        <a:lstStyle/>
+        <a:p>
+          <a:endParaRPr lang="de-DE"/>
+        </a:p>
+      </dgm:t>
     </dgm:pt>
     <dgm:pt modelId="{5E4A987C-48F9-4592-A0ED-B98CECC2DC5A}" type="pres">
       <dgm:prSet presAssocID="{BCA13BA7-6A1C-4AAE-966E-FF6988D94048}" presName="circleB" presStyleLbl="node1" presStyleIdx="1" presStyleCnt="9"/>
@@ -1518,6 +1532,13 @@
         </dgm:presLayoutVars>
       </dgm:prSet>
       <dgm:spPr/>
+      <dgm:t>
+        <a:bodyPr/>
+        <a:lstStyle/>
+        <a:p>
+          <a:endParaRPr lang="de-DE"/>
+        </a:p>
+      </dgm:t>
     </dgm:pt>
     <dgm:pt modelId="{A3812726-53FC-4C87-9C59-E0C46E26AECA}" type="pres">
       <dgm:prSet presAssocID="{EB047645-3B42-4811-B69D-97FCD7674731}" presName="circleA" presStyleLbl="node1" presStyleIdx="2" presStyleCnt="9"/>
@@ -1551,6 +1572,13 @@
         </dgm:presLayoutVars>
       </dgm:prSet>
       <dgm:spPr/>
+      <dgm:t>
+        <a:bodyPr/>
+        <a:lstStyle/>
+        <a:p>
+          <a:endParaRPr lang="de-DE"/>
+        </a:p>
+      </dgm:t>
     </dgm:pt>
     <dgm:pt modelId="{CCBD143A-C550-46B3-A8D1-A77600783F58}" type="pres">
       <dgm:prSet presAssocID="{5447B6D7-4C71-4773-8731-84301B499AD9}" presName="circleB" presStyleLbl="node1" presStyleIdx="3" presStyleCnt="9"/>
@@ -1584,6 +1612,13 @@
         </dgm:presLayoutVars>
       </dgm:prSet>
       <dgm:spPr/>
+      <dgm:t>
+        <a:bodyPr/>
+        <a:lstStyle/>
+        <a:p>
+          <a:endParaRPr lang="de-DE"/>
+        </a:p>
+      </dgm:t>
     </dgm:pt>
     <dgm:pt modelId="{626AFBA3-1EF1-4427-81DA-F7148E607606}" type="pres">
       <dgm:prSet presAssocID="{0F17D292-765B-44A9-A69F-4328886CACDA}" presName="circleA" presStyleLbl="node1" presStyleIdx="4" presStyleCnt="9"/>
@@ -1617,6 +1652,13 @@
         </dgm:presLayoutVars>
       </dgm:prSet>
       <dgm:spPr/>
+      <dgm:t>
+        <a:bodyPr/>
+        <a:lstStyle/>
+        <a:p>
+          <a:endParaRPr lang="de-DE"/>
+        </a:p>
+      </dgm:t>
     </dgm:pt>
     <dgm:pt modelId="{A271D321-7910-4F9A-BE0F-8D5E75E0FC3C}" type="pres">
       <dgm:prSet presAssocID="{70AE8643-8EB7-4F98-A2AE-C7E108F7A629}" presName="circleB" presStyleLbl="node1" presStyleIdx="5" presStyleCnt="9"/>
@@ -1650,6 +1692,13 @@
         </dgm:presLayoutVars>
       </dgm:prSet>
       <dgm:spPr/>
+      <dgm:t>
+        <a:bodyPr/>
+        <a:lstStyle/>
+        <a:p>
+          <a:endParaRPr lang="de-DE"/>
+        </a:p>
+      </dgm:t>
     </dgm:pt>
     <dgm:pt modelId="{EB21C87F-DA82-42F1-9CC1-2012FC55EAA9}" type="pres">
       <dgm:prSet presAssocID="{F6A1322B-43C1-4F81-B719-6A39E695122B}" presName="circleA" presStyleLbl="node1" presStyleIdx="6" presStyleCnt="9"/>
@@ -1683,6 +1732,13 @@
         </dgm:presLayoutVars>
       </dgm:prSet>
       <dgm:spPr/>
+      <dgm:t>
+        <a:bodyPr/>
+        <a:lstStyle/>
+        <a:p>
+          <a:endParaRPr lang="de-DE"/>
+        </a:p>
+      </dgm:t>
     </dgm:pt>
     <dgm:pt modelId="{FDD99BD6-5339-4104-A41C-AA3473CF5574}" type="pres">
       <dgm:prSet presAssocID="{AF549019-AF3A-4BE5-91A6-737648D62591}" presName="circleB" presStyleLbl="node1" presStyleIdx="7" presStyleCnt="9"/>
@@ -1716,6 +1772,13 @@
         </dgm:presLayoutVars>
       </dgm:prSet>
       <dgm:spPr/>
+      <dgm:t>
+        <a:bodyPr/>
+        <a:lstStyle/>
+        <a:p>
+          <a:endParaRPr lang="de-DE"/>
+        </a:p>
+      </dgm:t>
     </dgm:pt>
     <dgm:pt modelId="{72184247-47AF-452E-B84C-4251A01C060D}" type="pres">
       <dgm:prSet presAssocID="{F89955B8-2B80-45EC-A82C-BC2F0207F441}" presName="circleA" presStyleLbl="node1" presStyleIdx="8" presStyleCnt="9"/>
@@ -1736,25 +1799,25 @@
     </dgm:pt>
   </dgm:ptLst>
   <dgm:cxnLst>
+    <dgm:cxn modelId="{2C94D396-E199-4A70-A66E-571C72049CC6}" srcId="{2681C8BB-1CB0-4F9A-9DDE-EB70239F6760}" destId="{AF549019-AF3A-4BE5-91A6-737648D62591}" srcOrd="7" destOrd="0" parTransId="{3AABBB59-4559-4826-81BE-EC5CC0CD7E7D}" sibTransId="{0E641455-5D98-4BB0-AA0D-CE021CE03E61}"/>
+    <dgm:cxn modelId="{7A213737-79FF-4DBD-A3E7-DF2F31D491EF}" type="presOf" srcId="{F89955B8-2B80-45EC-A82C-BC2F0207F441}" destId="{088CDC90-FBCD-4CCD-A429-E5EFAC35668C}" srcOrd="0" destOrd="0" presId="urn:microsoft.com/office/officeart/2005/8/layout/hProcess11"/>
+    <dgm:cxn modelId="{82E28D95-2571-4D42-94EB-E6AD06FC3332}" type="presOf" srcId="{2681C8BB-1CB0-4F9A-9DDE-EB70239F6760}" destId="{C6B28CB7-F68B-4892-A8C0-26B767A19EC9}" srcOrd="0" destOrd="0" presId="urn:microsoft.com/office/officeart/2005/8/layout/hProcess11"/>
     <dgm:cxn modelId="{FA98932C-F346-4393-BC27-22A9070279CF}" type="presOf" srcId="{12D8E94D-00D7-455B-90C4-90703054E70D}" destId="{12542E8B-B433-4F07-825E-10914970EEE1}" srcOrd="0" destOrd="0" presId="urn:microsoft.com/office/officeart/2005/8/layout/hProcess11"/>
+    <dgm:cxn modelId="{B5A1A64F-BADA-427E-9BF8-27C86DA36B26}" srcId="{2681C8BB-1CB0-4F9A-9DDE-EB70239F6760}" destId="{BCA13BA7-6A1C-4AAE-966E-FF6988D94048}" srcOrd="1" destOrd="0" parTransId="{EEA1723C-0516-408A-B84B-D3515A5516D0}" sibTransId="{FF62E7A8-03C9-4D60-8771-6B2E8EB8E2BF}"/>
+    <dgm:cxn modelId="{51F1FE58-64FD-4213-877D-867A9BE9A08C}" type="presOf" srcId="{70AE8643-8EB7-4F98-A2AE-C7E108F7A629}" destId="{8919401E-8187-4E25-9908-477BBF774F98}" srcOrd="0" destOrd="0" presId="urn:microsoft.com/office/officeart/2005/8/layout/hProcess11"/>
     <dgm:cxn modelId="{DF00B031-3742-4B5B-BF9D-411EA55037D7}" type="presOf" srcId="{EB047645-3B42-4811-B69D-97FCD7674731}" destId="{7D9BB48E-AF6C-42EB-BD20-395CD76AFB67}" srcOrd="0" destOrd="0" presId="urn:microsoft.com/office/officeart/2005/8/layout/hProcess11"/>
-    <dgm:cxn modelId="{7A213737-79FF-4DBD-A3E7-DF2F31D491EF}" type="presOf" srcId="{F89955B8-2B80-45EC-A82C-BC2F0207F441}" destId="{088CDC90-FBCD-4CCD-A429-E5EFAC35668C}" srcOrd="0" destOrd="0" presId="urn:microsoft.com/office/officeart/2005/8/layout/hProcess11"/>
+    <dgm:cxn modelId="{C1213E43-B12B-44D5-B019-FCC347CE073A}" type="presOf" srcId="{0F17D292-765B-44A9-A69F-4328886CACDA}" destId="{CB3BB6F9-F0CC-439C-9978-AFDB0034E3BF}" srcOrd="0" destOrd="0" presId="urn:microsoft.com/office/officeart/2005/8/layout/hProcess11"/>
+    <dgm:cxn modelId="{0F5D58DA-99EF-4987-BF05-EF9DDE12AC25}" type="presOf" srcId="{F6A1322B-43C1-4F81-B719-6A39E695122B}" destId="{2F19FEBB-A6AA-48E7-B88A-51B661C12912}" srcOrd="0" destOrd="0" presId="urn:microsoft.com/office/officeart/2005/8/layout/hProcess11"/>
+    <dgm:cxn modelId="{8265DA94-ED46-4F5C-8DC8-DE41849CDB07}" srcId="{2681C8BB-1CB0-4F9A-9DDE-EB70239F6760}" destId="{12D8E94D-00D7-455B-90C4-90703054E70D}" srcOrd="0" destOrd="0" parTransId="{AD6E41B7-D0B4-4CBD-94C0-E5C9C4CD43FF}" sibTransId="{B0E314C1-4149-4BBD-9D77-513E161308E3}"/>
+    <dgm:cxn modelId="{4E80398A-C038-4402-8AD9-F66E50F50024}" srcId="{2681C8BB-1CB0-4F9A-9DDE-EB70239F6760}" destId="{EB047645-3B42-4811-B69D-97FCD7674731}" srcOrd="2" destOrd="0" parTransId="{5B93713A-F00D-4987-B6AF-EB5141CEECC4}" sibTransId="{5B2C4190-5A43-48FA-B72A-DB2B99B03EEE}"/>
+    <dgm:cxn modelId="{678BE165-EE3B-46E7-A315-8451AACA7B67}" type="presOf" srcId="{5447B6D7-4C71-4773-8731-84301B499AD9}" destId="{12380685-A2AA-47BE-8004-2A6284D523FA}" srcOrd="0" destOrd="0" presId="urn:microsoft.com/office/officeart/2005/8/layout/hProcess11"/>
+    <dgm:cxn modelId="{4BC70E72-4458-41A9-AD32-2042224E29EF}" srcId="{2681C8BB-1CB0-4F9A-9DDE-EB70239F6760}" destId="{F89955B8-2B80-45EC-A82C-BC2F0207F441}" srcOrd="8" destOrd="0" parTransId="{0D5047F0-26F1-4E85-8F34-D604D5652A13}" sibTransId="{86630843-AC5C-444D-B0B2-B114A51F09B0}"/>
+    <dgm:cxn modelId="{9D499C48-3091-4DC5-86A4-6687AC9BFF13}" srcId="{2681C8BB-1CB0-4F9A-9DDE-EB70239F6760}" destId="{70AE8643-8EB7-4F98-A2AE-C7E108F7A629}" srcOrd="5" destOrd="0" parTransId="{C724D19C-2E9D-4ABD-92B2-7277DD5DFD90}" sibTransId="{A32E9BED-B0B6-4F89-AE82-3966C28C8E96}"/>
+    <dgm:cxn modelId="{DC6B95F0-42C0-4481-A371-E753931DB267}" srcId="{2681C8BB-1CB0-4F9A-9DDE-EB70239F6760}" destId="{0F17D292-765B-44A9-A69F-4328886CACDA}" srcOrd="4" destOrd="0" parTransId="{21518068-66DB-45B7-82BD-7FA7099DCB77}" sibTransId="{F0CA6AE8-743C-496A-AFD6-75BA5FBF334E}"/>
+    <dgm:cxn modelId="{CB316464-D6BB-4FDD-9DD3-DC15CB88635D}" type="presOf" srcId="{BCA13BA7-6A1C-4AAE-966E-FF6988D94048}" destId="{4AD32377-C93C-4A93-835B-7089607B0CD5}" srcOrd="0" destOrd="0" presId="urn:microsoft.com/office/officeart/2005/8/layout/hProcess11"/>
+    <dgm:cxn modelId="{03B54CC4-E710-4D70-89EA-CB2695B15F6A}" type="presOf" srcId="{AF549019-AF3A-4BE5-91A6-737648D62591}" destId="{C859C5BE-FA0F-41B7-87A3-83A7782FC81A}" srcOrd="0" destOrd="0" presId="urn:microsoft.com/office/officeart/2005/8/layout/hProcess11"/>
+    <dgm:cxn modelId="{ADABA3BB-8D31-45AB-9DCC-AE12ED8407B4}" srcId="{2681C8BB-1CB0-4F9A-9DDE-EB70239F6760}" destId="{5447B6D7-4C71-4773-8731-84301B499AD9}" srcOrd="3" destOrd="0" parTransId="{A86B3799-7288-46CE-9B9B-DE104DFE06E9}" sibTransId="{1A2026AA-0880-4156-9779-94A4F0ACD710}"/>
     <dgm:cxn modelId="{404C483F-AC10-4B2B-A7F3-AF1F4E77634F}" srcId="{2681C8BB-1CB0-4F9A-9DDE-EB70239F6760}" destId="{F6A1322B-43C1-4F81-B719-6A39E695122B}" srcOrd="6" destOrd="0" parTransId="{B4792EBD-A800-401C-A4BD-922E39D40717}" sibTransId="{54C9FF84-D683-488D-9099-6CA06890D909}"/>
-    <dgm:cxn modelId="{C1213E43-B12B-44D5-B019-FCC347CE073A}" type="presOf" srcId="{0F17D292-765B-44A9-A69F-4328886CACDA}" destId="{CB3BB6F9-F0CC-439C-9978-AFDB0034E3BF}" srcOrd="0" destOrd="0" presId="urn:microsoft.com/office/officeart/2005/8/layout/hProcess11"/>
-    <dgm:cxn modelId="{CB316464-D6BB-4FDD-9DD3-DC15CB88635D}" type="presOf" srcId="{BCA13BA7-6A1C-4AAE-966E-FF6988D94048}" destId="{4AD32377-C93C-4A93-835B-7089607B0CD5}" srcOrd="0" destOrd="0" presId="urn:microsoft.com/office/officeart/2005/8/layout/hProcess11"/>
-    <dgm:cxn modelId="{678BE165-EE3B-46E7-A315-8451AACA7B67}" type="presOf" srcId="{5447B6D7-4C71-4773-8731-84301B499AD9}" destId="{12380685-A2AA-47BE-8004-2A6284D523FA}" srcOrd="0" destOrd="0" presId="urn:microsoft.com/office/officeart/2005/8/layout/hProcess11"/>
-    <dgm:cxn modelId="{9D499C48-3091-4DC5-86A4-6687AC9BFF13}" srcId="{2681C8BB-1CB0-4F9A-9DDE-EB70239F6760}" destId="{70AE8643-8EB7-4F98-A2AE-C7E108F7A629}" srcOrd="5" destOrd="0" parTransId="{C724D19C-2E9D-4ABD-92B2-7277DD5DFD90}" sibTransId="{A32E9BED-B0B6-4F89-AE82-3966C28C8E96}"/>
-    <dgm:cxn modelId="{B5A1A64F-BADA-427E-9BF8-27C86DA36B26}" srcId="{2681C8BB-1CB0-4F9A-9DDE-EB70239F6760}" destId="{BCA13BA7-6A1C-4AAE-966E-FF6988D94048}" srcOrd="1" destOrd="0" parTransId="{EEA1723C-0516-408A-B84B-D3515A5516D0}" sibTransId="{FF62E7A8-03C9-4D60-8771-6B2E8EB8E2BF}"/>
-    <dgm:cxn modelId="{4BC70E72-4458-41A9-AD32-2042224E29EF}" srcId="{2681C8BB-1CB0-4F9A-9DDE-EB70239F6760}" destId="{F89955B8-2B80-45EC-A82C-BC2F0207F441}" srcOrd="8" destOrd="0" parTransId="{0D5047F0-26F1-4E85-8F34-D604D5652A13}" sibTransId="{86630843-AC5C-444D-B0B2-B114A51F09B0}"/>
-    <dgm:cxn modelId="{51F1FE58-64FD-4213-877D-867A9BE9A08C}" type="presOf" srcId="{70AE8643-8EB7-4F98-A2AE-C7E108F7A629}" destId="{8919401E-8187-4E25-9908-477BBF774F98}" srcOrd="0" destOrd="0" presId="urn:microsoft.com/office/officeart/2005/8/layout/hProcess11"/>
-    <dgm:cxn modelId="{4E80398A-C038-4402-8AD9-F66E50F50024}" srcId="{2681C8BB-1CB0-4F9A-9DDE-EB70239F6760}" destId="{EB047645-3B42-4811-B69D-97FCD7674731}" srcOrd="2" destOrd="0" parTransId="{5B93713A-F00D-4987-B6AF-EB5141CEECC4}" sibTransId="{5B2C4190-5A43-48FA-B72A-DB2B99B03EEE}"/>
-    <dgm:cxn modelId="{8265DA94-ED46-4F5C-8DC8-DE41849CDB07}" srcId="{2681C8BB-1CB0-4F9A-9DDE-EB70239F6760}" destId="{12D8E94D-00D7-455B-90C4-90703054E70D}" srcOrd="0" destOrd="0" parTransId="{AD6E41B7-D0B4-4CBD-94C0-E5C9C4CD43FF}" sibTransId="{B0E314C1-4149-4BBD-9D77-513E161308E3}"/>
-    <dgm:cxn modelId="{82E28D95-2571-4D42-94EB-E6AD06FC3332}" type="presOf" srcId="{2681C8BB-1CB0-4F9A-9DDE-EB70239F6760}" destId="{C6B28CB7-F68B-4892-A8C0-26B767A19EC9}" srcOrd="0" destOrd="0" presId="urn:microsoft.com/office/officeart/2005/8/layout/hProcess11"/>
-    <dgm:cxn modelId="{2C94D396-E199-4A70-A66E-571C72049CC6}" srcId="{2681C8BB-1CB0-4F9A-9DDE-EB70239F6760}" destId="{AF549019-AF3A-4BE5-91A6-737648D62591}" srcOrd="7" destOrd="0" parTransId="{3AABBB59-4559-4826-81BE-EC5CC0CD7E7D}" sibTransId="{0E641455-5D98-4BB0-AA0D-CE021CE03E61}"/>
-    <dgm:cxn modelId="{ADABA3BB-8D31-45AB-9DCC-AE12ED8407B4}" srcId="{2681C8BB-1CB0-4F9A-9DDE-EB70239F6760}" destId="{5447B6D7-4C71-4773-8731-84301B499AD9}" srcOrd="3" destOrd="0" parTransId="{A86B3799-7288-46CE-9B9B-DE104DFE06E9}" sibTransId="{1A2026AA-0880-4156-9779-94A4F0ACD710}"/>
-    <dgm:cxn modelId="{03B54CC4-E710-4D70-89EA-CB2695B15F6A}" type="presOf" srcId="{AF549019-AF3A-4BE5-91A6-737648D62591}" destId="{C859C5BE-FA0F-41B7-87A3-83A7782FC81A}" srcOrd="0" destOrd="0" presId="urn:microsoft.com/office/officeart/2005/8/layout/hProcess11"/>
-    <dgm:cxn modelId="{0F5D58DA-99EF-4987-BF05-EF9DDE12AC25}" type="presOf" srcId="{F6A1322B-43C1-4F81-B719-6A39E695122B}" destId="{2F19FEBB-A6AA-48E7-B88A-51B661C12912}" srcOrd="0" destOrd="0" presId="urn:microsoft.com/office/officeart/2005/8/layout/hProcess11"/>
-    <dgm:cxn modelId="{DC6B95F0-42C0-4481-A371-E753931DB267}" srcId="{2681C8BB-1CB0-4F9A-9DDE-EB70239F6760}" destId="{0F17D292-765B-44A9-A69F-4328886CACDA}" srcOrd="4" destOrd="0" parTransId="{21518068-66DB-45B7-82BD-7FA7099DCB77}" sibTransId="{F0CA6AE8-743C-496A-AFD6-75BA5FBF334E}"/>
     <dgm:cxn modelId="{256568F1-E79E-4E4E-B214-B81BCB5C7B7D}" type="presParOf" srcId="{C6B28CB7-F68B-4892-A8C0-26B767A19EC9}" destId="{00C60EF5-7547-4079-99E6-987A2C998C82}" srcOrd="0" destOrd="0" presId="urn:microsoft.com/office/officeart/2005/8/layout/hProcess11"/>
     <dgm:cxn modelId="{43B5C4F6-D8C6-40FD-96AA-39854F5C0CF1}" type="presParOf" srcId="{C6B28CB7-F68B-4892-A8C0-26B767A19EC9}" destId="{6511B819-FB6F-45CE-9B23-4B4F374C6584}" srcOrd="1" destOrd="0" presId="urn:microsoft.com/office/officeart/2005/8/layout/hProcess11"/>
     <dgm:cxn modelId="{4FC40B43-3ACB-401F-A4CC-9A4B92C29911}" type="presParOf" srcId="{6511B819-FB6F-45CE-9B23-4B4F374C6584}" destId="{63A88676-CCDF-4C23-AC7A-D7F194F6DF4F}" srcOrd="0" destOrd="0" presId="urn:microsoft.com/office/officeart/2005/8/layout/hProcess11"/>
@@ -1891,7 +1954,7 @@
         </a:bodyPr>
         <a:lstStyle/>
         <a:p>
-          <a:pPr marL="0" lvl="0" indent="0" algn="ctr" defTabSz="622300">
+          <a:pPr lvl="0" algn="ctr" defTabSz="622300">
             <a:lnSpc>
               <a:spcPct val="90000"/>
             </a:lnSpc>
@@ -1901,7 +1964,6 @@
             <a:spcAft>
               <a:spcPct val="35000"/>
             </a:spcAft>
-            <a:buNone/>
           </a:pPr>
           <a:r>
             <a:rPr lang="de-DE" sz="1400" kern="1200" dirty="0"/>
@@ -1922,7 +1984,7 @@
           <a:endParaRPr lang="de-DE" sz="1400" kern="1200" dirty="0"/>
         </a:p>
         <a:p>
-          <a:pPr marL="0" lvl="0" indent="0" algn="ctr" defTabSz="622300">
+          <a:pPr lvl="0" algn="ctr" defTabSz="622300">
             <a:lnSpc>
               <a:spcPct val="90000"/>
             </a:lnSpc>
@@ -1932,12 +1994,11 @@
             <a:spcAft>
               <a:spcPct val="35000"/>
             </a:spcAft>
-            <a:buNone/>
           </a:pPr>
           <a:endParaRPr lang="de-DE" sz="1400" kern="1200" dirty="0"/>
         </a:p>
         <a:p>
-          <a:pPr marL="0" lvl="0" indent="0" algn="ctr" defTabSz="622300">
+          <a:pPr lvl="0" algn="ctr" defTabSz="622300">
             <a:lnSpc>
               <a:spcPct val="90000"/>
             </a:lnSpc>
@@ -1947,7 +2008,6 @@
             <a:spcAft>
               <a:spcPct val="35000"/>
             </a:spcAft>
-            <a:buNone/>
           </a:pPr>
           <a:r>
             <a:rPr lang="de-DE" sz="1400" kern="1200" dirty="0" err="1"/>
@@ -2042,7 +2102,7 @@
         </a:bodyPr>
         <a:lstStyle/>
         <a:p>
-          <a:pPr marL="0" lvl="0" indent="0" algn="ctr" defTabSz="622300">
+          <a:pPr lvl="0" algn="ctr" defTabSz="622300">
             <a:lnSpc>
               <a:spcPct val="90000"/>
             </a:lnSpc>
@@ -2052,7 +2112,6 @@
             <a:spcAft>
               <a:spcPct val="35000"/>
             </a:spcAft>
-            <a:buNone/>
           </a:pPr>
           <a:r>
             <a:rPr lang="de-DE" sz="1400" kern="1200" dirty="0"/>
@@ -2158,7 +2217,7 @@
         </a:bodyPr>
         <a:lstStyle/>
         <a:p>
-          <a:pPr marL="0" lvl="0" indent="0" algn="ctr" defTabSz="622300">
+          <a:pPr lvl="0" algn="ctr" defTabSz="622300">
             <a:lnSpc>
               <a:spcPct val="90000"/>
             </a:lnSpc>
@@ -2168,7 +2227,6 @@
             <a:spcAft>
               <a:spcPct val="35000"/>
             </a:spcAft>
-            <a:buNone/>
           </a:pPr>
           <a:r>
             <a:rPr lang="de-DE" sz="1400" kern="1200" dirty="0"/>
@@ -2263,7 +2321,7 @@
         </a:bodyPr>
         <a:lstStyle/>
         <a:p>
-          <a:pPr marL="0" lvl="0" indent="0" algn="ctr" defTabSz="622300">
+          <a:pPr lvl="0" algn="ctr" defTabSz="622300">
             <a:lnSpc>
               <a:spcPct val="90000"/>
             </a:lnSpc>
@@ -2273,7 +2331,6 @@
             <a:spcAft>
               <a:spcPct val="35000"/>
             </a:spcAft>
-            <a:buNone/>
           </a:pPr>
           <a:r>
             <a:rPr lang="de-DE" sz="1400" kern="1200" dirty="0"/>
@@ -2364,7 +2421,7 @@
         </a:bodyPr>
         <a:lstStyle/>
         <a:p>
-          <a:pPr marL="0" lvl="0" indent="0" algn="ctr" defTabSz="622300">
+          <a:pPr lvl="0" algn="ctr" defTabSz="622300">
             <a:lnSpc>
               <a:spcPct val="90000"/>
             </a:lnSpc>
@@ -2374,7 +2431,6 @@
             <a:spcAft>
               <a:spcPct val="35000"/>
             </a:spcAft>
-            <a:buNone/>
           </a:pPr>
           <a:r>
             <a:rPr lang="de-DE" sz="1400" kern="1200" dirty="0"/>
@@ -2473,7 +2529,7 @@
         </a:bodyPr>
         <a:lstStyle/>
         <a:p>
-          <a:pPr marL="0" lvl="0" indent="0" algn="ctr" defTabSz="622300">
+          <a:pPr lvl="0" algn="ctr" defTabSz="622300">
             <a:lnSpc>
               <a:spcPct val="90000"/>
             </a:lnSpc>
@@ -2483,7 +2539,6 @@
             <a:spcAft>
               <a:spcPct val="35000"/>
             </a:spcAft>
-            <a:buNone/>
           </a:pPr>
           <a:r>
             <a:rPr lang="de-DE" sz="1400" kern="1200" dirty="0"/>
@@ -2507,7 +2562,7 @@
           </a:r>
         </a:p>
         <a:p>
-          <a:pPr marL="0" lvl="0" indent="0" algn="ctr" defTabSz="622300">
+          <a:pPr lvl="0" algn="ctr" defTabSz="622300">
             <a:lnSpc>
               <a:spcPct val="90000"/>
             </a:lnSpc>
@@ -2517,7 +2572,6 @@
             <a:spcAft>
               <a:spcPct val="35000"/>
             </a:spcAft>
-            <a:buNone/>
           </a:pPr>
           <a:r>
             <a:rPr lang="de-DE" sz="1400" kern="1200" dirty="0"/>
@@ -2525,7 +2579,7 @@
           </a:r>
         </a:p>
         <a:p>
-          <a:pPr marL="0" lvl="0" indent="0" algn="ctr" defTabSz="622300">
+          <a:pPr lvl="0" algn="ctr" defTabSz="622300">
             <a:lnSpc>
               <a:spcPct val="90000"/>
             </a:lnSpc>
@@ -2535,7 +2589,6 @@
             <a:spcAft>
               <a:spcPct val="35000"/>
             </a:spcAft>
-            <a:buNone/>
           </a:pPr>
           <a:r>
             <a:rPr lang="de-DE" sz="1400" kern="1200" dirty="0" err="1"/>
@@ -2638,7 +2691,7 @@
         </a:bodyPr>
         <a:lstStyle/>
         <a:p>
-          <a:pPr marL="0" lvl="0" indent="0" algn="ctr" defTabSz="622300">
+          <a:pPr lvl="0" algn="ctr" defTabSz="622300">
             <a:lnSpc>
               <a:spcPct val="90000"/>
             </a:lnSpc>
@@ -2648,7 +2701,6 @@
             <a:spcAft>
               <a:spcPct val="35000"/>
             </a:spcAft>
-            <a:buNone/>
           </a:pPr>
           <a:r>
             <a:rPr lang="de-DE" sz="1400" kern="1200" dirty="0" err="1"/>
@@ -2673,7 +2725,7 @@
           <a:endParaRPr lang="de-DE" sz="1400" kern="1200" dirty="0"/>
         </a:p>
         <a:p>
-          <a:pPr marL="0" lvl="0" indent="0" algn="ctr" defTabSz="622300">
+          <a:pPr lvl="0" algn="ctr" defTabSz="622300">
             <a:lnSpc>
               <a:spcPct val="90000"/>
             </a:lnSpc>
@@ -2683,12 +2735,11 @@
             <a:spcAft>
               <a:spcPct val="35000"/>
             </a:spcAft>
-            <a:buNone/>
           </a:pPr>
           <a:endParaRPr lang="en-GB" sz="1400" kern="1200" dirty="0"/>
         </a:p>
         <a:p>
-          <a:pPr marL="0" lvl="0" indent="0" algn="ctr" defTabSz="622300">
+          <a:pPr lvl="0" algn="ctr" defTabSz="622300">
             <a:lnSpc>
               <a:spcPct val="90000"/>
             </a:lnSpc>
@@ -2698,7 +2749,6 @@
             <a:spcAft>
               <a:spcPct val="35000"/>
             </a:spcAft>
-            <a:buNone/>
           </a:pPr>
           <a:r>
             <a:rPr lang="en-GB" sz="1400" kern="1200" dirty="0"/>
@@ -2788,7 +2838,7 @@
         </a:bodyPr>
         <a:lstStyle/>
         <a:p>
-          <a:pPr marL="0" lvl="0" indent="0" algn="ctr" defTabSz="622300">
+          <a:pPr lvl="0" algn="ctr" defTabSz="622300">
             <a:lnSpc>
               <a:spcPct val="90000"/>
             </a:lnSpc>
@@ -2798,7 +2848,6 @@
             <a:spcAft>
               <a:spcPct val="35000"/>
             </a:spcAft>
-            <a:buNone/>
           </a:pPr>
           <a:r>
             <a:rPr lang="de-DE" sz="1400" kern="1200" dirty="0"/>
@@ -2901,7 +2950,7 @@
         </a:bodyPr>
         <a:lstStyle/>
         <a:p>
-          <a:pPr marL="0" lvl="0" indent="0" algn="ctr" defTabSz="622300">
+          <a:pPr lvl="0" algn="ctr" defTabSz="622300">
             <a:lnSpc>
               <a:spcPct val="90000"/>
             </a:lnSpc>
@@ -2911,7 +2960,6 @@
             <a:spcAft>
               <a:spcPct val="35000"/>
             </a:spcAft>
-            <a:buNone/>
           </a:pPr>
           <a:r>
             <a:rPr lang="de-DE" sz="1400" kern="1200" dirty="0" err="1"/>
@@ -4859,6 +4907,2354 @@
           <a:bodyPr/>
           <a:lstStyle/>
           <a:p>
+            <a:endParaRPr lang="de-DE" dirty="0" smtClean="0"/>
+          </a:p>
+          <a:p>
+            <a:endParaRPr lang="de-DE" dirty="0" smtClean="0"/>
+          </a:p>
+          <a:p>
+            <a:r>
+              <a:rPr lang="de-DE" dirty="0" err="1" smtClean="0"/>
+              <a:t>By</a:t>
+            </a:r>
+            <a:r>
+              <a:rPr lang="de-DE" dirty="0" smtClean="0"/>
+              <a:t> </a:t>
+            </a:r>
+            <a:r>
+              <a:rPr lang="de-DE" dirty="0" err="1" smtClean="0"/>
+              <a:t>determining</a:t>
+            </a:r>
+            <a:r>
+              <a:rPr lang="de-DE" dirty="0" smtClean="0"/>
+              <a:t> </a:t>
+            </a:r>
+            <a:r>
+              <a:rPr lang="de-DE" dirty="0" err="1" smtClean="0"/>
+              <a:t>the</a:t>
+            </a:r>
+            <a:r>
+              <a:rPr lang="de-DE" dirty="0" smtClean="0"/>
+              <a:t> </a:t>
+            </a:r>
+            <a:r>
+              <a:rPr lang="de-DE" dirty="0" err="1" smtClean="0"/>
+              <a:t>maxime</a:t>
+            </a:r>
+            <a:r>
+              <a:rPr lang="de-DE" dirty="0" smtClean="0"/>
+              <a:t> in </a:t>
+            </a:r>
+            <a:r>
+              <a:rPr lang="de-DE" dirty="0" err="1" smtClean="0"/>
+              <a:t>protein</a:t>
+            </a:r>
+            <a:r>
+              <a:rPr lang="de-DE" dirty="0" smtClean="0"/>
+              <a:t> </a:t>
+            </a:r>
+            <a:r>
+              <a:rPr lang="de-DE" dirty="0" err="1" smtClean="0"/>
+              <a:t>samples</a:t>
+            </a:r>
+            <a:r>
+              <a:rPr lang="de-DE" dirty="0" smtClean="0"/>
+              <a:t> </a:t>
+            </a:r>
+            <a:r>
+              <a:rPr lang="de-DE" dirty="0" err="1" smtClean="0"/>
+              <a:t>that</a:t>
+            </a:r>
+            <a:r>
+              <a:rPr lang="de-DE" baseline="0" dirty="0" smtClean="0"/>
+              <a:t> </a:t>
+            </a:r>
+            <a:r>
+              <a:rPr lang="de-DE" baseline="0" dirty="0" err="1" smtClean="0"/>
+              <a:t>were</a:t>
+            </a:r>
+            <a:r>
+              <a:rPr lang="de-DE" baseline="0" dirty="0" smtClean="0"/>
+              <a:t> </a:t>
+            </a:r>
+            <a:r>
+              <a:rPr lang="de-DE" baseline="0" dirty="0" err="1" smtClean="0"/>
+              <a:t>left</a:t>
+            </a:r>
+            <a:r>
+              <a:rPr lang="de-DE" baseline="0" dirty="0" smtClean="0"/>
+              <a:t> </a:t>
+            </a:r>
+            <a:r>
+              <a:rPr lang="de-DE" baseline="0" dirty="0" err="1" smtClean="0"/>
+              <a:t>untreated</a:t>
+            </a:r>
+            <a:r>
+              <a:rPr lang="de-DE" baseline="0" dirty="0" smtClean="0"/>
+              <a:t> </a:t>
+            </a:r>
+            <a:r>
+              <a:rPr lang="de-DE" baseline="0" dirty="0" err="1" smtClean="0"/>
+              <a:t>or</a:t>
+            </a:r>
+            <a:r>
+              <a:rPr lang="de-DE" baseline="0" dirty="0" smtClean="0"/>
+              <a:t> </a:t>
+            </a:r>
+            <a:r>
+              <a:rPr lang="de-DE" baseline="0" dirty="0" err="1" smtClean="0"/>
+              <a:t>treated</a:t>
+            </a:r>
+            <a:r>
+              <a:rPr lang="de-DE" baseline="0" dirty="0" smtClean="0"/>
+              <a:t> </a:t>
+            </a:r>
+            <a:r>
+              <a:rPr lang="de-DE" baseline="0" dirty="0" err="1" smtClean="0"/>
+              <a:t>with</a:t>
+            </a:r>
+            <a:r>
+              <a:rPr lang="de-DE" baseline="0" dirty="0" smtClean="0"/>
+              <a:t> </a:t>
+            </a:r>
+            <a:r>
+              <a:rPr lang="de-DE" baseline="0" dirty="0" err="1" smtClean="0"/>
+              <a:t>RNAse</a:t>
+            </a:r>
+            <a:r>
+              <a:rPr lang="de-DE" baseline="0" dirty="0" smtClean="0"/>
+              <a:t> </a:t>
+            </a:r>
+            <a:r>
+              <a:rPr lang="de-DE" baseline="0" dirty="0" err="1" smtClean="0"/>
+              <a:t>and</a:t>
+            </a:r>
+            <a:r>
+              <a:rPr lang="de-DE" baseline="0" dirty="0" smtClean="0"/>
+              <a:t> </a:t>
+            </a:r>
+            <a:r>
+              <a:rPr lang="de-DE" baseline="0" dirty="0" err="1" smtClean="0"/>
+              <a:t>looking</a:t>
+            </a:r>
+            <a:r>
+              <a:rPr lang="de-DE" baseline="0" dirty="0" smtClean="0"/>
+              <a:t> </a:t>
+            </a:r>
+            <a:r>
+              <a:rPr lang="de-DE" baseline="0" dirty="0" err="1" smtClean="0"/>
+              <a:t>for</a:t>
+            </a:r>
+            <a:r>
+              <a:rPr lang="de-DE" baseline="0" dirty="0" smtClean="0"/>
+              <a:t> </a:t>
+            </a:r>
+            <a:r>
+              <a:rPr lang="de-DE" baseline="0" dirty="0" err="1" smtClean="0"/>
+              <a:t>shifts</a:t>
+            </a:r>
+            <a:r>
+              <a:rPr lang="de-DE" baseline="0" dirty="0" smtClean="0"/>
+              <a:t>, </a:t>
+            </a:r>
+            <a:r>
+              <a:rPr lang="de-DE" baseline="0" dirty="0" err="1" smtClean="0"/>
+              <a:t>we</a:t>
+            </a:r>
+            <a:r>
+              <a:rPr lang="de-DE" baseline="0" dirty="0" smtClean="0"/>
+              <a:t> </a:t>
+            </a:r>
+            <a:r>
+              <a:rPr lang="de-DE" baseline="0" dirty="0" err="1" smtClean="0"/>
+              <a:t>were</a:t>
+            </a:r>
+            <a:r>
+              <a:rPr lang="de-DE" baseline="0" dirty="0" smtClean="0"/>
+              <a:t> </a:t>
+            </a:r>
+            <a:r>
+              <a:rPr lang="de-DE" baseline="0" dirty="0" err="1" smtClean="0"/>
+              <a:t>able</a:t>
+            </a:r>
+            <a:r>
+              <a:rPr lang="de-DE" baseline="0" dirty="0" smtClean="0"/>
+              <a:t> </a:t>
+            </a:r>
+            <a:r>
+              <a:rPr lang="de-DE" baseline="0" dirty="0" err="1" smtClean="0"/>
+              <a:t>to</a:t>
+            </a:r>
+            <a:r>
+              <a:rPr lang="de-DE" baseline="0" dirty="0" smtClean="0"/>
+              <a:t> </a:t>
+            </a:r>
+            <a:r>
+              <a:rPr lang="de-DE" baseline="0" dirty="0" err="1" smtClean="0"/>
+              <a:t>determine</a:t>
+            </a:r>
+            <a:r>
+              <a:rPr lang="de-DE" baseline="0" dirty="0" smtClean="0"/>
+              <a:t> </a:t>
+            </a:r>
+            <a:r>
+              <a:rPr lang="de-DE" baseline="0" dirty="0" err="1" smtClean="0"/>
+              <a:t>which</a:t>
+            </a:r>
+            <a:r>
+              <a:rPr lang="de-DE" baseline="0" dirty="0" smtClean="0"/>
+              <a:t> </a:t>
+            </a:r>
+            <a:r>
+              <a:rPr lang="de-DE" baseline="0" dirty="0" err="1" smtClean="0"/>
+              <a:t>proteins</a:t>
+            </a:r>
+            <a:r>
+              <a:rPr lang="de-DE" baseline="0" dirty="0" smtClean="0"/>
+              <a:t> bind RNA/</a:t>
+            </a:r>
+            <a:r>
+              <a:rPr lang="de-DE" baseline="0" dirty="0" err="1" smtClean="0"/>
+              <a:t>whose</a:t>
+            </a:r>
+            <a:r>
+              <a:rPr lang="de-DE" baseline="0" dirty="0" smtClean="0"/>
+              <a:t> </a:t>
+            </a:r>
+            <a:r>
+              <a:rPr lang="de-DE" baseline="0" dirty="0" err="1" smtClean="0"/>
+              <a:t>interactome</a:t>
+            </a:r>
+            <a:r>
+              <a:rPr lang="de-DE" baseline="0" dirty="0" smtClean="0"/>
+              <a:t> </a:t>
+            </a:r>
+            <a:r>
+              <a:rPr lang="de-DE" baseline="0" dirty="0" err="1" smtClean="0"/>
+              <a:t>depends</a:t>
+            </a:r>
+            <a:r>
+              <a:rPr lang="de-DE" baseline="0" dirty="0" smtClean="0"/>
+              <a:t> on RNA</a:t>
+            </a:r>
+          </a:p>
+          <a:p>
+            <a:endParaRPr lang="de-DE" baseline="0" dirty="0" smtClean="0"/>
+          </a:p>
+          <a:p>
+            <a:r>
+              <a:rPr lang="de-DE" baseline="0" dirty="0" err="1" smtClean="0"/>
+              <a:t>They</a:t>
+            </a:r>
+            <a:r>
+              <a:rPr lang="de-DE" baseline="0" dirty="0" smtClean="0"/>
+              <a:t> </a:t>
+            </a:r>
+            <a:r>
+              <a:rPr lang="de-DE" baseline="0" dirty="0" err="1" smtClean="0"/>
+              <a:t>can</a:t>
+            </a:r>
+            <a:r>
+              <a:rPr lang="de-DE" baseline="0" dirty="0" smtClean="0"/>
+              <a:t> </a:t>
+            </a:r>
+            <a:r>
+              <a:rPr lang="de-DE" baseline="0" dirty="0" err="1" smtClean="0"/>
+              <a:t>occur</a:t>
+            </a:r>
+            <a:r>
+              <a:rPr lang="de-DE" baseline="0" dirty="0" smtClean="0"/>
+              <a:t> in </a:t>
+            </a:r>
+            <a:r>
+              <a:rPr lang="de-DE" baseline="0" dirty="0" err="1" smtClean="0"/>
+              <a:t>both</a:t>
+            </a:r>
+            <a:r>
+              <a:rPr lang="de-DE" baseline="0" dirty="0" smtClean="0"/>
+              <a:t> </a:t>
+            </a:r>
+            <a:r>
+              <a:rPr lang="de-DE" baseline="0" dirty="0" err="1" smtClean="0"/>
+              <a:t>phases</a:t>
+            </a:r>
+            <a:r>
+              <a:rPr lang="de-DE" baseline="0" dirty="0" smtClean="0"/>
+              <a:t> </a:t>
+            </a:r>
+            <a:r>
+              <a:rPr lang="de-DE" baseline="0" dirty="0" err="1" smtClean="0"/>
+              <a:t>of</a:t>
+            </a:r>
+            <a:r>
+              <a:rPr lang="de-DE" baseline="0" dirty="0" smtClean="0"/>
+              <a:t> </a:t>
+            </a:r>
+            <a:r>
+              <a:rPr lang="de-DE" baseline="0" dirty="0" err="1" smtClean="0"/>
+              <a:t>the</a:t>
+            </a:r>
+            <a:r>
+              <a:rPr lang="de-DE" baseline="0" dirty="0" smtClean="0"/>
+              <a:t> </a:t>
+            </a:r>
+            <a:r>
+              <a:rPr lang="de-DE" baseline="0" dirty="0" err="1" smtClean="0"/>
+              <a:t>cell</a:t>
+            </a:r>
+            <a:r>
+              <a:rPr lang="de-DE" baseline="0" dirty="0" smtClean="0"/>
+              <a:t> </a:t>
+            </a:r>
+            <a:r>
+              <a:rPr lang="de-DE" baseline="0" dirty="0" err="1" smtClean="0"/>
+              <a:t>cycle</a:t>
+            </a:r>
+            <a:r>
+              <a:rPr lang="de-DE" baseline="0" dirty="0" smtClean="0"/>
+              <a:t>, </a:t>
+            </a:r>
+            <a:r>
+              <a:rPr lang="de-DE" baseline="0" dirty="0" err="1" smtClean="0"/>
+              <a:t>or</a:t>
+            </a:r>
+            <a:r>
+              <a:rPr lang="de-DE" baseline="0" dirty="0" smtClean="0"/>
+              <a:t> just in </a:t>
+            </a:r>
+            <a:r>
+              <a:rPr lang="de-DE" baseline="0" dirty="0" err="1" smtClean="0"/>
+              <a:t>one</a:t>
+            </a:r>
+            <a:r>
+              <a:rPr lang="de-DE" baseline="0" dirty="0" smtClean="0"/>
+              <a:t> </a:t>
+            </a:r>
+            <a:r>
+              <a:rPr lang="de-DE" baseline="0" dirty="0" err="1" smtClean="0"/>
+              <a:t>of</a:t>
+            </a:r>
+            <a:r>
+              <a:rPr lang="de-DE" baseline="0" dirty="0" smtClean="0"/>
+              <a:t> </a:t>
+            </a:r>
+            <a:r>
+              <a:rPr lang="de-DE" baseline="0" dirty="0" err="1" smtClean="0"/>
+              <a:t>them</a:t>
+            </a:r>
+            <a:r>
+              <a:rPr lang="de-DE" baseline="0" dirty="0" smtClean="0"/>
+              <a:t>, </a:t>
+            </a:r>
+            <a:r>
+              <a:rPr lang="de-DE" baseline="0" dirty="0" err="1" smtClean="0"/>
+              <a:t>showing</a:t>
+            </a:r>
+            <a:r>
+              <a:rPr lang="de-DE" baseline="0" dirty="0" smtClean="0"/>
+              <a:t> </a:t>
+            </a:r>
+            <a:r>
+              <a:rPr lang="de-DE" baseline="0" dirty="0" err="1" smtClean="0"/>
+              <a:t>they</a:t>
+            </a:r>
+            <a:r>
+              <a:rPr lang="de-DE" baseline="0" dirty="0" smtClean="0"/>
+              <a:t> </a:t>
+            </a:r>
+            <a:r>
+              <a:rPr lang="de-DE" baseline="0" dirty="0" err="1" smtClean="0"/>
+              <a:t>respond</a:t>
+            </a:r>
+            <a:r>
+              <a:rPr lang="de-DE" baseline="0" dirty="0" smtClean="0"/>
+              <a:t> </a:t>
+            </a:r>
+            <a:r>
+              <a:rPr lang="de-DE" baseline="0" dirty="0" err="1" smtClean="0"/>
+              <a:t>to</a:t>
+            </a:r>
+            <a:r>
+              <a:rPr lang="de-DE" baseline="0" dirty="0" smtClean="0"/>
+              <a:t> </a:t>
+            </a:r>
+            <a:r>
+              <a:rPr lang="de-DE" baseline="0" dirty="0" err="1" smtClean="0"/>
+              <a:t>cellular</a:t>
+            </a:r>
+            <a:r>
+              <a:rPr lang="de-DE" baseline="0" dirty="0" smtClean="0"/>
+              <a:t> </a:t>
+            </a:r>
+            <a:r>
+              <a:rPr lang="de-DE" baseline="0" dirty="0" err="1" smtClean="0"/>
+              <a:t>and</a:t>
+            </a:r>
+            <a:r>
+              <a:rPr lang="de-DE" baseline="0" dirty="0" smtClean="0"/>
+              <a:t> environmental </a:t>
+            </a:r>
+            <a:r>
+              <a:rPr lang="de-DE" baseline="0" dirty="0" err="1" smtClean="0"/>
+              <a:t>stimuli</a:t>
+            </a:r>
+            <a:r>
+              <a:rPr lang="de-DE" baseline="0" dirty="0" smtClean="0"/>
+              <a:t>, </a:t>
+            </a:r>
+            <a:r>
+              <a:rPr lang="de-DE" baseline="0" dirty="0" err="1" smtClean="0"/>
+              <a:t>thereby</a:t>
+            </a:r>
+            <a:r>
+              <a:rPr lang="de-DE" baseline="0" dirty="0" smtClean="0"/>
+              <a:t> </a:t>
+            </a:r>
+            <a:r>
+              <a:rPr lang="de-DE" baseline="0" dirty="0" err="1" smtClean="0"/>
+              <a:t>enabeling</a:t>
+            </a:r>
+            <a:r>
+              <a:rPr lang="de-DE" baseline="0" dirty="0" smtClean="0"/>
+              <a:t> a </a:t>
+            </a:r>
+            <a:r>
+              <a:rPr lang="de-DE" baseline="0" dirty="0" err="1" smtClean="0"/>
+              <a:t>fine</a:t>
+            </a:r>
+            <a:r>
+              <a:rPr lang="de-DE" baseline="0" dirty="0" smtClean="0"/>
+              <a:t> </a:t>
+            </a:r>
+            <a:r>
+              <a:rPr lang="de-DE" baseline="0" dirty="0" err="1" smtClean="0"/>
+              <a:t>tuned</a:t>
+            </a:r>
+            <a:r>
+              <a:rPr lang="de-DE" baseline="0" dirty="0" smtClean="0"/>
+              <a:t> </a:t>
+            </a:r>
+            <a:r>
+              <a:rPr lang="de-DE" baseline="0" dirty="0" err="1" smtClean="0"/>
+              <a:t>regulation</a:t>
+            </a:r>
+            <a:r>
+              <a:rPr lang="de-DE" baseline="0" dirty="0" smtClean="0"/>
+              <a:t> </a:t>
+            </a:r>
+            <a:r>
+              <a:rPr lang="de-DE" baseline="0" dirty="0" err="1" smtClean="0"/>
+              <a:t>of</a:t>
+            </a:r>
+            <a:r>
+              <a:rPr lang="de-DE" baseline="0" dirty="0" smtClean="0"/>
+              <a:t> RNA in all </a:t>
+            </a:r>
+            <a:r>
+              <a:rPr lang="de-DE" baseline="0" dirty="0" err="1" smtClean="0"/>
+              <a:t>phases</a:t>
+            </a:r>
+            <a:r>
+              <a:rPr lang="de-DE" baseline="0" dirty="0" smtClean="0"/>
+              <a:t> </a:t>
+            </a:r>
+            <a:r>
+              <a:rPr lang="de-DE" baseline="0" dirty="0" err="1" smtClean="0"/>
+              <a:t>of</a:t>
+            </a:r>
+            <a:r>
+              <a:rPr lang="de-DE" baseline="0" dirty="0" smtClean="0"/>
+              <a:t> </a:t>
+            </a:r>
+            <a:r>
+              <a:rPr lang="de-DE" baseline="0" dirty="0" err="1" smtClean="0"/>
+              <a:t>the</a:t>
+            </a:r>
+            <a:r>
+              <a:rPr lang="de-DE" baseline="0" dirty="0" smtClean="0"/>
+              <a:t> </a:t>
+            </a:r>
+            <a:r>
+              <a:rPr lang="de-DE" baseline="0" dirty="0" err="1" smtClean="0"/>
+              <a:t>cell</a:t>
+            </a:r>
+            <a:r>
+              <a:rPr lang="de-DE" baseline="0" dirty="0" smtClean="0"/>
+              <a:t> </a:t>
+            </a:r>
+            <a:r>
+              <a:rPr lang="de-DE" baseline="0" dirty="0" err="1" smtClean="0"/>
+              <a:t>cycle</a:t>
+            </a:r>
+            <a:r>
+              <a:rPr lang="de-DE" baseline="0" dirty="0" smtClean="0"/>
+              <a:t>. </a:t>
+            </a:r>
+          </a:p>
+          <a:p>
+            <a:endParaRPr lang="de-DE" baseline="0" dirty="0" smtClean="0"/>
+          </a:p>
+          <a:p>
+            <a:endParaRPr lang="de-DE" baseline="0" dirty="0" smtClean="0"/>
+          </a:p>
+          <a:p>
+            <a:endParaRPr lang="de-DE" baseline="0" dirty="0" smtClean="0"/>
+          </a:p>
+          <a:p>
+            <a:pPr marL="285750" indent="-285750">
+              <a:buFont typeface="Arial" panose="020B0604020202020204" pitchFamily="34" charset="0"/>
+              <a:buChar char="•"/>
+            </a:pPr>
+            <a:r>
+              <a:rPr lang="de-DE" dirty="0" smtClean="0"/>
+              <a:t>RBPs </a:t>
+            </a:r>
+            <a:r>
+              <a:rPr lang="de-DE" dirty="0" err="1" smtClean="0"/>
+              <a:t>occur</a:t>
+            </a:r>
+            <a:r>
+              <a:rPr lang="de-DE" dirty="0" smtClean="0"/>
+              <a:t> in </a:t>
+            </a:r>
+            <a:r>
+              <a:rPr lang="de-DE" dirty="0" err="1" smtClean="0"/>
+              <a:t>Mitosis</a:t>
+            </a:r>
+            <a:r>
+              <a:rPr lang="de-DE" dirty="0" smtClean="0"/>
+              <a:t> </a:t>
+            </a:r>
+            <a:r>
+              <a:rPr lang="de-DE" dirty="0" err="1" smtClean="0"/>
+              <a:t>and</a:t>
+            </a:r>
+            <a:r>
+              <a:rPr lang="de-DE" dirty="0" smtClean="0"/>
+              <a:t> Interphase</a:t>
+            </a:r>
+          </a:p>
+          <a:p>
+            <a:pPr marL="285750" indent="-285750">
+              <a:buFont typeface="Arial" panose="020B0604020202020204" pitchFamily="34" charset="0"/>
+              <a:buChar char="•"/>
+            </a:pPr>
+            <a:r>
+              <a:rPr lang="de-DE" dirty="0" smtClean="0"/>
+              <a:t>Can </a:t>
+            </a:r>
+            <a:r>
+              <a:rPr lang="de-DE" dirty="0" err="1" smtClean="0"/>
+              <a:t>be</a:t>
+            </a:r>
+            <a:r>
+              <a:rPr lang="de-DE" dirty="0" smtClean="0"/>
+              <a:t> </a:t>
+            </a:r>
+            <a:r>
+              <a:rPr lang="de-DE" dirty="0" err="1" smtClean="0"/>
+              <a:t>cell-cycle</a:t>
+            </a:r>
+            <a:r>
+              <a:rPr lang="de-DE" dirty="0" smtClean="0"/>
+              <a:t> </a:t>
+            </a:r>
+            <a:r>
+              <a:rPr lang="de-DE" dirty="0" err="1" smtClean="0"/>
+              <a:t>dependent</a:t>
+            </a:r>
+            <a:r>
+              <a:rPr lang="de-DE" dirty="0" smtClean="0"/>
+              <a:t> </a:t>
+            </a:r>
+            <a:r>
+              <a:rPr lang="de-DE" dirty="0" err="1" smtClean="0"/>
+              <a:t>or</a:t>
+            </a:r>
+            <a:r>
+              <a:rPr lang="de-DE" dirty="0" smtClean="0"/>
+              <a:t> </a:t>
+            </a:r>
+            <a:r>
+              <a:rPr lang="de-DE" dirty="0" err="1" smtClean="0"/>
+              <a:t>expressed</a:t>
+            </a:r>
+            <a:r>
+              <a:rPr lang="de-DE" dirty="0" smtClean="0"/>
+              <a:t> </a:t>
+            </a:r>
+            <a:r>
+              <a:rPr lang="de-DE" dirty="0" err="1" smtClean="0"/>
+              <a:t>constitutively</a:t>
+            </a:r>
+            <a:endParaRPr lang="de-DE" dirty="0" smtClean="0"/>
+          </a:p>
+          <a:p>
+            <a:pPr marL="285750" indent="-285750">
+              <a:buFont typeface="Arial" panose="020B0604020202020204" pitchFamily="34" charset="0"/>
+              <a:buChar char="•"/>
+            </a:pPr>
+            <a:r>
+              <a:rPr lang="de-DE" dirty="0" err="1" smtClean="0"/>
+              <a:t>Right</a:t>
+            </a:r>
+            <a:r>
+              <a:rPr lang="de-DE" dirty="0" smtClean="0"/>
+              <a:t> </a:t>
+            </a:r>
+            <a:r>
+              <a:rPr lang="de-DE" dirty="0" err="1" smtClean="0"/>
+              <a:t>shifts</a:t>
+            </a:r>
+            <a:r>
+              <a:rPr lang="de-DE" dirty="0" smtClean="0"/>
+              <a:t> &amp; </a:t>
+            </a:r>
+            <a:r>
+              <a:rPr lang="de-DE" dirty="0" err="1" smtClean="0"/>
+              <a:t>left</a:t>
+            </a:r>
+            <a:r>
+              <a:rPr lang="de-DE" dirty="0" smtClean="0"/>
+              <a:t> </a:t>
+            </a:r>
+            <a:r>
+              <a:rPr lang="de-DE" dirty="0" err="1" smtClean="0"/>
+              <a:t>shifts</a:t>
+            </a:r>
+            <a:endParaRPr lang="de-DE" dirty="0" smtClean="0"/>
+          </a:p>
+          <a:p>
+            <a:r>
+              <a:rPr lang="de-DE" baseline="0" dirty="0" err="1" smtClean="0"/>
+              <a:t>Left</a:t>
+            </a:r>
+            <a:r>
+              <a:rPr lang="de-DE" baseline="0" dirty="0" smtClean="0"/>
+              <a:t> </a:t>
+            </a:r>
+            <a:r>
+              <a:rPr lang="de-DE" baseline="0" dirty="0" err="1" smtClean="0"/>
+              <a:t>shift</a:t>
+            </a:r>
+            <a:r>
+              <a:rPr lang="de-DE" baseline="0" dirty="0" smtClean="0"/>
+              <a:t>: Protein loses </a:t>
+            </a:r>
+            <a:r>
+              <a:rPr lang="de-DE" baseline="0" dirty="0" err="1" smtClean="0"/>
+              <a:t>interaction</a:t>
+            </a:r>
+            <a:r>
+              <a:rPr lang="de-DE" baseline="0" dirty="0" smtClean="0"/>
+              <a:t> </a:t>
+            </a:r>
+            <a:r>
+              <a:rPr lang="de-DE" baseline="0" dirty="0" err="1" smtClean="0"/>
+              <a:t>partners</a:t>
+            </a:r>
+            <a:r>
+              <a:rPr lang="de-DE" baseline="0" dirty="0" smtClean="0"/>
+              <a:t> after </a:t>
+            </a:r>
+            <a:r>
+              <a:rPr lang="de-DE" baseline="0" dirty="0" err="1" smtClean="0"/>
+              <a:t>Rnase</a:t>
+            </a:r>
+            <a:r>
+              <a:rPr lang="de-DE" baseline="0" dirty="0" smtClean="0"/>
+              <a:t> </a:t>
+            </a:r>
+            <a:r>
+              <a:rPr lang="de-DE" baseline="0" dirty="0" err="1" smtClean="0"/>
+              <a:t>treatment</a:t>
+            </a:r>
+            <a:r>
+              <a:rPr lang="de-DE" baseline="0" dirty="0" smtClean="0"/>
+              <a:t> </a:t>
+            </a:r>
+            <a:r>
+              <a:rPr lang="de-DE" baseline="0" dirty="0" smtClean="0">
+                <a:sym typeface="Wingdings" panose="05000000000000000000" pitchFamily="2" charset="2"/>
+              </a:rPr>
+              <a:t> </a:t>
+            </a:r>
+            <a:r>
+              <a:rPr lang="de-DE" baseline="0" dirty="0" err="1" smtClean="0">
+                <a:sym typeface="Wingdings" panose="05000000000000000000" pitchFamily="2" charset="2"/>
+              </a:rPr>
+              <a:t>most</a:t>
+            </a:r>
+            <a:r>
+              <a:rPr lang="de-DE" baseline="0" dirty="0" smtClean="0">
+                <a:sym typeface="Wingdings" panose="05000000000000000000" pitchFamily="2" charset="2"/>
+              </a:rPr>
+              <a:t> </a:t>
+            </a:r>
+            <a:r>
+              <a:rPr lang="de-DE" baseline="0" dirty="0" err="1" smtClean="0">
+                <a:sym typeface="Wingdings" panose="05000000000000000000" pitchFamily="2" charset="2"/>
+              </a:rPr>
+              <a:t>likely</a:t>
+            </a:r>
+            <a:r>
+              <a:rPr lang="de-DE" baseline="0" dirty="0" smtClean="0">
+                <a:sym typeface="Wingdings" panose="05000000000000000000" pitchFamily="2" charset="2"/>
+              </a:rPr>
+              <a:t> </a:t>
+            </a:r>
+            <a:r>
+              <a:rPr lang="de-DE" baseline="0" dirty="0" err="1" smtClean="0">
+                <a:sym typeface="Wingdings" panose="05000000000000000000" pitchFamily="2" charset="2"/>
+              </a:rPr>
+              <a:t>directly</a:t>
+            </a:r>
+            <a:r>
+              <a:rPr lang="de-DE" baseline="0" dirty="0" smtClean="0">
+                <a:sym typeface="Wingdings" panose="05000000000000000000" pitchFamily="2" charset="2"/>
+              </a:rPr>
+              <a:t> RNA </a:t>
+            </a:r>
+            <a:r>
+              <a:rPr lang="de-DE" baseline="0" dirty="0" err="1" smtClean="0">
+                <a:sym typeface="Wingdings" panose="05000000000000000000" pitchFamily="2" charset="2"/>
+              </a:rPr>
+              <a:t>binding</a:t>
+            </a:r>
+            <a:endParaRPr lang="de-DE" baseline="0" dirty="0" smtClean="0">
+              <a:sym typeface="Wingdings" panose="05000000000000000000" pitchFamily="2" charset="2"/>
+            </a:endParaRPr>
+          </a:p>
+          <a:p>
+            <a:r>
+              <a:rPr lang="de-DE" baseline="0" dirty="0" err="1" smtClean="0">
+                <a:sym typeface="Wingdings" panose="05000000000000000000" pitchFamily="2" charset="2"/>
+              </a:rPr>
+              <a:t>Right</a:t>
+            </a:r>
+            <a:r>
+              <a:rPr lang="de-DE" baseline="0" dirty="0" smtClean="0">
+                <a:sym typeface="Wingdings" panose="05000000000000000000" pitchFamily="2" charset="2"/>
+              </a:rPr>
+              <a:t> </a:t>
+            </a:r>
+            <a:r>
+              <a:rPr lang="de-DE" baseline="0" dirty="0" err="1" smtClean="0">
+                <a:sym typeface="Wingdings" panose="05000000000000000000" pitchFamily="2" charset="2"/>
+              </a:rPr>
+              <a:t>shift</a:t>
+            </a:r>
+            <a:r>
+              <a:rPr lang="de-DE" baseline="0" dirty="0" smtClean="0">
+                <a:sym typeface="Wingdings" panose="05000000000000000000" pitchFamily="2" charset="2"/>
+              </a:rPr>
+              <a:t>: Protein </a:t>
+            </a:r>
+            <a:r>
+              <a:rPr lang="de-DE" baseline="0" dirty="0" err="1" smtClean="0">
+                <a:sym typeface="Wingdings" panose="05000000000000000000" pitchFamily="2" charset="2"/>
+              </a:rPr>
+              <a:t>gains</a:t>
+            </a:r>
+            <a:r>
+              <a:rPr lang="de-DE" baseline="0" dirty="0" smtClean="0">
+                <a:sym typeface="Wingdings" panose="05000000000000000000" pitchFamily="2" charset="2"/>
+              </a:rPr>
+              <a:t> </a:t>
+            </a:r>
+            <a:r>
+              <a:rPr lang="de-DE" baseline="0" dirty="0" err="1" smtClean="0">
+                <a:sym typeface="Wingdings" panose="05000000000000000000" pitchFamily="2" charset="2"/>
+              </a:rPr>
+              <a:t>interaction</a:t>
+            </a:r>
+            <a:r>
+              <a:rPr lang="de-DE" baseline="0" dirty="0" smtClean="0">
+                <a:sym typeface="Wingdings" panose="05000000000000000000" pitchFamily="2" charset="2"/>
+              </a:rPr>
+              <a:t> </a:t>
+            </a:r>
+            <a:r>
+              <a:rPr lang="de-DE" baseline="0" dirty="0" err="1" smtClean="0">
+                <a:sym typeface="Wingdings" panose="05000000000000000000" pitchFamily="2" charset="2"/>
+              </a:rPr>
+              <a:t>partners</a:t>
+            </a:r>
+            <a:r>
+              <a:rPr lang="de-DE" baseline="0" dirty="0" smtClean="0">
+                <a:sym typeface="Wingdings" panose="05000000000000000000" pitchFamily="2" charset="2"/>
+              </a:rPr>
+              <a:t>: RNA </a:t>
+            </a:r>
+            <a:r>
+              <a:rPr lang="de-DE" baseline="0" dirty="0" err="1" smtClean="0">
+                <a:sym typeface="Wingdings" panose="05000000000000000000" pitchFamily="2" charset="2"/>
+              </a:rPr>
+              <a:t>dependent</a:t>
+            </a:r>
+            <a:r>
+              <a:rPr lang="de-DE" baseline="0" dirty="0" smtClean="0">
+                <a:sym typeface="Wingdings" panose="05000000000000000000" pitchFamily="2" charset="2"/>
+              </a:rPr>
+              <a:t>, </a:t>
+            </a:r>
+            <a:r>
+              <a:rPr lang="de-DE" baseline="0" dirty="0" err="1" smtClean="0">
+                <a:sym typeface="Wingdings" panose="05000000000000000000" pitchFamily="2" charset="2"/>
+              </a:rPr>
+              <a:t>by</a:t>
+            </a:r>
+            <a:r>
+              <a:rPr lang="de-DE" baseline="0" dirty="0" smtClean="0">
+                <a:sym typeface="Wingdings" panose="05000000000000000000" pitchFamily="2" charset="2"/>
+              </a:rPr>
+              <a:t> </a:t>
+            </a:r>
+            <a:r>
+              <a:rPr lang="de-DE" baseline="0" dirty="0" err="1" smtClean="0">
+                <a:sym typeface="Wingdings" panose="05000000000000000000" pitchFamily="2" charset="2"/>
+              </a:rPr>
+              <a:t>loosing</a:t>
+            </a:r>
+            <a:r>
+              <a:rPr lang="de-DE" baseline="0" dirty="0" smtClean="0">
+                <a:sym typeface="Wingdings" panose="05000000000000000000" pitchFamily="2" charset="2"/>
+              </a:rPr>
+              <a:t> RNA </a:t>
+            </a:r>
+            <a:r>
+              <a:rPr lang="de-DE" baseline="0" dirty="0" err="1" smtClean="0">
+                <a:sym typeface="Wingdings" panose="05000000000000000000" pitchFamily="2" charset="2"/>
+              </a:rPr>
+              <a:t>other</a:t>
+            </a:r>
+            <a:r>
+              <a:rPr lang="de-DE" baseline="0" dirty="0" smtClean="0">
+                <a:sym typeface="Wingdings" panose="05000000000000000000" pitchFamily="2" charset="2"/>
+              </a:rPr>
+              <a:t> </a:t>
+            </a:r>
+            <a:r>
+              <a:rPr lang="de-DE" baseline="0" dirty="0" err="1" smtClean="0">
+                <a:sym typeface="Wingdings" panose="05000000000000000000" pitchFamily="2" charset="2"/>
+              </a:rPr>
+              <a:t>binding</a:t>
+            </a:r>
+            <a:r>
+              <a:rPr lang="de-DE" baseline="0" dirty="0" smtClean="0">
+                <a:sym typeface="Wingdings" panose="05000000000000000000" pitchFamily="2" charset="2"/>
+              </a:rPr>
+              <a:t> </a:t>
+            </a:r>
+            <a:r>
+              <a:rPr lang="de-DE" baseline="0" dirty="0" err="1" smtClean="0">
+                <a:sym typeface="Wingdings" panose="05000000000000000000" pitchFamily="2" charset="2"/>
+              </a:rPr>
+              <a:t>sites</a:t>
+            </a:r>
+            <a:r>
+              <a:rPr lang="de-DE" baseline="0" dirty="0" smtClean="0">
+                <a:sym typeface="Wingdings" panose="05000000000000000000" pitchFamily="2" charset="2"/>
+              </a:rPr>
+              <a:t> </a:t>
+            </a:r>
+            <a:r>
+              <a:rPr lang="de-DE" baseline="0" dirty="0" err="1" smtClean="0">
+                <a:sym typeface="Wingdings" panose="05000000000000000000" pitchFamily="2" charset="2"/>
+              </a:rPr>
+              <a:t>could</a:t>
+            </a:r>
+            <a:r>
+              <a:rPr lang="de-DE" baseline="0" dirty="0" smtClean="0">
+                <a:sym typeface="Wingdings" panose="05000000000000000000" pitchFamily="2" charset="2"/>
+              </a:rPr>
+              <a:t> </a:t>
+            </a:r>
+            <a:r>
+              <a:rPr lang="de-DE" baseline="0" dirty="0" err="1" smtClean="0">
+                <a:sym typeface="Wingdings" panose="05000000000000000000" pitchFamily="2" charset="2"/>
+              </a:rPr>
+              <a:t>become</a:t>
+            </a:r>
+            <a:r>
+              <a:rPr lang="de-DE" baseline="0" dirty="0" smtClean="0">
+                <a:sym typeface="Wingdings" panose="05000000000000000000" pitchFamily="2" charset="2"/>
+              </a:rPr>
+              <a:t> </a:t>
+            </a:r>
+            <a:r>
+              <a:rPr lang="de-DE" baseline="0" dirty="0" err="1" smtClean="0">
+                <a:sym typeface="Wingdings" panose="05000000000000000000" pitchFamily="2" charset="2"/>
+              </a:rPr>
+              <a:t>available</a:t>
+            </a:r>
+            <a:endParaRPr lang="de-DE" baseline="0" dirty="0" smtClean="0">
+              <a:sym typeface="Wingdings" panose="05000000000000000000" pitchFamily="2" charset="2"/>
+            </a:endParaRPr>
+          </a:p>
+          <a:p>
+            <a:endParaRPr lang="de-DE" baseline="0" dirty="0" smtClean="0">
+              <a:sym typeface="Wingdings" panose="05000000000000000000" pitchFamily="2" charset="2"/>
+            </a:endParaRPr>
+          </a:p>
+          <a:p>
+            <a:endParaRPr lang="de-DE" baseline="0" dirty="0" smtClean="0">
+              <a:sym typeface="Wingdings" panose="05000000000000000000" pitchFamily="2" charset="2"/>
+            </a:endParaRPr>
+          </a:p>
+          <a:p>
+            <a:r>
+              <a:rPr lang="de-DE" baseline="0" dirty="0" smtClean="0">
+                <a:sym typeface="Wingdings" panose="05000000000000000000" pitchFamily="2" charset="2"/>
+              </a:rPr>
+              <a:t>RBPs </a:t>
+            </a:r>
+            <a:r>
+              <a:rPr lang="de-DE" baseline="0" dirty="0" err="1" smtClean="0">
+                <a:sym typeface="Wingdings" panose="05000000000000000000" pitchFamily="2" charset="2"/>
+              </a:rPr>
+              <a:t>as</a:t>
+            </a:r>
+            <a:r>
+              <a:rPr lang="de-DE" baseline="0" dirty="0" smtClean="0">
+                <a:sym typeface="Wingdings" panose="05000000000000000000" pitchFamily="2" charset="2"/>
+              </a:rPr>
+              <a:t> an </a:t>
+            </a:r>
+            <a:r>
+              <a:rPr lang="de-DE" baseline="0" dirty="0" err="1" smtClean="0">
+                <a:sym typeface="Wingdings" panose="05000000000000000000" pitchFamily="2" charset="2"/>
+              </a:rPr>
+              <a:t>opportunity</a:t>
+            </a:r>
+            <a:r>
+              <a:rPr lang="de-DE" baseline="0" dirty="0" smtClean="0">
+                <a:sym typeface="Wingdings" panose="05000000000000000000" pitchFamily="2" charset="2"/>
+              </a:rPr>
+              <a:t>: </a:t>
+            </a:r>
+            <a:r>
+              <a:rPr lang="de-DE" baseline="0" dirty="0" err="1" smtClean="0">
+                <a:sym typeface="Wingdings" panose="05000000000000000000" pitchFamily="2" charset="2"/>
+              </a:rPr>
+              <a:t>involved</a:t>
+            </a:r>
+            <a:r>
+              <a:rPr lang="de-DE" baseline="0" dirty="0" smtClean="0">
+                <a:sym typeface="Wingdings" panose="05000000000000000000" pitchFamily="2" charset="2"/>
+              </a:rPr>
+              <a:t> in </a:t>
+            </a:r>
+            <a:r>
+              <a:rPr lang="de-DE" baseline="0" dirty="0" err="1" smtClean="0">
+                <a:sym typeface="Wingdings" panose="05000000000000000000" pitchFamily="2" charset="2"/>
+              </a:rPr>
+              <a:t>almost</a:t>
+            </a:r>
+            <a:r>
+              <a:rPr lang="de-DE" baseline="0" dirty="0" smtClean="0">
+                <a:sym typeface="Wingdings" panose="05000000000000000000" pitchFamily="2" charset="2"/>
+              </a:rPr>
+              <a:t> all </a:t>
+            </a:r>
+            <a:r>
+              <a:rPr lang="de-DE" baseline="0" dirty="0" err="1" smtClean="0">
+                <a:sym typeface="Wingdings" panose="05000000000000000000" pitchFamily="2" charset="2"/>
+              </a:rPr>
+              <a:t>cellular</a:t>
+            </a:r>
+            <a:r>
+              <a:rPr lang="de-DE" baseline="0" dirty="0" smtClean="0">
+                <a:sym typeface="Wingdings" panose="05000000000000000000" pitchFamily="2" charset="2"/>
+              </a:rPr>
+              <a:t> </a:t>
+            </a:r>
+            <a:r>
+              <a:rPr lang="de-DE" baseline="0" dirty="0" err="1" smtClean="0">
+                <a:sym typeface="Wingdings" panose="05000000000000000000" pitchFamily="2" charset="2"/>
+              </a:rPr>
+              <a:t>processes</a:t>
+            </a:r>
+            <a:endParaRPr lang="de-DE" baseline="0" dirty="0" smtClean="0">
+              <a:sym typeface="Wingdings" panose="05000000000000000000" pitchFamily="2" charset="2"/>
+            </a:endParaRPr>
+          </a:p>
+          <a:p>
+            <a:r>
+              <a:rPr lang="de-DE" baseline="0" dirty="0" err="1" smtClean="0">
+                <a:sym typeface="Wingdings" panose="05000000000000000000" pitchFamily="2" charset="2"/>
+              </a:rPr>
+              <a:t>Targeting</a:t>
+            </a:r>
+            <a:r>
+              <a:rPr lang="de-DE" baseline="0" dirty="0" smtClean="0">
+                <a:sym typeface="Wingdings" panose="05000000000000000000" pitchFamily="2" charset="2"/>
+              </a:rPr>
+              <a:t> RBPs </a:t>
+            </a:r>
+            <a:r>
+              <a:rPr lang="de-DE" baseline="0" dirty="0" err="1" smtClean="0">
+                <a:sym typeface="Wingdings" panose="05000000000000000000" pitchFamily="2" charset="2"/>
+              </a:rPr>
+              <a:t>could</a:t>
+            </a:r>
+            <a:r>
+              <a:rPr lang="de-DE" baseline="0" dirty="0" smtClean="0">
+                <a:sym typeface="Wingdings" panose="05000000000000000000" pitchFamily="2" charset="2"/>
+              </a:rPr>
+              <a:t> </a:t>
+            </a:r>
+            <a:r>
+              <a:rPr lang="de-DE" baseline="0" dirty="0" err="1" smtClean="0">
+                <a:sym typeface="Wingdings" panose="05000000000000000000" pitchFamily="2" charset="2"/>
+              </a:rPr>
+              <a:t>introduce</a:t>
+            </a:r>
+            <a:r>
+              <a:rPr lang="de-DE" baseline="0" dirty="0" smtClean="0">
+                <a:sym typeface="Wingdings" panose="05000000000000000000" pitchFamily="2" charset="2"/>
+              </a:rPr>
+              <a:t> a fundamental </a:t>
+            </a:r>
+            <a:r>
+              <a:rPr lang="de-DE" baseline="0" dirty="0" err="1" smtClean="0">
+                <a:sym typeface="Wingdings" panose="05000000000000000000" pitchFamily="2" charset="2"/>
+              </a:rPr>
+              <a:t>shift</a:t>
+            </a:r>
+            <a:r>
+              <a:rPr lang="de-DE" baseline="0" dirty="0" smtClean="0">
+                <a:sym typeface="Wingdings" panose="05000000000000000000" pitchFamily="2" charset="2"/>
+              </a:rPr>
+              <a:t> in </a:t>
+            </a:r>
+            <a:r>
+              <a:rPr lang="de-DE" baseline="0" dirty="0" err="1" smtClean="0">
+                <a:sym typeface="Wingdings" panose="05000000000000000000" pitchFamily="2" charset="2"/>
+              </a:rPr>
+              <a:t>medicine</a:t>
+            </a:r>
+            <a:endParaRPr lang="de-DE" dirty="0"/>
+          </a:p>
+        </p:txBody>
+      </p:sp>
+      <p:sp>
+        <p:nvSpPr>
+          <p:cNvPr id="4" name="Foliennummernplatzhalter 3"/>
+          <p:cNvSpPr>
+            <a:spLocks noGrp="1"/>
+          </p:cNvSpPr>
+          <p:nvPr>
+            <p:ph type="sldNum" sz="quarter" idx="10"/>
+          </p:nvPr>
+        </p:nvSpPr>
+        <p:spPr/>
+        <p:txBody>
+          <a:bodyPr/>
+          <a:lstStyle/>
+          <a:p>
+            <a:fld id="{CAD725D7-3157-4FF7-8F2A-10244555D54B}" type="slidenum">
+              <a:rPr lang="en-GB" smtClean="0"/>
+              <a:t>25</a:t>
+            </a:fld>
+            <a:endParaRPr lang="en-GB"/>
+          </a:p>
+        </p:txBody>
+      </p:sp>
+    </p:spTree>
+    <p:extLst>
+      <p:ext uri="{BB962C8B-B14F-4D97-AF65-F5344CB8AC3E}">
+        <p14:creationId xmlns:p14="http://schemas.microsoft.com/office/powerpoint/2010/main" val="244220351"/>
+      </p:ext>
+    </p:extLst>
+  </p:cSld>
+  <p:clrMapOvr>
+    <a:masterClrMapping/>
+  </p:clrMapOvr>
+</p:notes>
+</file>
+
+<file path=ppt/notesSlides/notesSlide11.xml><?xml version="1.0" encoding="utf-8"?>
+<p:notes xmlns:a="http://schemas.openxmlformats.org/drawingml/2006/main" xmlns:r="http://schemas.openxmlformats.org/officeDocument/2006/relationships" xmlns:p="http://schemas.openxmlformats.org/presentationml/2006/main">
+  <p:cSld>
+    <p:spTree>
+      <p:nvGrpSpPr>
+        <p:cNvPr id="1" name=""/>
+        <p:cNvGrpSpPr/>
+        <p:nvPr/>
+      </p:nvGrpSpPr>
+      <p:grpSpPr>
+        <a:xfrm>
+          <a:off x="0" y="0"/>
+          <a:ext cx="0" cy="0"/>
+          <a:chOff x="0" y="0"/>
+          <a:chExt cx="0" cy="0"/>
+        </a:xfrm>
+      </p:grpSpPr>
+      <p:sp>
+        <p:nvSpPr>
+          <p:cNvPr id="2" name="Folienbildplatzhalter 1"/>
+          <p:cNvSpPr>
+            <a:spLocks noGrp="1" noRot="1" noChangeAspect="1"/>
+          </p:cNvSpPr>
+          <p:nvPr>
+            <p:ph type="sldImg"/>
+          </p:nvPr>
+        </p:nvSpPr>
+        <p:spPr/>
+      </p:sp>
+      <p:sp>
+        <p:nvSpPr>
+          <p:cNvPr id="3" name="Notizenplatzhalter 2"/>
+          <p:cNvSpPr>
+            <a:spLocks noGrp="1"/>
+          </p:cNvSpPr>
+          <p:nvPr>
+            <p:ph type="body" idx="1"/>
+          </p:nvPr>
+        </p:nvSpPr>
+        <p:spPr/>
+        <p:txBody>
+          <a:bodyPr/>
+          <a:lstStyle/>
+          <a:p>
+            <a:r>
+              <a:rPr lang="de-DE" dirty="0" err="1"/>
+              <a:t>Why</a:t>
+            </a:r>
+            <a:r>
+              <a:rPr lang="de-DE" dirty="0"/>
+              <a:t> </a:t>
+            </a:r>
+            <a:r>
+              <a:rPr lang="de-DE" dirty="0" err="1"/>
+              <a:t>is</a:t>
+            </a:r>
+            <a:r>
+              <a:rPr lang="de-DE" dirty="0"/>
+              <a:t> </a:t>
+            </a:r>
+            <a:r>
+              <a:rPr lang="de-DE" dirty="0" err="1"/>
+              <a:t>it</a:t>
+            </a:r>
+            <a:r>
+              <a:rPr lang="de-DE" dirty="0"/>
+              <a:t> </a:t>
+            </a:r>
+            <a:r>
+              <a:rPr lang="de-DE" dirty="0" err="1"/>
+              <a:t>important</a:t>
+            </a:r>
+            <a:r>
+              <a:rPr lang="de-DE" dirty="0"/>
+              <a:t> </a:t>
+            </a:r>
+            <a:r>
+              <a:rPr lang="de-DE" dirty="0" err="1"/>
+              <a:t>to</a:t>
+            </a:r>
+            <a:r>
+              <a:rPr lang="de-DE" dirty="0"/>
+              <a:t> </a:t>
+            </a:r>
+            <a:r>
+              <a:rPr lang="de-DE" dirty="0" err="1"/>
+              <a:t>know</a:t>
+            </a:r>
+            <a:r>
+              <a:rPr lang="de-DE" dirty="0"/>
+              <a:t> </a:t>
+            </a:r>
+            <a:r>
+              <a:rPr lang="de-DE" dirty="0" err="1"/>
+              <a:t>more</a:t>
+            </a:r>
+            <a:r>
+              <a:rPr lang="de-DE" baseline="0" dirty="0"/>
+              <a:t> </a:t>
+            </a:r>
+            <a:r>
+              <a:rPr lang="de-DE" baseline="0" dirty="0" err="1"/>
+              <a:t>about</a:t>
+            </a:r>
+            <a:r>
+              <a:rPr lang="de-DE" baseline="0" dirty="0"/>
+              <a:t> RBPs </a:t>
+            </a:r>
+            <a:r>
+              <a:rPr lang="de-DE" baseline="0" dirty="0">
+                <a:sym typeface="Wingdings" panose="05000000000000000000" pitchFamily="2" charset="2"/>
+              </a:rPr>
+              <a:t> </a:t>
+            </a:r>
+            <a:r>
+              <a:rPr lang="de-DE" baseline="0" dirty="0" err="1">
+                <a:sym typeface="Wingdings" panose="05000000000000000000" pitchFamily="2" charset="2"/>
+              </a:rPr>
+              <a:t>severe</a:t>
+            </a:r>
+            <a:r>
+              <a:rPr lang="de-DE" baseline="0" dirty="0">
+                <a:sym typeface="Wingdings" panose="05000000000000000000" pitchFamily="2" charset="2"/>
+              </a:rPr>
+              <a:t> </a:t>
+            </a:r>
+            <a:r>
+              <a:rPr lang="de-DE" baseline="0" dirty="0" err="1">
+                <a:sym typeface="Wingdings" panose="05000000000000000000" pitchFamily="2" charset="2"/>
+              </a:rPr>
+              <a:t>diseases</a:t>
+            </a:r>
+            <a:r>
+              <a:rPr lang="de-DE" baseline="0" dirty="0">
+                <a:sym typeface="Wingdings" panose="05000000000000000000" pitchFamily="2" charset="2"/>
+              </a:rPr>
+              <a:t> </a:t>
+            </a:r>
+            <a:r>
+              <a:rPr lang="de-DE" baseline="0" dirty="0" err="1">
+                <a:sym typeface="Wingdings" panose="05000000000000000000" pitchFamily="2" charset="2"/>
+              </a:rPr>
+              <a:t>when</a:t>
+            </a:r>
+            <a:r>
+              <a:rPr lang="de-DE" baseline="0" dirty="0">
+                <a:sym typeface="Wingdings" panose="05000000000000000000" pitchFamily="2" charset="2"/>
+              </a:rPr>
+              <a:t> </a:t>
+            </a:r>
+            <a:r>
+              <a:rPr lang="de-DE" baseline="0" dirty="0" err="1">
+                <a:sym typeface="Wingdings" panose="05000000000000000000" pitchFamily="2" charset="2"/>
+              </a:rPr>
+              <a:t>malfunctioning</a:t>
+            </a:r>
+            <a:endParaRPr lang="de-DE" baseline="0" dirty="0">
+              <a:sym typeface="Wingdings" panose="05000000000000000000" pitchFamily="2" charset="2"/>
+            </a:endParaRPr>
+          </a:p>
+        </p:txBody>
+      </p:sp>
+      <p:sp>
+        <p:nvSpPr>
+          <p:cNvPr id="4" name="Foliennummernplatzhalter 3"/>
+          <p:cNvSpPr>
+            <a:spLocks noGrp="1"/>
+          </p:cNvSpPr>
+          <p:nvPr>
+            <p:ph type="sldNum" sz="quarter" idx="10"/>
+          </p:nvPr>
+        </p:nvSpPr>
+        <p:spPr/>
+        <p:txBody>
+          <a:bodyPr/>
+          <a:lstStyle/>
+          <a:p>
+            <a:fld id="{DE3B62AE-3B17-4B0C-A534-34D6AFEF94BD}" type="slidenum">
+              <a:rPr lang="de-DE" smtClean="0"/>
+              <a:t>27</a:t>
+            </a:fld>
+            <a:endParaRPr lang="de-DE"/>
+          </a:p>
+        </p:txBody>
+      </p:sp>
+    </p:spTree>
+    <p:extLst>
+      <p:ext uri="{BB962C8B-B14F-4D97-AF65-F5344CB8AC3E}">
+        <p14:creationId xmlns:p14="http://schemas.microsoft.com/office/powerpoint/2010/main" val="4024055382"/>
+      </p:ext>
+    </p:extLst>
+  </p:cSld>
+  <p:clrMapOvr>
+    <a:masterClrMapping/>
+  </p:clrMapOvr>
+</p:notes>
+</file>
+
+<file path=ppt/notesSlides/notesSlide12.xml><?xml version="1.0" encoding="utf-8"?>
+<p:notes xmlns:a="http://schemas.openxmlformats.org/drawingml/2006/main" xmlns:r="http://schemas.openxmlformats.org/officeDocument/2006/relationships" xmlns:p="http://schemas.openxmlformats.org/presentationml/2006/main">
+  <p:cSld>
+    <p:spTree>
+      <p:nvGrpSpPr>
+        <p:cNvPr id="1" name=""/>
+        <p:cNvGrpSpPr/>
+        <p:nvPr/>
+      </p:nvGrpSpPr>
+      <p:grpSpPr>
+        <a:xfrm>
+          <a:off x="0" y="0"/>
+          <a:ext cx="0" cy="0"/>
+          <a:chOff x="0" y="0"/>
+          <a:chExt cx="0" cy="0"/>
+        </a:xfrm>
+      </p:grpSpPr>
+      <p:sp>
+        <p:nvSpPr>
+          <p:cNvPr id="2" name="Folienbildplatzhalter 1"/>
+          <p:cNvSpPr>
+            <a:spLocks noGrp="1" noRot="1" noChangeAspect="1"/>
+          </p:cNvSpPr>
+          <p:nvPr>
+            <p:ph type="sldImg"/>
+          </p:nvPr>
+        </p:nvSpPr>
+        <p:spPr/>
+      </p:sp>
+      <p:sp>
+        <p:nvSpPr>
+          <p:cNvPr id="3" name="Notizenplatzhalter 2"/>
+          <p:cNvSpPr>
+            <a:spLocks noGrp="1"/>
+          </p:cNvSpPr>
+          <p:nvPr>
+            <p:ph type="body" idx="1"/>
+          </p:nvPr>
+        </p:nvSpPr>
+        <p:spPr/>
+        <p:txBody>
+          <a:bodyPr/>
+          <a:lstStyle/>
+          <a:p>
+            <a:r>
+              <a:rPr lang="de-DE" dirty="0"/>
+              <a:t>RNA </a:t>
+            </a:r>
+            <a:r>
+              <a:rPr lang="de-DE" dirty="0" err="1"/>
+              <a:t>is</a:t>
+            </a:r>
+            <a:r>
+              <a:rPr lang="de-DE" dirty="0"/>
+              <a:t> not </a:t>
+            </a:r>
+            <a:r>
+              <a:rPr lang="de-DE" dirty="0" err="1"/>
+              <a:t>alone</a:t>
+            </a:r>
+            <a:endParaRPr lang="de-DE" dirty="0"/>
+          </a:p>
+          <a:p>
+            <a:pPr marL="285750" indent="-285750">
+              <a:buFontTx/>
+              <a:buChar char="-"/>
+            </a:pPr>
+            <a:r>
+              <a:rPr lang="de-DE" dirty="0" err="1"/>
+              <a:t>During</a:t>
+            </a:r>
+            <a:r>
+              <a:rPr lang="de-DE" dirty="0"/>
+              <a:t> </a:t>
+            </a:r>
+            <a:r>
+              <a:rPr lang="de-DE" dirty="0" err="1"/>
+              <a:t>every</a:t>
+            </a:r>
+            <a:r>
+              <a:rPr lang="de-DE" dirty="0"/>
+              <a:t> </a:t>
+            </a:r>
+            <a:r>
+              <a:rPr lang="de-DE" dirty="0" err="1"/>
+              <a:t>step</a:t>
+            </a:r>
+            <a:r>
+              <a:rPr lang="de-DE" dirty="0"/>
+              <a:t> </a:t>
+            </a:r>
+            <a:r>
+              <a:rPr lang="de-DE" dirty="0" err="1"/>
+              <a:t>of</a:t>
+            </a:r>
+            <a:r>
+              <a:rPr lang="de-DE" dirty="0"/>
+              <a:t> RNA </a:t>
+            </a:r>
+            <a:r>
+              <a:rPr lang="de-DE" dirty="0" err="1"/>
+              <a:t>metabolism</a:t>
+            </a:r>
+            <a:r>
+              <a:rPr lang="de-DE" dirty="0"/>
+              <a:t> RBPs </a:t>
+            </a:r>
+            <a:r>
+              <a:rPr lang="de-DE" dirty="0" err="1"/>
+              <a:t>are</a:t>
+            </a:r>
+            <a:r>
+              <a:rPr lang="de-DE" dirty="0"/>
+              <a:t> </a:t>
+            </a:r>
+            <a:r>
+              <a:rPr lang="de-DE" dirty="0" err="1"/>
+              <a:t>associated</a:t>
+            </a:r>
+            <a:r>
+              <a:rPr lang="de-DE" dirty="0"/>
+              <a:t> </a:t>
+            </a:r>
+            <a:r>
+              <a:rPr lang="de-DE" dirty="0" err="1"/>
+              <a:t>with</a:t>
+            </a:r>
+            <a:r>
+              <a:rPr lang="de-DE" dirty="0"/>
+              <a:t> RNA</a:t>
+            </a:r>
+          </a:p>
+          <a:p>
+            <a:pPr marL="285750" indent="-285750">
+              <a:buFontTx/>
+              <a:buChar char="-"/>
+            </a:pPr>
+            <a:r>
+              <a:rPr lang="de-DE" dirty="0" err="1"/>
+              <a:t>Cooperative</a:t>
+            </a:r>
+            <a:r>
+              <a:rPr lang="de-DE" dirty="0"/>
+              <a:t> &amp; </a:t>
+            </a:r>
+            <a:r>
+              <a:rPr lang="de-DE" dirty="0" err="1"/>
+              <a:t>antagonistic</a:t>
+            </a:r>
+            <a:r>
+              <a:rPr lang="de-DE" dirty="0"/>
+              <a:t> </a:t>
+            </a:r>
+            <a:r>
+              <a:rPr lang="de-DE" dirty="0" err="1"/>
+              <a:t>interactions</a:t>
+            </a:r>
+            <a:endParaRPr lang="de-DE" dirty="0"/>
+          </a:p>
+          <a:p>
+            <a:pPr marL="285750" indent="-285750">
+              <a:buFontTx/>
+              <a:buChar char="-"/>
+            </a:pPr>
+            <a:r>
+              <a:rPr lang="de-DE" dirty="0"/>
+              <a:t>Dynamic </a:t>
+            </a:r>
+            <a:r>
+              <a:rPr lang="de-DE" dirty="0" err="1"/>
+              <a:t>associations</a:t>
+            </a:r>
+            <a:endParaRPr lang="de-DE" dirty="0"/>
+          </a:p>
+          <a:p>
+            <a:pPr marL="285750" indent="-285750">
+              <a:buFontTx/>
+              <a:buChar char="-"/>
+            </a:pPr>
+            <a:r>
+              <a:rPr lang="de-DE" dirty="0">
+                <a:sym typeface="Wingdings" panose="05000000000000000000" pitchFamily="2" charset="2"/>
+              </a:rPr>
+              <a:t></a:t>
+            </a:r>
+            <a:r>
+              <a:rPr lang="de-DE" dirty="0" err="1">
+                <a:sym typeface="Wingdings" panose="05000000000000000000" pitchFamily="2" charset="2"/>
+              </a:rPr>
+              <a:t>fine-tuned</a:t>
+            </a:r>
+            <a:r>
+              <a:rPr lang="de-DE" dirty="0">
+                <a:sym typeface="Wingdings" panose="05000000000000000000" pitchFamily="2" charset="2"/>
+              </a:rPr>
+              <a:t> </a:t>
+            </a:r>
+            <a:r>
+              <a:rPr lang="de-DE" dirty="0" err="1">
+                <a:sym typeface="Wingdings" panose="05000000000000000000" pitchFamily="2" charset="2"/>
+              </a:rPr>
+              <a:t>regulation</a:t>
+            </a:r>
+            <a:r>
+              <a:rPr lang="de-DE" dirty="0">
+                <a:sym typeface="Wingdings" panose="05000000000000000000" pitchFamily="2" charset="2"/>
+              </a:rPr>
+              <a:t> </a:t>
+            </a:r>
+            <a:r>
+              <a:rPr lang="de-DE" dirty="0" err="1">
+                <a:sym typeface="Wingdings" panose="05000000000000000000" pitchFamily="2" charset="2"/>
+              </a:rPr>
+              <a:t>of</a:t>
+            </a:r>
+            <a:r>
+              <a:rPr lang="de-DE" dirty="0">
+                <a:sym typeface="Wingdings" panose="05000000000000000000" pitchFamily="2" charset="2"/>
+              </a:rPr>
+              <a:t> </a:t>
+            </a:r>
+            <a:r>
+              <a:rPr lang="de-DE" dirty="0" err="1">
+                <a:sym typeface="Wingdings" panose="05000000000000000000" pitchFamily="2" charset="2"/>
+              </a:rPr>
+              <a:t>their</a:t>
+            </a:r>
+            <a:r>
+              <a:rPr lang="de-DE" dirty="0">
+                <a:sym typeface="Wingdings" panose="05000000000000000000" pitchFamily="2" charset="2"/>
+              </a:rPr>
+              <a:t> RNA </a:t>
+            </a:r>
+            <a:r>
+              <a:rPr lang="de-DE" dirty="0" err="1">
+                <a:sym typeface="Wingdings" panose="05000000000000000000" pitchFamily="2" charset="2"/>
+              </a:rPr>
+              <a:t>targets</a:t>
+            </a:r>
+            <a:endParaRPr lang="de-DE" dirty="0"/>
+          </a:p>
+          <a:p>
+            <a:endParaRPr lang="de-DE" dirty="0"/>
+          </a:p>
+        </p:txBody>
+      </p:sp>
+      <p:sp>
+        <p:nvSpPr>
+          <p:cNvPr id="4" name="Foliennummernplatzhalter 3"/>
+          <p:cNvSpPr>
+            <a:spLocks noGrp="1"/>
+          </p:cNvSpPr>
+          <p:nvPr>
+            <p:ph type="sldNum" sz="quarter" idx="10"/>
+          </p:nvPr>
+        </p:nvSpPr>
+        <p:spPr/>
+        <p:txBody>
+          <a:bodyPr/>
+          <a:lstStyle/>
+          <a:p>
+            <a:fld id="{CAD725D7-3157-4FF7-8F2A-10244555D54B}" type="slidenum">
+              <a:rPr lang="en-GB" smtClean="0"/>
+              <a:t>28</a:t>
+            </a:fld>
+            <a:endParaRPr lang="en-GB"/>
+          </a:p>
+        </p:txBody>
+      </p:sp>
+    </p:spTree>
+    <p:extLst>
+      <p:ext uri="{BB962C8B-B14F-4D97-AF65-F5344CB8AC3E}">
+        <p14:creationId xmlns:p14="http://schemas.microsoft.com/office/powerpoint/2010/main" val="3817140288"/>
+      </p:ext>
+    </p:extLst>
+  </p:cSld>
+  <p:clrMapOvr>
+    <a:masterClrMapping/>
+  </p:clrMapOvr>
+</p:notes>
+</file>
+
+<file path=ppt/notesSlides/notesSlide13.xml><?xml version="1.0" encoding="utf-8"?>
+<p:notes xmlns:a="http://schemas.openxmlformats.org/drawingml/2006/main" xmlns:r="http://schemas.openxmlformats.org/officeDocument/2006/relationships" xmlns:p="http://schemas.openxmlformats.org/presentationml/2006/main">
+  <p:cSld>
+    <p:spTree>
+      <p:nvGrpSpPr>
+        <p:cNvPr id="1" name=""/>
+        <p:cNvGrpSpPr/>
+        <p:nvPr/>
+      </p:nvGrpSpPr>
+      <p:grpSpPr>
+        <a:xfrm>
+          <a:off x="0" y="0"/>
+          <a:ext cx="0" cy="0"/>
+          <a:chOff x="0" y="0"/>
+          <a:chExt cx="0" cy="0"/>
+        </a:xfrm>
+      </p:grpSpPr>
+      <p:sp>
+        <p:nvSpPr>
+          <p:cNvPr id="2" name="Folienbildplatzhalter 1"/>
+          <p:cNvSpPr>
+            <a:spLocks noGrp="1" noRot="1" noChangeAspect="1"/>
+          </p:cNvSpPr>
+          <p:nvPr>
+            <p:ph type="sldImg"/>
+          </p:nvPr>
+        </p:nvSpPr>
+        <p:spPr/>
+      </p:sp>
+      <p:sp>
+        <p:nvSpPr>
+          <p:cNvPr id="3" name="Notizenplatzhalter 2"/>
+          <p:cNvSpPr>
+            <a:spLocks noGrp="1"/>
+          </p:cNvSpPr>
+          <p:nvPr>
+            <p:ph type="body" idx="1"/>
+          </p:nvPr>
+        </p:nvSpPr>
+        <p:spPr/>
+        <p:txBody>
+          <a:bodyPr/>
+          <a:lstStyle/>
+          <a:p>
+            <a:r>
+              <a:rPr lang="de-DE" dirty="0"/>
+              <a:t>RNA </a:t>
+            </a:r>
+            <a:r>
+              <a:rPr lang="de-DE" dirty="0" err="1"/>
+              <a:t>recognition</a:t>
+            </a:r>
+            <a:r>
+              <a:rPr lang="de-DE" dirty="0"/>
+              <a:t> </a:t>
+            </a:r>
+            <a:r>
+              <a:rPr lang="de-DE" dirty="0" err="1"/>
+              <a:t>motiv</a:t>
+            </a:r>
+            <a:endParaRPr lang="de-DE" dirty="0"/>
+          </a:p>
+          <a:p>
+            <a:pPr marL="171450" indent="-171450">
+              <a:buFontTx/>
+              <a:buChar char="-"/>
+            </a:pPr>
+            <a:r>
+              <a:rPr lang="de-DE" dirty="0"/>
+              <a:t>90 </a:t>
+            </a:r>
+            <a:r>
+              <a:rPr lang="de-DE" dirty="0" err="1"/>
+              <a:t>amino</a:t>
+            </a:r>
+            <a:r>
+              <a:rPr lang="de-DE" baseline="0" dirty="0"/>
+              <a:t> </a:t>
+            </a:r>
+            <a:r>
+              <a:rPr lang="de-DE" baseline="0" dirty="0" err="1"/>
+              <a:t>acids</a:t>
+            </a:r>
+            <a:endParaRPr lang="de-DE" baseline="0" dirty="0"/>
+          </a:p>
+          <a:p>
+            <a:pPr marL="0" indent="0">
+              <a:buFont typeface="Arial" panose="020B0604020202020204" pitchFamily="34" charset="0"/>
+              <a:buNone/>
+            </a:pPr>
+            <a:r>
+              <a:rPr lang="de-DE" sz="1200" dirty="0"/>
+              <a:t>Definition</a:t>
+            </a:r>
+          </a:p>
+          <a:p>
+            <a:pPr marL="171450" indent="-171450">
+              <a:buFontTx/>
+              <a:buChar char="-"/>
+            </a:pPr>
+            <a:r>
+              <a:rPr lang="de-DE" sz="1200" dirty="0"/>
+              <a:t>RNA </a:t>
+            </a:r>
+            <a:r>
+              <a:rPr lang="de-DE" sz="1200" dirty="0" err="1"/>
+              <a:t>binding</a:t>
+            </a:r>
+            <a:endParaRPr lang="de-DE" sz="1200" dirty="0"/>
+          </a:p>
+          <a:p>
+            <a:pPr marL="171450" indent="-171450">
+              <a:buFontTx/>
+              <a:buChar char="-"/>
+            </a:pPr>
+            <a:r>
+              <a:rPr lang="de-DE" sz="1200" dirty="0"/>
+              <a:t>RNA </a:t>
+            </a:r>
+            <a:r>
+              <a:rPr lang="de-DE" sz="1200" dirty="0" err="1"/>
+              <a:t>dependent</a:t>
+            </a:r>
+            <a:r>
+              <a:rPr lang="de-DE" sz="1200" dirty="0"/>
+              <a:t> (</a:t>
+            </a:r>
+            <a:r>
+              <a:rPr lang="de-DE" sz="1200" dirty="0" err="1">
+                <a:solidFill>
+                  <a:srgbClr val="0070C0"/>
+                </a:solidFill>
+              </a:rPr>
+              <a:t>interactome</a:t>
+            </a:r>
+            <a:r>
+              <a:rPr lang="de-DE" sz="1200" dirty="0"/>
+              <a:t> </a:t>
+            </a:r>
+            <a:r>
+              <a:rPr lang="de-DE" sz="1200" dirty="0" err="1"/>
+              <a:t>depends</a:t>
+            </a:r>
+            <a:r>
+              <a:rPr lang="de-DE" sz="1200" dirty="0"/>
+              <a:t> on RNA)</a:t>
+            </a:r>
+          </a:p>
+          <a:p>
+            <a:pPr marL="171450" indent="-171450">
+              <a:buFontTx/>
+              <a:buChar char="-"/>
+            </a:pPr>
+            <a:endParaRPr lang="de-DE" sz="1200" dirty="0"/>
+          </a:p>
+          <a:p>
+            <a:r>
+              <a:rPr lang="de-DE" dirty="0" err="1"/>
+              <a:t>Amino</a:t>
+            </a:r>
+            <a:r>
+              <a:rPr lang="de-DE" dirty="0"/>
+              <a:t> </a:t>
+            </a:r>
+            <a:r>
+              <a:rPr lang="de-DE" dirty="0" err="1"/>
+              <a:t>acid</a:t>
+            </a:r>
+            <a:r>
+              <a:rPr lang="de-DE" dirty="0"/>
+              <a:t> </a:t>
+            </a:r>
+            <a:r>
+              <a:rPr lang="de-DE" dirty="0" err="1"/>
+              <a:t>preferences</a:t>
+            </a:r>
+            <a:r>
+              <a:rPr lang="de-DE" dirty="0"/>
+              <a:t>: </a:t>
+            </a:r>
+          </a:p>
+          <a:p>
+            <a:endParaRPr lang="de-DE" dirty="0"/>
+          </a:p>
+          <a:p>
+            <a:r>
+              <a:rPr lang="de-DE" dirty="0"/>
+              <a:t>Regression</a:t>
+            </a:r>
+            <a:r>
+              <a:rPr lang="de-DE" baseline="0" dirty="0"/>
+              <a:t> </a:t>
+            </a:r>
+            <a:r>
+              <a:rPr lang="de-DE" baseline="0" dirty="0" err="1"/>
+              <a:t>analysis</a:t>
+            </a:r>
+            <a:r>
+              <a:rPr lang="de-DE" baseline="0" dirty="0"/>
+              <a:t>: </a:t>
+            </a:r>
+            <a:r>
+              <a:rPr lang="de-DE" baseline="0" dirty="0" err="1"/>
+              <a:t>can</a:t>
+            </a:r>
+            <a:r>
+              <a:rPr lang="de-DE" baseline="0" dirty="0"/>
+              <a:t> </a:t>
+            </a:r>
+            <a:r>
+              <a:rPr lang="de-DE" baseline="0" dirty="0" err="1"/>
+              <a:t>we</a:t>
+            </a:r>
+            <a:r>
+              <a:rPr lang="de-DE" baseline="0" dirty="0"/>
+              <a:t> </a:t>
+            </a:r>
+            <a:r>
+              <a:rPr lang="de-DE" baseline="0" dirty="0" err="1"/>
+              <a:t>predict</a:t>
+            </a:r>
+            <a:r>
+              <a:rPr lang="de-DE" baseline="0" dirty="0"/>
+              <a:t> </a:t>
+            </a:r>
+            <a:r>
+              <a:rPr lang="de-DE" baseline="0" dirty="0" err="1"/>
+              <a:t>if</a:t>
+            </a:r>
+            <a:r>
+              <a:rPr lang="de-DE" baseline="0" dirty="0"/>
+              <a:t> a </a:t>
+            </a:r>
+            <a:r>
+              <a:rPr lang="de-DE" baseline="0" dirty="0" err="1"/>
+              <a:t>protein</a:t>
+            </a:r>
+            <a:r>
+              <a:rPr lang="de-DE" baseline="0" dirty="0"/>
+              <a:t> </a:t>
+            </a:r>
+            <a:r>
+              <a:rPr lang="de-DE" baseline="0" dirty="0" err="1"/>
+              <a:t>is</a:t>
+            </a:r>
+            <a:r>
+              <a:rPr lang="de-DE" baseline="0" dirty="0"/>
+              <a:t> RNA </a:t>
+            </a:r>
+            <a:r>
+              <a:rPr lang="de-DE" baseline="0" dirty="0" err="1"/>
+              <a:t>dependent</a:t>
+            </a:r>
+            <a:r>
+              <a:rPr lang="de-DE" baseline="0" dirty="0"/>
+              <a:t> </a:t>
+            </a:r>
+            <a:r>
+              <a:rPr lang="de-DE" baseline="0" dirty="0" err="1"/>
+              <a:t>by</a:t>
+            </a:r>
+            <a:r>
+              <a:rPr lang="de-DE" baseline="0" dirty="0"/>
+              <a:t> </a:t>
+            </a:r>
+            <a:r>
+              <a:rPr lang="de-DE" baseline="0" dirty="0" err="1"/>
+              <a:t>looking</a:t>
+            </a:r>
+            <a:r>
+              <a:rPr lang="de-DE" baseline="0" dirty="0"/>
+              <a:t> at ist </a:t>
+            </a:r>
+            <a:r>
+              <a:rPr lang="de-DE" baseline="0" dirty="0" err="1"/>
+              <a:t>domains</a:t>
+            </a:r>
+            <a:r>
+              <a:rPr lang="de-DE" baseline="0" dirty="0"/>
+              <a:t> and </a:t>
+            </a:r>
+            <a:r>
+              <a:rPr lang="de-DE" baseline="0" dirty="0" err="1"/>
+              <a:t>its</a:t>
+            </a:r>
+            <a:r>
+              <a:rPr lang="de-DE" baseline="0" dirty="0"/>
+              <a:t> </a:t>
+            </a:r>
+            <a:r>
+              <a:rPr lang="de-DE" baseline="0" dirty="0" err="1"/>
+              <a:t>amino</a:t>
+            </a:r>
+            <a:r>
+              <a:rPr lang="de-DE" baseline="0" dirty="0"/>
+              <a:t> </a:t>
+            </a:r>
+            <a:r>
+              <a:rPr lang="de-DE" baseline="0" dirty="0" err="1"/>
+              <a:t>acid</a:t>
+            </a:r>
+            <a:r>
+              <a:rPr lang="de-DE" baseline="0" dirty="0"/>
+              <a:t> </a:t>
+            </a:r>
+            <a:r>
+              <a:rPr lang="de-DE" baseline="0" dirty="0" err="1"/>
+              <a:t>preferences</a:t>
+            </a:r>
+            <a:endParaRPr lang="de-DE" baseline="0" dirty="0"/>
+          </a:p>
+          <a:p>
+            <a:pPr marL="171450" indent="-171450">
+              <a:buFontTx/>
+              <a:buChar char="-"/>
+            </a:pPr>
+            <a:r>
+              <a:rPr lang="de-DE" baseline="0" dirty="0" err="1"/>
+              <a:t>How</a:t>
+            </a:r>
+            <a:r>
+              <a:rPr lang="de-DE" baseline="0" dirty="0"/>
+              <a:t> </a:t>
+            </a:r>
+            <a:r>
+              <a:rPr lang="de-DE" baseline="0" dirty="0" err="1"/>
+              <a:t>many</a:t>
+            </a:r>
+            <a:r>
+              <a:rPr lang="de-DE" baseline="0" dirty="0"/>
+              <a:t> </a:t>
+            </a:r>
+            <a:r>
+              <a:rPr lang="de-DE" baseline="0" dirty="0" err="1"/>
+              <a:t>other</a:t>
+            </a:r>
+            <a:r>
+              <a:rPr lang="de-DE" baseline="0" dirty="0"/>
+              <a:t> </a:t>
+            </a:r>
+            <a:r>
+              <a:rPr lang="de-DE" baseline="0" dirty="0" err="1"/>
+              <a:t>traits</a:t>
+            </a:r>
+            <a:r>
+              <a:rPr lang="de-DE" baseline="0" dirty="0"/>
+              <a:t> (e.g. </a:t>
+            </a:r>
+            <a:r>
+              <a:rPr lang="de-DE" baseline="0" dirty="0" err="1"/>
+              <a:t>the</a:t>
+            </a:r>
+            <a:r>
+              <a:rPr lang="de-DE" baseline="0" dirty="0"/>
+              <a:t> </a:t>
+            </a:r>
+            <a:r>
+              <a:rPr lang="de-DE" baseline="0" dirty="0" err="1"/>
+              <a:t>isoelectric</a:t>
+            </a:r>
+            <a:r>
+              <a:rPr lang="de-DE" baseline="0" dirty="0"/>
+              <a:t> </a:t>
+            </a:r>
+            <a:r>
+              <a:rPr lang="de-DE" baseline="0" dirty="0" err="1"/>
+              <a:t>point</a:t>
+            </a:r>
+            <a:r>
+              <a:rPr lang="de-DE" baseline="0" dirty="0"/>
+              <a:t>) do </a:t>
+            </a:r>
+            <a:r>
+              <a:rPr lang="de-DE" baseline="0" dirty="0" err="1"/>
+              <a:t>we</a:t>
+            </a:r>
+            <a:r>
+              <a:rPr lang="de-DE" baseline="0" dirty="0"/>
+              <a:t> </a:t>
+            </a:r>
+            <a:r>
+              <a:rPr lang="de-DE" baseline="0" dirty="0" err="1"/>
+              <a:t>have</a:t>
+            </a:r>
+            <a:r>
+              <a:rPr lang="de-DE" baseline="0" dirty="0"/>
+              <a:t> </a:t>
+            </a:r>
+            <a:r>
+              <a:rPr lang="de-DE" baseline="0" dirty="0" err="1"/>
+              <a:t>to</a:t>
+            </a:r>
+            <a:r>
+              <a:rPr lang="de-DE" baseline="0" dirty="0"/>
+              <a:t> </a:t>
+            </a:r>
+            <a:r>
+              <a:rPr lang="de-DE" baseline="0" dirty="0" err="1"/>
+              <a:t>include</a:t>
+            </a:r>
+            <a:r>
+              <a:rPr lang="de-DE" baseline="0" dirty="0"/>
+              <a:t> </a:t>
+            </a:r>
+            <a:r>
+              <a:rPr lang="de-DE" baseline="0" dirty="0" err="1"/>
+              <a:t>to</a:t>
+            </a:r>
+            <a:r>
+              <a:rPr lang="de-DE" baseline="0" dirty="0"/>
+              <a:t> </a:t>
+            </a:r>
+            <a:r>
+              <a:rPr lang="de-DE" baseline="0" dirty="0" err="1"/>
+              <a:t>make</a:t>
+            </a:r>
+            <a:r>
+              <a:rPr lang="de-DE" baseline="0" dirty="0"/>
+              <a:t> </a:t>
+            </a:r>
+            <a:r>
+              <a:rPr lang="de-DE" baseline="0" dirty="0" err="1"/>
+              <a:t>accurate</a:t>
+            </a:r>
+            <a:r>
+              <a:rPr lang="de-DE" baseline="0" dirty="0"/>
+              <a:t> </a:t>
+            </a:r>
+            <a:r>
+              <a:rPr lang="de-DE" baseline="0" dirty="0" err="1"/>
+              <a:t>predictions</a:t>
+            </a:r>
+            <a:r>
+              <a:rPr lang="de-DE" baseline="0" dirty="0"/>
+              <a:t>?</a:t>
+            </a:r>
+          </a:p>
+          <a:p>
+            <a:pPr marL="171450" indent="-171450">
+              <a:buFontTx/>
+              <a:buChar char="-"/>
+            </a:pPr>
+            <a:endParaRPr lang="de-DE" baseline="0" dirty="0"/>
+          </a:p>
+          <a:p>
+            <a:pPr marL="171450" indent="-171450">
+              <a:buFontTx/>
+              <a:buChar char="-"/>
+            </a:pPr>
+            <a:r>
+              <a:rPr lang="de-DE" baseline="0" dirty="0" err="1"/>
+              <a:t>Comparison</a:t>
+            </a:r>
+            <a:r>
+              <a:rPr lang="de-DE" baseline="0" dirty="0"/>
+              <a:t> </a:t>
+            </a:r>
+            <a:r>
+              <a:rPr lang="de-DE" baseline="0" dirty="0" err="1"/>
+              <a:t>with</a:t>
+            </a:r>
+            <a:r>
+              <a:rPr lang="de-DE" baseline="0" dirty="0"/>
+              <a:t> </a:t>
+            </a:r>
+            <a:r>
+              <a:rPr lang="de-DE" baseline="0" dirty="0" err="1"/>
+              <a:t>protein</a:t>
+            </a:r>
+            <a:r>
+              <a:rPr lang="de-DE" baseline="0" dirty="0"/>
+              <a:t> </a:t>
+            </a:r>
+            <a:r>
+              <a:rPr lang="de-DE" baseline="0" dirty="0" err="1"/>
+              <a:t>databases</a:t>
+            </a:r>
+            <a:r>
+              <a:rPr lang="de-DE" baseline="0" dirty="0"/>
+              <a:t>: </a:t>
+            </a:r>
+            <a:r>
+              <a:rPr lang="de-DE" baseline="0" dirty="0" err="1"/>
+              <a:t>later</a:t>
+            </a:r>
+            <a:r>
+              <a:rPr lang="de-DE" baseline="0" dirty="0"/>
+              <a:t>: </a:t>
+            </a:r>
+            <a:r>
+              <a:rPr lang="de-DE" baseline="0" dirty="0" err="1"/>
+              <a:t>what</a:t>
+            </a:r>
+            <a:r>
+              <a:rPr lang="de-DE" baseline="0" dirty="0"/>
+              <a:t> </a:t>
+            </a:r>
+            <a:r>
+              <a:rPr lang="de-DE" baseline="0" dirty="0" err="1"/>
+              <a:t>other</a:t>
+            </a:r>
+            <a:r>
+              <a:rPr lang="de-DE" baseline="0" dirty="0"/>
+              <a:t> </a:t>
+            </a:r>
+            <a:r>
+              <a:rPr lang="de-DE" baseline="0" dirty="0" err="1"/>
+              <a:t>traits</a:t>
+            </a:r>
+            <a:r>
+              <a:rPr lang="de-DE" baseline="0" dirty="0"/>
+              <a:t> do </a:t>
+            </a:r>
+            <a:r>
+              <a:rPr lang="de-DE" baseline="0" dirty="0" err="1"/>
+              <a:t>the</a:t>
+            </a:r>
+            <a:r>
+              <a:rPr lang="de-DE" baseline="0" dirty="0"/>
+              <a:t> RBPs </a:t>
+            </a:r>
+            <a:r>
+              <a:rPr lang="de-DE" baseline="0" dirty="0" err="1"/>
+              <a:t>we</a:t>
+            </a:r>
+            <a:r>
+              <a:rPr lang="de-DE" baseline="0" dirty="0"/>
+              <a:t> </a:t>
+            </a:r>
+            <a:r>
+              <a:rPr lang="de-DE" baseline="0" dirty="0" err="1"/>
+              <a:t>identify</a:t>
+            </a:r>
+            <a:r>
+              <a:rPr lang="de-DE" baseline="0" dirty="0"/>
+              <a:t> </a:t>
+            </a:r>
+            <a:r>
+              <a:rPr lang="de-DE" baseline="0" dirty="0" err="1"/>
+              <a:t>have</a:t>
+            </a:r>
+            <a:r>
+              <a:rPr lang="de-DE" baseline="0" dirty="0"/>
+              <a:t> in </a:t>
+            </a:r>
+            <a:r>
+              <a:rPr lang="de-DE" baseline="0" dirty="0" err="1"/>
+              <a:t>common</a:t>
+            </a:r>
+            <a:endParaRPr lang="de-DE" dirty="0"/>
+          </a:p>
+          <a:p>
+            <a:pPr marL="0" indent="0">
+              <a:buFontTx/>
+              <a:buNone/>
+            </a:pPr>
+            <a:endParaRPr lang="de-DE" sz="1200" dirty="0"/>
+          </a:p>
+          <a:p>
+            <a:pPr marL="0" indent="0">
+              <a:buFontTx/>
+              <a:buNone/>
+            </a:pPr>
+            <a:r>
+              <a:rPr lang="de-DE" dirty="0" err="1"/>
+              <a:t>Enable</a:t>
+            </a:r>
+            <a:r>
+              <a:rPr lang="de-DE" dirty="0"/>
+              <a:t> a </a:t>
+            </a:r>
+            <a:r>
+              <a:rPr lang="de-DE" dirty="0" err="1"/>
+              <a:t>fine</a:t>
+            </a:r>
+            <a:r>
+              <a:rPr lang="de-DE" dirty="0"/>
+              <a:t> </a:t>
+            </a:r>
+            <a:r>
+              <a:rPr lang="de-DE" dirty="0" err="1"/>
+              <a:t>tuned</a:t>
+            </a:r>
+            <a:r>
+              <a:rPr lang="de-DE" baseline="0" dirty="0"/>
+              <a:t> </a:t>
+            </a:r>
+            <a:r>
+              <a:rPr lang="de-DE" baseline="0" dirty="0" err="1"/>
+              <a:t>regulation</a:t>
+            </a:r>
+            <a:r>
+              <a:rPr lang="de-DE" baseline="0" dirty="0"/>
+              <a:t> </a:t>
+            </a:r>
+            <a:r>
+              <a:rPr lang="de-DE" baseline="0" dirty="0" err="1"/>
+              <a:t>of</a:t>
+            </a:r>
+            <a:r>
+              <a:rPr lang="de-DE" baseline="0" dirty="0"/>
+              <a:t> RNA</a:t>
+            </a:r>
+          </a:p>
+          <a:p>
+            <a:pPr marL="0" indent="0">
+              <a:buFontTx/>
+              <a:buNone/>
+            </a:pPr>
+            <a:r>
+              <a:rPr lang="de-DE" baseline="0" dirty="0" err="1"/>
+              <a:t>We</a:t>
+            </a:r>
+            <a:r>
+              <a:rPr lang="de-DE" baseline="0" dirty="0"/>
+              <a:t> </a:t>
+            </a:r>
+            <a:r>
+              <a:rPr lang="de-DE" baseline="0" dirty="0" err="1"/>
+              <a:t>looked</a:t>
+            </a:r>
+            <a:r>
+              <a:rPr lang="de-DE" baseline="0" dirty="0"/>
+              <a:t> at 2 </a:t>
+            </a:r>
+            <a:r>
+              <a:rPr lang="de-DE" baseline="0" dirty="0" err="1"/>
+              <a:t>phases</a:t>
+            </a:r>
+            <a:r>
+              <a:rPr lang="de-DE" baseline="0" dirty="0"/>
+              <a:t> </a:t>
+            </a:r>
+            <a:r>
+              <a:rPr lang="de-DE" baseline="0" dirty="0" err="1"/>
+              <a:t>of</a:t>
+            </a:r>
+            <a:r>
+              <a:rPr lang="de-DE" baseline="0" dirty="0"/>
+              <a:t> </a:t>
+            </a:r>
+            <a:r>
+              <a:rPr lang="de-DE" baseline="0" dirty="0" err="1"/>
+              <a:t>the</a:t>
+            </a:r>
+            <a:r>
+              <a:rPr lang="de-DE" baseline="0" dirty="0"/>
+              <a:t> </a:t>
+            </a:r>
+            <a:r>
+              <a:rPr lang="de-DE" baseline="0" dirty="0" err="1"/>
+              <a:t>cell</a:t>
+            </a:r>
+            <a:r>
+              <a:rPr lang="de-DE" baseline="0" dirty="0"/>
+              <a:t> </a:t>
+            </a:r>
+            <a:r>
+              <a:rPr lang="de-DE" baseline="0" dirty="0" err="1"/>
+              <a:t>cycle</a:t>
+            </a:r>
+            <a:r>
+              <a:rPr lang="de-DE" baseline="0" dirty="0"/>
+              <a:t> </a:t>
+            </a:r>
+            <a:r>
+              <a:rPr lang="de-DE" baseline="0" dirty="0" err="1"/>
+              <a:t>to</a:t>
+            </a:r>
+            <a:r>
+              <a:rPr lang="de-DE" baseline="0" dirty="0"/>
+              <a:t> </a:t>
+            </a:r>
+            <a:r>
+              <a:rPr lang="de-DE" baseline="0" dirty="0" err="1"/>
+              <a:t>see</a:t>
+            </a:r>
+            <a:r>
+              <a:rPr lang="de-DE" baseline="0" dirty="0"/>
+              <a:t> </a:t>
+            </a:r>
+            <a:r>
+              <a:rPr lang="de-DE" baseline="0" dirty="0" err="1"/>
+              <a:t>if</a:t>
+            </a:r>
+            <a:r>
+              <a:rPr lang="de-DE" baseline="0" dirty="0"/>
+              <a:t> </a:t>
+            </a:r>
+            <a:r>
+              <a:rPr lang="de-DE" baseline="0" dirty="0" err="1"/>
+              <a:t>we</a:t>
+            </a:r>
+            <a:r>
+              <a:rPr lang="de-DE" baseline="0" dirty="0"/>
+              <a:t> </a:t>
+            </a:r>
+            <a:r>
+              <a:rPr lang="de-DE" baseline="0" dirty="0" err="1"/>
+              <a:t>could</a:t>
+            </a:r>
+            <a:r>
+              <a:rPr lang="de-DE" baseline="0" dirty="0"/>
+              <a:t> </a:t>
+            </a:r>
+            <a:r>
+              <a:rPr lang="de-DE" baseline="0" dirty="0" err="1"/>
+              <a:t>identify</a:t>
+            </a:r>
+            <a:r>
+              <a:rPr lang="de-DE" baseline="0" dirty="0"/>
+              <a:t> </a:t>
+            </a:r>
+            <a:r>
+              <a:rPr lang="de-DE" baseline="0" dirty="0" err="1"/>
+              <a:t>changes</a:t>
+            </a:r>
+            <a:endParaRPr lang="de-DE" dirty="0"/>
+          </a:p>
+        </p:txBody>
+      </p:sp>
+      <p:sp>
+        <p:nvSpPr>
+          <p:cNvPr id="4" name="Foliennummernplatzhalter 3"/>
+          <p:cNvSpPr>
+            <a:spLocks noGrp="1"/>
+          </p:cNvSpPr>
+          <p:nvPr>
+            <p:ph type="sldNum" sz="quarter" idx="10"/>
+          </p:nvPr>
+        </p:nvSpPr>
+        <p:spPr/>
+        <p:txBody>
+          <a:bodyPr/>
+          <a:lstStyle/>
+          <a:p>
+            <a:fld id="{DE3B62AE-3B17-4B0C-A534-34D6AFEF94BD}" type="slidenum">
+              <a:rPr lang="de-DE" smtClean="0"/>
+              <a:t>29</a:t>
+            </a:fld>
+            <a:endParaRPr lang="de-DE"/>
+          </a:p>
+        </p:txBody>
+      </p:sp>
+    </p:spTree>
+    <p:extLst>
+      <p:ext uri="{BB962C8B-B14F-4D97-AF65-F5344CB8AC3E}">
+        <p14:creationId xmlns:p14="http://schemas.microsoft.com/office/powerpoint/2010/main" val="943831144"/>
+      </p:ext>
+    </p:extLst>
+  </p:cSld>
+  <p:clrMapOvr>
+    <a:masterClrMapping/>
+  </p:clrMapOvr>
+</p:notes>
+</file>
+
+<file path=ppt/notesSlides/notesSlide14.xml><?xml version="1.0" encoding="utf-8"?>
+<p:notes xmlns:a="http://schemas.openxmlformats.org/drawingml/2006/main" xmlns:r="http://schemas.openxmlformats.org/officeDocument/2006/relationships" xmlns:p="http://schemas.openxmlformats.org/presentationml/2006/main">
+  <p:cSld>
+    <p:spTree>
+      <p:nvGrpSpPr>
+        <p:cNvPr id="1" name=""/>
+        <p:cNvGrpSpPr/>
+        <p:nvPr/>
+      </p:nvGrpSpPr>
+      <p:grpSpPr>
+        <a:xfrm>
+          <a:off x="0" y="0"/>
+          <a:ext cx="0" cy="0"/>
+          <a:chOff x="0" y="0"/>
+          <a:chExt cx="0" cy="0"/>
+        </a:xfrm>
+      </p:grpSpPr>
+      <p:sp>
+        <p:nvSpPr>
+          <p:cNvPr id="2" name="Folienbildplatzhalter 1"/>
+          <p:cNvSpPr>
+            <a:spLocks noGrp="1" noRot="1" noChangeAspect="1"/>
+          </p:cNvSpPr>
+          <p:nvPr>
+            <p:ph type="sldImg"/>
+          </p:nvPr>
+        </p:nvSpPr>
+        <p:spPr/>
+      </p:sp>
+      <p:sp>
+        <p:nvSpPr>
+          <p:cNvPr id="3" name="Notizenplatzhalter 2"/>
+          <p:cNvSpPr>
+            <a:spLocks noGrp="1"/>
+          </p:cNvSpPr>
+          <p:nvPr>
+            <p:ph type="body" idx="1"/>
+          </p:nvPr>
+        </p:nvSpPr>
+        <p:spPr/>
+        <p:txBody>
+          <a:bodyPr/>
+          <a:lstStyle/>
+          <a:p>
             <a:pPr marL="171450" indent="-171450">
               <a:buFontTx/>
               <a:buChar char="-"/>
@@ -5758,92 +8154,466 @@
           <a:lstStyle/>
           <a:p>
             <a:r>
-              <a:rPr lang="de-DE" dirty="0" err="1"/>
-              <a:t>Coiled</a:t>
-            </a:r>
-            <a:r>
-              <a:rPr lang="de-DE" dirty="0"/>
-              <a:t> </a:t>
-            </a:r>
-            <a:r>
-              <a:rPr lang="de-DE" dirty="0" err="1"/>
-              <a:t>coil</a:t>
-            </a:r>
-            <a:r>
-              <a:rPr lang="de-DE" dirty="0"/>
-              <a:t> </a:t>
-            </a:r>
-            <a:r>
-              <a:rPr lang="de-DE" dirty="0" err="1"/>
+              <a:rPr lang="de-DE" dirty="0" err="1" smtClean="0"/>
+              <a:t>For</a:t>
+            </a:r>
+            <a:r>
+              <a:rPr lang="de-DE" dirty="0" smtClean="0"/>
+              <a:t> an </a:t>
+            </a:r>
+            <a:r>
+              <a:rPr lang="de-DE" dirty="0" err="1" smtClean="0"/>
+              <a:t>estimate</a:t>
+            </a:r>
+            <a:r>
+              <a:rPr lang="de-DE" baseline="0" dirty="0" smtClean="0"/>
+              <a:t>/</a:t>
+            </a:r>
+            <a:r>
+              <a:rPr lang="de-DE" baseline="0" dirty="0" err="1" smtClean="0"/>
+              <a:t>validation</a:t>
+            </a:r>
+            <a:r>
+              <a:rPr lang="de-DE" baseline="0" dirty="0" smtClean="0"/>
+              <a:t> </a:t>
+            </a:r>
+            <a:r>
+              <a:rPr lang="de-DE" baseline="0" dirty="0" err="1" smtClean="0"/>
+              <a:t>of</a:t>
+            </a:r>
+            <a:r>
+              <a:rPr lang="de-DE" baseline="0" dirty="0" smtClean="0"/>
+              <a:t> </a:t>
+            </a:r>
+            <a:r>
+              <a:rPr lang="de-DE" baseline="0" dirty="0" err="1" smtClean="0"/>
+              <a:t>our</a:t>
+            </a:r>
+            <a:r>
+              <a:rPr lang="de-DE" baseline="0" dirty="0" smtClean="0"/>
+              <a:t> </a:t>
+            </a:r>
+            <a:r>
+              <a:rPr lang="de-DE" baseline="0" dirty="0" err="1" smtClean="0"/>
+              <a:t>results</a:t>
+            </a:r>
+            <a:r>
+              <a:rPr lang="de-DE" baseline="0" dirty="0" smtClean="0"/>
+              <a:t> </a:t>
+            </a:r>
+            <a:r>
+              <a:rPr lang="de-DE" baseline="0" dirty="0" err="1" smtClean="0"/>
+              <a:t>we</a:t>
+            </a:r>
+            <a:r>
+              <a:rPr lang="de-DE" baseline="0" dirty="0" smtClean="0"/>
+              <a:t> </a:t>
+            </a:r>
+            <a:r>
+              <a:rPr lang="de-DE" baseline="0" dirty="0" err="1" smtClean="0"/>
+              <a:t>compared</a:t>
+            </a:r>
+            <a:r>
+              <a:rPr lang="de-DE" baseline="0" dirty="0" smtClean="0"/>
+              <a:t> </a:t>
+            </a:r>
+            <a:r>
+              <a:rPr lang="de-DE" baseline="0" dirty="0" err="1" smtClean="0"/>
+              <a:t>which</a:t>
+            </a:r>
+            <a:r>
+              <a:rPr lang="de-DE" baseline="0" dirty="0" smtClean="0"/>
+              <a:t> RBPs </a:t>
+            </a:r>
+            <a:r>
+              <a:rPr lang="de-DE" baseline="0" dirty="0" err="1" smtClean="0"/>
+              <a:t>we</a:t>
+            </a:r>
+            <a:r>
+              <a:rPr lang="de-DE" baseline="0" dirty="0" smtClean="0"/>
+              <a:t> </a:t>
+            </a:r>
+            <a:r>
+              <a:rPr lang="de-DE" baseline="0" dirty="0" err="1" smtClean="0"/>
+              <a:t>found</a:t>
+            </a:r>
+            <a:r>
+              <a:rPr lang="de-DE" baseline="0" dirty="0" smtClean="0"/>
+              <a:t> </a:t>
+            </a:r>
+            <a:r>
+              <a:rPr lang="de-DE" baseline="0" dirty="0" err="1" smtClean="0"/>
+              <a:t>to</a:t>
+            </a:r>
+            <a:r>
+              <a:rPr lang="de-DE" baseline="0" dirty="0" smtClean="0"/>
+              <a:t> </a:t>
+            </a:r>
+            <a:r>
+              <a:rPr lang="de-DE" baseline="0" dirty="0" err="1" smtClean="0"/>
+              <a:t>the</a:t>
+            </a:r>
+            <a:r>
+              <a:rPr lang="de-DE" baseline="0" dirty="0" smtClean="0"/>
+              <a:t> R-</a:t>
+            </a:r>
+            <a:r>
+              <a:rPr lang="de-DE" baseline="0" dirty="0" err="1" smtClean="0"/>
+              <a:t>DeeP</a:t>
+            </a:r>
+            <a:r>
+              <a:rPr lang="de-DE" baseline="0" dirty="0" smtClean="0"/>
+              <a:t> </a:t>
+            </a:r>
+            <a:r>
+              <a:rPr lang="de-DE" baseline="0" dirty="0" err="1" smtClean="0"/>
+              <a:t>database</a:t>
+            </a:r>
+            <a:endParaRPr lang="de-DE" dirty="0" smtClean="0"/>
+          </a:p>
+          <a:p>
+            <a:endParaRPr lang="de-DE" dirty="0" smtClean="0"/>
+          </a:p>
+          <a:p>
+            <a:endParaRPr lang="de-DE" dirty="0" smtClean="0"/>
+          </a:p>
+          <a:p>
+            <a:r>
+              <a:rPr lang="de-DE" dirty="0" err="1" smtClean="0"/>
+              <a:t>We</a:t>
+            </a:r>
+            <a:r>
+              <a:rPr lang="de-DE" dirty="0" smtClean="0"/>
+              <a:t> </a:t>
+            </a:r>
+            <a:r>
+              <a:rPr lang="de-DE" dirty="0" err="1" smtClean="0"/>
+              <a:t>compared</a:t>
+            </a:r>
+            <a:r>
+              <a:rPr lang="de-DE" dirty="0" smtClean="0"/>
+              <a:t> </a:t>
+            </a:r>
+            <a:r>
+              <a:rPr lang="de-DE" dirty="0" err="1" smtClean="0"/>
+              <a:t>our</a:t>
+            </a:r>
+            <a:r>
+              <a:rPr lang="de-DE" dirty="0" smtClean="0"/>
+              <a:t> </a:t>
+            </a:r>
+            <a:r>
+              <a:rPr lang="de-DE" dirty="0" err="1" smtClean="0"/>
+              <a:t>results</a:t>
+            </a:r>
+            <a:r>
+              <a:rPr lang="de-DE" baseline="0" dirty="0" smtClean="0"/>
+              <a:t> </a:t>
+            </a:r>
+            <a:r>
+              <a:rPr lang="de-DE" baseline="0" dirty="0" err="1" smtClean="0"/>
+              <a:t>with</a:t>
+            </a:r>
+            <a:r>
+              <a:rPr lang="de-DE" baseline="0" dirty="0" smtClean="0"/>
+              <a:t> </a:t>
+            </a:r>
+            <a:r>
+              <a:rPr lang="de-DE" baseline="0" dirty="0" err="1" smtClean="0"/>
+              <a:t>the</a:t>
+            </a:r>
+            <a:r>
+              <a:rPr lang="de-DE" baseline="0" dirty="0" smtClean="0"/>
+              <a:t> R-</a:t>
+            </a:r>
+            <a:r>
+              <a:rPr lang="de-DE" baseline="0" dirty="0" err="1" smtClean="0"/>
+              <a:t>DeeP</a:t>
+            </a:r>
+            <a:r>
+              <a:rPr lang="de-DE" baseline="0" dirty="0" smtClean="0"/>
+              <a:t> </a:t>
+            </a:r>
+            <a:r>
+              <a:rPr lang="de-DE" baseline="0" dirty="0" err="1" smtClean="0"/>
+              <a:t>database</a:t>
+            </a:r>
+            <a:r>
+              <a:rPr lang="de-DE" baseline="0" dirty="0" smtClean="0"/>
+              <a:t>, </a:t>
+            </a:r>
+            <a:r>
+              <a:rPr lang="de-DE" baseline="0" dirty="0" err="1" smtClean="0"/>
+              <a:t>who</a:t>
+            </a:r>
+            <a:r>
+              <a:rPr lang="de-DE" baseline="0" dirty="0" smtClean="0"/>
+              <a:t> </a:t>
+            </a:r>
+            <a:r>
+              <a:rPr lang="de-DE" baseline="0" dirty="0" err="1" smtClean="0"/>
+              <a:t>obtained</a:t>
+            </a:r>
+            <a:r>
+              <a:rPr lang="de-DE" baseline="0" dirty="0" smtClean="0"/>
+              <a:t> ist </a:t>
+            </a:r>
+            <a:r>
+              <a:rPr lang="de-DE" baseline="0" dirty="0" err="1" smtClean="0"/>
+              <a:t>data</a:t>
+            </a:r>
+            <a:r>
+              <a:rPr lang="de-DE" baseline="0" dirty="0" smtClean="0"/>
+              <a:t> </a:t>
+            </a:r>
+            <a:r>
+              <a:rPr lang="de-DE" baseline="0" dirty="0" err="1" smtClean="0"/>
+              <a:t>by</a:t>
+            </a:r>
+            <a:r>
+              <a:rPr lang="de-DE" baseline="0" dirty="0" smtClean="0"/>
+              <a:t> </a:t>
+            </a:r>
+            <a:r>
+              <a:rPr lang="de-DE" baseline="0" dirty="0" err="1" smtClean="0"/>
+              <a:t>the</a:t>
+            </a:r>
+            <a:r>
+              <a:rPr lang="de-DE" baseline="0" dirty="0" smtClean="0"/>
+              <a:t> same experimental </a:t>
+            </a:r>
+            <a:r>
+              <a:rPr lang="de-DE" baseline="0" dirty="0" err="1" smtClean="0"/>
+              <a:t>methods</a:t>
+            </a:r>
+            <a:endParaRPr lang="de-DE" baseline="0" dirty="0" smtClean="0"/>
+          </a:p>
+          <a:p>
+            <a:r>
+              <a:rPr lang="de-DE" baseline="0" dirty="0" err="1" smtClean="0"/>
+              <a:t>We</a:t>
+            </a:r>
+            <a:r>
+              <a:rPr lang="de-DE" baseline="0" dirty="0" smtClean="0"/>
+              <a:t> </a:t>
+            </a:r>
+            <a:r>
+              <a:rPr lang="de-DE" baseline="0" dirty="0" err="1" smtClean="0"/>
+              <a:t>found</a:t>
+            </a:r>
+            <a:r>
+              <a:rPr lang="de-DE" baseline="0" dirty="0" smtClean="0"/>
+              <a:t> an </a:t>
+            </a:r>
+            <a:r>
+              <a:rPr lang="de-DE" baseline="0" dirty="0" err="1" smtClean="0"/>
+              <a:t>overlap</a:t>
+            </a:r>
+            <a:r>
+              <a:rPr lang="de-DE" baseline="0" dirty="0" smtClean="0"/>
+              <a:t> </a:t>
+            </a:r>
+            <a:r>
+              <a:rPr lang="de-DE" baseline="0" dirty="0" err="1" smtClean="0"/>
+              <a:t>of</a:t>
+            </a:r>
+            <a:r>
+              <a:rPr lang="de-DE" baseline="0" dirty="0" smtClean="0"/>
+              <a:t> x </a:t>
+            </a:r>
+            <a:r>
+              <a:rPr lang="de-DE" baseline="0" dirty="0" err="1" smtClean="0"/>
+              <a:t>proteins</a:t>
+            </a:r>
+            <a:r>
+              <a:rPr lang="de-DE" baseline="0" dirty="0" smtClean="0"/>
+              <a:t> </a:t>
+            </a:r>
+            <a:r>
+              <a:rPr lang="de-DE" baseline="0" dirty="0" err="1" smtClean="0"/>
+              <a:t>which</a:t>
+            </a:r>
+            <a:r>
+              <a:rPr lang="de-DE" baseline="0" dirty="0" smtClean="0"/>
+              <a:t> </a:t>
+            </a:r>
+            <a:r>
+              <a:rPr lang="de-DE" baseline="0" dirty="0" err="1" smtClean="0"/>
+              <a:t>we</a:t>
+            </a:r>
+            <a:r>
+              <a:rPr lang="de-DE" baseline="0" dirty="0" smtClean="0"/>
+              <a:t> </a:t>
+            </a:r>
+            <a:r>
+              <a:rPr lang="de-DE" baseline="0" dirty="0" err="1" smtClean="0"/>
+              <a:t>had</a:t>
+            </a:r>
+            <a:r>
+              <a:rPr lang="de-DE" baseline="0" dirty="0" smtClean="0"/>
+              <a:t> also </a:t>
+            </a:r>
+            <a:r>
+              <a:rPr lang="de-DE" baseline="0" dirty="0" err="1" smtClean="0"/>
+              <a:t>defined</a:t>
+            </a:r>
+            <a:r>
+              <a:rPr lang="de-DE" baseline="0" dirty="0" smtClean="0"/>
+              <a:t> </a:t>
+            </a:r>
+            <a:r>
+              <a:rPr lang="de-DE" baseline="0" dirty="0" err="1" smtClean="0"/>
+              <a:t>to</a:t>
+            </a:r>
+            <a:r>
+              <a:rPr lang="de-DE" baseline="0" dirty="0" smtClean="0"/>
+              <a:t> </a:t>
+            </a:r>
+            <a:r>
+              <a:rPr lang="de-DE" baseline="0" dirty="0" err="1" smtClean="0"/>
+              <a:t>be</a:t>
+            </a:r>
+            <a:r>
+              <a:rPr lang="de-DE" baseline="0" dirty="0" smtClean="0"/>
+              <a:t> RBPs</a:t>
+            </a:r>
+          </a:p>
+          <a:p>
+            <a:r>
+              <a:rPr lang="de-DE" baseline="0" dirty="0" err="1" smtClean="0"/>
+              <a:t>For</a:t>
+            </a:r>
+            <a:r>
+              <a:rPr lang="de-DE" baseline="0" dirty="0" smtClean="0"/>
+              <a:t> x </a:t>
+            </a:r>
+            <a:r>
+              <a:rPr lang="de-DE" baseline="0" dirty="0" err="1" smtClean="0"/>
+              <a:t>protein</a:t>
+            </a:r>
+            <a:r>
+              <a:rPr lang="de-DE" baseline="0" dirty="0" smtClean="0"/>
+              <a:t> was </a:t>
+            </a:r>
+            <a:r>
+              <a:rPr lang="de-DE" baseline="0" dirty="0" err="1" smtClean="0"/>
+              <a:t>no</a:t>
+            </a:r>
+            <a:r>
+              <a:rPr lang="de-DE" baseline="0" dirty="0" smtClean="0"/>
+              <a:t> </a:t>
+            </a:r>
+            <a:r>
+              <a:rPr lang="de-DE" baseline="0" dirty="0" err="1" smtClean="0"/>
+              <a:t>data</a:t>
+            </a:r>
+            <a:r>
+              <a:rPr lang="de-DE" baseline="0" dirty="0" smtClean="0"/>
+              <a:t> </a:t>
+            </a:r>
+            <a:r>
+              <a:rPr lang="de-DE" baseline="0" dirty="0" err="1" smtClean="0"/>
+              <a:t>available</a:t>
+            </a:r>
+            <a:r>
+              <a:rPr lang="de-DE" baseline="0" dirty="0" smtClean="0"/>
+              <a:t> </a:t>
+            </a:r>
+            <a:r>
+              <a:rPr lang="de-DE" baseline="0" dirty="0" err="1" smtClean="0"/>
               <a:t>and</a:t>
             </a:r>
             <a:r>
-              <a:rPr lang="de-DE" dirty="0"/>
-              <a:t> </a:t>
-            </a:r>
-            <a:r>
-              <a:rPr lang="de-DE" dirty="0" err="1"/>
-              <a:t>intriniscally</a:t>
-            </a:r>
-            <a:r>
-              <a:rPr lang="de-DE" baseline="0" dirty="0"/>
-              <a:t> </a:t>
-            </a:r>
-            <a:r>
-              <a:rPr lang="de-DE" baseline="0" dirty="0" err="1"/>
-              <a:t>disordered</a:t>
-            </a:r>
-            <a:r>
-              <a:rPr lang="de-DE" baseline="0" dirty="0"/>
-              <a:t> </a:t>
-            </a:r>
-            <a:r>
-              <a:rPr lang="de-DE" baseline="0" dirty="0" err="1"/>
-              <a:t>regions</a:t>
-            </a:r>
-            <a:r>
-              <a:rPr lang="de-DE" baseline="0" dirty="0"/>
-              <a:t> (last </a:t>
-            </a:r>
-            <a:r>
-              <a:rPr lang="de-DE" baseline="0" dirty="0" err="1"/>
-              <a:t>ones</a:t>
-            </a:r>
-            <a:r>
-              <a:rPr lang="de-DE" baseline="0" dirty="0"/>
-              <a:t> </a:t>
-            </a:r>
-            <a:r>
-              <a:rPr lang="de-DE" baseline="0" dirty="0" err="1"/>
-              <a:t>enable</a:t>
-            </a:r>
-            <a:r>
-              <a:rPr lang="de-DE" baseline="0" dirty="0"/>
-              <a:t> an </a:t>
-            </a:r>
-            <a:r>
-              <a:rPr lang="de-DE" baseline="0" dirty="0" err="1"/>
-              <a:t>unspecific</a:t>
-            </a:r>
-            <a:r>
-              <a:rPr lang="de-DE" baseline="0" dirty="0"/>
-              <a:t> </a:t>
-            </a:r>
-            <a:r>
-              <a:rPr lang="de-DE" baseline="0" dirty="0" err="1"/>
-              <a:t>binding</a:t>
-            </a:r>
-            <a:r>
-              <a:rPr lang="de-DE" baseline="0" dirty="0"/>
-              <a:t> </a:t>
-            </a:r>
-            <a:r>
-              <a:rPr lang="de-DE" baseline="0" dirty="0" err="1"/>
+              <a:rPr lang="de-DE" baseline="0" dirty="0" smtClean="0"/>
+              <a:t> </a:t>
+            </a:r>
+            <a:r>
+              <a:rPr lang="de-DE" baseline="0" dirty="0" err="1" smtClean="0"/>
+              <a:t>for</a:t>
+            </a:r>
+            <a:r>
+              <a:rPr lang="de-DE" baseline="0" dirty="0" smtClean="0"/>
+              <a:t> x </a:t>
+            </a:r>
+            <a:r>
+              <a:rPr lang="de-DE" baseline="0" dirty="0" err="1" smtClean="0"/>
+              <a:t>proteins</a:t>
+            </a:r>
+            <a:r>
+              <a:rPr lang="de-DE" baseline="0" dirty="0" smtClean="0"/>
+              <a:t> R-</a:t>
+            </a:r>
+            <a:r>
+              <a:rPr lang="de-DE" baseline="0" dirty="0" err="1" smtClean="0"/>
+              <a:t>DeeP</a:t>
+            </a:r>
+            <a:r>
+              <a:rPr lang="de-DE" baseline="0" dirty="0" smtClean="0"/>
+              <a:t> </a:t>
+            </a:r>
+            <a:r>
+              <a:rPr lang="de-DE" baseline="0" dirty="0" err="1" smtClean="0"/>
+              <a:t>did</a:t>
+            </a:r>
+            <a:r>
+              <a:rPr lang="de-DE" baseline="0" dirty="0" smtClean="0"/>
+              <a:t> not find an RBP (</a:t>
+            </a:r>
+            <a:r>
+              <a:rPr lang="de-DE" baseline="0" dirty="0" err="1" smtClean="0"/>
+              <a:t>this</a:t>
+            </a:r>
+            <a:r>
+              <a:rPr lang="de-DE" baseline="0" dirty="0" smtClean="0"/>
+              <a:t> </a:t>
+            </a:r>
+            <a:r>
+              <a:rPr lang="de-DE" baseline="0" dirty="0" err="1" smtClean="0"/>
+              <a:t>might</a:t>
+            </a:r>
+            <a:r>
+              <a:rPr lang="de-DE" baseline="0" dirty="0" smtClean="0"/>
+              <a:t> </a:t>
+            </a:r>
+            <a:r>
+              <a:rPr lang="de-DE" baseline="0" dirty="0" err="1" smtClean="0"/>
+              <a:t>be</a:t>
+            </a:r>
+            <a:r>
+              <a:rPr lang="de-DE" baseline="0" dirty="0" smtClean="0"/>
+              <a:t> due </a:t>
+            </a:r>
+            <a:r>
+              <a:rPr lang="de-DE" baseline="0" dirty="0" err="1" smtClean="0"/>
               <a:t>to</a:t>
             </a:r>
             <a:r>
-              <a:rPr lang="de-DE" baseline="0" dirty="0"/>
-              <a:t> RNA</a:t>
+              <a:rPr lang="de-DE" baseline="0" dirty="0" smtClean="0"/>
+              <a:t> </a:t>
+            </a:r>
+            <a:r>
+              <a:rPr lang="de-DE" baseline="0" dirty="0" err="1" smtClean="0"/>
+              <a:t>differences</a:t>
+            </a:r>
+            <a:r>
+              <a:rPr lang="de-DE" baseline="0" dirty="0" smtClean="0"/>
+              <a:t> in </a:t>
+            </a:r>
+            <a:r>
+              <a:rPr lang="de-DE" baseline="0" dirty="0" err="1" smtClean="0"/>
+              <a:t>statistical</a:t>
+            </a:r>
+            <a:r>
+              <a:rPr lang="de-DE" baseline="0" dirty="0" smtClean="0"/>
+              <a:t> </a:t>
+            </a:r>
+            <a:r>
+              <a:rPr lang="de-DE" baseline="0" dirty="0" err="1" smtClean="0"/>
+              <a:t>testing</a:t>
+            </a:r>
+            <a:r>
+              <a:rPr lang="de-DE" baseline="0" dirty="0" smtClean="0"/>
+              <a:t>)</a:t>
             </a:r>
             <a:endParaRPr lang="de-DE" dirty="0"/>
           </a:p>
@@ -5866,7 +8636,7 @@
           <a:p>
             <a:fld id="{CAD725D7-3157-4FF7-8F2A-10244555D54B}" type="slidenum">
               <a:rPr lang="en-GB" smtClean="0"/>
-              <a:t>22</a:t>
+              <a:t>20</a:t>
             </a:fld>
             <a:endParaRPr lang="en-GB"/>
           </a:p>
@@ -5875,7 +8645,7 @@
     </p:spTree>
     <p:extLst>
       <p:ext uri="{BB962C8B-B14F-4D97-AF65-F5344CB8AC3E}">
-        <p14:creationId xmlns:p14="http://schemas.microsoft.com/office/powerpoint/2010/main" val="339614223"/>
+        <p14:creationId xmlns:p14="http://schemas.microsoft.com/office/powerpoint/2010/main" val="3236524820"/>
       </p:ext>
     </p:extLst>
   </p:cSld>
@@ -5930,120 +8700,424 @@
           <a:lstStyle/>
           <a:p>
             <a:r>
-              <a:rPr lang="de-DE" dirty="0" err="1"/>
-              <a:t>Why</a:t>
-            </a:r>
-            <a:r>
-              <a:rPr lang="de-DE" dirty="0"/>
-              <a:t> </a:t>
-            </a:r>
-            <a:r>
-              <a:rPr lang="de-DE" dirty="0" err="1"/>
-              <a:t>is</a:t>
-            </a:r>
-            <a:r>
-              <a:rPr lang="de-DE" dirty="0"/>
-              <a:t> </a:t>
-            </a:r>
-            <a:r>
-              <a:rPr lang="de-DE" dirty="0" err="1"/>
+              <a:rPr lang="de-DE" dirty="0" smtClean="0"/>
+              <a:t>Next</a:t>
+            </a:r>
+            <a:r>
+              <a:rPr lang="de-DE" baseline="0" dirty="0" smtClean="0"/>
+              <a:t> (also </a:t>
+            </a:r>
+            <a:r>
+              <a:rPr lang="de-DE" baseline="0" dirty="0" err="1" smtClean="0"/>
+              <a:t>using</a:t>
+            </a:r>
+            <a:r>
+              <a:rPr lang="de-DE" baseline="0" dirty="0" smtClean="0"/>
+              <a:t> R-</a:t>
+            </a:r>
+            <a:r>
+              <a:rPr lang="de-DE" baseline="0" dirty="0" err="1" smtClean="0"/>
+              <a:t>DeeP</a:t>
+            </a:r>
+            <a:r>
+              <a:rPr lang="de-DE" baseline="0" dirty="0" smtClean="0"/>
+              <a:t>) </a:t>
+            </a:r>
+            <a:r>
+              <a:rPr lang="de-DE" baseline="0" dirty="0" err="1" smtClean="0"/>
+              <a:t>we</a:t>
+            </a:r>
+            <a:r>
+              <a:rPr lang="de-DE" baseline="0" dirty="0" smtClean="0"/>
+              <a:t> </a:t>
+            </a:r>
+            <a:r>
+              <a:rPr lang="de-DE" baseline="0" dirty="0" err="1" smtClean="0"/>
+              <a:t>wanted</a:t>
+            </a:r>
+            <a:r>
+              <a:rPr lang="de-DE" baseline="0" dirty="0" smtClean="0"/>
+              <a:t> </a:t>
+            </a:r>
+            <a:r>
+              <a:rPr lang="de-DE" baseline="0" dirty="0" err="1" smtClean="0"/>
+              <a:t>to</a:t>
+            </a:r>
+            <a:r>
+              <a:rPr lang="de-DE" baseline="0" dirty="0" smtClean="0"/>
+              <a:t> </a:t>
+            </a:r>
+            <a:r>
+              <a:rPr lang="de-DE" baseline="0" dirty="0" err="1" smtClean="0"/>
+              <a:t>see</a:t>
+            </a:r>
+            <a:r>
+              <a:rPr lang="de-DE" baseline="0" dirty="0" smtClean="0"/>
+              <a:t>, </a:t>
+            </a:r>
+            <a:r>
+              <a:rPr lang="de-DE" baseline="0" dirty="0" err="1" smtClean="0"/>
+              <a:t>what</a:t>
+            </a:r>
+            <a:r>
+              <a:rPr lang="de-DE" baseline="0" dirty="0" smtClean="0"/>
+              <a:t> </a:t>
+            </a:r>
+            <a:r>
+              <a:rPr lang="de-DE" baseline="0" dirty="0" err="1" smtClean="0"/>
+              <a:t>other</a:t>
+            </a:r>
+            <a:r>
+              <a:rPr lang="de-DE" baseline="0" dirty="0" smtClean="0"/>
+              <a:t> </a:t>
+            </a:r>
+            <a:r>
+              <a:rPr lang="de-DE" baseline="0" dirty="0" err="1" smtClean="0"/>
+              <a:t>studies</a:t>
+            </a:r>
+            <a:r>
+              <a:rPr lang="de-DE" baseline="0" dirty="0" smtClean="0"/>
+              <a:t> </a:t>
+            </a:r>
+            <a:r>
+              <a:rPr lang="de-DE" baseline="0" dirty="0" err="1" smtClean="0"/>
+              <a:t>had</a:t>
+            </a:r>
+            <a:r>
+              <a:rPr lang="de-DE" baseline="0" dirty="0" smtClean="0"/>
+              <a:t> </a:t>
+            </a:r>
+            <a:r>
+              <a:rPr lang="de-DE" baseline="0" dirty="0" err="1" smtClean="0"/>
+              <a:t>found</a:t>
+            </a:r>
+            <a:endParaRPr lang="de-DE" baseline="0" dirty="0" smtClean="0"/>
+          </a:p>
+          <a:p>
+            <a:r>
+              <a:rPr lang="de-DE" baseline="0" dirty="0" err="1" smtClean="0"/>
+              <a:t>For</a:t>
+            </a:r>
+            <a:r>
+              <a:rPr lang="de-DE" baseline="0" dirty="0" smtClean="0"/>
+              <a:t> </a:t>
+            </a:r>
+            <a:r>
+              <a:rPr lang="de-DE" baseline="0" dirty="0" err="1" smtClean="0"/>
+              <a:t>some</a:t>
+            </a:r>
+            <a:r>
+              <a:rPr lang="de-DE" baseline="0" dirty="0" smtClean="0"/>
+              <a:t> </a:t>
+            </a:r>
+            <a:r>
+              <a:rPr lang="de-DE" baseline="0" dirty="0" err="1" smtClean="0"/>
+              <a:t>proteins</a:t>
+            </a:r>
+            <a:r>
+              <a:rPr lang="de-DE" baseline="0" dirty="0" smtClean="0"/>
+              <a:t> </a:t>
+            </a:r>
+            <a:r>
+              <a:rPr lang="de-DE" baseline="0" dirty="0" err="1" smtClean="0"/>
               <a:t>it</a:t>
             </a:r>
             <a:r>
-              <a:rPr lang="de-DE" dirty="0"/>
-              <a:t> </a:t>
-            </a:r>
-            <a:r>
-              <a:rPr lang="de-DE" dirty="0" err="1"/>
-              <a:t>important</a:t>
-            </a:r>
-            <a:r>
-              <a:rPr lang="de-DE" dirty="0"/>
-              <a:t> </a:t>
-            </a:r>
-            <a:r>
-              <a:rPr lang="de-DE" dirty="0" err="1"/>
-              <a:t>to</a:t>
-            </a:r>
-            <a:r>
-              <a:rPr lang="de-DE" dirty="0"/>
-              <a:t> </a:t>
-            </a:r>
-            <a:r>
-              <a:rPr lang="de-DE" dirty="0" err="1"/>
-              <a:t>know</a:t>
-            </a:r>
-            <a:r>
-              <a:rPr lang="de-DE" dirty="0"/>
-              <a:t> </a:t>
-            </a:r>
-            <a:r>
-              <a:rPr lang="de-DE" dirty="0" err="1"/>
-              <a:t>more</a:t>
-            </a:r>
-            <a:r>
-              <a:rPr lang="de-DE" baseline="0" dirty="0"/>
-              <a:t> </a:t>
-            </a:r>
-            <a:r>
-              <a:rPr lang="de-DE" baseline="0" dirty="0" err="1"/>
-              <a:t>about</a:t>
-            </a:r>
-            <a:r>
-              <a:rPr lang="de-DE" baseline="0" dirty="0"/>
-              <a:t> RBPs </a:t>
-            </a:r>
-            <a:r>
-              <a:rPr lang="de-DE" baseline="0" dirty="0">
-                <a:sym typeface="Wingdings" panose="05000000000000000000" pitchFamily="2" charset="2"/>
-              </a:rPr>
-              <a:t> </a:t>
-            </a:r>
-            <a:r>
-              <a:rPr lang="de-DE" baseline="0" dirty="0" err="1">
-                <a:sym typeface="Wingdings" panose="05000000000000000000" pitchFamily="2" charset="2"/>
-              </a:rPr>
-              <a:t>severe</a:t>
-            </a:r>
-            <a:r>
-              <a:rPr lang="de-DE" baseline="0" dirty="0">
-                <a:sym typeface="Wingdings" panose="05000000000000000000" pitchFamily="2" charset="2"/>
-              </a:rPr>
-              <a:t> </a:t>
-            </a:r>
-            <a:r>
-              <a:rPr lang="de-DE" baseline="0" dirty="0" err="1">
-                <a:sym typeface="Wingdings" panose="05000000000000000000" pitchFamily="2" charset="2"/>
-              </a:rPr>
-              <a:t>diseases</a:t>
-            </a:r>
-            <a:r>
-              <a:rPr lang="de-DE" baseline="0" dirty="0">
-                <a:sym typeface="Wingdings" panose="05000000000000000000" pitchFamily="2" charset="2"/>
-              </a:rPr>
-              <a:t> </a:t>
-            </a:r>
-            <a:r>
-              <a:rPr lang="de-DE" baseline="0" dirty="0" err="1">
-                <a:sym typeface="Wingdings" panose="05000000000000000000" pitchFamily="2" charset="2"/>
-              </a:rPr>
-              <a:t>when</a:t>
-            </a:r>
-            <a:r>
-              <a:rPr lang="de-DE" baseline="0" dirty="0">
-                <a:sym typeface="Wingdings" panose="05000000000000000000" pitchFamily="2" charset="2"/>
-              </a:rPr>
-              <a:t> </a:t>
-            </a:r>
-            <a:r>
-              <a:rPr lang="de-DE" baseline="0" dirty="0" err="1">
-                <a:sym typeface="Wingdings" panose="05000000000000000000" pitchFamily="2" charset="2"/>
-              </a:rPr>
-              <a:t>malfunctioning</a:t>
-            </a:r>
-            <a:endParaRPr lang="de-DE" baseline="0" dirty="0">
-              <a:sym typeface="Wingdings" panose="05000000000000000000" pitchFamily="2" charset="2"/>
-            </a:endParaRPr>
+              <a:rPr lang="de-DE" baseline="0" dirty="0" smtClean="0"/>
+              <a:t> was </a:t>
+            </a:r>
+            <a:r>
+              <a:rPr lang="de-DE" baseline="0" dirty="0" err="1" smtClean="0"/>
+              <a:t>clear</a:t>
+            </a:r>
+            <a:r>
+              <a:rPr lang="de-DE" baseline="0" dirty="0" smtClean="0"/>
+              <a:t> </a:t>
+            </a:r>
+            <a:r>
+              <a:rPr lang="de-DE" baseline="0" dirty="0" err="1" smtClean="0"/>
+              <a:t>they</a:t>
+            </a:r>
+            <a:r>
+              <a:rPr lang="de-DE" baseline="0" dirty="0" smtClean="0"/>
+              <a:t> </a:t>
+            </a:r>
+            <a:r>
+              <a:rPr lang="de-DE" baseline="0" dirty="0" err="1" smtClean="0"/>
+              <a:t>were</a:t>
+            </a:r>
+            <a:r>
+              <a:rPr lang="de-DE" baseline="0" dirty="0" smtClean="0"/>
+              <a:t> an RBP, </a:t>
+            </a:r>
+            <a:r>
+              <a:rPr lang="de-DE" baseline="0" dirty="0" err="1" smtClean="0"/>
+              <a:t>as</a:t>
+            </a:r>
+            <a:r>
+              <a:rPr lang="de-DE" baseline="0" dirty="0" smtClean="0"/>
+              <a:t> </a:t>
+            </a:r>
+            <a:r>
+              <a:rPr lang="de-DE" baseline="0" dirty="0" err="1" smtClean="0"/>
+              <a:t>they</a:t>
+            </a:r>
+            <a:r>
+              <a:rPr lang="de-DE" baseline="0" dirty="0" smtClean="0"/>
+              <a:t> </a:t>
+            </a:r>
+            <a:r>
+              <a:rPr lang="de-DE" baseline="0" dirty="0" err="1" smtClean="0"/>
+              <a:t>had</a:t>
+            </a:r>
+            <a:r>
+              <a:rPr lang="de-DE" baseline="0" dirty="0" smtClean="0"/>
+              <a:t> </a:t>
+            </a:r>
+            <a:r>
+              <a:rPr lang="de-DE" baseline="0" dirty="0" err="1" smtClean="0"/>
+              <a:t>been</a:t>
+            </a:r>
+            <a:r>
+              <a:rPr lang="de-DE" baseline="0" dirty="0" smtClean="0"/>
+              <a:t> </a:t>
+            </a:r>
+            <a:r>
+              <a:rPr lang="de-DE" baseline="0" dirty="0" err="1" smtClean="0"/>
+              <a:t>identified</a:t>
+            </a:r>
+            <a:r>
+              <a:rPr lang="de-DE" baseline="0" dirty="0" smtClean="0"/>
+              <a:t> </a:t>
+            </a:r>
+            <a:r>
+              <a:rPr lang="de-DE" baseline="0" dirty="0" err="1" smtClean="0"/>
+              <a:t>by</a:t>
+            </a:r>
+            <a:r>
+              <a:rPr lang="de-DE" baseline="0" dirty="0" smtClean="0"/>
+              <a:t> multiple </a:t>
+            </a:r>
+            <a:r>
+              <a:rPr lang="de-DE" baseline="0" dirty="0" err="1" smtClean="0"/>
+              <a:t>studies</a:t>
+            </a:r>
+            <a:r>
+              <a:rPr lang="de-DE" baseline="0" dirty="0" smtClean="0"/>
+              <a:t> </a:t>
+            </a:r>
+            <a:r>
+              <a:rPr lang="de-DE" baseline="0" dirty="0" err="1" smtClean="0"/>
+              <a:t>previously</a:t>
+            </a:r>
+            <a:endParaRPr lang="de-DE" baseline="0" dirty="0" smtClean="0"/>
+          </a:p>
+          <a:p>
+            <a:r>
+              <a:rPr lang="de-DE" baseline="0" dirty="0" err="1" smtClean="0"/>
+              <a:t>Others</a:t>
+            </a:r>
+            <a:r>
+              <a:rPr lang="de-DE" baseline="0" dirty="0" smtClean="0"/>
+              <a:t> </a:t>
+            </a:r>
+            <a:r>
+              <a:rPr lang="de-DE" baseline="0" dirty="0" err="1" smtClean="0"/>
+              <a:t>however</a:t>
+            </a:r>
+            <a:r>
+              <a:rPr lang="de-DE" baseline="0" dirty="0" smtClean="0"/>
+              <a:t> </a:t>
+            </a:r>
+            <a:r>
+              <a:rPr lang="de-DE" baseline="0" dirty="0" err="1" smtClean="0"/>
+              <a:t>had</a:t>
+            </a:r>
+            <a:r>
+              <a:rPr lang="de-DE" baseline="0" dirty="0" smtClean="0"/>
+              <a:t> not </a:t>
+            </a:r>
+            <a:r>
+              <a:rPr lang="de-DE" baseline="0" dirty="0" err="1" smtClean="0"/>
+              <a:t>been</a:t>
+            </a:r>
+            <a:r>
+              <a:rPr lang="de-DE" baseline="0" dirty="0" smtClean="0"/>
+              <a:t> </a:t>
+            </a:r>
+            <a:r>
+              <a:rPr lang="de-DE" baseline="0" dirty="0" err="1" smtClean="0"/>
+              <a:t>previously</a:t>
+            </a:r>
+            <a:r>
+              <a:rPr lang="de-DE" baseline="0" dirty="0" smtClean="0"/>
+              <a:t> </a:t>
+            </a:r>
+            <a:r>
+              <a:rPr lang="de-DE" baseline="0" dirty="0" err="1" smtClean="0"/>
+              <a:t>identified</a:t>
+            </a:r>
+            <a:r>
+              <a:rPr lang="de-DE" baseline="0" dirty="0" smtClean="0"/>
+              <a:t> </a:t>
+            </a:r>
+            <a:r>
+              <a:rPr lang="de-DE" baseline="0" dirty="0" err="1" smtClean="0"/>
+              <a:t>as</a:t>
+            </a:r>
+            <a:r>
+              <a:rPr lang="de-DE" baseline="0" dirty="0" smtClean="0"/>
+              <a:t> an RBP, </a:t>
+            </a:r>
+            <a:r>
+              <a:rPr lang="de-DE" baseline="0" dirty="0" err="1" smtClean="0"/>
+              <a:t>showing</a:t>
+            </a:r>
+            <a:r>
+              <a:rPr lang="de-DE" baseline="0" dirty="0" smtClean="0"/>
+              <a:t> </a:t>
+            </a:r>
+            <a:r>
+              <a:rPr lang="de-DE" baseline="0" dirty="0" err="1" smtClean="0"/>
+              <a:t>once</a:t>
+            </a:r>
+            <a:r>
+              <a:rPr lang="de-DE" baseline="0" dirty="0" smtClean="0"/>
+              <a:t> </a:t>
+            </a:r>
+            <a:r>
+              <a:rPr lang="de-DE" baseline="0" dirty="0" err="1" smtClean="0"/>
+              <a:t>again</a:t>
+            </a:r>
+            <a:r>
+              <a:rPr lang="de-DE" baseline="0" dirty="0" smtClean="0"/>
+              <a:t> </a:t>
+            </a:r>
+            <a:r>
+              <a:rPr lang="de-DE" baseline="0" dirty="0" err="1" smtClean="0"/>
+              <a:t>the</a:t>
+            </a:r>
+            <a:r>
+              <a:rPr lang="de-DE" baseline="0" dirty="0" smtClean="0"/>
+              <a:t> </a:t>
+            </a:r>
+            <a:r>
+              <a:rPr lang="de-DE" baseline="0" dirty="0" err="1" smtClean="0"/>
+              <a:t>study</a:t>
+            </a:r>
+            <a:r>
+              <a:rPr lang="de-DE" baseline="0" dirty="0" smtClean="0"/>
+              <a:t> </a:t>
+            </a:r>
+            <a:r>
+              <a:rPr lang="de-DE" baseline="0" dirty="0" err="1" smtClean="0"/>
+              <a:t>gap</a:t>
+            </a:r>
+            <a:r>
+              <a:rPr lang="de-DE" baseline="0" dirty="0" smtClean="0"/>
+              <a:t> in </a:t>
+            </a:r>
+            <a:r>
+              <a:rPr lang="de-DE" baseline="0" dirty="0" err="1" smtClean="0"/>
+              <a:t>this</a:t>
+            </a:r>
+            <a:r>
+              <a:rPr lang="de-DE" baseline="0" dirty="0" smtClean="0"/>
+              <a:t> </a:t>
+            </a:r>
+            <a:r>
+              <a:rPr lang="de-DE" baseline="0" dirty="0" err="1" smtClean="0"/>
+              <a:t>field</a:t>
+            </a:r>
+            <a:r>
+              <a:rPr lang="de-DE" baseline="0" dirty="0" smtClean="0"/>
+              <a:t>, but also </a:t>
+            </a:r>
+            <a:r>
+              <a:rPr lang="de-DE" baseline="0" dirty="0" err="1" smtClean="0"/>
+              <a:t>the</a:t>
+            </a:r>
+            <a:r>
+              <a:rPr lang="de-DE" baseline="0" dirty="0" smtClean="0"/>
+              <a:t> </a:t>
+            </a:r>
+            <a:r>
+              <a:rPr lang="de-DE" baseline="0" dirty="0" err="1" smtClean="0"/>
+              <a:t>advantage</a:t>
+            </a:r>
+            <a:r>
+              <a:rPr lang="de-DE" baseline="0" dirty="0" smtClean="0"/>
+              <a:t> </a:t>
+            </a:r>
+            <a:r>
+              <a:rPr lang="de-DE" baseline="0" dirty="0" err="1" smtClean="0"/>
+              <a:t>of</a:t>
+            </a:r>
+            <a:r>
+              <a:rPr lang="de-DE" baseline="0" dirty="0" smtClean="0"/>
+              <a:t> </a:t>
+            </a:r>
+            <a:r>
+              <a:rPr lang="de-DE" baseline="0" dirty="0" err="1" smtClean="0"/>
+              <a:t>the</a:t>
+            </a:r>
+            <a:r>
+              <a:rPr lang="de-DE" baseline="0" dirty="0" smtClean="0"/>
+              <a:t> </a:t>
+            </a:r>
+            <a:r>
+              <a:rPr lang="de-DE" baseline="0" dirty="0" err="1" smtClean="0"/>
+              <a:t>method</a:t>
+            </a:r>
+            <a:r>
+              <a:rPr lang="de-DE" baseline="0" dirty="0" smtClean="0"/>
+              <a:t>, </a:t>
+            </a:r>
+            <a:r>
+              <a:rPr lang="de-DE" baseline="0" dirty="0" err="1" smtClean="0"/>
+              <a:t>which</a:t>
+            </a:r>
+            <a:r>
+              <a:rPr lang="de-DE" baseline="0" dirty="0" smtClean="0"/>
+              <a:t> not </a:t>
+            </a:r>
+            <a:r>
+              <a:rPr lang="de-DE" baseline="0" dirty="0" err="1" smtClean="0"/>
+              <a:t>only</a:t>
+            </a:r>
+            <a:r>
+              <a:rPr lang="de-DE" baseline="0" dirty="0" smtClean="0"/>
+              <a:t> </a:t>
+            </a:r>
+            <a:r>
+              <a:rPr lang="de-DE" baseline="0" dirty="0" err="1" smtClean="0"/>
+              <a:t>detects</a:t>
+            </a:r>
+            <a:r>
+              <a:rPr lang="de-DE" baseline="0" dirty="0" smtClean="0"/>
+              <a:t> RNA </a:t>
+            </a:r>
+            <a:r>
+              <a:rPr lang="de-DE" baseline="0" dirty="0" err="1" smtClean="0"/>
+              <a:t>binding</a:t>
+            </a:r>
+            <a:r>
+              <a:rPr lang="de-DE" baseline="0" dirty="0" smtClean="0"/>
+              <a:t>, but also RNA </a:t>
+            </a:r>
+            <a:r>
+              <a:rPr lang="de-DE" baseline="0" dirty="0" err="1" smtClean="0"/>
+              <a:t>dependent</a:t>
+            </a:r>
+            <a:r>
+              <a:rPr lang="de-DE" baseline="0" dirty="0" smtClean="0"/>
+              <a:t> </a:t>
+            </a:r>
+            <a:r>
+              <a:rPr lang="de-DE" baseline="0" dirty="0" err="1" smtClean="0"/>
+              <a:t>proteins</a:t>
+            </a:r>
+            <a:endParaRPr lang="de-DE" dirty="0"/>
           </a:p>
         </p:txBody>
       </p:sp>
@@ -6062,18 +9136,18 @@
           <a:bodyPr/>
           <a:lstStyle/>
           <a:p>
-            <a:fld id="{DE3B62AE-3B17-4B0C-A534-34D6AFEF94BD}" type="slidenum">
-              <a:rPr lang="de-DE" smtClean="0"/>
-              <a:t>27</a:t>
+            <a:fld id="{CAD725D7-3157-4FF7-8F2A-10244555D54B}" type="slidenum">
+              <a:rPr lang="en-GB" smtClean="0"/>
+              <a:t>21</a:t>
             </a:fld>
-            <a:endParaRPr lang="de-DE"/>
+            <a:endParaRPr lang="en-GB"/>
           </a:p>
         </p:txBody>
       </p:sp>
     </p:spTree>
     <p:extLst>
       <p:ext uri="{BB962C8B-B14F-4D97-AF65-F5344CB8AC3E}">
-        <p14:creationId xmlns:p14="http://schemas.microsoft.com/office/powerpoint/2010/main" val="4024055382"/>
+        <p14:creationId xmlns:p14="http://schemas.microsoft.com/office/powerpoint/2010/main" val="3405656210"/>
       </p:ext>
     </p:extLst>
   </p:cSld>
@@ -6128,203 +9202,93 @@
           <a:lstStyle/>
           <a:p>
             <a:r>
+              <a:rPr lang="de-DE" dirty="0" err="1"/>
+              <a:t>Coiled</a:t>
+            </a:r>
+            <a:r>
               <a:rPr lang="de-DE" dirty="0"/>
-              <a:t>RNA </a:t>
+              <a:t> </a:t>
             </a:r>
             <a:r>
               <a:rPr lang="de-DE" dirty="0" err="1"/>
-              <a:t>is</a:t>
+              <a:t>coil</a:t>
             </a:r>
             <a:r>
               <a:rPr lang="de-DE" dirty="0"/>
-              <a:t> not </a:t>
+              <a:t> </a:t>
             </a:r>
             <a:r>
               <a:rPr lang="de-DE" dirty="0" err="1"/>
-              <a:t>alone</a:t>
-            </a:r>
-            <a:endParaRPr lang="de-DE" dirty="0"/>
-          </a:p>
-          <a:p>
-            <a:pPr marL="285750" indent="-285750">
-              <a:buFontTx/>
-              <a:buChar char="-"/>
-            </a:pPr>
+              <a:t>and</a:t>
+            </a:r>
+            <a:r>
+              <a:rPr lang="de-DE" dirty="0"/>
+              <a:t> </a:t>
+            </a:r>
             <a:r>
               <a:rPr lang="de-DE" dirty="0" err="1"/>
-              <a:t>During</a:t>
-            </a:r>
-            <a:r>
-              <a:rPr lang="de-DE" dirty="0"/>
-              <a:t> </a:t>
-            </a:r>
-            <a:r>
-              <a:rPr lang="de-DE" dirty="0" err="1"/>
-              <a:t>every</a:t>
-            </a:r>
-            <a:r>
-              <a:rPr lang="de-DE" dirty="0"/>
-              <a:t> </a:t>
-            </a:r>
-            <a:r>
-              <a:rPr lang="de-DE" dirty="0" err="1"/>
-              <a:t>step</a:t>
-            </a:r>
-            <a:r>
-              <a:rPr lang="de-DE" dirty="0"/>
-              <a:t> </a:t>
-            </a:r>
-            <a:r>
-              <a:rPr lang="de-DE" dirty="0" err="1"/>
-              <a:t>of</a:t>
-            </a:r>
-            <a:r>
-              <a:rPr lang="de-DE" dirty="0"/>
-              <a:t> RNA </a:t>
-            </a:r>
-            <a:r>
-              <a:rPr lang="de-DE" dirty="0" err="1"/>
-              <a:t>metabolism</a:t>
-            </a:r>
-            <a:r>
-              <a:rPr lang="de-DE" dirty="0"/>
-              <a:t> RBPs </a:t>
-            </a:r>
-            <a:r>
-              <a:rPr lang="de-DE" dirty="0" err="1"/>
-              <a:t>are</a:t>
-            </a:r>
-            <a:r>
-              <a:rPr lang="de-DE" dirty="0"/>
-              <a:t> </a:t>
-            </a:r>
-            <a:r>
-              <a:rPr lang="de-DE" dirty="0" err="1"/>
-              <a:t>associated</a:t>
-            </a:r>
-            <a:r>
-              <a:rPr lang="de-DE" dirty="0"/>
-              <a:t> </a:t>
-            </a:r>
-            <a:r>
-              <a:rPr lang="de-DE" dirty="0" err="1"/>
-              <a:t>with</a:t>
-            </a:r>
-            <a:r>
-              <a:rPr lang="de-DE" dirty="0"/>
+              <a:t>intriniscally</a:t>
+            </a:r>
+            <a:r>
+              <a:rPr lang="de-DE" baseline="0" dirty="0"/>
+              <a:t> </a:t>
+            </a:r>
+            <a:r>
+              <a:rPr lang="de-DE" baseline="0" dirty="0" err="1"/>
+              <a:t>disordered</a:t>
+            </a:r>
+            <a:r>
+              <a:rPr lang="de-DE" baseline="0" dirty="0"/>
+              <a:t> </a:t>
+            </a:r>
+            <a:r>
+              <a:rPr lang="de-DE" baseline="0" dirty="0" err="1"/>
+              <a:t>regions</a:t>
+            </a:r>
+            <a:r>
+              <a:rPr lang="de-DE" baseline="0" dirty="0"/>
+              <a:t> (last </a:t>
+            </a:r>
+            <a:r>
+              <a:rPr lang="de-DE" baseline="0" dirty="0" err="1"/>
+              <a:t>ones</a:t>
+            </a:r>
+            <a:r>
+              <a:rPr lang="de-DE" baseline="0" dirty="0"/>
+              <a:t> </a:t>
+            </a:r>
+            <a:r>
+              <a:rPr lang="de-DE" baseline="0" dirty="0" err="1"/>
+              <a:t>enable</a:t>
+            </a:r>
+            <a:r>
+              <a:rPr lang="de-DE" baseline="0" dirty="0"/>
+              <a:t> an </a:t>
+            </a:r>
+            <a:r>
+              <a:rPr lang="de-DE" baseline="0" dirty="0" err="1"/>
+              <a:t>unspecific</a:t>
+            </a:r>
+            <a:r>
+              <a:rPr lang="de-DE" baseline="0" dirty="0"/>
+              <a:t> </a:t>
+            </a:r>
+            <a:r>
+              <a:rPr lang="de-DE" baseline="0" dirty="0" err="1"/>
+              <a:t>binding</a:t>
+            </a:r>
+            <a:r>
+              <a:rPr lang="de-DE" baseline="0" dirty="0"/>
+              <a:t> </a:t>
+            </a:r>
+            <a:r>
+              <a:rPr lang="de-DE" baseline="0" dirty="0" err="1"/>
+              <a:t>to</a:t>
+            </a:r>
+            <a:r>
+              <a:rPr lang="de-DE" baseline="0" dirty="0"/>
               <a:t> RNA</a:t>
             </a:r>
-          </a:p>
-          <a:p>
-            <a:pPr marL="285750" indent="-285750">
-              <a:buFontTx/>
-              <a:buChar char="-"/>
-            </a:pPr>
-            <a:r>
-              <a:rPr lang="de-DE" dirty="0" err="1"/>
-              <a:t>Cooperative</a:t>
-            </a:r>
-            <a:r>
-              <a:rPr lang="de-DE" dirty="0"/>
-              <a:t> &amp; </a:t>
-            </a:r>
-            <a:r>
-              <a:rPr lang="de-DE" dirty="0" err="1"/>
-              <a:t>antagonistic</a:t>
-            </a:r>
-            <a:r>
-              <a:rPr lang="de-DE" dirty="0"/>
-              <a:t> </a:t>
-            </a:r>
-            <a:r>
-              <a:rPr lang="de-DE" dirty="0" err="1"/>
-              <a:t>interactions</a:t>
-            </a:r>
-            <a:endParaRPr lang="de-DE" dirty="0"/>
-          </a:p>
-          <a:p>
-            <a:pPr marL="285750" indent="-285750">
-              <a:buFontTx/>
-              <a:buChar char="-"/>
-            </a:pPr>
-            <a:r>
-              <a:rPr lang="de-DE" dirty="0"/>
-              <a:t>Dynamic </a:t>
-            </a:r>
-            <a:r>
-              <a:rPr lang="de-DE" dirty="0" err="1"/>
-              <a:t>associations</a:t>
-            </a:r>
-            <a:endParaRPr lang="de-DE" dirty="0"/>
-          </a:p>
-          <a:p>
-            <a:pPr marL="285750" indent="-285750">
-              <a:buFontTx/>
-              <a:buChar char="-"/>
-            </a:pPr>
-            <a:r>
-              <a:rPr lang="de-DE" dirty="0">
-                <a:sym typeface="Wingdings" panose="05000000000000000000" pitchFamily="2" charset="2"/>
-              </a:rPr>
-              <a:t></a:t>
-            </a:r>
-            <a:r>
-              <a:rPr lang="de-DE" dirty="0" err="1">
-                <a:sym typeface="Wingdings" panose="05000000000000000000" pitchFamily="2" charset="2"/>
-              </a:rPr>
-              <a:t>fine-tuned</a:t>
-            </a:r>
-            <a:r>
-              <a:rPr lang="de-DE" dirty="0">
-                <a:sym typeface="Wingdings" panose="05000000000000000000" pitchFamily="2" charset="2"/>
-              </a:rPr>
-              <a:t> </a:t>
-            </a:r>
-            <a:r>
-              <a:rPr lang="de-DE" dirty="0" err="1">
-                <a:sym typeface="Wingdings" panose="05000000000000000000" pitchFamily="2" charset="2"/>
-              </a:rPr>
-              <a:t>regulation</a:t>
-            </a:r>
-            <a:r>
-              <a:rPr lang="de-DE" dirty="0">
-                <a:sym typeface="Wingdings" panose="05000000000000000000" pitchFamily="2" charset="2"/>
-              </a:rPr>
-              <a:t> </a:t>
-            </a:r>
-            <a:r>
-              <a:rPr lang="de-DE" dirty="0" err="1">
-                <a:sym typeface="Wingdings" panose="05000000000000000000" pitchFamily="2" charset="2"/>
-              </a:rPr>
-              <a:t>of</a:t>
-            </a:r>
-            <a:r>
-              <a:rPr lang="de-DE" dirty="0">
-                <a:sym typeface="Wingdings" panose="05000000000000000000" pitchFamily="2" charset="2"/>
-              </a:rPr>
-              <a:t> </a:t>
-            </a:r>
-            <a:r>
-              <a:rPr lang="de-DE" dirty="0" err="1">
-                <a:sym typeface="Wingdings" panose="05000000000000000000" pitchFamily="2" charset="2"/>
-              </a:rPr>
-              <a:t>their</a:t>
-            </a:r>
-            <a:r>
-              <a:rPr lang="de-DE" dirty="0">
-                <a:sym typeface="Wingdings" panose="05000000000000000000" pitchFamily="2" charset="2"/>
-              </a:rPr>
-              <a:t> RNA </a:t>
-            </a:r>
-            <a:r>
-              <a:rPr lang="de-DE" dirty="0" err="1">
-                <a:sym typeface="Wingdings" panose="05000000000000000000" pitchFamily="2" charset="2"/>
-              </a:rPr>
-              <a:t>targets</a:t>
-            </a:r>
-            <a:endParaRPr lang="de-DE" dirty="0"/>
-          </a:p>
-          <a:p>
             <a:endParaRPr lang="de-DE" dirty="0"/>
           </a:p>
         </p:txBody>
@@ -6346,7 +9310,7 @@
           <a:p>
             <a:fld id="{CAD725D7-3157-4FF7-8F2A-10244555D54B}" type="slidenum">
               <a:rPr lang="en-GB" smtClean="0"/>
-              <a:t>28</a:t>
+              <a:t>22</a:t>
             </a:fld>
             <a:endParaRPr lang="en-GB"/>
           </a:p>
@@ -6355,7 +9319,7 @@
     </p:spTree>
     <p:extLst>
       <p:ext uri="{BB962C8B-B14F-4D97-AF65-F5344CB8AC3E}">
-        <p14:creationId xmlns:p14="http://schemas.microsoft.com/office/powerpoint/2010/main" val="3817140288"/>
+        <p14:creationId xmlns:p14="http://schemas.microsoft.com/office/powerpoint/2010/main" val="339614223"/>
       </p:ext>
     </p:extLst>
   </p:cSld>
@@ -6410,677 +9374,48 @@
           <a:lstStyle/>
           <a:p>
             <a:r>
-              <a:rPr lang="de-DE" dirty="0"/>
-              <a:t>RNA </a:t>
-            </a:r>
-            <a:r>
-              <a:rPr lang="de-DE" dirty="0" err="1"/>
-              <a:t>recognition</a:t>
-            </a:r>
-            <a:r>
-              <a:rPr lang="de-DE" dirty="0"/>
-              <a:t> </a:t>
-            </a:r>
-            <a:r>
-              <a:rPr lang="de-DE" dirty="0" err="1"/>
-              <a:t>motiv</a:t>
-            </a:r>
-            <a:endParaRPr lang="de-DE" dirty="0"/>
-          </a:p>
-          <a:p>
-            <a:pPr marL="171450" indent="-171450">
-              <a:buFontTx/>
-              <a:buChar char="-"/>
-            </a:pPr>
-            <a:r>
-              <a:rPr lang="de-DE" dirty="0"/>
-              <a:t>90 </a:t>
-            </a:r>
-            <a:r>
-              <a:rPr lang="de-DE" dirty="0" err="1"/>
-              <a:t>amino</a:t>
-            </a:r>
-            <a:r>
-              <a:rPr lang="de-DE" baseline="0" dirty="0"/>
-              <a:t> </a:t>
-            </a:r>
-            <a:r>
-              <a:rPr lang="de-DE" baseline="0" dirty="0" err="1"/>
-              <a:t>acids</a:t>
-            </a:r>
-            <a:endParaRPr lang="de-DE" baseline="0" dirty="0"/>
-          </a:p>
-          <a:p>
-            <a:pPr marL="0" indent="0">
-              <a:buFont typeface="Arial" panose="020B0604020202020204" pitchFamily="34" charset="0"/>
-              <a:buNone/>
-            </a:pPr>
-            <a:r>
-              <a:rPr lang="de-DE" sz="1200" dirty="0"/>
-              <a:t>Definition</a:t>
-            </a:r>
-          </a:p>
-          <a:p>
-            <a:pPr marL="171450" indent="-171450">
-              <a:buFontTx/>
-              <a:buChar char="-"/>
-            </a:pPr>
-            <a:r>
-              <a:rPr lang="de-DE" sz="1200" dirty="0"/>
-              <a:t>RNA </a:t>
-            </a:r>
-            <a:r>
-              <a:rPr lang="de-DE" sz="1200" dirty="0" err="1"/>
-              <a:t>binding</a:t>
-            </a:r>
-            <a:endParaRPr lang="de-DE" sz="1200" dirty="0"/>
-          </a:p>
-          <a:p>
-            <a:pPr marL="171450" indent="-171450">
-              <a:buFontTx/>
-              <a:buChar char="-"/>
-            </a:pPr>
-            <a:r>
-              <a:rPr lang="de-DE" sz="1200" dirty="0"/>
-              <a:t>RNA </a:t>
-            </a:r>
-            <a:r>
-              <a:rPr lang="de-DE" sz="1200" dirty="0" err="1"/>
-              <a:t>dependent</a:t>
-            </a:r>
-            <a:r>
-              <a:rPr lang="de-DE" sz="1200" dirty="0"/>
-              <a:t> (</a:t>
-            </a:r>
-            <a:r>
-              <a:rPr lang="de-DE" sz="1200" dirty="0" err="1">
-                <a:solidFill>
-                  <a:srgbClr val="0070C0"/>
-                </a:solidFill>
-              </a:rPr>
-              <a:t>interactome</a:t>
-            </a:r>
-            <a:r>
-              <a:rPr lang="de-DE" sz="1200" dirty="0"/>
-              <a:t> </a:t>
-            </a:r>
-            <a:r>
-              <a:rPr lang="de-DE" sz="1200" dirty="0" err="1"/>
-              <a:t>depends</a:t>
-            </a:r>
-            <a:r>
-              <a:rPr lang="de-DE" sz="1200" dirty="0"/>
-              <a:t> on RNA)</a:t>
-            </a:r>
-          </a:p>
-          <a:p>
-            <a:pPr marL="171450" indent="-171450">
-              <a:buFontTx/>
-              <a:buChar char="-"/>
-            </a:pPr>
-            <a:endParaRPr lang="de-DE" sz="1200" dirty="0"/>
-          </a:p>
-          <a:p>
-            <a:r>
-              <a:rPr lang="de-DE" dirty="0" err="1"/>
-              <a:t>Amino</a:t>
-            </a:r>
-            <a:r>
-              <a:rPr lang="de-DE" dirty="0"/>
-              <a:t> </a:t>
-            </a:r>
-            <a:r>
-              <a:rPr lang="de-DE" dirty="0" err="1"/>
-              <a:t>acid</a:t>
-            </a:r>
-            <a:r>
-              <a:rPr lang="de-DE" dirty="0"/>
-              <a:t> </a:t>
-            </a:r>
-            <a:r>
-              <a:rPr lang="de-DE" dirty="0" err="1"/>
-              <a:t>preferences</a:t>
-            </a:r>
-            <a:r>
-              <a:rPr lang="de-DE" dirty="0"/>
-              <a:t>: </a:t>
-            </a:r>
-          </a:p>
-          <a:p>
-            <a:endParaRPr lang="de-DE" dirty="0"/>
-          </a:p>
-          <a:p>
-            <a:r>
-              <a:rPr lang="de-DE" dirty="0"/>
-              <a:t>Regression</a:t>
-            </a:r>
-            <a:r>
-              <a:rPr lang="de-DE" baseline="0" dirty="0"/>
-              <a:t> </a:t>
-            </a:r>
-            <a:r>
-              <a:rPr lang="de-DE" baseline="0" dirty="0" err="1"/>
-              <a:t>analysis</a:t>
-            </a:r>
-            <a:r>
-              <a:rPr lang="de-DE" baseline="0" dirty="0"/>
-              <a:t>: </a:t>
-            </a:r>
-            <a:r>
-              <a:rPr lang="de-DE" baseline="0" dirty="0" err="1"/>
-              <a:t>can</a:t>
-            </a:r>
-            <a:r>
-              <a:rPr lang="de-DE" baseline="0" dirty="0"/>
-              <a:t> </a:t>
-            </a:r>
-            <a:r>
-              <a:rPr lang="de-DE" baseline="0" dirty="0" err="1"/>
-              <a:t>we</a:t>
-            </a:r>
-            <a:r>
-              <a:rPr lang="de-DE" baseline="0" dirty="0"/>
-              <a:t> </a:t>
-            </a:r>
-            <a:r>
-              <a:rPr lang="de-DE" baseline="0" dirty="0" err="1"/>
-              <a:t>predict</a:t>
-            </a:r>
-            <a:r>
-              <a:rPr lang="de-DE" baseline="0" dirty="0"/>
-              <a:t> </a:t>
-            </a:r>
-            <a:r>
-              <a:rPr lang="de-DE" baseline="0" dirty="0" err="1"/>
-              <a:t>if</a:t>
-            </a:r>
-            <a:r>
-              <a:rPr lang="de-DE" baseline="0" dirty="0"/>
-              <a:t> a </a:t>
-            </a:r>
-            <a:r>
-              <a:rPr lang="de-DE" baseline="0" dirty="0" err="1"/>
-              <a:t>protein</a:t>
-            </a:r>
-            <a:r>
-              <a:rPr lang="de-DE" baseline="0" dirty="0"/>
-              <a:t> </a:t>
-            </a:r>
-            <a:r>
-              <a:rPr lang="de-DE" baseline="0" dirty="0" err="1"/>
-              <a:t>is</a:t>
-            </a:r>
-            <a:r>
-              <a:rPr lang="de-DE" baseline="0" dirty="0"/>
-              <a:t> RNA </a:t>
-            </a:r>
-            <a:r>
-              <a:rPr lang="de-DE" baseline="0" dirty="0" err="1"/>
-              <a:t>dependent</a:t>
-            </a:r>
-            <a:r>
-              <a:rPr lang="de-DE" baseline="0" dirty="0"/>
-              <a:t> </a:t>
-            </a:r>
-            <a:r>
-              <a:rPr lang="de-DE" baseline="0" dirty="0" err="1"/>
-              <a:t>by</a:t>
-            </a:r>
-            <a:r>
-              <a:rPr lang="de-DE" baseline="0" dirty="0"/>
-              <a:t> </a:t>
-            </a:r>
-            <a:r>
-              <a:rPr lang="de-DE" baseline="0" dirty="0" err="1"/>
-              <a:t>looking</a:t>
-            </a:r>
-            <a:r>
-              <a:rPr lang="de-DE" baseline="0" dirty="0"/>
-              <a:t> at ist </a:t>
-            </a:r>
-            <a:r>
-              <a:rPr lang="de-DE" baseline="0" dirty="0" err="1"/>
-              <a:t>domains</a:t>
-            </a:r>
-            <a:r>
-              <a:rPr lang="de-DE" baseline="0" dirty="0"/>
-              <a:t> and </a:t>
-            </a:r>
-            <a:r>
-              <a:rPr lang="de-DE" baseline="0" dirty="0" err="1"/>
-              <a:t>its</a:t>
-            </a:r>
-            <a:r>
-              <a:rPr lang="de-DE" baseline="0" dirty="0"/>
-              <a:t> </a:t>
-            </a:r>
-            <a:r>
-              <a:rPr lang="de-DE" baseline="0" dirty="0" err="1"/>
-              <a:t>amino</a:t>
-            </a:r>
-            <a:r>
-              <a:rPr lang="de-DE" baseline="0" dirty="0"/>
-              <a:t> </a:t>
-            </a:r>
-            <a:r>
-              <a:rPr lang="de-DE" baseline="0" dirty="0" err="1"/>
-              <a:t>acid</a:t>
-            </a:r>
-            <a:r>
-              <a:rPr lang="de-DE" baseline="0" dirty="0"/>
-              <a:t> </a:t>
-            </a:r>
-            <a:r>
-              <a:rPr lang="de-DE" baseline="0" dirty="0" err="1"/>
-              <a:t>preferences</a:t>
-            </a:r>
-            <a:endParaRPr lang="de-DE" baseline="0" dirty="0"/>
-          </a:p>
-          <a:p>
-            <a:pPr marL="171450" indent="-171450">
-              <a:buFontTx/>
-              <a:buChar char="-"/>
-            </a:pPr>
-            <a:r>
-              <a:rPr lang="de-DE" baseline="0" dirty="0" err="1"/>
-              <a:t>How</a:t>
-            </a:r>
-            <a:r>
-              <a:rPr lang="de-DE" baseline="0" dirty="0"/>
-              <a:t> </a:t>
-            </a:r>
-            <a:r>
-              <a:rPr lang="de-DE" baseline="0" dirty="0" err="1"/>
-              <a:t>many</a:t>
-            </a:r>
-            <a:r>
-              <a:rPr lang="de-DE" baseline="0" dirty="0"/>
-              <a:t> </a:t>
-            </a:r>
-            <a:r>
-              <a:rPr lang="de-DE" baseline="0" dirty="0" err="1"/>
-              <a:t>other</a:t>
-            </a:r>
-            <a:r>
-              <a:rPr lang="de-DE" baseline="0" dirty="0"/>
-              <a:t> </a:t>
-            </a:r>
-            <a:r>
-              <a:rPr lang="de-DE" baseline="0" dirty="0" err="1"/>
-              <a:t>traits</a:t>
-            </a:r>
-            <a:r>
-              <a:rPr lang="de-DE" baseline="0" dirty="0"/>
-              <a:t> (e.g. </a:t>
-            </a:r>
-            <a:r>
-              <a:rPr lang="de-DE" baseline="0" dirty="0" err="1"/>
-              <a:t>the</a:t>
-            </a:r>
-            <a:r>
-              <a:rPr lang="de-DE" baseline="0" dirty="0"/>
-              <a:t> </a:t>
-            </a:r>
-            <a:r>
-              <a:rPr lang="de-DE" baseline="0" dirty="0" err="1"/>
-              <a:t>isoelectric</a:t>
-            </a:r>
-            <a:r>
-              <a:rPr lang="de-DE" baseline="0" dirty="0"/>
-              <a:t> </a:t>
-            </a:r>
-            <a:r>
-              <a:rPr lang="de-DE" baseline="0" dirty="0" err="1"/>
-              <a:t>point</a:t>
-            </a:r>
-            <a:r>
-              <a:rPr lang="de-DE" baseline="0" dirty="0"/>
-              <a:t>) do </a:t>
-            </a:r>
-            <a:r>
-              <a:rPr lang="de-DE" baseline="0" dirty="0" err="1"/>
-              <a:t>we</a:t>
-            </a:r>
-            <a:r>
-              <a:rPr lang="de-DE" baseline="0" dirty="0"/>
-              <a:t> </a:t>
-            </a:r>
-            <a:r>
-              <a:rPr lang="de-DE" baseline="0" dirty="0" err="1"/>
-              <a:t>have</a:t>
-            </a:r>
-            <a:r>
-              <a:rPr lang="de-DE" baseline="0" dirty="0"/>
-              <a:t> </a:t>
-            </a:r>
-            <a:r>
-              <a:rPr lang="de-DE" baseline="0" dirty="0" err="1"/>
-              <a:t>to</a:t>
-            </a:r>
-            <a:r>
-              <a:rPr lang="de-DE" baseline="0" dirty="0"/>
-              <a:t> </a:t>
-            </a:r>
-            <a:r>
-              <a:rPr lang="de-DE" baseline="0" dirty="0" err="1"/>
-              <a:t>include</a:t>
-            </a:r>
-            <a:r>
-              <a:rPr lang="de-DE" baseline="0" dirty="0"/>
-              <a:t> </a:t>
-            </a:r>
-            <a:r>
-              <a:rPr lang="de-DE" baseline="0" dirty="0" err="1"/>
-              <a:t>to</a:t>
-            </a:r>
-            <a:r>
-              <a:rPr lang="de-DE" baseline="0" dirty="0"/>
-              <a:t> </a:t>
-            </a:r>
-            <a:r>
-              <a:rPr lang="de-DE" baseline="0" dirty="0" err="1"/>
-              <a:t>make</a:t>
-            </a:r>
-            <a:r>
-              <a:rPr lang="de-DE" baseline="0" dirty="0"/>
-              <a:t> </a:t>
-            </a:r>
-            <a:r>
-              <a:rPr lang="de-DE" baseline="0" dirty="0" err="1"/>
-              <a:t>accurate</a:t>
-            </a:r>
-            <a:r>
-              <a:rPr lang="de-DE" baseline="0" dirty="0"/>
-              <a:t> </a:t>
-            </a:r>
-            <a:r>
-              <a:rPr lang="de-DE" baseline="0" dirty="0" err="1"/>
-              <a:t>predictions</a:t>
-            </a:r>
-            <a:r>
-              <a:rPr lang="de-DE" baseline="0" dirty="0"/>
-              <a:t>?</a:t>
-            </a:r>
-          </a:p>
-          <a:p>
-            <a:pPr marL="171450" indent="-171450">
-              <a:buFontTx/>
-              <a:buChar char="-"/>
-            </a:pPr>
-            <a:endParaRPr lang="de-DE" baseline="0" dirty="0"/>
-          </a:p>
-          <a:p>
-            <a:pPr marL="171450" indent="-171450">
-              <a:buFontTx/>
-              <a:buChar char="-"/>
-            </a:pPr>
-            <a:r>
-              <a:rPr lang="de-DE" baseline="0" dirty="0" err="1"/>
-              <a:t>Comparison</a:t>
-            </a:r>
-            <a:r>
-              <a:rPr lang="de-DE" baseline="0" dirty="0"/>
-              <a:t> </a:t>
-            </a:r>
-            <a:r>
-              <a:rPr lang="de-DE" baseline="0" dirty="0" err="1"/>
-              <a:t>with</a:t>
-            </a:r>
-            <a:r>
-              <a:rPr lang="de-DE" baseline="0" dirty="0"/>
-              <a:t> </a:t>
-            </a:r>
-            <a:r>
-              <a:rPr lang="de-DE" baseline="0" dirty="0" err="1"/>
-              <a:t>protein</a:t>
-            </a:r>
-            <a:r>
-              <a:rPr lang="de-DE" baseline="0" dirty="0"/>
-              <a:t> </a:t>
-            </a:r>
-            <a:r>
-              <a:rPr lang="de-DE" baseline="0" dirty="0" err="1"/>
-              <a:t>databases</a:t>
-            </a:r>
-            <a:r>
-              <a:rPr lang="de-DE" baseline="0" dirty="0"/>
-              <a:t>: </a:t>
-            </a:r>
-            <a:r>
-              <a:rPr lang="de-DE" baseline="0" dirty="0" err="1"/>
-              <a:t>later</a:t>
-            </a:r>
-            <a:r>
-              <a:rPr lang="de-DE" baseline="0" dirty="0"/>
-              <a:t>: </a:t>
-            </a:r>
-            <a:r>
-              <a:rPr lang="de-DE" baseline="0" dirty="0" err="1"/>
-              <a:t>what</a:t>
-            </a:r>
-            <a:r>
-              <a:rPr lang="de-DE" baseline="0" dirty="0"/>
-              <a:t> </a:t>
-            </a:r>
-            <a:r>
-              <a:rPr lang="de-DE" baseline="0" dirty="0" err="1"/>
-              <a:t>other</a:t>
-            </a:r>
-            <a:r>
-              <a:rPr lang="de-DE" baseline="0" dirty="0"/>
-              <a:t> </a:t>
-            </a:r>
-            <a:r>
-              <a:rPr lang="de-DE" baseline="0" dirty="0" err="1"/>
-              <a:t>traits</a:t>
-            </a:r>
-            <a:r>
-              <a:rPr lang="de-DE" baseline="0" dirty="0"/>
-              <a:t> do </a:t>
-            </a:r>
-            <a:r>
-              <a:rPr lang="de-DE" baseline="0" dirty="0" err="1"/>
-              <a:t>the</a:t>
-            </a:r>
-            <a:r>
-              <a:rPr lang="de-DE" baseline="0" dirty="0"/>
-              <a:t> RBPs </a:t>
-            </a:r>
-            <a:r>
-              <a:rPr lang="de-DE" baseline="0" dirty="0" err="1"/>
-              <a:t>we</a:t>
-            </a:r>
-            <a:r>
-              <a:rPr lang="de-DE" baseline="0" dirty="0"/>
-              <a:t> </a:t>
-            </a:r>
-            <a:r>
-              <a:rPr lang="de-DE" baseline="0" dirty="0" err="1"/>
-              <a:t>identify</a:t>
-            </a:r>
-            <a:r>
-              <a:rPr lang="de-DE" baseline="0" dirty="0"/>
-              <a:t> </a:t>
-            </a:r>
-            <a:r>
-              <a:rPr lang="de-DE" baseline="0" dirty="0" err="1"/>
-              <a:t>have</a:t>
-            </a:r>
-            <a:r>
-              <a:rPr lang="de-DE" baseline="0" dirty="0"/>
-              <a:t> in </a:t>
-            </a:r>
-            <a:r>
-              <a:rPr lang="de-DE" baseline="0" dirty="0" err="1"/>
-              <a:t>common</a:t>
-            </a:r>
-            <a:endParaRPr lang="de-DE" dirty="0"/>
-          </a:p>
-          <a:p>
-            <a:pPr marL="0" indent="0">
-              <a:buFontTx/>
-              <a:buNone/>
-            </a:pPr>
-            <a:endParaRPr lang="de-DE" sz="1200" dirty="0"/>
-          </a:p>
-          <a:p>
-            <a:pPr marL="0" indent="0">
-              <a:buFontTx/>
-              <a:buNone/>
-            </a:pPr>
-            <a:r>
-              <a:rPr lang="de-DE" dirty="0" err="1"/>
-              <a:t>Enable</a:t>
-            </a:r>
-            <a:r>
-              <a:rPr lang="de-DE" dirty="0"/>
-              <a:t> a </a:t>
-            </a:r>
-            <a:r>
-              <a:rPr lang="de-DE" dirty="0" err="1"/>
-              <a:t>fine</a:t>
-            </a:r>
-            <a:r>
-              <a:rPr lang="de-DE" dirty="0"/>
-              <a:t> </a:t>
-            </a:r>
-            <a:r>
-              <a:rPr lang="de-DE" dirty="0" err="1"/>
-              <a:t>tuned</a:t>
-            </a:r>
-            <a:r>
-              <a:rPr lang="de-DE" baseline="0" dirty="0"/>
-              <a:t> </a:t>
-            </a:r>
-            <a:r>
-              <a:rPr lang="de-DE" baseline="0" dirty="0" err="1"/>
-              <a:t>regulation</a:t>
-            </a:r>
-            <a:r>
-              <a:rPr lang="de-DE" baseline="0" dirty="0"/>
-              <a:t> </a:t>
-            </a:r>
-            <a:r>
-              <a:rPr lang="de-DE" baseline="0" dirty="0" err="1"/>
-              <a:t>of</a:t>
-            </a:r>
-            <a:r>
-              <a:rPr lang="de-DE" baseline="0" dirty="0"/>
-              <a:t> RNA</a:t>
-            </a:r>
-          </a:p>
-          <a:p>
-            <a:pPr marL="0" indent="0">
-              <a:buFontTx/>
-              <a:buNone/>
-            </a:pPr>
-            <a:r>
-              <a:rPr lang="de-DE" baseline="0" dirty="0" err="1"/>
-              <a:t>We</a:t>
-            </a:r>
-            <a:r>
-              <a:rPr lang="de-DE" baseline="0" dirty="0"/>
-              <a:t> </a:t>
-            </a:r>
-            <a:r>
-              <a:rPr lang="de-DE" baseline="0" dirty="0" err="1"/>
-              <a:t>looked</a:t>
-            </a:r>
-            <a:r>
-              <a:rPr lang="de-DE" baseline="0" dirty="0"/>
-              <a:t> at 2 </a:t>
-            </a:r>
-            <a:r>
-              <a:rPr lang="de-DE" baseline="0" dirty="0" err="1"/>
-              <a:t>phases</a:t>
-            </a:r>
-            <a:r>
-              <a:rPr lang="de-DE" baseline="0" dirty="0"/>
-              <a:t> </a:t>
-            </a:r>
-            <a:r>
-              <a:rPr lang="de-DE" baseline="0" dirty="0" err="1"/>
-              <a:t>of</a:t>
-            </a:r>
-            <a:r>
-              <a:rPr lang="de-DE" baseline="0" dirty="0"/>
-              <a:t> </a:t>
-            </a:r>
-            <a:r>
-              <a:rPr lang="de-DE" baseline="0" dirty="0" err="1"/>
-              <a:t>the</a:t>
-            </a:r>
-            <a:r>
-              <a:rPr lang="de-DE" baseline="0" dirty="0"/>
-              <a:t> </a:t>
-            </a:r>
-            <a:r>
-              <a:rPr lang="de-DE" baseline="0" dirty="0" err="1"/>
-              <a:t>cell</a:t>
-            </a:r>
-            <a:r>
-              <a:rPr lang="de-DE" baseline="0" dirty="0"/>
-              <a:t> </a:t>
-            </a:r>
-            <a:r>
-              <a:rPr lang="de-DE" baseline="0" dirty="0" err="1"/>
-              <a:t>cycle</a:t>
-            </a:r>
-            <a:r>
-              <a:rPr lang="de-DE" baseline="0" dirty="0"/>
-              <a:t> </a:t>
-            </a:r>
-            <a:r>
-              <a:rPr lang="de-DE" baseline="0" dirty="0" err="1"/>
-              <a:t>to</a:t>
-            </a:r>
-            <a:r>
-              <a:rPr lang="de-DE" baseline="0" dirty="0"/>
-              <a:t> </a:t>
-            </a:r>
-            <a:r>
-              <a:rPr lang="de-DE" baseline="0" dirty="0" err="1"/>
-              <a:t>see</a:t>
-            </a:r>
-            <a:r>
-              <a:rPr lang="de-DE" baseline="0" dirty="0"/>
-              <a:t> </a:t>
-            </a:r>
-            <a:r>
-              <a:rPr lang="de-DE" baseline="0" dirty="0" err="1"/>
-              <a:t>if</a:t>
-            </a:r>
-            <a:r>
-              <a:rPr lang="de-DE" baseline="0" dirty="0"/>
-              <a:t> </a:t>
-            </a:r>
-            <a:r>
-              <a:rPr lang="de-DE" baseline="0" dirty="0" err="1"/>
-              <a:t>we</a:t>
-            </a:r>
-            <a:r>
-              <a:rPr lang="de-DE" baseline="0" dirty="0"/>
-              <a:t> </a:t>
-            </a:r>
-            <a:r>
-              <a:rPr lang="de-DE" baseline="0" dirty="0" err="1"/>
-              <a:t>could</a:t>
-            </a:r>
-            <a:r>
-              <a:rPr lang="de-DE" baseline="0" dirty="0"/>
-              <a:t> </a:t>
-            </a:r>
-            <a:r>
-              <a:rPr lang="de-DE" baseline="0" dirty="0" err="1"/>
-              <a:t>identify</a:t>
-            </a:r>
-            <a:r>
-              <a:rPr lang="de-DE" baseline="0" dirty="0"/>
-              <a:t> </a:t>
-            </a:r>
-            <a:r>
-              <a:rPr lang="de-DE" baseline="0" dirty="0" err="1"/>
-              <a:t>changes</a:t>
+              <a:rPr lang="de-DE" dirty="0" smtClean="0"/>
+              <a:t>Most </a:t>
+            </a:r>
+            <a:r>
+              <a:rPr lang="de-DE" dirty="0" err="1" smtClean="0"/>
+              <a:t>proteins</a:t>
+            </a:r>
+            <a:r>
+              <a:rPr lang="de-DE" baseline="0" dirty="0" smtClean="0"/>
+              <a:t> </a:t>
+            </a:r>
+            <a:r>
+              <a:rPr lang="de-DE" baseline="0" dirty="0" err="1" smtClean="0"/>
+              <a:t>contained</a:t>
+            </a:r>
+            <a:r>
+              <a:rPr lang="de-DE" baseline="0" dirty="0" smtClean="0"/>
+              <a:t> </a:t>
+            </a:r>
+            <a:r>
+              <a:rPr lang="de-DE" baseline="0" dirty="0" err="1" smtClean="0"/>
+              <a:t>intrinsically</a:t>
+            </a:r>
+            <a:r>
+              <a:rPr lang="de-DE" baseline="0" dirty="0" smtClean="0"/>
+              <a:t> </a:t>
+            </a:r>
+            <a:r>
+              <a:rPr lang="de-DE" baseline="0" dirty="0" err="1" smtClean="0"/>
+              <a:t>disordered</a:t>
+            </a:r>
+            <a:r>
+              <a:rPr lang="de-DE" baseline="0" dirty="0" smtClean="0"/>
+              <a:t> </a:t>
+            </a:r>
+            <a:r>
+              <a:rPr lang="de-DE" baseline="0" dirty="0" err="1" smtClean="0"/>
+              <a:t>regions</a:t>
+            </a:r>
+            <a:r>
+              <a:rPr lang="de-DE" baseline="0" dirty="0" smtClean="0"/>
+              <a:t>!</a:t>
             </a:r>
             <a:endParaRPr lang="de-DE" dirty="0"/>
           </a:p>
@@ -7101,18 +9436,18 @@
           <a:bodyPr/>
           <a:lstStyle/>
           <a:p>
-            <a:fld id="{DE3B62AE-3B17-4B0C-A534-34D6AFEF94BD}" type="slidenum">
-              <a:rPr lang="de-DE" smtClean="0"/>
-              <a:t>29</a:t>
+            <a:fld id="{CAD725D7-3157-4FF7-8F2A-10244555D54B}" type="slidenum">
+              <a:rPr lang="en-GB" smtClean="0"/>
+              <a:t>23</a:t>
             </a:fld>
-            <a:endParaRPr lang="de-DE"/>
+            <a:endParaRPr lang="en-GB"/>
           </a:p>
         </p:txBody>
       </p:sp>
     </p:spTree>
     <p:extLst>
       <p:ext uri="{BB962C8B-B14F-4D97-AF65-F5344CB8AC3E}">
-        <p14:creationId xmlns:p14="http://schemas.microsoft.com/office/powerpoint/2010/main" val="943831144"/>
+        <p14:creationId xmlns:p14="http://schemas.microsoft.com/office/powerpoint/2010/main" val="1203575206"/>
       </p:ext>
     </p:extLst>
   </p:cSld>
@@ -10348,7 +12683,7 @@
                 <a16:creationId xmlns:a16="http://schemas.microsoft.com/office/drawing/2014/main" id="{41E60544-1BC9-CE72-0547-00E3C87E7E62}"/>
               </a:ext>
               <a:ext uri="{C183D7F6-B498-43B3-948B-1728B52AA6E4}">
-                <adec:decorative xmlns:adec="http://schemas.microsoft.com/office/drawing/2017/decorative" val="0"/>
+                <adec:decorative xmlns:adec="http://schemas.microsoft.com/office/drawing/2017/decorative" xmlns="" val="0"/>
               </a:ext>
             </a:extLst>
           </p:cNvPr>
@@ -10386,7 +12721,7 @@
                 <a16:creationId xmlns:a16="http://schemas.microsoft.com/office/drawing/2014/main" id="{D928DD85-BB99-450D-A702-2683E0296282}"/>
               </a:ext>
               <a:ext uri="{C183D7F6-B498-43B3-948B-1728B52AA6E4}">
-                <adec:decorative xmlns:adec="http://schemas.microsoft.com/office/drawing/2017/decorative" val="1"/>
+                <adec:decorative xmlns:adec="http://schemas.microsoft.com/office/drawing/2017/decorative" xmlns="" val="1"/>
               </a:ext>
             </a:extLst>
           </p:cNvPr>
@@ -10543,7 +12878,7 @@
                 <a16:creationId xmlns:a16="http://schemas.microsoft.com/office/drawing/2014/main" id="{240E5BD2-4019-4012-A1AA-628900E659E9}"/>
               </a:ext>
               <a:ext uri="{C183D7F6-B498-43B3-948B-1728B52AA6E4}">
-                <adec:decorative xmlns:adec="http://schemas.microsoft.com/office/drawing/2017/decorative" val="1"/>
+                <adec:decorative xmlns:adec="http://schemas.microsoft.com/office/drawing/2017/decorative" xmlns="" val="1"/>
               </a:ext>
             </a:extLst>
           </p:cNvPr>
@@ -19141,266 +21476,6 @@
       </p:sp>
       <p:sp>
         <p:nvSpPr>
-          <p:cNvPr id="3" name="Ellipse 2">
-            <a:extLst>
-              <a:ext uri="{FF2B5EF4-FFF2-40B4-BE49-F238E27FC236}">
-                <a16:creationId xmlns:a16="http://schemas.microsoft.com/office/drawing/2014/main" id="{5F8D8C52-24E8-A2DF-C86C-84E371D62FF4}"/>
-              </a:ext>
-            </a:extLst>
-          </p:cNvPr>
-          <p:cNvSpPr/>
-          <p:nvPr/>
-        </p:nvSpPr>
-        <p:spPr>
-          <a:xfrm>
-            <a:off x="-176834" y="-160776"/>
-            <a:ext cx="2540205" cy="2496013"/>
-          </a:xfrm>
-          <a:prstGeom prst="ellipse">
-            <a:avLst/>
-          </a:prstGeom>
-          <a:solidFill>
-            <a:srgbClr val="262626"/>
-          </a:solidFill>
-          <a:ln>
-            <a:solidFill>
-              <a:srgbClr val="262626"/>
-            </a:solidFill>
-          </a:ln>
-        </p:spPr>
-        <p:style>
-          <a:lnRef idx="2">
-            <a:schemeClr val="accent1">
-              <a:shade val="50000"/>
-            </a:schemeClr>
-          </a:lnRef>
-          <a:fillRef idx="1">
-            <a:schemeClr val="accent1"/>
-          </a:fillRef>
-          <a:effectRef idx="0">
-            <a:schemeClr val="accent1"/>
-          </a:effectRef>
-          <a:fontRef idx="minor">
-            <a:schemeClr val="lt1"/>
-          </a:fontRef>
-        </p:style>
-        <p:txBody>
-          <a:bodyPr rtlCol="0" anchor="ctr"/>
-          <a:lstStyle/>
-          <a:p>
-            <a:r>
-              <a:rPr lang="en-US" sz="4000" dirty="0">
-                <a:solidFill>
-                  <a:schemeClr val="bg1"/>
-                </a:solidFill>
-              </a:rPr>
-              <a:t>Results</a:t>
-            </a:r>
-          </a:p>
-        </p:txBody>
-      </p:sp>
-      <p:pic>
-        <p:nvPicPr>
-          <p:cNvPr id="4" name="Grafik 3"/>
-          <p:cNvPicPr>
-            <a:picLocks noChangeAspect="1"/>
-          </p:cNvPicPr>
-          <p:nvPr/>
-        </p:nvPicPr>
-        <p:blipFill>
-          <a:blip r:embed="rId2"/>
-          <a:stretch>
-            <a:fillRect/>
-          </a:stretch>
-        </p:blipFill>
-        <p:spPr>
-          <a:xfrm>
-            <a:off x="10985197" y="220673"/>
-            <a:ext cx="831708" cy="667765"/>
-          </a:xfrm>
-          <a:prstGeom prst="rect">
-            <a:avLst/>
-          </a:prstGeom>
-        </p:spPr>
-      </p:pic>
-      <p:sp>
-        <p:nvSpPr>
-          <p:cNvPr id="5" name="Ellipse 4"/>
-          <p:cNvSpPr/>
-          <p:nvPr/>
-        </p:nvSpPr>
-        <p:spPr>
-          <a:xfrm>
-            <a:off x="10908843" y="74279"/>
-            <a:ext cx="1141960" cy="1097783"/>
-          </a:xfrm>
-          <a:prstGeom prst="ellipse">
-            <a:avLst/>
-          </a:prstGeom>
-          <a:noFill/>
-          <a:ln>
-            <a:solidFill>
-              <a:schemeClr val="tx1"/>
-            </a:solidFill>
-          </a:ln>
-        </p:spPr>
-        <p:style>
-          <a:lnRef idx="2">
-            <a:schemeClr val="accent1">
-              <a:shade val="50000"/>
-            </a:schemeClr>
-          </a:lnRef>
-          <a:fillRef idx="1">
-            <a:schemeClr val="accent1"/>
-          </a:fillRef>
-          <a:effectRef idx="0">
-            <a:schemeClr val="accent1"/>
-          </a:effectRef>
-          <a:fontRef idx="minor">
-            <a:schemeClr val="lt1"/>
-          </a:fontRef>
-        </p:style>
-        <p:txBody>
-          <a:bodyPr rtlCol="0" anchor="ctr"/>
-          <a:lstStyle/>
-          <a:p>
-            <a:pPr algn="ctr"/>
-            <a:endParaRPr lang="de-DE"/>
-          </a:p>
-        </p:txBody>
-      </p:sp>
-      <p:sp>
-        <p:nvSpPr>
-          <p:cNvPr id="7" name="Titel 1"/>
-          <p:cNvSpPr txBox="1">
-            <a:spLocks/>
-          </p:cNvSpPr>
-          <p:nvPr/>
-        </p:nvSpPr>
-        <p:spPr>
-          <a:xfrm>
-            <a:off x="838200" y="365125"/>
-            <a:ext cx="10515600" cy="1325563"/>
-          </a:xfrm>
-          <a:prstGeom prst="rect">
-            <a:avLst/>
-          </a:prstGeom>
-        </p:spPr>
-        <p:txBody>
-          <a:bodyPr>
-            <a:normAutofit/>
-          </a:bodyPr>
-          <a:lstStyle>
-            <a:lvl1pPr algn="l" defTabSz="914400" rtl="0" eaLnBrk="1" latinLnBrk="0" hangingPunct="1">
-              <a:lnSpc>
-                <a:spcPct val="90000"/>
-              </a:lnSpc>
-              <a:spcBef>
-                <a:spcPct val="0"/>
-              </a:spcBef>
-              <a:buNone/>
-              <a:defRPr sz="4400" kern="1200">
-                <a:solidFill>
-                  <a:schemeClr val="tx1"/>
-                </a:solidFill>
-                <a:latin typeface="+mj-lt"/>
-                <a:ea typeface="+mj-ea"/>
-                <a:cs typeface="+mj-cs"/>
-              </a:defRPr>
-            </a:lvl1pPr>
-          </a:lstStyle>
-          <a:p>
-            <a:pPr algn="ctr"/>
-            <a:r>
-              <a:rPr lang="de-DE" sz="3200" dirty="0" err="1"/>
-              <a:t>What</a:t>
-            </a:r>
-            <a:r>
-              <a:rPr lang="de-DE" sz="3200" dirty="0"/>
-              <a:t> </a:t>
-            </a:r>
-            <a:r>
-              <a:rPr lang="de-DE" sz="3200" dirty="0" err="1"/>
-              <a:t>did</a:t>
-            </a:r>
-            <a:r>
-              <a:rPr lang="de-DE" sz="3200" dirty="0"/>
-              <a:t> </a:t>
-            </a:r>
-            <a:r>
-              <a:rPr lang="de-DE" sz="3200" dirty="0" err="1"/>
-              <a:t>we</a:t>
-            </a:r>
-            <a:r>
-              <a:rPr lang="de-DE" sz="3200" dirty="0"/>
-              <a:t> find out?</a:t>
-            </a:r>
-            <a:endParaRPr lang="de-DE" sz="3200" b="1" dirty="0">
-              <a:latin typeface="Calibri Light" panose="020F0302020204030204" pitchFamily="34" charset="0"/>
-              <a:cs typeface="Calibri Light" panose="020F0302020204030204" pitchFamily="34" charset="0"/>
-            </a:endParaRPr>
-          </a:p>
-          <a:p>
-            <a:pPr algn="ctr"/>
-            <a:endParaRPr lang="de-DE" sz="3200" dirty="0"/>
-          </a:p>
-        </p:txBody>
-      </p:sp>
-    </p:spTree>
-    <p:extLst>
-      <p:ext uri="{BB962C8B-B14F-4D97-AF65-F5344CB8AC3E}">
-        <p14:creationId xmlns:p14="http://schemas.microsoft.com/office/powerpoint/2010/main" val="3737316845"/>
-      </p:ext>
-    </p:extLst>
-  </p:cSld>
-  <p:clrMapOvr>
-    <a:masterClrMapping/>
-  </p:clrMapOvr>
-</p:sld>
-</file>
-
-<file path=ppt/slides/slide21.xml><?xml version="1.0" encoding="utf-8"?>
-<p:sld xmlns:a="http://schemas.openxmlformats.org/drawingml/2006/main" xmlns:r="http://schemas.openxmlformats.org/officeDocument/2006/relationships" xmlns:p="http://schemas.openxmlformats.org/presentationml/2006/main">
-  <p:cSld>
-    <p:spTree>
-      <p:nvGrpSpPr>
-        <p:cNvPr id="1" name=""/>
-        <p:cNvGrpSpPr/>
-        <p:nvPr/>
-      </p:nvGrpSpPr>
-      <p:grpSpPr>
-        <a:xfrm>
-          <a:off x="0" y="0"/>
-          <a:ext cx="0" cy="0"/>
-          <a:chOff x="0" y="0"/>
-          <a:chExt cx="0" cy="0"/>
-        </a:xfrm>
-      </p:grpSpPr>
-      <p:sp>
-        <p:nvSpPr>
-          <p:cNvPr id="2" name="Foliennummernplatzhalter 1"/>
-          <p:cNvSpPr>
-            <a:spLocks noGrp="1"/>
-          </p:cNvSpPr>
-          <p:nvPr>
-            <p:ph type="sldNum" sz="quarter" idx="12"/>
-          </p:nvPr>
-        </p:nvSpPr>
-        <p:spPr/>
-        <p:txBody>
-          <a:bodyPr/>
-          <a:lstStyle/>
-          <a:p>
-            <a:fld id="{B054D835-26B3-49F1-AA08-AA3DD4F10E75}" type="slidenum">
-              <a:rPr lang="de-DE" smtClean="0"/>
-              <a:t>21</a:t>
-            </a:fld>
-            <a:endParaRPr lang="de-DE" dirty="0"/>
-          </a:p>
-        </p:txBody>
-      </p:sp>
-      <p:sp>
-        <p:nvSpPr>
           <p:cNvPr id="4" name="Ellipse 3">
             <a:extLst>
               <a:ext uri="{FF2B5EF4-FFF2-40B4-BE49-F238E27FC236}">
@@ -19448,8 +21523,9 @@
           <a:bodyPr rtlCol="0" anchor="ctr"/>
           <a:lstStyle/>
           <a:p>
-            <a:r>
-              <a:rPr lang="en-US" sz="3600" dirty="0">
+            <a:pPr algn="ctr"/>
+            <a:r>
+              <a:rPr lang="en-US" sz="2800" dirty="0">
                 <a:solidFill>
                   <a:schemeClr val="bg1"/>
                 </a:solidFill>
@@ -19468,7 +21544,7 @@
           <p:nvPr/>
         </p:nvPicPr>
         <p:blipFill>
-          <a:blip r:embed="rId2"/>
+          <a:blip r:embed="rId3"/>
           <a:stretch>
             <a:fillRect/>
           </a:stretch>
@@ -19538,14 +21614,14 @@
           <p:nvPr/>
         </p:nvPicPr>
         <p:blipFill>
-          <a:blip r:embed="rId3"/>
+          <a:blip r:embed="rId4"/>
           <a:stretch>
             <a:fillRect/>
           </a:stretch>
         </p:blipFill>
         <p:spPr>
           <a:xfrm>
-            <a:off x="4146785" y="2493885"/>
+            <a:off x="627320" y="3039869"/>
             <a:ext cx="3324617" cy="3236771"/>
           </a:xfrm>
           <a:prstGeom prst="rect">
@@ -19555,14 +21631,14 @@
       </p:pic>
       <p:sp>
         <p:nvSpPr>
-          <p:cNvPr id="8" name="Textfeld 7"/>
+          <p:cNvPr id="12" name="Textfeld 11"/>
           <p:cNvSpPr txBox="1"/>
           <p:nvPr/>
         </p:nvSpPr>
         <p:spPr>
           <a:xfrm>
-            <a:off x="7689528" y="1871998"/>
-            <a:ext cx="3880236" cy="1785104"/>
+            <a:off x="7520815" y="2919577"/>
+            <a:ext cx="3880236" cy="1015663"/>
           </a:xfrm>
           <a:prstGeom prst="rect">
             <a:avLst/>
@@ -19576,252 +21652,35 @@
           <a:lstStyle/>
           <a:p>
             <a:r>
-              <a:rPr lang="de-DE" sz="2200" dirty="0"/>
-              <a:t>RBP Score</a:t>
-            </a:r>
-          </a:p>
-          <a:p>
-            <a:r>
-              <a:rPr lang="de-DE" sz="2200" dirty="0"/>
-              <a:t>=</a:t>
-            </a:r>
-            <a:r>
-              <a:rPr lang="de-DE" sz="2200" dirty="0" err="1"/>
-              <a:t>How</a:t>
-            </a:r>
-            <a:r>
-              <a:rPr lang="de-DE" sz="2200" dirty="0"/>
-              <a:t> </a:t>
-            </a:r>
-            <a:r>
-              <a:rPr lang="de-DE" sz="2200" dirty="0" err="1"/>
-              <a:t>many</a:t>
-            </a:r>
-            <a:r>
-              <a:rPr lang="de-DE" sz="2200" dirty="0"/>
-              <a:t> </a:t>
-            </a:r>
-            <a:r>
-              <a:rPr lang="de-DE" sz="2200" dirty="0" err="1"/>
-              <a:t>times</a:t>
-            </a:r>
-            <a:r>
-              <a:rPr lang="de-DE" sz="2200" dirty="0"/>
-              <a:t> </a:t>
-            </a:r>
-            <a:r>
-              <a:rPr lang="de-DE" sz="2200" dirty="0" err="1"/>
-              <a:t>has</a:t>
-            </a:r>
-            <a:r>
-              <a:rPr lang="de-DE" sz="2200" dirty="0"/>
-              <a:t> </a:t>
-            </a:r>
-            <a:r>
-              <a:rPr lang="de-DE" sz="2200" dirty="0" err="1"/>
-              <a:t>the</a:t>
-            </a:r>
-            <a:r>
-              <a:rPr lang="de-DE" sz="2200" dirty="0"/>
-              <a:t> </a:t>
-            </a:r>
-            <a:r>
-              <a:rPr lang="de-DE" sz="2200" dirty="0" err="1"/>
-              <a:t>protein</a:t>
-            </a:r>
-            <a:r>
-              <a:rPr lang="de-DE" sz="2200" dirty="0"/>
-              <a:t> </a:t>
-            </a:r>
-            <a:r>
-              <a:rPr lang="de-DE" sz="2200" dirty="0" err="1"/>
-              <a:t>been</a:t>
-            </a:r>
-            <a:r>
-              <a:rPr lang="de-DE" sz="2200" dirty="0"/>
-              <a:t> </a:t>
-            </a:r>
-            <a:r>
-              <a:rPr lang="de-DE" sz="2200" dirty="0" err="1"/>
-              <a:t>identified</a:t>
-            </a:r>
-            <a:r>
-              <a:rPr lang="de-DE" sz="2200" dirty="0"/>
-              <a:t> </a:t>
-            </a:r>
-            <a:r>
-              <a:rPr lang="de-DE" sz="2200" dirty="0" err="1"/>
-              <a:t>as</a:t>
-            </a:r>
-            <a:r>
-              <a:rPr lang="de-DE" sz="2200" dirty="0"/>
-              <a:t> an RBP?</a:t>
-            </a:r>
-          </a:p>
-          <a:p>
-            <a:endParaRPr lang="de-DE" sz="2200" dirty="0"/>
-          </a:p>
-        </p:txBody>
-      </p:sp>
-      <p:sp>
-        <p:nvSpPr>
-          <p:cNvPr id="12" name="Textfeld 11"/>
-          <p:cNvSpPr txBox="1"/>
-          <p:nvPr/>
-        </p:nvSpPr>
-        <p:spPr>
-          <a:xfrm>
-            <a:off x="266549" y="3342474"/>
-            <a:ext cx="3880236" cy="1107996"/>
-          </a:xfrm>
-          <a:prstGeom prst="rect">
-            <a:avLst/>
-          </a:prstGeom>
-          <a:noFill/>
-        </p:spPr>
-        <p:txBody>
-          <a:bodyPr wrap="square" rtlCol="0">
-            <a:spAutoFit/>
-          </a:bodyPr>
-          <a:lstStyle/>
-          <a:p>
-            <a:r>
-              <a:rPr lang="de-DE" sz="2200" dirty="0" err="1"/>
+              <a:rPr lang="de-DE" sz="2000" dirty="0" err="1"/>
               <a:t>Success</a:t>
             </a:r>
             <a:r>
-              <a:rPr lang="de-DE" sz="2200" dirty="0"/>
+              <a:rPr lang="de-DE" sz="2000" dirty="0"/>
               <a:t> rate</a:t>
             </a:r>
           </a:p>
           <a:p>
             <a:r>
-              <a:rPr lang="de-DE" sz="2200" dirty="0"/>
+              <a:rPr lang="de-DE" sz="2000" dirty="0"/>
               <a:t>Analysis </a:t>
             </a:r>
             <a:r>
-              <a:rPr lang="de-DE" sz="2200" dirty="0" err="1"/>
+              <a:rPr lang="de-DE" sz="2000" dirty="0" err="1"/>
               <a:t>of</a:t>
             </a:r>
             <a:r>
-              <a:rPr lang="de-DE" sz="2200" dirty="0"/>
+              <a:rPr lang="de-DE" sz="2000" dirty="0"/>
               <a:t> 1181 </a:t>
             </a:r>
             <a:r>
-              <a:rPr lang="de-DE" sz="2200" dirty="0" err="1"/>
+              <a:rPr lang="de-DE" sz="2000" dirty="0" err="1"/>
               <a:t>proteins</a:t>
             </a:r>
-            <a:endParaRPr lang="de-DE" sz="2200" dirty="0"/>
-          </a:p>
-          <a:p>
-            <a:endParaRPr lang="de-DE" sz="2200" dirty="0"/>
-          </a:p>
-        </p:txBody>
-      </p:sp>
-      <p:pic>
-        <p:nvPicPr>
-          <p:cNvPr id="13" name="Grafik 12"/>
-          <p:cNvPicPr>
-            <a:picLocks noChangeAspect="1"/>
-          </p:cNvPicPr>
-          <p:nvPr/>
-        </p:nvPicPr>
-        <p:blipFill>
-          <a:blip r:embed="rId4"/>
-          <a:stretch>
-            <a:fillRect/>
-          </a:stretch>
-        </p:blipFill>
-        <p:spPr>
-          <a:xfrm>
-            <a:off x="7779880" y="3545892"/>
-            <a:ext cx="3789884" cy="2002226"/>
-          </a:xfrm>
-          <a:prstGeom prst="rect">
-            <a:avLst/>
-          </a:prstGeom>
-        </p:spPr>
-      </p:pic>
-      <p:sp>
-        <p:nvSpPr>
-          <p:cNvPr id="14" name="Textfeld 13"/>
-          <p:cNvSpPr txBox="1"/>
-          <p:nvPr/>
-        </p:nvSpPr>
-        <p:spPr>
-          <a:xfrm>
-            <a:off x="7779880" y="5788644"/>
-            <a:ext cx="3896140" cy="769441"/>
-          </a:xfrm>
-          <a:prstGeom prst="rect">
-            <a:avLst/>
-          </a:prstGeom>
-          <a:noFill/>
-        </p:spPr>
-        <p:txBody>
-          <a:bodyPr wrap="square" rtlCol="0">
-            <a:spAutoFit/>
-          </a:bodyPr>
-          <a:lstStyle/>
-          <a:p>
-            <a:r>
-              <a:rPr lang="de-DE" sz="2200" dirty="0">
-                <a:sym typeface="Wingdings" panose="05000000000000000000" pitchFamily="2" charset="2"/>
-              </a:rPr>
-              <a:t></a:t>
-            </a:r>
-            <a:r>
-              <a:rPr lang="de-DE" sz="2200" dirty="0"/>
-              <a:t>X </a:t>
-            </a:r>
-            <a:r>
-              <a:rPr lang="de-DE" sz="2200" dirty="0" err="1"/>
-              <a:t>proteins</a:t>
-            </a:r>
-            <a:r>
-              <a:rPr lang="de-DE" sz="2200" dirty="0"/>
-              <a:t> </a:t>
-            </a:r>
-            <a:r>
-              <a:rPr lang="de-DE" sz="2200" dirty="0" err="1"/>
-              <a:t>which</a:t>
-            </a:r>
-            <a:r>
-              <a:rPr lang="de-DE" sz="2200" dirty="0"/>
-              <a:t> </a:t>
-            </a:r>
-            <a:r>
-              <a:rPr lang="de-DE" sz="2200" dirty="0" err="1"/>
-              <a:t>had</a:t>
-            </a:r>
-            <a:r>
-              <a:rPr lang="de-DE" sz="2200" dirty="0"/>
-              <a:t> not </a:t>
-            </a:r>
-            <a:r>
-              <a:rPr lang="de-DE" sz="2200" dirty="0" err="1"/>
-              <a:t>been</a:t>
-            </a:r>
-            <a:r>
-              <a:rPr lang="de-DE" sz="2200" dirty="0"/>
-              <a:t> </a:t>
-            </a:r>
-            <a:r>
-              <a:rPr lang="de-DE" sz="2200" dirty="0" err="1"/>
-              <a:t>identified</a:t>
-            </a:r>
-            <a:r>
-              <a:rPr lang="de-DE" sz="2200" dirty="0"/>
-              <a:t> </a:t>
-            </a:r>
-            <a:r>
-              <a:rPr lang="de-DE" sz="2200" dirty="0" err="1"/>
-              <a:t>previously</a:t>
-            </a:r>
-            <a:r>
-              <a:rPr lang="de-DE" sz="2200" dirty="0"/>
-              <a:t>!</a:t>
-            </a:r>
+            <a:endParaRPr lang="de-DE" sz="2000" dirty="0"/>
+          </a:p>
+          <a:p>
+            <a:endParaRPr lang="de-DE" sz="2000" dirty="0"/>
           </a:p>
         </p:txBody>
       </p:sp>
@@ -20195,27 +22054,725 @@
                       </p:childTnLst>
                     </p:cTn>
                   </p:par>
+                </p:childTnLst>
+              </p:cTn>
+              <p:prevCondLst>
+                <p:cond evt="onPrev" delay="0">
+                  <p:tgtEl>
+                    <p:sldTgt/>
+                  </p:tgtEl>
+                </p:cond>
+              </p:prevCondLst>
+              <p:nextCondLst>
+                <p:cond evt="onNext" delay="0">
+                  <p:tgtEl>
+                    <p:sldTgt/>
+                  </p:tgtEl>
+                </p:cond>
+              </p:nextCondLst>
+            </p:seq>
+          </p:childTnLst>
+        </p:cTn>
+      </p:par>
+    </p:tnLst>
+    <p:bldLst>
+      <p:bldP spid="4" grpId="0" animBg="1"/>
+      <p:bldP spid="12" grpId="0"/>
+      <p:bldP spid="15" grpId="0"/>
+    </p:bldLst>
+  </p:timing>
+</p:sld>
+</file>
+
+<file path=ppt/slides/slide21.xml><?xml version="1.0" encoding="utf-8"?>
+<p:sld xmlns:a="http://schemas.openxmlformats.org/drawingml/2006/main" xmlns:r="http://schemas.openxmlformats.org/officeDocument/2006/relationships" xmlns:p="http://schemas.openxmlformats.org/presentationml/2006/main">
+  <p:cSld>
+    <p:spTree>
+      <p:nvGrpSpPr>
+        <p:cNvPr id="1" name=""/>
+        <p:cNvGrpSpPr/>
+        <p:nvPr/>
+      </p:nvGrpSpPr>
+      <p:grpSpPr>
+        <a:xfrm>
+          <a:off x="0" y="0"/>
+          <a:ext cx="0" cy="0"/>
+          <a:chOff x="0" y="0"/>
+          <a:chExt cx="0" cy="0"/>
+        </a:xfrm>
+      </p:grpSpPr>
+      <p:sp>
+        <p:nvSpPr>
+          <p:cNvPr id="2" name="Foliennummernplatzhalter 1"/>
+          <p:cNvSpPr>
+            <a:spLocks noGrp="1"/>
+          </p:cNvSpPr>
+          <p:nvPr>
+            <p:ph type="sldNum" sz="quarter" idx="12"/>
+          </p:nvPr>
+        </p:nvSpPr>
+        <p:spPr/>
+        <p:txBody>
+          <a:bodyPr/>
+          <a:lstStyle/>
+          <a:p>
+            <a:fld id="{B054D835-26B3-49F1-AA08-AA3DD4F10E75}" type="slidenum">
+              <a:rPr lang="de-DE" smtClean="0"/>
+              <a:t>21</a:t>
+            </a:fld>
+            <a:endParaRPr lang="de-DE" dirty="0"/>
+          </a:p>
+        </p:txBody>
+      </p:sp>
+      <p:sp>
+        <p:nvSpPr>
+          <p:cNvPr id="4" name="Ellipse 3">
+            <a:extLst>
+              <a:ext uri="{FF2B5EF4-FFF2-40B4-BE49-F238E27FC236}">
+                <a16:creationId xmlns:a16="http://schemas.microsoft.com/office/drawing/2014/main" id="{5F8D8C52-24E8-A2DF-C86C-84E371D62FF4}"/>
+              </a:ext>
+            </a:extLst>
+          </p:cNvPr>
+          <p:cNvSpPr/>
+          <p:nvPr/>
+        </p:nvSpPr>
+        <p:spPr>
+          <a:xfrm>
+            <a:off x="-219037" y="-160776"/>
+            <a:ext cx="2779357" cy="2707028"/>
+          </a:xfrm>
+          <a:prstGeom prst="ellipse">
+            <a:avLst/>
+          </a:prstGeom>
+          <a:solidFill>
+            <a:srgbClr val="262626"/>
+          </a:solidFill>
+          <a:ln>
+            <a:solidFill>
+              <a:srgbClr val="262626"/>
+            </a:solidFill>
+          </a:ln>
+        </p:spPr>
+        <p:style>
+          <a:lnRef idx="2">
+            <a:schemeClr val="accent1">
+              <a:shade val="50000"/>
+            </a:schemeClr>
+          </a:lnRef>
+          <a:fillRef idx="1">
+            <a:schemeClr val="accent1"/>
+          </a:fillRef>
+          <a:effectRef idx="0">
+            <a:schemeClr val="accent1"/>
+          </a:effectRef>
+          <a:fontRef idx="minor">
+            <a:schemeClr val="lt1"/>
+          </a:fontRef>
+        </p:style>
+        <p:txBody>
+          <a:bodyPr rtlCol="0" anchor="ctr"/>
+          <a:lstStyle/>
+          <a:p>
+            <a:pPr algn="ctr"/>
+            <a:r>
+              <a:rPr lang="en-US" sz="2800" dirty="0">
+                <a:solidFill>
+                  <a:schemeClr val="bg1"/>
+                </a:solidFill>
+              </a:rPr>
+              <a:t>Database comparison</a:t>
+            </a:r>
+          </a:p>
+        </p:txBody>
+      </p:sp>
+      <p:pic>
+        <p:nvPicPr>
+          <p:cNvPr id="5" name="Grafik 4"/>
+          <p:cNvPicPr>
+            <a:picLocks noChangeAspect="1"/>
+          </p:cNvPicPr>
+          <p:nvPr/>
+        </p:nvPicPr>
+        <p:blipFill>
+          <a:blip r:embed="rId3"/>
+          <a:stretch>
+            <a:fillRect/>
+          </a:stretch>
+        </p:blipFill>
+        <p:spPr>
+          <a:xfrm>
+            <a:off x="10985197" y="220673"/>
+            <a:ext cx="831708" cy="667765"/>
+          </a:xfrm>
+          <a:prstGeom prst="rect">
+            <a:avLst/>
+          </a:prstGeom>
+        </p:spPr>
+      </p:pic>
+      <p:sp>
+        <p:nvSpPr>
+          <p:cNvPr id="6" name="Ellipse 5"/>
+          <p:cNvSpPr/>
+          <p:nvPr/>
+        </p:nvSpPr>
+        <p:spPr>
+          <a:xfrm>
+            <a:off x="10908843" y="74279"/>
+            <a:ext cx="1141960" cy="1097783"/>
+          </a:xfrm>
+          <a:prstGeom prst="ellipse">
+            <a:avLst/>
+          </a:prstGeom>
+          <a:noFill/>
+          <a:ln>
+            <a:solidFill>
+              <a:schemeClr val="tx1"/>
+            </a:solidFill>
+          </a:ln>
+        </p:spPr>
+        <p:style>
+          <a:lnRef idx="2">
+            <a:schemeClr val="accent1">
+              <a:shade val="50000"/>
+            </a:schemeClr>
+          </a:lnRef>
+          <a:fillRef idx="1">
+            <a:schemeClr val="accent1"/>
+          </a:fillRef>
+          <a:effectRef idx="0">
+            <a:schemeClr val="accent1"/>
+          </a:effectRef>
+          <a:fontRef idx="minor">
+            <a:schemeClr val="lt1"/>
+          </a:fontRef>
+        </p:style>
+        <p:txBody>
+          <a:bodyPr rtlCol="0" anchor="ctr"/>
+          <a:lstStyle/>
+          <a:p>
+            <a:pPr algn="ctr"/>
+            <a:endParaRPr lang="de-DE"/>
+          </a:p>
+        </p:txBody>
+      </p:sp>
+      <p:sp>
+        <p:nvSpPr>
+          <p:cNvPr id="8" name="Textfeld 7"/>
+          <p:cNvSpPr txBox="1"/>
+          <p:nvPr/>
+        </p:nvSpPr>
+        <p:spPr>
+          <a:xfrm>
+            <a:off x="350879" y="2804814"/>
+            <a:ext cx="3880236" cy="1323439"/>
+          </a:xfrm>
+          <a:prstGeom prst="rect">
+            <a:avLst/>
+          </a:prstGeom>
+          <a:noFill/>
+        </p:spPr>
+        <p:txBody>
+          <a:bodyPr wrap="square" rtlCol="0">
+            <a:spAutoFit/>
+          </a:bodyPr>
+          <a:lstStyle/>
+          <a:p>
+            <a:r>
+              <a:rPr lang="de-DE" sz="2000" dirty="0"/>
+              <a:t>RBP Score</a:t>
+            </a:r>
+          </a:p>
+          <a:p>
+            <a:r>
+              <a:rPr lang="de-DE" sz="2000" dirty="0"/>
+              <a:t>=</a:t>
+            </a:r>
+            <a:r>
+              <a:rPr lang="de-DE" sz="2000" dirty="0" err="1"/>
+              <a:t>How</a:t>
+            </a:r>
+            <a:r>
+              <a:rPr lang="de-DE" sz="2000" dirty="0"/>
+              <a:t> </a:t>
+            </a:r>
+            <a:r>
+              <a:rPr lang="de-DE" sz="2000" dirty="0" err="1"/>
+              <a:t>many</a:t>
+            </a:r>
+            <a:r>
+              <a:rPr lang="de-DE" sz="2000" dirty="0"/>
+              <a:t> </a:t>
+            </a:r>
+            <a:r>
+              <a:rPr lang="de-DE" sz="2000" dirty="0" err="1"/>
+              <a:t>times</a:t>
+            </a:r>
+            <a:r>
+              <a:rPr lang="de-DE" sz="2000" dirty="0"/>
+              <a:t> </a:t>
+            </a:r>
+            <a:r>
+              <a:rPr lang="de-DE" sz="2000" dirty="0" err="1"/>
+              <a:t>has</a:t>
+            </a:r>
+            <a:r>
+              <a:rPr lang="de-DE" sz="2000" dirty="0"/>
+              <a:t> </a:t>
+            </a:r>
+            <a:r>
+              <a:rPr lang="de-DE" sz="2000" dirty="0" err="1"/>
+              <a:t>the</a:t>
+            </a:r>
+            <a:r>
+              <a:rPr lang="de-DE" sz="2000" dirty="0"/>
+              <a:t> </a:t>
+            </a:r>
+            <a:r>
+              <a:rPr lang="de-DE" sz="2000" dirty="0" err="1"/>
+              <a:t>protein</a:t>
+            </a:r>
+            <a:r>
+              <a:rPr lang="de-DE" sz="2000" dirty="0"/>
+              <a:t> </a:t>
+            </a:r>
+            <a:r>
+              <a:rPr lang="de-DE" sz="2000" dirty="0" err="1"/>
+              <a:t>been</a:t>
+            </a:r>
+            <a:r>
+              <a:rPr lang="de-DE" sz="2000" dirty="0"/>
+              <a:t> </a:t>
+            </a:r>
+            <a:r>
+              <a:rPr lang="de-DE" sz="2000" dirty="0" err="1"/>
+              <a:t>identified</a:t>
+            </a:r>
+            <a:r>
+              <a:rPr lang="de-DE" sz="2000" dirty="0"/>
+              <a:t> </a:t>
+            </a:r>
+            <a:r>
+              <a:rPr lang="de-DE" sz="2000" dirty="0" err="1"/>
+              <a:t>as</a:t>
+            </a:r>
+            <a:r>
+              <a:rPr lang="de-DE" sz="2000" dirty="0"/>
+              <a:t> an RBP?</a:t>
+            </a:r>
+          </a:p>
+          <a:p>
+            <a:endParaRPr lang="de-DE" sz="2000" dirty="0"/>
+          </a:p>
+        </p:txBody>
+      </p:sp>
+      <p:pic>
+        <p:nvPicPr>
+          <p:cNvPr id="13" name="Grafik 12"/>
+          <p:cNvPicPr>
+            <a:picLocks noChangeAspect="1"/>
+          </p:cNvPicPr>
+          <p:nvPr/>
+        </p:nvPicPr>
+        <p:blipFill>
+          <a:blip r:embed="rId4"/>
+          <a:stretch>
+            <a:fillRect/>
+          </a:stretch>
+        </p:blipFill>
+        <p:spPr>
+          <a:xfrm>
+            <a:off x="4953322" y="2296974"/>
+            <a:ext cx="5073803" cy="2680531"/>
+          </a:xfrm>
+          <a:prstGeom prst="rect">
+            <a:avLst/>
+          </a:prstGeom>
+        </p:spPr>
+      </p:pic>
+      <p:sp>
+        <p:nvSpPr>
+          <p:cNvPr id="14" name="Textfeld 13"/>
+          <p:cNvSpPr txBox="1"/>
+          <p:nvPr/>
+        </p:nvSpPr>
+        <p:spPr>
+          <a:xfrm>
+            <a:off x="5484745" y="5282207"/>
+            <a:ext cx="3896140" cy="769441"/>
+          </a:xfrm>
+          <a:prstGeom prst="rect">
+            <a:avLst/>
+          </a:prstGeom>
+          <a:noFill/>
+        </p:spPr>
+        <p:txBody>
+          <a:bodyPr wrap="square" rtlCol="0">
+            <a:spAutoFit/>
+          </a:bodyPr>
+          <a:lstStyle/>
+          <a:p>
+            <a:r>
+              <a:rPr lang="de-DE" sz="2200" dirty="0">
+                <a:sym typeface="Wingdings" panose="05000000000000000000" pitchFamily="2" charset="2"/>
+              </a:rPr>
+              <a:t></a:t>
+            </a:r>
+            <a:r>
+              <a:rPr lang="de-DE" sz="2200" dirty="0"/>
+              <a:t>X </a:t>
+            </a:r>
+            <a:r>
+              <a:rPr lang="de-DE" sz="2200" dirty="0" err="1"/>
+              <a:t>proteins</a:t>
+            </a:r>
+            <a:r>
+              <a:rPr lang="de-DE" sz="2200" dirty="0"/>
+              <a:t> </a:t>
+            </a:r>
+            <a:r>
+              <a:rPr lang="de-DE" sz="2200" dirty="0" err="1"/>
+              <a:t>which</a:t>
+            </a:r>
+            <a:r>
+              <a:rPr lang="de-DE" sz="2200" dirty="0"/>
+              <a:t> </a:t>
+            </a:r>
+            <a:r>
+              <a:rPr lang="de-DE" sz="2200" dirty="0" err="1"/>
+              <a:t>had</a:t>
+            </a:r>
+            <a:r>
+              <a:rPr lang="de-DE" sz="2200" dirty="0"/>
+              <a:t> not </a:t>
+            </a:r>
+            <a:r>
+              <a:rPr lang="de-DE" sz="2200" dirty="0" err="1"/>
+              <a:t>been</a:t>
+            </a:r>
+            <a:r>
+              <a:rPr lang="de-DE" sz="2200" dirty="0"/>
+              <a:t> </a:t>
+            </a:r>
+            <a:r>
+              <a:rPr lang="de-DE" sz="2200" dirty="0" err="1"/>
+              <a:t>identified</a:t>
+            </a:r>
+            <a:r>
+              <a:rPr lang="de-DE" sz="2200" dirty="0"/>
+              <a:t> </a:t>
+            </a:r>
+            <a:r>
+              <a:rPr lang="de-DE" sz="2200" dirty="0" err="1"/>
+              <a:t>previously</a:t>
+            </a:r>
+            <a:r>
+              <a:rPr lang="de-DE" sz="2200" dirty="0"/>
+              <a:t>!</a:t>
+            </a:r>
+          </a:p>
+        </p:txBody>
+      </p:sp>
+      <p:sp>
+        <p:nvSpPr>
+          <p:cNvPr id="15" name="Titel 1"/>
+          <p:cNvSpPr txBox="1">
+            <a:spLocks/>
+          </p:cNvSpPr>
+          <p:nvPr/>
+        </p:nvSpPr>
+        <p:spPr>
+          <a:xfrm>
+            <a:off x="885451" y="332841"/>
+            <a:ext cx="10515600" cy="1181291"/>
+          </a:xfrm>
+          <a:prstGeom prst="rect">
+            <a:avLst/>
+          </a:prstGeom>
+        </p:spPr>
+        <p:txBody>
+          <a:bodyPr>
+            <a:normAutofit fontScale="85000" lnSpcReduction="20000"/>
+          </a:bodyPr>
+          <a:lstStyle>
+            <a:lvl1pPr algn="l" defTabSz="914400" rtl="0" eaLnBrk="1" latinLnBrk="0" hangingPunct="1">
+              <a:lnSpc>
+                <a:spcPct val="90000"/>
+              </a:lnSpc>
+              <a:spcBef>
+                <a:spcPct val="0"/>
+              </a:spcBef>
+              <a:buNone/>
+              <a:defRPr sz="4400" kern="1200">
+                <a:solidFill>
+                  <a:schemeClr val="tx1"/>
+                </a:solidFill>
+                <a:latin typeface="+mj-lt"/>
+                <a:ea typeface="+mj-ea"/>
+                <a:cs typeface="+mj-cs"/>
+              </a:defRPr>
+            </a:lvl1pPr>
+          </a:lstStyle>
+          <a:p>
+            <a:pPr algn="ctr"/>
+            <a:r>
+              <a:rPr lang="de-DE" sz="3200" dirty="0" err="1"/>
+              <a:t>What</a:t>
+            </a:r>
+            <a:r>
+              <a:rPr lang="de-DE" sz="3200" dirty="0"/>
+              <a:t> do </a:t>
+            </a:r>
+            <a:r>
+              <a:rPr lang="de-DE" sz="3200" dirty="0" err="1"/>
+              <a:t>the</a:t>
+            </a:r>
+            <a:r>
+              <a:rPr lang="de-DE" sz="3200" dirty="0"/>
+              <a:t> RBPs </a:t>
+            </a:r>
+            <a:r>
+              <a:rPr lang="de-DE" sz="3200" dirty="0" err="1"/>
+              <a:t>have</a:t>
+            </a:r>
+            <a:r>
+              <a:rPr lang="de-DE" sz="3200" dirty="0"/>
+              <a:t> in </a:t>
+            </a:r>
+            <a:r>
+              <a:rPr lang="de-DE" sz="3200" dirty="0" err="1"/>
+              <a:t>common</a:t>
+            </a:r>
+            <a:r>
+              <a:rPr lang="de-DE" sz="3200" dirty="0"/>
+              <a:t>?  </a:t>
+            </a:r>
+          </a:p>
+          <a:p>
+            <a:pPr algn="ctr"/>
+            <a:r>
+              <a:rPr lang="de-DE" sz="3200" dirty="0" err="1"/>
+              <a:t>Comparison</a:t>
+            </a:r>
+            <a:r>
+              <a:rPr lang="de-DE" sz="3200" dirty="0"/>
+              <a:t> </a:t>
+            </a:r>
+            <a:r>
+              <a:rPr lang="de-DE" sz="3200" dirty="0" err="1"/>
+              <a:t>with</a:t>
+            </a:r>
+            <a:r>
+              <a:rPr lang="de-DE" sz="3200" dirty="0"/>
+              <a:t> R-</a:t>
+            </a:r>
+            <a:r>
+              <a:rPr lang="de-DE" sz="3200" dirty="0" err="1"/>
+              <a:t>DeeP</a:t>
+            </a:r>
+            <a:endParaRPr lang="de-DE" sz="3200" dirty="0"/>
+          </a:p>
+          <a:p>
+            <a:pPr algn="ctr"/>
+            <a:endParaRPr lang="de-DE" sz="3200" dirty="0"/>
+          </a:p>
+          <a:p>
+            <a:pPr algn="ctr"/>
+            <a:r>
+              <a:rPr lang="de-DE" sz="2400" dirty="0"/>
+              <a:t>Analysis </a:t>
+            </a:r>
+            <a:r>
+              <a:rPr lang="de-DE" sz="2400" dirty="0" err="1"/>
+              <a:t>of</a:t>
+            </a:r>
+            <a:r>
+              <a:rPr lang="de-DE" sz="2400" dirty="0"/>
+              <a:t> </a:t>
+            </a:r>
+            <a:r>
+              <a:rPr lang="de-DE" sz="2400" dirty="0" err="1"/>
+              <a:t>proteins</a:t>
+            </a:r>
+            <a:r>
+              <a:rPr lang="de-DE" sz="2400" dirty="0"/>
+              <a:t> </a:t>
+            </a:r>
+            <a:r>
+              <a:rPr lang="de-DE" sz="2400" dirty="0" err="1"/>
+              <a:t>which</a:t>
+            </a:r>
+            <a:r>
+              <a:rPr lang="de-DE" sz="2400" dirty="0"/>
+              <a:t> </a:t>
+            </a:r>
+            <a:r>
+              <a:rPr lang="de-DE" sz="2400" dirty="0" err="1"/>
+              <a:t>had</a:t>
+            </a:r>
+            <a:r>
+              <a:rPr lang="de-DE" sz="2400" dirty="0"/>
+              <a:t> a </a:t>
+            </a:r>
+            <a:r>
+              <a:rPr lang="de-DE" sz="2400" dirty="0" err="1"/>
+              <a:t>full</a:t>
+            </a:r>
+            <a:r>
+              <a:rPr lang="de-DE" sz="2400" dirty="0"/>
+              <a:t> </a:t>
+            </a:r>
+            <a:r>
+              <a:rPr lang="de-DE" sz="2400" dirty="0" err="1"/>
+              <a:t>shift</a:t>
+            </a:r>
+            <a:r>
+              <a:rPr lang="de-DE" sz="2400" dirty="0"/>
+              <a:t> (Interphase)</a:t>
+            </a:r>
+          </a:p>
+          <a:p>
+            <a:pPr algn="ctr"/>
+            <a:endParaRPr lang="de-DE" sz="3200" dirty="0"/>
+          </a:p>
+        </p:txBody>
+      </p:sp>
+    </p:spTree>
+    <p:extLst>
+      <p:ext uri="{BB962C8B-B14F-4D97-AF65-F5344CB8AC3E}">
+        <p14:creationId xmlns:p14="http://schemas.microsoft.com/office/powerpoint/2010/main" val="3717667414"/>
+      </p:ext>
+    </p:extLst>
+  </p:cSld>
+  <p:clrMapOvr>
+    <a:masterClrMapping/>
+  </p:clrMapOvr>
+  <p:timing>
+    <p:tnLst>
+      <p:par>
+        <p:cTn id="1" dur="indefinite" restart="never" nodeType="tmRoot">
+          <p:childTnLst>
+            <p:seq concurrent="1" nextAc="seek">
+              <p:cTn id="2" dur="indefinite" nodeType="mainSeq">
+                <p:childTnLst>
                   <p:par>
-                    <p:cTn id="20" fill="hold">
+                    <p:cTn id="3" fill="hold">
                       <p:stCondLst>
                         <p:cond delay="indefinite"/>
                       </p:stCondLst>
                       <p:childTnLst>
                         <p:par>
-                          <p:cTn id="21" fill="hold">
+                          <p:cTn id="4" fill="hold">
                             <p:stCondLst>
                               <p:cond delay="0"/>
                             </p:stCondLst>
                             <p:childTnLst>
                               <p:par>
-                                <p:cTn id="22" presetID="1" presetClass="entr" presetSubtype="0" fill="hold" grpId="0" nodeType="clickEffect">
+                                <p:cTn id="5" presetID="22" presetClass="entr" presetSubtype="8" fill="hold" grpId="0" nodeType="clickEffect">
                                   <p:stCondLst>
                                     <p:cond delay="0"/>
                                   </p:stCondLst>
                                   <p:childTnLst>
                                     <p:set>
                                       <p:cBhvr>
-                                        <p:cTn id="23" dur="1" fill="hold">
+                                        <p:cTn id="6" dur="1" fill="hold">
+                                          <p:stCondLst>
+                                            <p:cond delay="0"/>
+                                          </p:stCondLst>
+                                        </p:cTn>
+                                        <p:tgtEl>
+                                          <p:spTgt spid="4"/>
+                                        </p:tgtEl>
+                                        <p:attrNameLst>
+                                          <p:attrName>style.visibility</p:attrName>
+                                        </p:attrNameLst>
+                                      </p:cBhvr>
+                                      <p:to>
+                                        <p:strVal val="visible"/>
+                                      </p:to>
+                                    </p:set>
+                                    <p:animEffect transition="in" filter="wipe(left)">
+                                      <p:cBhvr>
+                                        <p:cTn id="7" dur="500"/>
+                                        <p:tgtEl>
+                                          <p:spTgt spid="4"/>
+                                        </p:tgtEl>
+                                      </p:cBhvr>
+                                    </p:animEffect>
+                                  </p:childTnLst>
+                                </p:cTn>
+                              </p:par>
+                            </p:childTnLst>
+                          </p:cTn>
+                        </p:par>
+                      </p:childTnLst>
+                    </p:cTn>
+                  </p:par>
+                  <p:par>
+                    <p:cTn id="8" fill="hold">
+                      <p:stCondLst>
+                        <p:cond delay="indefinite"/>
+                      </p:stCondLst>
+                      <p:childTnLst>
+                        <p:par>
+                          <p:cTn id="9" fill="hold">
+                            <p:stCondLst>
+                              <p:cond delay="0"/>
+                            </p:stCondLst>
+                            <p:childTnLst>
+                              <p:par>
+                                <p:cTn id="10" presetID="1" presetClass="entr" presetSubtype="0" fill="hold" grpId="0" nodeType="clickEffect">
+                                  <p:stCondLst>
+                                    <p:cond delay="0"/>
+                                  </p:stCondLst>
+                                  <p:childTnLst>
+                                    <p:set>
+                                      <p:cBhvr>
+                                        <p:cTn id="11" dur="1" fill="hold">
+                                          <p:stCondLst>
+                                            <p:cond delay="0"/>
+                                          </p:stCondLst>
+                                        </p:cTn>
+                                        <p:tgtEl>
+                                          <p:spTgt spid="15"/>
+                                        </p:tgtEl>
+                                        <p:attrNameLst>
+                                          <p:attrName>style.visibility</p:attrName>
+                                        </p:attrNameLst>
+                                      </p:cBhvr>
+                                      <p:to>
+                                        <p:strVal val="visible"/>
+                                      </p:to>
+                                    </p:set>
+                                  </p:childTnLst>
+                                </p:cTn>
+                              </p:par>
+                            </p:childTnLst>
+                          </p:cTn>
+                        </p:par>
+                      </p:childTnLst>
+                    </p:cTn>
+                  </p:par>
+                  <p:par>
+                    <p:cTn id="12" fill="hold">
+                      <p:stCondLst>
+                        <p:cond delay="indefinite"/>
+                      </p:stCondLst>
+                      <p:childTnLst>
+                        <p:par>
+                          <p:cTn id="13" fill="hold">
+                            <p:stCondLst>
+                              <p:cond delay="0"/>
+                            </p:stCondLst>
+                            <p:childTnLst>
+                              <p:par>
+                                <p:cTn id="14" presetID="1" presetClass="entr" presetSubtype="0" fill="hold" grpId="0" nodeType="clickEffect">
+                                  <p:stCondLst>
+                                    <p:cond delay="0"/>
+                                  </p:stCondLst>
+                                  <p:childTnLst>
+                                    <p:set>
+                                      <p:cBhvr>
+                                        <p:cTn id="15" dur="1" fill="hold">
                                           <p:stCondLst>
                                             <p:cond delay="0"/>
                                           </p:stCondLst>
@@ -20241,26 +22798,26 @@
                     </p:cTn>
                   </p:par>
                   <p:par>
-                    <p:cTn id="24" fill="hold">
+                    <p:cTn id="16" fill="hold">
                       <p:stCondLst>
                         <p:cond delay="indefinite"/>
                       </p:stCondLst>
                       <p:childTnLst>
                         <p:par>
-                          <p:cTn id="25" fill="hold">
+                          <p:cTn id="17" fill="hold">
                             <p:stCondLst>
                               <p:cond delay="0"/>
                             </p:stCondLst>
                             <p:childTnLst>
                               <p:par>
-                                <p:cTn id="26" presetID="1" presetClass="entr" presetSubtype="0" fill="hold" nodeType="clickEffect">
+                                <p:cTn id="18" presetID="1" presetClass="entr" presetSubtype="0" fill="hold" nodeType="clickEffect">
                                   <p:stCondLst>
                                     <p:cond delay="0"/>
                                   </p:stCondLst>
                                   <p:childTnLst>
                                     <p:set>
                                       <p:cBhvr>
-                                        <p:cTn id="27" dur="1" fill="hold">
+                                        <p:cTn id="19" dur="1" fill="hold">
                                           <p:stCondLst>
                                             <p:cond delay="0"/>
                                           </p:stCondLst>
@@ -20286,26 +22843,26 @@
                     </p:cTn>
                   </p:par>
                   <p:par>
-                    <p:cTn id="28" fill="hold">
+                    <p:cTn id="20" fill="hold">
                       <p:stCondLst>
                         <p:cond delay="indefinite"/>
                       </p:stCondLst>
                       <p:childTnLst>
                         <p:par>
-                          <p:cTn id="29" fill="hold">
+                          <p:cTn id="21" fill="hold">
                             <p:stCondLst>
                               <p:cond delay="0"/>
                             </p:stCondLst>
                             <p:childTnLst>
                               <p:par>
-                                <p:cTn id="30" presetID="22" presetClass="entr" presetSubtype="8" fill="hold" grpId="0" nodeType="clickEffect">
+                                <p:cTn id="22" presetID="22" presetClass="entr" presetSubtype="8" fill="hold" grpId="0" nodeType="clickEffect">
                                   <p:stCondLst>
                                     <p:cond delay="0"/>
                                   </p:stCondLst>
                                   <p:childTnLst>
                                     <p:set>
                                       <p:cBhvr>
-                                        <p:cTn id="31" dur="1" fill="hold">
+                                        <p:cTn id="23" dur="1" fill="hold">
                                           <p:stCondLst>
                                             <p:cond delay="0"/>
                                           </p:stCondLst>
@@ -20323,7 +22880,7 @@
                                     </p:set>
                                     <p:animEffect transition="in" filter="wipe(left)">
                                       <p:cBhvr>
-                                        <p:cTn id="32" dur="500"/>
+                                        <p:cTn id="24" dur="500"/>
                                         <p:tgtEl>
                                           <p:spTgt spid="14"/>
                                         </p:tgtEl>
@@ -20362,7 +22919,6 @@
     <p:bldLst>
       <p:bldP spid="4" grpId="0" animBg="1"/>
       <p:bldP spid="8" grpId="0"/>
-      <p:bldP spid="12" grpId="0"/>
       <p:bldP spid="14" grpId="0"/>
       <p:bldP spid="15" grpId="0"/>
     </p:bldLst>
@@ -20459,8 +23015,9 @@
           <a:bodyPr rtlCol="0" anchor="ctr"/>
           <a:lstStyle/>
           <a:p>
-            <a:r>
-              <a:rPr lang="en-US" sz="3600" dirty="0">
+            <a:pPr algn="ctr"/>
+            <a:r>
+              <a:rPr lang="en-US" sz="2800" dirty="0">
                 <a:solidFill>
                   <a:schemeClr val="bg1"/>
                 </a:solidFill>
@@ -20548,8 +23105,8 @@
         </p:nvSpPr>
         <p:spPr>
           <a:xfrm>
-            <a:off x="160164" y="2881187"/>
-            <a:ext cx="6607534" cy="3139321"/>
+            <a:off x="6174325" y="1379498"/>
+            <a:ext cx="6607534" cy="4102533"/>
           </a:xfrm>
           <a:prstGeom prst="rect">
             <a:avLst/>
@@ -20562,62 +23119,124 @@
           </a:bodyPr>
           <a:lstStyle/>
           <a:p>
-            <a:r>
-              <a:rPr lang="de-DE" sz="2200" dirty="0" err="1"/>
-              <a:t>Function</a:t>
+            <a:pPr>
+              <a:lnSpc>
+                <a:spcPct val="150000"/>
+              </a:lnSpc>
+            </a:pPr>
+            <a:r>
+              <a:rPr lang="de-DE" sz="2200" dirty="0" smtClean="0"/>
+              <a:t>Funktion</a:t>
             </a:r>
             <a:endParaRPr lang="de-DE" sz="2200" dirty="0"/>
           </a:p>
           <a:p>
             <a:pPr marL="285750" indent="-285750">
+              <a:lnSpc>
+                <a:spcPct val="150000"/>
+              </a:lnSpc>
               <a:buFont typeface="Arial" panose="020B0604020202020204" pitchFamily="34" charset="0"/>
               <a:buChar char="•"/>
             </a:pPr>
             <a:r>
-              <a:rPr lang="de-DE" sz="2200" dirty="0"/>
-              <a:t>Chromatin </a:t>
-            </a:r>
-            <a:r>
               <a:rPr lang="de-DE" sz="2200" dirty="0" err="1"/>
+              <a:t>c</a:t>
+            </a:r>
+            <a:r>
+              <a:rPr lang="de-DE" sz="2200" dirty="0" err="1" smtClean="0"/>
+              <a:t>hromatin</a:t>
+            </a:r>
+            <a:r>
+              <a:rPr lang="de-DE" sz="2200" dirty="0" smtClean="0"/>
+              <a:t> &amp; </a:t>
+            </a:r>
+            <a:r>
+              <a:rPr lang="de-DE" sz="2200" dirty="0" err="1" smtClean="0"/>
+              <a:t>cytoskeleton</a:t>
+            </a:r>
+            <a:r>
+              <a:rPr lang="de-DE" sz="2200" dirty="0" smtClean="0"/>
+              <a:t> </a:t>
+            </a:r>
+            <a:r>
+              <a:rPr lang="de-DE" sz="2200" dirty="0" err="1" smtClean="0"/>
               <a:t>organization</a:t>
             </a:r>
             <a:endParaRPr lang="de-DE" sz="2200" dirty="0"/>
           </a:p>
           <a:p>
             <a:pPr marL="285750" indent="-285750">
+              <a:lnSpc>
+                <a:spcPct val="150000"/>
+              </a:lnSpc>
               <a:buFont typeface="Arial" panose="020B0604020202020204" pitchFamily="34" charset="0"/>
               <a:buChar char="•"/>
             </a:pPr>
             <a:r>
               <a:rPr lang="de-DE" sz="2200" dirty="0" err="1"/>
-              <a:t>Cytoskeleton</a:t>
+              <a:t>c</a:t>
+            </a:r>
+            <a:r>
+              <a:rPr lang="de-DE" sz="2200" dirty="0" err="1" smtClean="0"/>
+              <a:t>ell</a:t>
+            </a:r>
+            <a:r>
+              <a:rPr lang="de-DE" sz="2200" dirty="0" smtClean="0"/>
+              <a:t> </a:t>
+            </a:r>
+            <a:r>
+              <a:rPr lang="de-DE" sz="2200" dirty="0" err="1"/>
+              <a:t>division</a:t>
             </a:r>
             <a:r>
               <a:rPr lang="de-DE" sz="2200" dirty="0"/>
-              <a:t> </a:t>
+              <a:t> &amp; </a:t>
             </a:r>
             <a:r>
               <a:rPr lang="de-DE" sz="2200" dirty="0" err="1"/>
-              <a:t>organization</a:t>
+              <a:t>cell</a:t>
+            </a:r>
+            <a:r>
+              <a:rPr lang="de-DE" sz="2200" dirty="0"/>
+              <a:t> </a:t>
+            </a:r>
+            <a:r>
+              <a:rPr lang="de-DE" sz="2200" dirty="0" err="1"/>
+              <a:t>cycle</a:t>
+            </a:r>
+            <a:r>
+              <a:rPr lang="de-DE" sz="2200" dirty="0"/>
+              <a:t> </a:t>
+            </a:r>
+            <a:r>
+              <a:rPr lang="de-DE" sz="2200" dirty="0" err="1"/>
+              <a:t>regulation</a:t>
             </a:r>
             <a:endParaRPr lang="de-DE" sz="2200" dirty="0"/>
           </a:p>
           <a:p>
             <a:pPr marL="285750" indent="-285750">
+              <a:lnSpc>
+                <a:spcPct val="150000"/>
+              </a:lnSpc>
               <a:buFont typeface="Arial" panose="020B0604020202020204" pitchFamily="34" charset="0"/>
               <a:buChar char="•"/>
             </a:pPr>
             <a:r>
               <a:rPr lang="de-DE" sz="2200" dirty="0" err="1"/>
-              <a:t>Cell</a:t>
-            </a:r>
-            <a:r>
-              <a:rPr lang="de-DE" sz="2200" dirty="0"/>
+              <a:t>b</a:t>
+            </a:r>
+            <a:r>
+              <a:rPr lang="de-DE" sz="2200" dirty="0" err="1" smtClean="0"/>
+              <a:t>rain</a:t>
+            </a:r>
+            <a:r>
+              <a:rPr lang="de-DE" sz="2200" dirty="0" smtClean="0"/>
               <a:t> </a:t>
             </a:r>
             <a:r>
               <a:rPr lang="de-DE" sz="2200" dirty="0" err="1"/>
-              <a:t>division</a:t>
+              <a:t>development</a:t>
             </a:r>
             <a:r>
               <a:rPr lang="de-DE" sz="2200" dirty="0"/>
@@ -20625,7 +23244,7 @@
             </a:r>
             <a:r>
               <a:rPr lang="de-DE" sz="2200" dirty="0" err="1"/>
-              <a:t>cell</a:t>
+              <a:t>embroynic</a:t>
             </a:r>
             <a:r>
               <a:rPr lang="de-DE" sz="2200" dirty="0"/>
@@ -20633,130 +23252,84 @@
             </a:r>
             <a:r>
               <a:rPr lang="de-DE" sz="2200" dirty="0" err="1"/>
-              <a:t>cycle</a:t>
-            </a:r>
-            <a:r>
-              <a:rPr lang="de-DE" sz="2200" dirty="0"/>
-              <a:t> </a:t>
-            </a:r>
-            <a:r>
-              <a:rPr lang="de-DE" sz="2200" dirty="0" err="1"/>
-              <a:t>regulation</a:t>
+              <a:t>development</a:t>
             </a:r>
             <a:endParaRPr lang="de-DE" sz="2200" dirty="0"/>
           </a:p>
           <a:p>
             <a:pPr marL="285750" indent="-285750">
+              <a:lnSpc>
+                <a:spcPct val="150000"/>
+              </a:lnSpc>
               <a:buFont typeface="Arial" panose="020B0604020202020204" pitchFamily="34" charset="0"/>
               <a:buChar char="•"/>
             </a:pPr>
             <a:r>
-              <a:rPr lang="de-DE" sz="2200" dirty="0"/>
-              <a:t>Brain </a:t>
-            </a:r>
-            <a:r>
-              <a:rPr lang="de-DE" sz="2200" dirty="0" err="1"/>
-              <a:t>development</a:t>
-            </a:r>
-            <a:r>
-              <a:rPr lang="de-DE" sz="2200" dirty="0"/>
-              <a:t> &amp; </a:t>
-            </a:r>
-            <a:r>
-              <a:rPr lang="de-DE" sz="2200" dirty="0" err="1"/>
-              <a:t>embroynic</a:t>
-            </a:r>
-            <a:r>
-              <a:rPr lang="de-DE" sz="2200" dirty="0"/>
-              <a:t> </a:t>
-            </a:r>
-            <a:r>
-              <a:rPr lang="de-DE" sz="2200" dirty="0" err="1"/>
-              <a:t>development</a:t>
+              <a:rPr lang="de-DE" sz="2200" dirty="0" smtClean="0"/>
+              <a:t>native </a:t>
+            </a:r>
+            <a:r>
+              <a:rPr lang="de-DE" sz="2200" dirty="0" err="1" smtClean="0"/>
+              <a:t>and</a:t>
+            </a:r>
+            <a:r>
+              <a:rPr lang="de-DE" sz="2200" dirty="0" smtClean="0"/>
+              <a:t> adaptive </a:t>
+            </a:r>
+            <a:r>
+              <a:rPr lang="de-DE" sz="2200" dirty="0" err="1" smtClean="0"/>
+              <a:t>immunity</a:t>
             </a:r>
             <a:endParaRPr lang="de-DE" sz="2200" dirty="0"/>
           </a:p>
           <a:p>
             <a:pPr marL="285750" indent="-285750">
+              <a:lnSpc>
+                <a:spcPct val="150000"/>
+              </a:lnSpc>
               <a:buFont typeface="Arial" panose="020B0604020202020204" pitchFamily="34" charset="0"/>
               <a:buChar char="•"/>
             </a:pPr>
             <a:r>
               <a:rPr lang="de-DE" sz="2200" dirty="0" err="1"/>
-              <a:t>Funtion</a:t>
+              <a:t>t</a:t>
+            </a:r>
+            <a:r>
+              <a:rPr lang="de-DE" sz="2200" dirty="0" err="1" smtClean="0"/>
+              <a:t>ranscription</a:t>
+            </a:r>
+            <a:r>
+              <a:rPr lang="de-DE" sz="2200" dirty="0" smtClean="0"/>
+              <a:t> </a:t>
+            </a:r>
+            <a:r>
+              <a:rPr lang="de-DE" sz="2200" dirty="0" err="1"/>
+              <a:t>and</a:t>
             </a:r>
             <a:r>
               <a:rPr lang="de-DE" sz="2200" dirty="0"/>
-              <a:t> </a:t>
+              <a:t> translation </a:t>
             </a:r>
             <a:r>
               <a:rPr lang="de-DE" sz="2200" dirty="0" err="1"/>
-              <a:t>of</a:t>
-            </a:r>
-            <a:r>
-              <a:rPr lang="de-DE" sz="2200" dirty="0"/>
-              <a:t> </a:t>
-            </a:r>
-            <a:r>
-              <a:rPr lang="de-DE" sz="2200" dirty="0" err="1"/>
-              <a:t>the</a:t>
-            </a:r>
-            <a:r>
-              <a:rPr lang="de-DE" sz="2200" dirty="0"/>
-              <a:t> immune </a:t>
-            </a:r>
-            <a:r>
-              <a:rPr lang="de-DE" sz="2200" dirty="0" err="1"/>
-              <a:t>system</a:t>
+              <a:t>regulation</a:t>
             </a:r>
             <a:endParaRPr lang="de-DE" sz="2200" dirty="0"/>
           </a:p>
           <a:p>
             <a:pPr marL="285750" indent="-285750">
+              <a:lnSpc>
+                <a:spcPct val="150000"/>
+              </a:lnSpc>
               <a:buFont typeface="Arial" panose="020B0604020202020204" pitchFamily="34" charset="0"/>
               <a:buChar char="•"/>
             </a:pPr>
             <a:r>
-              <a:rPr lang="de-DE" sz="2200" dirty="0" err="1"/>
-              <a:t>Transcription</a:t>
-            </a:r>
-            <a:r>
-              <a:rPr lang="de-DE" sz="2200" dirty="0"/>
-              <a:t> </a:t>
-            </a:r>
-            <a:r>
-              <a:rPr lang="de-DE" sz="2200" dirty="0" err="1"/>
-              <a:t>and</a:t>
-            </a:r>
-            <a:r>
-              <a:rPr lang="de-DE" sz="2200" dirty="0"/>
-              <a:t> </a:t>
-            </a:r>
-            <a:r>
-              <a:rPr lang="de-DE" sz="2200" dirty="0" err="1"/>
-              <a:t>translation</a:t>
-            </a:r>
-            <a:r>
-              <a:rPr lang="de-DE" sz="2200" dirty="0"/>
-              <a:t> </a:t>
-            </a:r>
-            <a:r>
-              <a:rPr lang="de-DE" sz="2200" dirty="0" err="1"/>
-              <a:t>regulation</a:t>
-            </a:r>
-            <a:endParaRPr lang="de-DE" sz="2200" dirty="0"/>
-          </a:p>
-          <a:p>
-            <a:pPr marL="285750" indent="-285750">
-              <a:buFont typeface="Arial" panose="020B0604020202020204" pitchFamily="34" charset="0"/>
-              <a:buChar char="•"/>
-            </a:pPr>
-            <a:r>
-              <a:rPr lang="de-DE" sz="2200" dirty="0" err="1"/>
-              <a:t>Ribosome</a:t>
-            </a:r>
-            <a:r>
-              <a:rPr lang="de-DE" sz="2200" dirty="0"/>
+              <a:rPr lang="de-DE" sz="2200" dirty="0" err="1" smtClean="0"/>
+              <a:t>ribosome</a:t>
+            </a:r>
+            <a:r>
+              <a:rPr lang="de-DE" sz="2200" dirty="0" smtClean="0"/>
               <a:t> </a:t>
             </a:r>
             <a:r>
@@ -20765,24 +23338,14 @@
             </a:r>
             <a:r>
               <a:rPr lang="de-DE" sz="2200" dirty="0"/>
-              <a:t> &amp; </a:t>
-            </a:r>
-            <a:r>
-              <a:rPr lang="de-DE" sz="2200" dirty="0" err="1"/>
-              <a:t>subunit</a:t>
-            </a:r>
-            <a:r>
-              <a:rPr lang="de-DE" sz="2200" dirty="0"/>
-              <a:t> </a:t>
-            </a:r>
-            <a:r>
-              <a:rPr lang="de-DE" sz="2200" dirty="0" err="1"/>
-              <a:t>organization</a:t>
-            </a:r>
-            <a:endParaRPr lang="de-DE" sz="2200" dirty="0"/>
+              <a:t> </a:t>
+            </a:r>
           </a:p>
           <a:p>
             <a:pPr marL="285750" indent="-285750">
+              <a:lnSpc>
+                <a:spcPct val="150000"/>
+              </a:lnSpc>
               <a:buFont typeface="Arial" panose="020B0604020202020204" pitchFamily="34" charset="0"/>
               <a:buChar char="•"/>
             </a:pPr>
@@ -20946,8 +23509,8 @@
         </p:blipFill>
         <p:spPr>
           <a:xfrm>
-            <a:off x="6332552" y="1349582"/>
-            <a:ext cx="4834597" cy="4670926"/>
+            <a:off x="375176" y="2728814"/>
+            <a:ext cx="3943605" cy="3810098"/>
           </a:xfrm>
           <a:prstGeom prst="rect">
             <a:avLst/>
@@ -20962,7 +23525,7 @@
         </p:nvSpPr>
         <p:spPr>
           <a:xfrm>
-            <a:off x="8053102" y="6154191"/>
+            <a:off x="9195062" y="6088559"/>
             <a:ext cx="2855741" cy="769441"/>
           </a:xfrm>
           <a:prstGeom prst="rect">
@@ -21595,11 +24158,7 @@
                                           </p:stCondLst>
                                         </p:cTn>
                                         <p:tgtEl>
-                                          <p:spTgt spid="4">
-                                            <p:txEl>
-                                              <p:pRg st="8" end="8"/>
-                                            </p:txEl>
-                                          </p:spTgt>
+                                          <p:spTgt spid="12"/>
                                         </p:tgtEl>
                                         <p:attrNameLst>
                                           <p:attrName>style.visibility</p:attrName>
@@ -21643,6 +24202,7 @@
       <p:bldP spid="5" grpId="0" animBg="1"/>
       <p:bldP spid="4" grpId="0" build="p"/>
       <p:bldP spid="15" grpId="0"/>
+      <p:bldP spid="12" grpId="0"/>
     </p:bldLst>
   </p:timing>
 </p:sld>
@@ -21737,8 +24297,9 @@
           <a:bodyPr rtlCol="0" anchor="ctr"/>
           <a:lstStyle/>
           <a:p>
-            <a:r>
-              <a:rPr lang="en-US" sz="3600" dirty="0">
+            <a:pPr algn="ctr"/>
+            <a:r>
+              <a:rPr lang="en-US" sz="2800" dirty="0">
                 <a:solidFill>
                   <a:schemeClr val="bg1"/>
                 </a:solidFill>
@@ -21803,7 +24364,7 @@
           <p:nvPr/>
         </p:nvPicPr>
         <p:blipFill>
-          <a:blip r:embed="rId2"/>
+          <a:blip r:embed="rId3"/>
           <a:stretch>
             <a:fillRect/>
           </a:stretch>
@@ -21818,36 +24379,6 @@
           </a:prstGeom>
         </p:spPr>
       </p:pic>
-      <p:sp>
-        <p:nvSpPr>
-          <p:cNvPr id="7" name="Textfeld 6"/>
-          <p:cNvSpPr txBox="1"/>
-          <p:nvPr/>
-        </p:nvSpPr>
-        <p:spPr>
-          <a:xfrm>
-            <a:off x="3561166" y="2120907"/>
-            <a:ext cx="5184250" cy="430887"/>
-          </a:xfrm>
-          <a:prstGeom prst="rect">
-            <a:avLst/>
-          </a:prstGeom>
-          <a:noFill/>
-        </p:spPr>
-        <p:txBody>
-          <a:bodyPr wrap="square" rtlCol="0">
-            <a:spAutoFit/>
-          </a:bodyPr>
-          <a:lstStyle/>
-          <a:p>
-            <a:pPr algn="ctr"/>
-            <a:r>
-              <a:rPr lang="de-DE" sz="2200" dirty="0"/>
-              <a:t>Common Domains</a:t>
-            </a:r>
-          </a:p>
-        </p:txBody>
-      </p:sp>
       <p:pic>
         <p:nvPicPr>
           <p:cNvPr id="8" name="Grafik 7"/>
@@ -21857,7 +24388,7 @@
           <p:nvPr/>
         </p:nvPicPr>
         <p:blipFill>
-          <a:blip r:embed="rId3"/>
+          <a:blip r:embed="rId4"/>
           <a:stretch>
             <a:fillRect/>
           </a:stretch>
@@ -21880,8 +24411,8 @@
         </p:nvSpPr>
         <p:spPr>
           <a:xfrm>
-            <a:off x="833893" y="5047598"/>
-            <a:ext cx="2449002" cy="1107996"/>
+            <a:off x="833892" y="5047598"/>
+            <a:ext cx="2922181" cy="769441"/>
           </a:xfrm>
           <a:prstGeom prst="rect">
             <a:avLst/>
@@ -21895,22 +24426,22 @@
           <a:lstStyle/>
           <a:p>
             <a:r>
-              <a:rPr lang="de-DE" sz="2200" dirty="0"/>
+              <a:rPr lang="de-DE" sz="2200" b="1" dirty="0"/>
               <a:t>RNA </a:t>
             </a:r>
             <a:r>
-              <a:rPr lang="de-DE" sz="2200" dirty="0" err="1"/>
+              <a:rPr lang="de-DE" sz="2200" b="1" dirty="0" err="1"/>
               <a:t>recognition</a:t>
             </a:r>
             <a:r>
-              <a:rPr lang="de-DE" sz="2200" dirty="0"/>
-              <a:t> </a:t>
-            </a:r>
-            <a:r>
-              <a:rPr lang="de-DE" sz="2200" dirty="0" err="1"/>
+              <a:rPr lang="de-DE" sz="2200" b="1" dirty="0"/>
+              <a:t> </a:t>
+            </a:r>
+            <a:r>
+              <a:rPr lang="de-DE" sz="2200" b="1" dirty="0" err="1"/>
               <a:t>motif</a:t>
             </a:r>
-            <a:endParaRPr lang="de-DE" sz="2200" dirty="0"/>
+            <a:endParaRPr lang="de-DE" sz="2200" b="1" dirty="0"/>
           </a:p>
           <a:p>
             <a:r>
@@ -21929,7 +24460,7 @@
           <p:nvPr/>
         </p:nvPicPr>
         <p:blipFill>
-          <a:blip r:embed="rId4"/>
+          <a:blip r:embed="rId5"/>
           <a:stretch>
             <a:fillRect/>
           </a:stretch>
@@ -21967,11 +24498,11 @@
           <a:lstStyle/>
           <a:p>
             <a:r>
-              <a:rPr lang="de-DE" sz="2200" dirty="0" err="1"/>
+              <a:rPr lang="de-DE" sz="2200" b="1" dirty="0" err="1"/>
               <a:t>Zinc</a:t>
             </a:r>
             <a:r>
-              <a:rPr lang="de-DE" sz="2200" dirty="0"/>
+              <a:rPr lang="de-DE" sz="2200" b="1" dirty="0"/>
               <a:t> Finger</a:t>
             </a:r>
           </a:p>
@@ -21992,7 +24523,7 @@
           <p:nvPr/>
         </p:nvPicPr>
         <p:blipFill>
-          <a:blip r:embed="rId5"/>
+          <a:blip r:embed="rId6"/>
           <a:stretch>
             <a:fillRect/>
           </a:stretch>
@@ -22030,108 +24561,36 @@
           <a:lstStyle/>
           <a:p>
             <a:r>
-              <a:rPr lang="de-DE" sz="2200" dirty="0"/>
+              <a:rPr lang="de-DE" sz="2200" b="1" dirty="0"/>
               <a:t>Dead/</a:t>
             </a:r>
             <a:r>
-              <a:rPr lang="de-DE" sz="2200" dirty="0" err="1"/>
+              <a:rPr lang="de-DE" sz="2200" b="1" dirty="0" err="1"/>
               <a:t>Deah</a:t>
             </a:r>
             <a:r>
-              <a:rPr lang="de-DE" sz="2200" dirty="0"/>
+              <a:rPr lang="de-DE" sz="2200" b="1" dirty="0"/>
               <a:t> Domain/</a:t>
             </a:r>
             <a:r>
-              <a:rPr lang="de-DE" sz="2200" dirty="0" err="1"/>
+              <a:rPr lang="de-DE" sz="2200" b="1" dirty="0" err="1"/>
               <a:t>Helicase</a:t>
             </a:r>
             <a:r>
-              <a:rPr lang="de-DE" sz="2200" dirty="0"/>
-              <a:t> </a:t>
-            </a:r>
-            <a:r>
-              <a:rPr lang="de-DE" sz="2200" dirty="0" err="1"/>
-              <a:t>Doman</a:t>
-            </a:r>
-            <a:endParaRPr lang="de-DE" sz="2200" dirty="0"/>
+              <a:rPr lang="de-DE" sz="2200" b="1" dirty="0"/>
+              <a:t> </a:t>
+            </a:r>
+            <a:r>
+              <a:rPr lang="de-DE" sz="2200" b="1" dirty="0" smtClean="0"/>
+              <a:t>Domain</a:t>
+            </a:r>
+            <a:endParaRPr lang="de-DE" sz="2200" b="1" dirty="0"/>
           </a:p>
           <a:p>
             <a:r>
               <a:rPr lang="de-DE" sz="2200" dirty="0"/>
               <a:t>X Proteins</a:t>
             </a:r>
-          </a:p>
-        </p:txBody>
-      </p:sp>
-      <p:sp>
-        <p:nvSpPr>
-          <p:cNvPr id="14" name="Textfeld 13"/>
-          <p:cNvSpPr txBox="1"/>
-          <p:nvPr/>
-        </p:nvSpPr>
-        <p:spPr>
-          <a:xfrm>
-            <a:off x="2726001" y="1032997"/>
-            <a:ext cx="4487594" cy="769441"/>
-          </a:xfrm>
-          <a:prstGeom prst="rect">
-            <a:avLst/>
-          </a:prstGeom>
-          <a:noFill/>
-        </p:spPr>
-        <p:txBody>
-          <a:bodyPr wrap="square" rtlCol="0">
-            <a:spAutoFit/>
-          </a:bodyPr>
-          <a:lstStyle/>
-          <a:p>
-            <a:r>
-              <a:rPr lang="de-DE" sz="2200" dirty="0">
-                <a:sym typeface="Wingdings" panose="05000000000000000000" pitchFamily="2" charset="2"/>
-              </a:rPr>
-              <a:t> </a:t>
-            </a:r>
-            <a:r>
-              <a:rPr lang="de-DE" sz="2200" dirty="0"/>
-              <a:t>Most </a:t>
-            </a:r>
-            <a:r>
-              <a:rPr lang="de-DE" sz="2200" dirty="0" err="1"/>
-              <a:t>proteins</a:t>
-            </a:r>
-            <a:r>
-              <a:rPr lang="de-DE" sz="2200" dirty="0"/>
-              <a:t> </a:t>
-            </a:r>
-            <a:r>
-              <a:rPr lang="de-DE" sz="2200" dirty="0" err="1"/>
-              <a:t>contained</a:t>
-            </a:r>
-            <a:r>
-              <a:rPr lang="de-DE" sz="2200" dirty="0"/>
-              <a:t> </a:t>
-            </a:r>
-            <a:r>
-              <a:rPr lang="de-DE" sz="2200" dirty="0" err="1"/>
-              <a:t>intrinsically</a:t>
-            </a:r>
-            <a:r>
-              <a:rPr lang="de-DE" sz="2200" dirty="0"/>
-              <a:t> </a:t>
-            </a:r>
-            <a:r>
-              <a:rPr lang="de-DE" sz="2200" dirty="0" err="1"/>
-              <a:t>disordered</a:t>
-            </a:r>
-            <a:r>
-              <a:rPr lang="de-DE" sz="2200" dirty="0"/>
-              <a:t> </a:t>
-            </a:r>
-            <a:r>
-              <a:rPr lang="de-DE" sz="2200" dirty="0" err="1"/>
-              <a:t>regions</a:t>
-            </a:r>
-            <a:endParaRPr lang="de-DE" sz="2200" dirty="0"/>
           </a:p>
         </p:txBody>
       </p:sp>
@@ -22145,7 +24604,7 @@
         </p:nvSpPr>
         <p:spPr>
           <a:xfrm>
-            <a:off x="1170641" y="352801"/>
+            <a:off x="1170641" y="662147"/>
             <a:ext cx="10515600" cy="736207"/>
           </a:xfrm>
           <a:prstGeom prst="rect">
@@ -22154,7 +24613,7 @@
         </p:spPr>
         <p:txBody>
           <a:bodyPr>
-            <a:normAutofit/>
+            <a:normAutofit fontScale="25000" lnSpcReduction="20000"/>
           </a:bodyPr>
           <a:lstStyle>
             <a:lvl1pPr algn="l" defTabSz="914400" rtl="0" eaLnBrk="1" latinLnBrk="0" hangingPunct="1">
@@ -22178,25 +24637,41 @@
           <a:p>
             <a:pPr algn="ctr"/>
             <a:r>
-              <a:rPr lang="de-DE" sz="3200" dirty="0"/>
+              <a:rPr lang="de-DE" sz="11200" dirty="0"/>
               <a:t>Common </a:t>
             </a:r>
             <a:r>
-              <a:rPr lang="de-DE" sz="3200" dirty="0" err="1"/>
+              <a:rPr lang="de-DE" sz="11200" dirty="0" err="1"/>
               <a:t>features</a:t>
             </a:r>
             <a:r>
-              <a:rPr lang="de-DE" sz="3200" dirty="0"/>
-              <a:t> </a:t>
-            </a:r>
-            <a:r>
-              <a:rPr lang="de-DE" sz="3200" dirty="0" err="1"/>
+              <a:rPr lang="de-DE" sz="11200" dirty="0"/>
+              <a:t> </a:t>
+            </a:r>
+            <a:r>
+              <a:rPr lang="de-DE" sz="11200" dirty="0" err="1"/>
               <a:t>of</a:t>
             </a:r>
             <a:r>
-              <a:rPr lang="de-DE" sz="3200" dirty="0"/>
-              <a:t> RBPs</a:t>
-            </a:r>
+              <a:rPr lang="de-DE" sz="11200" dirty="0"/>
+              <a:t> </a:t>
+            </a:r>
+            <a:r>
+              <a:rPr lang="de-DE" sz="11200" dirty="0" smtClean="0"/>
+              <a:t>RBPs</a:t>
+            </a:r>
+          </a:p>
+          <a:p>
+            <a:pPr algn="ctr">
+              <a:lnSpc>
+                <a:spcPct val="170000"/>
+              </a:lnSpc>
+            </a:pPr>
+            <a:r>
+              <a:rPr lang="de-DE" sz="11200" dirty="0" smtClean="0"/>
+              <a:t>Common Domains</a:t>
+            </a:r>
+            <a:endParaRPr lang="de-DE" sz="11200" dirty="0"/>
           </a:p>
           <a:p>
             <a:pPr algn="ctr"/>
@@ -22463,7 +24938,7 @@
                             </p:stCondLst>
                             <p:childTnLst>
                               <p:par>
-                                <p:cTn id="14" presetID="1" presetClass="entr" presetSubtype="0" fill="hold" grpId="0" nodeType="clickEffect">
+                                <p:cTn id="14" presetID="22" presetClass="entr" presetSubtype="8" fill="hold" nodeType="clickEffect">
                                   <p:stCondLst>
                                     <p:cond delay="0"/>
                                   </p:stCondLst>
@@ -22471,96 +24946,6 @@
                                     <p:set>
                                       <p:cBhvr>
                                         <p:cTn id="15" dur="1" fill="hold">
-                                          <p:stCondLst>
-                                            <p:cond delay="0"/>
-                                          </p:stCondLst>
-                                        </p:cTn>
-                                        <p:tgtEl>
-                                          <p:spTgt spid="14"/>
-                                        </p:tgtEl>
-                                        <p:attrNameLst>
-                                          <p:attrName>style.visibility</p:attrName>
-                                        </p:attrNameLst>
-                                      </p:cBhvr>
-                                      <p:to>
-                                        <p:strVal val="visible"/>
-                                      </p:to>
-                                    </p:set>
-                                  </p:childTnLst>
-                                </p:cTn>
-                              </p:par>
-                            </p:childTnLst>
-                          </p:cTn>
-                        </p:par>
-                      </p:childTnLst>
-                    </p:cTn>
-                  </p:par>
-                  <p:par>
-                    <p:cTn id="16" fill="hold">
-                      <p:stCondLst>
-                        <p:cond delay="indefinite"/>
-                      </p:stCondLst>
-                      <p:childTnLst>
-                        <p:par>
-                          <p:cTn id="17" fill="hold">
-                            <p:stCondLst>
-                              <p:cond delay="0"/>
-                            </p:stCondLst>
-                            <p:childTnLst>
-                              <p:par>
-                                <p:cTn id="18" presetID="1" presetClass="entr" presetSubtype="0" fill="hold" grpId="0" nodeType="clickEffect">
-                                  <p:stCondLst>
-                                    <p:cond delay="0"/>
-                                  </p:stCondLst>
-                                  <p:childTnLst>
-                                    <p:set>
-                                      <p:cBhvr>
-                                        <p:cTn id="19" dur="1" fill="hold">
-                                          <p:stCondLst>
-                                            <p:cond delay="0"/>
-                                          </p:stCondLst>
-                                        </p:cTn>
-                                        <p:tgtEl>
-                                          <p:spTgt spid="7"/>
-                                        </p:tgtEl>
-                                        <p:attrNameLst>
-                                          <p:attrName>style.visibility</p:attrName>
-                                        </p:attrNameLst>
-                                      </p:cBhvr>
-                                      <p:to>
-                                        <p:strVal val="visible"/>
-                                      </p:to>
-                                    </p:set>
-                                  </p:childTnLst>
-                                </p:cTn>
-                              </p:par>
-                            </p:childTnLst>
-                          </p:cTn>
-                        </p:par>
-                      </p:childTnLst>
-                    </p:cTn>
-                  </p:par>
-                  <p:par>
-                    <p:cTn id="20" fill="hold">
-                      <p:stCondLst>
-                        <p:cond delay="indefinite"/>
-                      </p:stCondLst>
-                      <p:childTnLst>
-                        <p:par>
-                          <p:cTn id="21" fill="hold">
-                            <p:stCondLst>
-                              <p:cond delay="0"/>
-                            </p:stCondLst>
-                            <p:childTnLst>
-                              <p:par>
-                                <p:cTn id="22" presetID="22" presetClass="entr" presetSubtype="8" fill="hold" nodeType="clickEffect">
-                                  <p:stCondLst>
-                                    <p:cond delay="0"/>
-                                  </p:stCondLst>
-                                  <p:childTnLst>
-                                    <p:set>
-                                      <p:cBhvr>
-                                        <p:cTn id="23" dur="1" fill="hold">
                                           <p:stCondLst>
                                             <p:cond delay="0"/>
                                           </p:stCondLst>
@@ -22578,7 +24963,7 @@
                                     </p:set>
                                     <p:animEffect transition="in" filter="wipe(left)">
                                       <p:cBhvr>
-                                        <p:cTn id="24" dur="500"/>
+                                        <p:cTn id="16" dur="500"/>
                                         <p:tgtEl>
                                           <p:spTgt spid="8"/>
                                         </p:tgtEl>
@@ -22594,26 +24979,26 @@
                     </p:cTn>
                   </p:par>
                   <p:par>
-                    <p:cTn id="25" fill="hold">
+                    <p:cTn id="17" fill="hold">
                       <p:stCondLst>
                         <p:cond delay="indefinite"/>
                       </p:stCondLst>
                       <p:childTnLst>
                         <p:par>
-                          <p:cTn id="26" fill="hold">
+                          <p:cTn id="18" fill="hold">
                             <p:stCondLst>
                               <p:cond delay="0"/>
                             </p:stCondLst>
                             <p:childTnLst>
                               <p:par>
-                                <p:cTn id="27" presetID="1" presetClass="entr" presetSubtype="0" fill="hold" grpId="0" nodeType="clickEffect">
+                                <p:cTn id="19" presetID="1" presetClass="entr" presetSubtype="0" fill="hold" grpId="0" nodeType="clickEffect">
                                   <p:stCondLst>
                                     <p:cond delay="0"/>
                                   </p:stCondLst>
                                   <p:childTnLst>
                                     <p:set>
                                       <p:cBhvr>
-                                        <p:cTn id="28" dur="1" fill="hold">
+                                        <p:cTn id="20" dur="1" fill="hold">
                                           <p:stCondLst>
                                             <p:cond delay="0"/>
                                           </p:stCondLst>
@@ -22639,26 +25024,26 @@
                     </p:cTn>
                   </p:par>
                   <p:par>
-                    <p:cTn id="29" fill="hold">
+                    <p:cTn id="21" fill="hold">
                       <p:stCondLst>
                         <p:cond delay="indefinite"/>
                       </p:stCondLst>
                       <p:childTnLst>
                         <p:par>
-                          <p:cTn id="30" fill="hold">
+                          <p:cTn id="22" fill="hold">
                             <p:stCondLst>
                               <p:cond delay="0"/>
                             </p:stCondLst>
                             <p:childTnLst>
                               <p:par>
-                                <p:cTn id="31" presetID="22" presetClass="entr" presetSubtype="8" fill="hold" nodeType="clickEffect">
+                                <p:cTn id="23" presetID="22" presetClass="entr" presetSubtype="8" fill="hold" nodeType="clickEffect">
                                   <p:stCondLst>
                                     <p:cond delay="0"/>
                                   </p:stCondLst>
                                   <p:childTnLst>
                                     <p:set>
                                       <p:cBhvr>
-                                        <p:cTn id="32" dur="1" fill="hold">
+                                        <p:cTn id="24" dur="1" fill="hold">
                                           <p:stCondLst>
                                             <p:cond delay="0"/>
                                           </p:stCondLst>
@@ -22676,7 +25061,7 @@
                                     </p:set>
                                     <p:animEffect transition="in" filter="wipe(left)">
                                       <p:cBhvr>
-                                        <p:cTn id="33" dur="500"/>
+                                        <p:cTn id="25" dur="500"/>
                                         <p:tgtEl>
                                           <p:spTgt spid="10"/>
                                         </p:tgtEl>
@@ -22692,26 +25077,26 @@
                     </p:cTn>
                   </p:par>
                   <p:par>
-                    <p:cTn id="34" fill="hold">
+                    <p:cTn id="26" fill="hold">
                       <p:stCondLst>
                         <p:cond delay="indefinite"/>
                       </p:stCondLst>
                       <p:childTnLst>
                         <p:par>
-                          <p:cTn id="35" fill="hold">
+                          <p:cTn id="27" fill="hold">
                             <p:stCondLst>
                               <p:cond delay="0"/>
                             </p:stCondLst>
                             <p:childTnLst>
                               <p:par>
-                                <p:cTn id="36" presetID="1" presetClass="entr" presetSubtype="0" fill="hold" grpId="0" nodeType="clickEffect">
+                                <p:cTn id="28" presetID="1" presetClass="entr" presetSubtype="0" fill="hold" grpId="0" nodeType="clickEffect">
                                   <p:stCondLst>
                                     <p:cond delay="0"/>
                                   </p:stCondLst>
                                   <p:childTnLst>
                                     <p:set>
                                       <p:cBhvr>
-                                        <p:cTn id="37" dur="1" fill="hold">
+                                        <p:cTn id="29" dur="1" fill="hold">
                                           <p:stCondLst>
                                             <p:cond delay="0"/>
                                           </p:stCondLst>
@@ -22737,26 +25122,26 @@
                     </p:cTn>
                   </p:par>
                   <p:par>
-                    <p:cTn id="38" fill="hold">
+                    <p:cTn id="30" fill="hold">
                       <p:stCondLst>
                         <p:cond delay="indefinite"/>
                       </p:stCondLst>
                       <p:childTnLst>
                         <p:par>
-                          <p:cTn id="39" fill="hold">
+                          <p:cTn id="31" fill="hold">
                             <p:stCondLst>
                               <p:cond delay="0"/>
                             </p:stCondLst>
                             <p:childTnLst>
                               <p:par>
-                                <p:cTn id="40" presetID="22" presetClass="entr" presetSubtype="8" fill="hold" nodeType="clickEffect">
+                                <p:cTn id="32" presetID="22" presetClass="entr" presetSubtype="8" fill="hold" nodeType="clickEffect">
                                   <p:stCondLst>
                                     <p:cond delay="0"/>
                                   </p:stCondLst>
                                   <p:childTnLst>
                                     <p:set>
                                       <p:cBhvr>
-                                        <p:cTn id="41" dur="1" fill="hold">
+                                        <p:cTn id="33" dur="1" fill="hold">
                                           <p:stCondLst>
                                             <p:cond delay="0"/>
                                           </p:stCondLst>
@@ -22774,7 +25159,7 @@
                                     </p:set>
                                     <p:animEffect transition="in" filter="wipe(left)">
                                       <p:cBhvr>
-                                        <p:cTn id="42" dur="500"/>
+                                        <p:cTn id="34" dur="500"/>
                                         <p:tgtEl>
                                           <p:spTgt spid="12"/>
                                         </p:tgtEl>
@@ -22790,26 +25175,26 @@
                     </p:cTn>
                   </p:par>
                   <p:par>
-                    <p:cTn id="43" fill="hold">
+                    <p:cTn id="35" fill="hold">
                       <p:stCondLst>
                         <p:cond delay="indefinite"/>
                       </p:stCondLst>
                       <p:childTnLst>
                         <p:par>
-                          <p:cTn id="44" fill="hold">
+                          <p:cTn id="36" fill="hold">
                             <p:stCondLst>
                               <p:cond delay="0"/>
                             </p:stCondLst>
                             <p:childTnLst>
                               <p:par>
-                                <p:cTn id="45" presetID="1" presetClass="entr" presetSubtype="0" fill="hold" grpId="0" nodeType="clickEffect">
+                                <p:cTn id="37" presetID="1" presetClass="entr" presetSubtype="0" fill="hold" grpId="0" nodeType="clickEffect">
                                   <p:stCondLst>
                                     <p:cond delay="0"/>
                                   </p:stCondLst>
                                   <p:childTnLst>
                                     <p:set>
                                       <p:cBhvr>
-                                        <p:cTn id="46" dur="1" fill="hold">
+                                        <p:cTn id="38" dur="1" fill="hold">
                                           <p:stCondLst>
                                             <p:cond delay="0"/>
                                           </p:stCondLst>
@@ -22835,26 +25220,26 @@
                     </p:cTn>
                   </p:par>
                   <p:par>
-                    <p:cTn id="47" fill="hold">
+                    <p:cTn id="39" fill="hold">
                       <p:stCondLst>
                         <p:cond delay="indefinite"/>
                       </p:stCondLst>
                       <p:childTnLst>
                         <p:par>
-                          <p:cTn id="48" fill="hold">
+                          <p:cTn id="40" fill="hold">
                             <p:stCondLst>
                               <p:cond delay="0"/>
                             </p:stCondLst>
                             <p:childTnLst>
                               <p:par>
-                                <p:cTn id="49" presetID="1" presetClass="entr" presetSubtype="0" fill="hold" grpId="0" nodeType="clickEffect">
+                                <p:cTn id="41" presetID="1" presetClass="entr" presetSubtype="0" fill="hold" grpId="0" nodeType="clickEffect">
                                   <p:stCondLst>
                                     <p:cond delay="0"/>
                                   </p:stCondLst>
                                   <p:childTnLst>
                                     <p:set>
                                       <p:cBhvr>
-                                        <p:cTn id="50" dur="1" fill="hold">
+                                        <p:cTn id="42" dur="1" fill="hold">
                                           <p:stCondLst>
                                             <p:cond delay="0"/>
                                           </p:stCondLst>
@@ -22902,11 +25287,9 @@
     </p:tnLst>
     <p:bldLst>
       <p:bldP spid="3" grpId="0" animBg="1"/>
-      <p:bldP spid="7" grpId="0"/>
       <p:bldP spid="9" grpId="0"/>
       <p:bldP spid="11" grpId="0"/>
       <p:bldP spid="13" grpId="0"/>
-      <p:bldP spid="14" grpId="0"/>
       <p:bldP spid="15" grpId="0"/>
       <p:bldP spid="16" grpId="0"/>
     </p:bldLst>
@@ -23003,8 +25386,9 @@
           <a:bodyPr rtlCol="0" anchor="ctr"/>
           <a:lstStyle/>
           <a:p>
-            <a:r>
-              <a:rPr lang="en-US" sz="3600" dirty="0">
+            <a:pPr algn="ctr"/>
+            <a:r>
+              <a:rPr lang="en-US" sz="2800" dirty="0">
                 <a:solidFill>
                   <a:schemeClr val="bg1"/>
                 </a:solidFill>
@@ -23022,8 +25406,8 @@
         </p:nvSpPr>
         <p:spPr>
           <a:xfrm>
-            <a:off x="381523" y="3676590"/>
-            <a:ext cx="6984547" cy="3416320"/>
+            <a:off x="428754" y="2874274"/>
+            <a:ext cx="6736729" cy="3754874"/>
           </a:xfrm>
           <a:prstGeom prst="rect">
             <a:avLst/>
@@ -23044,6 +25428,9 @@
           </a:p>
           <a:p>
             <a:pPr marL="285750" indent="-285750">
+              <a:lnSpc>
+                <a:spcPct val="150000"/>
+              </a:lnSpc>
               <a:buFont typeface="Arial" panose="020B0604020202020204" pitchFamily="34" charset="0"/>
               <a:buChar char="•"/>
             </a:pPr>
@@ -23067,6 +25454,9 @@
           </a:p>
           <a:p>
             <a:pPr marL="285750" indent="-285750">
+              <a:lnSpc>
+                <a:spcPct val="150000"/>
+              </a:lnSpc>
               <a:buFont typeface="Arial" panose="020B0604020202020204" pitchFamily="34" charset="0"/>
               <a:buChar char="•"/>
             </a:pPr>
@@ -23079,30 +25469,52 @@
               <a:t> </a:t>
             </a:r>
             <a:r>
-              <a:rPr lang="de-DE" sz="2200" dirty="0" err="1"/>
+              <a:rPr lang="de-DE" sz="2200" dirty="0" err="1" smtClean="0"/>
               <a:t>organization</a:t>
             </a:r>
             <a:endParaRPr lang="de-DE" sz="2200" dirty="0"/>
           </a:p>
           <a:p>
             <a:pPr marL="285750" indent="-285750">
+              <a:lnSpc>
+                <a:spcPct val="150000"/>
+              </a:lnSpc>
               <a:buFont typeface="Arial" panose="020B0604020202020204" pitchFamily="34" charset="0"/>
               <a:buChar char="•"/>
             </a:pPr>
             <a:r>
               <a:rPr lang="de-DE" sz="2200" dirty="0" err="1"/>
-              <a:t>Angiogenesis</a:t>
+              <a:t>Embryonic</a:t>
+            </a:r>
+            <a:r>
+              <a:rPr lang="de-DE" sz="2200" dirty="0"/>
+              <a:t> </a:t>
+            </a:r>
+            <a:r>
+              <a:rPr lang="de-DE" sz="2200" dirty="0" err="1" smtClean="0"/>
+              <a:t>development</a:t>
+            </a:r>
+            <a:r>
+              <a:rPr lang="de-DE" sz="2200" dirty="0" smtClean="0"/>
+              <a:t> &amp; </a:t>
+            </a:r>
+            <a:r>
+              <a:rPr lang="de-DE" sz="2200" dirty="0" err="1" smtClean="0"/>
+              <a:t>angiogenesis</a:t>
             </a:r>
             <a:endParaRPr lang="de-DE" sz="2200" dirty="0"/>
           </a:p>
           <a:p>
             <a:pPr marL="285750" indent="-285750">
+              <a:lnSpc>
+                <a:spcPct val="150000"/>
+              </a:lnSpc>
               <a:buFont typeface="Arial" panose="020B0604020202020204" pitchFamily="34" charset="0"/>
               <a:buChar char="•"/>
             </a:pPr>
             <a:r>
               <a:rPr lang="de-DE" sz="2200" dirty="0" err="1"/>
-              <a:t>Embryonic</a:t>
+              <a:t>Microtubule</a:t>
             </a:r>
             <a:r>
               <a:rPr lang="de-DE" sz="2200" dirty="0"/>
@@ -23110,18 +25522,21 @@
             </a:r>
             <a:r>
               <a:rPr lang="de-DE" sz="2200" dirty="0" err="1"/>
-              <a:t>development</a:t>
+              <a:t>organization</a:t>
             </a:r>
             <a:endParaRPr lang="de-DE" sz="2200" dirty="0"/>
           </a:p>
           <a:p>
             <a:pPr marL="285750" indent="-285750">
+              <a:lnSpc>
+                <a:spcPct val="150000"/>
+              </a:lnSpc>
               <a:buFont typeface="Arial" panose="020B0604020202020204" pitchFamily="34" charset="0"/>
               <a:buChar char="•"/>
             </a:pPr>
             <a:r>
               <a:rPr lang="de-DE" sz="2200" dirty="0" err="1"/>
-              <a:t>Microtubule</a:t>
+              <a:t>Cell</a:t>
             </a:r>
             <a:r>
               <a:rPr lang="de-DE" sz="2200" dirty="0"/>
@@ -23129,60 +25544,29 @@
             </a:r>
             <a:r>
               <a:rPr lang="de-DE" sz="2200" dirty="0" err="1"/>
-              <a:t>organization</a:t>
+              <a:t>division</a:t>
             </a:r>
             <a:endParaRPr lang="de-DE" sz="2200" dirty="0"/>
           </a:p>
           <a:p>
             <a:pPr marL="285750" indent="-285750">
+              <a:lnSpc>
+                <a:spcPct val="150000"/>
+              </a:lnSpc>
               <a:buFont typeface="Arial" panose="020B0604020202020204" pitchFamily="34" charset="0"/>
               <a:buChar char="•"/>
             </a:pPr>
             <a:r>
               <a:rPr lang="de-DE" sz="2200" dirty="0" err="1"/>
-              <a:t>Cell</a:t>
+              <a:t>Actin</a:t>
             </a:r>
             <a:r>
               <a:rPr lang="de-DE" sz="2200" dirty="0"/>
               <a:t> </a:t>
             </a:r>
             <a:r>
-              <a:rPr lang="de-DE" sz="2200" dirty="0" err="1"/>
-              <a:t>division</a:t>
-            </a:r>
-            <a:endParaRPr lang="de-DE" sz="2200" dirty="0"/>
-          </a:p>
-          <a:p>
-            <a:pPr marL="285750" indent="-285750">
-              <a:buFont typeface="Arial" panose="020B0604020202020204" pitchFamily="34" charset="0"/>
-              <a:buChar char="•"/>
-            </a:pPr>
-            <a:r>
-              <a:rPr lang="de-DE" sz="2200" dirty="0" err="1"/>
-              <a:t>Actin</a:t>
-            </a:r>
-            <a:r>
-              <a:rPr lang="de-DE" sz="2200" dirty="0"/>
-              <a:t> </a:t>
-            </a:r>
-            <a:r>
-              <a:rPr lang="de-DE" sz="2200" dirty="0" err="1"/>
+              <a:rPr lang="de-DE" sz="2200" dirty="0" err="1" smtClean="0"/>
               <a:t>polymerization</a:t>
-            </a:r>
-            <a:endParaRPr lang="de-DE" sz="2200" dirty="0"/>
-          </a:p>
-          <a:p>
-            <a:pPr marL="285750" indent="-285750">
-              <a:buFont typeface="Arial" panose="020B0604020202020204" pitchFamily="34" charset="0"/>
-              <a:buChar char="•"/>
-            </a:pPr>
-            <a:r>
-              <a:rPr lang="de-DE" sz="2200" dirty="0"/>
-              <a:t>Brain </a:t>
-            </a:r>
-            <a:r>
-              <a:rPr lang="de-DE" sz="2200" dirty="0" err="1"/>
-              <a:t>development</a:t>
             </a:r>
             <a:endParaRPr lang="de-DE" sz="2200" dirty="0"/>
           </a:p>
@@ -23205,7 +25589,7 @@
         </p:nvSpPr>
         <p:spPr>
           <a:xfrm>
-            <a:off x="1170641" y="352801"/>
+            <a:off x="1170641" y="99583"/>
             <a:ext cx="10515600" cy="1325563"/>
           </a:xfrm>
           <a:prstGeom prst="rect">
@@ -23280,7 +25664,7 @@
         </p:blipFill>
         <p:spPr>
           <a:xfrm>
-            <a:off x="2792583" y="1525024"/>
+            <a:off x="2665974" y="978863"/>
             <a:ext cx="8447195" cy="2042456"/>
           </a:xfrm>
           <a:prstGeom prst="rect">
@@ -23906,60 +26290,7 @@
                                           </p:stCondLst>
                                         </p:cTn>
                                         <p:tgtEl>
-                                          <p:spTgt spid="15">
-                                            <p:txEl>
-                                              <p:pRg st="7" end="7"/>
-                                            </p:txEl>
-                                          </p:spTgt>
-                                        </p:tgtEl>
-                                        <p:attrNameLst>
-                                          <p:attrName>style.visibility</p:attrName>
-                                        </p:attrNameLst>
-                                      </p:cBhvr>
-                                      <p:to>
-                                        <p:strVal val="visible"/>
-                                      </p:to>
-                                    </p:set>
-                                  </p:childTnLst>
-                                </p:cTn>
-                              </p:par>
-                            </p:childTnLst>
-                          </p:cTn>
-                        </p:par>
-                      </p:childTnLst>
-                    </p:cTn>
-                  </p:par>
-                  <p:par>
-                    <p:cTn id="49" fill="hold">
-                      <p:stCondLst>
-                        <p:cond delay="indefinite"/>
-                      </p:stCondLst>
-                      <p:childTnLst>
-                        <p:par>
-                          <p:cTn id="50" fill="hold">
-                            <p:stCondLst>
-                              <p:cond delay="0"/>
-                            </p:stCondLst>
-                            <p:childTnLst>
-                              <p:par>
-                                <p:cTn id="51" presetID="1" presetClass="entr" presetSubtype="0" fill="hold" grpId="0" nodeType="clickEffect">
-                                  <p:stCondLst>
-                                    <p:cond delay="0"/>
-                                  </p:stCondLst>
-                                  <p:childTnLst>
-                                    <p:set>
-                                      <p:cBhvr>
-                                        <p:cTn id="52" dur="1" fill="hold">
-                                          <p:stCondLst>
-                                            <p:cond delay="0"/>
-                                          </p:stCondLst>
-                                        </p:cTn>
-                                        <p:tgtEl>
-                                          <p:spTgt spid="15">
-                                            <p:txEl>
-                                              <p:pRg st="8" end="8"/>
-                                            </p:txEl>
-                                          </p:spTgt>
+                                          <p:spTgt spid="19"/>
                                         </p:tgtEl>
                                         <p:attrNameLst>
                                           <p:attrName>style.visibility</p:attrName>
@@ -24003,6 +26334,7 @@
       <p:bldP spid="12" grpId="0" animBg="1"/>
       <p:bldP spid="15" grpId="0" build="p"/>
       <p:bldP spid="16" grpId="0"/>
+      <p:bldP spid="19" grpId="0"/>
     </p:bldLst>
   </p:timing>
 </p:sld>
@@ -24097,6 +26429,7 @@
           <a:bodyPr rtlCol="0" anchor="ctr"/>
           <a:lstStyle/>
           <a:p>
+            <a:pPr algn="ctr"/>
             <a:r>
               <a:rPr lang="en-US" sz="3600" dirty="0">
                 <a:solidFill>
@@ -24117,7 +26450,7 @@
           <p:nvPr/>
         </p:nvPicPr>
         <p:blipFill>
-          <a:blip r:embed="rId2"/>
+          <a:blip r:embed="rId3"/>
           <a:stretch>
             <a:fillRect/>
           </a:stretch>
@@ -24188,8 +26521,8 @@
         </p:nvSpPr>
         <p:spPr>
           <a:xfrm>
-            <a:off x="1170641" y="352801"/>
-            <a:ext cx="10515600" cy="1325563"/>
+            <a:off x="964223" y="367469"/>
+            <a:ext cx="10515600" cy="667363"/>
           </a:xfrm>
           <a:prstGeom prst="rect">
             <a:avLst/>
@@ -24221,8 +26554,12 @@
           <a:p>
             <a:pPr algn="ctr"/>
             <a:r>
-              <a:rPr lang="de-DE" sz="3200" dirty="0" err="1"/>
+              <a:rPr lang="de-DE" sz="3200" dirty="0" err="1" smtClean="0"/>
               <a:t>Conclusion</a:t>
+            </a:r>
+            <a:r>
+              <a:rPr lang="de-DE" sz="3200" dirty="0" smtClean="0"/>
+              <a:t> &amp; Outlook</a:t>
             </a:r>
             <a:endParaRPr lang="de-DE" sz="3200" dirty="0"/>
           </a:p>
@@ -24236,6 +26573,280 @@
           <a:p>
             <a:pPr algn="ctr"/>
             <a:endParaRPr lang="de-DE" sz="3200" dirty="0"/>
+          </a:p>
+        </p:txBody>
+      </p:sp>
+      <p:sp>
+        <p:nvSpPr>
+          <p:cNvPr id="9" name="Textfeld 8"/>
+          <p:cNvSpPr txBox="1"/>
+          <p:nvPr/>
+        </p:nvSpPr>
+        <p:spPr>
+          <a:xfrm>
+            <a:off x="217575" y="2597354"/>
+            <a:ext cx="2922710" cy="369332"/>
+          </a:xfrm>
+          <a:prstGeom prst="rect">
+            <a:avLst/>
+          </a:prstGeom>
+          <a:noFill/>
+        </p:spPr>
+        <p:txBody>
+          <a:bodyPr wrap="square" rtlCol="0">
+            <a:spAutoFit/>
+          </a:bodyPr>
+          <a:lstStyle/>
+          <a:p>
+            <a:r>
+              <a:rPr lang="de-DE" dirty="0" err="1" smtClean="0"/>
+              <a:t>Cytoskeleton</a:t>
+            </a:r>
+            <a:endParaRPr lang="de-DE" dirty="0"/>
+          </a:p>
+        </p:txBody>
+      </p:sp>
+      <p:sp>
+        <p:nvSpPr>
+          <p:cNvPr id="10" name="Textfeld 9"/>
+          <p:cNvSpPr txBox="1"/>
+          <p:nvPr/>
+        </p:nvSpPr>
+        <p:spPr>
+          <a:xfrm>
+            <a:off x="217575" y="3987776"/>
+            <a:ext cx="2922710" cy="369332"/>
+          </a:xfrm>
+          <a:prstGeom prst="rect">
+            <a:avLst/>
+          </a:prstGeom>
+          <a:noFill/>
+        </p:spPr>
+        <p:txBody>
+          <a:bodyPr wrap="square" rtlCol="0">
+            <a:spAutoFit/>
+          </a:bodyPr>
+          <a:lstStyle/>
+          <a:p>
+            <a:r>
+              <a:rPr lang="de-DE" dirty="0" smtClean="0"/>
+              <a:t>Brain </a:t>
+            </a:r>
+            <a:r>
+              <a:rPr lang="de-DE" dirty="0" err="1" smtClean="0"/>
+              <a:t>development</a:t>
+            </a:r>
+            <a:endParaRPr lang="de-DE" dirty="0"/>
+          </a:p>
+        </p:txBody>
+      </p:sp>
+      <p:sp>
+        <p:nvSpPr>
+          <p:cNvPr id="11" name="Textfeld 10"/>
+          <p:cNvSpPr txBox="1"/>
+          <p:nvPr/>
+        </p:nvSpPr>
+        <p:spPr>
+          <a:xfrm>
+            <a:off x="217575" y="5710019"/>
+            <a:ext cx="2922710" cy="369332"/>
+          </a:xfrm>
+          <a:prstGeom prst="rect">
+            <a:avLst/>
+          </a:prstGeom>
+          <a:noFill/>
+        </p:spPr>
+        <p:txBody>
+          <a:bodyPr wrap="square" rtlCol="0">
+            <a:spAutoFit/>
+          </a:bodyPr>
+          <a:lstStyle/>
+          <a:p>
+            <a:r>
+              <a:rPr lang="de-DE" dirty="0" err="1" smtClean="0"/>
+              <a:t>Embroynic</a:t>
+            </a:r>
+            <a:r>
+              <a:rPr lang="de-DE" dirty="0" smtClean="0"/>
+              <a:t> </a:t>
+            </a:r>
+            <a:r>
+              <a:rPr lang="de-DE" dirty="0" err="1" smtClean="0"/>
+              <a:t>development</a:t>
+            </a:r>
+            <a:endParaRPr lang="de-DE" dirty="0"/>
+          </a:p>
+        </p:txBody>
+      </p:sp>
+      <p:sp>
+        <p:nvSpPr>
+          <p:cNvPr id="12" name="Textfeld 11"/>
+          <p:cNvSpPr txBox="1"/>
+          <p:nvPr/>
+        </p:nvSpPr>
+        <p:spPr>
+          <a:xfrm>
+            <a:off x="9680917" y="2575961"/>
+            <a:ext cx="2922710" cy="369332"/>
+          </a:xfrm>
+          <a:prstGeom prst="rect">
+            <a:avLst/>
+          </a:prstGeom>
+          <a:noFill/>
+        </p:spPr>
+        <p:txBody>
+          <a:bodyPr wrap="square" rtlCol="0">
+            <a:spAutoFit/>
+          </a:bodyPr>
+          <a:lstStyle/>
+          <a:p>
+            <a:r>
+              <a:rPr lang="de-DE" dirty="0" err="1" smtClean="0"/>
+              <a:t>Transcription</a:t>
+            </a:r>
+            <a:endParaRPr lang="de-DE" dirty="0"/>
+          </a:p>
+        </p:txBody>
+      </p:sp>
+      <p:sp>
+        <p:nvSpPr>
+          <p:cNvPr id="13" name="Textfeld 12"/>
+          <p:cNvSpPr txBox="1"/>
+          <p:nvPr/>
+        </p:nvSpPr>
+        <p:spPr>
+          <a:xfrm>
+            <a:off x="9785393" y="4013151"/>
+            <a:ext cx="2922710" cy="369332"/>
+          </a:xfrm>
+          <a:prstGeom prst="rect">
+            <a:avLst/>
+          </a:prstGeom>
+          <a:noFill/>
+        </p:spPr>
+        <p:txBody>
+          <a:bodyPr wrap="square" rtlCol="0">
+            <a:spAutoFit/>
+          </a:bodyPr>
+          <a:lstStyle/>
+          <a:p>
+            <a:r>
+              <a:rPr lang="de-DE" dirty="0" smtClean="0"/>
+              <a:t>Translation</a:t>
+            </a:r>
+            <a:endParaRPr lang="de-DE" dirty="0"/>
+          </a:p>
+        </p:txBody>
+      </p:sp>
+      <p:sp>
+        <p:nvSpPr>
+          <p:cNvPr id="14" name="Textfeld 13"/>
+          <p:cNvSpPr txBox="1"/>
+          <p:nvPr/>
+        </p:nvSpPr>
+        <p:spPr>
+          <a:xfrm>
+            <a:off x="9680917" y="5275789"/>
+            <a:ext cx="2922710" cy="646331"/>
+          </a:xfrm>
+          <a:prstGeom prst="rect">
+            <a:avLst/>
+          </a:prstGeom>
+          <a:noFill/>
+        </p:spPr>
+        <p:txBody>
+          <a:bodyPr wrap="square" rtlCol="0">
+            <a:spAutoFit/>
+          </a:bodyPr>
+          <a:lstStyle/>
+          <a:p>
+            <a:r>
+              <a:rPr lang="de-DE" dirty="0" err="1" smtClean="0"/>
+              <a:t>mRNA</a:t>
+            </a:r>
+            <a:r>
+              <a:rPr lang="de-DE" dirty="0" smtClean="0"/>
+              <a:t> </a:t>
+            </a:r>
+            <a:r>
+              <a:rPr lang="de-DE" dirty="0" err="1" smtClean="0"/>
+              <a:t>stability</a:t>
+            </a:r>
+            <a:r>
+              <a:rPr lang="de-DE" dirty="0" smtClean="0"/>
+              <a:t> &amp; </a:t>
+            </a:r>
+            <a:r>
+              <a:rPr lang="de-DE" dirty="0" err="1" smtClean="0"/>
+              <a:t>degradation</a:t>
+            </a:r>
+            <a:endParaRPr lang="de-DE" dirty="0"/>
+          </a:p>
+        </p:txBody>
+      </p:sp>
+      <p:pic>
+        <p:nvPicPr>
+          <p:cNvPr id="15" name="Grafik 14"/>
+          <p:cNvPicPr>
+            <a:picLocks noChangeAspect="1"/>
+          </p:cNvPicPr>
+          <p:nvPr/>
+        </p:nvPicPr>
+        <p:blipFill>
+          <a:blip r:embed="rId4"/>
+          <a:stretch>
+            <a:fillRect/>
+          </a:stretch>
+        </p:blipFill>
+        <p:spPr>
+          <a:xfrm>
+            <a:off x="2931886" y="1749400"/>
+            <a:ext cx="6810375" cy="4476750"/>
+          </a:xfrm>
+          <a:prstGeom prst="rect">
+            <a:avLst/>
+          </a:prstGeom>
+        </p:spPr>
+      </p:pic>
+      <p:sp>
+        <p:nvSpPr>
+          <p:cNvPr id="16" name="Textfeld 15"/>
+          <p:cNvSpPr txBox="1"/>
+          <p:nvPr/>
+        </p:nvSpPr>
+        <p:spPr>
+          <a:xfrm>
+            <a:off x="9785393" y="6538912"/>
+            <a:ext cx="2566701" cy="307777"/>
+          </a:xfrm>
+          <a:prstGeom prst="rect">
+            <a:avLst/>
+          </a:prstGeom>
+          <a:noFill/>
+        </p:spPr>
+        <p:txBody>
+          <a:bodyPr wrap="square" rtlCol="0">
+            <a:spAutoFit/>
+          </a:bodyPr>
+          <a:lstStyle/>
+          <a:p>
+            <a:r>
+              <a:rPr lang="de-DE" sz="1400" dirty="0" err="1" smtClean="0"/>
+              <a:t>Created</a:t>
+            </a:r>
+            <a:r>
+              <a:rPr lang="de-DE" sz="1400" dirty="0" smtClean="0"/>
+              <a:t> </a:t>
+            </a:r>
+            <a:r>
+              <a:rPr lang="de-DE" sz="1400" dirty="0" err="1" smtClean="0"/>
+              <a:t>with</a:t>
+            </a:r>
+            <a:r>
+              <a:rPr lang="de-DE" sz="1400" dirty="0" smtClean="0"/>
+              <a:t> BioRender.com</a:t>
+            </a:r>
+            <a:endParaRPr lang="de-DE" sz="1400" dirty="0"/>
           </a:p>
         </p:txBody>
       </p:sp>
@@ -24355,6 +26966,329 @@
                       </p:childTnLst>
                     </p:cTn>
                   </p:par>
+                  <p:par>
+                    <p:cTn id="12" fill="hold">
+                      <p:stCondLst>
+                        <p:cond delay="indefinite"/>
+                      </p:stCondLst>
+                      <p:childTnLst>
+                        <p:par>
+                          <p:cTn id="13" fill="hold">
+                            <p:stCondLst>
+                              <p:cond delay="0"/>
+                            </p:stCondLst>
+                            <p:childTnLst>
+                              <p:par>
+                                <p:cTn id="14" presetID="22" presetClass="entr" presetSubtype="8" fill="hold" nodeType="clickEffect">
+                                  <p:stCondLst>
+                                    <p:cond delay="0"/>
+                                  </p:stCondLst>
+                                  <p:childTnLst>
+                                    <p:set>
+                                      <p:cBhvr>
+                                        <p:cTn id="15" dur="1" fill="hold">
+                                          <p:stCondLst>
+                                            <p:cond delay="0"/>
+                                          </p:stCondLst>
+                                        </p:cTn>
+                                        <p:tgtEl>
+                                          <p:spTgt spid="15"/>
+                                        </p:tgtEl>
+                                        <p:attrNameLst>
+                                          <p:attrName>style.visibility</p:attrName>
+                                        </p:attrNameLst>
+                                      </p:cBhvr>
+                                      <p:to>
+                                        <p:strVal val="visible"/>
+                                      </p:to>
+                                    </p:set>
+                                    <p:animEffect transition="in" filter="wipe(left)">
+                                      <p:cBhvr>
+                                        <p:cTn id="16" dur="500"/>
+                                        <p:tgtEl>
+                                          <p:spTgt spid="15"/>
+                                        </p:tgtEl>
+                                      </p:cBhvr>
+                                    </p:animEffect>
+                                  </p:childTnLst>
+                                </p:cTn>
+                              </p:par>
+                            </p:childTnLst>
+                          </p:cTn>
+                        </p:par>
+                      </p:childTnLst>
+                    </p:cTn>
+                  </p:par>
+                  <p:par>
+                    <p:cTn id="17" fill="hold">
+                      <p:stCondLst>
+                        <p:cond delay="indefinite"/>
+                      </p:stCondLst>
+                      <p:childTnLst>
+                        <p:par>
+                          <p:cTn id="18" fill="hold">
+                            <p:stCondLst>
+                              <p:cond delay="0"/>
+                            </p:stCondLst>
+                            <p:childTnLst>
+                              <p:par>
+                                <p:cTn id="19" presetID="1" presetClass="entr" presetSubtype="0" fill="hold" grpId="0" nodeType="clickEffect">
+                                  <p:stCondLst>
+                                    <p:cond delay="0"/>
+                                  </p:stCondLst>
+                                  <p:childTnLst>
+                                    <p:set>
+                                      <p:cBhvr>
+                                        <p:cTn id="20" dur="1" fill="hold">
+                                          <p:stCondLst>
+                                            <p:cond delay="0"/>
+                                          </p:stCondLst>
+                                        </p:cTn>
+                                        <p:tgtEl>
+                                          <p:spTgt spid="9"/>
+                                        </p:tgtEl>
+                                        <p:attrNameLst>
+                                          <p:attrName>style.visibility</p:attrName>
+                                        </p:attrNameLst>
+                                      </p:cBhvr>
+                                      <p:to>
+                                        <p:strVal val="visible"/>
+                                      </p:to>
+                                    </p:set>
+                                  </p:childTnLst>
+                                </p:cTn>
+                              </p:par>
+                            </p:childTnLst>
+                          </p:cTn>
+                        </p:par>
+                      </p:childTnLst>
+                    </p:cTn>
+                  </p:par>
+                  <p:par>
+                    <p:cTn id="21" fill="hold">
+                      <p:stCondLst>
+                        <p:cond delay="indefinite"/>
+                      </p:stCondLst>
+                      <p:childTnLst>
+                        <p:par>
+                          <p:cTn id="22" fill="hold">
+                            <p:stCondLst>
+                              <p:cond delay="0"/>
+                            </p:stCondLst>
+                            <p:childTnLst>
+                              <p:par>
+                                <p:cTn id="23" presetID="1" presetClass="entr" presetSubtype="0" fill="hold" grpId="0" nodeType="clickEffect">
+                                  <p:stCondLst>
+                                    <p:cond delay="0"/>
+                                  </p:stCondLst>
+                                  <p:childTnLst>
+                                    <p:set>
+                                      <p:cBhvr>
+                                        <p:cTn id="24" dur="1" fill="hold">
+                                          <p:stCondLst>
+                                            <p:cond delay="0"/>
+                                          </p:stCondLst>
+                                        </p:cTn>
+                                        <p:tgtEl>
+                                          <p:spTgt spid="10"/>
+                                        </p:tgtEl>
+                                        <p:attrNameLst>
+                                          <p:attrName>style.visibility</p:attrName>
+                                        </p:attrNameLst>
+                                      </p:cBhvr>
+                                      <p:to>
+                                        <p:strVal val="visible"/>
+                                      </p:to>
+                                    </p:set>
+                                  </p:childTnLst>
+                                </p:cTn>
+                              </p:par>
+                            </p:childTnLst>
+                          </p:cTn>
+                        </p:par>
+                      </p:childTnLst>
+                    </p:cTn>
+                  </p:par>
+                  <p:par>
+                    <p:cTn id="25" fill="hold">
+                      <p:stCondLst>
+                        <p:cond delay="indefinite"/>
+                      </p:stCondLst>
+                      <p:childTnLst>
+                        <p:par>
+                          <p:cTn id="26" fill="hold">
+                            <p:stCondLst>
+                              <p:cond delay="0"/>
+                            </p:stCondLst>
+                            <p:childTnLst>
+                              <p:par>
+                                <p:cTn id="27" presetID="1" presetClass="entr" presetSubtype="0" fill="hold" grpId="0" nodeType="clickEffect">
+                                  <p:stCondLst>
+                                    <p:cond delay="0"/>
+                                  </p:stCondLst>
+                                  <p:childTnLst>
+                                    <p:set>
+                                      <p:cBhvr>
+                                        <p:cTn id="28" dur="1" fill="hold">
+                                          <p:stCondLst>
+                                            <p:cond delay="0"/>
+                                          </p:stCondLst>
+                                        </p:cTn>
+                                        <p:tgtEl>
+                                          <p:spTgt spid="11"/>
+                                        </p:tgtEl>
+                                        <p:attrNameLst>
+                                          <p:attrName>style.visibility</p:attrName>
+                                        </p:attrNameLst>
+                                      </p:cBhvr>
+                                      <p:to>
+                                        <p:strVal val="visible"/>
+                                      </p:to>
+                                    </p:set>
+                                  </p:childTnLst>
+                                </p:cTn>
+                              </p:par>
+                            </p:childTnLst>
+                          </p:cTn>
+                        </p:par>
+                      </p:childTnLst>
+                    </p:cTn>
+                  </p:par>
+                  <p:par>
+                    <p:cTn id="29" fill="hold">
+                      <p:stCondLst>
+                        <p:cond delay="indefinite"/>
+                      </p:stCondLst>
+                      <p:childTnLst>
+                        <p:par>
+                          <p:cTn id="30" fill="hold">
+                            <p:stCondLst>
+                              <p:cond delay="0"/>
+                            </p:stCondLst>
+                            <p:childTnLst>
+                              <p:par>
+                                <p:cTn id="31" presetID="1" presetClass="entr" presetSubtype="0" fill="hold" grpId="0" nodeType="clickEffect">
+                                  <p:stCondLst>
+                                    <p:cond delay="0"/>
+                                  </p:stCondLst>
+                                  <p:childTnLst>
+                                    <p:set>
+                                      <p:cBhvr>
+                                        <p:cTn id="32" dur="1" fill="hold">
+                                          <p:stCondLst>
+                                            <p:cond delay="0"/>
+                                          </p:stCondLst>
+                                        </p:cTn>
+                                        <p:tgtEl>
+                                          <p:spTgt spid="12"/>
+                                        </p:tgtEl>
+                                        <p:attrNameLst>
+                                          <p:attrName>style.visibility</p:attrName>
+                                        </p:attrNameLst>
+                                      </p:cBhvr>
+                                      <p:to>
+                                        <p:strVal val="visible"/>
+                                      </p:to>
+                                    </p:set>
+                                  </p:childTnLst>
+                                </p:cTn>
+                              </p:par>
+                            </p:childTnLst>
+                          </p:cTn>
+                        </p:par>
+                      </p:childTnLst>
+                    </p:cTn>
+                  </p:par>
+                  <p:par>
+                    <p:cTn id="33" fill="hold">
+                      <p:stCondLst>
+                        <p:cond delay="indefinite"/>
+                      </p:stCondLst>
+                      <p:childTnLst>
+                        <p:par>
+                          <p:cTn id="34" fill="hold">
+                            <p:stCondLst>
+                              <p:cond delay="0"/>
+                            </p:stCondLst>
+                            <p:childTnLst>
+                              <p:par>
+                                <p:cTn id="35" presetID="1" presetClass="entr" presetSubtype="0" fill="hold" grpId="0" nodeType="clickEffect">
+                                  <p:stCondLst>
+                                    <p:cond delay="0"/>
+                                  </p:stCondLst>
+                                  <p:childTnLst>
+                                    <p:set>
+                                      <p:cBhvr>
+                                        <p:cTn id="36" dur="1" fill="hold">
+                                          <p:stCondLst>
+                                            <p:cond delay="0"/>
+                                          </p:stCondLst>
+                                        </p:cTn>
+                                        <p:tgtEl>
+                                          <p:spTgt spid="13"/>
+                                        </p:tgtEl>
+                                        <p:attrNameLst>
+                                          <p:attrName>style.visibility</p:attrName>
+                                        </p:attrNameLst>
+                                      </p:cBhvr>
+                                      <p:to>
+                                        <p:strVal val="visible"/>
+                                      </p:to>
+                                    </p:set>
+                                  </p:childTnLst>
+                                </p:cTn>
+                              </p:par>
+                            </p:childTnLst>
+                          </p:cTn>
+                        </p:par>
+                      </p:childTnLst>
+                    </p:cTn>
+                  </p:par>
+                  <p:par>
+                    <p:cTn id="37" fill="hold">
+                      <p:stCondLst>
+                        <p:cond delay="indefinite"/>
+                      </p:stCondLst>
+                      <p:childTnLst>
+                        <p:par>
+                          <p:cTn id="38" fill="hold">
+                            <p:stCondLst>
+                              <p:cond delay="0"/>
+                            </p:stCondLst>
+                            <p:childTnLst>
+                              <p:par>
+                                <p:cTn id="39" presetID="1" presetClass="entr" presetSubtype="0" fill="hold" grpId="0" nodeType="clickEffect">
+                                  <p:stCondLst>
+                                    <p:cond delay="0"/>
+                                  </p:stCondLst>
+                                  <p:childTnLst>
+                                    <p:set>
+                                      <p:cBhvr>
+                                        <p:cTn id="40" dur="1" fill="hold">
+                                          <p:stCondLst>
+                                            <p:cond delay="0"/>
+                                          </p:stCondLst>
+                                        </p:cTn>
+                                        <p:tgtEl>
+                                          <p:spTgt spid="14"/>
+                                        </p:tgtEl>
+                                        <p:attrNameLst>
+                                          <p:attrName>style.visibility</p:attrName>
+                                        </p:attrNameLst>
+                                      </p:cBhvr>
+                                      <p:to>
+                                        <p:strVal val="visible"/>
+                                      </p:to>
+                                    </p:set>
+                                  </p:childTnLst>
+                                </p:cTn>
+                              </p:par>
+                            </p:childTnLst>
+                          </p:cTn>
+                        </p:par>
+                      </p:childTnLst>
+                    </p:cTn>
+                  </p:par>
                 </p:childTnLst>
               </p:cTn>
               <p:prevCondLst>
@@ -24379,6 +27313,12 @@
     <p:bldLst>
       <p:bldP spid="4" grpId="0" animBg="1"/>
       <p:bldP spid="8" grpId="0"/>
+      <p:bldP spid="9" grpId="0"/>
+      <p:bldP spid="10" grpId="0"/>
+      <p:bldP spid="11" grpId="0"/>
+      <p:bldP spid="12" grpId="0"/>
+      <p:bldP spid="13" grpId="0"/>
+      <p:bldP spid="14" grpId="0"/>
     </p:bldLst>
   </p:timing>
 </p:sld>
@@ -24625,6 +27565,13 @@
   <p:clrMapOvr>
     <a:masterClrMapping/>
   </p:clrMapOvr>
+  <p:timing>
+    <p:tnLst>
+      <p:par>
+        <p:cTn id="1" dur="indefinite" restart="never" nodeType="tmRoot"/>
+      </p:par>
+    </p:tnLst>
+  </p:timing>
 </p:sld>
 </file>
 
@@ -25395,6 +28342,13 @@
   <p:clrMapOvr>
     <a:masterClrMapping/>
   </p:clrMapOvr>
+  <p:timing>
+    <p:tnLst>
+      <p:par>
+        <p:cTn id="1" dur="indefinite" restart="never" nodeType="tmRoot"/>
+      </p:par>
+    </p:tnLst>
+  </p:timing>
 </p:sld>
 </file>
 
@@ -25705,15 +28659,7 @@
             </a:r>
             <a:r>
               <a:rPr lang="de-DE" dirty="0"/>
-              <a:t> (</a:t>
-            </a:r>
-            <a:r>
-              <a:rPr lang="de-DE" dirty="0" err="1"/>
-              <a:t>translation</a:t>
-            </a:r>
-            <a:r>
-              <a:rPr lang="de-DE" dirty="0"/>
-              <a:t>, </a:t>
+              <a:t> (translation, </a:t>
             </a:r>
             <a:r>
               <a:rPr lang="de-DE" dirty="0" err="1"/>
@@ -32257,13 +35203,13 @@
   <p:clrMapOvr>
     <a:masterClrMapping/>
   </p:clrMapOvr>
-  <mc:AlternateContent xmlns:mc="http://schemas.openxmlformats.org/markup-compatibility/2006" xmlns:p159="http://schemas.microsoft.com/office/powerpoint/2015/09/main">
-    <mc:Choice Requires="p159">
+  <mc:AlternateContent xmlns:mc="http://schemas.openxmlformats.org/markup-compatibility/2006">
+    <mc:Choice xmlns:p159="http://schemas.microsoft.com/office/powerpoint/2015/09/main" xmlns="" Requires="p159">
       <p:transition xmlns:p14="http://schemas.microsoft.com/office/powerpoint/2010/main" spd="slow" p14:dur="2000">
         <p159:morph option="byObject"/>
       </p:transition>
     </mc:Choice>
-    <mc:Fallback xmlns="">
+    <mc:Fallback>
       <p:transition spd="slow">
         <p:fade/>
       </p:transition>

--- a/Final presentation outline & temporary draft.pptx
+++ b/Final presentation outline & temporary draft.pptx
@@ -5,7 +5,7 @@
     <p:sldMasterId id="2147483648" r:id="rId1"/>
   </p:sldMasterIdLst>
   <p:notesMasterIdLst>
-    <p:notesMasterId r:id="rId33"/>
+    <p:notesMasterId r:id="rId32"/>
   </p:notesMasterIdLst>
   <p:sldIdLst>
     <p:sldId id="259" r:id="rId2"/>
@@ -33,12 +33,11 @@
     <p:sldId id="319" r:id="rId24"/>
     <p:sldId id="318" r:id="rId25"/>
     <p:sldId id="311" r:id="rId26"/>
-    <p:sldId id="321" r:id="rId27"/>
-    <p:sldId id="258" r:id="rId28"/>
-    <p:sldId id="322" r:id="rId29"/>
-    <p:sldId id="323" r:id="rId30"/>
-    <p:sldId id="324" r:id="rId31"/>
-    <p:sldId id="326" r:id="rId32"/>
+    <p:sldId id="258" r:id="rId27"/>
+    <p:sldId id="322" r:id="rId28"/>
+    <p:sldId id="323" r:id="rId29"/>
+    <p:sldId id="324" r:id="rId30"/>
+    <p:sldId id="326" r:id="rId31"/>
   </p:sldIdLst>
   <p:sldSz cx="12192000" cy="6858000"/>
   <p:notesSz cx="6858000" cy="9144000"/>
@@ -167,7 +166,6 @@
             <p14:sldId id="319"/>
             <p14:sldId id="318"/>
             <p14:sldId id="311"/>
-            <p14:sldId id="321"/>
           </p14:sldIdLst>
         </p14:section>
         <p14:section name="Back-up slides" id="{EA108FB6-49F8-4F05-B5A2-66AE3DA60FBF}">
@@ -4907,15 +4905,13 @@
           <a:bodyPr/>
           <a:lstStyle/>
           <a:p>
-            <a:endParaRPr lang="de-DE" dirty="0" smtClean="0"/>
-          </a:p>
-          <a:p>
-            <a:endParaRPr lang="de-DE" dirty="0" smtClean="0"/>
-          </a:p>
-          <a:p>
+            <a:r>
+              <a:rPr lang="de-DE" dirty="0" smtClean="0"/>
+              <a:t>18 Proteins </a:t>
+            </a:r>
             <a:r>
               <a:rPr lang="de-DE" dirty="0" err="1" smtClean="0"/>
-              <a:t>By</a:t>
+              <a:t>associated</a:t>
             </a:r>
             <a:r>
               <a:rPr lang="de-DE" dirty="0" smtClean="0"/>
@@ -4923,7 +4919,7 @@
             </a:r>
             <a:r>
               <a:rPr lang="de-DE" dirty="0" err="1" smtClean="0"/>
-              <a:t>determining</a:t>
+              <a:t>with</a:t>
             </a:r>
             <a:r>
               <a:rPr lang="de-DE" dirty="0" smtClean="0"/>
@@ -4931,1010 +4927,12 @@
             </a:r>
             <a:r>
               <a:rPr lang="de-DE" dirty="0" err="1" smtClean="0"/>
-              <a:t>the</a:t>
-            </a:r>
-            <a:r>
-              <a:rPr lang="de-DE" dirty="0" smtClean="0"/>
-              <a:t> </a:t>
-            </a:r>
-            <a:r>
-              <a:rPr lang="de-DE" dirty="0" err="1" smtClean="0"/>
-              <a:t>maxime</a:t>
-            </a:r>
-            <a:r>
-              <a:rPr lang="de-DE" dirty="0" smtClean="0"/>
-              <a:t> in </a:t>
-            </a:r>
-            <a:r>
-              <a:rPr lang="de-DE" dirty="0" err="1" smtClean="0"/>
-              <a:t>protein</a:t>
-            </a:r>
-            <a:r>
-              <a:rPr lang="de-DE" dirty="0" smtClean="0"/>
-              <a:t> </a:t>
-            </a:r>
-            <a:r>
-              <a:rPr lang="de-DE" dirty="0" err="1" smtClean="0"/>
-              <a:t>samples</a:t>
-            </a:r>
-            <a:r>
-              <a:rPr lang="de-DE" dirty="0" smtClean="0"/>
-              <a:t> </a:t>
-            </a:r>
-            <a:r>
-              <a:rPr lang="de-DE" dirty="0" err="1" smtClean="0"/>
-              <a:t>that</a:t>
-            </a:r>
-            <a:r>
-              <a:rPr lang="de-DE" baseline="0" dirty="0" smtClean="0"/>
-              <a:t> </a:t>
-            </a:r>
-            <a:r>
-              <a:rPr lang="de-DE" baseline="0" dirty="0" err="1" smtClean="0"/>
-              <a:t>were</a:t>
-            </a:r>
-            <a:r>
-              <a:rPr lang="de-DE" baseline="0" dirty="0" smtClean="0"/>
-              <a:t> </a:t>
-            </a:r>
-            <a:r>
-              <a:rPr lang="de-DE" baseline="0" dirty="0" err="1" smtClean="0"/>
-              <a:t>left</a:t>
-            </a:r>
-            <a:r>
-              <a:rPr lang="de-DE" baseline="0" dirty="0" smtClean="0"/>
-              <a:t> </a:t>
-            </a:r>
-            <a:r>
-              <a:rPr lang="de-DE" baseline="0" dirty="0" err="1" smtClean="0"/>
-              <a:t>untreated</a:t>
-            </a:r>
-            <a:r>
-              <a:rPr lang="de-DE" baseline="0" dirty="0" smtClean="0"/>
-              <a:t> </a:t>
-            </a:r>
-            <a:r>
-              <a:rPr lang="de-DE" baseline="0" dirty="0" err="1" smtClean="0"/>
-              <a:t>or</a:t>
-            </a:r>
-            <a:r>
-              <a:rPr lang="de-DE" baseline="0" dirty="0" smtClean="0"/>
-              <a:t> </a:t>
-            </a:r>
-            <a:r>
-              <a:rPr lang="de-DE" baseline="0" dirty="0" err="1" smtClean="0"/>
-              <a:t>treated</a:t>
-            </a:r>
-            <a:r>
-              <a:rPr lang="de-DE" baseline="0" dirty="0" smtClean="0"/>
-              <a:t> </a:t>
-            </a:r>
-            <a:r>
-              <a:rPr lang="de-DE" baseline="0" dirty="0" err="1" smtClean="0"/>
-              <a:t>with</a:t>
-            </a:r>
-            <a:r>
-              <a:rPr lang="de-DE" baseline="0" dirty="0" smtClean="0"/>
-              <a:t> </a:t>
-            </a:r>
-            <a:r>
-              <a:rPr lang="de-DE" baseline="0" dirty="0" err="1" smtClean="0"/>
-              <a:t>RNAse</a:t>
-            </a:r>
-            <a:r>
-              <a:rPr lang="de-DE" baseline="0" dirty="0" smtClean="0"/>
-              <a:t> </a:t>
-            </a:r>
-            <a:r>
-              <a:rPr lang="de-DE" baseline="0" dirty="0" err="1" smtClean="0"/>
-              <a:t>and</a:t>
-            </a:r>
-            <a:r>
-              <a:rPr lang="de-DE" baseline="0" dirty="0" smtClean="0"/>
-              <a:t> </a:t>
-            </a:r>
-            <a:r>
-              <a:rPr lang="de-DE" baseline="0" dirty="0" err="1" smtClean="0"/>
-              <a:t>looking</a:t>
-            </a:r>
-            <a:r>
-              <a:rPr lang="de-DE" baseline="0" dirty="0" smtClean="0"/>
-              <a:t> </a:t>
-            </a:r>
-            <a:r>
-              <a:rPr lang="de-DE" baseline="0" dirty="0" err="1" smtClean="0"/>
-              <a:t>for</a:t>
-            </a:r>
-            <a:r>
-              <a:rPr lang="de-DE" baseline="0" dirty="0" smtClean="0"/>
-              <a:t> </a:t>
-            </a:r>
-            <a:r>
-              <a:rPr lang="de-DE" baseline="0" dirty="0" err="1" smtClean="0"/>
-              <a:t>shifts</a:t>
-            </a:r>
-            <a:r>
-              <a:rPr lang="de-DE" baseline="0" dirty="0" smtClean="0"/>
-              <a:t>, </a:t>
-            </a:r>
-            <a:r>
-              <a:rPr lang="de-DE" baseline="0" dirty="0" err="1" smtClean="0"/>
-              <a:t>we</a:t>
-            </a:r>
-            <a:r>
-              <a:rPr lang="de-DE" baseline="0" dirty="0" smtClean="0"/>
-              <a:t> </a:t>
-            </a:r>
-            <a:r>
-              <a:rPr lang="de-DE" baseline="0" dirty="0" err="1" smtClean="0"/>
-              <a:t>were</a:t>
-            </a:r>
-            <a:r>
-              <a:rPr lang="de-DE" baseline="0" dirty="0" smtClean="0"/>
-              <a:t> </a:t>
-            </a:r>
-            <a:r>
-              <a:rPr lang="de-DE" baseline="0" dirty="0" err="1" smtClean="0"/>
-              <a:t>able</a:t>
-            </a:r>
-            <a:r>
-              <a:rPr lang="de-DE" baseline="0" dirty="0" smtClean="0"/>
-              <a:t> </a:t>
-            </a:r>
-            <a:r>
-              <a:rPr lang="de-DE" baseline="0" dirty="0" err="1" smtClean="0"/>
-              <a:t>to</a:t>
-            </a:r>
-            <a:r>
-              <a:rPr lang="de-DE" baseline="0" dirty="0" smtClean="0"/>
-              <a:t> </a:t>
-            </a:r>
-            <a:r>
-              <a:rPr lang="de-DE" baseline="0" dirty="0" err="1" smtClean="0"/>
-              <a:t>determine</a:t>
-            </a:r>
-            <a:r>
-              <a:rPr lang="de-DE" baseline="0" dirty="0" smtClean="0"/>
-              <a:t> </a:t>
-            </a:r>
-            <a:r>
-              <a:rPr lang="de-DE" baseline="0" dirty="0" err="1" smtClean="0"/>
-              <a:t>which</a:t>
-            </a:r>
-            <a:r>
-              <a:rPr lang="de-DE" baseline="0" dirty="0" smtClean="0"/>
-              <a:t> </a:t>
-            </a:r>
-            <a:r>
-              <a:rPr lang="de-DE" baseline="0" dirty="0" err="1" smtClean="0"/>
-              <a:t>proteins</a:t>
-            </a:r>
-            <a:r>
-              <a:rPr lang="de-DE" baseline="0" dirty="0" smtClean="0"/>
-              <a:t> bind RNA/</a:t>
-            </a:r>
-            <a:r>
-              <a:rPr lang="de-DE" baseline="0" dirty="0" err="1" smtClean="0"/>
-              <a:t>whose</a:t>
-            </a:r>
-            <a:r>
-              <a:rPr lang="de-DE" baseline="0" dirty="0" smtClean="0"/>
-              <a:t> </a:t>
-            </a:r>
-            <a:r>
-              <a:rPr lang="de-DE" baseline="0" dirty="0" err="1" smtClean="0"/>
-              <a:t>interactome</a:t>
-            </a:r>
-            <a:r>
-              <a:rPr lang="de-DE" baseline="0" dirty="0" smtClean="0"/>
-              <a:t> </a:t>
-            </a:r>
-            <a:r>
-              <a:rPr lang="de-DE" baseline="0" dirty="0" err="1" smtClean="0"/>
-              <a:t>depends</a:t>
-            </a:r>
-            <a:r>
-              <a:rPr lang="de-DE" baseline="0" dirty="0" smtClean="0"/>
-              <a:t> on RNA</a:t>
-            </a:r>
-          </a:p>
-          <a:p>
-            <a:endParaRPr lang="de-DE" baseline="0" dirty="0" smtClean="0"/>
-          </a:p>
-          <a:p>
-            <a:r>
-              <a:rPr lang="de-DE" baseline="0" dirty="0" err="1" smtClean="0"/>
-              <a:t>They</a:t>
-            </a:r>
-            <a:r>
-              <a:rPr lang="de-DE" baseline="0" dirty="0" smtClean="0"/>
-              <a:t> </a:t>
-            </a:r>
-            <a:r>
-              <a:rPr lang="de-DE" baseline="0" dirty="0" err="1" smtClean="0"/>
-              <a:t>can</a:t>
-            </a:r>
-            <a:r>
-              <a:rPr lang="de-DE" baseline="0" dirty="0" smtClean="0"/>
-              <a:t> </a:t>
-            </a:r>
-            <a:r>
-              <a:rPr lang="de-DE" baseline="0" dirty="0" err="1" smtClean="0"/>
-              <a:t>occur</a:t>
-            </a:r>
-            <a:r>
-              <a:rPr lang="de-DE" baseline="0" dirty="0" smtClean="0"/>
-              <a:t> in </a:t>
-            </a:r>
-            <a:r>
-              <a:rPr lang="de-DE" baseline="0" dirty="0" err="1" smtClean="0"/>
-              <a:t>both</a:t>
-            </a:r>
-            <a:r>
-              <a:rPr lang="de-DE" baseline="0" dirty="0" smtClean="0"/>
-              <a:t> </a:t>
-            </a:r>
-            <a:r>
-              <a:rPr lang="de-DE" baseline="0" dirty="0" err="1" smtClean="0"/>
-              <a:t>phases</a:t>
-            </a:r>
-            <a:r>
-              <a:rPr lang="de-DE" baseline="0" dirty="0" smtClean="0"/>
-              <a:t> </a:t>
-            </a:r>
-            <a:r>
-              <a:rPr lang="de-DE" baseline="0" dirty="0" err="1" smtClean="0"/>
-              <a:t>of</a:t>
-            </a:r>
-            <a:r>
-              <a:rPr lang="de-DE" baseline="0" dirty="0" smtClean="0"/>
-              <a:t> </a:t>
-            </a:r>
-            <a:r>
-              <a:rPr lang="de-DE" baseline="0" dirty="0" err="1" smtClean="0"/>
-              <a:t>the</a:t>
-            </a:r>
-            <a:r>
-              <a:rPr lang="de-DE" baseline="0" dirty="0" smtClean="0"/>
-              <a:t> </a:t>
-            </a:r>
-            <a:r>
-              <a:rPr lang="de-DE" baseline="0" dirty="0" err="1" smtClean="0"/>
-              <a:t>cell</a:t>
-            </a:r>
-            <a:r>
-              <a:rPr lang="de-DE" baseline="0" dirty="0" smtClean="0"/>
-              <a:t> </a:t>
-            </a:r>
-            <a:r>
-              <a:rPr lang="de-DE" baseline="0" dirty="0" err="1" smtClean="0"/>
-              <a:t>cycle</a:t>
-            </a:r>
-            <a:r>
-              <a:rPr lang="de-DE" baseline="0" dirty="0" smtClean="0"/>
-              <a:t>, </a:t>
-            </a:r>
-            <a:r>
-              <a:rPr lang="de-DE" baseline="0" dirty="0" err="1" smtClean="0"/>
-              <a:t>or</a:t>
-            </a:r>
-            <a:r>
-              <a:rPr lang="de-DE" baseline="0" dirty="0" smtClean="0"/>
-              <a:t> just in </a:t>
-            </a:r>
-            <a:r>
-              <a:rPr lang="de-DE" baseline="0" dirty="0" err="1" smtClean="0"/>
-              <a:t>one</a:t>
-            </a:r>
-            <a:r>
-              <a:rPr lang="de-DE" baseline="0" dirty="0" smtClean="0"/>
-              <a:t> </a:t>
-            </a:r>
-            <a:r>
-              <a:rPr lang="de-DE" baseline="0" dirty="0" err="1" smtClean="0"/>
-              <a:t>of</a:t>
-            </a:r>
-            <a:r>
-              <a:rPr lang="de-DE" baseline="0" dirty="0" smtClean="0"/>
-              <a:t> </a:t>
-            </a:r>
-            <a:r>
-              <a:rPr lang="de-DE" baseline="0" dirty="0" err="1" smtClean="0"/>
-              <a:t>them</a:t>
-            </a:r>
-            <a:r>
-              <a:rPr lang="de-DE" baseline="0" dirty="0" smtClean="0"/>
-              <a:t>, </a:t>
-            </a:r>
-            <a:r>
-              <a:rPr lang="de-DE" baseline="0" dirty="0" err="1" smtClean="0"/>
-              <a:t>showing</a:t>
-            </a:r>
-            <a:r>
-              <a:rPr lang="de-DE" baseline="0" dirty="0" smtClean="0"/>
-              <a:t> </a:t>
-            </a:r>
-            <a:r>
-              <a:rPr lang="de-DE" baseline="0" dirty="0" err="1" smtClean="0"/>
-              <a:t>they</a:t>
-            </a:r>
-            <a:r>
-              <a:rPr lang="de-DE" baseline="0" dirty="0" smtClean="0"/>
-              <a:t> </a:t>
-            </a:r>
-            <a:r>
-              <a:rPr lang="de-DE" baseline="0" dirty="0" err="1" smtClean="0"/>
-              <a:t>respond</a:t>
-            </a:r>
-            <a:r>
-              <a:rPr lang="de-DE" baseline="0" dirty="0" smtClean="0"/>
-              <a:t> </a:t>
-            </a:r>
-            <a:r>
-              <a:rPr lang="de-DE" baseline="0" dirty="0" err="1" smtClean="0"/>
-              <a:t>to</a:t>
-            </a:r>
-            <a:r>
-              <a:rPr lang="de-DE" baseline="0" dirty="0" smtClean="0"/>
-              <a:t> </a:t>
-            </a:r>
-            <a:r>
-              <a:rPr lang="de-DE" baseline="0" dirty="0" err="1" smtClean="0"/>
-              <a:t>cellular</a:t>
-            </a:r>
-            <a:r>
-              <a:rPr lang="de-DE" baseline="0" dirty="0" smtClean="0"/>
-              <a:t> </a:t>
-            </a:r>
-            <a:r>
-              <a:rPr lang="de-DE" baseline="0" dirty="0" err="1" smtClean="0"/>
-              <a:t>and</a:t>
-            </a:r>
-            <a:r>
-              <a:rPr lang="de-DE" baseline="0" dirty="0" smtClean="0"/>
-              <a:t> environmental </a:t>
-            </a:r>
-            <a:r>
-              <a:rPr lang="de-DE" baseline="0" dirty="0" err="1" smtClean="0"/>
-              <a:t>stimuli</a:t>
-            </a:r>
-            <a:r>
-              <a:rPr lang="de-DE" baseline="0" dirty="0" smtClean="0"/>
-              <a:t>, </a:t>
-            </a:r>
-            <a:r>
-              <a:rPr lang="de-DE" baseline="0" dirty="0" err="1" smtClean="0"/>
-              <a:t>thereby</a:t>
-            </a:r>
-            <a:r>
-              <a:rPr lang="de-DE" baseline="0" dirty="0" smtClean="0"/>
-              <a:t> </a:t>
-            </a:r>
-            <a:r>
-              <a:rPr lang="de-DE" baseline="0" dirty="0" err="1" smtClean="0"/>
-              <a:t>enabeling</a:t>
-            </a:r>
-            <a:r>
-              <a:rPr lang="de-DE" baseline="0" dirty="0" smtClean="0"/>
-              <a:t> a </a:t>
-            </a:r>
-            <a:r>
-              <a:rPr lang="de-DE" baseline="0" dirty="0" err="1" smtClean="0"/>
-              <a:t>fine</a:t>
-            </a:r>
-            <a:r>
-              <a:rPr lang="de-DE" baseline="0" dirty="0" smtClean="0"/>
-              <a:t> </a:t>
-            </a:r>
-            <a:r>
-              <a:rPr lang="de-DE" baseline="0" dirty="0" err="1" smtClean="0"/>
-              <a:t>tuned</a:t>
-            </a:r>
-            <a:r>
-              <a:rPr lang="de-DE" baseline="0" dirty="0" smtClean="0"/>
-              <a:t> </a:t>
-            </a:r>
-            <a:r>
-              <a:rPr lang="de-DE" baseline="0" dirty="0" err="1" smtClean="0"/>
-              <a:t>regulation</a:t>
-            </a:r>
-            <a:r>
-              <a:rPr lang="de-DE" baseline="0" dirty="0" smtClean="0"/>
-              <a:t> </a:t>
-            </a:r>
-            <a:r>
-              <a:rPr lang="de-DE" baseline="0" dirty="0" err="1" smtClean="0"/>
-              <a:t>of</a:t>
-            </a:r>
-            <a:r>
-              <a:rPr lang="de-DE" baseline="0" dirty="0" smtClean="0"/>
-              <a:t> RNA in all </a:t>
-            </a:r>
-            <a:r>
-              <a:rPr lang="de-DE" baseline="0" dirty="0" err="1" smtClean="0"/>
-              <a:t>phases</a:t>
-            </a:r>
-            <a:r>
-              <a:rPr lang="de-DE" baseline="0" dirty="0" smtClean="0"/>
-              <a:t> </a:t>
-            </a:r>
-            <a:r>
-              <a:rPr lang="de-DE" baseline="0" dirty="0" err="1" smtClean="0"/>
-              <a:t>of</a:t>
-            </a:r>
-            <a:r>
-              <a:rPr lang="de-DE" baseline="0" dirty="0" smtClean="0"/>
-              <a:t> </a:t>
-            </a:r>
-            <a:r>
-              <a:rPr lang="de-DE" baseline="0" dirty="0" err="1" smtClean="0"/>
-              <a:t>the</a:t>
-            </a:r>
-            <a:r>
-              <a:rPr lang="de-DE" baseline="0" dirty="0" smtClean="0"/>
-              <a:t> </a:t>
-            </a:r>
-            <a:r>
-              <a:rPr lang="de-DE" baseline="0" dirty="0" err="1" smtClean="0"/>
-              <a:t>cell</a:t>
-            </a:r>
-            <a:r>
-              <a:rPr lang="de-DE" baseline="0" dirty="0" smtClean="0"/>
-              <a:t> </a:t>
-            </a:r>
-            <a:r>
-              <a:rPr lang="de-DE" baseline="0" dirty="0" err="1" smtClean="0"/>
-              <a:t>cycle</a:t>
-            </a:r>
-            <a:r>
-              <a:rPr lang="de-DE" baseline="0" dirty="0" smtClean="0"/>
-              <a:t>. </a:t>
-            </a:r>
-          </a:p>
-          <a:p>
-            <a:endParaRPr lang="de-DE" baseline="0" dirty="0" smtClean="0"/>
-          </a:p>
-          <a:p>
-            <a:endParaRPr lang="de-DE" baseline="0" dirty="0" smtClean="0"/>
-          </a:p>
-          <a:p>
-            <a:endParaRPr lang="de-DE" baseline="0" dirty="0" smtClean="0"/>
-          </a:p>
-          <a:p>
-            <a:pPr marL="285750" indent="-285750">
-              <a:buFont typeface="Arial" panose="020B0604020202020204" pitchFamily="34" charset="0"/>
-              <a:buChar char="•"/>
-            </a:pPr>
-            <a:r>
-              <a:rPr lang="de-DE" dirty="0" smtClean="0"/>
-              <a:t>RBPs </a:t>
-            </a:r>
-            <a:r>
-              <a:rPr lang="de-DE" dirty="0" err="1" smtClean="0"/>
-              <a:t>occur</a:t>
-            </a:r>
-            <a:r>
-              <a:rPr lang="de-DE" dirty="0" smtClean="0"/>
-              <a:t> in </a:t>
-            </a:r>
-            <a:r>
-              <a:rPr lang="de-DE" dirty="0" err="1" smtClean="0"/>
-              <a:t>Mitosis</a:t>
-            </a:r>
-            <a:r>
-              <a:rPr lang="de-DE" dirty="0" smtClean="0"/>
-              <a:t> </a:t>
-            </a:r>
-            <a:r>
-              <a:rPr lang="de-DE" dirty="0" err="1" smtClean="0"/>
-              <a:t>and</a:t>
-            </a:r>
-            <a:r>
-              <a:rPr lang="de-DE" dirty="0" smtClean="0"/>
-              <a:t> Interphase</a:t>
-            </a:r>
-          </a:p>
-          <a:p>
-            <a:pPr marL="285750" indent="-285750">
-              <a:buFont typeface="Arial" panose="020B0604020202020204" pitchFamily="34" charset="0"/>
-              <a:buChar char="•"/>
-            </a:pPr>
-            <a:r>
-              <a:rPr lang="de-DE" dirty="0" smtClean="0"/>
-              <a:t>Can </a:t>
-            </a:r>
-            <a:r>
-              <a:rPr lang="de-DE" dirty="0" err="1" smtClean="0"/>
-              <a:t>be</a:t>
-            </a:r>
-            <a:r>
-              <a:rPr lang="de-DE" dirty="0" smtClean="0"/>
-              <a:t> </a:t>
-            </a:r>
-            <a:r>
-              <a:rPr lang="de-DE" dirty="0" err="1" smtClean="0"/>
-              <a:t>cell-cycle</a:t>
-            </a:r>
-            <a:r>
-              <a:rPr lang="de-DE" dirty="0" smtClean="0"/>
-              <a:t> </a:t>
-            </a:r>
-            <a:r>
-              <a:rPr lang="de-DE" dirty="0" err="1" smtClean="0"/>
-              <a:t>dependent</a:t>
-            </a:r>
-            <a:r>
-              <a:rPr lang="de-DE" dirty="0" smtClean="0"/>
-              <a:t> </a:t>
-            </a:r>
-            <a:r>
-              <a:rPr lang="de-DE" dirty="0" err="1" smtClean="0"/>
-              <a:t>or</a:t>
-            </a:r>
-            <a:r>
-              <a:rPr lang="de-DE" dirty="0" smtClean="0"/>
-              <a:t> </a:t>
-            </a:r>
-            <a:r>
-              <a:rPr lang="de-DE" dirty="0" err="1" smtClean="0"/>
-              <a:t>expressed</a:t>
-            </a:r>
-            <a:r>
-              <a:rPr lang="de-DE" dirty="0" smtClean="0"/>
-              <a:t> </a:t>
-            </a:r>
-            <a:r>
-              <a:rPr lang="de-DE" dirty="0" err="1" smtClean="0"/>
-              <a:t>constitutively</a:t>
-            </a:r>
-            <a:endParaRPr lang="de-DE" dirty="0" smtClean="0"/>
-          </a:p>
-          <a:p>
-            <a:pPr marL="285750" indent="-285750">
-              <a:buFont typeface="Arial" panose="020B0604020202020204" pitchFamily="34" charset="0"/>
-              <a:buChar char="•"/>
-            </a:pPr>
-            <a:r>
-              <a:rPr lang="de-DE" dirty="0" err="1" smtClean="0"/>
-              <a:t>Right</a:t>
-            </a:r>
-            <a:r>
-              <a:rPr lang="de-DE" dirty="0" smtClean="0"/>
-              <a:t> </a:t>
-            </a:r>
-            <a:r>
-              <a:rPr lang="de-DE" dirty="0" err="1" smtClean="0"/>
-              <a:t>shifts</a:t>
-            </a:r>
-            <a:r>
-              <a:rPr lang="de-DE" dirty="0" smtClean="0"/>
-              <a:t> &amp; </a:t>
-            </a:r>
-            <a:r>
-              <a:rPr lang="de-DE" dirty="0" err="1" smtClean="0"/>
-              <a:t>left</a:t>
-            </a:r>
-            <a:r>
-              <a:rPr lang="de-DE" dirty="0" smtClean="0"/>
-              <a:t> </a:t>
-            </a:r>
-            <a:r>
-              <a:rPr lang="de-DE" dirty="0" err="1" smtClean="0"/>
-              <a:t>shifts</a:t>
-            </a:r>
-            <a:endParaRPr lang="de-DE" dirty="0" smtClean="0"/>
-          </a:p>
-          <a:p>
-            <a:r>
-              <a:rPr lang="de-DE" baseline="0" dirty="0" err="1" smtClean="0"/>
-              <a:t>Left</a:t>
-            </a:r>
-            <a:r>
-              <a:rPr lang="de-DE" baseline="0" dirty="0" smtClean="0"/>
-              <a:t> </a:t>
-            </a:r>
-            <a:r>
-              <a:rPr lang="de-DE" baseline="0" dirty="0" err="1" smtClean="0"/>
-              <a:t>shift</a:t>
-            </a:r>
-            <a:r>
-              <a:rPr lang="de-DE" baseline="0" dirty="0" smtClean="0"/>
-              <a:t>: Protein loses </a:t>
-            </a:r>
-            <a:r>
-              <a:rPr lang="de-DE" baseline="0" dirty="0" err="1" smtClean="0"/>
-              <a:t>interaction</a:t>
-            </a:r>
-            <a:r>
-              <a:rPr lang="de-DE" baseline="0" dirty="0" smtClean="0"/>
-              <a:t> </a:t>
-            </a:r>
-            <a:r>
-              <a:rPr lang="de-DE" baseline="0" dirty="0" err="1" smtClean="0"/>
-              <a:t>partners</a:t>
-            </a:r>
-            <a:r>
-              <a:rPr lang="de-DE" baseline="0" dirty="0" smtClean="0"/>
-              <a:t> after </a:t>
-            </a:r>
-            <a:r>
-              <a:rPr lang="de-DE" baseline="0" dirty="0" err="1" smtClean="0"/>
-              <a:t>Rnase</a:t>
-            </a:r>
-            <a:r>
-              <a:rPr lang="de-DE" baseline="0" dirty="0" smtClean="0"/>
-              <a:t> </a:t>
-            </a:r>
-            <a:r>
-              <a:rPr lang="de-DE" baseline="0" dirty="0" err="1" smtClean="0"/>
-              <a:t>treatment</a:t>
-            </a:r>
-            <a:r>
-              <a:rPr lang="de-DE" baseline="0" dirty="0" smtClean="0"/>
-              <a:t> </a:t>
-            </a:r>
-            <a:r>
-              <a:rPr lang="de-DE" baseline="0" dirty="0" smtClean="0">
-                <a:sym typeface="Wingdings" panose="05000000000000000000" pitchFamily="2" charset="2"/>
-              </a:rPr>
-              <a:t> </a:t>
-            </a:r>
-            <a:r>
-              <a:rPr lang="de-DE" baseline="0" dirty="0" err="1" smtClean="0">
-                <a:sym typeface="Wingdings" panose="05000000000000000000" pitchFamily="2" charset="2"/>
-              </a:rPr>
-              <a:t>most</a:t>
-            </a:r>
-            <a:r>
-              <a:rPr lang="de-DE" baseline="0" dirty="0" smtClean="0">
-                <a:sym typeface="Wingdings" panose="05000000000000000000" pitchFamily="2" charset="2"/>
-              </a:rPr>
-              <a:t> </a:t>
-            </a:r>
-            <a:r>
-              <a:rPr lang="de-DE" baseline="0" dirty="0" err="1" smtClean="0">
-                <a:sym typeface="Wingdings" panose="05000000000000000000" pitchFamily="2" charset="2"/>
-              </a:rPr>
-              <a:t>likely</a:t>
-            </a:r>
-            <a:r>
-              <a:rPr lang="de-DE" baseline="0" dirty="0" smtClean="0">
-                <a:sym typeface="Wingdings" panose="05000000000000000000" pitchFamily="2" charset="2"/>
-              </a:rPr>
-              <a:t> </a:t>
-            </a:r>
-            <a:r>
-              <a:rPr lang="de-DE" baseline="0" dirty="0" err="1" smtClean="0">
-                <a:sym typeface="Wingdings" panose="05000000000000000000" pitchFamily="2" charset="2"/>
-              </a:rPr>
-              <a:t>directly</a:t>
-            </a:r>
-            <a:r>
-              <a:rPr lang="de-DE" baseline="0" dirty="0" smtClean="0">
-                <a:sym typeface="Wingdings" panose="05000000000000000000" pitchFamily="2" charset="2"/>
-              </a:rPr>
-              <a:t> RNA </a:t>
-            </a:r>
-            <a:r>
-              <a:rPr lang="de-DE" baseline="0" dirty="0" err="1" smtClean="0">
-                <a:sym typeface="Wingdings" panose="05000000000000000000" pitchFamily="2" charset="2"/>
-              </a:rPr>
-              <a:t>binding</a:t>
-            </a:r>
-            <a:endParaRPr lang="de-DE" baseline="0" dirty="0" smtClean="0">
-              <a:sym typeface="Wingdings" panose="05000000000000000000" pitchFamily="2" charset="2"/>
-            </a:endParaRPr>
-          </a:p>
-          <a:p>
-            <a:r>
-              <a:rPr lang="de-DE" baseline="0" dirty="0" err="1" smtClean="0">
-                <a:sym typeface="Wingdings" panose="05000000000000000000" pitchFamily="2" charset="2"/>
-              </a:rPr>
-              <a:t>Right</a:t>
-            </a:r>
-            <a:r>
-              <a:rPr lang="de-DE" baseline="0" dirty="0" smtClean="0">
-                <a:sym typeface="Wingdings" panose="05000000000000000000" pitchFamily="2" charset="2"/>
-              </a:rPr>
-              <a:t> </a:t>
-            </a:r>
-            <a:r>
-              <a:rPr lang="de-DE" baseline="0" dirty="0" err="1" smtClean="0">
-                <a:sym typeface="Wingdings" panose="05000000000000000000" pitchFamily="2" charset="2"/>
-              </a:rPr>
-              <a:t>shift</a:t>
-            </a:r>
-            <a:r>
-              <a:rPr lang="de-DE" baseline="0" dirty="0" smtClean="0">
-                <a:sym typeface="Wingdings" panose="05000000000000000000" pitchFamily="2" charset="2"/>
-              </a:rPr>
-              <a:t>: Protein </a:t>
-            </a:r>
-            <a:r>
-              <a:rPr lang="de-DE" baseline="0" dirty="0" err="1" smtClean="0">
-                <a:sym typeface="Wingdings" panose="05000000000000000000" pitchFamily="2" charset="2"/>
-              </a:rPr>
-              <a:t>gains</a:t>
-            </a:r>
-            <a:r>
-              <a:rPr lang="de-DE" baseline="0" dirty="0" smtClean="0">
-                <a:sym typeface="Wingdings" panose="05000000000000000000" pitchFamily="2" charset="2"/>
-              </a:rPr>
-              <a:t> </a:t>
-            </a:r>
-            <a:r>
-              <a:rPr lang="de-DE" baseline="0" dirty="0" err="1" smtClean="0">
-                <a:sym typeface="Wingdings" panose="05000000000000000000" pitchFamily="2" charset="2"/>
-              </a:rPr>
-              <a:t>interaction</a:t>
-            </a:r>
-            <a:r>
-              <a:rPr lang="de-DE" baseline="0" dirty="0" smtClean="0">
-                <a:sym typeface="Wingdings" panose="05000000000000000000" pitchFamily="2" charset="2"/>
-              </a:rPr>
-              <a:t> </a:t>
-            </a:r>
-            <a:r>
-              <a:rPr lang="de-DE" baseline="0" dirty="0" err="1" smtClean="0">
-                <a:sym typeface="Wingdings" panose="05000000000000000000" pitchFamily="2" charset="2"/>
-              </a:rPr>
-              <a:t>partners</a:t>
-            </a:r>
-            <a:r>
-              <a:rPr lang="de-DE" baseline="0" dirty="0" smtClean="0">
-                <a:sym typeface="Wingdings" panose="05000000000000000000" pitchFamily="2" charset="2"/>
-              </a:rPr>
-              <a:t>: RNA </a:t>
-            </a:r>
-            <a:r>
-              <a:rPr lang="de-DE" baseline="0" dirty="0" err="1" smtClean="0">
-                <a:sym typeface="Wingdings" panose="05000000000000000000" pitchFamily="2" charset="2"/>
-              </a:rPr>
-              <a:t>dependent</a:t>
-            </a:r>
-            <a:r>
-              <a:rPr lang="de-DE" baseline="0" dirty="0" smtClean="0">
-                <a:sym typeface="Wingdings" panose="05000000000000000000" pitchFamily="2" charset="2"/>
-              </a:rPr>
-              <a:t>, </a:t>
-            </a:r>
-            <a:r>
-              <a:rPr lang="de-DE" baseline="0" dirty="0" err="1" smtClean="0">
-                <a:sym typeface="Wingdings" panose="05000000000000000000" pitchFamily="2" charset="2"/>
-              </a:rPr>
-              <a:t>by</a:t>
-            </a:r>
-            <a:r>
-              <a:rPr lang="de-DE" baseline="0" dirty="0" smtClean="0">
-                <a:sym typeface="Wingdings" panose="05000000000000000000" pitchFamily="2" charset="2"/>
-              </a:rPr>
-              <a:t> </a:t>
-            </a:r>
-            <a:r>
-              <a:rPr lang="de-DE" baseline="0" dirty="0" err="1" smtClean="0">
-                <a:sym typeface="Wingdings" panose="05000000000000000000" pitchFamily="2" charset="2"/>
-              </a:rPr>
-              <a:t>loosing</a:t>
-            </a:r>
-            <a:r>
-              <a:rPr lang="de-DE" baseline="0" dirty="0" smtClean="0">
-                <a:sym typeface="Wingdings" panose="05000000000000000000" pitchFamily="2" charset="2"/>
-              </a:rPr>
-              <a:t> RNA </a:t>
-            </a:r>
-            <a:r>
-              <a:rPr lang="de-DE" baseline="0" dirty="0" err="1" smtClean="0">
-                <a:sym typeface="Wingdings" panose="05000000000000000000" pitchFamily="2" charset="2"/>
-              </a:rPr>
-              <a:t>other</a:t>
-            </a:r>
-            <a:r>
-              <a:rPr lang="de-DE" baseline="0" dirty="0" smtClean="0">
-                <a:sym typeface="Wingdings" panose="05000000000000000000" pitchFamily="2" charset="2"/>
-              </a:rPr>
-              <a:t> </a:t>
-            </a:r>
-            <a:r>
-              <a:rPr lang="de-DE" baseline="0" dirty="0" err="1" smtClean="0">
-                <a:sym typeface="Wingdings" panose="05000000000000000000" pitchFamily="2" charset="2"/>
-              </a:rPr>
-              <a:t>binding</a:t>
-            </a:r>
-            <a:r>
-              <a:rPr lang="de-DE" baseline="0" dirty="0" smtClean="0">
-                <a:sym typeface="Wingdings" panose="05000000000000000000" pitchFamily="2" charset="2"/>
-              </a:rPr>
-              <a:t> </a:t>
-            </a:r>
-            <a:r>
-              <a:rPr lang="de-DE" baseline="0" dirty="0" err="1" smtClean="0">
-                <a:sym typeface="Wingdings" panose="05000000000000000000" pitchFamily="2" charset="2"/>
-              </a:rPr>
-              <a:t>sites</a:t>
-            </a:r>
-            <a:r>
-              <a:rPr lang="de-DE" baseline="0" dirty="0" smtClean="0">
-                <a:sym typeface="Wingdings" panose="05000000000000000000" pitchFamily="2" charset="2"/>
-              </a:rPr>
-              <a:t> </a:t>
-            </a:r>
-            <a:r>
-              <a:rPr lang="de-DE" baseline="0" dirty="0" err="1" smtClean="0">
-                <a:sym typeface="Wingdings" panose="05000000000000000000" pitchFamily="2" charset="2"/>
-              </a:rPr>
-              <a:t>could</a:t>
-            </a:r>
-            <a:r>
-              <a:rPr lang="de-DE" baseline="0" dirty="0" smtClean="0">
-                <a:sym typeface="Wingdings" panose="05000000000000000000" pitchFamily="2" charset="2"/>
-              </a:rPr>
-              <a:t> </a:t>
-            </a:r>
-            <a:r>
-              <a:rPr lang="de-DE" baseline="0" dirty="0" err="1" smtClean="0">
-                <a:sym typeface="Wingdings" panose="05000000000000000000" pitchFamily="2" charset="2"/>
-              </a:rPr>
-              <a:t>become</a:t>
-            </a:r>
-            <a:r>
-              <a:rPr lang="de-DE" baseline="0" dirty="0" smtClean="0">
-                <a:sym typeface="Wingdings" panose="05000000000000000000" pitchFamily="2" charset="2"/>
-              </a:rPr>
-              <a:t> </a:t>
-            </a:r>
-            <a:r>
-              <a:rPr lang="de-DE" baseline="0" dirty="0" err="1" smtClean="0">
-                <a:sym typeface="Wingdings" panose="05000000000000000000" pitchFamily="2" charset="2"/>
-              </a:rPr>
-              <a:t>available</a:t>
-            </a:r>
-            <a:endParaRPr lang="de-DE" baseline="0" dirty="0" smtClean="0">
-              <a:sym typeface="Wingdings" panose="05000000000000000000" pitchFamily="2" charset="2"/>
-            </a:endParaRPr>
-          </a:p>
-          <a:p>
-            <a:endParaRPr lang="de-DE" baseline="0" dirty="0" smtClean="0">
-              <a:sym typeface="Wingdings" panose="05000000000000000000" pitchFamily="2" charset="2"/>
-            </a:endParaRPr>
-          </a:p>
-          <a:p>
-            <a:endParaRPr lang="de-DE" baseline="0" dirty="0" smtClean="0">
-              <a:sym typeface="Wingdings" panose="05000000000000000000" pitchFamily="2" charset="2"/>
-            </a:endParaRPr>
-          </a:p>
-          <a:p>
-            <a:r>
-              <a:rPr lang="de-DE" baseline="0" dirty="0" smtClean="0">
-                <a:sym typeface="Wingdings" panose="05000000000000000000" pitchFamily="2" charset="2"/>
-              </a:rPr>
-              <a:t>RBPs </a:t>
-            </a:r>
-            <a:r>
-              <a:rPr lang="de-DE" baseline="0" dirty="0" err="1" smtClean="0">
-                <a:sym typeface="Wingdings" panose="05000000000000000000" pitchFamily="2" charset="2"/>
-              </a:rPr>
-              <a:t>as</a:t>
-            </a:r>
-            <a:r>
-              <a:rPr lang="de-DE" baseline="0" dirty="0" smtClean="0">
-                <a:sym typeface="Wingdings" panose="05000000000000000000" pitchFamily="2" charset="2"/>
-              </a:rPr>
-              <a:t> an </a:t>
-            </a:r>
-            <a:r>
-              <a:rPr lang="de-DE" baseline="0" dirty="0" err="1" smtClean="0">
-                <a:sym typeface="Wingdings" panose="05000000000000000000" pitchFamily="2" charset="2"/>
-              </a:rPr>
-              <a:t>opportunity</a:t>
-            </a:r>
-            <a:r>
-              <a:rPr lang="de-DE" baseline="0" dirty="0" smtClean="0">
-                <a:sym typeface="Wingdings" panose="05000000000000000000" pitchFamily="2" charset="2"/>
-              </a:rPr>
-              <a:t>: </a:t>
-            </a:r>
-            <a:r>
-              <a:rPr lang="de-DE" baseline="0" dirty="0" err="1" smtClean="0">
-                <a:sym typeface="Wingdings" panose="05000000000000000000" pitchFamily="2" charset="2"/>
-              </a:rPr>
-              <a:t>involved</a:t>
-            </a:r>
-            <a:r>
-              <a:rPr lang="de-DE" baseline="0" dirty="0" smtClean="0">
-                <a:sym typeface="Wingdings" panose="05000000000000000000" pitchFamily="2" charset="2"/>
-              </a:rPr>
-              <a:t> in </a:t>
-            </a:r>
-            <a:r>
-              <a:rPr lang="de-DE" baseline="0" dirty="0" err="1" smtClean="0">
-                <a:sym typeface="Wingdings" panose="05000000000000000000" pitchFamily="2" charset="2"/>
-              </a:rPr>
-              <a:t>almost</a:t>
-            </a:r>
-            <a:r>
-              <a:rPr lang="de-DE" baseline="0" dirty="0" smtClean="0">
-                <a:sym typeface="Wingdings" panose="05000000000000000000" pitchFamily="2" charset="2"/>
-              </a:rPr>
-              <a:t> all </a:t>
-            </a:r>
-            <a:r>
-              <a:rPr lang="de-DE" baseline="0" dirty="0" err="1" smtClean="0">
-                <a:sym typeface="Wingdings" panose="05000000000000000000" pitchFamily="2" charset="2"/>
-              </a:rPr>
-              <a:t>cellular</a:t>
-            </a:r>
-            <a:r>
-              <a:rPr lang="de-DE" baseline="0" dirty="0" smtClean="0">
-                <a:sym typeface="Wingdings" panose="05000000000000000000" pitchFamily="2" charset="2"/>
-              </a:rPr>
-              <a:t> </a:t>
-            </a:r>
-            <a:r>
-              <a:rPr lang="de-DE" baseline="0" dirty="0" err="1" smtClean="0">
-                <a:sym typeface="Wingdings" panose="05000000000000000000" pitchFamily="2" charset="2"/>
-              </a:rPr>
-              <a:t>processes</a:t>
-            </a:r>
-            <a:endParaRPr lang="de-DE" baseline="0" dirty="0" smtClean="0">
-              <a:sym typeface="Wingdings" panose="05000000000000000000" pitchFamily="2" charset="2"/>
-            </a:endParaRPr>
-          </a:p>
-          <a:p>
-            <a:r>
-              <a:rPr lang="de-DE" baseline="0" dirty="0" err="1" smtClean="0">
-                <a:sym typeface="Wingdings" panose="05000000000000000000" pitchFamily="2" charset="2"/>
-              </a:rPr>
-              <a:t>Targeting</a:t>
-            </a:r>
-            <a:r>
-              <a:rPr lang="de-DE" baseline="0" dirty="0" smtClean="0">
-                <a:sym typeface="Wingdings" panose="05000000000000000000" pitchFamily="2" charset="2"/>
-              </a:rPr>
-              <a:t> RBPs </a:t>
-            </a:r>
-            <a:r>
-              <a:rPr lang="de-DE" baseline="0" dirty="0" err="1" smtClean="0">
-                <a:sym typeface="Wingdings" panose="05000000000000000000" pitchFamily="2" charset="2"/>
-              </a:rPr>
-              <a:t>could</a:t>
-            </a:r>
-            <a:r>
-              <a:rPr lang="de-DE" baseline="0" dirty="0" smtClean="0">
-                <a:sym typeface="Wingdings" panose="05000000000000000000" pitchFamily="2" charset="2"/>
-              </a:rPr>
-              <a:t> </a:t>
-            </a:r>
-            <a:r>
-              <a:rPr lang="de-DE" baseline="0" dirty="0" err="1" smtClean="0">
-                <a:sym typeface="Wingdings" panose="05000000000000000000" pitchFamily="2" charset="2"/>
-              </a:rPr>
-              <a:t>introduce</a:t>
-            </a:r>
-            <a:r>
-              <a:rPr lang="de-DE" baseline="0" dirty="0" smtClean="0">
-                <a:sym typeface="Wingdings" panose="05000000000000000000" pitchFamily="2" charset="2"/>
-              </a:rPr>
-              <a:t> a fundamental </a:t>
-            </a:r>
-            <a:r>
-              <a:rPr lang="de-DE" baseline="0" dirty="0" err="1" smtClean="0">
-                <a:sym typeface="Wingdings" panose="05000000000000000000" pitchFamily="2" charset="2"/>
-              </a:rPr>
-              <a:t>shift</a:t>
-            </a:r>
-            <a:r>
-              <a:rPr lang="de-DE" baseline="0" dirty="0" smtClean="0">
-                <a:sym typeface="Wingdings" panose="05000000000000000000" pitchFamily="2" charset="2"/>
-              </a:rPr>
-              <a:t> in </a:t>
-            </a:r>
-            <a:r>
-              <a:rPr lang="de-DE" baseline="0" dirty="0" err="1" smtClean="0">
-                <a:sym typeface="Wingdings" panose="05000000000000000000" pitchFamily="2" charset="2"/>
-              </a:rPr>
-              <a:t>medicine</a:t>
-            </a:r>
-            <a:endParaRPr lang="de-DE" dirty="0"/>
+              <a:t>actin</a:t>
+            </a:r>
+            <a:endParaRPr lang="de-DE" smtClean="0"/>
+          </a:p>
+          <a:p>
+            <a:endParaRPr lang="de-DE"/>
           </a:p>
         </p:txBody>
       </p:sp>
@@ -5955,7 +4953,7 @@
           <a:p>
             <a:fld id="{CAD725D7-3157-4FF7-8F2A-10244555D54B}" type="slidenum">
               <a:rPr lang="en-GB" smtClean="0"/>
-              <a:t>25</a:t>
+              <a:t>24</a:t>
             </a:fld>
             <a:endParaRPr lang="en-GB"/>
           </a:p>
@@ -5964,7 +4962,7 @@
     </p:spTree>
     <p:extLst>
       <p:ext uri="{BB962C8B-B14F-4D97-AF65-F5344CB8AC3E}">
-        <p14:creationId xmlns:p14="http://schemas.microsoft.com/office/powerpoint/2010/main" val="244220351"/>
+        <p14:creationId xmlns:p14="http://schemas.microsoft.com/office/powerpoint/2010/main" val="1293350120"/>
       </p:ext>
     </p:extLst>
   </p:cSld>
@@ -6018,121 +5016,1034 @@
           <a:bodyPr/>
           <a:lstStyle/>
           <a:p>
-            <a:r>
-              <a:rPr lang="de-DE" dirty="0" err="1"/>
-              <a:t>Why</a:t>
-            </a:r>
-            <a:r>
-              <a:rPr lang="de-DE" dirty="0"/>
-              <a:t> </a:t>
-            </a:r>
-            <a:r>
-              <a:rPr lang="de-DE" dirty="0" err="1"/>
-              <a:t>is</a:t>
-            </a:r>
-            <a:r>
-              <a:rPr lang="de-DE" dirty="0"/>
-              <a:t> </a:t>
-            </a:r>
-            <a:r>
-              <a:rPr lang="de-DE" dirty="0" err="1"/>
-              <a:t>it</a:t>
-            </a:r>
-            <a:r>
-              <a:rPr lang="de-DE" dirty="0"/>
-              <a:t> </a:t>
-            </a:r>
-            <a:r>
-              <a:rPr lang="de-DE" dirty="0" err="1"/>
-              <a:t>important</a:t>
-            </a:r>
-            <a:r>
-              <a:rPr lang="de-DE" dirty="0"/>
-              <a:t> </a:t>
-            </a:r>
-            <a:r>
-              <a:rPr lang="de-DE" dirty="0" err="1"/>
+            <a:endParaRPr lang="de-DE" dirty="0" smtClean="0"/>
+          </a:p>
+          <a:p>
+            <a:endParaRPr lang="de-DE" dirty="0" smtClean="0"/>
+          </a:p>
+          <a:p>
+            <a:r>
+              <a:rPr lang="de-DE" dirty="0" err="1" smtClean="0"/>
+              <a:t>By</a:t>
+            </a:r>
+            <a:r>
+              <a:rPr lang="de-DE" dirty="0" smtClean="0"/>
+              <a:t> </a:t>
+            </a:r>
+            <a:r>
+              <a:rPr lang="de-DE" dirty="0" err="1" smtClean="0"/>
+              <a:t>determining</a:t>
+            </a:r>
+            <a:r>
+              <a:rPr lang="de-DE" dirty="0" smtClean="0"/>
+              <a:t> </a:t>
+            </a:r>
+            <a:r>
+              <a:rPr lang="de-DE" dirty="0" err="1" smtClean="0"/>
+              <a:t>the</a:t>
+            </a:r>
+            <a:r>
+              <a:rPr lang="de-DE" dirty="0" smtClean="0"/>
+              <a:t> </a:t>
+            </a:r>
+            <a:r>
+              <a:rPr lang="de-DE" dirty="0" err="1" smtClean="0"/>
+              <a:t>maxime</a:t>
+            </a:r>
+            <a:r>
+              <a:rPr lang="de-DE" dirty="0" smtClean="0"/>
+              <a:t> in </a:t>
+            </a:r>
+            <a:r>
+              <a:rPr lang="de-DE" dirty="0" err="1" smtClean="0"/>
+              <a:t>protein</a:t>
+            </a:r>
+            <a:r>
+              <a:rPr lang="de-DE" dirty="0" smtClean="0"/>
+              <a:t> </a:t>
+            </a:r>
+            <a:r>
+              <a:rPr lang="de-DE" dirty="0" err="1" smtClean="0"/>
+              <a:t>samples</a:t>
+            </a:r>
+            <a:r>
+              <a:rPr lang="de-DE" dirty="0" smtClean="0"/>
+              <a:t> </a:t>
+            </a:r>
+            <a:r>
+              <a:rPr lang="de-DE" dirty="0" err="1" smtClean="0"/>
+              <a:t>that</a:t>
+            </a:r>
+            <a:r>
+              <a:rPr lang="de-DE" baseline="0" dirty="0" smtClean="0"/>
+              <a:t> </a:t>
+            </a:r>
+            <a:r>
+              <a:rPr lang="de-DE" baseline="0" dirty="0" err="1" smtClean="0"/>
+              <a:t>were</a:t>
+            </a:r>
+            <a:r>
+              <a:rPr lang="de-DE" baseline="0" dirty="0" smtClean="0"/>
+              <a:t> </a:t>
+            </a:r>
+            <a:r>
+              <a:rPr lang="de-DE" baseline="0" dirty="0" err="1" smtClean="0"/>
+              <a:t>left</a:t>
+            </a:r>
+            <a:r>
+              <a:rPr lang="de-DE" baseline="0" dirty="0" smtClean="0"/>
+              <a:t> </a:t>
+            </a:r>
+            <a:r>
+              <a:rPr lang="de-DE" baseline="0" dirty="0" err="1" smtClean="0"/>
+              <a:t>untreated</a:t>
+            </a:r>
+            <a:r>
+              <a:rPr lang="de-DE" baseline="0" dirty="0" smtClean="0"/>
+              <a:t> </a:t>
+            </a:r>
+            <a:r>
+              <a:rPr lang="de-DE" baseline="0" dirty="0" err="1" smtClean="0"/>
+              <a:t>or</a:t>
+            </a:r>
+            <a:r>
+              <a:rPr lang="de-DE" baseline="0" dirty="0" smtClean="0"/>
+              <a:t> </a:t>
+            </a:r>
+            <a:r>
+              <a:rPr lang="de-DE" baseline="0" dirty="0" err="1" smtClean="0"/>
+              <a:t>treated</a:t>
+            </a:r>
+            <a:r>
+              <a:rPr lang="de-DE" baseline="0" dirty="0" smtClean="0"/>
+              <a:t> </a:t>
+            </a:r>
+            <a:r>
+              <a:rPr lang="de-DE" baseline="0" dirty="0" err="1" smtClean="0"/>
+              <a:t>with</a:t>
+            </a:r>
+            <a:r>
+              <a:rPr lang="de-DE" baseline="0" dirty="0" smtClean="0"/>
+              <a:t> </a:t>
+            </a:r>
+            <a:r>
+              <a:rPr lang="de-DE" baseline="0" dirty="0" err="1" smtClean="0"/>
+              <a:t>RNAse</a:t>
+            </a:r>
+            <a:r>
+              <a:rPr lang="de-DE" baseline="0" dirty="0" smtClean="0"/>
+              <a:t> </a:t>
+            </a:r>
+            <a:r>
+              <a:rPr lang="de-DE" baseline="0" dirty="0" err="1" smtClean="0"/>
+              <a:t>and</a:t>
+            </a:r>
+            <a:r>
+              <a:rPr lang="de-DE" baseline="0" dirty="0" smtClean="0"/>
+              <a:t> </a:t>
+            </a:r>
+            <a:r>
+              <a:rPr lang="de-DE" baseline="0" dirty="0" err="1" smtClean="0"/>
+              <a:t>looking</a:t>
+            </a:r>
+            <a:r>
+              <a:rPr lang="de-DE" baseline="0" dirty="0" smtClean="0"/>
+              <a:t> </a:t>
+            </a:r>
+            <a:r>
+              <a:rPr lang="de-DE" baseline="0" dirty="0" err="1" smtClean="0"/>
+              <a:t>for</a:t>
+            </a:r>
+            <a:r>
+              <a:rPr lang="de-DE" baseline="0" dirty="0" smtClean="0"/>
+              <a:t> </a:t>
+            </a:r>
+            <a:r>
+              <a:rPr lang="de-DE" baseline="0" dirty="0" err="1" smtClean="0"/>
+              <a:t>shifts</a:t>
+            </a:r>
+            <a:r>
+              <a:rPr lang="de-DE" baseline="0" dirty="0" smtClean="0"/>
+              <a:t>, </a:t>
+            </a:r>
+            <a:r>
+              <a:rPr lang="de-DE" baseline="0" dirty="0" err="1" smtClean="0"/>
+              <a:t>we</a:t>
+            </a:r>
+            <a:r>
+              <a:rPr lang="de-DE" baseline="0" dirty="0" smtClean="0"/>
+              <a:t> </a:t>
+            </a:r>
+            <a:r>
+              <a:rPr lang="de-DE" baseline="0" dirty="0" err="1" smtClean="0"/>
+              <a:t>were</a:t>
+            </a:r>
+            <a:r>
+              <a:rPr lang="de-DE" baseline="0" dirty="0" smtClean="0"/>
+              <a:t> </a:t>
+            </a:r>
+            <a:r>
+              <a:rPr lang="de-DE" baseline="0" dirty="0" err="1" smtClean="0"/>
+              <a:t>able</a:t>
+            </a:r>
+            <a:r>
+              <a:rPr lang="de-DE" baseline="0" dirty="0" smtClean="0"/>
+              <a:t> </a:t>
+            </a:r>
+            <a:r>
+              <a:rPr lang="de-DE" baseline="0" dirty="0" err="1" smtClean="0"/>
               <a:t>to</a:t>
             </a:r>
             <a:r>
-              <a:rPr lang="de-DE" dirty="0"/>
-              <a:t> </a:t>
-            </a:r>
-            <a:r>
-              <a:rPr lang="de-DE" dirty="0" err="1"/>
-              <a:t>know</a:t>
-            </a:r>
-            <a:r>
-              <a:rPr lang="de-DE" dirty="0"/>
-              <a:t> </a:t>
-            </a:r>
-            <a:r>
-              <a:rPr lang="de-DE" dirty="0" err="1"/>
-              <a:t>more</a:t>
-            </a:r>
-            <a:r>
-              <a:rPr lang="de-DE" baseline="0" dirty="0"/>
-              <a:t> </a:t>
-            </a:r>
-            <a:r>
-              <a:rPr lang="de-DE" baseline="0" dirty="0" err="1"/>
-              <a:t>about</a:t>
-            </a:r>
-            <a:r>
-              <a:rPr lang="de-DE" baseline="0" dirty="0"/>
-              <a:t> RBPs </a:t>
-            </a:r>
-            <a:r>
-              <a:rPr lang="de-DE" baseline="0" dirty="0">
+              <a:rPr lang="de-DE" baseline="0" dirty="0" smtClean="0"/>
+              <a:t> </a:t>
+            </a:r>
+            <a:r>
+              <a:rPr lang="de-DE" baseline="0" dirty="0" err="1" smtClean="0"/>
+              <a:t>determine</a:t>
+            </a:r>
+            <a:r>
+              <a:rPr lang="de-DE" baseline="0" dirty="0" smtClean="0"/>
+              <a:t> </a:t>
+            </a:r>
+            <a:r>
+              <a:rPr lang="de-DE" baseline="0" dirty="0" err="1" smtClean="0"/>
+              <a:t>which</a:t>
+            </a:r>
+            <a:r>
+              <a:rPr lang="de-DE" baseline="0" dirty="0" smtClean="0"/>
+              <a:t> </a:t>
+            </a:r>
+            <a:r>
+              <a:rPr lang="de-DE" baseline="0" dirty="0" err="1" smtClean="0"/>
+              <a:t>proteins</a:t>
+            </a:r>
+            <a:r>
+              <a:rPr lang="de-DE" baseline="0" dirty="0" smtClean="0"/>
+              <a:t> bind RNA/</a:t>
+            </a:r>
+            <a:r>
+              <a:rPr lang="de-DE" baseline="0" dirty="0" err="1" smtClean="0"/>
+              <a:t>whose</a:t>
+            </a:r>
+            <a:r>
+              <a:rPr lang="de-DE" baseline="0" dirty="0" smtClean="0"/>
+              <a:t> </a:t>
+            </a:r>
+            <a:r>
+              <a:rPr lang="de-DE" baseline="0" dirty="0" err="1" smtClean="0"/>
+              <a:t>interactome</a:t>
+            </a:r>
+            <a:r>
+              <a:rPr lang="de-DE" baseline="0" dirty="0" smtClean="0"/>
+              <a:t> </a:t>
+            </a:r>
+            <a:r>
+              <a:rPr lang="de-DE" baseline="0" dirty="0" err="1" smtClean="0"/>
+              <a:t>depends</a:t>
+            </a:r>
+            <a:r>
+              <a:rPr lang="de-DE" baseline="0" dirty="0" smtClean="0"/>
+              <a:t> on RNA</a:t>
+            </a:r>
+          </a:p>
+          <a:p>
+            <a:endParaRPr lang="de-DE" baseline="0" dirty="0" smtClean="0"/>
+          </a:p>
+          <a:p>
+            <a:r>
+              <a:rPr lang="de-DE" baseline="0" dirty="0" err="1" smtClean="0"/>
+              <a:t>They</a:t>
+            </a:r>
+            <a:r>
+              <a:rPr lang="de-DE" baseline="0" dirty="0" smtClean="0"/>
+              <a:t> </a:t>
+            </a:r>
+            <a:r>
+              <a:rPr lang="de-DE" baseline="0" dirty="0" err="1" smtClean="0"/>
+              <a:t>can</a:t>
+            </a:r>
+            <a:r>
+              <a:rPr lang="de-DE" baseline="0" dirty="0" smtClean="0"/>
+              <a:t> </a:t>
+            </a:r>
+            <a:r>
+              <a:rPr lang="de-DE" baseline="0" dirty="0" err="1" smtClean="0"/>
+              <a:t>occur</a:t>
+            </a:r>
+            <a:r>
+              <a:rPr lang="de-DE" baseline="0" dirty="0" smtClean="0"/>
+              <a:t> in </a:t>
+            </a:r>
+            <a:r>
+              <a:rPr lang="de-DE" baseline="0" dirty="0" err="1" smtClean="0"/>
+              <a:t>both</a:t>
+            </a:r>
+            <a:r>
+              <a:rPr lang="de-DE" baseline="0" dirty="0" smtClean="0"/>
+              <a:t> </a:t>
+            </a:r>
+            <a:r>
+              <a:rPr lang="de-DE" baseline="0" dirty="0" err="1" smtClean="0"/>
+              <a:t>phases</a:t>
+            </a:r>
+            <a:r>
+              <a:rPr lang="de-DE" baseline="0" dirty="0" smtClean="0"/>
+              <a:t> </a:t>
+            </a:r>
+            <a:r>
+              <a:rPr lang="de-DE" baseline="0" dirty="0" err="1" smtClean="0"/>
+              <a:t>of</a:t>
+            </a:r>
+            <a:r>
+              <a:rPr lang="de-DE" baseline="0" dirty="0" smtClean="0"/>
+              <a:t> </a:t>
+            </a:r>
+            <a:r>
+              <a:rPr lang="de-DE" baseline="0" dirty="0" err="1" smtClean="0"/>
+              <a:t>the</a:t>
+            </a:r>
+            <a:r>
+              <a:rPr lang="de-DE" baseline="0" dirty="0" smtClean="0"/>
+              <a:t> </a:t>
+            </a:r>
+            <a:r>
+              <a:rPr lang="de-DE" baseline="0" dirty="0" err="1" smtClean="0"/>
+              <a:t>cell</a:t>
+            </a:r>
+            <a:r>
+              <a:rPr lang="de-DE" baseline="0" dirty="0" smtClean="0"/>
+              <a:t> </a:t>
+            </a:r>
+            <a:r>
+              <a:rPr lang="de-DE" baseline="0" dirty="0" err="1" smtClean="0"/>
+              <a:t>cycle</a:t>
+            </a:r>
+            <a:r>
+              <a:rPr lang="de-DE" baseline="0" dirty="0" smtClean="0"/>
+              <a:t>, </a:t>
+            </a:r>
+            <a:r>
+              <a:rPr lang="de-DE" baseline="0" dirty="0" err="1" smtClean="0"/>
+              <a:t>or</a:t>
+            </a:r>
+            <a:r>
+              <a:rPr lang="de-DE" baseline="0" dirty="0" smtClean="0"/>
+              <a:t> just in </a:t>
+            </a:r>
+            <a:r>
+              <a:rPr lang="de-DE" baseline="0" dirty="0" err="1" smtClean="0"/>
+              <a:t>one</a:t>
+            </a:r>
+            <a:r>
+              <a:rPr lang="de-DE" baseline="0" dirty="0" smtClean="0"/>
+              <a:t> </a:t>
+            </a:r>
+            <a:r>
+              <a:rPr lang="de-DE" baseline="0" dirty="0" err="1" smtClean="0"/>
+              <a:t>of</a:t>
+            </a:r>
+            <a:r>
+              <a:rPr lang="de-DE" baseline="0" dirty="0" smtClean="0"/>
+              <a:t> </a:t>
+            </a:r>
+            <a:r>
+              <a:rPr lang="de-DE" baseline="0" dirty="0" err="1" smtClean="0"/>
+              <a:t>them</a:t>
+            </a:r>
+            <a:r>
+              <a:rPr lang="de-DE" baseline="0" dirty="0" smtClean="0"/>
+              <a:t>, </a:t>
+            </a:r>
+            <a:r>
+              <a:rPr lang="de-DE" baseline="0" dirty="0" err="1" smtClean="0"/>
+              <a:t>showing</a:t>
+            </a:r>
+            <a:r>
+              <a:rPr lang="de-DE" baseline="0" dirty="0" smtClean="0"/>
+              <a:t> </a:t>
+            </a:r>
+            <a:r>
+              <a:rPr lang="de-DE" baseline="0" dirty="0" err="1" smtClean="0"/>
+              <a:t>they</a:t>
+            </a:r>
+            <a:r>
+              <a:rPr lang="de-DE" baseline="0" dirty="0" smtClean="0"/>
+              <a:t> </a:t>
+            </a:r>
+            <a:r>
+              <a:rPr lang="de-DE" baseline="0" dirty="0" err="1" smtClean="0"/>
+              <a:t>respond</a:t>
+            </a:r>
+            <a:r>
+              <a:rPr lang="de-DE" baseline="0" dirty="0" smtClean="0"/>
+              <a:t> </a:t>
+            </a:r>
+            <a:r>
+              <a:rPr lang="de-DE" baseline="0" dirty="0" err="1" smtClean="0"/>
+              <a:t>to</a:t>
+            </a:r>
+            <a:r>
+              <a:rPr lang="de-DE" baseline="0" dirty="0" smtClean="0"/>
+              <a:t> </a:t>
+            </a:r>
+            <a:r>
+              <a:rPr lang="de-DE" baseline="0" dirty="0" err="1" smtClean="0"/>
+              <a:t>cellular</a:t>
+            </a:r>
+            <a:r>
+              <a:rPr lang="de-DE" baseline="0" dirty="0" smtClean="0"/>
+              <a:t> </a:t>
+            </a:r>
+            <a:r>
+              <a:rPr lang="de-DE" baseline="0" dirty="0" err="1" smtClean="0"/>
+              <a:t>and</a:t>
+            </a:r>
+            <a:r>
+              <a:rPr lang="de-DE" baseline="0" dirty="0" smtClean="0"/>
+              <a:t> environmental </a:t>
+            </a:r>
+            <a:r>
+              <a:rPr lang="de-DE" baseline="0" dirty="0" err="1" smtClean="0"/>
+              <a:t>stimuli</a:t>
+            </a:r>
+            <a:r>
+              <a:rPr lang="de-DE" baseline="0" dirty="0" smtClean="0"/>
+              <a:t>, </a:t>
+            </a:r>
+            <a:r>
+              <a:rPr lang="de-DE" baseline="0" dirty="0" err="1" smtClean="0"/>
+              <a:t>thereby</a:t>
+            </a:r>
+            <a:r>
+              <a:rPr lang="de-DE" baseline="0" dirty="0" smtClean="0"/>
+              <a:t> </a:t>
+            </a:r>
+            <a:r>
+              <a:rPr lang="de-DE" baseline="0" dirty="0" err="1" smtClean="0"/>
+              <a:t>enabeling</a:t>
+            </a:r>
+            <a:r>
+              <a:rPr lang="de-DE" baseline="0" dirty="0" smtClean="0"/>
+              <a:t> a </a:t>
+            </a:r>
+            <a:r>
+              <a:rPr lang="de-DE" baseline="0" dirty="0" err="1" smtClean="0"/>
+              <a:t>fine</a:t>
+            </a:r>
+            <a:r>
+              <a:rPr lang="de-DE" baseline="0" dirty="0" smtClean="0"/>
+              <a:t> </a:t>
+            </a:r>
+            <a:r>
+              <a:rPr lang="de-DE" baseline="0" dirty="0" err="1" smtClean="0"/>
+              <a:t>tuned</a:t>
+            </a:r>
+            <a:r>
+              <a:rPr lang="de-DE" baseline="0" dirty="0" smtClean="0"/>
+              <a:t> </a:t>
+            </a:r>
+            <a:r>
+              <a:rPr lang="de-DE" baseline="0" dirty="0" err="1" smtClean="0"/>
+              <a:t>regulation</a:t>
+            </a:r>
+            <a:r>
+              <a:rPr lang="de-DE" baseline="0" dirty="0" smtClean="0"/>
+              <a:t> </a:t>
+            </a:r>
+            <a:r>
+              <a:rPr lang="de-DE" baseline="0" dirty="0" err="1" smtClean="0"/>
+              <a:t>of</a:t>
+            </a:r>
+            <a:r>
+              <a:rPr lang="de-DE" baseline="0" dirty="0" smtClean="0"/>
+              <a:t> RNA in all </a:t>
+            </a:r>
+            <a:r>
+              <a:rPr lang="de-DE" baseline="0" dirty="0" err="1" smtClean="0"/>
+              <a:t>phases</a:t>
+            </a:r>
+            <a:r>
+              <a:rPr lang="de-DE" baseline="0" dirty="0" smtClean="0"/>
+              <a:t> </a:t>
+            </a:r>
+            <a:r>
+              <a:rPr lang="de-DE" baseline="0" dirty="0" err="1" smtClean="0"/>
+              <a:t>of</a:t>
+            </a:r>
+            <a:r>
+              <a:rPr lang="de-DE" baseline="0" dirty="0" smtClean="0"/>
+              <a:t> </a:t>
+            </a:r>
+            <a:r>
+              <a:rPr lang="de-DE" baseline="0" dirty="0" err="1" smtClean="0"/>
+              <a:t>the</a:t>
+            </a:r>
+            <a:r>
+              <a:rPr lang="de-DE" baseline="0" dirty="0" smtClean="0"/>
+              <a:t> </a:t>
+            </a:r>
+            <a:r>
+              <a:rPr lang="de-DE" baseline="0" dirty="0" err="1" smtClean="0"/>
+              <a:t>cell</a:t>
+            </a:r>
+            <a:r>
+              <a:rPr lang="de-DE" baseline="0" dirty="0" smtClean="0"/>
+              <a:t> </a:t>
+            </a:r>
+            <a:r>
+              <a:rPr lang="de-DE" baseline="0" dirty="0" err="1" smtClean="0"/>
+              <a:t>cycle</a:t>
+            </a:r>
+            <a:r>
+              <a:rPr lang="de-DE" baseline="0" dirty="0" smtClean="0"/>
+              <a:t>. </a:t>
+            </a:r>
+          </a:p>
+          <a:p>
+            <a:endParaRPr lang="de-DE" baseline="0" dirty="0" smtClean="0"/>
+          </a:p>
+          <a:p>
+            <a:endParaRPr lang="de-DE" baseline="0" dirty="0" smtClean="0"/>
+          </a:p>
+          <a:p>
+            <a:endParaRPr lang="de-DE" baseline="0" dirty="0" smtClean="0"/>
+          </a:p>
+          <a:p>
+            <a:pPr marL="285750" indent="-285750">
+              <a:buFont typeface="Arial" panose="020B0604020202020204" pitchFamily="34" charset="0"/>
+              <a:buChar char="•"/>
+            </a:pPr>
+            <a:r>
+              <a:rPr lang="de-DE" dirty="0" smtClean="0"/>
+              <a:t>RBPs </a:t>
+            </a:r>
+            <a:r>
+              <a:rPr lang="de-DE" dirty="0" err="1" smtClean="0"/>
+              <a:t>occur</a:t>
+            </a:r>
+            <a:r>
+              <a:rPr lang="de-DE" dirty="0" smtClean="0"/>
+              <a:t> in </a:t>
+            </a:r>
+            <a:r>
+              <a:rPr lang="de-DE" dirty="0" err="1" smtClean="0"/>
+              <a:t>Mitosis</a:t>
+            </a:r>
+            <a:r>
+              <a:rPr lang="de-DE" dirty="0" smtClean="0"/>
+              <a:t> </a:t>
+            </a:r>
+            <a:r>
+              <a:rPr lang="de-DE" dirty="0" err="1" smtClean="0"/>
+              <a:t>and</a:t>
+            </a:r>
+            <a:r>
+              <a:rPr lang="de-DE" dirty="0" smtClean="0"/>
+              <a:t> Interphase</a:t>
+            </a:r>
+          </a:p>
+          <a:p>
+            <a:pPr marL="285750" indent="-285750">
+              <a:buFont typeface="Arial" panose="020B0604020202020204" pitchFamily="34" charset="0"/>
+              <a:buChar char="•"/>
+            </a:pPr>
+            <a:r>
+              <a:rPr lang="de-DE" dirty="0" smtClean="0"/>
+              <a:t>Can </a:t>
+            </a:r>
+            <a:r>
+              <a:rPr lang="de-DE" dirty="0" err="1" smtClean="0"/>
+              <a:t>be</a:t>
+            </a:r>
+            <a:r>
+              <a:rPr lang="de-DE" dirty="0" smtClean="0"/>
+              <a:t> </a:t>
+            </a:r>
+            <a:r>
+              <a:rPr lang="de-DE" dirty="0" err="1" smtClean="0"/>
+              <a:t>cell-cycle</a:t>
+            </a:r>
+            <a:r>
+              <a:rPr lang="de-DE" dirty="0" smtClean="0"/>
+              <a:t> </a:t>
+            </a:r>
+            <a:r>
+              <a:rPr lang="de-DE" dirty="0" err="1" smtClean="0"/>
+              <a:t>dependent</a:t>
+            </a:r>
+            <a:r>
+              <a:rPr lang="de-DE" dirty="0" smtClean="0"/>
+              <a:t> </a:t>
+            </a:r>
+            <a:r>
+              <a:rPr lang="de-DE" dirty="0" err="1" smtClean="0"/>
+              <a:t>or</a:t>
+            </a:r>
+            <a:r>
+              <a:rPr lang="de-DE" dirty="0" smtClean="0"/>
+              <a:t> </a:t>
+            </a:r>
+            <a:r>
+              <a:rPr lang="de-DE" dirty="0" err="1" smtClean="0"/>
+              <a:t>expressed</a:t>
+            </a:r>
+            <a:r>
+              <a:rPr lang="de-DE" dirty="0" smtClean="0"/>
+              <a:t> </a:t>
+            </a:r>
+            <a:r>
+              <a:rPr lang="de-DE" dirty="0" err="1" smtClean="0"/>
+              <a:t>constitutively</a:t>
+            </a:r>
+            <a:endParaRPr lang="de-DE" dirty="0" smtClean="0"/>
+          </a:p>
+          <a:p>
+            <a:pPr marL="285750" indent="-285750">
+              <a:buFont typeface="Arial" panose="020B0604020202020204" pitchFamily="34" charset="0"/>
+              <a:buChar char="•"/>
+            </a:pPr>
+            <a:r>
+              <a:rPr lang="de-DE" dirty="0" err="1" smtClean="0"/>
+              <a:t>Right</a:t>
+            </a:r>
+            <a:r>
+              <a:rPr lang="de-DE" dirty="0" smtClean="0"/>
+              <a:t> </a:t>
+            </a:r>
+            <a:r>
+              <a:rPr lang="de-DE" dirty="0" err="1" smtClean="0"/>
+              <a:t>shifts</a:t>
+            </a:r>
+            <a:r>
+              <a:rPr lang="de-DE" dirty="0" smtClean="0"/>
+              <a:t> &amp; </a:t>
+            </a:r>
+            <a:r>
+              <a:rPr lang="de-DE" dirty="0" err="1" smtClean="0"/>
+              <a:t>left</a:t>
+            </a:r>
+            <a:r>
+              <a:rPr lang="de-DE" dirty="0" smtClean="0"/>
+              <a:t> </a:t>
+            </a:r>
+            <a:r>
+              <a:rPr lang="de-DE" dirty="0" err="1" smtClean="0"/>
+              <a:t>shifts</a:t>
+            </a:r>
+            <a:endParaRPr lang="de-DE" dirty="0" smtClean="0"/>
+          </a:p>
+          <a:p>
+            <a:r>
+              <a:rPr lang="de-DE" baseline="0" dirty="0" err="1" smtClean="0"/>
+              <a:t>Left</a:t>
+            </a:r>
+            <a:r>
+              <a:rPr lang="de-DE" baseline="0" dirty="0" smtClean="0"/>
+              <a:t> </a:t>
+            </a:r>
+            <a:r>
+              <a:rPr lang="de-DE" baseline="0" dirty="0" err="1" smtClean="0"/>
+              <a:t>shift</a:t>
+            </a:r>
+            <a:r>
+              <a:rPr lang="de-DE" baseline="0" dirty="0" smtClean="0"/>
+              <a:t>: Protein loses </a:t>
+            </a:r>
+            <a:r>
+              <a:rPr lang="de-DE" baseline="0" dirty="0" err="1" smtClean="0"/>
+              <a:t>interaction</a:t>
+            </a:r>
+            <a:r>
+              <a:rPr lang="de-DE" baseline="0" dirty="0" smtClean="0"/>
+              <a:t> </a:t>
+            </a:r>
+            <a:r>
+              <a:rPr lang="de-DE" baseline="0" dirty="0" err="1" smtClean="0"/>
+              <a:t>partners</a:t>
+            </a:r>
+            <a:r>
+              <a:rPr lang="de-DE" baseline="0" dirty="0" smtClean="0"/>
+              <a:t> after </a:t>
+            </a:r>
+            <a:r>
+              <a:rPr lang="de-DE" baseline="0" dirty="0" err="1" smtClean="0"/>
+              <a:t>Rnase</a:t>
+            </a:r>
+            <a:r>
+              <a:rPr lang="de-DE" baseline="0" dirty="0" smtClean="0"/>
+              <a:t> </a:t>
+            </a:r>
+            <a:r>
+              <a:rPr lang="de-DE" baseline="0" dirty="0" err="1" smtClean="0"/>
+              <a:t>treatment</a:t>
+            </a:r>
+            <a:r>
+              <a:rPr lang="de-DE" baseline="0" dirty="0" smtClean="0"/>
+              <a:t> </a:t>
+            </a:r>
+            <a:r>
+              <a:rPr lang="de-DE" baseline="0" dirty="0" smtClean="0">
                 <a:sym typeface="Wingdings" panose="05000000000000000000" pitchFamily="2" charset="2"/>
               </a:rPr>
               <a:t> </a:t>
             </a:r>
             <a:r>
-              <a:rPr lang="de-DE" baseline="0" dirty="0" err="1">
+              <a:rPr lang="de-DE" baseline="0" dirty="0" err="1" smtClean="0">
                 <a:sym typeface="Wingdings" panose="05000000000000000000" pitchFamily="2" charset="2"/>
               </a:rPr>
-              <a:t>severe</a:t>
-            </a:r>
-            <a:r>
-              <a:rPr lang="de-DE" baseline="0" dirty="0">
+              <a:t>most</a:t>
+            </a:r>
+            <a:r>
+              <a:rPr lang="de-DE" baseline="0" dirty="0" smtClean="0">
                 <a:sym typeface="Wingdings" panose="05000000000000000000" pitchFamily="2" charset="2"/>
               </a:rPr>
               <a:t> </a:t>
             </a:r>
             <a:r>
-              <a:rPr lang="de-DE" baseline="0" dirty="0" err="1">
+              <a:rPr lang="de-DE" baseline="0" dirty="0" err="1" smtClean="0">
                 <a:sym typeface="Wingdings" panose="05000000000000000000" pitchFamily="2" charset="2"/>
               </a:rPr>
-              <a:t>diseases</a:t>
-            </a:r>
-            <a:r>
-              <a:rPr lang="de-DE" baseline="0" dirty="0">
+              <a:t>likely</a:t>
+            </a:r>
+            <a:r>
+              <a:rPr lang="de-DE" baseline="0" dirty="0" smtClean="0">
                 <a:sym typeface="Wingdings" panose="05000000000000000000" pitchFamily="2" charset="2"/>
               </a:rPr>
               <a:t> </a:t>
             </a:r>
             <a:r>
-              <a:rPr lang="de-DE" baseline="0" dirty="0" err="1">
+              <a:rPr lang="de-DE" baseline="0" dirty="0" err="1" smtClean="0">
                 <a:sym typeface="Wingdings" panose="05000000000000000000" pitchFamily="2" charset="2"/>
               </a:rPr>
-              <a:t>when</a:t>
-            </a:r>
-            <a:r>
-              <a:rPr lang="de-DE" baseline="0" dirty="0">
+              <a:t>directly</a:t>
+            </a:r>
+            <a:r>
+              <a:rPr lang="de-DE" baseline="0" dirty="0" smtClean="0">
                 <a:sym typeface="Wingdings" panose="05000000000000000000" pitchFamily="2" charset="2"/>
               </a:rPr>
-              <a:t> </a:t>
-            </a:r>
-            <a:r>
-              <a:rPr lang="de-DE" baseline="0" dirty="0" err="1">
+              <a:t> RNA </a:t>
+            </a:r>
+            <a:r>
+              <a:rPr lang="de-DE" baseline="0" dirty="0" err="1" smtClean="0">
                 <a:sym typeface="Wingdings" panose="05000000000000000000" pitchFamily="2" charset="2"/>
               </a:rPr>
-              <a:t>malfunctioning</a:t>
-            </a:r>
-            <a:endParaRPr lang="de-DE" baseline="0" dirty="0">
+              <a:t>binding</a:t>
+            </a:r>
+            <a:endParaRPr lang="de-DE" baseline="0" dirty="0" smtClean="0">
               <a:sym typeface="Wingdings" panose="05000000000000000000" pitchFamily="2" charset="2"/>
             </a:endParaRPr>
+          </a:p>
+          <a:p>
+            <a:r>
+              <a:rPr lang="de-DE" baseline="0" dirty="0" err="1" smtClean="0">
+                <a:sym typeface="Wingdings" panose="05000000000000000000" pitchFamily="2" charset="2"/>
+              </a:rPr>
+              <a:t>Right</a:t>
+            </a:r>
+            <a:r>
+              <a:rPr lang="de-DE" baseline="0" dirty="0" smtClean="0">
+                <a:sym typeface="Wingdings" panose="05000000000000000000" pitchFamily="2" charset="2"/>
+              </a:rPr>
+              <a:t> </a:t>
+            </a:r>
+            <a:r>
+              <a:rPr lang="de-DE" baseline="0" dirty="0" err="1" smtClean="0">
+                <a:sym typeface="Wingdings" panose="05000000000000000000" pitchFamily="2" charset="2"/>
+              </a:rPr>
+              <a:t>shift</a:t>
+            </a:r>
+            <a:r>
+              <a:rPr lang="de-DE" baseline="0" dirty="0" smtClean="0">
+                <a:sym typeface="Wingdings" panose="05000000000000000000" pitchFamily="2" charset="2"/>
+              </a:rPr>
+              <a:t>: Protein </a:t>
+            </a:r>
+            <a:r>
+              <a:rPr lang="de-DE" baseline="0" dirty="0" err="1" smtClean="0">
+                <a:sym typeface="Wingdings" panose="05000000000000000000" pitchFamily="2" charset="2"/>
+              </a:rPr>
+              <a:t>gains</a:t>
+            </a:r>
+            <a:r>
+              <a:rPr lang="de-DE" baseline="0" dirty="0" smtClean="0">
+                <a:sym typeface="Wingdings" panose="05000000000000000000" pitchFamily="2" charset="2"/>
+              </a:rPr>
+              <a:t> </a:t>
+            </a:r>
+            <a:r>
+              <a:rPr lang="de-DE" baseline="0" dirty="0" err="1" smtClean="0">
+                <a:sym typeface="Wingdings" panose="05000000000000000000" pitchFamily="2" charset="2"/>
+              </a:rPr>
+              <a:t>interaction</a:t>
+            </a:r>
+            <a:r>
+              <a:rPr lang="de-DE" baseline="0" dirty="0" smtClean="0">
+                <a:sym typeface="Wingdings" panose="05000000000000000000" pitchFamily="2" charset="2"/>
+              </a:rPr>
+              <a:t> </a:t>
+            </a:r>
+            <a:r>
+              <a:rPr lang="de-DE" baseline="0" dirty="0" err="1" smtClean="0">
+                <a:sym typeface="Wingdings" panose="05000000000000000000" pitchFamily="2" charset="2"/>
+              </a:rPr>
+              <a:t>partners</a:t>
+            </a:r>
+            <a:r>
+              <a:rPr lang="de-DE" baseline="0" dirty="0" smtClean="0">
+                <a:sym typeface="Wingdings" panose="05000000000000000000" pitchFamily="2" charset="2"/>
+              </a:rPr>
+              <a:t>: RNA </a:t>
+            </a:r>
+            <a:r>
+              <a:rPr lang="de-DE" baseline="0" dirty="0" err="1" smtClean="0">
+                <a:sym typeface="Wingdings" panose="05000000000000000000" pitchFamily="2" charset="2"/>
+              </a:rPr>
+              <a:t>dependent</a:t>
+            </a:r>
+            <a:r>
+              <a:rPr lang="de-DE" baseline="0" dirty="0" smtClean="0">
+                <a:sym typeface="Wingdings" panose="05000000000000000000" pitchFamily="2" charset="2"/>
+              </a:rPr>
+              <a:t>, </a:t>
+            </a:r>
+            <a:r>
+              <a:rPr lang="de-DE" baseline="0" dirty="0" err="1" smtClean="0">
+                <a:sym typeface="Wingdings" panose="05000000000000000000" pitchFamily="2" charset="2"/>
+              </a:rPr>
+              <a:t>by</a:t>
+            </a:r>
+            <a:r>
+              <a:rPr lang="de-DE" baseline="0" dirty="0" smtClean="0">
+                <a:sym typeface="Wingdings" panose="05000000000000000000" pitchFamily="2" charset="2"/>
+              </a:rPr>
+              <a:t> </a:t>
+            </a:r>
+            <a:r>
+              <a:rPr lang="de-DE" baseline="0" dirty="0" err="1" smtClean="0">
+                <a:sym typeface="Wingdings" panose="05000000000000000000" pitchFamily="2" charset="2"/>
+              </a:rPr>
+              <a:t>loosing</a:t>
+            </a:r>
+            <a:r>
+              <a:rPr lang="de-DE" baseline="0" dirty="0" smtClean="0">
+                <a:sym typeface="Wingdings" panose="05000000000000000000" pitchFamily="2" charset="2"/>
+              </a:rPr>
+              <a:t> RNA </a:t>
+            </a:r>
+            <a:r>
+              <a:rPr lang="de-DE" baseline="0" dirty="0" err="1" smtClean="0">
+                <a:sym typeface="Wingdings" panose="05000000000000000000" pitchFamily="2" charset="2"/>
+              </a:rPr>
+              <a:t>other</a:t>
+            </a:r>
+            <a:r>
+              <a:rPr lang="de-DE" baseline="0" dirty="0" smtClean="0">
+                <a:sym typeface="Wingdings" panose="05000000000000000000" pitchFamily="2" charset="2"/>
+              </a:rPr>
+              <a:t> </a:t>
+            </a:r>
+            <a:r>
+              <a:rPr lang="de-DE" baseline="0" dirty="0" err="1" smtClean="0">
+                <a:sym typeface="Wingdings" panose="05000000000000000000" pitchFamily="2" charset="2"/>
+              </a:rPr>
+              <a:t>binding</a:t>
+            </a:r>
+            <a:r>
+              <a:rPr lang="de-DE" baseline="0" dirty="0" smtClean="0">
+                <a:sym typeface="Wingdings" panose="05000000000000000000" pitchFamily="2" charset="2"/>
+              </a:rPr>
+              <a:t> </a:t>
+            </a:r>
+            <a:r>
+              <a:rPr lang="de-DE" baseline="0" dirty="0" err="1" smtClean="0">
+                <a:sym typeface="Wingdings" panose="05000000000000000000" pitchFamily="2" charset="2"/>
+              </a:rPr>
+              <a:t>sites</a:t>
+            </a:r>
+            <a:r>
+              <a:rPr lang="de-DE" baseline="0" dirty="0" smtClean="0">
+                <a:sym typeface="Wingdings" panose="05000000000000000000" pitchFamily="2" charset="2"/>
+              </a:rPr>
+              <a:t> </a:t>
+            </a:r>
+            <a:r>
+              <a:rPr lang="de-DE" baseline="0" dirty="0" err="1" smtClean="0">
+                <a:sym typeface="Wingdings" panose="05000000000000000000" pitchFamily="2" charset="2"/>
+              </a:rPr>
+              <a:t>could</a:t>
+            </a:r>
+            <a:r>
+              <a:rPr lang="de-DE" baseline="0" dirty="0" smtClean="0">
+                <a:sym typeface="Wingdings" panose="05000000000000000000" pitchFamily="2" charset="2"/>
+              </a:rPr>
+              <a:t> </a:t>
+            </a:r>
+            <a:r>
+              <a:rPr lang="de-DE" baseline="0" dirty="0" err="1" smtClean="0">
+                <a:sym typeface="Wingdings" panose="05000000000000000000" pitchFamily="2" charset="2"/>
+              </a:rPr>
+              <a:t>become</a:t>
+            </a:r>
+            <a:r>
+              <a:rPr lang="de-DE" baseline="0" dirty="0" smtClean="0">
+                <a:sym typeface="Wingdings" panose="05000000000000000000" pitchFamily="2" charset="2"/>
+              </a:rPr>
+              <a:t> </a:t>
+            </a:r>
+            <a:r>
+              <a:rPr lang="de-DE" baseline="0" dirty="0" err="1" smtClean="0">
+                <a:sym typeface="Wingdings" panose="05000000000000000000" pitchFamily="2" charset="2"/>
+              </a:rPr>
+              <a:t>available</a:t>
+            </a:r>
+            <a:endParaRPr lang="de-DE" baseline="0" dirty="0" smtClean="0">
+              <a:sym typeface="Wingdings" panose="05000000000000000000" pitchFamily="2" charset="2"/>
+            </a:endParaRPr>
+          </a:p>
+          <a:p>
+            <a:endParaRPr lang="de-DE" baseline="0" dirty="0" smtClean="0">
+              <a:sym typeface="Wingdings" panose="05000000000000000000" pitchFamily="2" charset="2"/>
+            </a:endParaRPr>
+          </a:p>
+          <a:p>
+            <a:endParaRPr lang="de-DE" baseline="0" dirty="0" smtClean="0">
+              <a:sym typeface="Wingdings" panose="05000000000000000000" pitchFamily="2" charset="2"/>
+            </a:endParaRPr>
+          </a:p>
+          <a:p>
+            <a:r>
+              <a:rPr lang="de-DE" baseline="0" dirty="0" smtClean="0">
+                <a:sym typeface="Wingdings" panose="05000000000000000000" pitchFamily="2" charset="2"/>
+              </a:rPr>
+              <a:t>RBPs </a:t>
+            </a:r>
+            <a:r>
+              <a:rPr lang="de-DE" baseline="0" dirty="0" err="1" smtClean="0">
+                <a:sym typeface="Wingdings" panose="05000000000000000000" pitchFamily="2" charset="2"/>
+              </a:rPr>
+              <a:t>as</a:t>
+            </a:r>
+            <a:r>
+              <a:rPr lang="de-DE" baseline="0" dirty="0" smtClean="0">
+                <a:sym typeface="Wingdings" panose="05000000000000000000" pitchFamily="2" charset="2"/>
+              </a:rPr>
+              <a:t> an </a:t>
+            </a:r>
+            <a:r>
+              <a:rPr lang="de-DE" baseline="0" dirty="0" err="1" smtClean="0">
+                <a:sym typeface="Wingdings" panose="05000000000000000000" pitchFamily="2" charset="2"/>
+              </a:rPr>
+              <a:t>opportunity</a:t>
+            </a:r>
+            <a:r>
+              <a:rPr lang="de-DE" baseline="0" dirty="0" smtClean="0">
+                <a:sym typeface="Wingdings" panose="05000000000000000000" pitchFamily="2" charset="2"/>
+              </a:rPr>
+              <a:t>: </a:t>
+            </a:r>
+            <a:r>
+              <a:rPr lang="de-DE" baseline="0" dirty="0" err="1" smtClean="0">
+                <a:sym typeface="Wingdings" panose="05000000000000000000" pitchFamily="2" charset="2"/>
+              </a:rPr>
+              <a:t>involved</a:t>
+            </a:r>
+            <a:r>
+              <a:rPr lang="de-DE" baseline="0" dirty="0" smtClean="0">
+                <a:sym typeface="Wingdings" panose="05000000000000000000" pitchFamily="2" charset="2"/>
+              </a:rPr>
+              <a:t> in </a:t>
+            </a:r>
+            <a:r>
+              <a:rPr lang="de-DE" baseline="0" dirty="0" err="1" smtClean="0">
+                <a:sym typeface="Wingdings" panose="05000000000000000000" pitchFamily="2" charset="2"/>
+              </a:rPr>
+              <a:t>almost</a:t>
+            </a:r>
+            <a:r>
+              <a:rPr lang="de-DE" baseline="0" dirty="0" smtClean="0">
+                <a:sym typeface="Wingdings" panose="05000000000000000000" pitchFamily="2" charset="2"/>
+              </a:rPr>
+              <a:t> all </a:t>
+            </a:r>
+            <a:r>
+              <a:rPr lang="de-DE" baseline="0" dirty="0" err="1" smtClean="0">
+                <a:sym typeface="Wingdings" panose="05000000000000000000" pitchFamily="2" charset="2"/>
+              </a:rPr>
+              <a:t>cellular</a:t>
+            </a:r>
+            <a:r>
+              <a:rPr lang="de-DE" baseline="0" dirty="0" smtClean="0">
+                <a:sym typeface="Wingdings" panose="05000000000000000000" pitchFamily="2" charset="2"/>
+              </a:rPr>
+              <a:t> </a:t>
+            </a:r>
+            <a:r>
+              <a:rPr lang="de-DE" baseline="0" dirty="0" err="1" smtClean="0">
+                <a:sym typeface="Wingdings" panose="05000000000000000000" pitchFamily="2" charset="2"/>
+              </a:rPr>
+              <a:t>processes</a:t>
+            </a:r>
+            <a:endParaRPr lang="de-DE" baseline="0" dirty="0" smtClean="0">
+              <a:sym typeface="Wingdings" panose="05000000000000000000" pitchFamily="2" charset="2"/>
+            </a:endParaRPr>
+          </a:p>
+          <a:p>
+            <a:r>
+              <a:rPr lang="de-DE" baseline="0" dirty="0" err="1" smtClean="0">
+                <a:sym typeface="Wingdings" panose="05000000000000000000" pitchFamily="2" charset="2"/>
+              </a:rPr>
+              <a:t>Targeting</a:t>
+            </a:r>
+            <a:r>
+              <a:rPr lang="de-DE" baseline="0" dirty="0" smtClean="0">
+                <a:sym typeface="Wingdings" panose="05000000000000000000" pitchFamily="2" charset="2"/>
+              </a:rPr>
+              <a:t> RBPs </a:t>
+            </a:r>
+            <a:r>
+              <a:rPr lang="de-DE" baseline="0" dirty="0" err="1" smtClean="0">
+                <a:sym typeface="Wingdings" panose="05000000000000000000" pitchFamily="2" charset="2"/>
+              </a:rPr>
+              <a:t>could</a:t>
+            </a:r>
+            <a:r>
+              <a:rPr lang="de-DE" baseline="0" dirty="0" smtClean="0">
+                <a:sym typeface="Wingdings" panose="05000000000000000000" pitchFamily="2" charset="2"/>
+              </a:rPr>
+              <a:t> </a:t>
+            </a:r>
+            <a:r>
+              <a:rPr lang="de-DE" baseline="0" dirty="0" err="1" smtClean="0">
+                <a:sym typeface="Wingdings" panose="05000000000000000000" pitchFamily="2" charset="2"/>
+              </a:rPr>
+              <a:t>introduce</a:t>
+            </a:r>
+            <a:r>
+              <a:rPr lang="de-DE" baseline="0" dirty="0" smtClean="0">
+                <a:sym typeface="Wingdings" panose="05000000000000000000" pitchFamily="2" charset="2"/>
+              </a:rPr>
+              <a:t> a fundamental </a:t>
+            </a:r>
+            <a:r>
+              <a:rPr lang="de-DE" baseline="0" dirty="0" err="1" smtClean="0">
+                <a:sym typeface="Wingdings" panose="05000000000000000000" pitchFamily="2" charset="2"/>
+              </a:rPr>
+              <a:t>shift</a:t>
+            </a:r>
+            <a:r>
+              <a:rPr lang="de-DE" baseline="0" dirty="0" smtClean="0">
+                <a:sym typeface="Wingdings" panose="05000000000000000000" pitchFamily="2" charset="2"/>
+              </a:rPr>
+              <a:t> in </a:t>
+            </a:r>
+            <a:r>
+              <a:rPr lang="de-DE" baseline="0" dirty="0" err="1" smtClean="0">
+                <a:sym typeface="Wingdings" panose="05000000000000000000" pitchFamily="2" charset="2"/>
+              </a:rPr>
+              <a:t>medicine</a:t>
+            </a:r>
+            <a:endParaRPr lang="de-DE" dirty="0"/>
           </a:p>
         </p:txBody>
       </p:sp>
@@ -6151,18 +6062,18 @@
           <a:bodyPr/>
           <a:lstStyle/>
           <a:p>
-            <a:fld id="{DE3B62AE-3B17-4B0C-A534-34D6AFEF94BD}" type="slidenum">
-              <a:rPr lang="de-DE" smtClean="0"/>
-              <a:t>27</a:t>
+            <a:fld id="{CAD725D7-3157-4FF7-8F2A-10244555D54B}" type="slidenum">
+              <a:rPr lang="en-GB" smtClean="0"/>
+              <a:t>25</a:t>
             </a:fld>
-            <a:endParaRPr lang="de-DE"/>
+            <a:endParaRPr lang="en-GB"/>
           </a:p>
         </p:txBody>
       </p:sp>
     </p:spTree>
     <p:extLst>
       <p:ext uri="{BB962C8B-B14F-4D97-AF65-F5344CB8AC3E}">
-        <p14:creationId xmlns:p14="http://schemas.microsoft.com/office/powerpoint/2010/main" val="4024055382"/>
+        <p14:creationId xmlns:p14="http://schemas.microsoft.com/office/powerpoint/2010/main" val="244220351"/>
       </p:ext>
     </p:extLst>
   </p:cSld>
@@ -6217,8 +6128,12 @@
           <a:lstStyle/>
           <a:p>
             <a:r>
+              <a:rPr lang="de-DE" dirty="0" err="1"/>
+              <a:t>Why</a:t>
+            </a:r>
+            <a:r>
               <a:rPr lang="de-DE" dirty="0"/>
-              <a:t>RNA </a:t>
+              <a:t> </a:t>
             </a:r>
             <a:r>
               <a:rPr lang="de-DE" dirty="0" err="1"/>
@@ -6226,22 +6141,19 @@
             </a:r>
             <a:r>
               <a:rPr lang="de-DE" dirty="0"/>
-              <a:t> not </a:t>
+              <a:t> </a:t>
             </a:r>
             <a:r>
               <a:rPr lang="de-DE" dirty="0" err="1"/>
-              <a:t>alone</a:t>
-            </a:r>
-            <a:endParaRPr lang="de-DE" dirty="0"/>
-          </a:p>
-          <a:p>
-            <a:pPr marL="285750" indent="-285750">
-              <a:buFontTx/>
-              <a:buChar char="-"/>
-            </a:pPr>
+              <a:t>it</a:t>
+            </a:r>
+            <a:r>
+              <a:rPr lang="de-DE" dirty="0"/>
+              <a:t> </a:t>
+            </a:r>
             <a:r>
               <a:rPr lang="de-DE" dirty="0" err="1"/>
-              <a:t>During</a:t>
+              <a:t>important</a:t>
             </a:r>
             <a:r>
               <a:rPr lang="de-DE" dirty="0"/>
@@ -6249,7 +6161,7 @@
             </a:r>
             <a:r>
               <a:rPr lang="de-DE" dirty="0" err="1"/>
-              <a:t>every</a:t>
+              <a:t>to</a:t>
             </a:r>
             <a:r>
               <a:rPr lang="de-DE" dirty="0"/>
@@ -6257,7 +6169,7 @@
             </a:r>
             <a:r>
               <a:rPr lang="de-DE" dirty="0" err="1"/>
-              <a:t>step</a:t>
+              <a:t>know</a:t>
             </a:r>
             <a:r>
               <a:rPr lang="de-DE" dirty="0"/>
@@ -6265,156 +6177,71 @@
             </a:r>
             <a:r>
               <a:rPr lang="de-DE" dirty="0" err="1"/>
-              <a:t>of</a:t>
-            </a:r>
-            <a:r>
-              <a:rPr lang="de-DE" dirty="0"/>
-              <a:t> RNA </a:t>
-            </a:r>
-            <a:r>
-              <a:rPr lang="de-DE" dirty="0" err="1"/>
-              <a:t>metabolism</a:t>
-            </a:r>
-            <a:r>
-              <a:rPr lang="de-DE" dirty="0"/>
+              <a:t>more</a:t>
+            </a:r>
+            <a:r>
+              <a:rPr lang="de-DE" baseline="0" dirty="0"/>
+              <a:t> </a:t>
+            </a:r>
+            <a:r>
+              <a:rPr lang="de-DE" baseline="0" dirty="0" err="1"/>
+              <a:t>about</a:t>
+            </a:r>
+            <a:r>
+              <a:rPr lang="de-DE" baseline="0" dirty="0"/>
               <a:t> RBPs </a:t>
             </a:r>
             <a:r>
-              <a:rPr lang="de-DE" dirty="0" err="1"/>
-              <a:t>are</a:t>
-            </a:r>
-            <a:r>
-              <a:rPr lang="de-DE" dirty="0"/>
-              <a:t> </a:t>
-            </a:r>
-            <a:r>
-              <a:rPr lang="de-DE" dirty="0" err="1"/>
-              <a:t>associated</a:t>
-            </a:r>
-            <a:r>
-              <a:rPr lang="de-DE" dirty="0"/>
-              <a:t> </a:t>
-            </a:r>
-            <a:r>
-              <a:rPr lang="de-DE" dirty="0" err="1"/>
-              <a:t>with</a:t>
-            </a:r>
-            <a:r>
-              <a:rPr lang="de-DE" dirty="0"/>
-              <a:t> RNA</a:t>
-            </a:r>
-          </a:p>
-          <a:p>
-            <a:pPr marL="285750" indent="-285750">
-              <a:buFontTx/>
-              <a:buChar char="-"/>
-            </a:pPr>
-            <a:r>
-              <a:rPr lang="de-DE" dirty="0" err="1"/>
-              <a:t>Cooperative</a:t>
-            </a:r>
-            <a:r>
-              <a:rPr lang="de-DE" dirty="0"/>
-              <a:t> &amp; </a:t>
-            </a:r>
-            <a:r>
-              <a:rPr lang="de-DE" dirty="0" err="1"/>
-              <a:t>antagonistic</a:t>
-            </a:r>
-            <a:r>
-              <a:rPr lang="de-DE" dirty="0"/>
-              <a:t> </a:t>
-            </a:r>
-            <a:r>
-              <a:rPr lang="de-DE" dirty="0" err="1"/>
-              <a:t>interactions</a:t>
-            </a:r>
-            <a:endParaRPr lang="de-DE" dirty="0"/>
-          </a:p>
-          <a:p>
-            <a:pPr marL="285750" indent="-285750">
-              <a:buFontTx/>
-              <a:buChar char="-"/>
-            </a:pPr>
-            <a:r>
-              <a:rPr lang="de-DE" dirty="0"/>
-              <a:t>Dynamic </a:t>
-            </a:r>
-            <a:r>
-              <a:rPr lang="de-DE" dirty="0" err="1"/>
-              <a:t>associations</a:t>
-            </a:r>
-            <a:endParaRPr lang="de-DE" dirty="0"/>
-          </a:p>
-          <a:p>
-            <a:pPr marL="285750" indent="-285750">
-              <a:buFontTx/>
-              <a:buChar char="-"/>
-            </a:pPr>
-            <a:r>
-              <a:rPr lang="de-DE" dirty="0">
+              <a:rPr lang="de-DE" baseline="0" dirty="0">
                 <a:sym typeface="Wingdings" panose="05000000000000000000" pitchFamily="2" charset="2"/>
               </a:rPr>
-              <a:t></a:t>
-            </a:r>
-            <a:r>
-              <a:rPr lang="de-DE" dirty="0" err="1">
+              <a:t> </a:t>
+            </a:r>
+            <a:r>
+              <a:rPr lang="de-DE" baseline="0" dirty="0" err="1">
                 <a:sym typeface="Wingdings" panose="05000000000000000000" pitchFamily="2" charset="2"/>
               </a:rPr>
-              <a:t>fine-tuned</a:t>
-            </a:r>
-            <a:r>
-              <a:rPr lang="de-DE" dirty="0">
+              <a:t>severe</a:t>
+            </a:r>
+            <a:r>
+              <a:rPr lang="de-DE" baseline="0" dirty="0">
                 <a:sym typeface="Wingdings" panose="05000000000000000000" pitchFamily="2" charset="2"/>
               </a:rPr>
               <a:t> </a:t>
             </a:r>
             <a:r>
-              <a:rPr lang="de-DE" dirty="0" err="1">
+              <a:rPr lang="de-DE" baseline="0" dirty="0" err="1">
                 <a:sym typeface="Wingdings" panose="05000000000000000000" pitchFamily="2" charset="2"/>
               </a:rPr>
-              <a:t>regulation</a:t>
-            </a:r>
-            <a:r>
-              <a:rPr lang="de-DE" dirty="0">
+              <a:t>diseases</a:t>
+            </a:r>
+            <a:r>
+              <a:rPr lang="de-DE" baseline="0" dirty="0">
                 <a:sym typeface="Wingdings" panose="05000000000000000000" pitchFamily="2" charset="2"/>
               </a:rPr>
               <a:t> </a:t>
             </a:r>
             <a:r>
-              <a:rPr lang="de-DE" dirty="0" err="1">
+              <a:rPr lang="de-DE" baseline="0" dirty="0" err="1">
                 <a:sym typeface="Wingdings" panose="05000000000000000000" pitchFamily="2" charset="2"/>
               </a:rPr>
-              <a:t>of</a:t>
-            </a:r>
-            <a:r>
-              <a:rPr lang="de-DE" dirty="0">
+              <a:t>when</a:t>
+            </a:r>
+            <a:r>
+              <a:rPr lang="de-DE" baseline="0" dirty="0">
                 <a:sym typeface="Wingdings" panose="05000000000000000000" pitchFamily="2" charset="2"/>
               </a:rPr>
               <a:t> </a:t>
             </a:r>
             <a:r>
-              <a:rPr lang="de-DE" dirty="0" err="1">
+              <a:rPr lang="de-DE" baseline="0" dirty="0" err="1">
                 <a:sym typeface="Wingdings" panose="05000000000000000000" pitchFamily="2" charset="2"/>
               </a:rPr>
-              <a:t>their</a:t>
-            </a:r>
-            <a:r>
-              <a:rPr lang="de-DE" dirty="0">
-                <a:sym typeface="Wingdings" panose="05000000000000000000" pitchFamily="2" charset="2"/>
-              </a:rPr>
-              <a:t> RNA </a:t>
-            </a:r>
-            <a:r>
-              <a:rPr lang="de-DE" dirty="0" err="1">
-                <a:sym typeface="Wingdings" panose="05000000000000000000" pitchFamily="2" charset="2"/>
-              </a:rPr>
-              <a:t>targets</a:t>
-            </a:r>
-            <a:endParaRPr lang="de-DE" dirty="0"/>
-          </a:p>
-          <a:p>
-            <a:endParaRPr lang="de-DE" dirty="0"/>
+              <a:t>malfunctioning</a:t>
+            </a:r>
+            <a:endParaRPr lang="de-DE" baseline="0" dirty="0">
+              <a:sym typeface="Wingdings" panose="05000000000000000000" pitchFamily="2" charset="2"/>
+            </a:endParaRPr>
           </a:p>
         </p:txBody>
       </p:sp>
@@ -6433,18 +6260,18 @@
           <a:bodyPr/>
           <a:lstStyle/>
           <a:p>
-            <a:fld id="{CAD725D7-3157-4FF7-8F2A-10244555D54B}" type="slidenum">
-              <a:rPr lang="en-GB" smtClean="0"/>
-              <a:t>28</a:t>
+            <a:fld id="{DE3B62AE-3B17-4B0C-A534-34D6AFEF94BD}" type="slidenum">
+              <a:rPr lang="de-DE" smtClean="0"/>
+              <a:t>26</a:t>
             </a:fld>
-            <a:endParaRPr lang="en-GB"/>
+            <a:endParaRPr lang="de-DE"/>
           </a:p>
         </p:txBody>
       </p:sp>
     </p:spTree>
     <p:extLst>
       <p:ext uri="{BB962C8B-B14F-4D97-AF65-F5344CB8AC3E}">
-        <p14:creationId xmlns:p14="http://schemas.microsoft.com/office/powerpoint/2010/main" val="3817140288"/>
+        <p14:creationId xmlns:p14="http://schemas.microsoft.com/office/powerpoint/2010/main" val="4024055382"/>
       </p:ext>
     </p:extLst>
   </p:cSld>
@@ -6504,673 +6331,198 @@
             </a:r>
             <a:r>
               <a:rPr lang="de-DE" dirty="0" err="1"/>
-              <a:t>recognition</a:t>
+              <a:t>is</a:t>
             </a:r>
             <a:r>
               <a:rPr lang="de-DE" dirty="0"/>
-              <a:t> </a:t>
+              <a:t> not </a:t>
             </a:r>
             <a:r>
               <a:rPr lang="de-DE" dirty="0" err="1"/>
-              <a:t>motiv</a:t>
+              <a:t>alone</a:t>
             </a:r>
             <a:endParaRPr lang="de-DE" dirty="0"/>
           </a:p>
           <a:p>
-            <a:pPr marL="171450" indent="-171450">
+            <a:pPr marL="285750" indent="-285750">
               <a:buFontTx/>
               <a:buChar char="-"/>
             </a:pPr>
             <a:r>
+              <a:rPr lang="de-DE" dirty="0" err="1"/>
+              <a:t>During</a:t>
+            </a:r>
+            <a:r>
               <a:rPr lang="de-DE" dirty="0"/>
-              <a:t>90 </a:t>
+              <a:t> </a:t>
             </a:r>
             <a:r>
               <a:rPr lang="de-DE" dirty="0" err="1"/>
-              <a:t>amino</a:t>
-            </a:r>
-            <a:r>
-              <a:rPr lang="de-DE" baseline="0" dirty="0"/>
-              <a:t> </a:t>
-            </a:r>
-            <a:r>
-              <a:rPr lang="de-DE" baseline="0" dirty="0" err="1"/>
-              <a:t>acids</a:t>
-            </a:r>
-            <a:endParaRPr lang="de-DE" baseline="0" dirty="0"/>
-          </a:p>
-          <a:p>
-            <a:pPr marL="0" indent="0">
-              <a:buFont typeface="Arial" panose="020B0604020202020204" pitchFamily="34" charset="0"/>
-              <a:buNone/>
-            </a:pPr>
-            <a:r>
-              <a:rPr lang="de-DE" sz="1200" dirty="0"/>
-              <a:t>Definition</a:t>
-            </a:r>
-          </a:p>
-          <a:p>
-            <a:pPr marL="171450" indent="-171450">
+              <a:t>every</a:t>
+            </a:r>
+            <a:r>
+              <a:rPr lang="de-DE" dirty="0"/>
+              <a:t> </a:t>
+            </a:r>
+            <a:r>
+              <a:rPr lang="de-DE" dirty="0" err="1"/>
+              <a:t>step</a:t>
+            </a:r>
+            <a:r>
+              <a:rPr lang="de-DE" dirty="0"/>
+              <a:t> </a:t>
+            </a:r>
+            <a:r>
+              <a:rPr lang="de-DE" dirty="0" err="1"/>
+              <a:t>of</a:t>
+            </a:r>
+            <a:r>
+              <a:rPr lang="de-DE" dirty="0"/>
+              <a:t> RNA </a:t>
+            </a:r>
+            <a:r>
+              <a:rPr lang="de-DE" dirty="0" err="1"/>
+              <a:t>metabolism</a:t>
+            </a:r>
+            <a:r>
+              <a:rPr lang="de-DE" dirty="0"/>
+              <a:t> RBPs </a:t>
+            </a:r>
+            <a:r>
+              <a:rPr lang="de-DE" dirty="0" err="1"/>
+              <a:t>are</a:t>
+            </a:r>
+            <a:r>
+              <a:rPr lang="de-DE" dirty="0"/>
+              <a:t> </a:t>
+            </a:r>
+            <a:r>
+              <a:rPr lang="de-DE" dirty="0" err="1"/>
+              <a:t>associated</a:t>
+            </a:r>
+            <a:r>
+              <a:rPr lang="de-DE" dirty="0"/>
+              <a:t> </a:t>
+            </a:r>
+            <a:r>
+              <a:rPr lang="de-DE" dirty="0" err="1"/>
+              <a:t>with</a:t>
+            </a:r>
+            <a:r>
+              <a:rPr lang="de-DE" dirty="0"/>
+              <a:t> RNA</a:t>
+            </a:r>
+          </a:p>
+          <a:p>
+            <a:pPr marL="285750" indent="-285750">
               <a:buFontTx/>
               <a:buChar char="-"/>
             </a:pPr>
             <a:r>
-              <a:rPr lang="de-DE" sz="1200" dirty="0"/>
-              <a:t>RNA </a:t>
-            </a:r>
-            <a:r>
-              <a:rPr lang="de-DE" sz="1200" dirty="0" err="1"/>
-              <a:t>binding</a:t>
-            </a:r>
-            <a:endParaRPr lang="de-DE" sz="1200" dirty="0"/>
-          </a:p>
-          <a:p>
-            <a:pPr marL="171450" indent="-171450">
+              <a:rPr lang="de-DE" dirty="0" err="1"/>
+              <a:t>Cooperative</a:t>
+            </a:r>
+            <a:r>
+              <a:rPr lang="de-DE" dirty="0"/>
+              <a:t> &amp; </a:t>
+            </a:r>
+            <a:r>
+              <a:rPr lang="de-DE" dirty="0" err="1"/>
+              <a:t>antagonistic</a:t>
+            </a:r>
+            <a:r>
+              <a:rPr lang="de-DE" dirty="0"/>
+              <a:t> </a:t>
+            </a:r>
+            <a:r>
+              <a:rPr lang="de-DE" dirty="0" err="1"/>
+              <a:t>interactions</a:t>
+            </a:r>
+            <a:endParaRPr lang="de-DE" dirty="0"/>
+          </a:p>
+          <a:p>
+            <a:pPr marL="285750" indent="-285750">
               <a:buFontTx/>
               <a:buChar char="-"/>
             </a:pPr>
             <a:r>
-              <a:rPr lang="de-DE" sz="1200" dirty="0"/>
-              <a:t>RNA </a:t>
-            </a:r>
-            <a:r>
-              <a:rPr lang="de-DE" sz="1200" dirty="0" err="1"/>
-              <a:t>dependent</a:t>
-            </a:r>
-            <a:r>
-              <a:rPr lang="de-DE" sz="1200" dirty="0"/>
-              <a:t> (</a:t>
-            </a:r>
-            <a:r>
-              <a:rPr lang="de-DE" sz="1200" dirty="0" err="1">
-                <a:solidFill>
-                  <a:srgbClr val="0070C0"/>
-                </a:solidFill>
-              </a:rPr>
-              <a:t>interactome</a:t>
-            </a:r>
-            <a:r>
-              <a:rPr lang="de-DE" sz="1200" dirty="0"/>
-              <a:t> </a:t>
-            </a:r>
-            <a:r>
-              <a:rPr lang="de-DE" sz="1200" dirty="0" err="1"/>
-              <a:t>depends</a:t>
-            </a:r>
-            <a:r>
-              <a:rPr lang="de-DE" sz="1200" dirty="0"/>
-              <a:t> on RNA)</a:t>
-            </a:r>
-          </a:p>
-          <a:p>
-            <a:pPr marL="171450" indent="-171450">
+              <a:rPr lang="de-DE" dirty="0"/>
+              <a:t>Dynamic </a:t>
+            </a:r>
+            <a:r>
+              <a:rPr lang="de-DE" dirty="0" err="1"/>
+              <a:t>associations</a:t>
+            </a:r>
+            <a:endParaRPr lang="de-DE" dirty="0"/>
+          </a:p>
+          <a:p>
+            <a:pPr marL="285750" indent="-285750">
               <a:buFontTx/>
               <a:buChar char="-"/>
             </a:pPr>
-            <a:endParaRPr lang="de-DE" sz="1200" dirty="0"/>
-          </a:p>
-          <a:p>
-            <a:r>
-              <a:rPr lang="de-DE" dirty="0" err="1"/>
-              <a:t>Amino</a:t>
-            </a:r>
-            <a:r>
-              <a:rPr lang="de-DE" dirty="0"/>
-              <a:t> </a:t>
-            </a:r>
-            <a:r>
-              <a:rPr lang="de-DE" dirty="0" err="1"/>
-              <a:t>acid</a:t>
-            </a:r>
-            <a:r>
-              <a:rPr lang="de-DE" dirty="0"/>
-              <a:t> </a:t>
-            </a:r>
-            <a:r>
-              <a:rPr lang="de-DE" dirty="0" err="1"/>
-              <a:t>preferences</a:t>
-            </a:r>
-            <a:r>
-              <a:rPr lang="de-DE" dirty="0"/>
-              <a:t>: </a:t>
-            </a:r>
-          </a:p>
-          <a:p>
+            <a:r>
+              <a:rPr lang="de-DE" dirty="0">
+                <a:sym typeface="Wingdings" panose="05000000000000000000" pitchFamily="2" charset="2"/>
+              </a:rPr>
+              <a:t></a:t>
+            </a:r>
+            <a:r>
+              <a:rPr lang="de-DE" dirty="0" err="1">
+                <a:sym typeface="Wingdings" panose="05000000000000000000" pitchFamily="2" charset="2"/>
+              </a:rPr>
+              <a:t>fine-tuned</a:t>
+            </a:r>
+            <a:r>
+              <a:rPr lang="de-DE" dirty="0">
+                <a:sym typeface="Wingdings" panose="05000000000000000000" pitchFamily="2" charset="2"/>
+              </a:rPr>
+              <a:t> </a:t>
+            </a:r>
+            <a:r>
+              <a:rPr lang="de-DE" dirty="0" err="1">
+                <a:sym typeface="Wingdings" panose="05000000000000000000" pitchFamily="2" charset="2"/>
+              </a:rPr>
+              <a:t>regulation</a:t>
+            </a:r>
+            <a:r>
+              <a:rPr lang="de-DE" dirty="0">
+                <a:sym typeface="Wingdings" panose="05000000000000000000" pitchFamily="2" charset="2"/>
+              </a:rPr>
+              <a:t> </a:t>
+            </a:r>
+            <a:r>
+              <a:rPr lang="de-DE" dirty="0" err="1">
+                <a:sym typeface="Wingdings" panose="05000000000000000000" pitchFamily="2" charset="2"/>
+              </a:rPr>
+              <a:t>of</a:t>
+            </a:r>
+            <a:r>
+              <a:rPr lang="de-DE" dirty="0">
+                <a:sym typeface="Wingdings" panose="05000000000000000000" pitchFamily="2" charset="2"/>
+              </a:rPr>
+              <a:t> </a:t>
+            </a:r>
+            <a:r>
+              <a:rPr lang="de-DE" dirty="0" err="1">
+                <a:sym typeface="Wingdings" panose="05000000000000000000" pitchFamily="2" charset="2"/>
+              </a:rPr>
+              <a:t>their</a:t>
+            </a:r>
+            <a:r>
+              <a:rPr lang="de-DE" dirty="0">
+                <a:sym typeface="Wingdings" panose="05000000000000000000" pitchFamily="2" charset="2"/>
+              </a:rPr>
+              <a:t> RNA </a:t>
+            </a:r>
+            <a:r>
+              <a:rPr lang="de-DE" dirty="0" err="1">
+                <a:sym typeface="Wingdings" panose="05000000000000000000" pitchFamily="2" charset="2"/>
+              </a:rPr>
+              <a:t>targets</a:t>
+            </a:r>
             <a:endParaRPr lang="de-DE" dirty="0"/>
           </a:p>
           <a:p>
-            <a:r>
-              <a:rPr lang="de-DE" dirty="0"/>
-              <a:t>Regression</a:t>
-            </a:r>
-            <a:r>
-              <a:rPr lang="de-DE" baseline="0" dirty="0"/>
-              <a:t> </a:t>
-            </a:r>
-            <a:r>
-              <a:rPr lang="de-DE" baseline="0" dirty="0" err="1"/>
-              <a:t>analysis</a:t>
-            </a:r>
-            <a:r>
-              <a:rPr lang="de-DE" baseline="0" dirty="0"/>
-              <a:t>: </a:t>
-            </a:r>
-            <a:r>
-              <a:rPr lang="de-DE" baseline="0" dirty="0" err="1"/>
-              <a:t>can</a:t>
-            </a:r>
-            <a:r>
-              <a:rPr lang="de-DE" baseline="0" dirty="0"/>
-              <a:t> </a:t>
-            </a:r>
-            <a:r>
-              <a:rPr lang="de-DE" baseline="0" dirty="0" err="1"/>
-              <a:t>we</a:t>
-            </a:r>
-            <a:r>
-              <a:rPr lang="de-DE" baseline="0" dirty="0"/>
-              <a:t> </a:t>
-            </a:r>
-            <a:r>
-              <a:rPr lang="de-DE" baseline="0" dirty="0" err="1"/>
-              <a:t>predict</a:t>
-            </a:r>
-            <a:r>
-              <a:rPr lang="de-DE" baseline="0" dirty="0"/>
-              <a:t> </a:t>
-            </a:r>
-            <a:r>
-              <a:rPr lang="de-DE" baseline="0" dirty="0" err="1"/>
-              <a:t>if</a:t>
-            </a:r>
-            <a:r>
-              <a:rPr lang="de-DE" baseline="0" dirty="0"/>
-              <a:t> a </a:t>
-            </a:r>
-            <a:r>
-              <a:rPr lang="de-DE" baseline="0" dirty="0" err="1"/>
-              <a:t>protein</a:t>
-            </a:r>
-            <a:r>
-              <a:rPr lang="de-DE" baseline="0" dirty="0"/>
-              <a:t> </a:t>
-            </a:r>
-            <a:r>
-              <a:rPr lang="de-DE" baseline="0" dirty="0" err="1"/>
-              <a:t>is</a:t>
-            </a:r>
-            <a:r>
-              <a:rPr lang="de-DE" baseline="0" dirty="0"/>
-              <a:t> RNA </a:t>
-            </a:r>
-            <a:r>
-              <a:rPr lang="de-DE" baseline="0" dirty="0" err="1"/>
-              <a:t>dependent</a:t>
-            </a:r>
-            <a:r>
-              <a:rPr lang="de-DE" baseline="0" dirty="0"/>
-              <a:t> </a:t>
-            </a:r>
-            <a:r>
-              <a:rPr lang="de-DE" baseline="0" dirty="0" err="1"/>
-              <a:t>by</a:t>
-            </a:r>
-            <a:r>
-              <a:rPr lang="de-DE" baseline="0" dirty="0"/>
-              <a:t> </a:t>
-            </a:r>
-            <a:r>
-              <a:rPr lang="de-DE" baseline="0" dirty="0" err="1"/>
-              <a:t>looking</a:t>
-            </a:r>
-            <a:r>
-              <a:rPr lang="de-DE" baseline="0" dirty="0"/>
-              <a:t> at ist </a:t>
-            </a:r>
-            <a:r>
-              <a:rPr lang="de-DE" baseline="0" dirty="0" err="1"/>
-              <a:t>domains</a:t>
-            </a:r>
-            <a:r>
-              <a:rPr lang="de-DE" baseline="0" dirty="0"/>
-              <a:t> and </a:t>
-            </a:r>
-            <a:r>
-              <a:rPr lang="de-DE" baseline="0" dirty="0" err="1"/>
-              <a:t>its</a:t>
-            </a:r>
-            <a:r>
-              <a:rPr lang="de-DE" baseline="0" dirty="0"/>
-              <a:t> </a:t>
-            </a:r>
-            <a:r>
-              <a:rPr lang="de-DE" baseline="0" dirty="0" err="1"/>
-              <a:t>amino</a:t>
-            </a:r>
-            <a:r>
-              <a:rPr lang="de-DE" baseline="0" dirty="0"/>
-              <a:t> </a:t>
-            </a:r>
-            <a:r>
-              <a:rPr lang="de-DE" baseline="0" dirty="0" err="1"/>
-              <a:t>acid</a:t>
-            </a:r>
-            <a:r>
-              <a:rPr lang="de-DE" baseline="0" dirty="0"/>
-              <a:t> </a:t>
-            </a:r>
-            <a:r>
-              <a:rPr lang="de-DE" baseline="0" dirty="0" err="1"/>
-              <a:t>preferences</a:t>
-            </a:r>
-            <a:endParaRPr lang="de-DE" baseline="0" dirty="0"/>
-          </a:p>
-          <a:p>
-            <a:pPr marL="171450" indent="-171450">
-              <a:buFontTx/>
-              <a:buChar char="-"/>
-            </a:pPr>
-            <a:r>
-              <a:rPr lang="de-DE" baseline="0" dirty="0" err="1"/>
-              <a:t>How</a:t>
-            </a:r>
-            <a:r>
-              <a:rPr lang="de-DE" baseline="0" dirty="0"/>
-              <a:t> </a:t>
-            </a:r>
-            <a:r>
-              <a:rPr lang="de-DE" baseline="0" dirty="0" err="1"/>
-              <a:t>many</a:t>
-            </a:r>
-            <a:r>
-              <a:rPr lang="de-DE" baseline="0" dirty="0"/>
-              <a:t> </a:t>
-            </a:r>
-            <a:r>
-              <a:rPr lang="de-DE" baseline="0" dirty="0" err="1"/>
-              <a:t>other</a:t>
-            </a:r>
-            <a:r>
-              <a:rPr lang="de-DE" baseline="0" dirty="0"/>
-              <a:t> </a:t>
-            </a:r>
-            <a:r>
-              <a:rPr lang="de-DE" baseline="0" dirty="0" err="1"/>
-              <a:t>traits</a:t>
-            </a:r>
-            <a:r>
-              <a:rPr lang="de-DE" baseline="0" dirty="0"/>
-              <a:t> (e.g. </a:t>
-            </a:r>
-            <a:r>
-              <a:rPr lang="de-DE" baseline="0" dirty="0" err="1"/>
-              <a:t>the</a:t>
-            </a:r>
-            <a:r>
-              <a:rPr lang="de-DE" baseline="0" dirty="0"/>
-              <a:t> </a:t>
-            </a:r>
-            <a:r>
-              <a:rPr lang="de-DE" baseline="0" dirty="0" err="1"/>
-              <a:t>isoelectric</a:t>
-            </a:r>
-            <a:r>
-              <a:rPr lang="de-DE" baseline="0" dirty="0"/>
-              <a:t> </a:t>
-            </a:r>
-            <a:r>
-              <a:rPr lang="de-DE" baseline="0" dirty="0" err="1"/>
-              <a:t>point</a:t>
-            </a:r>
-            <a:r>
-              <a:rPr lang="de-DE" baseline="0" dirty="0"/>
-              <a:t>) do </a:t>
-            </a:r>
-            <a:r>
-              <a:rPr lang="de-DE" baseline="0" dirty="0" err="1"/>
-              <a:t>we</a:t>
-            </a:r>
-            <a:r>
-              <a:rPr lang="de-DE" baseline="0" dirty="0"/>
-              <a:t> </a:t>
-            </a:r>
-            <a:r>
-              <a:rPr lang="de-DE" baseline="0" dirty="0" err="1"/>
-              <a:t>have</a:t>
-            </a:r>
-            <a:r>
-              <a:rPr lang="de-DE" baseline="0" dirty="0"/>
-              <a:t> </a:t>
-            </a:r>
-            <a:r>
-              <a:rPr lang="de-DE" baseline="0" dirty="0" err="1"/>
-              <a:t>to</a:t>
-            </a:r>
-            <a:r>
-              <a:rPr lang="de-DE" baseline="0" dirty="0"/>
-              <a:t> </a:t>
-            </a:r>
-            <a:r>
-              <a:rPr lang="de-DE" baseline="0" dirty="0" err="1"/>
-              <a:t>include</a:t>
-            </a:r>
-            <a:r>
-              <a:rPr lang="de-DE" baseline="0" dirty="0"/>
-              <a:t> </a:t>
-            </a:r>
-            <a:r>
-              <a:rPr lang="de-DE" baseline="0" dirty="0" err="1"/>
-              <a:t>to</a:t>
-            </a:r>
-            <a:r>
-              <a:rPr lang="de-DE" baseline="0" dirty="0"/>
-              <a:t> </a:t>
-            </a:r>
-            <a:r>
-              <a:rPr lang="de-DE" baseline="0" dirty="0" err="1"/>
-              <a:t>make</a:t>
-            </a:r>
-            <a:r>
-              <a:rPr lang="de-DE" baseline="0" dirty="0"/>
-              <a:t> </a:t>
-            </a:r>
-            <a:r>
-              <a:rPr lang="de-DE" baseline="0" dirty="0" err="1"/>
-              <a:t>accurate</a:t>
-            </a:r>
-            <a:r>
-              <a:rPr lang="de-DE" baseline="0" dirty="0"/>
-              <a:t> </a:t>
-            </a:r>
-            <a:r>
-              <a:rPr lang="de-DE" baseline="0" dirty="0" err="1"/>
-              <a:t>predictions</a:t>
-            </a:r>
-            <a:r>
-              <a:rPr lang="de-DE" baseline="0" dirty="0"/>
-              <a:t>?</a:t>
-            </a:r>
-          </a:p>
-          <a:p>
-            <a:pPr marL="171450" indent="-171450">
-              <a:buFontTx/>
-              <a:buChar char="-"/>
-            </a:pPr>
-            <a:endParaRPr lang="de-DE" baseline="0" dirty="0"/>
-          </a:p>
-          <a:p>
-            <a:pPr marL="171450" indent="-171450">
-              <a:buFontTx/>
-              <a:buChar char="-"/>
-            </a:pPr>
-            <a:r>
-              <a:rPr lang="de-DE" baseline="0" dirty="0" err="1"/>
-              <a:t>Comparison</a:t>
-            </a:r>
-            <a:r>
-              <a:rPr lang="de-DE" baseline="0" dirty="0"/>
-              <a:t> </a:t>
-            </a:r>
-            <a:r>
-              <a:rPr lang="de-DE" baseline="0" dirty="0" err="1"/>
-              <a:t>with</a:t>
-            </a:r>
-            <a:r>
-              <a:rPr lang="de-DE" baseline="0" dirty="0"/>
-              <a:t> </a:t>
-            </a:r>
-            <a:r>
-              <a:rPr lang="de-DE" baseline="0" dirty="0" err="1"/>
-              <a:t>protein</a:t>
-            </a:r>
-            <a:r>
-              <a:rPr lang="de-DE" baseline="0" dirty="0"/>
-              <a:t> </a:t>
-            </a:r>
-            <a:r>
-              <a:rPr lang="de-DE" baseline="0" dirty="0" err="1"/>
-              <a:t>databases</a:t>
-            </a:r>
-            <a:r>
-              <a:rPr lang="de-DE" baseline="0" dirty="0"/>
-              <a:t>: </a:t>
-            </a:r>
-            <a:r>
-              <a:rPr lang="de-DE" baseline="0" dirty="0" err="1"/>
-              <a:t>later</a:t>
-            </a:r>
-            <a:r>
-              <a:rPr lang="de-DE" baseline="0" dirty="0"/>
-              <a:t>: </a:t>
-            </a:r>
-            <a:r>
-              <a:rPr lang="de-DE" baseline="0" dirty="0" err="1"/>
-              <a:t>what</a:t>
-            </a:r>
-            <a:r>
-              <a:rPr lang="de-DE" baseline="0" dirty="0"/>
-              <a:t> </a:t>
-            </a:r>
-            <a:r>
-              <a:rPr lang="de-DE" baseline="0" dirty="0" err="1"/>
-              <a:t>other</a:t>
-            </a:r>
-            <a:r>
-              <a:rPr lang="de-DE" baseline="0" dirty="0"/>
-              <a:t> </a:t>
-            </a:r>
-            <a:r>
-              <a:rPr lang="de-DE" baseline="0" dirty="0" err="1"/>
-              <a:t>traits</a:t>
-            </a:r>
-            <a:r>
-              <a:rPr lang="de-DE" baseline="0" dirty="0"/>
-              <a:t> do </a:t>
-            </a:r>
-            <a:r>
-              <a:rPr lang="de-DE" baseline="0" dirty="0" err="1"/>
-              <a:t>the</a:t>
-            </a:r>
-            <a:r>
-              <a:rPr lang="de-DE" baseline="0" dirty="0"/>
-              <a:t> RBPs </a:t>
-            </a:r>
-            <a:r>
-              <a:rPr lang="de-DE" baseline="0" dirty="0" err="1"/>
-              <a:t>we</a:t>
-            </a:r>
-            <a:r>
-              <a:rPr lang="de-DE" baseline="0" dirty="0"/>
-              <a:t> </a:t>
-            </a:r>
-            <a:r>
-              <a:rPr lang="de-DE" baseline="0" dirty="0" err="1"/>
-              <a:t>identify</a:t>
-            </a:r>
-            <a:r>
-              <a:rPr lang="de-DE" baseline="0" dirty="0"/>
-              <a:t> </a:t>
-            </a:r>
-            <a:r>
-              <a:rPr lang="de-DE" baseline="0" dirty="0" err="1"/>
-              <a:t>have</a:t>
-            </a:r>
-            <a:r>
-              <a:rPr lang="de-DE" baseline="0" dirty="0"/>
-              <a:t> in </a:t>
-            </a:r>
-            <a:r>
-              <a:rPr lang="de-DE" baseline="0" dirty="0" err="1"/>
-              <a:t>common</a:t>
-            </a:r>
-            <a:endParaRPr lang="de-DE" dirty="0"/>
-          </a:p>
-          <a:p>
-            <a:pPr marL="0" indent="0">
-              <a:buFontTx/>
-              <a:buNone/>
-            </a:pPr>
-            <a:endParaRPr lang="de-DE" sz="1200" dirty="0"/>
-          </a:p>
-          <a:p>
-            <a:pPr marL="0" indent="0">
-              <a:buFontTx/>
-              <a:buNone/>
-            </a:pPr>
-            <a:r>
-              <a:rPr lang="de-DE" dirty="0" err="1"/>
-              <a:t>Enable</a:t>
-            </a:r>
-            <a:r>
-              <a:rPr lang="de-DE" dirty="0"/>
-              <a:t> a </a:t>
-            </a:r>
-            <a:r>
-              <a:rPr lang="de-DE" dirty="0" err="1"/>
-              <a:t>fine</a:t>
-            </a:r>
-            <a:r>
-              <a:rPr lang="de-DE" dirty="0"/>
-              <a:t> </a:t>
-            </a:r>
-            <a:r>
-              <a:rPr lang="de-DE" dirty="0" err="1"/>
-              <a:t>tuned</a:t>
-            </a:r>
-            <a:r>
-              <a:rPr lang="de-DE" baseline="0" dirty="0"/>
-              <a:t> </a:t>
-            </a:r>
-            <a:r>
-              <a:rPr lang="de-DE" baseline="0" dirty="0" err="1"/>
-              <a:t>regulation</a:t>
-            </a:r>
-            <a:r>
-              <a:rPr lang="de-DE" baseline="0" dirty="0"/>
-              <a:t> </a:t>
-            </a:r>
-            <a:r>
-              <a:rPr lang="de-DE" baseline="0" dirty="0" err="1"/>
-              <a:t>of</a:t>
-            </a:r>
-            <a:r>
-              <a:rPr lang="de-DE" baseline="0" dirty="0"/>
-              <a:t> RNA</a:t>
-            </a:r>
-          </a:p>
-          <a:p>
-            <a:pPr marL="0" indent="0">
-              <a:buFontTx/>
-              <a:buNone/>
-            </a:pPr>
-            <a:r>
-              <a:rPr lang="de-DE" baseline="0" dirty="0" err="1"/>
-              <a:t>We</a:t>
-            </a:r>
-            <a:r>
-              <a:rPr lang="de-DE" baseline="0" dirty="0"/>
-              <a:t> </a:t>
-            </a:r>
-            <a:r>
-              <a:rPr lang="de-DE" baseline="0" dirty="0" err="1"/>
-              <a:t>looked</a:t>
-            </a:r>
-            <a:r>
-              <a:rPr lang="de-DE" baseline="0" dirty="0"/>
-              <a:t> at 2 </a:t>
-            </a:r>
-            <a:r>
-              <a:rPr lang="de-DE" baseline="0" dirty="0" err="1"/>
-              <a:t>phases</a:t>
-            </a:r>
-            <a:r>
-              <a:rPr lang="de-DE" baseline="0" dirty="0"/>
-              <a:t> </a:t>
-            </a:r>
-            <a:r>
-              <a:rPr lang="de-DE" baseline="0" dirty="0" err="1"/>
-              <a:t>of</a:t>
-            </a:r>
-            <a:r>
-              <a:rPr lang="de-DE" baseline="0" dirty="0"/>
-              <a:t> </a:t>
-            </a:r>
-            <a:r>
-              <a:rPr lang="de-DE" baseline="0" dirty="0" err="1"/>
-              <a:t>the</a:t>
-            </a:r>
-            <a:r>
-              <a:rPr lang="de-DE" baseline="0" dirty="0"/>
-              <a:t> </a:t>
-            </a:r>
-            <a:r>
-              <a:rPr lang="de-DE" baseline="0" dirty="0" err="1"/>
-              <a:t>cell</a:t>
-            </a:r>
-            <a:r>
-              <a:rPr lang="de-DE" baseline="0" dirty="0"/>
-              <a:t> </a:t>
-            </a:r>
-            <a:r>
-              <a:rPr lang="de-DE" baseline="0" dirty="0" err="1"/>
-              <a:t>cycle</a:t>
-            </a:r>
-            <a:r>
-              <a:rPr lang="de-DE" baseline="0" dirty="0"/>
-              <a:t> </a:t>
-            </a:r>
-            <a:r>
-              <a:rPr lang="de-DE" baseline="0" dirty="0" err="1"/>
-              <a:t>to</a:t>
-            </a:r>
-            <a:r>
-              <a:rPr lang="de-DE" baseline="0" dirty="0"/>
-              <a:t> </a:t>
-            </a:r>
-            <a:r>
-              <a:rPr lang="de-DE" baseline="0" dirty="0" err="1"/>
-              <a:t>see</a:t>
-            </a:r>
-            <a:r>
-              <a:rPr lang="de-DE" baseline="0" dirty="0"/>
-              <a:t> </a:t>
-            </a:r>
-            <a:r>
-              <a:rPr lang="de-DE" baseline="0" dirty="0" err="1"/>
-              <a:t>if</a:t>
-            </a:r>
-            <a:r>
-              <a:rPr lang="de-DE" baseline="0" dirty="0"/>
-              <a:t> </a:t>
-            </a:r>
-            <a:r>
-              <a:rPr lang="de-DE" baseline="0" dirty="0" err="1"/>
-              <a:t>we</a:t>
-            </a:r>
-            <a:r>
-              <a:rPr lang="de-DE" baseline="0" dirty="0"/>
-              <a:t> </a:t>
-            </a:r>
-            <a:r>
-              <a:rPr lang="de-DE" baseline="0" dirty="0" err="1"/>
-              <a:t>could</a:t>
-            </a:r>
-            <a:r>
-              <a:rPr lang="de-DE" baseline="0" dirty="0"/>
-              <a:t> </a:t>
-            </a:r>
-            <a:r>
-              <a:rPr lang="de-DE" baseline="0" dirty="0" err="1"/>
-              <a:t>identify</a:t>
-            </a:r>
-            <a:r>
-              <a:rPr lang="de-DE" baseline="0" dirty="0"/>
-              <a:t> </a:t>
-            </a:r>
-            <a:r>
-              <a:rPr lang="de-DE" baseline="0" dirty="0" err="1"/>
-              <a:t>changes</a:t>
-            </a:r>
             <a:endParaRPr lang="de-DE" dirty="0"/>
           </a:p>
         </p:txBody>
@@ -7190,18 +6542,18 @@
           <a:bodyPr/>
           <a:lstStyle/>
           <a:p>
-            <a:fld id="{DE3B62AE-3B17-4B0C-A534-34D6AFEF94BD}" type="slidenum">
-              <a:rPr lang="de-DE" smtClean="0"/>
-              <a:t>29</a:t>
+            <a:fld id="{CAD725D7-3157-4FF7-8F2A-10244555D54B}" type="slidenum">
+              <a:rPr lang="en-GB" smtClean="0"/>
+              <a:t>27</a:t>
             </a:fld>
-            <a:endParaRPr lang="de-DE"/>
+            <a:endParaRPr lang="en-GB"/>
           </a:p>
         </p:txBody>
       </p:sp>
     </p:spTree>
     <p:extLst>
       <p:ext uri="{BB962C8B-B14F-4D97-AF65-F5344CB8AC3E}">
-        <p14:creationId xmlns:p14="http://schemas.microsoft.com/office/powerpoint/2010/main" val="943831144"/>
+        <p14:creationId xmlns:p14="http://schemas.microsoft.com/office/powerpoint/2010/main" val="3817140288"/>
       </p:ext>
     </p:extLst>
   </p:cSld>
@@ -7255,6 +6607,763 @@
           <a:bodyPr/>
           <a:lstStyle/>
           <a:p>
+            <a:r>
+              <a:rPr lang="de-DE" dirty="0"/>
+              <a:t>RNA </a:t>
+            </a:r>
+            <a:r>
+              <a:rPr lang="de-DE" dirty="0" err="1"/>
+              <a:t>recognition</a:t>
+            </a:r>
+            <a:r>
+              <a:rPr lang="de-DE" dirty="0"/>
+              <a:t> </a:t>
+            </a:r>
+            <a:r>
+              <a:rPr lang="de-DE" dirty="0" err="1"/>
+              <a:t>motiv</a:t>
+            </a:r>
+            <a:endParaRPr lang="de-DE" dirty="0"/>
+          </a:p>
+          <a:p>
+            <a:pPr marL="171450" indent="-171450">
+              <a:buFontTx/>
+              <a:buChar char="-"/>
+            </a:pPr>
+            <a:r>
+              <a:rPr lang="de-DE" dirty="0"/>
+              <a:t>90 </a:t>
+            </a:r>
+            <a:r>
+              <a:rPr lang="de-DE" dirty="0" err="1"/>
+              <a:t>amino</a:t>
+            </a:r>
+            <a:r>
+              <a:rPr lang="de-DE" baseline="0" dirty="0"/>
+              <a:t> </a:t>
+            </a:r>
+            <a:r>
+              <a:rPr lang="de-DE" baseline="0" dirty="0" err="1"/>
+              <a:t>acids</a:t>
+            </a:r>
+            <a:endParaRPr lang="de-DE" baseline="0" dirty="0"/>
+          </a:p>
+          <a:p>
+            <a:pPr marL="0" indent="0">
+              <a:buFont typeface="Arial" panose="020B0604020202020204" pitchFamily="34" charset="0"/>
+              <a:buNone/>
+            </a:pPr>
+            <a:r>
+              <a:rPr lang="de-DE" sz="1200" dirty="0"/>
+              <a:t>Definition</a:t>
+            </a:r>
+          </a:p>
+          <a:p>
+            <a:pPr marL="171450" indent="-171450">
+              <a:buFontTx/>
+              <a:buChar char="-"/>
+            </a:pPr>
+            <a:r>
+              <a:rPr lang="de-DE" sz="1200" dirty="0"/>
+              <a:t>RNA </a:t>
+            </a:r>
+            <a:r>
+              <a:rPr lang="de-DE" sz="1200" dirty="0" err="1"/>
+              <a:t>binding</a:t>
+            </a:r>
+            <a:endParaRPr lang="de-DE" sz="1200" dirty="0"/>
+          </a:p>
+          <a:p>
+            <a:pPr marL="171450" indent="-171450">
+              <a:buFontTx/>
+              <a:buChar char="-"/>
+            </a:pPr>
+            <a:r>
+              <a:rPr lang="de-DE" sz="1200" dirty="0"/>
+              <a:t>RNA </a:t>
+            </a:r>
+            <a:r>
+              <a:rPr lang="de-DE" sz="1200" dirty="0" err="1"/>
+              <a:t>dependent</a:t>
+            </a:r>
+            <a:r>
+              <a:rPr lang="de-DE" sz="1200" dirty="0"/>
+              <a:t> (</a:t>
+            </a:r>
+            <a:r>
+              <a:rPr lang="de-DE" sz="1200" dirty="0" err="1">
+                <a:solidFill>
+                  <a:srgbClr val="0070C0"/>
+                </a:solidFill>
+              </a:rPr>
+              <a:t>interactome</a:t>
+            </a:r>
+            <a:r>
+              <a:rPr lang="de-DE" sz="1200" dirty="0"/>
+              <a:t> </a:t>
+            </a:r>
+            <a:r>
+              <a:rPr lang="de-DE" sz="1200" dirty="0" err="1"/>
+              <a:t>depends</a:t>
+            </a:r>
+            <a:r>
+              <a:rPr lang="de-DE" sz="1200" dirty="0"/>
+              <a:t> on RNA)</a:t>
+            </a:r>
+          </a:p>
+          <a:p>
+            <a:pPr marL="171450" indent="-171450">
+              <a:buFontTx/>
+              <a:buChar char="-"/>
+            </a:pPr>
+            <a:endParaRPr lang="de-DE" sz="1200" dirty="0"/>
+          </a:p>
+          <a:p>
+            <a:r>
+              <a:rPr lang="de-DE" dirty="0" err="1"/>
+              <a:t>Amino</a:t>
+            </a:r>
+            <a:r>
+              <a:rPr lang="de-DE" dirty="0"/>
+              <a:t> </a:t>
+            </a:r>
+            <a:r>
+              <a:rPr lang="de-DE" dirty="0" err="1"/>
+              <a:t>acid</a:t>
+            </a:r>
+            <a:r>
+              <a:rPr lang="de-DE" dirty="0"/>
+              <a:t> </a:t>
+            </a:r>
+            <a:r>
+              <a:rPr lang="de-DE" dirty="0" err="1"/>
+              <a:t>preferences</a:t>
+            </a:r>
+            <a:r>
+              <a:rPr lang="de-DE" dirty="0"/>
+              <a:t>: </a:t>
+            </a:r>
+          </a:p>
+          <a:p>
+            <a:endParaRPr lang="de-DE" dirty="0"/>
+          </a:p>
+          <a:p>
+            <a:r>
+              <a:rPr lang="de-DE" dirty="0"/>
+              <a:t>Regression</a:t>
+            </a:r>
+            <a:r>
+              <a:rPr lang="de-DE" baseline="0" dirty="0"/>
+              <a:t> </a:t>
+            </a:r>
+            <a:r>
+              <a:rPr lang="de-DE" baseline="0" dirty="0" err="1"/>
+              <a:t>analysis</a:t>
+            </a:r>
+            <a:r>
+              <a:rPr lang="de-DE" baseline="0" dirty="0"/>
+              <a:t>: </a:t>
+            </a:r>
+            <a:r>
+              <a:rPr lang="de-DE" baseline="0" dirty="0" err="1"/>
+              <a:t>can</a:t>
+            </a:r>
+            <a:r>
+              <a:rPr lang="de-DE" baseline="0" dirty="0"/>
+              <a:t> </a:t>
+            </a:r>
+            <a:r>
+              <a:rPr lang="de-DE" baseline="0" dirty="0" err="1"/>
+              <a:t>we</a:t>
+            </a:r>
+            <a:r>
+              <a:rPr lang="de-DE" baseline="0" dirty="0"/>
+              <a:t> </a:t>
+            </a:r>
+            <a:r>
+              <a:rPr lang="de-DE" baseline="0" dirty="0" err="1"/>
+              <a:t>predict</a:t>
+            </a:r>
+            <a:r>
+              <a:rPr lang="de-DE" baseline="0" dirty="0"/>
+              <a:t> </a:t>
+            </a:r>
+            <a:r>
+              <a:rPr lang="de-DE" baseline="0" dirty="0" err="1"/>
+              <a:t>if</a:t>
+            </a:r>
+            <a:r>
+              <a:rPr lang="de-DE" baseline="0" dirty="0"/>
+              <a:t> a </a:t>
+            </a:r>
+            <a:r>
+              <a:rPr lang="de-DE" baseline="0" dirty="0" err="1"/>
+              <a:t>protein</a:t>
+            </a:r>
+            <a:r>
+              <a:rPr lang="de-DE" baseline="0" dirty="0"/>
+              <a:t> </a:t>
+            </a:r>
+            <a:r>
+              <a:rPr lang="de-DE" baseline="0" dirty="0" err="1"/>
+              <a:t>is</a:t>
+            </a:r>
+            <a:r>
+              <a:rPr lang="de-DE" baseline="0" dirty="0"/>
+              <a:t> RNA </a:t>
+            </a:r>
+            <a:r>
+              <a:rPr lang="de-DE" baseline="0" dirty="0" err="1"/>
+              <a:t>dependent</a:t>
+            </a:r>
+            <a:r>
+              <a:rPr lang="de-DE" baseline="0" dirty="0"/>
+              <a:t> </a:t>
+            </a:r>
+            <a:r>
+              <a:rPr lang="de-DE" baseline="0" dirty="0" err="1"/>
+              <a:t>by</a:t>
+            </a:r>
+            <a:r>
+              <a:rPr lang="de-DE" baseline="0" dirty="0"/>
+              <a:t> </a:t>
+            </a:r>
+            <a:r>
+              <a:rPr lang="de-DE" baseline="0" dirty="0" err="1"/>
+              <a:t>looking</a:t>
+            </a:r>
+            <a:r>
+              <a:rPr lang="de-DE" baseline="0" dirty="0"/>
+              <a:t> at ist </a:t>
+            </a:r>
+            <a:r>
+              <a:rPr lang="de-DE" baseline="0" dirty="0" err="1"/>
+              <a:t>domains</a:t>
+            </a:r>
+            <a:r>
+              <a:rPr lang="de-DE" baseline="0" dirty="0"/>
+              <a:t> and </a:t>
+            </a:r>
+            <a:r>
+              <a:rPr lang="de-DE" baseline="0" dirty="0" err="1"/>
+              <a:t>its</a:t>
+            </a:r>
+            <a:r>
+              <a:rPr lang="de-DE" baseline="0" dirty="0"/>
+              <a:t> </a:t>
+            </a:r>
+            <a:r>
+              <a:rPr lang="de-DE" baseline="0" dirty="0" err="1"/>
+              <a:t>amino</a:t>
+            </a:r>
+            <a:r>
+              <a:rPr lang="de-DE" baseline="0" dirty="0"/>
+              <a:t> </a:t>
+            </a:r>
+            <a:r>
+              <a:rPr lang="de-DE" baseline="0" dirty="0" err="1"/>
+              <a:t>acid</a:t>
+            </a:r>
+            <a:r>
+              <a:rPr lang="de-DE" baseline="0" dirty="0"/>
+              <a:t> </a:t>
+            </a:r>
+            <a:r>
+              <a:rPr lang="de-DE" baseline="0" dirty="0" err="1"/>
+              <a:t>preferences</a:t>
+            </a:r>
+            <a:endParaRPr lang="de-DE" baseline="0" dirty="0"/>
+          </a:p>
+          <a:p>
+            <a:pPr marL="171450" indent="-171450">
+              <a:buFontTx/>
+              <a:buChar char="-"/>
+            </a:pPr>
+            <a:r>
+              <a:rPr lang="de-DE" baseline="0" dirty="0" err="1"/>
+              <a:t>How</a:t>
+            </a:r>
+            <a:r>
+              <a:rPr lang="de-DE" baseline="0" dirty="0"/>
+              <a:t> </a:t>
+            </a:r>
+            <a:r>
+              <a:rPr lang="de-DE" baseline="0" dirty="0" err="1"/>
+              <a:t>many</a:t>
+            </a:r>
+            <a:r>
+              <a:rPr lang="de-DE" baseline="0" dirty="0"/>
+              <a:t> </a:t>
+            </a:r>
+            <a:r>
+              <a:rPr lang="de-DE" baseline="0" dirty="0" err="1"/>
+              <a:t>other</a:t>
+            </a:r>
+            <a:r>
+              <a:rPr lang="de-DE" baseline="0" dirty="0"/>
+              <a:t> </a:t>
+            </a:r>
+            <a:r>
+              <a:rPr lang="de-DE" baseline="0" dirty="0" err="1"/>
+              <a:t>traits</a:t>
+            </a:r>
+            <a:r>
+              <a:rPr lang="de-DE" baseline="0" dirty="0"/>
+              <a:t> (e.g. </a:t>
+            </a:r>
+            <a:r>
+              <a:rPr lang="de-DE" baseline="0" dirty="0" err="1"/>
+              <a:t>the</a:t>
+            </a:r>
+            <a:r>
+              <a:rPr lang="de-DE" baseline="0" dirty="0"/>
+              <a:t> </a:t>
+            </a:r>
+            <a:r>
+              <a:rPr lang="de-DE" baseline="0" dirty="0" err="1"/>
+              <a:t>isoelectric</a:t>
+            </a:r>
+            <a:r>
+              <a:rPr lang="de-DE" baseline="0" dirty="0"/>
+              <a:t> </a:t>
+            </a:r>
+            <a:r>
+              <a:rPr lang="de-DE" baseline="0" dirty="0" err="1"/>
+              <a:t>point</a:t>
+            </a:r>
+            <a:r>
+              <a:rPr lang="de-DE" baseline="0" dirty="0"/>
+              <a:t>) do </a:t>
+            </a:r>
+            <a:r>
+              <a:rPr lang="de-DE" baseline="0" dirty="0" err="1"/>
+              <a:t>we</a:t>
+            </a:r>
+            <a:r>
+              <a:rPr lang="de-DE" baseline="0" dirty="0"/>
+              <a:t> </a:t>
+            </a:r>
+            <a:r>
+              <a:rPr lang="de-DE" baseline="0" dirty="0" err="1"/>
+              <a:t>have</a:t>
+            </a:r>
+            <a:r>
+              <a:rPr lang="de-DE" baseline="0" dirty="0"/>
+              <a:t> </a:t>
+            </a:r>
+            <a:r>
+              <a:rPr lang="de-DE" baseline="0" dirty="0" err="1"/>
+              <a:t>to</a:t>
+            </a:r>
+            <a:r>
+              <a:rPr lang="de-DE" baseline="0" dirty="0"/>
+              <a:t> </a:t>
+            </a:r>
+            <a:r>
+              <a:rPr lang="de-DE" baseline="0" dirty="0" err="1"/>
+              <a:t>include</a:t>
+            </a:r>
+            <a:r>
+              <a:rPr lang="de-DE" baseline="0" dirty="0"/>
+              <a:t> </a:t>
+            </a:r>
+            <a:r>
+              <a:rPr lang="de-DE" baseline="0" dirty="0" err="1"/>
+              <a:t>to</a:t>
+            </a:r>
+            <a:r>
+              <a:rPr lang="de-DE" baseline="0" dirty="0"/>
+              <a:t> </a:t>
+            </a:r>
+            <a:r>
+              <a:rPr lang="de-DE" baseline="0" dirty="0" err="1"/>
+              <a:t>make</a:t>
+            </a:r>
+            <a:r>
+              <a:rPr lang="de-DE" baseline="0" dirty="0"/>
+              <a:t> </a:t>
+            </a:r>
+            <a:r>
+              <a:rPr lang="de-DE" baseline="0" dirty="0" err="1"/>
+              <a:t>accurate</a:t>
+            </a:r>
+            <a:r>
+              <a:rPr lang="de-DE" baseline="0" dirty="0"/>
+              <a:t> </a:t>
+            </a:r>
+            <a:r>
+              <a:rPr lang="de-DE" baseline="0" dirty="0" err="1"/>
+              <a:t>predictions</a:t>
+            </a:r>
+            <a:r>
+              <a:rPr lang="de-DE" baseline="0" dirty="0"/>
+              <a:t>?</a:t>
+            </a:r>
+          </a:p>
+          <a:p>
+            <a:pPr marL="171450" indent="-171450">
+              <a:buFontTx/>
+              <a:buChar char="-"/>
+            </a:pPr>
+            <a:endParaRPr lang="de-DE" baseline="0" dirty="0"/>
+          </a:p>
+          <a:p>
+            <a:pPr marL="171450" indent="-171450">
+              <a:buFontTx/>
+              <a:buChar char="-"/>
+            </a:pPr>
+            <a:r>
+              <a:rPr lang="de-DE" baseline="0" dirty="0" err="1"/>
+              <a:t>Comparison</a:t>
+            </a:r>
+            <a:r>
+              <a:rPr lang="de-DE" baseline="0" dirty="0"/>
+              <a:t> </a:t>
+            </a:r>
+            <a:r>
+              <a:rPr lang="de-DE" baseline="0" dirty="0" err="1"/>
+              <a:t>with</a:t>
+            </a:r>
+            <a:r>
+              <a:rPr lang="de-DE" baseline="0" dirty="0"/>
+              <a:t> </a:t>
+            </a:r>
+            <a:r>
+              <a:rPr lang="de-DE" baseline="0" dirty="0" err="1"/>
+              <a:t>protein</a:t>
+            </a:r>
+            <a:r>
+              <a:rPr lang="de-DE" baseline="0" dirty="0"/>
+              <a:t> </a:t>
+            </a:r>
+            <a:r>
+              <a:rPr lang="de-DE" baseline="0" dirty="0" err="1"/>
+              <a:t>databases</a:t>
+            </a:r>
+            <a:r>
+              <a:rPr lang="de-DE" baseline="0" dirty="0"/>
+              <a:t>: </a:t>
+            </a:r>
+            <a:r>
+              <a:rPr lang="de-DE" baseline="0" dirty="0" err="1"/>
+              <a:t>later</a:t>
+            </a:r>
+            <a:r>
+              <a:rPr lang="de-DE" baseline="0" dirty="0"/>
+              <a:t>: </a:t>
+            </a:r>
+            <a:r>
+              <a:rPr lang="de-DE" baseline="0" dirty="0" err="1"/>
+              <a:t>what</a:t>
+            </a:r>
+            <a:r>
+              <a:rPr lang="de-DE" baseline="0" dirty="0"/>
+              <a:t> </a:t>
+            </a:r>
+            <a:r>
+              <a:rPr lang="de-DE" baseline="0" dirty="0" err="1"/>
+              <a:t>other</a:t>
+            </a:r>
+            <a:r>
+              <a:rPr lang="de-DE" baseline="0" dirty="0"/>
+              <a:t> </a:t>
+            </a:r>
+            <a:r>
+              <a:rPr lang="de-DE" baseline="0" dirty="0" err="1"/>
+              <a:t>traits</a:t>
+            </a:r>
+            <a:r>
+              <a:rPr lang="de-DE" baseline="0" dirty="0"/>
+              <a:t> do </a:t>
+            </a:r>
+            <a:r>
+              <a:rPr lang="de-DE" baseline="0" dirty="0" err="1"/>
+              <a:t>the</a:t>
+            </a:r>
+            <a:r>
+              <a:rPr lang="de-DE" baseline="0" dirty="0"/>
+              <a:t> RBPs </a:t>
+            </a:r>
+            <a:r>
+              <a:rPr lang="de-DE" baseline="0" dirty="0" err="1"/>
+              <a:t>we</a:t>
+            </a:r>
+            <a:r>
+              <a:rPr lang="de-DE" baseline="0" dirty="0"/>
+              <a:t> </a:t>
+            </a:r>
+            <a:r>
+              <a:rPr lang="de-DE" baseline="0" dirty="0" err="1"/>
+              <a:t>identify</a:t>
+            </a:r>
+            <a:r>
+              <a:rPr lang="de-DE" baseline="0" dirty="0"/>
+              <a:t> </a:t>
+            </a:r>
+            <a:r>
+              <a:rPr lang="de-DE" baseline="0" dirty="0" err="1"/>
+              <a:t>have</a:t>
+            </a:r>
+            <a:r>
+              <a:rPr lang="de-DE" baseline="0" dirty="0"/>
+              <a:t> in </a:t>
+            </a:r>
+            <a:r>
+              <a:rPr lang="de-DE" baseline="0" dirty="0" err="1"/>
+              <a:t>common</a:t>
+            </a:r>
+            <a:endParaRPr lang="de-DE" dirty="0"/>
+          </a:p>
+          <a:p>
+            <a:pPr marL="0" indent="0">
+              <a:buFontTx/>
+              <a:buNone/>
+            </a:pPr>
+            <a:endParaRPr lang="de-DE" sz="1200" dirty="0"/>
+          </a:p>
+          <a:p>
+            <a:pPr marL="0" indent="0">
+              <a:buFontTx/>
+              <a:buNone/>
+            </a:pPr>
+            <a:r>
+              <a:rPr lang="de-DE" dirty="0" err="1"/>
+              <a:t>Enable</a:t>
+            </a:r>
+            <a:r>
+              <a:rPr lang="de-DE" dirty="0"/>
+              <a:t> a </a:t>
+            </a:r>
+            <a:r>
+              <a:rPr lang="de-DE" dirty="0" err="1"/>
+              <a:t>fine</a:t>
+            </a:r>
+            <a:r>
+              <a:rPr lang="de-DE" dirty="0"/>
+              <a:t> </a:t>
+            </a:r>
+            <a:r>
+              <a:rPr lang="de-DE" dirty="0" err="1"/>
+              <a:t>tuned</a:t>
+            </a:r>
+            <a:r>
+              <a:rPr lang="de-DE" baseline="0" dirty="0"/>
+              <a:t> </a:t>
+            </a:r>
+            <a:r>
+              <a:rPr lang="de-DE" baseline="0" dirty="0" err="1"/>
+              <a:t>regulation</a:t>
+            </a:r>
+            <a:r>
+              <a:rPr lang="de-DE" baseline="0" dirty="0"/>
+              <a:t> </a:t>
+            </a:r>
+            <a:r>
+              <a:rPr lang="de-DE" baseline="0" dirty="0" err="1"/>
+              <a:t>of</a:t>
+            </a:r>
+            <a:r>
+              <a:rPr lang="de-DE" baseline="0" dirty="0"/>
+              <a:t> RNA</a:t>
+            </a:r>
+          </a:p>
+          <a:p>
+            <a:pPr marL="0" indent="0">
+              <a:buFontTx/>
+              <a:buNone/>
+            </a:pPr>
+            <a:r>
+              <a:rPr lang="de-DE" baseline="0" dirty="0" err="1"/>
+              <a:t>We</a:t>
+            </a:r>
+            <a:r>
+              <a:rPr lang="de-DE" baseline="0" dirty="0"/>
+              <a:t> </a:t>
+            </a:r>
+            <a:r>
+              <a:rPr lang="de-DE" baseline="0" dirty="0" err="1"/>
+              <a:t>looked</a:t>
+            </a:r>
+            <a:r>
+              <a:rPr lang="de-DE" baseline="0" dirty="0"/>
+              <a:t> at 2 </a:t>
+            </a:r>
+            <a:r>
+              <a:rPr lang="de-DE" baseline="0" dirty="0" err="1"/>
+              <a:t>phases</a:t>
+            </a:r>
+            <a:r>
+              <a:rPr lang="de-DE" baseline="0" dirty="0"/>
+              <a:t> </a:t>
+            </a:r>
+            <a:r>
+              <a:rPr lang="de-DE" baseline="0" dirty="0" err="1"/>
+              <a:t>of</a:t>
+            </a:r>
+            <a:r>
+              <a:rPr lang="de-DE" baseline="0" dirty="0"/>
+              <a:t> </a:t>
+            </a:r>
+            <a:r>
+              <a:rPr lang="de-DE" baseline="0" dirty="0" err="1"/>
+              <a:t>the</a:t>
+            </a:r>
+            <a:r>
+              <a:rPr lang="de-DE" baseline="0" dirty="0"/>
+              <a:t> </a:t>
+            </a:r>
+            <a:r>
+              <a:rPr lang="de-DE" baseline="0" dirty="0" err="1"/>
+              <a:t>cell</a:t>
+            </a:r>
+            <a:r>
+              <a:rPr lang="de-DE" baseline="0" dirty="0"/>
+              <a:t> </a:t>
+            </a:r>
+            <a:r>
+              <a:rPr lang="de-DE" baseline="0" dirty="0" err="1"/>
+              <a:t>cycle</a:t>
+            </a:r>
+            <a:r>
+              <a:rPr lang="de-DE" baseline="0" dirty="0"/>
+              <a:t> </a:t>
+            </a:r>
+            <a:r>
+              <a:rPr lang="de-DE" baseline="0" dirty="0" err="1"/>
+              <a:t>to</a:t>
+            </a:r>
+            <a:r>
+              <a:rPr lang="de-DE" baseline="0" dirty="0"/>
+              <a:t> </a:t>
+            </a:r>
+            <a:r>
+              <a:rPr lang="de-DE" baseline="0" dirty="0" err="1"/>
+              <a:t>see</a:t>
+            </a:r>
+            <a:r>
+              <a:rPr lang="de-DE" baseline="0" dirty="0"/>
+              <a:t> </a:t>
+            </a:r>
+            <a:r>
+              <a:rPr lang="de-DE" baseline="0" dirty="0" err="1"/>
+              <a:t>if</a:t>
+            </a:r>
+            <a:r>
+              <a:rPr lang="de-DE" baseline="0" dirty="0"/>
+              <a:t> </a:t>
+            </a:r>
+            <a:r>
+              <a:rPr lang="de-DE" baseline="0" dirty="0" err="1"/>
+              <a:t>we</a:t>
+            </a:r>
+            <a:r>
+              <a:rPr lang="de-DE" baseline="0" dirty="0"/>
+              <a:t> </a:t>
+            </a:r>
+            <a:r>
+              <a:rPr lang="de-DE" baseline="0" dirty="0" err="1"/>
+              <a:t>could</a:t>
+            </a:r>
+            <a:r>
+              <a:rPr lang="de-DE" baseline="0" dirty="0"/>
+              <a:t> </a:t>
+            </a:r>
+            <a:r>
+              <a:rPr lang="de-DE" baseline="0" dirty="0" err="1"/>
+              <a:t>identify</a:t>
+            </a:r>
+            <a:r>
+              <a:rPr lang="de-DE" baseline="0" dirty="0"/>
+              <a:t> </a:t>
+            </a:r>
+            <a:r>
+              <a:rPr lang="de-DE" baseline="0" dirty="0" err="1"/>
+              <a:t>changes</a:t>
+            </a:r>
+            <a:endParaRPr lang="de-DE" dirty="0"/>
+          </a:p>
+        </p:txBody>
+      </p:sp>
+      <p:sp>
+        <p:nvSpPr>
+          <p:cNvPr id="4" name="Foliennummernplatzhalter 3"/>
+          <p:cNvSpPr>
+            <a:spLocks noGrp="1"/>
+          </p:cNvSpPr>
+          <p:nvPr>
+            <p:ph type="sldNum" sz="quarter" idx="10"/>
+          </p:nvPr>
+        </p:nvSpPr>
+        <p:spPr/>
+        <p:txBody>
+          <a:bodyPr/>
+          <a:lstStyle/>
+          <a:p>
+            <a:fld id="{DE3B62AE-3B17-4B0C-A534-34D6AFEF94BD}" type="slidenum">
+              <a:rPr lang="de-DE" smtClean="0"/>
+              <a:t>28</a:t>
+            </a:fld>
+            <a:endParaRPr lang="de-DE"/>
+          </a:p>
+        </p:txBody>
+      </p:sp>
+    </p:spTree>
+    <p:extLst>
+      <p:ext uri="{BB962C8B-B14F-4D97-AF65-F5344CB8AC3E}">
+        <p14:creationId xmlns:p14="http://schemas.microsoft.com/office/powerpoint/2010/main" val="943831144"/>
+      </p:ext>
+    </p:extLst>
+  </p:cSld>
+  <p:clrMapOvr>
+    <a:masterClrMapping/>
+  </p:clrMapOvr>
+</p:notes>
+</file>
+
+<file path=ppt/notesSlides/notesSlide15.xml><?xml version="1.0" encoding="utf-8"?>
+<p:notes xmlns:a="http://schemas.openxmlformats.org/drawingml/2006/main" xmlns:r="http://schemas.openxmlformats.org/officeDocument/2006/relationships" xmlns:p="http://schemas.openxmlformats.org/presentationml/2006/main">
+  <p:cSld>
+    <p:spTree>
+      <p:nvGrpSpPr>
+        <p:cNvPr id="1" name=""/>
+        <p:cNvGrpSpPr/>
+        <p:nvPr/>
+      </p:nvGrpSpPr>
+      <p:grpSpPr>
+        <a:xfrm>
+          <a:off x="0" y="0"/>
+          <a:ext cx="0" cy="0"/>
+          <a:chOff x="0" y="0"/>
+          <a:chExt cx="0" cy="0"/>
+        </a:xfrm>
+      </p:grpSpPr>
+      <p:sp>
+        <p:nvSpPr>
+          <p:cNvPr id="2" name="Folienbildplatzhalter 1"/>
+          <p:cNvSpPr>
+            <a:spLocks noGrp="1" noRot="1" noChangeAspect="1"/>
+          </p:cNvSpPr>
+          <p:nvPr>
+            <p:ph type="sldImg"/>
+          </p:nvPr>
+        </p:nvSpPr>
+        <p:spPr/>
+      </p:sp>
+      <p:sp>
+        <p:nvSpPr>
+          <p:cNvPr id="3" name="Notizenplatzhalter 2"/>
+          <p:cNvSpPr>
+            <a:spLocks noGrp="1"/>
+          </p:cNvSpPr>
+          <p:nvPr>
+            <p:ph type="body" idx="1"/>
+          </p:nvPr>
+        </p:nvSpPr>
+        <p:spPr/>
+        <p:txBody>
+          <a:bodyPr/>
+          <a:lstStyle/>
+          <a:p>
             <a:pPr marL="171450" indent="-171450">
               <a:buFontTx/>
               <a:buChar char="-"/>
@@ -7367,7 +7476,7 @@
           <a:p>
             <a:fld id="{CAD725D7-3157-4FF7-8F2A-10244555D54B}" type="slidenum">
               <a:rPr lang="en-GB" smtClean="0"/>
-              <a:t>30</a:t>
+              <a:t>29</a:t>
             </a:fld>
             <a:endParaRPr lang="en-GB"/>
           </a:p>
@@ -9416,6 +9525,31 @@
             <a:r>
               <a:rPr lang="de-DE" baseline="0" dirty="0" smtClean="0"/>
               <a:t>!</a:t>
+            </a:r>
+          </a:p>
+          <a:p>
+            <a:endParaRPr lang="de-DE" baseline="0" dirty="0" smtClean="0"/>
+          </a:p>
+          <a:p>
+            <a:r>
+              <a:rPr lang="de-DE" baseline="0" dirty="0" err="1" smtClean="0"/>
+              <a:t>Coiled</a:t>
+            </a:r>
+            <a:r>
+              <a:rPr lang="de-DE" baseline="0" dirty="0" smtClean="0"/>
+              <a:t> </a:t>
+            </a:r>
+            <a:r>
+              <a:rPr lang="de-DE" baseline="0" dirty="0" err="1" smtClean="0"/>
+              <a:t>coil</a:t>
+            </a:r>
+            <a:r>
+              <a:rPr lang="de-DE" baseline="0" dirty="0" smtClean="0"/>
+              <a:t>: 81 </a:t>
+            </a:r>
+            <a:r>
+              <a:rPr lang="de-DE" baseline="0" dirty="0" err="1" smtClean="0"/>
+              <a:t>proteins</a:t>
             </a:r>
             <a:endParaRPr lang="de-DE" dirty="0"/>
           </a:p>
@@ -12683,7 +12817,7 @@
                 <a16:creationId xmlns:a16="http://schemas.microsoft.com/office/drawing/2014/main" id="{41E60544-1BC9-CE72-0547-00E3C87E7E62}"/>
               </a:ext>
               <a:ext uri="{C183D7F6-B498-43B3-948B-1728B52AA6E4}">
-                <adec:decorative xmlns:adec="http://schemas.microsoft.com/office/drawing/2017/decorative" xmlns="" val="0"/>
+                <adec:decorative xmlns="" xmlns:adec="http://schemas.microsoft.com/office/drawing/2017/decorative" val="0"/>
               </a:ext>
             </a:extLst>
           </p:cNvPr>
@@ -12721,7 +12855,7 @@
                 <a16:creationId xmlns:a16="http://schemas.microsoft.com/office/drawing/2014/main" id="{D928DD85-BB99-450D-A702-2683E0296282}"/>
               </a:ext>
               <a:ext uri="{C183D7F6-B498-43B3-948B-1728B52AA6E4}">
-                <adec:decorative xmlns:adec="http://schemas.microsoft.com/office/drawing/2017/decorative" xmlns="" val="1"/>
+                <adec:decorative xmlns="" xmlns:adec="http://schemas.microsoft.com/office/drawing/2017/decorative" val="1"/>
               </a:ext>
             </a:extLst>
           </p:cNvPr>
@@ -12878,7 +13012,7 @@
                 <a16:creationId xmlns:a16="http://schemas.microsoft.com/office/drawing/2014/main" id="{240E5BD2-4019-4012-A1AA-628900E659E9}"/>
               </a:ext>
               <a:ext uri="{C183D7F6-B498-43B3-948B-1728B52AA6E4}">
-                <adec:decorative xmlns:adec="http://schemas.microsoft.com/office/drawing/2017/decorative" xmlns="" val="1"/>
+                <adec:decorative xmlns="" xmlns:adec="http://schemas.microsoft.com/office/drawing/2017/decorative" val="1"/>
               </a:ext>
             </a:extLst>
           </p:cNvPr>
@@ -21621,7 +21755,7 @@
         </p:blipFill>
         <p:spPr>
           <a:xfrm>
-            <a:off x="627320" y="3039869"/>
+            <a:off x="430372" y="2658420"/>
             <a:ext cx="3324617" cy="3236771"/>
           </a:xfrm>
           <a:prstGeom prst="rect">
@@ -21637,7 +21771,7 @@
         </p:nvSpPr>
         <p:spPr>
           <a:xfrm>
-            <a:off x="7520815" y="2919577"/>
+            <a:off x="6143251" y="5609596"/>
             <a:ext cx="3880236" cy="1015663"/>
           </a:xfrm>
           <a:prstGeom prst="rect">
@@ -21674,8 +21808,12 @@
               <a:t> 1181 </a:t>
             </a:r>
             <a:r>
-              <a:rPr lang="de-DE" sz="2000" dirty="0" err="1"/>
+              <a:rPr lang="de-DE" sz="2000" dirty="0" err="1" smtClean="0"/>
               <a:t>proteins</a:t>
+            </a:r>
+            <a:r>
+              <a:rPr lang="de-DE" sz="2000" dirty="0" smtClean="0"/>
+              <a:t>: 59.9%</a:t>
             </a:r>
             <a:endParaRPr lang="de-DE" sz="2000" dirty="0"/>
           </a:p>
@@ -21848,6 +21986,30 @@
           </a:p>
         </p:txBody>
       </p:sp>
+      <p:pic>
+        <p:nvPicPr>
+          <p:cNvPr id="7" name="Grafik 6"/>
+          <p:cNvPicPr>
+            <a:picLocks noChangeAspect="1"/>
+          </p:cNvPicPr>
+          <p:nvPr/>
+        </p:nvPicPr>
+        <p:blipFill>
+          <a:blip r:embed="rId5"/>
+          <a:stretch>
+            <a:fillRect/>
+          </a:stretch>
+        </p:blipFill>
+        <p:spPr>
+          <a:xfrm>
+            <a:off x="6143251" y="2658420"/>
+            <a:ext cx="4418825" cy="2822551"/>
+          </a:xfrm>
+          <a:prstGeom prst="rect">
+            <a:avLst/>
+          </a:prstGeom>
+        </p:spPr>
+      </p:pic>
     </p:spTree>
     <p:extLst>
       <p:ext uri="{BB962C8B-B14F-4D97-AF65-F5344CB8AC3E}">
@@ -22022,7 +22184,7 @@
                             </p:stCondLst>
                             <p:childTnLst>
                               <p:par>
-                                <p:cTn id="18" presetID="1" presetClass="entr" presetSubtype="0" fill="hold" grpId="0" nodeType="clickEffect">
+                                <p:cTn id="18" presetID="22" presetClass="entr" presetSubtype="8" fill="hold" nodeType="clickEffect">
                                   <p:stCondLst>
                                     <p:cond delay="0"/>
                                   </p:stCondLst>
@@ -22030,6 +22192,59 @@
                                     <p:set>
                                       <p:cBhvr>
                                         <p:cTn id="19" dur="1" fill="hold">
+                                          <p:stCondLst>
+                                            <p:cond delay="0"/>
+                                          </p:stCondLst>
+                                        </p:cTn>
+                                        <p:tgtEl>
+                                          <p:spTgt spid="7"/>
+                                        </p:tgtEl>
+                                        <p:attrNameLst>
+                                          <p:attrName>style.visibility</p:attrName>
+                                        </p:attrNameLst>
+                                      </p:cBhvr>
+                                      <p:to>
+                                        <p:strVal val="visible"/>
+                                      </p:to>
+                                    </p:set>
+                                    <p:animEffect transition="in" filter="wipe(left)">
+                                      <p:cBhvr>
+                                        <p:cTn id="20" dur="500"/>
+                                        <p:tgtEl>
+                                          <p:spTgt spid="7"/>
+                                        </p:tgtEl>
+                                      </p:cBhvr>
+                                    </p:animEffect>
+                                  </p:childTnLst>
+                                </p:cTn>
+                              </p:par>
+                            </p:childTnLst>
+                          </p:cTn>
+                        </p:par>
+                      </p:childTnLst>
+                    </p:cTn>
+                  </p:par>
+                  <p:par>
+                    <p:cTn id="21" fill="hold">
+                      <p:stCondLst>
+                        <p:cond delay="indefinite"/>
+                      </p:stCondLst>
+                      <p:childTnLst>
+                        <p:par>
+                          <p:cTn id="22" fill="hold">
+                            <p:stCondLst>
+                              <p:cond delay="0"/>
+                            </p:stCondLst>
+                            <p:childTnLst>
+                              <p:par>
+                                <p:cTn id="23" presetID="1" presetClass="entr" presetSubtype="0" fill="hold" grpId="0" nodeType="clickEffect">
+                                  <p:stCondLst>
+                                    <p:cond delay="0"/>
+                                  </p:stCondLst>
+                                  <p:childTnLst>
+                                    <p:set>
+                                      <p:cBhvr>
+                                        <p:cTn id="24" dur="1" fill="hold">
                                           <p:stCondLst>
                                             <p:cond delay="0"/>
                                           </p:stCondLst>
@@ -22412,21 +22627,27 @@
           <a:lstStyle/>
           <a:p>
             <a:r>
-              <a:rPr lang="de-DE" sz="2200" dirty="0">
+              <a:rPr lang="de-DE" sz="2200" dirty="0" smtClean="0">
                 <a:sym typeface="Wingdings" panose="05000000000000000000" pitchFamily="2" charset="2"/>
               </a:rPr>
               <a:t></a:t>
             </a:r>
             <a:r>
-              <a:rPr lang="de-DE" sz="2200" dirty="0"/>
-              <a:t>X </a:t>
-            </a:r>
-            <a:r>
-              <a:rPr lang="de-DE" sz="2200" dirty="0" err="1"/>
+              <a:rPr lang="de-DE" sz="2200" b="1" dirty="0" smtClean="0">
+                <a:sym typeface="Wingdings" panose="05000000000000000000" pitchFamily="2" charset="2"/>
+              </a:rPr>
+              <a:t>92</a:t>
+            </a:r>
+            <a:r>
+              <a:rPr lang="de-DE" sz="2200" b="1" dirty="0" smtClean="0"/>
+              <a:t> </a:t>
+            </a:r>
+            <a:r>
+              <a:rPr lang="de-DE" sz="2200" b="1" dirty="0" err="1"/>
               <a:t>proteins</a:t>
             </a:r>
             <a:r>
-              <a:rPr lang="de-DE" sz="2200" dirty="0"/>
+              <a:rPr lang="de-DE" sz="2200" b="1" dirty="0"/>
               <a:t> </a:t>
             </a:r>
             <a:r>
@@ -24445,9 +24666,16 @@
           </a:p>
           <a:p>
             <a:r>
-              <a:rPr lang="de-DE" sz="2200" dirty="0"/>
-              <a:t>X Proteins</a:t>
-            </a:r>
+              <a:rPr lang="de-DE" sz="2200" dirty="0" smtClean="0">
+                <a:sym typeface="Wingdings" panose="05000000000000000000" pitchFamily="2" charset="2"/>
+              </a:rPr>
+              <a:t> 105 </a:t>
+            </a:r>
+            <a:r>
+              <a:rPr lang="de-DE" sz="2200" dirty="0" smtClean="0"/>
+              <a:t>Proteins</a:t>
+            </a:r>
+            <a:endParaRPr lang="de-DE" sz="2200" dirty="0"/>
           </a:p>
         </p:txBody>
       </p:sp>
@@ -24508,8 +24736,24 @@
           </a:p>
           <a:p>
             <a:r>
+              <a:rPr lang="de-DE" sz="2200" dirty="0" smtClean="0">
+                <a:sym typeface="Wingdings" panose="05000000000000000000" pitchFamily="2" charset="2"/>
+              </a:rPr>
+              <a:t></a:t>
+            </a:r>
+            <a:r>
+              <a:rPr lang="de-DE" sz="2200" dirty="0" smtClean="0">
+                <a:sym typeface="Wingdings" panose="05000000000000000000" pitchFamily="2" charset="2"/>
+              </a:rPr>
+              <a:t>89</a:t>
+            </a:r>
+            <a:r>
+              <a:rPr lang="de-DE" sz="2200" dirty="0" smtClean="0"/>
+              <a:t> </a:t>
+            </a:r>
+            <a:r>
               <a:rPr lang="de-DE" sz="2200" dirty="0"/>
-              <a:t>X Proteins</a:t>
+              <a:t>Proteins</a:t>
             </a:r>
           </a:p>
         </p:txBody>
@@ -24588,8 +24832,18 @@
           </a:p>
           <a:p>
             <a:r>
+              <a:rPr lang="de-DE" sz="2200" dirty="0" smtClean="0">
+                <a:sym typeface="Wingdings" panose="05000000000000000000" pitchFamily="2" charset="2"/>
+              </a:rPr>
+              <a:t>69</a:t>
+            </a:r>
+            <a:r>
+              <a:rPr lang="de-DE" sz="2200" dirty="0" smtClean="0"/>
+              <a:t> </a:t>
+            </a:r>
+            <a:r>
               <a:rPr lang="de-DE" sz="2200" dirty="0"/>
-              <a:t>X Proteins</a:t>
+              <a:t>Proteins</a:t>
             </a:r>
           </a:p>
         </p:txBody>
@@ -25657,7 +25911,7 @@
           <p:nvPr/>
         </p:nvPicPr>
         <p:blipFill>
-          <a:blip r:embed="rId2"/>
+          <a:blip r:embed="rId3"/>
           <a:stretch>
             <a:fillRect/>
           </a:stretch>
@@ -27343,257 +27597,6 @@
       </p:grpSpPr>
       <p:sp>
         <p:nvSpPr>
-          <p:cNvPr id="2" name="Foliennummernplatzhalter 1"/>
-          <p:cNvSpPr>
-            <a:spLocks noGrp="1"/>
-          </p:cNvSpPr>
-          <p:nvPr>
-            <p:ph type="sldNum" sz="quarter" idx="12"/>
-          </p:nvPr>
-        </p:nvSpPr>
-        <p:spPr/>
-        <p:txBody>
-          <a:bodyPr/>
-          <a:lstStyle/>
-          <a:p>
-            <a:fld id="{B054D835-26B3-49F1-AA08-AA3DD4F10E75}" type="slidenum">
-              <a:rPr lang="de-DE" smtClean="0"/>
-              <a:t>26</a:t>
-            </a:fld>
-            <a:endParaRPr lang="de-DE" dirty="0"/>
-          </a:p>
-        </p:txBody>
-      </p:sp>
-      <p:sp>
-        <p:nvSpPr>
-          <p:cNvPr id="4" name="Ellipse 3">
-            <a:extLst>
-              <a:ext uri="{FF2B5EF4-FFF2-40B4-BE49-F238E27FC236}">
-                <a16:creationId xmlns:a16="http://schemas.microsoft.com/office/drawing/2014/main" id="{5F8D8C52-24E8-A2DF-C86C-84E371D62FF4}"/>
-              </a:ext>
-            </a:extLst>
-          </p:cNvPr>
-          <p:cNvSpPr/>
-          <p:nvPr/>
-        </p:nvSpPr>
-        <p:spPr>
-          <a:xfrm>
-            <a:off x="-176834" y="-160776"/>
-            <a:ext cx="2540205" cy="2496013"/>
-          </a:xfrm>
-          <a:prstGeom prst="ellipse">
-            <a:avLst/>
-          </a:prstGeom>
-          <a:solidFill>
-            <a:srgbClr val="262626"/>
-          </a:solidFill>
-          <a:ln>
-            <a:solidFill>
-              <a:srgbClr val="262626"/>
-            </a:solidFill>
-          </a:ln>
-        </p:spPr>
-        <p:style>
-          <a:lnRef idx="2">
-            <a:schemeClr val="accent1">
-              <a:shade val="50000"/>
-            </a:schemeClr>
-          </a:lnRef>
-          <a:fillRef idx="1">
-            <a:schemeClr val="accent1"/>
-          </a:fillRef>
-          <a:effectRef idx="0">
-            <a:schemeClr val="accent1"/>
-          </a:effectRef>
-          <a:fontRef idx="minor">
-            <a:schemeClr val="lt1"/>
-          </a:fontRef>
-        </p:style>
-        <p:txBody>
-          <a:bodyPr rtlCol="0" anchor="ctr"/>
-          <a:lstStyle/>
-          <a:p>
-            <a:r>
-              <a:rPr lang="en-US" sz="3600" dirty="0">
-                <a:solidFill>
-                  <a:schemeClr val="bg1"/>
-                </a:solidFill>
-              </a:rPr>
-              <a:t>Results</a:t>
-            </a:r>
-          </a:p>
-        </p:txBody>
-      </p:sp>
-      <p:pic>
-        <p:nvPicPr>
-          <p:cNvPr id="5" name="Grafik 4"/>
-          <p:cNvPicPr>
-            <a:picLocks noChangeAspect="1"/>
-          </p:cNvPicPr>
-          <p:nvPr/>
-        </p:nvPicPr>
-        <p:blipFill>
-          <a:blip r:embed="rId2"/>
-          <a:stretch>
-            <a:fillRect/>
-          </a:stretch>
-        </p:blipFill>
-        <p:spPr>
-          <a:xfrm>
-            <a:off x="10985197" y="220673"/>
-            <a:ext cx="831708" cy="667765"/>
-          </a:xfrm>
-          <a:prstGeom prst="rect">
-            <a:avLst/>
-          </a:prstGeom>
-        </p:spPr>
-      </p:pic>
-      <p:sp>
-        <p:nvSpPr>
-          <p:cNvPr id="6" name="Ellipse 5"/>
-          <p:cNvSpPr/>
-          <p:nvPr/>
-        </p:nvSpPr>
-        <p:spPr>
-          <a:xfrm>
-            <a:off x="10908843" y="74279"/>
-            <a:ext cx="1141960" cy="1097783"/>
-          </a:xfrm>
-          <a:prstGeom prst="ellipse">
-            <a:avLst/>
-          </a:prstGeom>
-          <a:noFill/>
-          <a:ln>
-            <a:solidFill>
-              <a:schemeClr val="tx1"/>
-            </a:solidFill>
-          </a:ln>
-        </p:spPr>
-        <p:style>
-          <a:lnRef idx="2">
-            <a:schemeClr val="accent1">
-              <a:shade val="50000"/>
-            </a:schemeClr>
-          </a:lnRef>
-          <a:fillRef idx="1">
-            <a:schemeClr val="accent1"/>
-          </a:fillRef>
-          <a:effectRef idx="0">
-            <a:schemeClr val="accent1"/>
-          </a:effectRef>
-          <a:fontRef idx="minor">
-            <a:schemeClr val="lt1"/>
-          </a:fontRef>
-        </p:style>
-        <p:txBody>
-          <a:bodyPr rtlCol="0" anchor="ctr"/>
-          <a:lstStyle/>
-          <a:p>
-            <a:pPr algn="ctr"/>
-            <a:endParaRPr lang="de-DE"/>
-          </a:p>
-        </p:txBody>
-      </p:sp>
-      <p:sp>
-        <p:nvSpPr>
-          <p:cNvPr id="8" name="Titel 1"/>
-          <p:cNvSpPr txBox="1">
-            <a:spLocks/>
-          </p:cNvSpPr>
-          <p:nvPr/>
-        </p:nvSpPr>
-        <p:spPr>
-          <a:xfrm>
-            <a:off x="1170641" y="352801"/>
-            <a:ext cx="10515600" cy="1325563"/>
-          </a:xfrm>
-          <a:prstGeom prst="rect">
-            <a:avLst/>
-          </a:prstGeom>
-        </p:spPr>
-        <p:txBody>
-          <a:bodyPr>
-            <a:normAutofit/>
-          </a:bodyPr>
-          <a:lstStyle>
-            <a:lvl1pPr algn="l" defTabSz="914400" rtl="0" eaLnBrk="1" latinLnBrk="0" hangingPunct="1">
-              <a:lnSpc>
-                <a:spcPct val="90000"/>
-              </a:lnSpc>
-              <a:spcBef>
-                <a:spcPct val="0"/>
-              </a:spcBef>
-              <a:buNone/>
-              <a:defRPr sz="4400" kern="1200">
-                <a:solidFill>
-                  <a:schemeClr val="tx1"/>
-                </a:solidFill>
-                <a:latin typeface="+mj-lt"/>
-                <a:ea typeface="+mj-ea"/>
-                <a:cs typeface="+mj-cs"/>
-              </a:defRPr>
-            </a:lvl1pPr>
-          </a:lstStyle>
-          <a:p>
-            <a:pPr algn="ctr"/>
-            <a:r>
-              <a:rPr lang="de-DE" sz="3200" dirty="0" err="1"/>
-              <a:t>Conclusion</a:t>
-            </a:r>
-            <a:endParaRPr lang="de-DE" sz="3200" dirty="0"/>
-          </a:p>
-          <a:p>
-            <a:pPr algn="ctr"/>
-            <a:endParaRPr lang="de-DE" sz="3200" b="1" dirty="0">
-              <a:latin typeface="Calibri Light" panose="020F0302020204030204" pitchFamily="34" charset="0"/>
-              <a:cs typeface="Calibri Light" panose="020F0302020204030204" pitchFamily="34" charset="0"/>
-            </a:endParaRPr>
-          </a:p>
-          <a:p>
-            <a:pPr algn="ctr"/>
-            <a:endParaRPr lang="de-DE" sz="3200" dirty="0"/>
-          </a:p>
-        </p:txBody>
-      </p:sp>
-    </p:spTree>
-    <p:extLst>
-      <p:ext uri="{BB962C8B-B14F-4D97-AF65-F5344CB8AC3E}">
-        <p14:creationId xmlns:p14="http://schemas.microsoft.com/office/powerpoint/2010/main" val="1420822212"/>
-      </p:ext>
-    </p:extLst>
-  </p:cSld>
-  <p:clrMapOvr>
-    <a:masterClrMapping/>
-  </p:clrMapOvr>
-  <p:timing>
-    <p:tnLst>
-      <p:par>
-        <p:cTn id="1" dur="indefinite" restart="never" nodeType="tmRoot"/>
-      </p:par>
-    </p:tnLst>
-  </p:timing>
-</p:sld>
-</file>
-
-<file path=ppt/slides/slide27.xml><?xml version="1.0" encoding="utf-8"?>
-<p:sld xmlns:a="http://schemas.openxmlformats.org/drawingml/2006/main" xmlns:r="http://schemas.openxmlformats.org/officeDocument/2006/relationships" xmlns:p="http://schemas.openxmlformats.org/presentationml/2006/main">
-  <p:cSld>
-    <p:spTree>
-      <p:nvGrpSpPr>
-        <p:cNvPr id="1" name=""/>
-        <p:cNvGrpSpPr/>
-        <p:nvPr/>
-      </p:nvGrpSpPr>
-      <p:grpSpPr>
-        <a:xfrm>
-          <a:off x="0" y="0"/>
-          <a:ext cx="0" cy="0"/>
-          <a:chOff x="0" y="0"/>
-          <a:chExt cx="0" cy="0"/>
-        </a:xfrm>
-      </p:grpSpPr>
-      <p:sp>
-        <p:nvSpPr>
           <p:cNvPr id="2" name="Titel 1"/>
           <p:cNvSpPr>
             <a:spLocks noGrp="1"/>
@@ -28151,7 +28154,7 @@
           <a:p>
             <a:fld id="{B054D835-26B3-49F1-AA08-AA3DD4F10E75}" type="slidenum">
               <a:rPr lang="de-DE" smtClean="0"/>
-              <a:t>27</a:t>
+              <a:t>26</a:t>
             </a:fld>
             <a:endParaRPr lang="de-DE" dirty="0"/>
           </a:p>
@@ -28352,7 +28355,7 @@
 </p:sld>
 </file>
 
-<file path=ppt/slides/slide28.xml><?xml version="1.0" encoding="utf-8"?>
+<file path=ppt/slides/slide27.xml><?xml version="1.0" encoding="utf-8"?>
 <p:sld xmlns:a="http://schemas.openxmlformats.org/drawingml/2006/main" xmlns:r="http://schemas.openxmlformats.org/officeDocument/2006/relationships" xmlns:p="http://schemas.openxmlformats.org/presentationml/2006/main">
   <p:cSld>
     <p:spTree>
@@ -28428,7 +28431,7 @@
           <a:p>
             <a:fld id="{B054D835-26B3-49F1-AA08-AA3DD4F10E75}" type="slidenum">
               <a:rPr lang="de-DE" smtClean="0"/>
-              <a:t>28</a:t>
+              <a:t>27</a:t>
             </a:fld>
             <a:endParaRPr lang="de-DE" dirty="0"/>
           </a:p>
@@ -28806,7 +28809,7 @@
 </p:sld>
 </file>
 
-<file path=ppt/slides/slide29.xml><?xml version="1.0" encoding="utf-8"?>
+<file path=ppt/slides/slide28.xml><?xml version="1.0" encoding="utf-8"?>
 <p:sld xmlns:a="http://schemas.openxmlformats.org/drawingml/2006/main" xmlns:r="http://schemas.openxmlformats.org/officeDocument/2006/relationships" xmlns:p="http://schemas.openxmlformats.org/presentationml/2006/main">
   <p:cSld>
     <p:spTree>
@@ -29174,7 +29177,7 @@
           <a:p>
             <a:fld id="{B054D835-26B3-49F1-AA08-AA3DD4F10E75}" type="slidenum">
               <a:rPr lang="de-DE" smtClean="0"/>
-              <a:t>29</a:t>
+              <a:t>28</a:t>
             </a:fld>
             <a:endParaRPr lang="de-DE" dirty="0"/>
           </a:p>
@@ -29920,6 +29923,617 @@
   <p:clrMapOvr>
     <a:masterClrMapping/>
   </p:clrMapOvr>
+</p:sld>
+</file>
+
+<file path=ppt/slides/slide29.xml><?xml version="1.0" encoding="utf-8"?>
+<p:sld xmlns:a="http://schemas.openxmlformats.org/drawingml/2006/main" xmlns:r="http://schemas.openxmlformats.org/officeDocument/2006/relationships" xmlns:p="http://schemas.openxmlformats.org/presentationml/2006/main">
+  <p:cSld>
+    <p:spTree>
+      <p:nvGrpSpPr>
+        <p:cNvPr id="1" name=""/>
+        <p:cNvGrpSpPr/>
+        <p:nvPr/>
+      </p:nvGrpSpPr>
+      <p:grpSpPr>
+        <a:xfrm>
+          <a:off x="0" y="0"/>
+          <a:ext cx="0" cy="0"/>
+          <a:chOff x="0" y="0"/>
+          <a:chExt cx="0" cy="0"/>
+        </a:xfrm>
+      </p:grpSpPr>
+      <p:sp>
+        <p:nvSpPr>
+          <p:cNvPr id="21" name="Titel 20">
+            <a:extLst>
+              <a:ext uri="{FF2B5EF4-FFF2-40B4-BE49-F238E27FC236}">
+                <a16:creationId xmlns:a16="http://schemas.microsoft.com/office/drawing/2014/main" id="{48DBB4BD-F06E-055E-7531-5747AF128625}"/>
+              </a:ext>
+            </a:extLst>
+          </p:cNvPr>
+          <p:cNvSpPr>
+            <a:spLocks noGrp="1"/>
+          </p:cNvSpPr>
+          <p:nvPr>
+            <p:ph type="title"/>
+          </p:nvPr>
+        </p:nvSpPr>
+        <p:spPr>
+          <a:xfrm>
+            <a:off x="1434046" y="149245"/>
+            <a:ext cx="10515600" cy="1325563"/>
+          </a:xfrm>
+        </p:spPr>
+        <p:txBody>
+          <a:bodyPr>
+            <a:normAutofit/>
+          </a:bodyPr>
+          <a:lstStyle/>
+          <a:p>
+            <a:pPr algn="ctr"/>
+            <a:r>
+              <a:rPr lang="en-GB" sz="3200" dirty="0">
+                <a:latin typeface="Calibri Light" panose="020F0302020204030204" pitchFamily="34" charset="0"/>
+                <a:cs typeface="Calibri Light" panose="020F0302020204030204" pitchFamily="34" charset="0"/>
+              </a:rPr>
+              <a:t>The HeLa Interphase dataset</a:t>
+            </a:r>
+          </a:p>
+        </p:txBody>
+      </p:sp>
+      <p:pic>
+        <p:nvPicPr>
+          <p:cNvPr id="5" name="Grafik 4">
+            <a:extLst>
+              <a:ext uri="{FF2B5EF4-FFF2-40B4-BE49-F238E27FC236}">
+                <a16:creationId xmlns:a16="http://schemas.microsoft.com/office/drawing/2014/main" id="{3B14564E-6474-8567-E6C4-5252FE8DE5FE}"/>
+              </a:ext>
+            </a:extLst>
+          </p:cNvPr>
+          <p:cNvPicPr>
+            <a:picLocks noChangeAspect="1"/>
+          </p:cNvPicPr>
+          <p:nvPr/>
+        </p:nvPicPr>
+        <p:blipFill>
+          <a:blip r:embed="rId3"/>
+          <a:stretch>
+            <a:fillRect/>
+          </a:stretch>
+        </p:blipFill>
+        <p:spPr>
+          <a:xfrm>
+            <a:off x="2357749" y="3713859"/>
+            <a:ext cx="9529374" cy="1933640"/>
+          </a:xfrm>
+          <a:prstGeom prst="rect">
+            <a:avLst/>
+          </a:prstGeom>
+        </p:spPr>
+      </p:pic>
+      <p:sp>
+        <p:nvSpPr>
+          <p:cNvPr id="8" name="Textfeld 7">
+            <a:extLst>
+              <a:ext uri="{FF2B5EF4-FFF2-40B4-BE49-F238E27FC236}">
+                <a16:creationId xmlns:a16="http://schemas.microsoft.com/office/drawing/2014/main" id="{62B6EFAE-FC8D-F7B5-0C3F-08FE5DAD6B2E}"/>
+              </a:ext>
+            </a:extLst>
+          </p:cNvPr>
+          <p:cNvSpPr txBox="1"/>
+          <p:nvPr/>
+        </p:nvSpPr>
+        <p:spPr>
+          <a:xfrm flipH="1">
+            <a:off x="1813464" y="3464676"/>
+            <a:ext cx="2323201" cy="369332"/>
+          </a:xfrm>
+          <a:prstGeom prst="rect">
+            <a:avLst/>
+          </a:prstGeom>
+          <a:noFill/>
+        </p:spPr>
+        <p:txBody>
+          <a:bodyPr wrap="square" rtlCol="0">
+            <a:spAutoFit/>
+          </a:bodyPr>
+          <a:lstStyle/>
+          <a:p>
+            <a:r>
+              <a:rPr lang="en-GB" dirty="0"/>
+              <a:t>rows = proteins (7086)</a:t>
+            </a:r>
+          </a:p>
+        </p:txBody>
+      </p:sp>
+      <p:sp>
+        <p:nvSpPr>
+          <p:cNvPr id="9" name="Pfeil: gebogen 8">
+            <a:extLst>
+              <a:ext uri="{FF2B5EF4-FFF2-40B4-BE49-F238E27FC236}">
+                <a16:creationId xmlns:a16="http://schemas.microsoft.com/office/drawing/2014/main" id="{52F80378-732F-7028-B94A-B6051EAAEAEC}"/>
+              </a:ext>
+            </a:extLst>
+          </p:cNvPr>
+          <p:cNvSpPr/>
+          <p:nvPr/>
+        </p:nvSpPr>
+        <p:spPr>
+          <a:xfrm rot="10800000" flipH="1">
+            <a:off x="1883443" y="3847375"/>
+            <a:ext cx="382846" cy="405882"/>
+          </a:xfrm>
+          <a:prstGeom prst="bentArrow">
+            <a:avLst>
+              <a:gd name="adj1" fmla="val 6512"/>
+              <a:gd name="adj2" fmla="val 9733"/>
+              <a:gd name="adj3" fmla="val 22563"/>
+              <a:gd name="adj4" fmla="val 53499"/>
+            </a:avLst>
+          </a:prstGeom>
+        </p:spPr>
+        <p:style>
+          <a:lnRef idx="2">
+            <a:schemeClr val="dk1">
+              <a:shade val="50000"/>
+            </a:schemeClr>
+          </a:lnRef>
+          <a:fillRef idx="1">
+            <a:schemeClr val="dk1"/>
+          </a:fillRef>
+          <a:effectRef idx="0">
+            <a:schemeClr val="dk1"/>
+          </a:effectRef>
+          <a:fontRef idx="minor">
+            <a:schemeClr val="lt1"/>
+          </a:fontRef>
+        </p:style>
+        <p:txBody>
+          <a:bodyPr rtlCol="0" anchor="ctr"/>
+          <a:lstStyle/>
+          <a:p>
+            <a:pPr algn="ctr"/>
+            <a:endParaRPr lang="en-GB">
+              <a:solidFill>
+                <a:schemeClr val="tx1"/>
+              </a:solidFill>
+            </a:endParaRPr>
+          </a:p>
+        </p:txBody>
+      </p:sp>
+      <p:cxnSp>
+        <p:nvCxnSpPr>
+          <p:cNvPr id="11" name="Gerade Verbindung mit Pfeil 10">
+            <a:extLst>
+              <a:ext uri="{FF2B5EF4-FFF2-40B4-BE49-F238E27FC236}">
+                <a16:creationId xmlns:a16="http://schemas.microsoft.com/office/drawing/2014/main" id="{11753507-4423-F33F-C2D0-E2982181B719}"/>
+              </a:ext>
+            </a:extLst>
+          </p:cNvPr>
+          <p:cNvCxnSpPr/>
+          <p:nvPr/>
+        </p:nvCxnSpPr>
+        <p:spPr>
+          <a:xfrm>
+            <a:off x="6183840" y="2858996"/>
+            <a:ext cx="0" cy="605680"/>
+          </a:xfrm>
+          <a:prstGeom prst="straightConnector1">
+            <a:avLst/>
+          </a:prstGeom>
+          <a:ln w="38100">
+            <a:tailEnd type="triangle"/>
+          </a:ln>
+        </p:spPr>
+        <p:style>
+          <a:lnRef idx="3">
+            <a:schemeClr val="dk1"/>
+          </a:lnRef>
+          <a:fillRef idx="0">
+            <a:schemeClr val="dk1"/>
+          </a:fillRef>
+          <a:effectRef idx="2">
+            <a:schemeClr val="dk1"/>
+          </a:effectRef>
+          <a:fontRef idx="minor">
+            <a:schemeClr val="tx1"/>
+          </a:fontRef>
+        </p:style>
+      </p:cxnSp>
+      <p:sp>
+        <p:nvSpPr>
+          <p:cNvPr id="12" name="Textfeld 11">
+            <a:extLst>
+              <a:ext uri="{FF2B5EF4-FFF2-40B4-BE49-F238E27FC236}">
+                <a16:creationId xmlns:a16="http://schemas.microsoft.com/office/drawing/2014/main" id="{2985775C-1876-4CB7-2214-3C384662B9FF}"/>
+              </a:ext>
+            </a:extLst>
+          </p:cNvPr>
+          <p:cNvSpPr txBox="1"/>
+          <p:nvPr/>
+        </p:nvSpPr>
+        <p:spPr>
+          <a:xfrm>
+            <a:off x="6358824" y="1412073"/>
+            <a:ext cx="3349689" cy="1754326"/>
+          </a:xfrm>
+          <a:prstGeom prst="rect">
+            <a:avLst/>
+          </a:prstGeom>
+          <a:noFill/>
+        </p:spPr>
+        <p:txBody>
+          <a:bodyPr wrap="square" rtlCol="0">
+            <a:spAutoFit/>
+          </a:bodyPr>
+          <a:lstStyle/>
+          <a:p>
+            <a:r>
+              <a:rPr lang="en-GB" dirty="0"/>
+              <a:t>3 replicates with control sample</a:t>
+            </a:r>
+          </a:p>
+          <a:p>
+            <a:r>
+              <a:rPr lang="en-GB" dirty="0"/>
+              <a:t>+ 3 replicates with RNase sample</a:t>
+            </a:r>
+          </a:p>
+          <a:p>
+            <a:r>
+              <a:rPr lang="en-GB" dirty="0"/>
+              <a:t>separated into 25 fractions</a:t>
+            </a:r>
+          </a:p>
+          <a:p>
+            <a:r>
+              <a:rPr lang="en-GB" dirty="0"/>
+              <a:t>Measurements were made in triplicates!</a:t>
+            </a:r>
+          </a:p>
+          <a:p>
+            <a:r>
+              <a:rPr lang="en-GB" dirty="0">
+                <a:sym typeface="Wingdings" panose="05000000000000000000" pitchFamily="2" charset="2"/>
+              </a:rPr>
+              <a:t> 3*3*25 = 150 columns</a:t>
+            </a:r>
+            <a:endParaRPr lang="en-GB" dirty="0"/>
+          </a:p>
+        </p:txBody>
+      </p:sp>
+      <p:cxnSp>
+        <p:nvCxnSpPr>
+          <p:cNvPr id="13" name="Gerade Verbindung mit Pfeil 12">
+            <a:extLst>
+              <a:ext uri="{FF2B5EF4-FFF2-40B4-BE49-F238E27FC236}">
+                <a16:creationId xmlns:a16="http://schemas.microsoft.com/office/drawing/2014/main" id="{AF022E08-E0DD-19E3-0F08-B5EE293CC220}"/>
+              </a:ext>
+            </a:extLst>
+          </p:cNvPr>
+          <p:cNvCxnSpPr>
+            <a:cxnSpLocks/>
+          </p:cNvCxnSpPr>
+          <p:nvPr/>
+        </p:nvCxnSpPr>
+        <p:spPr>
+          <a:xfrm flipH="1" flipV="1">
+            <a:off x="7007210" y="5336423"/>
+            <a:ext cx="485192" cy="466352"/>
+          </a:xfrm>
+          <a:prstGeom prst="straightConnector1">
+            <a:avLst/>
+          </a:prstGeom>
+          <a:ln w="38100">
+            <a:tailEnd type="triangle"/>
+          </a:ln>
+        </p:spPr>
+        <p:style>
+          <a:lnRef idx="3">
+            <a:schemeClr val="dk1"/>
+          </a:lnRef>
+          <a:fillRef idx="0">
+            <a:schemeClr val="dk1"/>
+          </a:fillRef>
+          <a:effectRef idx="2">
+            <a:schemeClr val="dk1"/>
+          </a:effectRef>
+          <a:fontRef idx="minor">
+            <a:schemeClr val="tx1"/>
+          </a:fontRef>
+        </p:style>
+      </p:cxnSp>
+      <p:sp>
+        <p:nvSpPr>
+          <p:cNvPr id="16" name="Textfeld 15">
+            <a:extLst>
+              <a:ext uri="{FF2B5EF4-FFF2-40B4-BE49-F238E27FC236}">
+                <a16:creationId xmlns:a16="http://schemas.microsoft.com/office/drawing/2014/main" id="{D46EC7D8-A769-79C9-9817-5CE3A4524DC1}"/>
+              </a:ext>
+            </a:extLst>
+          </p:cNvPr>
+          <p:cNvSpPr txBox="1"/>
+          <p:nvPr/>
+        </p:nvSpPr>
+        <p:spPr>
+          <a:xfrm>
+            <a:off x="6643408" y="5745886"/>
+            <a:ext cx="2780523" cy="923330"/>
+          </a:xfrm>
+          <a:prstGeom prst="rect">
+            <a:avLst/>
+          </a:prstGeom>
+          <a:noFill/>
+        </p:spPr>
+        <p:txBody>
+          <a:bodyPr wrap="square" rtlCol="0">
+            <a:spAutoFit/>
+          </a:bodyPr>
+          <a:lstStyle/>
+          <a:p>
+            <a:r>
+              <a:rPr lang="en-GB" dirty="0"/>
+              <a:t>Amount of protein in fraction 1 of replicate 1 with control sample</a:t>
+            </a:r>
+          </a:p>
+        </p:txBody>
+      </p:sp>
+      <p:sp>
+        <p:nvSpPr>
+          <p:cNvPr id="2" name="Foliennummernplatzhalter 1">
+            <a:extLst>
+              <a:ext uri="{FF2B5EF4-FFF2-40B4-BE49-F238E27FC236}">
+                <a16:creationId xmlns:a16="http://schemas.microsoft.com/office/drawing/2014/main" id="{9830E1DC-ED1A-E0CA-A47D-F397F2E15B64}"/>
+              </a:ext>
+            </a:extLst>
+          </p:cNvPr>
+          <p:cNvSpPr>
+            <a:spLocks noGrp="1"/>
+          </p:cNvSpPr>
+          <p:nvPr>
+            <p:ph type="sldNum" sz="quarter" idx="12"/>
+          </p:nvPr>
+        </p:nvSpPr>
+        <p:spPr/>
+        <p:txBody>
+          <a:bodyPr/>
+          <a:lstStyle/>
+          <a:p>
+            <a:fld id="{B054D835-26B3-49F1-AA08-AA3DD4F10E75}" type="slidenum">
+              <a:rPr lang="de-DE" smtClean="0"/>
+              <a:t>29</a:t>
+            </a:fld>
+            <a:endParaRPr lang="de-DE" dirty="0"/>
+          </a:p>
+        </p:txBody>
+      </p:sp>
+      <p:pic>
+        <p:nvPicPr>
+          <p:cNvPr id="15" name="Grafik 14"/>
+          <p:cNvPicPr>
+            <a:picLocks noChangeAspect="1"/>
+          </p:cNvPicPr>
+          <p:nvPr/>
+        </p:nvPicPr>
+        <p:blipFill>
+          <a:blip r:embed="rId4"/>
+          <a:stretch>
+            <a:fillRect/>
+          </a:stretch>
+        </p:blipFill>
+        <p:spPr>
+          <a:xfrm>
+            <a:off x="10927134" y="254831"/>
+            <a:ext cx="853331" cy="685126"/>
+          </a:xfrm>
+          <a:prstGeom prst="rect">
+            <a:avLst/>
+          </a:prstGeom>
+        </p:spPr>
+      </p:pic>
+      <p:sp>
+        <p:nvSpPr>
+          <p:cNvPr id="19" name="Ellipse 18"/>
+          <p:cNvSpPr/>
+          <p:nvPr/>
+        </p:nvSpPr>
+        <p:spPr>
+          <a:xfrm>
+            <a:off x="10782819" y="86019"/>
+            <a:ext cx="1141960" cy="1097783"/>
+          </a:xfrm>
+          <a:prstGeom prst="ellipse">
+            <a:avLst/>
+          </a:prstGeom>
+          <a:noFill/>
+          <a:ln>
+            <a:solidFill>
+              <a:schemeClr val="tx1"/>
+            </a:solidFill>
+          </a:ln>
+        </p:spPr>
+        <p:style>
+          <a:lnRef idx="2">
+            <a:schemeClr val="accent1">
+              <a:shade val="50000"/>
+            </a:schemeClr>
+          </a:lnRef>
+          <a:fillRef idx="1">
+            <a:schemeClr val="accent1"/>
+          </a:fillRef>
+          <a:effectRef idx="0">
+            <a:schemeClr val="accent1"/>
+          </a:effectRef>
+          <a:fontRef idx="minor">
+            <a:schemeClr val="lt1"/>
+          </a:fontRef>
+        </p:style>
+        <p:txBody>
+          <a:bodyPr rtlCol="0" anchor="ctr"/>
+          <a:lstStyle/>
+          <a:p>
+            <a:pPr algn="ctr"/>
+            <a:endParaRPr lang="de-DE"/>
+          </a:p>
+        </p:txBody>
+      </p:sp>
+      <p:sp>
+        <p:nvSpPr>
+          <p:cNvPr id="20" name="Ellipse 19">
+            <a:extLst>
+              <a:ext uri="{FF2B5EF4-FFF2-40B4-BE49-F238E27FC236}">
+                <a16:creationId xmlns:a16="http://schemas.microsoft.com/office/drawing/2014/main" id="{5F8D8C52-24E8-A2DF-C86C-84E371D62FF4}"/>
+              </a:ext>
+            </a:extLst>
+          </p:cNvPr>
+          <p:cNvSpPr/>
+          <p:nvPr/>
+        </p:nvSpPr>
+        <p:spPr>
+          <a:xfrm>
+            <a:off x="-136963" y="-256812"/>
+            <a:ext cx="2540205" cy="2496013"/>
+          </a:xfrm>
+          <a:prstGeom prst="ellipse">
+            <a:avLst/>
+          </a:prstGeom>
+          <a:solidFill>
+            <a:srgbClr val="262626"/>
+          </a:solidFill>
+          <a:ln>
+            <a:solidFill>
+              <a:srgbClr val="262626"/>
+            </a:solidFill>
+          </a:ln>
+        </p:spPr>
+        <p:style>
+          <a:lnRef idx="2">
+            <a:schemeClr val="accent1">
+              <a:shade val="50000"/>
+            </a:schemeClr>
+          </a:lnRef>
+          <a:fillRef idx="1">
+            <a:schemeClr val="accent1"/>
+          </a:fillRef>
+          <a:effectRef idx="0">
+            <a:schemeClr val="accent1"/>
+          </a:effectRef>
+          <a:fontRef idx="minor">
+            <a:schemeClr val="lt1"/>
+          </a:fontRef>
+        </p:style>
+        <p:txBody>
+          <a:bodyPr rtlCol="0" anchor="ctr"/>
+          <a:lstStyle/>
+          <a:p>
+            <a:r>
+              <a:rPr lang="en-US" sz="3600" dirty="0">
+                <a:solidFill>
+                  <a:schemeClr val="bg1"/>
+                </a:solidFill>
+              </a:rPr>
+              <a:t>The dataset</a:t>
+            </a:r>
+          </a:p>
+        </p:txBody>
+      </p:sp>
+    </p:spTree>
+    <p:extLst>
+      <p:ext uri="{BB962C8B-B14F-4D97-AF65-F5344CB8AC3E}">
+        <p14:creationId xmlns:p14="http://schemas.microsoft.com/office/powerpoint/2010/main" val="1831267353"/>
+      </p:ext>
+    </p:extLst>
+  </p:cSld>
+  <p:clrMapOvr>
+    <a:masterClrMapping/>
+  </p:clrMapOvr>
+  <p:timing>
+    <p:tnLst>
+      <p:par>
+        <p:cTn id="1" dur="indefinite" restart="never" nodeType="tmRoot">
+          <p:childTnLst>
+            <p:seq concurrent="1" nextAc="seek">
+              <p:cTn id="2" dur="indefinite" nodeType="mainSeq">
+                <p:childTnLst>
+                  <p:par>
+                    <p:cTn id="3" fill="hold">
+                      <p:stCondLst>
+                        <p:cond delay="indefinite"/>
+                      </p:stCondLst>
+                      <p:childTnLst>
+                        <p:par>
+                          <p:cTn id="4" fill="hold">
+                            <p:stCondLst>
+                              <p:cond delay="0"/>
+                            </p:stCondLst>
+                            <p:childTnLst>
+                              <p:par>
+                                <p:cTn id="5" presetID="22" presetClass="entr" presetSubtype="8" fill="hold" grpId="0" nodeType="clickEffect">
+                                  <p:stCondLst>
+                                    <p:cond delay="0"/>
+                                  </p:stCondLst>
+                                  <p:childTnLst>
+                                    <p:set>
+                                      <p:cBhvr>
+                                        <p:cTn id="6" dur="1" fill="hold">
+                                          <p:stCondLst>
+                                            <p:cond delay="0"/>
+                                          </p:stCondLst>
+                                        </p:cTn>
+                                        <p:tgtEl>
+                                          <p:spTgt spid="20"/>
+                                        </p:tgtEl>
+                                        <p:attrNameLst>
+                                          <p:attrName>style.visibility</p:attrName>
+                                        </p:attrNameLst>
+                                      </p:cBhvr>
+                                      <p:to>
+                                        <p:strVal val="visible"/>
+                                      </p:to>
+                                    </p:set>
+                                    <p:animEffect transition="in" filter="wipe(left)">
+                                      <p:cBhvr>
+                                        <p:cTn id="7" dur="500"/>
+                                        <p:tgtEl>
+                                          <p:spTgt spid="20"/>
+                                        </p:tgtEl>
+                                      </p:cBhvr>
+                                    </p:animEffect>
+                                  </p:childTnLst>
+                                </p:cTn>
+                              </p:par>
+                            </p:childTnLst>
+                          </p:cTn>
+                        </p:par>
+                      </p:childTnLst>
+                    </p:cTn>
+                  </p:par>
+                </p:childTnLst>
+              </p:cTn>
+              <p:prevCondLst>
+                <p:cond evt="onPrev" delay="0">
+                  <p:tgtEl>
+                    <p:sldTgt/>
+                  </p:tgtEl>
+                </p:cond>
+              </p:prevCondLst>
+              <p:nextCondLst>
+                <p:cond evt="onNext" delay="0">
+                  <p:tgtEl>
+                    <p:sldTgt/>
+                  </p:tgtEl>
+                </p:cond>
+              </p:nextCondLst>
+            </p:seq>
+          </p:childTnLst>
+        </p:cTn>
+      </p:par>
+    </p:tnLst>
+    <p:bldLst>
+      <p:bldP spid="20" grpId="0" animBg="1"/>
+    </p:bldLst>
+  </p:timing>
 </p:sld>
 </file>
 
@@ -30708,617 +31322,6 @@
 </file>
 
 <file path=ppt/slides/slide30.xml><?xml version="1.0" encoding="utf-8"?>
-<p:sld xmlns:a="http://schemas.openxmlformats.org/drawingml/2006/main" xmlns:r="http://schemas.openxmlformats.org/officeDocument/2006/relationships" xmlns:p="http://schemas.openxmlformats.org/presentationml/2006/main">
-  <p:cSld>
-    <p:spTree>
-      <p:nvGrpSpPr>
-        <p:cNvPr id="1" name=""/>
-        <p:cNvGrpSpPr/>
-        <p:nvPr/>
-      </p:nvGrpSpPr>
-      <p:grpSpPr>
-        <a:xfrm>
-          <a:off x="0" y="0"/>
-          <a:ext cx="0" cy="0"/>
-          <a:chOff x="0" y="0"/>
-          <a:chExt cx="0" cy="0"/>
-        </a:xfrm>
-      </p:grpSpPr>
-      <p:sp>
-        <p:nvSpPr>
-          <p:cNvPr id="21" name="Titel 20">
-            <a:extLst>
-              <a:ext uri="{FF2B5EF4-FFF2-40B4-BE49-F238E27FC236}">
-                <a16:creationId xmlns:a16="http://schemas.microsoft.com/office/drawing/2014/main" id="{48DBB4BD-F06E-055E-7531-5747AF128625}"/>
-              </a:ext>
-            </a:extLst>
-          </p:cNvPr>
-          <p:cNvSpPr>
-            <a:spLocks noGrp="1"/>
-          </p:cNvSpPr>
-          <p:nvPr>
-            <p:ph type="title"/>
-          </p:nvPr>
-        </p:nvSpPr>
-        <p:spPr>
-          <a:xfrm>
-            <a:off x="1434046" y="149245"/>
-            <a:ext cx="10515600" cy="1325563"/>
-          </a:xfrm>
-        </p:spPr>
-        <p:txBody>
-          <a:bodyPr>
-            <a:normAutofit/>
-          </a:bodyPr>
-          <a:lstStyle/>
-          <a:p>
-            <a:pPr algn="ctr"/>
-            <a:r>
-              <a:rPr lang="en-GB" sz="3200" dirty="0">
-                <a:latin typeface="Calibri Light" panose="020F0302020204030204" pitchFamily="34" charset="0"/>
-                <a:cs typeface="Calibri Light" panose="020F0302020204030204" pitchFamily="34" charset="0"/>
-              </a:rPr>
-              <a:t>The HeLa Interphase dataset</a:t>
-            </a:r>
-          </a:p>
-        </p:txBody>
-      </p:sp>
-      <p:pic>
-        <p:nvPicPr>
-          <p:cNvPr id="5" name="Grafik 4">
-            <a:extLst>
-              <a:ext uri="{FF2B5EF4-FFF2-40B4-BE49-F238E27FC236}">
-                <a16:creationId xmlns:a16="http://schemas.microsoft.com/office/drawing/2014/main" id="{3B14564E-6474-8567-E6C4-5252FE8DE5FE}"/>
-              </a:ext>
-            </a:extLst>
-          </p:cNvPr>
-          <p:cNvPicPr>
-            <a:picLocks noChangeAspect="1"/>
-          </p:cNvPicPr>
-          <p:nvPr/>
-        </p:nvPicPr>
-        <p:blipFill>
-          <a:blip r:embed="rId3"/>
-          <a:stretch>
-            <a:fillRect/>
-          </a:stretch>
-        </p:blipFill>
-        <p:spPr>
-          <a:xfrm>
-            <a:off x="2357749" y="3713859"/>
-            <a:ext cx="9529374" cy="1933640"/>
-          </a:xfrm>
-          <a:prstGeom prst="rect">
-            <a:avLst/>
-          </a:prstGeom>
-        </p:spPr>
-      </p:pic>
-      <p:sp>
-        <p:nvSpPr>
-          <p:cNvPr id="8" name="Textfeld 7">
-            <a:extLst>
-              <a:ext uri="{FF2B5EF4-FFF2-40B4-BE49-F238E27FC236}">
-                <a16:creationId xmlns:a16="http://schemas.microsoft.com/office/drawing/2014/main" id="{62B6EFAE-FC8D-F7B5-0C3F-08FE5DAD6B2E}"/>
-              </a:ext>
-            </a:extLst>
-          </p:cNvPr>
-          <p:cNvSpPr txBox="1"/>
-          <p:nvPr/>
-        </p:nvSpPr>
-        <p:spPr>
-          <a:xfrm flipH="1">
-            <a:off x="1813464" y="3464676"/>
-            <a:ext cx="2323201" cy="369332"/>
-          </a:xfrm>
-          <a:prstGeom prst="rect">
-            <a:avLst/>
-          </a:prstGeom>
-          <a:noFill/>
-        </p:spPr>
-        <p:txBody>
-          <a:bodyPr wrap="square" rtlCol="0">
-            <a:spAutoFit/>
-          </a:bodyPr>
-          <a:lstStyle/>
-          <a:p>
-            <a:r>
-              <a:rPr lang="en-GB" dirty="0"/>
-              <a:t>rows = proteins (7086)</a:t>
-            </a:r>
-          </a:p>
-        </p:txBody>
-      </p:sp>
-      <p:sp>
-        <p:nvSpPr>
-          <p:cNvPr id="9" name="Pfeil: gebogen 8">
-            <a:extLst>
-              <a:ext uri="{FF2B5EF4-FFF2-40B4-BE49-F238E27FC236}">
-                <a16:creationId xmlns:a16="http://schemas.microsoft.com/office/drawing/2014/main" id="{52F80378-732F-7028-B94A-B6051EAAEAEC}"/>
-              </a:ext>
-            </a:extLst>
-          </p:cNvPr>
-          <p:cNvSpPr/>
-          <p:nvPr/>
-        </p:nvSpPr>
-        <p:spPr>
-          <a:xfrm rot="10800000" flipH="1">
-            <a:off x="1883443" y="3847375"/>
-            <a:ext cx="382846" cy="405882"/>
-          </a:xfrm>
-          <a:prstGeom prst="bentArrow">
-            <a:avLst>
-              <a:gd name="adj1" fmla="val 6512"/>
-              <a:gd name="adj2" fmla="val 9733"/>
-              <a:gd name="adj3" fmla="val 22563"/>
-              <a:gd name="adj4" fmla="val 53499"/>
-            </a:avLst>
-          </a:prstGeom>
-        </p:spPr>
-        <p:style>
-          <a:lnRef idx="2">
-            <a:schemeClr val="dk1">
-              <a:shade val="50000"/>
-            </a:schemeClr>
-          </a:lnRef>
-          <a:fillRef idx="1">
-            <a:schemeClr val="dk1"/>
-          </a:fillRef>
-          <a:effectRef idx="0">
-            <a:schemeClr val="dk1"/>
-          </a:effectRef>
-          <a:fontRef idx="minor">
-            <a:schemeClr val="lt1"/>
-          </a:fontRef>
-        </p:style>
-        <p:txBody>
-          <a:bodyPr rtlCol="0" anchor="ctr"/>
-          <a:lstStyle/>
-          <a:p>
-            <a:pPr algn="ctr"/>
-            <a:endParaRPr lang="en-GB">
-              <a:solidFill>
-                <a:schemeClr val="tx1"/>
-              </a:solidFill>
-            </a:endParaRPr>
-          </a:p>
-        </p:txBody>
-      </p:sp>
-      <p:cxnSp>
-        <p:nvCxnSpPr>
-          <p:cNvPr id="11" name="Gerade Verbindung mit Pfeil 10">
-            <a:extLst>
-              <a:ext uri="{FF2B5EF4-FFF2-40B4-BE49-F238E27FC236}">
-                <a16:creationId xmlns:a16="http://schemas.microsoft.com/office/drawing/2014/main" id="{11753507-4423-F33F-C2D0-E2982181B719}"/>
-              </a:ext>
-            </a:extLst>
-          </p:cNvPr>
-          <p:cNvCxnSpPr/>
-          <p:nvPr/>
-        </p:nvCxnSpPr>
-        <p:spPr>
-          <a:xfrm>
-            <a:off x="6183840" y="2858996"/>
-            <a:ext cx="0" cy="605680"/>
-          </a:xfrm>
-          <a:prstGeom prst="straightConnector1">
-            <a:avLst/>
-          </a:prstGeom>
-          <a:ln w="38100">
-            <a:tailEnd type="triangle"/>
-          </a:ln>
-        </p:spPr>
-        <p:style>
-          <a:lnRef idx="3">
-            <a:schemeClr val="dk1"/>
-          </a:lnRef>
-          <a:fillRef idx="0">
-            <a:schemeClr val="dk1"/>
-          </a:fillRef>
-          <a:effectRef idx="2">
-            <a:schemeClr val="dk1"/>
-          </a:effectRef>
-          <a:fontRef idx="minor">
-            <a:schemeClr val="tx1"/>
-          </a:fontRef>
-        </p:style>
-      </p:cxnSp>
-      <p:sp>
-        <p:nvSpPr>
-          <p:cNvPr id="12" name="Textfeld 11">
-            <a:extLst>
-              <a:ext uri="{FF2B5EF4-FFF2-40B4-BE49-F238E27FC236}">
-                <a16:creationId xmlns:a16="http://schemas.microsoft.com/office/drawing/2014/main" id="{2985775C-1876-4CB7-2214-3C384662B9FF}"/>
-              </a:ext>
-            </a:extLst>
-          </p:cNvPr>
-          <p:cNvSpPr txBox="1"/>
-          <p:nvPr/>
-        </p:nvSpPr>
-        <p:spPr>
-          <a:xfrm>
-            <a:off x="6358824" y="1412073"/>
-            <a:ext cx="3349689" cy="1754326"/>
-          </a:xfrm>
-          <a:prstGeom prst="rect">
-            <a:avLst/>
-          </a:prstGeom>
-          <a:noFill/>
-        </p:spPr>
-        <p:txBody>
-          <a:bodyPr wrap="square" rtlCol="0">
-            <a:spAutoFit/>
-          </a:bodyPr>
-          <a:lstStyle/>
-          <a:p>
-            <a:r>
-              <a:rPr lang="en-GB" dirty="0"/>
-              <a:t>3 replicates with control sample</a:t>
-            </a:r>
-          </a:p>
-          <a:p>
-            <a:r>
-              <a:rPr lang="en-GB" dirty="0"/>
-              <a:t>+ 3 replicates with RNase sample</a:t>
-            </a:r>
-          </a:p>
-          <a:p>
-            <a:r>
-              <a:rPr lang="en-GB" dirty="0"/>
-              <a:t>separated into 25 fractions</a:t>
-            </a:r>
-          </a:p>
-          <a:p>
-            <a:r>
-              <a:rPr lang="en-GB" dirty="0"/>
-              <a:t>Measurements were made in triplicates!</a:t>
-            </a:r>
-          </a:p>
-          <a:p>
-            <a:r>
-              <a:rPr lang="en-GB" dirty="0">
-                <a:sym typeface="Wingdings" panose="05000000000000000000" pitchFamily="2" charset="2"/>
-              </a:rPr>
-              <a:t> 3*3*25 = 150 columns</a:t>
-            </a:r>
-            <a:endParaRPr lang="en-GB" dirty="0"/>
-          </a:p>
-        </p:txBody>
-      </p:sp>
-      <p:cxnSp>
-        <p:nvCxnSpPr>
-          <p:cNvPr id="13" name="Gerade Verbindung mit Pfeil 12">
-            <a:extLst>
-              <a:ext uri="{FF2B5EF4-FFF2-40B4-BE49-F238E27FC236}">
-                <a16:creationId xmlns:a16="http://schemas.microsoft.com/office/drawing/2014/main" id="{AF022E08-E0DD-19E3-0F08-B5EE293CC220}"/>
-              </a:ext>
-            </a:extLst>
-          </p:cNvPr>
-          <p:cNvCxnSpPr>
-            <a:cxnSpLocks/>
-          </p:cNvCxnSpPr>
-          <p:nvPr/>
-        </p:nvCxnSpPr>
-        <p:spPr>
-          <a:xfrm flipH="1" flipV="1">
-            <a:off x="7007210" y="5336423"/>
-            <a:ext cx="485192" cy="466352"/>
-          </a:xfrm>
-          <a:prstGeom prst="straightConnector1">
-            <a:avLst/>
-          </a:prstGeom>
-          <a:ln w="38100">
-            <a:tailEnd type="triangle"/>
-          </a:ln>
-        </p:spPr>
-        <p:style>
-          <a:lnRef idx="3">
-            <a:schemeClr val="dk1"/>
-          </a:lnRef>
-          <a:fillRef idx="0">
-            <a:schemeClr val="dk1"/>
-          </a:fillRef>
-          <a:effectRef idx="2">
-            <a:schemeClr val="dk1"/>
-          </a:effectRef>
-          <a:fontRef idx="minor">
-            <a:schemeClr val="tx1"/>
-          </a:fontRef>
-        </p:style>
-      </p:cxnSp>
-      <p:sp>
-        <p:nvSpPr>
-          <p:cNvPr id="16" name="Textfeld 15">
-            <a:extLst>
-              <a:ext uri="{FF2B5EF4-FFF2-40B4-BE49-F238E27FC236}">
-                <a16:creationId xmlns:a16="http://schemas.microsoft.com/office/drawing/2014/main" id="{D46EC7D8-A769-79C9-9817-5CE3A4524DC1}"/>
-              </a:ext>
-            </a:extLst>
-          </p:cNvPr>
-          <p:cNvSpPr txBox="1"/>
-          <p:nvPr/>
-        </p:nvSpPr>
-        <p:spPr>
-          <a:xfrm>
-            <a:off x="6643408" y="5745886"/>
-            <a:ext cx="2780523" cy="923330"/>
-          </a:xfrm>
-          <a:prstGeom prst="rect">
-            <a:avLst/>
-          </a:prstGeom>
-          <a:noFill/>
-        </p:spPr>
-        <p:txBody>
-          <a:bodyPr wrap="square" rtlCol="0">
-            <a:spAutoFit/>
-          </a:bodyPr>
-          <a:lstStyle/>
-          <a:p>
-            <a:r>
-              <a:rPr lang="en-GB" dirty="0"/>
-              <a:t>Amount of protein in fraction 1 of replicate 1 with control sample</a:t>
-            </a:r>
-          </a:p>
-        </p:txBody>
-      </p:sp>
-      <p:sp>
-        <p:nvSpPr>
-          <p:cNvPr id="2" name="Foliennummernplatzhalter 1">
-            <a:extLst>
-              <a:ext uri="{FF2B5EF4-FFF2-40B4-BE49-F238E27FC236}">
-                <a16:creationId xmlns:a16="http://schemas.microsoft.com/office/drawing/2014/main" id="{9830E1DC-ED1A-E0CA-A47D-F397F2E15B64}"/>
-              </a:ext>
-            </a:extLst>
-          </p:cNvPr>
-          <p:cNvSpPr>
-            <a:spLocks noGrp="1"/>
-          </p:cNvSpPr>
-          <p:nvPr>
-            <p:ph type="sldNum" sz="quarter" idx="12"/>
-          </p:nvPr>
-        </p:nvSpPr>
-        <p:spPr/>
-        <p:txBody>
-          <a:bodyPr/>
-          <a:lstStyle/>
-          <a:p>
-            <a:fld id="{B054D835-26B3-49F1-AA08-AA3DD4F10E75}" type="slidenum">
-              <a:rPr lang="de-DE" smtClean="0"/>
-              <a:t>30</a:t>
-            </a:fld>
-            <a:endParaRPr lang="de-DE" dirty="0"/>
-          </a:p>
-        </p:txBody>
-      </p:sp>
-      <p:pic>
-        <p:nvPicPr>
-          <p:cNvPr id="15" name="Grafik 14"/>
-          <p:cNvPicPr>
-            <a:picLocks noChangeAspect="1"/>
-          </p:cNvPicPr>
-          <p:nvPr/>
-        </p:nvPicPr>
-        <p:blipFill>
-          <a:blip r:embed="rId4"/>
-          <a:stretch>
-            <a:fillRect/>
-          </a:stretch>
-        </p:blipFill>
-        <p:spPr>
-          <a:xfrm>
-            <a:off x="10927134" y="254831"/>
-            <a:ext cx="853331" cy="685126"/>
-          </a:xfrm>
-          <a:prstGeom prst="rect">
-            <a:avLst/>
-          </a:prstGeom>
-        </p:spPr>
-      </p:pic>
-      <p:sp>
-        <p:nvSpPr>
-          <p:cNvPr id="19" name="Ellipse 18"/>
-          <p:cNvSpPr/>
-          <p:nvPr/>
-        </p:nvSpPr>
-        <p:spPr>
-          <a:xfrm>
-            <a:off x="10782819" y="86019"/>
-            <a:ext cx="1141960" cy="1097783"/>
-          </a:xfrm>
-          <a:prstGeom prst="ellipse">
-            <a:avLst/>
-          </a:prstGeom>
-          <a:noFill/>
-          <a:ln>
-            <a:solidFill>
-              <a:schemeClr val="tx1"/>
-            </a:solidFill>
-          </a:ln>
-        </p:spPr>
-        <p:style>
-          <a:lnRef idx="2">
-            <a:schemeClr val="accent1">
-              <a:shade val="50000"/>
-            </a:schemeClr>
-          </a:lnRef>
-          <a:fillRef idx="1">
-            <a:schemeClr val="accent1"/>
-          </a:fillRef>
-          <a:effectRef idx="0">
-            <a:schemeClr val="accent1"/>
-          </a:effectRef>
-          <a:fontRef idx="minor">
-            <a:schemeClr val="lt1"/>
-          </a:fontRef>
-        </p:style>
-        <p:txBody>
-          <a:bodyPr rtlCol="0" anchor="ctr"/>
-          <a:lstStyle/>
-          <a:p>
-            <a:pPr algn="ctr"/>
-            <a:endParaRPr lang="de-DE"/>
-          </a:p>
-        </p:txBody>
-      </p:sp>
-      <p:sp>
-        <p:nvSpPr>
-          <p:cNvPr id="20" name="Ellipse 19">
-            <a:extLst>
-              <a:ext uri="{FF2B5EF4-FFF2-40B4-BE49-F238E27FC236}">
-                <a16:creationId xmlns:a16="http://schemas.microsoft.com/office/drawing/2014/main" id="{5F8D8C52-24E8-A2DF-C86C-84E371D62FF4}"/>
-              </a:ext>
-            </a:extLst>
-          </p:cNvPr>
-          <p:cNvSpPr/>
-          <p:nvPr/>
-        </p:nvSpPr>
-        <p:spPr>
-          <a:xfrm>
-            <a:off x="-136963" y="-256812"/>
-            <a:ext cx="2540205" cy="2496013"/>
-          </a:xfrm>
-          <a:prstGeom prst="ellipse">
-            <a:avLst/>
-          </a:prstGeom>
-          <a:solidFill>
-            <a:srgbClr val="262626"/>
-          </a:solidFill>
-          <a:ln>
-            <a:solidFill>
-              <a:srgbClr val="262626"/>
-            </a:solidFill>
-          </a:ln>
-        </p:spPr>
-        <p:style>
-          <a:lnRef idx="2">
-            <a:schemeClr val="accent1">
-              <a:shade val="50000"/>
-            </a:schemeClr>
-          </a:lnRef>
-          <a:fillRef idx="1">
-            <a:schemeClr val="accent1"/>
-          </a:fillRef>
-          <a:effectRef idx="0">
-            <a:schemeClr val="accent1"/>
-          </a:effectRef>
-          <a:fontRef idx="minor">
-            <a:schemeClr val="lt1"/>
-          </a:fontRef>
-        </p:style>
-        <p:txBody>
-          <a:bodyPr rtlCol="0" anchor="ctr"/>
-          <a:lstStyle/>
-          <a:p>
-            <a:r>
-              <a:rPr lang="en-US" sz="3600" dirty="0">
-                <a:solidFill>
-                  <a:schemeClr val="bg1"/>
-                </a:solidFill>
-              </a:rPr>
-              <a:t>The dataset</a:t>
-            </a:r>
-          </a:p>
-        </p:txBody>
-      </p:sp>
-    </p:spTree>
-    <p:extLst>
-      <p:ext uri="{BB962C8B-B14F-4D97-AF65-F5344CB8AC3E}">
-        <p14:creationId xmlns:p14="http://schemas.microsoft.com/office/powerpoint/2010/main" val="1831267353"/>
-      </p:ext>
-    </p:extLst>
-  </p:cSld>
-  <p:clrMapOvr>
-    <a:masterClrMapping/>
-  </p:clrMapOvr>
-  <p:timing>
-    <p:tnLst>
-      <p:par>
-        <p:cTn id="1" dur="indefinite" restart="never" nodeType="tmRoot">
-          <p:childTnLst>
-            <p:seq concurrent="1" nextAc="seek">
-              <p:cTn id="2" dur="indefinite" nodeType="mainSeq">
-                <p:childTnLst>
-                  <p:par>
-                    <p:cTn id="3" fill="hold">
-                      <p:stCondLst>
-                        <p:cond delay="indefinite"/>
-                      </p:stCondLst>
-                      <p:childTnLst>
-                        <p:par>
-                          <p:cTn id="4" fill="hold">
-                            <p:stCondLst>
-                              <p:cond delay="0"/>
-                            </p:stCondLst>
-                            <p:childTnLst>
-                              <p:par>
-                                <p:cTn id="5" presetID="22" presetClass="entr" presetSubtype="8" fill="hold" grpId="0" nodeType="clickEffect">
-                                  <p:stCondLst>
-                                    <p:cond delay="0"/>
-                                  </p:stCondLst>
-                                  <p:childTnLst>
-                                    <p:set>
-                                      <p:cBhvr>
-                                        <p:cTn id="6" dur="1" fill="hold">
-                                          <p:stCondLst>
-                                            <p:cond delay="0"/>
-                                          </p:stCondLst>
-                                        </p:cTn>
-                                        <p:tgtEl>
-                                          <p:spTgt spid="20"/>
-                                        </p:tgtEl>
-                                        <p:attrNameLst>
-                                          <p:attrName>style.visibility</p:attrName>
-                                        </p:attrNameLst>
-                                      </p:cBhvr>
-                                      <p:to>
-                                        <p:strVal val="visible"/>
-                                      </p:to>
-                                    </p:set>
-                                    <p:animEffect transition="in" filter="wipe(left)">
-                                      <p:cBhvr>
-                                        <p:cTn id="7" dur="500"/>
-                                        <p:tgtEl>
-                                          <p:spTgt spid="20"/>
-                                        </p:tgtEl>
-                                      </p:cBhvr>
-                                    </p:animEffect>
-                                  </p:childTnLst>
-                                </p:cTn>
-                              </p:par>
-                            </p:childTnLst>
-                          </p:cTn>
-                        </p:par>
-                      </p:childTnLst>
-                    </p:cTn>
-                  </p:par>
-                </p:childTnLst>
-              </p:cTn>
-              <p:prevCondLst>
-                <p:cond evt="onPrev" delay="0">
-                  <p:tgtEl>
-                    <p:sldTgt/>
-                  </p:tgtEl>
-                </p:cond>
-              </p:prevCondLst>
-              <p:nextCondLst>
-                <p:cond evt="onNext" delay="0">
-                  <p:tgtEl>
-                    <p:sldTgt/>
-                  </p:tgtEl>
-                </p:cond>
-              </p:nextCondLst>
-            </p:seq>
-          </p:childTnLst>
-        </p:cTn>
-      </p:par>
-    </p:tnLst>
-    <p:bldLst>
-      <p:bldP spid="20" grpId="0" animBg="1"/>
-    </p:bldLst>
-  </p:timing>
-</p:sld>
-</file>
-
-<file path=ppt/slides/slide31.xml><?xml version="1.0" encoding="utf-8"?>
 <p:sld xmlns:a="http://schemas.openxmlformats.org/drawingml/2006/main" xmlns:r="http://schemas.openxmlformats.org/officeDocument/2006/relationships" xmlns:p="http://schemas.openxmlformats.org/presentationml/2006/main">
   <p:cSld>
     <p:spTree>
@@ -35204,7 +35207,7 @@
     <a:masterClrMapping/>
   </p:clrMapOvr>
   <mc:AlternateContent xmlns:mc="http://schemas.openxmlformats.org/markup-compatibility/2006">
-    <mc:Choice xmlns:p159="http://schemas.microsoft.com/office/powerpoint/2015/09/main" xmlns="" Requires="p159">
+    <mc:Choice xmlns="" xmlns:p159="http://schemas.microsoft.com/office/powerpoint/2015/09/main" Requires="p159">
       <p:transition xmlns:p14="http://schemas.microsoft.com/office/powerpoint/2010/main" spd="slow" p14:dur="2000">
         <p159:morph option="byObject"/>
       </p:transition>

--- a/Final presentation outline & temporary draft.pptx
+++ b/Final presentation outline & temporary draft.pptx
@@ -4929,10 +4929,10 @@
               <a:rPr lang="de-DE" dirty="0" err="1" smtClean="0"/>
               <a:t>actin</a:t>
             </a:r>
-            <a:endParaRPr lang="de-DE" smtClean="0"/>
-          </a:p>
-          <a:p>
-            <a:endParaRPr lang="de-DE"/>
+            <a:endParaRPr lang="de-DE" dirty="0" smtClean="0"/>
+          </a:p>
+          <a:p>
+            <a:endParaRPr lang="de-DE" dirty="0"/>
           </a:p>
         </p:txBody>
       </p:sp>

--- a/Final presentation outline & temporary draft.pptx
+++ b/Final presentation outline & temporary draft.pptx
@@ -4407,7 +4407,7 @@
           <a:p>
             <a:fld id="{5B336E8D-0131-4BC3-9872-2221C06C416F}" type="datetimeFigureOut">
               <a:rPr lang="en-GB" smtClean="0"/>
-              <a:t>15/07/2022</a:t>
+              <a:t>16/07/2022</a:t>
             </a:fld>
             <a:endParaRPr lang="en-GB"/>
           </a:p>
@@ -9738,7 +9738,7 @@
           <a:p>
             <a:fld id="{4C41AFD5-5EF3-415F-9F0B-4492BA775CD3}" type="datetime1">
               <a:rPr lang="de-DE" smtClean="0"/>
-              <a:t>15.07.2022</a:t>
+              <a:t>16.07.2022</a:t>
             </a:fld>
             <a:endParaRPr lang="de-DE" dirty="0"/>
           </a:p>
@@ -9936,7 +9936,7 @@
           <a:p>
             <a:fld id="{BA225CD3-E3C7-4284-82B6-D3CC5F3C340C}" type="datetime1">
               <a:rPr lang="de-DE" smtClean="0"/>
-              <a:t>15.07.2022</a:t>
+              <a:t>16.07.2022</a:t>
             </a:fld>
             <a:endParaRPr lang="de-DE" dirty="0"/>
           </a:p>
@@ -10144,7 +10144,7 @@
           <a:p>
             <a:fld id="{B77A8850-3A74-4291-B8EC-899B7DFC2FD7}" type="datetime1">
               <a:rPr lang="de-DE" smtClean="0"/>
-              <a:t>15.07.2022</a:t>
+              <a:t>16.07.2022</a:t>
             </a:fld>
             <a:endParaRPr lang="de-DE" dirty="0"/>
           </a:p>
@@ -10342,7 +10342,7 @@
           <a:p>
             <a:fld id="{56B77935-0F02-486B-93E2-1A62BA52A9DC}" type="datetime1">
               <a:rPr lang="de-DE" smtClean="0"/>
-              <a:t>15.07.2022</a:t>
+              <a:t>16.07.2022</a:t>
             </a:fld>
             <a:endParaRPr lang="de-DE" dirty="0"/>
           </a:p>
@@ -10617,7 +10617,7 @@
           <a:p>
             <a:fld id="{F3346B55-F93A-4A82-B394-5844EB08D3EE}" type="datetime1">
               <a:rPr lang="de-DE" smtClean="0"/>
-              <a:t>15.07.2022</a:t>
+              <a:t>16.07.2022</a:t>
             </a:fld>
             <a:endParaRPr lang="de-DE" dirty="0"/>
           </a:p>
@@ -10882,7 +10882,7 @@
           <a:p>
             <a:fld id="{56D90E57-9042-4FB1-9DB0-BAB388798E9F}" type="datetime1">
               <a:rPr lang="de-DE" smtClean="0"/>
-              <a:t>15.07.2022</a:t>
+              <a:t>16.07.2022</a:t>
             </a:fld>
             <a:endParaRPr lang="de-DE" dirty="0"/>
           </a:p>
@@ -11294,7 +11294,7 @@
           <a:p>
             <a:fld id="{CA3BE1AF-841F-4B25-AE94-453CAF9C5BFF}" type="datetime1">
               <a:rPr lang="de-DE" smtClean="0"/>
-              <a:t>15.07.2022</a:t>
+              <a:t>16.07.2022</a:t>
             </a:fld>
             <a:endParaRPr lang="de-DE" dirty="0"/>
           </a:p>
@@ -11435,7 +11435,7 @@
           <a:p>
             <a:fld id="{D077077D-0C95-40B3-BB8B-96239E34F330}" type="datetime1">
               <a:rPr lang="de-DE" smtClean="0"/>
-              <a:t>15.07.2022</a:t>
+              <a:t>16.07.2022</a:t>
             </a:fld>
             <a:endParaRPr lang="de-DE" dirty="0"/>
           </a:p>
@@ -11548,7 +11548,7 @@
           <a:p>
             <a:fld id="{F3FE1BFC-C431-4CE0-8637-2AA7341065DA}" type="datetime1">
               <a:rPr lang="de-DE" smtClean="0"/>
-              <a:t>15.07.2022</a:t>
+              <a:t>16.07.2022</a:t>
             </a:fld>
             <a:endParaRPr lang="de-DE" dirty="0"/>
           </a:p>
@@ -11859,7 +11859,7 @@
           <a:p>
             <a:fld id="{D4A7182B-B9BE-4267-9D89-433FC66079F1}" type="datetime1">
               <a:rPr lang="de-DE" smtClean="0"/>
-              <a:t>15.07.2022</a:t>
+              <a:t>16.07.2022</a:t>
             </a:fld>
             <a:endParaRPr lang="de-DE" dirty="0"/>
           </a:p>
@@ -12147,7 +12147,7 @@
           <a:p>
             <a:fld id="{3C9B8F85-A77D-4AA7-B335-BF3E3C502D74}" type="datetime1">
               <a:rPr lang="de-DE" smtClean="0"/>
-              <a:t>15.07.2022</a:t>
+              <a:t>16.07.2022</a:t>
             </a:fld>
             <a:endParaRPr lang="de-DE" dirty="0"/>
           </a:p>
@@ -12391,7 +12391,7 @@
           <a:p>
             <a:fld id="{59D52E96-2B6B-4C69-B67F-9C08F3E73303}" type="datetime1">
               <a:rPr lang="de-DE" smtClean="0"/>
-              <a:t>15.07.2022</a:t>
+              <a:t>16.07.2022</a:t>
             </a:fld>
             <a:endParaRPr lang="de-DE" dirty="0"/>
           </a:p>
@@ -13352,7 +13352,7 @@
         <p:spPr>
           <a:xfrm>
             <a:off x="9317043" y="6503430"/>
-            <a:ext cx="6146800" cy="369332"/>
+            <a:ext cx="6146800" cy="261610"/>
           </a:xfrm>
           <a:prstGeom prst="rect">
             <a:avLst/>
@@ -13367,19 +13367,19 @@
           <a:p>
             <a:pPr algn="l"/>
             <a:r>
-              <a:rPr lang="en-GB" sz="1800" dirty="0"/>
+              <a:rPr lang="en-GB" sz="1100" dirty="0"/>
               <a:t>Created</a:t>
             </a:r>
             <a:r>
-              <a:rPr lang="de-DE" sz="1800" dirty="0"/>
-              <a:t> </a:t>
-            </a:r>
-            <a:r>
-              <a:rPr lang="en-GB" sz="1800" dirty="0"/>
+              <a:rPr lang="de-DE" sz="1100" dirty="0"/>
+              <a:t> </a:t>
+            </a:r>
+            <a:r>
+              <a:rPr lang="en-GB" sz="1100" dirty="0"/>
               <a:t>with</a:t>
             </a:r>
             <a:r>
-              <a:rPr lang="de-DE" sz="1800" dirty="0"/>
+              <a:rPr lang="de-DE" sz="1100" dirty="0"/>
               <a:t> BioRender.com</a:t>
             </a:r>
           </a:p>
@@ -13433,6 +13433,13 @@
   <p:clrMapOvr>
     <a:overrideClrMapping bg1="dk1" tx1="lt1" bg2="dk2" tx2="lt2" accent1="accent1" accent2="accent2" accent3="accent3" accent4="accent4" accent5="accent5" accent6="accent6" hlink="hlink" folHlink="folHlink"/>
   </p:clrMapOvr>
+  <p:timing>
+    <p:tnLst>
+      <p:par>
+        <p:cTn id="1" dur="indefinite" restart="never" nodeType="tmRoot"/>
+      </p:par>
+    </p:tnLst>
+  </p:timing>
 </p:sld>
 </file>
 
@@ -13562,52 +13569,6 @@
       </p:pic>
       <p:sp>
         <p:nvSpPr>
-          <p:cNvPr id="6" name="Ellipse 5"/>
-          <p:cNvSpPr/>
-          <p:nvPr/>
-        </p:nvSpPr>
-        <p:spPr>
-          <a:xfrm>
-            <a:off x="10908843" y="74279"/>
-            <a:ext cx="1141960" cy="1097783"/>
-          </a:xfrm>
-          <a:prstGeom prst="ellipse">
-            <a:avLst/>
-          </a:prstGeom>
-          <a:noFill/>
-          <a:ln>
-            <a:solidFill>
-              <a:schemeClr val="tx1"/>
-            </a:solidFill>
-          </a:ln>
-        </p:spPr>
-        <p:style>
-          <a:lnRef idx="2">
-            <a:schemeClr val="accent1">
-              <a:shade val="50000"/>
-            </a:schemeClr>
-          </a:lnRef>
-          <a:fillRef idx="1">
-            <a:schemeClr val="accent1"/>
-          </a:fillRef>
-          <a:effectRef idx="0">
-            <a:schemeClr val="accent1"/>
-          </a:effectRef>
-          <a:fontRef idx="minor">
-            <a:schemeClr val="lt1"/>
-          </a:fontRef>
-        </p:style>
-        <p:txBody>
-          <a:bodyPr rtlCol="0" anchor="ctr"/>
-          <a:lstStyle/>
-          <a:p>
-            <a:pPr algn="ctr"/>
-            <a:endParaRPr lang="de-DE"/>
-          </a:p>
-        </p:txBody>
-      </p:sp>
-      <p:sp>
-        <p:nvSpPr>
           <p:cNvPr id="3" name="Textfeld 2"/>
           <p:cNvSpPr txBox="1"/>
           <p:nvPr/>
@@ -13615,7 +13576,7 @@
         <p:spPr>
           <a:xfrm>
             <a:off x="2758190" y="1004341"/>
-            <a:ext cx="5411449" cy="461665"/>
+            <a:ext cx="5411449" cy="430887"/>
           </a:xfrm>
           <a:prstGeom prst="rect">
             <a:avLst/>
@@ -13629,31 +13590,31 @@
           <a:lstStyle/>
           <a:p>
             <a:r>
-              <a:rPr lang="de-DE" sz="2400" dirty="0"/>
+              <a:rPr lang="de-DE" sz="2200" dirty="0"/>
               <a:t>Do </a:t>
             </a:r>
             <a:r>
-              <a:rPr lang="de-DE" sz="2400" dirty="0" err="1"/>
+              <a:rPr lang="de-DE" sz="2200" dirty="0" err="1"/>
               <a:t>the</a:t>
             </a:r>
             <a:r>
-              <a:rPr lang="de-DE" sz="2400" dirty="0"/>
-              <a:t> </a:t>
-            </a:r>
-            <a:r>
-              <a:rPr lang="de-DE" sz="2400" dirty="0" err="1"/>
+              <a:rPr lang="de-DE" sz="2200" dirty="0"/>
+              <a:t> </a:t>
+            </a:r>
+            <a:r>
+              <a:rPr lang="de-DE" sz="2200" dirty="0" err="1"/>
               <a:t>maxima</a:t>
             </a:r>
             <a:r>
-              <a:rPr lang="de-DE" sz="2400" dirty="0"/>
-              <a:t> </a:t>
-            </a:r>
-            <a:r>
-              <a:rPr lang="de-DE" sz="2400" dirty="0" err="1"/>
+              <a:rPr lang="de-DE" sz="2200" dirty="0"/>
+              <a:t> </a:t>
+            </a:r>
+            <a:r>
+              <a:rPr lang="de-DE" sz="2200" dirty="0" err="1"/>
               <a:t>align</a:t>
             </a:r>
             <a:r>
-              <a:rPr lang="de-DE" sz="2400" dirty="0"/>
+              <a:rPr lang="de-DE" sz="2200" dirty="0"/>
               <a:t>?</a:t>
             </a:r>
           </a:p>
@@ -13668,7 +13629,7 @@
         <p:spPr>
           <a:xfrm>
             <a:off x="838200" y="2630305"/>
-            <a:ext cx="6250898" cy="461665"/>
+            <a:ext cx="6250898" cy="430887"/>
           </a:xfrm>
           <a:prstGeom prst="rect">
             <a:avLst/>
@@ -13682,47 +13643,47 @@
           <a:lstStyle/>
           <a:p>
             <a:r>
-              <a:rPr lang="de-DE" sz="2400" dirty="0"/>
+              <a:rPr lang="de-DE" sz="2200" dirty="0"/>
               <a:t>Maxima </a:t>
             </a:r>
             <a:r>
-              <a:rPr lang="de-DE" sz="2400" dirty="0" err="1"/>
+              <a:rPr lang="de-DE" sz="2200" dirty="0" err="1"/>
               <a:t>have</a:t>
             </a:r>
             <a:r>
-              <a:rPr lang="de-DE" sz="2400" dirty="0"/>
-              <a:t> </a:t>
-            </a:r>
-            <a:r>
-              <a:rPr lang="de-DE" sz="2400" dirty="0" err="1"/>
+              <a:rPr lang="de-DE" sz="2200" dirty="0"/>
+              <a:t> </a:t>
+            </a:r>
+            <a:r>
+              <a:rPr lang="de-DE" sz="2200" dirty="0" err="1"/>
               <a:t>to</a:t>
             </a:r>
             <a:r>
-              <a:rPr lang="de-DE" sz="2400" dirty="0"/>
-              <a:t> </a:t>
-            </a:r>
-            <a:r>
-              <a:rPr lang="de-DE" sz="2400" dirty="0" err="1"/>
+              <a:rPr lang="de-DE" sz="2200" dirty="0"/>
+              <a:t> </a:t>
+            </a:r>
+            <a:r>
+              <a:rPr lang="de-DE" sz="2200" dirty="0" err="1"/>
               <a:t>be</a:t>
             </a:r>
             <a:r>
-              <a:rPr lang="de-DE" sz="2400" dirty="0"/>
+              <a:rPr lang="de-DE" sz="2200" dirty="0"/>
               <a:t> in </a:t>
             </a:r>
             <a:r>
-              <a:rPr lang="de-DE" sz="2400" dirty="0" err="1"/>
+              <a:rPr lang="de-DE" sz="2200" dirty="0" err="1"/>
               <a:t>the</a:t>
             </a:r>
             <a:r>
-              <a:rPr lang="de-DE" sz="2400" dirty="0"/>
+              <a:rPr lang="de-DE" sz="2200" dirty="0"/>
               <a:t> same </a:t>
             </a:r>
             <a:r>
-              <a:rPr lang="de-DE" sz="2400" dirty="0" err="1"/>
+              <a:rPr lang="de-DE" sz="2200" dirty="0" err="1"/>
               <a:t>fraction</a:t>
             </a:r>
             <a:r>
-              <a:rPr lang="de-DE" sz="2400" dirty="0"/>
+              <a:rPr lang="de-DE" sz="2200" dirty="0"/>
               <a:t> (+/-1)</a:t>
             </a:r>
           </a:p>
@@ -13791,6 +13752,13 @@
   <p:clrMapOvr>
     <a:masterClrMapping/>
   </p:clrMapOvr>
+  <p:timing>
+    <p:tnLst>
+      <p:par>
+        <p:cTn id="1" dur="indefinite" restart="never" nodeType="tmRoot"/>
+      </p:par>
+    </p:tnLst>
+  </p:timing>
 </p:sld>
 </file>
 
@@ -13918,52 +13886,6 @@
           </a:prstGeom>
         </p:spPr>
       </p:pic>
-      <p:sp>
-        <p:nvSpPr>
-          <p:cNvPr id="6" name="Ellipse 5"/>
-          <p:cNvSpPr/>
-          <p:nvPr/>
-        </p:nvSpPr>
-        <p:spPr>
-          <a:xfrm>
-            <a:off x="10908843" y="74279"/>
-            <a:ext cx="1141960" cy="1097783"/>
-          </a:xfrm>
-          <a:prstGeom prst="ellipse">
-            <a:avLst/>
-          </a:prstGeom>
-          <a:noFill/>
-          <a:ln>
-            <a:solidFill>
-              <a:schemeClr val="tx1"/>
-            </a:solidFill>
-          </a:ln>
-        </p:spPr>
-        <p:style>
-          <a:lnRef idx="2">
-            <a:schemeClr val="accent1">
-              <a:shade val="50000"/>
-            </a:schemeClr>
-          </a:lnRef>
-          <a:fillRef idx="1">
-            <a:schemeClr val="accent1"/>
-          </a:fillRef>
-          <a:effectRef idx="0">
-            <a:schemeClr val="accent1"/>
-          </a:effectRef>
-          <a:fontRef idx="minor">
-            <a:schemeClr val="lt1"/>
-          </a:fontRef>
-        </p:style>
-        <p:txBody>
-          <a:bodyPr rtlCol="0" anchor="ctr"/>
-          <a:lstStyle/>
-          <a:p>
-            <a:pPr algn="ctr"/>
-            <a:endParaRPr lang="de-DE"/>
-          </a:p>
-        </p:txBody>
-      </p:sp>
       <p:pic>
         <p:nvPicPr>
           <p:cNvPr id="8" name="Grafik 7"/>
@@ -14077,7 +13999,7 @@
           <a:lstStyle/>
           <a:p>
             <a:r>
-              <a:rPr lang="de-DE" sz="2200" i="1" dirty="0"/>
+              <a:rPr lang="de-DE" sz="2200" b="1" dirty="0"/>
               <a:t>Global Maxima</a:t>
             </a:r>
           </a:p>
@@ -14328,6 +14250,114 @@
             <a:endParaRPr lang="de-DE" sz="3200" b="1" dirty="0">
               <a:latin typeface="Calibri Light" panose="020F0302020204030204" pitchFamily="34" charset="0"/>
               <a:cs typeface="Calibri Light" panose="020F0302020204030204" pitchFamily="34" charset="0"/>
+            </a:endParaRPr>
+          </a:p>
+        </p:txBody>
+      </p:sp>
+      <p:sp>
+        <p:nvSpPr>
+          <p:cNvPr id="3" name="Textfeld 2"/>
+          <p:cNvSpPr txBox="1"/>
+          <p:nvPr/>
+        </p:nvSpPr>
+        <p:spPr>
+          <a:xfrm>
+            <a:off x="3132638" y="4337968"/>
+            <a:ext cx="5570806" cy="738664"/>
+          </a:xfrm>
+          <a:prstGeom prst="rect">
+            <a:avLst/>
+          </a:prstGeom>
+          <a:noFill/>
+        </p:spPr>
+        <p:txBody>
+          <a:bodyPr wrap="square" rtlCol="0">
+            <a:spAutoFit/>
+          </a:bodyPr>
+          <a:lstStyle/>
+          <a:p>
+            <a:r>
+              <a:rPr lang="de-DE" sz="1400" dirty="0" err="1" smtClean="0"/>
+              <a:t>Shifting</a:t>
+            </a:r>
+            <a:r>
+              <a:rPr lang="de-DE" sz="1400" dirty="0" smtClean="0"/>
+              <a:t> </a:t>
+            </a:r>
+            <a:r>
+              <a:rPr lang="de-DE" sz="1400" dirty="0" err="1" smtClean="0"/>
+              <a:t>protein</a:t>
+            </a:r>
+            <a:r>
+              <a:rPr lang="de-DE" sz="1400" dirty="0" smtClean="0"/>
+              <a:t> </a:t>
+            </a:r>
+            <a:r>
+              <a:rPr lang="de-DE" sz="1400" dirty="0" err="1" smtClean="0"/>
+              <a:t>which</a:t>
+            </a:r>
+            <a:r>
+              <a:rPr lang="de-DE" sz="1400" dirty="0" smtClean="0"/>
+              <a:t> </a:t>
+            </a:r>
+            <a:r>
+              <a:rPr lang="de-DE" sz="1400" dirty="0" err="1" smtClean="0"/>
+              <a:t>shows</a:t>
+            </a:r>
+            <a:r>
+              <a:rPr lang="de-DE" sz="1400" dirty="0" smtClean="0"/>
+              <a:t> global </a:t>
+            </a:r>
+            <a:r>
+              <a:rPr lang="de-DE" sz="1400" dirty="0" err="1" smtClean="0"/>
+              <a:t>and</a:t>
+            </a:r>
+            <a:r>
+              <a:rPr lang="de-DE" sz="1400" dirty="0" smtClean="0"/>
+              <a:t> </a:t>
+            </a:r>
+            <a:r>
+              <a:rPr lang="de-DE" sz="1400" dirty="0" err="1" smtClean="0"/>
+              <a:t>local</a:t>
+            </a:r>
+            <a:r>
+              <a:rPr lang="de-DE" sz="1400" dirty="0" smtClean="0"/>
+              <a:t> </a:t>
+            </a:r>
+            <a:r>
+              <a:rPr lang="de-DE" sz="1400" dirty="0" err="1" smtClean="0"/>
+              <a:t>maxima</a:t>
+            </a:r>
+            <a:endParaRPr lang="de-DE" sz="1400" dirty="0" smtClean="0"/>
+          </a:p>
+          <a:p>
+            <a:r>
+              <a:rPr lang="de-DE" sz="1400" dirty="0" err="1" smtClean="0">
+                <a:solidFill>
+                  <a:srgbClr val="FF0000"/>
+                </a:solidFill>
+              </a:rPr>
+              <a:t>RNase</a:t>
+            </a:r>
+            <a:endParaRPr lang="de-DE" sz="1400" dirty="0" smtClean="0">
+              <a:solidFill>
+                <a:srgbClr val="FF0000"/>
+              </a:solidFill>
+            </a:endParaRPr>
+          </a:p>
+          <a:p>
+            <a:r>
+              <a:rPr lang="de-DE" sz="1400" dirty="0" err="1" smtClean="0">
+                <a:solidFill>
+                  <a:srgbClr val="0070C0"/>
+                </a:solidFill>
+              </a:rPr>
+              <a:t>control</a:t>
+            </a:r>
+            <a:endParaRPr lang="de-DE" sz="1400" dirty="0">
+              <a:solidFill>
+                <a:srgbClr val="0070C0"/>
+              </a:solidFill>
             </a:endParaRPr>
           </a:p>
         </p:txBody>
@@ -14506,7 +14536,7 @@
                             </p:stCondLst>
                             <p:childTnLst>
                               <p:par>
-                                <p:cTn id="18" presetID="1" presetClass="entr" presetSubtype="0" fill="hold" nodeType="clickEffect">
+                                <p:cTn id="18" presetID="1" presetClass="entr" presetSubtype="0" fill="hold" grpId="0" nodeType="clickEffect">
                                   <p:stCondLst>
                                     <p:cond delay="0"/>
                                   </p:stCondLst>
@@ -14519,7 +14549,7 @@
                                           </p:stCondLst>
                                         </p:cTn>
                                         <p:tgtEl>
-                                          <p:spTgt spid="11"/>
+                                          <p:spTgt spid="3"/>
                                         </p:tgtEl>
                                         <p:attrNameLst>
                                           <p:attrName>style.visibility</p:attrName>
@@ -14551,7 +14581,7 @@
                             </p:stCondLst>
                             <p:childTnLst>
                               <p:par>
-                                <p:cTn id="22" presetID="1" presetClass="entr" presetSubtype="0" fill="hold" grpId="0" nodeType="clickEffect">
+                                <p:cTn id="22" presetID="1" presetClass="entr" presetSubtype="0" fill="hold" nodeType="clickEffect">
                                   <p:stCondLst>
                                     <p:cond delay="0"/>
                                   </p:stCondLst>
@@ -14564,11 +14594,7 @@
                                           </p:stCondLst>
                                         </p:cTn>
                                         <p:tgtEl>
-                                          <p:spTgt spid="12">
-                                            <p:txEl>
-                                              <p:pRg st="0" end="0"/>
-                                            </p:txEl>
-                                          </p:spTgt>
+                                          <p:spTgt spid="11"/>
                                         </p:tgtEl>
                                         <p:attrNameLst>
                                           <p:attrName>style.visibility</p:attrName>
@@ -14615,7 +14641,7 @@
                                         <p:tgtEl>
                                           <p:spTgt spid="12">
                                             <p:txEl>
-                                              <p:pRg st="1" end="1"/>
+                                              <p:pRg st="0" end="0"/>
                                             </p:txEl>
                                           </p:spTgt>
                                         </p:tgtEl>
@@ -14649,7 +14675,7 @@
                             </p:stCondLst>
                             <p:childTnLst>
                               <p:par>
-                                <p:cTn id="30" presetID="1" presetClass="entr" presetSubtype="0" fill="hold" nodeType="clickEffect">
+                                <p:cTn id="30" presetID="1" presetClass="entr" presetSubtype="0" fill="hold" grpId="0" nodeType="clickEffect">
                                   <p:stCondLst>
                                     <p:cond delay="0"/>
                                   </p:stCondLst>
@@ -14662,7 +14688,11 @@
                                           </p:stCondLst>
                                         </p:cTn>
                                         <p:tgtEl>
-                                          <p:spTgt spid="9"/>
+                                          <p:spTgt spid="12">
+                                            <p:txEl>
+                                              <p:pRg st="1" end="1"/>
+                                            </p:txEl>
+                                          </p:spTgt>
                                         </p:tgtEl>
                                         <p:attrNameLst>
                                           <p:attrName>style.visibility</p:attrName>
@@ -14694,7 +14724,7 @@
                             </p:stCondLst>
                             <p:childTnLst>
                               <p:par>
-                                <p:cTn id="34" presetID="1" presetClass="entr" presetSubtype="0" fill="hold" grpId="0" nodeType="clickEffect">
+                                <p:cTn id="34" presetID="1" presetClass="entr" presetSubtype="0" fill="hold" nodeType="clickEffect">
                                   <p:stCondLst>
                                     <p:cond delay="0"/>
                                   </p:stCondLst>
@@ -14707,7 +14737,7 @@
                                           </p:stCondLst>
                                         </p:cTn>
                                         <p:tgtEl>
-                                          <p:spTgt spid="14"/>
+                                          <p:spTgt spid="9"/>
                                         </p:tgtEl>
                                         <p:attrNameLst>
                                           <p:attrName>style.visibility</p:attrName>
@@ -14747,6 +14777,51 @@
                                     <p:set>
                                       <p:cBhvr>
                                         <p:cTn id="39" dur="1" fill="hold">
+                                          <p:stCondLst>
+                                            <p:cond delay="0"/>
+                                          </p:stCondLst>
+                                        </p:cTn>
+                                        <p:tgtEl>
+                                          <p:spTgt spid="14"/>
+                                        </p:tgtEl>
+                                        <p:attrNameLst>
+                                          <p:attrName>style.visibility</p:attrName>
+                                        </p:attrNameLst>
+                                      </p:cBhvr>
+                                      <p:to>
+                                        <p:strVal val="visible"/>
+                                      </p:to>
+                                    </p:set>
+                                  </p:childTnLst>
+                                </p:cTn>
+                              </p:par>
+                            </p:childTnLst>
+                          </p:cTn>
+                        </p:par>
+                      </p:childTnLst>
+                    </p:cTn>
+                  </p:par>
+                  <p:par>
+                    <p:cTn id="40" fill="hold">
+                      <p:stCondLst>
+                        <p:cond delay="indefinite"/>
+                      </p:stCondLst>
+                      <p:childTnLst>
+                        <p:par>
+                          <p:cTn id="41" fill="hold">
+                            <p:stCondLst>
+                              <p:cond delay="0"/>
+                            </p:stCondLst>
+                            <p:childTnLst>
+                              <p:par>
+                                <p:cTn id="42" presetID="1" presetClass="entr" presetSubtype="0" fill="hold" grpId="0" nodeType="clickEffect">
+                                  <p:stCondLst>
+                                    <p:cond delay="0"/>
+                                  </p:stCondLst>
+                                  <p:childTnLst>
+                                    <p:set>
+                                      <p:cBhvr>
+                                        <p:cTn id="43" dur="1" fill="hold">
                                           <p:stCondLst>
                                             <p:cond delay="0"/>
                                           </p:stCondLst>
@@ -14798,6 +14873,7 @@
       <p:bldP spid="14" grpId="0"/>
       <p:bldP spid="15" grpId="0"/>
       <p:bldP spid="13" grpId="0"/>
+      <p:bldP spid="3" grpId="0"/>
     </p:bldLst>
   </p:timing>
 </p:sld>
@@ -14927,52 +15003,6 @@
           </a:prstGeom>
         </p:spPr>
       </p:pic>
-      <p:sp>
-        <p:nvSpPr>
-          <p:cNvPr id="7" name="Ellipse 6"/>
-          <p:cNvSpPr/>
-          <p:nvPr/>
-        </p:nvSpPr>
-        <p:spPr>
-          <a:xfrm>
-            <a:off x="10908843" y="74279"/>
-            <a:ext cx="1141960" cy="1097783"/>
-          </a:xfrm>
-          <a:prstGeom prst="ellipse">
-            <a:avLst/>
-          </a:prstGeom>
-          <a:noFill/>
-          <a:ln>
-            <a:solidFill>
-              <a:schemeClr val="tx1"/>
-            </a:solidFill>
-          </a:ln>
-        </p:spPr>
-        <p:style>
-          <a:lnRef idx="2">
-            <a:schemeClr val="accent1">
-              <a:shade val="50000"/>
-            </a:schemeClr>
-          </a:lnRef>
-          <a:fillRef idx="1">
-            <a:schemeClr val="accent1"/>
-          </a:fillRef>
-          <a:effectRef idx="0">
-            <a:schemeClr val="accent1"/>
-          </a:effectRef>
-          <a:fontRef idx="minor">
-            <a:schemeClr val="lt1"/>
-          </a:fontRef>
-        </p:style>
-        <p:txBody>
-          <a:bodyPr rtlCol="0" anchor="ctr"/>
-          <a:lstStyle/>
-          <a:p>
-            <a:pPr algn="ctr"/>
-            <a:endParaRPr lang="de-DE"/>
-          </a:p>
-        </p:txBody>
-      </p:sp>
       <p:pic>
         <p:nvPicPr>
           <p:cNvPr id="3" name="Grafik 2"/>
@@ -15900,52 +15930,6 @@
       </p:pic>
       <p:sp>
         <p:nvSpPr>
-          <p:cNvPr id="7" name="Ellipse 6"/>
-          <p:cNvSpPr/>
-          <p:nvPr/>
-        </p:nvSpPr>
-        <p:spPr>
-          <a:xfrm>
-            <a:off x="10908843" y="74279"/>
-            <a:ext cx="1141960" cy="1097783"/>
-          </a:xfrm>
-          <a:prstGeom prst="ellipse">
-            <a:avLst/>
-          </a:prstGeom>
-          <a:noFill/>
-          <a:ln>
-            <a:solidFill>
-              <a:schemeClr val="tx1"/>
-            </a:solidFill>
-          </a:ln>
-        </p:spPr>
-        <p:style>
-          <a:lnRef idx="2">
-            <a:schemeClr val="accent1">
-              <a:shade val="50000"/>
-            </a:schemeClr>
-          </a:lnRef>
-          <a:fillRef idx="1">
-            <a:schemeClr val="accent1"/>
-          </a:fillRef>
-          <a:effectRef idx="0">
-            <a:schemeClr val="accent1"/>
-          </a:effectRef>
-          <a:fontRef idx="minor">
-            <a:schemeClr val="lt1"/>
-          </a:fontRef>
-        </p:style>
-        <p:txBody>
-          <a:bodyPr rtlCol="0" anchor="ctr"/>
-          <a:lstStyle/>
-          <a:p>
-            <a:pPr algn="ctr"/>
-            <a:endParaRPr lang="de-DE"/>
-          </a:p>
-        </p:txBody>
-      </p:sp>
-      <p:sp>
-        <p:nvSpPr>
           <p:cNvPr id="10" name="Textfeld 9"/>
           <p:cNvSpPr txBox="1"/>
           <p:nvPr/>
@@ -16289,6 +16273,51 @@
                       </p:childTnLst>
                     </p:cTn>
                   </p:par>
+                  <p:par>
+                    <p:cTn id="16" fill="hold">
+                      <p:stCondLst>
+                        <p:cond delay="indefinite"/>
+                      </p:stCondLst>
+                      <p:childTnLst>
+                        <p:par>
+                          <p:cTn id="17" fill="hold">
+                            <p:stCondLst>
+                              <p:cond delay="0"/>
+                            </p:stCondLst>
+                            <p:childTnLst>
+                              <p:par>
+                                <p:cTn id="18" presetID="1" presetClass="entr" presetSubtype="0" fill="hold" grpId="0" nodeType="clickEffect">
+                                  <p:stCondLst>
+                                    <p:cond delay="0"/>
+                                  </p:stCondLst>
+                                  <p:childTnLst>
+                                    <p:set>
+                                      <p:cBhvr>
+                                        <p:cTn id="19" dur="1" fill="hold">
+                                          <p:stCondLst>
+                                            <p:cond delay="0"/>
+                                          </p:stCondLst>
+                                        </p:cTn>
+                                        <p:tgtEl>
+                                          <p:spTgt spid="3"/>
+                                        </p:tgtEl>
+                                        <p:attrNameLst>
+                                          <p:attrName>style.visibility</p:attrName>
+                                        </p:attrNameLst>
+                                      </p:cBhvr>
+                                      <p:to>
+                                        <p:strVal val="visible"/>
+                                      </p:to>
+                                    </p:set>
+                                  </p:childTnLst>
+                                </p:cTn>
+                              </p:par>
+                            </p:childTnLst>
+                          </p:cTn>
+                        </p:par>
+                      </p:childTnLst>
+                    </p:cTn>
+                  </p:par>
                 </p:childTnLst>
               </p:cTn>
               <p:prevCondLst>
@@ -16313,6 +16342,7 @@
     <p:bldLst>
       <p:bldP spid="5" grpId="0" animBg="1"/>
       <p:bldP spid="10" grpId="0"/>
+      <p:bldP spid="3" grpId="0"/>
       <p:bldP spid="9" grpId="0"/>
     </p:bldLst>
   </p:timing>
@@ -16443,52 +16473,6 @@
           </a:prstGeom>
         </p:spPr>
       </p:pic>
-      <p:sp>
-        <p:nvSpPr>
-          <p:cNvPr id="6" name="Ellipse 5"/>
-          <p:cNvSpPr/>
-          <p:nvPr/>
-        </p:nvSpPr>
-        <p:spPr>
-          <a:xfrm>
-            <a:off x="10908843" y="74279"/>
-            <a:ext cx="1141960" cy="1097783"/>
-          </a:xfrm>
-          <a:prstGeom prst="ellipse">
-            <a:avLst/>
-          </a:prstGeom>
-          <a:noFill/>
-          <a:ln>
-            <a:solidFill>
-              <a:schemeClr val="tx1"/>
-            </a:solidFill>
-          </a:ln>
-        </p:spPr>
-        <p:style>
-          <a:lnRef idx="2">
-            <a:schemeClr val="accent1">
-              <a:shade val="50000"/>
-            </a:schemeClr>
-          </a:lnRef>
-          <a:fillRef idx="1">
-            <a:schemeClr val="accent1"/>
-          </a:fillRef>
-          <a:effectRef idx="0">
-            <a:schemeClr val="accent1"/>
-          </a:effectRef>
-          <a:fontRef idx="minor">
-            <a:schemeClr val="lt1"/>
-          </a:fontRef>
-        </p:style>
-        <p:txBody>
-          <a:bodyPr rtlCol="0" anchor="ctr"/>
-          <a:lstStyle/>
-          <a:p>
-            <a:pPr algn="ctr"/>
-            <a:endParaRPr lang="de-DE"/>
-          </a:p>
-        </p:txBody>
-      </p:sp>
       <p:sp>
         <p:nvSpPr>
           <p:cNvPr id="3" name="Textfeld 2"/>
@@ -17405,52 +17389,6 @@
           </a:prstGeom>
         </p:spPr>
       </p:pic>
-      <p:sp>
-        <p:nvSpPr>
-          <p:cNvPr id="6" name="Ellipse 5"/>
-          <p:cNvSpPr/>
-          <p:nvPr/>
-        </p:nvSpPr>
-        <p:spPr>
-          <a:xfrm>
-            <a:off x="10908843" y="74279"/>
-            <a:ext cx="1141960" cy="1097783"/>
-          </a:xfrm>
-          <a:prstGeom prst="ellipse">
-            <a:avLst/>
-          </a:prstGeom>
-          <a:noFill/>
-          <a:ln>
-            <a:solidFill>
-              <a:schemeClr val="tx1"/>
-            </a:solidFill>
-          </a:ln>
-        </p:spPr>
-        <p:style>
-          <a:lnRef idx="2">
-            <a:schemeClr val="accent1">
-              <a:shade val="50000"/>
-            </a:schemeClr>
-          </a:lnRef>
-          <a:fillRef idx="1">
-            <a:schemeClr val="accent1"/>
-          </a:fillRef>
-          <a:effectRef idx="0">
-            <a:schemeClr val="accent1"/>
-          </a:effectRef>
-          <a:fontRef idx="minor">
-            <a:schemeClr val="lt1"/>
-          </a:fontRef>
-        </p:style>
-        <p:txBody>
-          <a:bodyPr rtlCol="0" anchor="ctr"/>
-          <a:lstStyle/>
-          <a:p>
-            <a:pPr algn="ctr"/>
-            <a:endParaRPr lang="de-DE"/>
-          </a:p>
-        </p:txBody>
-      </p:sp>
       <p:pic>
         <p:nvPicPr>
           <p:cNvPr id="9" name="Grafik 8"/>
@@ -17613,91 +17551,6 @@
       </p:cxnSp>
       <p:sp>
         <p:nvSpPr>
-          <p:cNvPr id="21" name="Textfeld 20"/>
-          <p:cNvSpPr txBox="1"/>
-          <p:nvPr/>
-        </p:nvSpPr>
-        <p:spPr>
-          <a:xfrm>
-            <a:off x="198783" y="3789734"/>
-            <a:ext cx="7134417" cy="1446550"/>
-          </a:xfrm>
-          <a:prstGeom prst="rect">
-            <a:avLst/>
-          </a:prstGeom>
-          <a:noFill/>
-        </p:spPr>
-        <p:txBody>
-          <a:bodyPr wrap="square" rtlCol="0">
-            <a:spAutoFit/>
-          </a:bodyPr>
-          <a:lstStyle/>
-          <a:p>
-            <a:r>
-              <a:rPr lang="de-DE" sz="2200" dirty="0" err="1"/>
-              <a:t>Results</a:t>
-            </a:r>
-            <a:endParaRPr lang="de-DE" sz="2200" dirty="0"/>
-          </a:p>
-          <a:p>
-            <a:endParaRPr lang="de-DE" sz="2200" dirty="0"/>
-          </a:p>
-          <a:p>
-            <a:r>
-              <a:rPr lang="de-DE" sz="2200" dirty="0"/>
-              <a:t>Global Maxima</a:t>
-            </a:r>
-          </a:p>
-          <a:p>
-            <a:endParaRPr lang="de-DE" sz="2200" dirty="0"/>
-          </a:p>
-        </p:txBody>
-      </p:sp>
-      <p:sp>
-        <p:nvSpPr>
-          <p:cNvPr id="22" name="Textfeld 21"/>
-          <p:cNvSpPr txBox="1"/>
-          <p:nvPr/>
-        </p:nvSpPr>
-        <p:spPr>
-          <a:xfrm>
-            <a:off x="198783" y="5180132"/>
-            <a:ext cx="7134417" cy="1446550"/>
-          </a:xfrm>
-          <a:prstGeom prst="rect">
-            <a:avLst/>
-          </a:prstGeom>
-          <a:noFill/>
-        </p:spPr>
-        <p:txBody>
-          <a:bodyPr wrap="square" rtlCol="0">
-            <a:spAutoFit/>
-          </a:bodyPr>
-          <a:lstStyle/>
-          <a:p>
-            <a:r>
-              <a:rPr lang="de-DE" sz="2200" dirty="0" err="1"/>
-              <a:t>Results</a:t>
-            </a:r>
-            <a:endParaRPr lang="de-DE" sz="2200" dirty="0"/>
-          </a:p>
-          <a:p>
-            <a:endParaRPr lang="de-DE" sz="2200" dirty="0"/>
-          </a:p>
-          <a:p>
-            <a:r>
-              <a:rPr lang="de-DE" sz="2200" dirty="0" err="1"/>
-              <a:t>Local</a:t>
-            </a:r>
-            <a:endParaRPr lang="de-DE" sz="2200" dirty="0"/>
-          </a:p>
-          <a:p>
-            <a:endParaRPr lang="de-DE" sz="2200" dirty="0"/>
-          </a:p>
-        </p:txBody>
-      </p:sp>
-      <p:sp>
-        <p:nvSpPr>
           <p:cNvPr id="15" name="Titel 1"/>
           <p:cNvSpPr txBox="1">
             <a:spLocks/>
@@ -17778,6 +17631,39 @@
               <a:latin typeface="Calibri Light" panose="020F0302020204030204" pitchFamily="34" charset="0"/>
               <a:cs typeface="Calibri Light" panose="020F0302020204030204" pitchFamily="34" charset="0"/>
             </a:endParaRPr>
+          </a:p>
+        </p:txBody>
+      </p:sp>
+      <p:sp>
+        <p:nvSpPr>
+          <p:cNvPr id="3" name="Textfeld 2"/>
+          <p:cNvSpPr txBox="1"/>
+          <p:nvPr/>
+        </p:nvSpPr>
+        <p:spPr>
+          <a:xfrm>
+            <a:off x="838200" y="4023360"/>
+            <a:ext cx="7996311" cy="769441"/>
+          </a:xfrm>
+          <a:prstGeom prst="rect">
+            <a:avLst/>
+          </a:prstGeom>
+          <a:noFill/>
+        </p:spPr>
+        <p:txBody>
+          <a:bodyPr wrap="square" rtlCol="0">
+            <a:spAutoFit/>
+          </a:bodyPr>
+          <a:lstStyle/>
+          <a:p>
+            <a:r>
+              <a:rPr lang="de-DE" sz="2200" dirty="0" err="1" smtClean="0"/>
+              <a:t>Results</a:t>
+            </a:r>
+            <a:endParaRPr lang="de-DE" sz="2200" dirty="0" smtClean="0"/>
+          </a:p>
+          <a:p>
+            <a:endParaRPr lang="de-DE" sz="2200" dirty="0"/>
           </a:p>
         </p:txBody>
       </p:sp>
@@ -17897,6 +17783,284 @@
                       </p:childTnLst>
                     </p:cTn>
                   </p:par>
+                  <p:par>
+                    <p:cTn id="12" fill="hold">
+                      <p:stCondLst>
+                        <p:cond delay="indefinite"/>
+                      </p:stCondLst>
+                      <p:childTnLst>
+                        <p:par>
+                          <p:cTn id="13" fill="hold">
+                            <p:stCondLst>
+                              <p:cond delay="0"/>
+                            </p:stCondLst>
+                            <p:childTnLst>
+                              <p:par>
+                                <p:cTn id="14" presetID="22" presetClass="entr" presetSubtype="8" fill="hold" nodeType="clickEffect">
+                                  <p:stCondLst>
+                                    <p:cond delay="0"/>
+                                  </p:stCondLst>
+                                  <p:childTnLst>
+                                    <p:set>
+                                      <p:cBhvr>
+                                        <p:cTn id="15" dur="1" fill="hold">
+                                          <p:stCondLst>
+                                            <p:cond delay="0"/>
+                                          </p:stCondLst>
+                                        </p:cTn>
+                                        <p:tgtEl>
+                                          <p:spTgt spid="9"/>
+                                        </p:tgtEl>
+                                        <p:attrNameLst>
+                                          <p:attrName>style.visibility</p:attrName>
+                                        </p:attrNameLst>
+                                      </p:cBhvr>
+                                      <p:to>
+                                        <p:strVal val="visible"/>
+                                      </p:to>
+                                    </p:set>
+                                    <p:animEffect transition="in" filter="wipe(left)">
+                                      <p:cBhvr>
+                                        <p:cTn id="16" dur="500"/>
+                                        <p:tgtEl>
+                                          <p:spTgt spid="9"/>
+                                        </p:tgtEl>
+                                      </p:cBhvr>
+                                    </p:animEffect>
+                                  </p:childTnLst>
+                                </p:cTn>
+                              </p:par>
+                            </p:childTnLst>
+                          </p:cTn>
+                        </p:par>
+                      </p:childTnLst>
+                    </p:cTn>
+                  </p:par>
+                  <p:par>
+                    <p:cTn id="17" fill="hold">
+                      <p:stCondLst>
+                        <p:cond delay="indefinite"/>
+                      </p:stCondLst>
+                      <p:childTnLst>
+                        <p:par>
+                          <p:cTn id="18" fill="hold">
+                            <p:stCondLst>
+                              <p:cond delay="0"/>
+                            </p:stCondLst>
+                            <p:childTnLst>
+                              <p:par>
+                                <p:cTn id="19" presetID="1" presetClass="entr" presetSubtype="0" fill="hold" nodeType="clickEffect">
+                                  <p:stCondLst>
+                                    <p:cond delay="0"/>
+                                  </p:stCondLst>
+                                  <p:childTnLst>
+                                    <p:set>
+                                      <p:cBhvr>
+                                        <p:cTn id="20" dur="1" fill="hold">
+                                          <p:stCondLst>
+                                            <p:cond delay="0"/>
+                                          </p:stCondLst>
+                                        </p:cTn>
+                                        <p:tgtEl>
+                                          <p:spTgt spid="10"/>
+                                        </p:tgtEl>
+                                        <p:attrNameLst>
+                                          <p:attrName>style.visibility</p:attrName>
+                                        </p:attrNameLst>
+                                      </p:cBhvr>
+                                      <p:to>
+                                        <p:strVal val="visible"/>
+                                      </p:to>
+                                    </p:set>
+                                  </p:childTnLst>
+                                </p:cTn>
+                              </p:par>
+                            </p:childTnLst>
+                          </p:cTn>
+                        </p:par>
+                      </p:childTnLst>
+                    </p:cTn>
+                  </p:par>
+                  <p:par>
+                    <p:cTn id="21" fill="hold">
+                      <p:stCondLst>
+                        <p:cond delay="indefinite"/>
+                      </p:stCondLst>
+                      <p:childTnLst>
+                        <p:par>
+                          <p:cTn id="22" fill="hold">
+                            <p:stCondLst>
+                              <p:cond delay="0"/>
+                            </p:stCondLst>
+                            <p:childTnLst>
+                              <p:par>
+                                <p:cTn id="23" presetID="1" presetClass="entr" presetSubtype="0" fill="hold" grpId="0" nodeType="clickEffect">
+                                  <p:stCondLst>
+                                    <p:cond delay="0"/>
+                                  </p:stCondLst>
+                                  <p:childTnLst>
+                                    <p:set>
+                                      <p:cBhvr>
+                                        <p:cTn id="24" dur="1" fill="hold">
+                                          <p:stCondLst>
+                                            <p:cond delay="0"/>
+                                          </p:stCondLst>
+                                        </p:cTn>
+                                        <p:tgtEl>
+                                          <p:spTgt spid="14"/>
+                                        </p:tgtEl>
+                                        <p:attrNameLst>
+                                          <p:attrName>style.visibility</p:attrName>
+                                        </p:attrNameLst>
+                                      </p:cBhvr>
+                                      <p:to>
+                                        <p:strVal val="visible"/>
+                                      </p:to>
+                                    </p:set>
+                                  </p:childTnLst>
+                                </p:cTn>
+                              </p:par>
+                            </p:childTnLst>
+                          </p:cTn>
+                        </p:par>
+                      </p:childTnLst>
+                    </p:cTn>
+                  </p:par>
+                  <p:par>
+                    <p:cTn id="25" fill="hold">
+                      <p:stCondLst>
+                        <p:cond delay="indefinite"/>
+                      </p:stCondLst>
+                      <p:childTnLst>
+                        <p:par>
+                          <p:cTn id="26" fill="hold">
+                            <p:stCondLst>
+                              <p:cond delay="0"/>
+                            </p:stCondLst>
+                            <p:childTnLst>
+                              <p:par>
+                                <p:cTn id="27" presetID="1" presetClass="entr" presetSubtype="0" fill="hold" nodeType="clickEffect">
+                                  <p:stCondLst>
+                                    <p:cond delay="0"/>
+                                  </p:stCondLst>
+                                  <p:childTnLst>
+                                    <p:set>
+                                      <p:cBhvr>
+                                        <p:cTn id="28" dur="1" fill="hold">
+                                          <p:stCondLst>
+                                            <p:cond delay="0"/>
+                                          </p:stCondLst>
+                                        </p:cTn>
+                                        <p:tgtEl>
+                                          <p:spTgt spid="17"/>
+                                        </p:tgtEl>
+                                        <p:attrNameLst>
+                                          <p:attrName>style.visibility</p:attrName>
+                                        </p:attrNameLst>
+                                      </p:cBhvr>
+                                      <p:to>
+                                        <p:strVal val="visible"/>
+                                      </p:to>
+                                    </p:set>
+                                  </p:childTnLst>
+                                </p:cTn>
+                              </p:par>
+                            </p:childTnLst>
+                          </p:cTn>
+                        </p:par>
+                      </p:childTnLst>
+                    </p:cTn>
+                  </p:par>
+                  <p:par>
+                    <p:cTn id="29" fill="hold">
+                      <p:stCondLst>
+                        <p:cond delay="indefinite"/>
+                      </p:stCondLst>
+                      <p:childTnLst>
+                        <p:par>
+                          <p:cTn id="30" fill="hold">
+                            <p:stCondLst>
+                              <p:cond delay="0"/>
+                            </p:stCondLst>
+                            <p:childTnLst>
+                              <p:par>
+                                <p:cTn id="31" presetID="1" presetClass="entr" presetSubtype="0" fill="hold" grpId="0" nodeType="clickEffect">
+                                  <p:stCondLst>
+                                    <p:cond delay="0"/>
+                                  </p:stCondLst>
+                                  <p:childTnLst>
+                                    <p:set>
+                                      <p:cBhvr>
+                                        <p:cTn id="32" dur="1" fill="hold">
+                                          <p:stCondLst>
+                                            <p:cond delay="0"/>
+                                          </p:stCondLst>
+                                        </p:cTn>
+                                        <p:tgtEl>
+                                          <p:spTgt spid="16"/>
+                                        </p:tgtEl>
+                                        <p:attrNameLst>
+                                          <p:attrName>style.visibility</p:attrName>
+                                        </p:attrNameLst>
+                                      </p:cBhvr>
+                                      <p:to>
+                                        <p:strVal val="visible"/>
+                                      </p:to>
+                                    </p:set>
+                                  </p:childTnLst>
+                                </p:cTn>
+                              </p:par>
+                            </p:childTnLst>
+                          </p:cTn>
+                        </p:par>
+                      </p:childTnLst>
+                    </p:cTn>
+                  </p:par>
+                  <p:par>
+                    <p:cTn id="33" fill="hold">
+                      <p:stCondLst>
+                        <p:cond delay="indefinite"/>
+                      </p:stCondLst>
+                      <p:childTnLst>
+                        <p:par>
+                          <p:cTn id="34" fill="hold">
+                            <p:stCondLst>
+                              <p:cond delay="0"/>
+                            </p:stCondLst>
+                            <p:childTnLst>
+                              <p:par>
+                                <p:cTn id="35" presetID="1" presetClass="entr" presetSubtype="0" fill="hold" grpId="0" nodeType="clickEffect">
+                                  <p:stCondLst>
+                                    <p:cond delay="0"/>
+                                  </p:stCondLst>
+                                  <p:childTnLst>
+                                    <p:set>
+                                      <p:cBhvr>
+                                        <p:cTn id="36" dur="1" fill="hold">
+                                          <p:stCondLst>
+                                            <p:cond delay="0"/>
+                                          </p:stCondLst>
+                                        </p:cTn>
+                                        <p:tgtEl>
+                                          <p:spTgt spid="3"/>
+                                        </p:tgtEl>
+                                        <p:attrNameLst>
+                                          <p:attrName>style.visibility</p:attrName>
+                                        </p:attrNameLst>
+                                      </p:cBhvr>
+                                      <p:to>
+                                        <p:strVal val="visible"/>
+                                      </p:to>
+                                    </p:set>
+                                  </p:childTnLst>
+                                </p:cTn>
+                              </p:par>
+                            </p:childTnLst>
+                          </p:cTn>
+                        </p:par>
+                      </p:childTnLst>
+                    </p:cTn>
+                  </p:par>
                 </p:childTnLst>
               </p:cTn>
               <p:prevCondLst>
@@ -17920,7 +18084,10 @@
     </p:tnLst>
     <p:bldLst>
       <p:bldP spid="4" grpId="0" animBg="1"/>
+      <p:bldP spid="14" grpId="0"/>
+      <p:bldP spid="16" grpId="0"/>
       <p:bldP spid="15" grpId="0"/>
+      <p:bldP spid="3" grpId="0"/>
     </p:bldLst>
   </p:timing>
 </p:sld>
@@ -17985,8 +18152,8 @@
         </p:nvSpPr>
         <p:spPr>
           <a:xfrm>
-            <a:off x="-77840" y="-413994"/>
-            <a:ext cx="2891899" cy="2877819"/>
+            <a:off x="-77840" y="-413993"/>
+            <a:ext cx="2863243" cy="2861772"/>
           </a:xfrm>
           <a:prstGeom prst="ellipse">
             <a:avLst/>
@@ -18055,7 +18222,7 @@
         </p:blipFill>
         <p:spPr>
           <a:xfrm>
-            <a:off x="11126394" y="-32545"/>
+            <a:off x="10957582" y="357150"/>
             <a:ext cx="831708" cy="667765"/>
           </a:xfrm>
           <a:prstGeom prst="rect">
@@ -18065,59 +18232,13 @@
       </p:pic>
       <p:sp>
         <p:nvSpPr>
-          <p:cNvPr id="6" name="Ellipse 5"/>
-          <p:cNvSpPr/>
-          <p:nvPr/>
-        </p:nvSpPr>
-        <p:spPr>
-          <a:xfrm>
-            <a:off x="11050040" y="-178939"/>
-            <a:ext cx="1141960" cy="1097783"/>
-          </a:xfrm>
-          <a:prstGeom prst="ellipse">
-            <a:avLst/>
-          </a:prstGeom>
-          <a:noFill/>
-          <a:ln>
-            <a:solidFill>
-              <a:schemeClr val="tx1"/>
-            </a:solidFill>
-          </a:ln>
-        </p:spPr>
-        <p:style>
-          <a:lnRef idx="2">
-            <a:schemeClr val="accent1">
-              <a:shade val="50000"/>
-            </a:schemeClr>
-          </a:lnRef>
-          <a:fillRef idx="1">
-            <a:schemeClr val="accent1"/>
-          </a:fillRef>
-          <a:effectRef idx="0">
-            <a:schemeClr val="accent1"/>
-          </a:effectRef>
-          <a:fontRef idx="minor">
-            <a:schemeClr val="lt1"/>
-          </a:fontRef>
-        </p:style>
-        <p:txBody>
-          <a:bodyPr rtlCol="0" anchor="ctr"/>
-          <a:lstStyle/>
-          <a:p>
-            <a:pPr algn="ctr"/>
-            <a:endParaRPr lang="de-DE"/>
-          </a:p>
-        </p:txBody>
-      </p:sp>
-      <p:sp>
-        <p:nvSpPr>
           <p:cNvPr id="3" name="Textfeld 2"/>
           <p:cNvSpPr txBox="1"/>
           <p:nvPr/>
         </p:nvSpPr>
         <p:spPr>
           <a:xfrm>
-            <a:off x="3303659" y="897319"/>
+            <a:off x="3317727" y="1313072"/>
             <a:ext cx="4811842" cy="769441"/>
           </a:xfrm>
           <a:prstGeom prst="rect">
@@ -18269,7 +18390,7 @@
         </p:nvSpPr>
         <p:spPr>
           <a:xfrm>
-            <a:off x="979397" y="111907"/>
+            <a:off x="979397" y="416691"/>
             <a:ext cx="10515600" cy="1325563"/>
           </a:xfrm>
           <a:prstGeom prst="rect">
@@ -18649,52 +18770,6 @@
       </p:pic>
       <p:sp>
         <p:nvSpPr>
-          <p:cNvPr id="7" name="Ellipse 6"/>
-          <p:cNvSpPr/>
-          <p:nvPr/>
-        </p:nvSpPr>
-        <p:spPr>
-          <a:xfrm>
-            <a:off x="10908843" y="74279"/>
-            <a:ext cx="1141960" cy="1097783"/>
-          </a:xfrm>
-          <a:prstGeom prst="ellipse">
-            <a:avLst/>
-          </a:prstGeom>
-          <a:noFill/>
-          <a:ln>
-            <a:solidFill>
-              <a:schemeClr val="tx1"/>
-            </a:solidFill>
-          </a:ln>
-        </p:spPr>
-        <p:style>
-          <a:lnRef idx="2">
-            <a:schemeClr val="accent1">
-              <a:shade val="50000"/>
-            </a:schemeClr>
-          </a:lnRef>
-          <a:fillRef idx="1">
-            <a:schemeClr val="accent1"/>
-          </a:fillRef>
-          <a:effectRef idx="0">
-            <a:schemeClr val="accent1"/>
-          </a:effectRef>
-          <a:fontRef idx="minor">
-            <a:schemeClr val="lt1"/>
-          </a:fontRef>
-        </p:style>
-        <p:txBody>
-          <a:bodyPr rtlCol="0" anchor="ctr"/>
-          <a:lstStyle/>
-          <a:p>
-            <a:pPr algn="ctr"/>
-            <a:endParaRPr lang="de-DE"/>
-          </a:p>
-        </p:txBody>
-      </p:sp>
-      <p:sp>
-        <p:nvSpPr>
           <p:cNvPr id="9" name="Titel 1"/>
           <p:cNvSpPr txBox="1">
             <a:spLocks/>
@@ -18978,7 +19053,7 @@
         <p:spPr>
           <a:xfrm>
             <a:off x="-219037" y="-160776"/>
-            <a:ext cx="2540205" cy="2496013"/>
+            <a:ext cx="2652748" cy="2664825"/>
           </a:xfrm>
           <a:prstGeom prst="ellipse">
             <a:avLst/>
@@ -19013,7 +19088,7 @@
           <a:lstStyle/>
           <a:p>
             <a:r>
-              <a:rPr lang="en-US" sz="3600" dirty="0">
+              <a:rPr lang="en-US" sz="3000" dirty="0">
                 <a:solidFill>
                   <a:schemeClr val="bg1"/>
                 </a:solidFill>
@@ -19021,64 +19096,18 @@
               <a:t>Regression </a:t>
             </a:r>
             <a:r>
-              <a:rPr lang="en-US" sz="3600" dirty="0" err="1">
+              <a:rPr lang="en-US" sz="3000" dirty="0" err="1">
                 <a:solidFill>
                   <a:schemeClr val="bg1"/>
                 </a:solidFill>
               </a:rPr>
               <a:t>analyisis</a:t>
             </a:r>
-            <a:endParaRPr lang="en-US" sz="3600" dirty="0">
+            <a:endParaRPr lang="en-US" sz="3000" dirty="0">
               <a:solidFill>
                 <a:schemeClr val="bg1"/>
               </a:solidFill>
             </a:endParaRPr>
-          </a:p>
-        </p:txBody>
-      </p:sp>
-      <p:sp>
-        <p:nvSpPr>
-          <p:cNvPr id="4" name="Ellipse 3"/>
-          <p:cNvSpPr/>
-          <p:nvPr/>
-        </p:nvSpPr>
-        <p:spPr>
-          <a:xfrm>
-            <a:off x="10908843" y="74279"/>
-            <a:ext cx="1141960" cy="1097783"/>
-          </a:xfrm>
-          <a:prstGeom prst="ellipse">
-            <a:avLst/>
-          </a:prstGeom>
-          <a:noFill/>
-          <a:ln>
-            <a:solidFill>
-              <a:schemeClr val="tx1"/>
-            </a:solidFill>
-          </a:ln>
-        </p:spPr>
-        <p:style>
-          <a:lnRef idx="2">
-            <a:schemeClr val="accent1">
-              <a:shade val="50000"/>
-            </a:schemeClr>
-          </a:lnRef>
-          <a:fillRef idx="1">
-            <a:schemeClr val="accent1"/>
-          </a:fillRef>
-          <a:effectRef idx="0">
-            <a:schemeClr val="accent1"/>
-          </a:effectRef>
-          <a:fontRef idx="minor">
-            <a:schemeClr val="lt1"/>
-          </a:fontRef>
-        </p:style>
-        <p:txBody>
-          <a:bodyPr rtlCol="0" anchor="ctr"/>
-          <a:lstStyle/>
-          <a:p>
-            <a:pPr algn="ctr"/>
-            <a:endParaRPr lang="de-DE"/>
           </a:p>
         </p:txBody>
       </p:sp>
@@ -19480,7 +19509,7 @@
         </p:nvSpPr>
         <p:spPr>
           <a:xfrm>
-            <a:off x="274984" y="2861138"/>
+            <a:off x="240003" y="3329251"/>
             <a:ext cx="3762444" cy="430887"/>
           </a:xfrm>
           <a:prstGeom prst="rect">
@@ -20127,125 +20156,6 @@
           </a:p>
         </p:txBody>
       </p:sp>
-      <p:sp>
-        <p:nvSpPr>
-          <p:cNvPr id="3" name="Ellipse 2">
-            <a:extLst>
-              <a:ext uri="{FF2B5EF4-FFF2-40B4-BE49-F238E27FC236}">
-                <a16:creationId xmlns:a16="http://schemas.microsoft.com/office/drawing/2014/main" id="{5F8D8C52-24E8-A2DF-C86C-84E371D62FF4}"/>
-              </a:ext>
-            </a:extLst>
-          </p:cNvPr>
-          <p:cNvSpPr/>
-          <p:nvPr/>
-        </p:nvSpPr>
-        <p:spPr>
-          <a:xfrm>
-            <a:off x="-219037" y="-160776"/>
-            <a:ext cx="2540205" cy="2496013"/>
-          </a:xfrm>
-          <a:prstGeom prst="ellipse">
-            <a:avLst/>
-          </a:prstGeom>
-          <a:solidFill>
-            <a:srgbClr val="262626"/>
-          </a:solidFill>
-          <a:ln>
-            <a:solidFill>
-              <a:srgbClr val="262626"/>
-            </a:solidFill>
-          </a:ln>
-        </p:spPr>
-        <p:style>
-          <a:lnRef idx="2">
-            <a:schemeClr val="accent1">
-              <a:shade val="50000"/>
-            </a:schemeClr>
-          </a:lnRef>
-          <a:fillRef idx="1">
-            <a:schemeClr val="accent1"/>
-          </a:fillRef>
-          <a:effectRef idx="0">
-            <a:schemeClr val="accent1"/>
-          </a:effectRef>
-          <a:fontRef idx="minor">
-            <a:schemeClr val="lt1"/>
-          </a:fontRef>
-        </p:style>
-        <p:txBody>
-          <a:bodyPr rtlCol="0" anchor="ctr"/>
-          <a:lstStyle/>
-          <a:p>
-            <a:r>
-              <a:rPr lang="en-US" sz="3600" dirty="0">
-                <a:solidFill>
-                  <a:schemeClr val="bg1"/>
-                </a:solidFill>
-              </a:rPr>
-              <a:t>Regression </a:t>
-            </a:r>
-            <a:r>
-              <a:rPr lang="en-US" sz="3600" dirty="0" err="1">
-                <a:solidFill>
-                  <a:schemeClr val="bg1"/>
-                </a:solidFill>
-              </a:rPr>
-              <a:t>analyisis</a:t>
-            </a:r>
-            <a:endParaRPr lang="en-US" sz="3600" dirty="0">
-              <a:solidFill>
-                <a:schemeClr val="bg1"/>
-              </a:solidFill>
-            </a:endParaRPr>
-          </a:p>
-        </p:txBody>
-      </p:sp>
-      <p:sp>
-        <p:nvSpPr>
-          <p:cNvPr id="4" name="Ellipse 3"/>
-          <p:cNvSpPr/>
-          <p:nvPr/>
-        </p:nvSpPr>
-        <p:spPr>
-          <a:xfrm>
-            <a:off x="10908843" y="74279"/>
-            <a:ext cx="1141960" cy="1097783"/>
-          </a:xfrm>
-          <a:prstGeom prst="ellipse">
-            <a:avLst/>
-          </a:prstGeom>
-          <a:noFill/>
-          <a:ln>
-            <a:solidFill>
-              <a:schemeClr val="tx1"/>
-            </a:solidFill>
-          </a:ln>
-        </p:spPr>
-        <p:style>
-          <a:lnRef idx="2">
-            <a:schemeClr val="accent1">
-              <a:shade val="50000"/>
-            </a:schemeClr>
-          </a:lnRef>
-          <a:fillRef idx="1">
-            <a:schemeClr val="accent1"/>
-          </a:fillRef>
-          <a:effectRef idx="0">
-            <a:schemeClr val="accent1"/>
-          </a:effectRef>
-          <a:fontRef idx="minor">
-            <a:schemeClr val="lt1"/>
-          </a:fontRef>
-        </p:style>
-        <p:txBody>
-          <a:bodyPr rtlCol="0" anchor="ctr"/>
-          <a:lstStyle/>
-          <a:p>
-            <a:pPr algn="ctr"/>
-            <a:endParaRPr lang="de-DE"/>
-          </a:p>
-        </p:txBody>
-      </p:sp>
       <p:pic>
         <p:nvPicPr>
           <p:cNvPr id="5" name="Grafik 4"/>
@@ -20343,14 +20253,87 @@
         </p:blipFill>
         <p:spPr>
           <a:xfrm>
-            <a:off x="6834554" y="1690688"/>
-            <a:ext cx="4519246" cy="2791299"/>
+            <a:off x="5992837" y="1690688"/>
+            <a:ext cx="5360963" cy="3311183"/>
           </a:xfrm>
           <a:prstGeom prst="rect">
             <a:avLst/>
           </a:prstGeom>
         </p:spPr>
       </p:pic>
+      <p:sp>
+        <p:nvSpPr>
+          <p:cNvPr id="8" name="Ellipse 7">
+            <a:extLst>
+              <a:ext uri="{FF2B5EF4-FFF2-40B4-BE49-F238E27FC236}">
+                <a16:creationId xmlns:a16="http://schemas.microsoft.com/office/drawing/2014/main" id="{5F8D8C52-24E8-A2DF-C86C-84E371D62FF4}"/>
+              </a:ext>
+            </a:extLst>
+          </p:cNvPr>
+          <p:cNvSpPr/>
+          <p:nvPr/>
+        </p:nvSpPr>
+        <p:spPr>
+          <a:xfrm>
+            <a:off x="-219037" y="-160776"/>
+            <a:ext cx="2652748" cy="2664825"/>
+          </a:xfrm>
+          <a:prstGeom prst="ellipse">
+            <a:avLst/>
+          </a:prstGeom>
+          <a:solidFill>
+            <a:srgbClr val="262626"/>
+          </a:solidFill>
+          <a:ln>
+            <a:solidFill>
+              <a:srgbClr val="262626"/>
+            </a:solidFill>
+          </a:ln>
+        </p:spPr>
+        <p:style>
+          <a:lnRef idx="2">
+            <a:schemeClr val="accent1">
+              <a:shade val="50000"/>
+            </a:schemeClr>
+          </a:lnRef>
+          <a:fillRef idx="1">
+            <a:schemeClr val="accent1"/>
+          </a:fillRef>
+          <a:effectRef idx="0">
+            <a:schemeClr val="accent1"/>
+          </a:effectRef>
+          <a:fontRef idx="minor">
+            <a:schemeClr val="lt1"/>
+          </a:fontRef>
+        </p:style>
+        <p:txBody>
+          <a:bodyPr rtlCol="0" anchor="ctr"/>
+          <a:lstStyle/>
+          <a:p>
+            <a:r>
+              <a:rPr lang="en-US" sz="3000" dirty="0">
+                <a:solidFill>
+                  <a:schemeClr val="bg1"/>
+                </a:solidFill>
+              </a:rPr>
+              <a:t>Regression </a:t>
+            </a:r>
+            <a:r>
+              <a:rPr lang="en-US" sz="3000" dirty="0" err="1">
+                <a:solidFill>
+                  <a:schemeClr val="bg1"/>
+                </a:solidFill>
+              </a:rPr>
+              <a:t>analyisis</a:t>
+            </a:r>
+            <a:endParaRPr lang="en-US" sz="3000" dirty="0">
+              <a:solidFill>
+                <a:schemeClr val="bg1"/>
+              </a:solidFill>
+            </a:endParaRPr>
+          </a:p>
+        </p:txBody>
+      </p:sp>
     </p:spTree>
     <p:extLst>
       <p:ext uri="{BB962C8B-B14F-4D97-AF65-F5344CB8AC3E}">
@@ -20382,7 +20365,7 @@
                             </p:stCondLst>
                             <p:childTnLst>
                               <p:par>
-                                <p:cTn id="5" presetID="22" presetClass="entr" presetSubtype="8" fill="hold" grpId="0" nodeType="clickEffect">
+                                <p:cTn id="5" presetID="1" presetClass="entr" presetSubtype="0" fill="hold" grpId="0" nodeType="clickEffect">
                                   <p:stCondLst>
                                     <p:cond delay="0"/>
                                   </p:stCondLst>
@@ -20390,59 +20373,6 @@
                                     <p:set>
                                       <p:cBhvr>
                                         <p:cTn id="6" dur="1" fill="hold">
-                                          <p:stCondLst>
-                                            <p:cond delay="0"/>
-                                          </p:stCondLst>
-                                        </p:cTn>
-                                        <p:tgtEl>
-                                          <p:spTgt spid="3"/>
-                                        </p:tgtEl>
-                                        <p:attrNameLst>
-                                          <p:attrName>style.visibility</p:attrName>
-                                        </p:attrNameLst>
-                                      </p:cBhvr>
-                                      <p:to>
-                                        <p:strVal val="visible"/>
-                                      </p:to>
-                                    </p:set>
-                                    <p:animEffect transition="in" filter="wipe(left)">
-                                      <p:cBhvr>
-                                        <p:cTn id="7" dur="500"/>
-                                        <p:tgtEl>
-                                          <p:spTgt spid="3"/>
-                                        </p:tgtEl>
-                                      </p:cBhvr>
-                                    </p:animEffect>
-                                  </p:childTnLst>
-                                </p:cTn>
-                              </p:par>
-                            </p:childTnLst>
-                          </p:cTn>
-                        </p:par>
-                      </p:childTnLst>
-                    </p:cTn>
-                  </p:par>
-                  <p:par>
-                    <p:cTn id="8" fill="hold">
-                      <p:stCondLst>
-                        <p:cond delay="indefinite"/>
-                      </p:stCondLst>
-                      <p:childTnLst>
-                        <p:par>
-                          <p:cTn id="9" fill="hold">
-                            <p:stCondLst>
-                              <p:cond delay="0"/>
-                            </p:stCondLst>
-                            <p:childTnLst>
-                              <p:par>
-                                <p:cTn id="10" presetID="1" presetClass="entr" presetSubtype="0" fill="hold" grpId="0" nodeType="clickEffect">
-                                  <p:stCondLst>
-                                    <p:cond delay="0"/>
-                                  </p:stCondLst>
-                                  <p:childTnLst>
-                                    <p:set>
-                                      <p:cBhvr>
-                                        <p:cTn id="11" dur="1" fill="hold">
                                           <p:stCondLst>
                                             <p:cond delay="0"/>
                                           </p:stCondLst>
@@ -20458,6 +20388,59 @@
                                         <p:strVal val="visible"/>
                                       </p:to>
                                     </p:set>
+                                  </p:childTnLst>
+                                </p:cTn>
+                              </p:par>
+                            </p:childTnLst>
+                          </p:cTn>
+                        </p:par>
+                      </p:childTnLst>
+                    </p:cTn>
+                  </p:par>
+                  <p:par>
+                    <p:cTn id="7" fill="hold">
+                      <p:stCondLst>
+                        <p:cond delay="indefinite"/>
+                      </p:stCondLst>
+                      <p:childTnLst>
+                        <p:par>
+                          <p:cTn id="8" fill="hold">
+                            <p:stCondLst>
+                              <p:cond delay="0"/>
+                            </p:stCondLst>
+                            <p:childTnLst>
+                              <p:par>
+                                <p:cTn id="9" presetID="22" presetClass="entr" presetSubtype="8" fill="hold" grpId="0" nodeType="clickEffect">
+                                  <p:stCondLst>
+                                    <p:cond delay="0"/>
+                                  </p:stCondLst>
+                                  <p:childTnLst>
+                                    <p:set>
+                                      <p:cBhvr>
+                                        <p:cTn id="10" dur="1" fill="hold">
+                                          <p:stCondLst>
+                                            <p:cond delay="0"/>
+                                          </p:stCondLst>
+                                        </p:cTn>
+                                        <p:tgtEl>
+                                          <p:spTgt spid="8"/>
+                                        </p:tgtEl>
+                                        <p:attrNameLst>
+                                          <p:attrName>style.visibility</p:attrName>
+                                        </p:attrNameLst>
+                                      </p:cBhvr>
+                                      <p:to>
+                                        <p:strVal val="visible"/>
+                                      </p:to>
+                                    </p:set>
+                                    <p:animEffect transition="in" filter="wipe(left)">
+                                      <p:cBhvr>
+                                        <p:cTn id="11" dur="500"/>
+                                        <p:tgtEl>
+                                          <p:spTgt spid="8"/>
+                                        </p:tgtEl>
+                                      </p:cBhvr>
+                                    </p:animEffect>
                                   </p:childTnLst>
                                 </p:cTn>
                               </p:par>
@@ -20489,8 +20472,8 @@
       </p:par>
     </p:tnLst>
     <p:bldLst>
-      <p:bldP spid="3" grpId="0" animBg="1"/>
       <p:bldP spid="6" grpId="0"/>
+      <p:bldP spid="8" grpId="0" animBg="1"/>
     </p:bldLst>
   </p:timing>
 </p:sld>
@@ -20719,52 +20702,6 @@
               <a:rPr lang="de-DE" sz="1000" dirty="0"/>
               <a:t>(5): 366</a:t>
             </a:r>
-          </a:p>
-        </p:txBody>
-      </p:sp>
-      <p:sp>
-        <p:nvSpPr>
-          <p:cNvPr id="11" name="Ellipse 10"/>
-          <p:cNvSpPr/>
-          <p:nvPr/>
-        </p:nvSpPr>
-        <p:spPr>
-          <a:xfrm>
-            <a:off x="10865674" y="545"/>
-            <a:ext cx="1158826" cy="1176548"/>
-          </a:xfrm>
-          <a:prstGeom prst="ellipse">
-            <a:avLst/>
-          </a:prstGeom>
-          <a:noFill/>
-          <a:ln>
-            <a:solidFill>
-              <a:schemeClr val="tx1"/>
-            </a:solidFill>
-          </a:ln>
-        </p:spPr>
-        <p:style>
-          <a:lnRef idx="2">
-            <a:schemeClr val="accent1">
-              <a:shade val="50000"/>
-            </a:schemeClr>
-          </a:lnRef>
-          <a:fillRef idx="1">
-            <a:schemeClr val="accent1"/>
-          </a:fillRef>
-          <a:effectRef idx="0">
-            <a:schemeClr val="accent1"/>
-          </a:effectRef>
-          <a:fontRef idx="minor">
-            <a:schemeClr val="lt1"/>
-          </a:fontRef>
-        </p:style>
-        <p:txBody>
-          <a:bodyPr rtlCol="0" anchor="ctr"/>
-          <a:lstStyle/>
-          <a:p>
-            <a:pPr algn="ctr"/>
-            <a:endParaRPr lang="de-DE"/>
           </a:p>
         </p:txBody>
       </p:sp>
@@ -21693,52 +21630,6 @@
           </a:prstGeom>
         </p:spPr>
       </p:pic>
-      <p:sp>
-        <p:nvSpPr>
-          <p:cNvPr id="6" name="Ellipse 5"/>
-          <p:cNvSpPr/>
-          <p:nvPr/>
-        </p:nvSpPr>
-        <p:spPr>
-          <a:xfrm>
-            <a:off x="10908843" y="74279"/>
-            <a:ext cx="1141960" cy="1097783"/>
-          </a:xfrm>
-          <a:prstGeom prst="ellipse">
-            <a:avLst/>
-          </a:prstGeom>
-          <a:noFill/>
-          <a:ln>
-            <a:solidFill>
-              <a:schemeClr val="tx1"/>
-            </a:solidFill>
-          </a:ln>
-        </p:spPr>
-        <p:style>
-          <a:lnRef idx="2">
-            <a:schemeClr val="accent1">
-              <a:shade val="50000"/>
-            </a:schemeClr>
-          </a:lnRef>
-          <a:fillRef idx="1">
-            <a:schemeClr val="accent1"/>
-          </a:fillRef>
-          <a:effectRef idx="0">
-            <a:schemeClr val="accent1"/>
-          </a:effectRef>
-          <a:fontRef idx="minor">
-            <a:schemeClr val="lt1"/>
-          </a:fontRef>
-        </p:style>
-        <p:txBody>
-          <a:bodyPr rtlCol="0" anchor="ctr"/>
-          <a:lstStyle/>
-          <a:p>
-            <a:pPr algn="ctr"/>
-            <a:endParaRPr lang="de-DE"/>
-          </a:p>
-        </p:txBody>
-      </p:sp>
       <p:pic>
         <p:nvPicPr>
           <p:cNvPr id="3" name="Grafik 2"/>
@@ -21755,7 +21646,7 @@
         </p:blipFill>
         <p:spPr>
           <a:xfrm>
-            <a:off x="430372" y="2658420"/>
+            <a:off x="2348104" y="2185749"/>
             <a:ext cx="3324617" cy="3236771"/>
           </a:xfrm>
           <a:prstGeom prst="rect">
@@ -21771,7 +21662,7 @@
         </p:nvSpPr>
         <p:spPr>
           <a:xfrm>
-            <a:off x="6143251" y="5609596"/>
+            <a:off x="7212395" y="5679669"/>
             <a:ext cx="3880236" cy="1015663"/>
           </a:xfrm>
           <a:prstGeom prst="rect">
@@ -21833,7 +21724,7 @@
         <p:spPr>
           <a:xfrm>
             <a:off x="885451" y="332841"/>
-            <a:ext cx="10515600" cy="1181291"/>
+            <a:ext cx="10515600" cy="1435331"/>
           </a:xfrm>
           <a:prstGeom prst="rect">
             <a:avLst/>
@@ -21841,7 +21732,7 @@
         </p:spPr>
         <p:txBody>
           <a:bodyPr>
-            <a:normAutofit fontScale="85000" lnSpcReduction="20000"/>
+            <a:normAutofit fontScale="92500" lnSpcReduction="20000"/>
           </a:bodyPr>
           <a:lstStyle>
             <a:lvl1pPr algn="l" defTabSz="914400" rtl="0" eaLnBrk="1" latinLnBrk="0" hangingPunct="1">
@@ -22002,7 +21893,7 @@
         </p:blipFill>
         <p:spPr>
           <a:xfrm>
-            <a:off x="6143251" y="2658420"/>
+            <a:off x="7212395" y="2439541"/>
             <a:ext cx="4418825" cy="2822551"/>
           </a:xfrm>
           <a:prstGeom prst="rect">
@@ -22010,6 +21901,123 @@
           </a:prstGeom>
         </p:spPr>
       </p:pic>
+      <p:sp>
+        <p:nvSpPr>
+          <p:cNvPr id="8" name="Textfeld 7"/>
+          <p:cNvSpPr txBox="1"/>
+          <p:nvPr/>
+        </p:nvSpPr>
+        <p:spPr>
+          <a:xfrm>
+            <a:off x="2560320" y="5216476"/>
+            <a:ext cx="4164851" cy="1092607"/>
+          </a:xfrm>
+          <a:prstGeom prst="rect">
+            <a:avLst/>
+          </a:prstGeom>
+          <a:noFill/>
+        </p:spPr>
+        <p:txBody>
+          <a:bodyPr wrap="square" rtlCol="0">
+            <a:spAutoFit/>
+          </a:bodyPr>
+          <a:lstStyle/>
+          <a:p>
+            <a:r>
+              <a:rPr lang="de-DE" dirty="0" err="1" smtClean="0"/>
+              <a:t>Shifting</a:t>
+            </a:r>
+            <a:r>
+              <a:rPr lang="de-DE" dirty="0" smtClean="0"/>
+              <a:t> </a:t>
+            </a:r>
+            <a:r>
+              <a:rPr lang="de-DE" dirty="0" err="1" smtClean="0"/>
+              <a:t>protein</a:t>
+            </a:r>
+            <a:r>
+              <a:rPr lang="de-DE" dirty="0" smtClean="0"/>
+              <a:t> </a:t>
+            </a:r>
+            <a:r>
+              <a:rPr lang="de-DE" dirty="0" err="1" smtClean="0"/>
+              <a:t>as</a:t>
+            </a:r>
+            <a:r>
+              <a:rPr lang="de-DE" dirty="0" smtClean="0"/>
+              <a:t> </a:t>
+            </a:r>
+            <a:r>
+              <a:rPr lang="de-DE" dirty="0" err="1" smtClean="0"/>
+              <a:t>shown</a:t>
+            </a:r>
+            <a:r>
+              <a:rPr lang="de-DE" dirty="0" smtClean="0"/>
+              <a:t> </a:t>
+            </a:r>
+            <a:r>
+              <a:rPr lang="de-DE" dirty="0" err="1" smtClean="0"/>
+              <a:t>by</a:t>
+            </a:r>
+            <a:r>
+              <a:rPr lang="de-DE" dirty="0" smtClean="0"/>
+              <a:t> R-</a:t>
+            </a:r>
+            <a:r>
+              <a:rPr lang="de-DE" dirty="0" err="1" smtClean="0"/>
+              <a:t>DeeP</a:t>
+            </a:r>
+            <a:endParaRPr lang="de-DE" dirty="0" smtClean="0"/>
+          </a:p>
+          <a:p>
+            <a:r>
+              <a:rPr lang="de-DE" dirty="0" smtClean="0">
+                <a:solidFill>
+                  <a:srgbClr val="FF0000"/>
+                </a:solidFill>
+              </a:rPr>
+              <a:t>Control</a:t>
+            </a:r>
+          </a:p>
+          <a:p>
+            <a:r>
+              <a:rPr lang="de-DE" dirty="0" err="1" smtClean="0">
+                <a:solidFill>
+                  <a:srgbClr val="00B050"/>
+                </a:solidFill>
+              </a:rPr>
+              <a:t>Rnase</a:t>
+            </a:r>
+            <a:endParaRPr lang="de-DE" dirty="0" smtClean="0">
+              <a:solidFill>
+                <a:srgbClr val="00B050"/>
+              </a:solidFill>
+            </a:endParaRPr>
+          </a:p>
+          <a:p>
+            <a:r>
+              <a:rPr lang="de-DE" sz="1100" dirty="0"/>
+              <a:t>(</a:t>
+            </a:r>
+            <a:r>
+              <a:rPr lang="de-DE" sz="1100" dirty="0" err="1"/>
+              <a:t>Caudron-Herger</a:t>
+            </a:r>
+            <a:r>
+              <a:rPr lang="de-DE" sz="1100" dirty="0"/>
+              <a:t>, </a:t>
+            </a:r>
+            <a:r>
+              <a:rPr lang="de-DE" sz="1100" dirty="0" err="1"/>
+              <a:t>Rusin</a:t>
+            </a:r>
+            <a:r>
+              <a:rPr lang="de-DE" sz="1100" dirty="0"/>
+              <a:t> et al. 2019)</a:t>
+            </a:r>
+          </a:p>
+        </p:txBody>
+      </p:sp>
     </p:spTree>
     <p:extLst>
       <p:ext uri="{BB962C8B-B14F-4D97-AF65-F5344CB8AC3E}">
@@ -22184,7 +22192,7 @@
                             </p:stCondLst>
                             <p:childTnLst>
                               <p:par>
-                                <p:cTn id="18" presetID="22" presetClass="entr" presetSubtype="8" fill="hold" nodeType="clickEffect">
+                                <p:cTn id="18" presetID="1" presetClass="entr" presetSubtype="0" fill="hold" grpId="0" nodeType="clickEffect">
                                   <p:stCondLst>
                                     <p:cond delay="0"/>
                                   </p:stCondLst>
@@ -22192,6 +22200,51 @@
                                     <p:set>
                                       <p:cBhvr>
                                         <p:cTn id="19" dur="1" fill="hold">
+                                          <p:stCondLst>
+                                            <p:cond delay="0"/>
+                                          </p:stCondLst>
+                                        </p:cTn>
+                                        <p:tgtEl>
+                                          <p:spTgt spid="8"/>
+                                        </p:tgtEl>
+                                        <p:attrNameLst>
+                                          <p:attrName>style.visibility</p:attrName>
+                                        </p:attrNameLst>
+                                      </p:cBhvr>
+                                      <p:to>
+                                        <p:strVal val="visible"/>
+                                      </p:to>
+                                    </p:set>
+                                  </p:childTnLst>
+                                </p:cTn>
+                              </p:par>
+                            </p:childTnLst>
+                          </p:cTn>
+                        </p:par>
+                      </p:childTnLst>
+                    </p:cTn>
+                  </p:par>
+                  <p:par>
+                    <p:cTn id="20" fill="hold">
+                      <p:stCondLst>
+                        <p:cond delay="indefinite"/>
+                      </p:stCondLst>
+                      <p:childTnLst>
+                        <p:par>
+                          <p:cTn id="21" fill="hold">
+                            <p:stCondLst>
+                              <p:cond delay="0"/>
+                            </p:stCondLst>
+                            <p:childTnLst>
+                              <p:par>
+                                <p:cTn id="22" presetID="22" presetClass="entr" presetSubtype="8" fill="hold" nodeType="clickEffect">
+                                  <p:stCondLst>
+                                    <p:cond delay="0"/>
+                                  </p:stCondLst>
+                                  <p:childTnLst>
+                                    <p:set>
+                                      <p:cBhvr>
+                                        <p:cTn id="23" dur="1" fill="hold">
                                           <p:stCondLst>
                                             <p:cond delay="0"/>
                                           </p:stCondLst>
@@ -22209,7 +22262,7 @@
                                     </p:set>
                                     <p:animEffect transition="in" filter="wipe(left)">
                                       <p:cBhvr>
-                                        <p:cTn id="20" dur="500"/>
+                                        <p:cTn id="24" dur="500"/>
                                         <p:tgtEl>
                                           <p:spTgt spid="7"/>
                                         </p:tgtEl>
@@ -22225,26 +22278,26 @@
                     </p:cTn>
                   </p:par>
                   <p:par>
-                    <p:cTn id="21" fill="hold">
+                    <p:cTn id="25" fill="hold">
                       <p:stCondLst>
                         <p:cond delay="indefinite"/>
                       </p:stCondLst>
                       <p:childTnLst>
                         <p:par>
-                          <p:cTn id="22" fill="hold">
+                          <p:cTn id="26" fill="hold">
                             <p:stCondLst>
                               <p:cond delay="0"/>
                             </p:stCondLst>
                             <p:childTnLst>
                               <p:par>
-                                <p:cTn id="23" presetID="1" presetClass="entr" presetSubtype="0" fill="hold" grpId="0" nodeType="clickEffect">
+                                <p:cTn id="27" presetID="1" presetClass="entr" presetSubtype="0" fill="hold" grpId="0" nodeType="clickEffect">
                                   <p:stCondLst>
                                     <p:cond delay="0"/>
                                   </p:stCondLst>
                                   <p:childTnLst>
                                     <p:set>
                                       <p:cBhvr>
-                                        <p:cTn id="24" dur="1" fill="hold">
+                                        <p:cTn id="28" dur="1" fill="hold">
                                           <p:stCondLst>
                                             <p:cond delay="0"/>
                                           </p:stCondLst>
@@ -22294,6 +22347,7 @@
       <p:bldP spid="4" grpId="0" animBg="1"/>
       <p:bldP spid="12" grpId="0"/>
       <p:bldP spid="15" grpId="0"/>
+      <p:bldP spid="8" grpId="0"/>
     </p:bldLst>
   </p:timing>
 </p:sld>
@@ -22426,52 +22480,6 @@
       </p:pic>
       <p:sp>
         <p:nvSpPr>
-          <p:cNvPr id="6" name="Ellipse 5"/>
-          <p:cNvSpPr/>
-          <p:nvPr/>
-        </p:nvSpPr>
-        <p:spPr>
-          <a:xfrm>
-            <a:off x="10908843" y="74279"/>
-            <a:ext cx="1141960" cy="1097783"/>
-          </a:xfrm>
-          <a:prstGeom prst="ellipse">
-            <a:avLst/>
-          </a:prstGeom>
-          <a:noFill/>
-          <a:ln>
-            <a:solidFill>
-              <a:schemeClr val="tx1"/>
-            </a:solidFill>
-          </a:ln>
-        </p:spPr>
-        <p:style>
-          <a:lnRef idx="2">
-            <a:schemeClr val="accent1">
-              <a:shade val="50000"/>
-            </a:schemeClr>
-          </a:lnRef>
-          <a:fillRef idx="1">
-            <a:schemeClr val="accent1"/>
-          </a:fillRef>
-          <a:effectRef idx="0">
-            <a:schemeClr val="accent1"/>
-          </a:effectRef>
-          <a:fontRef idx="minor">
-            <a:schemeClr val="lt1"/>
-          </a:fontRef>
-        </p:style>
-        <p:txBody>
-          <a:bodyPr rtlCol="0" anchor="ctr"/>
-          <a:lstStyle/>
-          <a:p>
-            <a:pPr algn="ctr"/>
-            <a:endParaRPr lang="de-DE"/>
-          </a:p>
-        </p:txBody>
-      </p:sp>
-      <p:sp>
-        <p:nvSpPr>
           <p:cNvPr id="8" name="Textfeld 7"/>
           <p:cNvSpPr txBox="1"/>
           <p:nvPr/>
@@ -22704,7 +22712,7 @@
         <p:spPr>
           <a:xfrm>
             <a:off x="885451" y="332841"/>
-            <a:ext cx="10515600" cy="1181291"/>
+            <a:ext cx="10515600" cy="1659431"/>
           </a:xfrm>
           <a:prstGeom prst="rect">
             <a:avLst/>
@@ -22712,7 +22720,7 @@
         </p:spPr>
         <p:txBody>
           <a:bodyPr>
-            <a:normAutofit fontScale="85000" lnSpcReduction="20000"/>
+            <a:normAutofit fontScale="92500" lnSpcReduction="10000"/>
           </a:bodyPr>
           <a:lstStyle>
             <a:lvl1pPr algn="l" defTabSz="914400" rtl="0" eaLnBrk="1" latinLnBrk="0" hangingPunct="1">
@@ -22736,61 +22744,61 @@
           <a:p>
             <a:pPr algn="ctr"/>
             <a:r>
-              <a:rPr lang="de-DE" sz="3200" dirty="0" err="1"/>
+              <a:rPr lang="de-DE" sz="3500" dirty="0" err="1"/>
               <a:t>What</a:t>
             </a:r>
             <a:r>
-              <a:rPr lang="de-DE" sz="3200" dirty="0"/>
+              <a:rPr lang="de-DE" sz="3500" dirty="0"/>
               <a:t> do </a:t>
             </a:r>
             <a:r>
-              <a:rPr lang="de-DE" sz="3200" dirty="0" err="1"/>
+              <a:rPr lang="de-DE" sz="3500" dirty="0" err="1"/>
               <a:t>the</a:t>
             </a:r>
             <a:r>
-              <a:rPr lang="de-DE" sz="3200" dirty="0"/>
+              <a:rPr lang="de-DE" sz="3500" dirty="0"/>
               <a:t> RBPs </a:t>
             </a:r>
             <a:r>
-              <a:rPr lang="de-DE" sz="3200" dirty="0" err="1"/>
+              <a:rPr lang="de-DE" sz="3500" dirty="0" err="1"/>
               <a:t>have</a:t>
             </a:r>
             <a:r>
-              <a:rPr lang="de-DE" sz="3200" dirty="0"/>
+              <a:rPr lang="de-DE" sz="3500" dirty="0"/>
               <a:t> in </a:t>
             </a:r>
             <a:r>
-              <a:rPr lang="de-DE" sz="3200" dirty="0" err="1"/>
+              <a:rPr lang="de-DE" sz="3500" dirty="0" err="1"/>
               <a:t>common</a:t>
             </a:r>
             <a:r>
-              <a:rPr lang="de-DE" sz="3200" dirty="0"/>
+              <a:rPr lang="de-DE" sz="3500" dirty="0"/>
               <a:t>?  </a:t>
             </a:r>
           </a:p>
           <a:p>
             <a:pPr algn="ctr"/>
             <a:r>
-              <a:rPr lang="de-DE" sz="3200" dirty="0" err="1"/>
+              <a:rPr lang="de-DE" sz="3500" dirty="0" err="1"/>
               <a:t>Comparison</a:t>
             </a:r>
             <a:r>
-              <a:rPr lang="de-DE" sz="3200" dirty="0"/>
-              <a:t> </a:t>
-            </a:r>
-            <a:r>
-              <a:rPr lang="de-DE" sz="3200" dirty="0" err="1"/>
+              <a:rPr lang="de-DE" sz="3500" dirty="0"/>
+              <a:t> </a:t>
+            </a:r>
+            <a:r>
+              <a:rPr lang="de-DE" sz="3500" dirty="0" err="1"/>
               <a:t>with</a:t>
             </a:r>
             <a:r>
-              <a:rPr lang="de-DE" sz="3200" dirty="0"/>
+              <a:rPr lang="de-DE" sz="3500" dirty="0"/>
               <a:t> R-</a:t>
             </a:r>
             <a:r>
-              <a:rPr lang="de-DE" sz="3200" dirty="0" err="1"/>
+              <a:rPr lang="de-DE" sz="3500" dirty="0" err="1"/>
               <a:t>DeeP</a:t>
             </a:r>
-            <a:endParaRPr lang="de-DE" sz="3200" dirty="0"/>
+            <a:endParaRPr lang="de-DE" sz="3500" dirty="0"/>
           </a:p>
           <a:p>
             <a:pPr algn="ctr"/>
@@ -23274,52 +23282,6 @@
       </p:pic>
       <p:sp>
         <p:nvSpPr>
-          <p:cNvPr id="7" name="Ellipse 6"/>
-          <p:cNvSpPr/>
-          <p:nvPr/>
-        </p:nvSpPr>
-        <p:spPr>
-          <a:xfrm>
-            <a:off x="10908843" y="74279"/>
-            <a:ext cx="1141960" cy="1097783"/>
-          </a:xfrm>
-          <a:prstGeom prst="ellipse">
-            <a:avLst/>
-          </a:prstGeom>
-          <a:noFill/>
-          <a:ln>
-            <a:solidFill>
-              <a:schemeClr val="tx1"/>
-            </a:solidFill>
-          </a:ln>
-        </p:spPr>
-        <p:style>
-          <a:lnRef idx="2">
-            <a:schemeClr val="accent1">
-              <a:shade val="50000"/>
-            </a:schemeClr>
-          </a:lnRef>
-          <a:fillRef idx="1">
-            <a:schemeClr val="accent1"/>
-          </a:fillRef>
-          <a:effectRef idx="0">
-            <a:schemeClr val="accent1"/>
-          </a:effectRef>
-          <a:fontRef idx="minor">
-            <a:schemeClr val="lt1"/>
-          </a:fontRef>
-        </p:style>
-        <p:txBody>
-          <a:bodyPr rtlCol="0" anchor="ctr"/>
-          <a:lstStyle/>
-          <a:p>
-            <a:pPr algn="ctr"/>
-            <a:endParaRPr lang="de-DE"/>
-          </a:p>
-        </p:txBody>
-      </p:sp>
-      <p:sp>
-        <p:nvSpPr>
           <p:cNvPr id="4" name="Textfeld 3"/>
           <p:cNvSpPr txBox="1"/>
           <p:nvPr/>
@@ -23613,7 +23575,7 @@
         <p:spPr>
           <a:xfrm>
             <a:off x="1636507" y="251799"/>
-            <a:ext cx="10515600" cy="1325563"/>
+            <a:ext cx="9955271" cy="1127699"/>
           </a:xfrm>
           <a:prstGeom prst="rect">
             <a:avLst/>
@@ -24530,52 +24492,6 @@
           </a:p>
         </p:txBody>
       </p:sp>
-      <p:sp>
-        <p:nvSpPr>
-          <p:cNvPr id="4" name="Ellipse 3"/>
-          <p:cNvSpPr/>
-          <p:nvPr/>
-        </p:nvSpPr>
-        <p:spPr>
-          <a:xfrm>
-            <a:off x="10908843" y="74279"/>
-            <a:ext cx="1141960" cy="1097783"/>
-          </a:xfrm>
-          <a:prstGeom prst="ellipse">
-            <a:avLst/>
-          </a:prstGeom>
-          <a:noFill/>
-          <a:ln>
-            <a:solidFill>
-              <a:schemeClr val="tx1"/>
-            </a:solidFill>
-          </a:ln>
-        </p:spPr>
-        <p:style>
-          <a:lnRef idx="2">
-            <a:schemeClr val="accent1">
-              <a:shade val="50000"/>
-            </a:schemeClr>
-          </a:lnRef>
-          <a:fillRef idx="1">
-            <a:schemeClr val="accent1"/>
-          </a:fillRef>
-          <a:effectRef idx="0">
-            <a:schemeClr val="accent1"/>
-          </a:effectRef>
-          <a:fontRef idx="minor">
-            <a:schemeClr val="lt1"/>
-          </a:fontRef>
-        </p:style>
-        <p:txBody>
-          <a:bodyPr rtlCol="0" anchor="ctr"/>
-          <a:lstStyle/>
-          <a:p>
-            <a:pPr algn="ctr"/>
-            <a:endParaRPr lang="de-DE"/>
-          </a:p>
-        </p:txBody>
-      </p:sp>
       <p:pic>
         <p:nvPicPr>
           <p:cNvPr id="5" name="Grafik 4"/>
@@ -24711,7 +24627,7 @@
         </p:nvSpPr>
         <p:spPr>
           <a:xfrm>
-            <a:off x="5274271" y="5199568"/>
+            <a:off x="5274271" y="5047597"/>
             <a:ext cx="2449002" cy="769441"/>
           </a:xfrm>
           <a:prstGeom prst="rect">
@@ -24739,13 +24655,7 @@
               <a:rPr lang="de-DE" sz="2200" dirty="0" smtClean="0">
                 <a:sym typeface="Wingdings" panose="05000000000000000000" pitchFamily="2" charset="2"/>
               </a:rPr>
-              <a:t></a:t>
-            </a:r>
-            <a:r>
-              <a:rPr lang="de-DE" sz="2200" dirty="0" smtClean="0">
-                <a:sym typeface="Wingdings" panose="05000000000000000000" pitchFamily="2" charset="2"/>
-              </a:rPr>
-              <a:t>89</a:t>
+              <a:t>89</a:t>
             </a:r>
             <a:r>
               <a:rPr lang="de-DE" sz="2200" dirty="0" smtClean="0"/>
@@ -24790,7 +24700,7 @@
         </p:nvSpPr>
         <p:spPr>
           <a:xfrm>
-            <a:off x="8655726" y="5047598"/>
+            <a:off x="8745416" y="5047597"/>
             <a:ext cx="3161179" cy="1107996"/>
           </a:xfrm>
           <a:prstGeom prst="rect">
@@ -26006,6 +25916,30 @@
           </a:p>
         </p:txBody>
       </p:sp>
+      <p:pic>
+        <p:nvPicPr>
+          <p:cNvPr id="9" name="Grafik 8"/>
+          <p:cNvPicPr>
+            <a:picLocks noChangeAspect="1"/>
+          </p:cNvPicPr>
+          <p:nvPr/>
+        </p:nvPicPr>
+        <p:blipFill>
+          <a:blip r:embed="rId4"/>
+          <a:stretch>
+            <a:fillRect/>
+          </a:stretch>
+        </p:blipFill>
+        <p:spPr>
+          <a:xfrm>
+            <a:off x="11113169" y="180918"/>
+            <a:ext cx="831708" cy="667765"/>
+          </a:xfrm>
+          <a:prstGeom prst="rect">
+            <a:avLst/>
+          </a:prstGeom>
+        </p:spPr>
+      </p:pic>
     </p:spTree>
     <p:extLst>
       <p:ext uri="{BB962C8B-B14F-4D97-AF65-F5344CB8AC3E}">
@@ -26721,52 +26655,6 @@
       </p:pic>
       <p:sp>
         <p:nvSpPr>
-          <p:cNvPr id="6" name="Ellipse 5"/>
-          <p:cNvSpPr/>
-          <p:nvPr/>
-        </p:nvSpPr>
-        <p:spPr>
-          <a:xfrm>
-            <a:off x="10908843" y="74279"/>
-            <a:ext cx="1141960" cy="1097783"/>
-          </a:xfrm>
-          <a:prstGeom prst="ellipse">
-            <a:avLst/>
-          </a:prstGeom>
-          <a:noFill/>
-          <a:ln>
-            <a:solidFill>
-              <a:schemeClr val="tx1"/>
-            </a:solidFill>
-          </a:ln>
-        </p:spPr>
-        <p:style>
-          <a:lnRef idx="2">
-            <a:schemeClr val="accent1">
-              <a:shade val="50000"/>
-            </a:schemeClr>
-          </a:lnRef>
-          <a:fillRef idx="1">
-            <a:schemeClr val="accent1"/>
-          </a:fillRef>
-          <a:effectRef idx="0">
-            <a:schemeClr val="accent1"/>
-          </a:effectRef>
-          <a:fontRef idx="minor">
-            <a:schemeClr val="lt1"/>
-          </a:fontRef>
-        </p:style>
-        <p:txBody>
-          <a:bodyPr rtlCol="0" anchor="ctr"/>
-          <a:lstStyle/>
-          <a:p>
-            <a:pPr algn="ctr"/>
-            <a:endParaRPr lang="de-DE"/>
-          </a:p>
-        </p:txBody>
-      </p:sp>
-      <p:sp>
-        <p:nvSpPr>
           <p:cNvPr id="8" name="Titel 1"/>
           <p:cNvSpPr txBox="1">
             <a:spLocks/>
@@ -26832,36 +26720,6 @@
       </p:sp>
       <p:sp>
         <p:nvSpPr>
-          <p:cNvPr id="9" name="Textfeld 8"/>
-          <p:cNvSpPr txBox="1"/>
-          <p:nvPr/>
-        </p:nvSpPr>
-        <p:spPr>
-          <a:xfrm>
-            <a:off x="217575" y="2597354"/>
-            <a:ext cx="2922710" cy="369332"/>
-          </a:xfrm>
-          <a:prstGeom prst="rect">
-            <a:avLst/>
-          </a:prstGeom>
-          <a:noFill/>
-        </p:spPr>
-        <p:txBody>
-          <a:bodyPr wrap="square" rtlCol="0">
-            <a:spAutoFit/>
-          </a:bodyPr>
-          <a:lstStyle/>
-          <a:p>
-            <a:r>
-              <a:rPr lang="de-DE" dirty="0" err="1" smtClean="0"/>
-              <a:t>Cytoskeleton</a:t>
-            </a:r>
-            <a:endParaRPr lang="de-DE" dirty="0"/>
-          </a:p>
-        </p:txBody>
-      </p:sp>
-      <p:sp>
-        <p:nvSpPr>
           <p:cNvPr id="10" name="Textfeld 9"/>
           <p:cNvSpPr txBox="1"/>
           <p:nvPr/>
@@ -26940,7 +26798,7 @@
         </p:nvSpPr>
         <p:spPr>
           <a:xfrm>
-            <a:off x="9680917" y="2575961"/>
+            <a:off x="10018468" y="2616107"/>
             <a:ext cx="2922710" cy="369332"/>
           </a:xfrm>
           <a:prstGeom prst="rect">
@@ -26970,7 +26828,7 @@
         </p:nvSpPr>
         <p:spPr>
           <a:xfrm>
-            <a:off x="9785393" y="4013151"/>
+            <a:off x="10018468" y="3997967"/>
             <a:ext cx="2922710" cy="369332"/>
           </a:xfrm>
           <a:prstGeom prst="rect">
@@ -27000,7 +26858,7 @@
         </p:nvSpPr>
         <p:spPr>
           <a:xfrm>
-            <a:off x="9680917" y="5275789"/>
+            <a:off x="9982200" y="5269884"/>
             <a:ext cx="2922710" cy="646331"/>
           </a:xfrm>
           <a:prstGeom prst="rect">
@@ -27101,6 +26959,36 @@
               <a:t> BioRender.com</a:t>
             </a:r>
             <a:endParaRPr lang="de-DE" sz="1400" dirty="0"/>
+          </a:p>
+        </p:txBody>
+      </p:sp>
+      <p:sp>
+        <p:nvSpPr>
+          <p:cNvPr id="9" name="Textfeld 8"/>
+          <p:cNvSpPr txBox="1"/>
+          <p:nvPr/>
+        </p:nvSpPr>
+        <p:spPr>
+          <a:xfrm>
+            <a:off x="217575" y="2616107"/>
+            <a:ext cx="2922710" cy="369332"/>
+          </a:xfrm>
+          <a:prstGeom prst="rect">
+            <a:avLst/>
+          </a:prstGeom>
+          <a:noFill/>
+        </p:spPr>
+        <p:txBody>
+          <a:bodyPr wrap="square" rtlCol="0">
+            <a:spAutoFit/>
+          </a:bodyPr>
+          <a:lstStyle/>
+          <a:p>
+            <a:r>
+              <a:rPr lang="de-DE" dirty="0" err="1" smtClean="0"/>
+              <a:t>Cytoskeleton</a:t>
+            </a:r>
+            <a:endParaRPr lang="de-DE" dirty="0"/>
           </a:p>
         </p:txBody>
       </p:sp>
@@ -27567,12 +27455,12 @@
     <p:bldLst>
       <p:bldP spid="4" grpId="0" animBg="1"/>
       <p:bldP spid="8" grpId="0"/>
-      <p:bldP spid="9" grpId="0"/>
       <p:bldP spid="10" grpId="0"/>
       <p:bldP spid="11" grpId="0"/>
       <p:bldP spid="12" grpId="0"/>
       <p:bldP spid="13" grpId="0"/>
       <p:bldP spid="14" grpId="0"/>
+      <p:bldP spid="9" grpId="0"/>
     </p:bldLst>
   </p:timing>
 </p:sld>
@@ -30717,7 +30605,7 @@
         </p:nvSpPr>
         <p:spPr>
           <a:xfrm>
-            <a:off x="1767500" y="5402713"/>
+            <a:off x="1855052" y="6041956"/>
             <a:ext cx="9130145" cy="400110"/>
           </a:xfrm>
           <a:prstGeom prst="rect">
@@ -30880,7 +30768,7 @@
       </p:sp>
       <p:pic>
         <p:nvPicPr>
-          <p:cNvPr id="10" name="Grafik 9"/>
+          <p:cNvPr id="5" name="Grafik 4"/>
           <p:cNvPicPr>
             <a:picLocks noChangeAspect="1"/>
           </p:cNvPicPr>
@@ -30888,76 +30776,6 @@
         </p:nvPicPr>
         <p:blipFill>
           <a:blip r:embed="rId4"/>
-          <a:stretch>
-            <a:fillRect/>
-          </a:stretch>
-        </p:blipFill>
-        <p:spPr>
-          <a:xfrm>
-            <a:off x="10915368" y="261152"/>
-            <a:ext cx="876864" cy="704020"/>
-          </a:xfrm>
-          <a:prstGeom prst="rect">
-            <a:avLst/>
-          </a:prstGeom>
-        </p:spPr>
-      </p:pic>
-      <p:sp>
-        <p:nvSpPr>
-          <p:cNvPr id="11" name="Ellipse 10"/>
-          <p:cNvSpPr/>
-          <p:nvPr/>
-        </p:nvSpPr>
-        <p:spPr>
-          <a:xfrm>
-            <a:off x="10848253" y="81268"/>
-            <a:ext cx="1201029" cy="1063788"/>
-          </a:xfrm>
-          <a:prstGeom prst="ellipse">
-            <a:avLst/>
-          </a:prstGeom>
-          <a:noFill/>
-          <a:ln>
-            <a:solidFill>
-              <a:schemeClr val="tx1"/>
-            </a:solidFill>
-          </a:ln>
-        </p:spPr>
-        <p:style>
-          <a:lnRef idx="2">
-            <a:schemeClr val="accent1">
-              <a:shade val="50000"/>
-            </a:schemeClr>
-          </a:lnRef>
-          <a:fillRef idx="1">
-            <a:schemeClr val="accent1"/>
-          </a:fillRef>
-          <a:effectRef idx="0">
-            <a:schemeClr val="accent1"/>
-          </a:effectRef>
-          <a:fontRef idx="minor">
-            <a:schemeClr val="lt1"/>
-          </a:fontRef>
-        </p:style>
-        <p:txBody>
-          <a:bodyPr rtlCol="0" anchor="ctr"/>
-          <a:lstStyle/>
-          <a:p>
-            <a:pPr algn="ctr"/>
-            <a:endParaRPr lang="de-DE"/>
-          </a:p>
-        </p:txBody>
-      </p:sp>
-      <p:pic>
-        <p:nvPicPr>
-          <p:cNvPr id="5" name="Grafik 4"/>
-          <p:cNvPicPr>
-            <a:picLocks noChangeAspect="1"/>
-          </p:cNvPicPr>
-          <p:nvPr/>
-        </p:nvPicPr>
-        <p:blipFill>
-          <a:blip r:embed="rId5"/>
           <a:stretch>
             <a:fillRect/>
           </a:stretch>
@@ -31029,6 +30847,96 @@
               </a:rPr>
               <a:t>RNA binding proteins</a:t>
             </a:r>
+          </a:p>
+        </p:txBody>
+      </p:sp>
+      <p:pic>
+        <p:nvPicPr>
+          <p:cNvPr id="13" name="Grafik 12"/>
+          <p:cNvPicPr>
+            <a:picLocks noChangeAspect="1"/>
+          </p:cNvPicPr>
+          <p:nvPr/>
+        </p:nvPicPr>
+        <p:blipFill>
+          <a:blip r:embed="rId5"/>
+          <a:stretch>
+            <a:fillRect/>
+          </a:stretch>
+        </p:blipFill>
+        <p:spPr>
+          <a:xfrm>
+            <a:off x="10985197" y="220673"/>
+            <a:ext cx="831708" cy="667765"/>
+          </a:xfrm>
+          <a:prstGeom prst="rect">
+            <a:avLst/>
+          </a:prstGeom>
+        </p:spPr>
+      </p:pic>
+      <p:sp>
+        <p:nvSpPr>
+          <p:cNvPr id="4" name="Textfeld 3"/>
+          <p:cNvSpPr txBox="1"/>
+          <p:nvPr/>
+        </p:nvSpPr>
+        <p:spPr>
+          <a:xfrm>
+            <a:off x="3035228" y="5162843"/>
+            <a:ext cx="6235381" cy="430887"/>
+          </a:xfrm>
+          <a:prstGeom prst="rect">
+            <a:avLst/>
+          </a:prstGeom>
+          <a:noFill/>
+        </p:spPr>
+        <p:txBody>
+          <a:bodyPr wrap="square" rtlCol="0">
+            <a:spAutoFit/>
+          </a:bodyPr>
+          <a:lstStyle/>
+          <a:p>
+            <a:r>
+              <a:rPr lang="de-DE" sz="2200" dirty="0" smtClean="0"/>
+              <a:t>RBP score </a:t>
+            </a:r>
+            <a:r>
+              <a:rPr lang="de-DE" sz="2200" dirty="0" err="1" smtClean="0"/>
+              <a:t>of</a:t>
+            </a:r>
+            <a:r>
+              <a:rPr lang="de-DE" sz="2200" dirty="0" smtClean="0"/>
+              <a:t> </a:t>
+            </a:r>
+            <a:r>
+              <a:rPr lang="de-DE" sz="2200" dirty="0" err="1" smtClean="0"/>
+              <a:t>the</a:t>
+            </a:r>
+            <a:r>
+              <a:rPr lang="de-DE" sz="2200" dirty="0" smtClean="0"/>
+              <a:t> </a:t>
+            </a:r>
+            <a:r>
+              <a:rPr lang="de-DE" sz="2200" dirty="0" err="1" smtClean="0"/>
+              <a:t>proteins</a:t>
+            </a:r>
+            <a:r>
+              <a:rPr lang="de-DE" sz="2200" dirty="0" smtClean="0"/>
+              <a:t> </a:t>
+            </a:r>
+            <a:r>
+              <a:rPr lang="de-DE" sz="2200" dirty="0" err="1" smtClean="0"/>
+              <a:t>we</a:t>
+            </a:r>
+            <a:r>
+              <a:rPr lang="de-DE" sz="2200" dirty="0" smtClean="0"/>
+              <a:t> </a:t>
+            </a:r>
+            <a:r>
+              <a:rPr lang="de-DE" sz="2200" dirty="0" err="1" smtClean="0"/>
+              <a:t>found</a:t>
+            </a:r>
+            <a:endParaRPr lang="de-DE" sz="2200" dirty="0"/>
           </a:p>
         </p:txBody>
       </p:sp>
@@ -31291,6 +31199,51 @@
                       </p:childTnLst>
                     </p:cTn>
                   </p:par>
+                  <p:par>
+                    <p:cTn id="25" fill="hold">
+                      <p:stCondLst>
+                        <p:cond delay="indefinite"/>
+                      </p:stCondLst>
+                      <p:childTnLst>
+                        <p:par>
+                          <p:cTn id="26" fill="hold">
+                            <p:stCondLst>
+                              <p:cond delay="0"/>
+                            </p:stCondLst>
+                            <p:childTnLst>
+                              <p:par>
+                                <p:cTn id="27" presetID="1" presetClass="entr" presetSubtype="0" fill="hold" grpId="0" nodeType="clickEffect">
+                                  <p:stCondLst>
+                                    <p:cond delay="0"/>
+                                  </p:stCondLst>
+                                  <p:childTnLst>
+                                    <p:set>
+                                      <p:cBhvr>
+                                        <p:cTn id="28" dur="1" fill="hold">
+                                          <p:stCondLst>
+                                            <p:cond delay="0"/>
+                                          </p:stCondLst>
+                                        </p:cTn>
+                                        <p:tgtEl>
+                                          <p:spTgt spid="4"/>
+                                        </p:tgtEl>
+                                        <p:attrNameLst>
+                                          <p:attrName>style.visibility</p:attrName>
+                                        </p:attrNameLst>
+                                      </p:cBhvr>
+                                      <p:to>
+                                        <p:strVal val="visible"/>
+                                      </p:to>
+                                    </p:set>
+                                  </p:childTnLst>
+                                </p:cTn>
+                              </p:par>
+                            </p:childTnLst>
+                          </p:cTn>
+                        </p:par>
+                      </p:childTnLst>
+                    </p:cTn>
+                  </p:par>
                 </p:childTnLst>
               </p:cTn>
               <p:prevCondLst>
@@ -31316,6 +31269,7 @@
       <p:bldP spid="2" grpId="0"/>
       <p:bldP spid="6" grpId="0"/>
       <p:bldP spid="12" grpId="0" animBg="1"/>
+      <p:bldP spid="4" grpId="0"/>
     </p:bldLst>
   </p:timing>
 </p:sld>
@@ -32308,52 +32262,6 @@
           </a:prstGeom>
         </p:spPr>
       </p:pic>
-      <p:sp>
-        <p:nvSpPr>
-          <p:cNvPr id="10" name="Ellipse 9"/>
-          <p:cNvSpPr/>
-          <p:nvPr/>
-        </p:nvSpPr>
-        <p:spPr>
-          <a:xfrm>
-            <a:off x="10908843" y="74279"/>
-            <a:ext cx="1141960" cy="1097783"/>
-          </a:xfrm>
-          <a:prstGeom prst="ellipse">
-            <a:avLst/>
-          </a:prstGeom>
-          <a:noFill/>
-          <a:ln>
-            <a:solidFill>
-              <a:schemeClr val="tx1"/>
-            </a:solidFill>
-          </a:ln>
-        </p:spPr>
-        <p:style>
-          <a:lnRef idx="2">
-            <a:schemeClr val="accent1">
-              <a:shade val="50000"/>
-            </a:schemeClr>
-          </a:lnRef>
-          <a:fillRef idx="1">
-            <a:schemeClr val="accent1"/>
-          </a:fillRef>
-          <a:effectRef idx="0">
-            <a:schemeClr val="accent1"/>
-          </a:effectRef>
-          <a:fontRef idx="minor">
-            <a:schemeClr val="lt1"/>
-          </a:fontRef>
-        </p:style>
-        <p:txBody>
-          <a:bodyPr rtlCol="0" anchor="ctr"/>
-          <a:lstStyle/>
-          <a:p>
-            <a:pPr algn="ctr"/>
-            <a:endParaRPr lang="de-DE"/>
-          </a:p>
-        </p:txBody>
-      </p:sp>
       <p:sp>
         <p:nvSpPr>
           <p:cNvPr id="9" name="Ellipse 8">
@@ -33030,52 +32938,6 @@
           </a:prstGeom>
         </p:spPr>
       </p:pic>
-      <p:sp>
-        <p:nvSpPr>
-          <p:cNvPr id="18" name="Ellipse 17"/>
-          <p:cNvSpPr/>
-          <p:nvPr/>
-        </p:nvSpPr>
-        <p:spPr>
-          <a:xfrm>
-            <a:off x="11032070" y="86019"/>
-            <a:ext cx="1017295" cy="1002736"/>
-          </a:xfrm>
-          <a:prstGeom prst="ellipse">
-            <a:avLst/>
-          </a:prstGeom>
-          <a:noFill/>
-          <a:ln>
-            <a:solidFill>
-              <a:schemeClr val="tx1"/>
-            </a:solidFill>
-          </a:ln>
-        </p:spPr>
-        <p:style>
-          <a:lnRef idx="2">
-            <a:schemeClr val="accent1">
-              <a:shade val="50000"/>
-            </a:schemeClr>
-          </a:lnRef>
-          <a:fillRef idx="1">
-            <a:schemeClr val="accent1"/>
-          </a:fillRef>
-          <a:effectRef idx="0">
-            <a:schemeClr val="accent1"/>
-          </a:effectRef>
-          <a:fontRef idx="minor">
-            <a:schemeClr val="lt1"/>
-          </a:fontRef>
-        </p:style>
-        <p:txBody>
-          <a:bodyPr rtlCol="0" anchor="ctr"/>
-          <a:lstStyle/>
-          <a:p>
-            <a:pPr algn="ctr"/>
-            <a:endParaRPr lang="de-DE"/>
-          </a:p>
-        </p:txBody>
-      </p:sp>
       <p:cxnSp>
         <p:nvCxnSpPr>
           <p:cNvPr id="6" name="Gerader Verbinder 5"/>
@@ -34882,7 +34744,7 @@
         <p:spPr>
           <a:xfrm>
             <a:off x="2966072" y="3976592"/>
-            <a:ext cx="4645847" cy="830997"/>
+            <a:ext cx="4645847" cy="769441"/>
           </a:xfrm>
           <a:prstGeom prst="rect">
             <a:avLst/>
@@ -34896,42 +34758,42 @@
           <a:lstStyle/>
           <a:p>
             <a:r>
-              <a:rPr lang="de-DE" sz="2400" dirty="0">
+              <a:rPr lang="de-DE" sz="2200" dirty="0">
                 <a:sym typeface="Wingdings" panose="05000000000000000000" pitchFamily="2" charset="2"/>
               </a:rPr>
               <a:t> 7081 Proteins </a:t>
             </a:r>
             <a:r>
-              <a:rPr lang="de-DE" sz="2400" dirty="0" err="1">
+              <a:rPr lang="de-DE" sz="2200" dirty="0" err="1">
                 <a:sym typeface="Wingdings" panose="05000000000000000000" pitchFamily="2" charset="2"/>
               </a:rPr>
               <a:t>left</a:t>
             </a:r>
             <a:r>
-              <a:rPr lang="de-DE" sz="2400" dirty="0">
+              <a:rPr lang="de-DE" sz="2200" dirty="0">
                 <a:sym typeface="Wingdings" panose="05000000000000000000" pitchFamily="2" charset="2"/>
               </a:rPr>
               <a:t> after </a:t>
             </a:r>
             <a:r>
-              <a:rPr lang="de-DE" sz="2400" dirty="0" err="1">
+              <a:rPr lang="de-DE" sz="2200" dirty="0" err="1">
                 <a:sym typeface="Wingdings" panose="05000000000000000000" pitchFamily="2" charset="2"/>
               </a:rPr>
               <a:t>data</a:t>
             </a:r>
             <a:r>
-              <a:rPr lang="de-DE" sz="2400" dirty="0">
+              <a:rPr lang="de-DE" sz="2200" dirty="0">
                 <a:sym typeface="Wingdings" panose="05000000000000000000" pitchFamily="2" charset="2"/>
               </a:rPr>
               <a:t> </a:t>
             </a:r>
             <a:r>
-              <a:rPr lang="de-DE" sz="2400" dirty="0" err="1">
+              <a:rPr lang="de-DE" sz="2200" dirty="0" err="1">
                 <a:sym typeface="Wingdings" panose="05000000000000000000" pitchFamily="2" charset="2"/>
               </a:rPr>
               <a:t>cleanup</a:t>
             </a:r>
-            <a:endParaRPr lang="de-DE" sz="2400" dirty="0"/>
+            <a:endParaRPr lang="de-DE" sz="2200" dirty="0"/>
           </a:p>
         </p:txBody>
       </p:sp>
@@ -35019,52 +34881,6 @@
           </a:prstGeom>
         </p:spPr>
       </p:pic>
-      <p:sp>
-        <p:nvSpPr>
-          <p:cNvPr id="20" name="Ellipse 19"/>
-          <p:cNvSpPr/>
-          <p:nvPr/>
-        </p:nvSpPr>
-        <p:spPr>
-          <a:xfrm>
-            <a:off x="10908843" y="74279"/>
-            <a:ext cx="1141960" cy="1097783"/>
-          </a:xfrm>
-          <a:prstGeom prst="ellipse">
-            <a:avLst/>
-          </a:prstGeom>
-          <a:noFill/>
-          <a:ln>
-            <a:solidFill>
-              <a:schemeClr val="tx1"/>
-            </a:solidFill>
-          </a:ln>
-        </p:spPr>
-        <p:style>
-          <a:lnRef idx="2">
-            <a:schemeClr val="accent1">
-              <a:shade val="50000"/>
-            </a:schemeClr>
-          </a:lnRef>
-          <a:fillRef idx="1">
-            <a:schemeClr val="accent1"/>
-          </a:fillRef>
-          <a:effectRef idx="0">
-            <a:schemeClr val="accent1"/>
-          </a:effectRef>
-          <a:fontRef idx="minor">
-            <a:schemeClr val="lt1"/>
-          </a:fontRef>
-        </p:style>
-        <p:txBody>
-          <a:bodyPr rtlCol="0" anchor="ctr"/>
-          <a:lstStyle/>
-          <a:p>
-            <a:pPr algn="ctr"/>
-            <a:endParaRPr lang="de-DE"/>
-          </a:p>
-        </p:txBody>
-      </p:sp>
       <p:sp>
         <p:nvSpPr>
           <p:cNvPr id="7" name="Textfeld 6"/>
@@ -35599,52 +35415,6 @@
           </a:prstGeom>
         </p:spPr>
       </p:pic>
-      <p:sp>
-        <p:nvSpPr>
-          <p:cNvPr id="7" name="Ellipse 6"/>
-          <p:cNvSpPr/>
-          <p:nvPr/>
-        </p:nvSpPr>
-        <p:spPr>
-          <a:xfrm>
-            <a:off x="10908843" y="74279"/>
-            <a:ext cx="1141960" cy="1097783"/>
-          </a:xfrm>
-          <a:prstGeom prst="ellipse">
-            <a:avLst/>
-          </a:prstGeom>
-          <a:noFill/>
-          <a:ln>
-            <a:solidFill>
-              <a:schemeClr val="tx1"/>
-            </a:solidFill>
-          </a:ln>
-        </p:spPr>
-        <p:style>
-          <a:lnRef idx="2">
-            <a:schemeClr val="accent1">
-              <a:shade val="50000"/>
-            </a:schemeClr>
-          </a:lnRef>
-          <a:fillRef idx="1">
-            <a:schemeClr val="accent1"/>
-          </a:fillRef>
-          <a:effectRef idx="0">
-            <a:schemeClr val="accent1"/>
-          </a:effectRef>
-          <a:fontRef idx="minor">
-            <a:schemeClr val="lt1"/>
-          </a:fontRef>
-        </p:style>
-        <p:txBody>
-          <a:bodyPr rtlCol="0" anchor="ctr"/>
-          <a:lstStyle/>
-          <a:p>
-            <a:pPr algn="ctr"/>
-            <a:endParaRPr lang="de-DE"/>
-          </a:p>
-        </p:txBody>
-      </p:sp>
       <p:sp>
         <p:nvSpPr>
           <p:cNvPr id="3" name="Textfeld 2"/>
@@ -36654,52 +36424,6 @@
           </a:p>
         </p:txBody>
       </p:sp>
-      <p:sp>
-        <p:nvSpPr>
-          <p:cNvPr id="4" name="Ellipse 3"/>
-          <p:cNvSpPr/>
-          <p:nvPr/>
-        </p:nvSpPr>
-        <p:spPr>
-          <a:xfrm>
-            <a:off x="10908843" y="74279"/>
-            <a:ext cx="1141960" cy="1097783"/>
-          </a:xfrm>
-          <a:prstGeom prst="ellipse">
-            <a:avLst/>
-          </a:prstGeom>
-          <a:noFill/>
-          <a:ln>
-            <a:solidFill>
-              <a:schemeClr val="tx1"/>
-            </a:solidFill>
-          </a:ln>
-        </p:spPr>
-        <p:style>
-          <a:lnRef idx="2">
-            <a:schemeClr val="accent1">
-              <a:shade val="50000"/>
-            </a:schemeClr>
-          </a:lnRef>
-          <a:fillRef idx="1">
-            <a:schemeClr val="accent1"/>
-          </a:fillRef>
-          <a:effectRef idx="0">
-            <a:schemeClr val="accent1"/>
-          </a:effectRef>
-          <a:fontRef idx="minor">
-            <a:schemeClr val="lt1"/>
-          </a:fontRef>
-        </p:style>
-        <p:txBody>
-          <a:bodyPr rtlCol="0" anchor="ctr"/>
-          <a:lstStyle/>
-          <a:p>
-            <a:pPr algn="ctr"/>
-            <a:endParaRPr lang="de-DE"/>
-          </a:p>
-        </p:txBody>
-      </p:sp>
       <p:pic>
         <p:nvPicPr>
           <p:cNvPr id="5" name="Grafik 4"/>
@@ -36813,8 +36537,8 @@
         </p:nvSpPr>
         <p:spPr>
           <a:xfrm>
-            <a:off x="420566" y="5224212"/>
-            <a:ext cx="4266974" cy="769441"/>
+            <a:off x="420566" y="5107090"/>
+            <a:ext cx="4266974" cy="1323439"/>
           </a:xfrm>
           <a:prstGeom prst="rect">
             <a:avLst/>
@@ -36828,72 +36552,65 @@
           <a:lstStyle/>
           <a:p>
             <a:r>
-              <a:rPr lang="de-DE" sz="2200" dirty="0"/>
+              <a:rPr lang="de-DE" sz="1600" dirty="0"/>
               <a:t>Protein </a:t>
             </a:r>
             <a:r>
-              <a:rPr lang="de-DE" sz="2200" dirty="0" err="1"/>
+              <a:rPr lang="de-DE" sz="1600" dirty="0" err="1"/>
               <a:t>Amount</a:t>
             </a:r>
             <a:r>
-              <a:rPr lang="de-DE" sz="2200" dirty="0"/>
+              <a:rPr lang="de-DE" sz="1600" dirty="0"/>
               <a:t> in Rep1, Rep2, Rep3 </a:t>
             </a:r>
             <a:r>
-              <a:rPr lang="de-DE" sz="2200" dirty="0" err="1"/>
+              <a:rPr lang="de-DE" sz="1600" dirty="0" err="1"/>
               <a:t>before</a:t>
             </a:r>
             <a:r>
-              <a:rPr lang="de-DE" sz="2200" dirty="0"/>
-              <a:t> </a:t>
-            </a:r>
-            <a:r>
-              <a:rPr lang="de-DE" sz="2200" dirty="0" err="1"/>
+              <a:rPr lang="de-DE" sz="1600" dirty="0"/>
+              <a:t> </a:t>
+            </a:r>
+            <a:r>
+              <a:rPr lang="de-DE" sz="1600" dirty="0" err="1" smtClean="0"/>
               <a:t>normalization</a:t>
             </a:r>
-            <a:endParaRPr lang="de-DE" sz="2200" dirty="0"/>
-          </a:p>
-        </p:txBody>
-      </p:sp>
-      <p:sp>
-        <p:nvSpPr>
-          <p:cNvPr id="15" name="Textfeld 14"/>
-          <p:cNvSpPr txBox="1"/>
-          <p:nvPr/>
-        </p:nvSpPr>
-        <p:spPr>
-          <a:xfrm>
-            <a:off x="7320002" y="5224212"/>
-            <a:ext cx="4266974" cy="769441"/>
-          </a:xfrm>
-          <a:prstGeom prst="rect">
-            <a:avLst/>
-          </a:prstGeom>
-          <a:noFill/>
-        </p:spPr>
-        <p:txBody>
-          <a:bodyPr wrap="square" rtlCol="0">
-            <a:spAutoFit/>
-          </a:bodyPr>
-          <a:lstStyle/>
-          <a:p>
-            <a:r>
-              <a:rPr lang="de-DE" sz="2200" dirty="0"/>
-              <a:t>Protein </a:t>
-            </a:r>
-            <a:r>
-              <a:rPr lang="de-DE" sz="2200" dirty="0" err="1"/>
-              <a:t>Amount</a:t>
-            </a:r>
-            <a:r>
-              <a:rPr lang="de-DE" sz="2200" dirty="0"/>
-              <a:t> in Rep1, Rep2, Rep3 after </a:t>
-            </a:r>
-            <a:r>
-              <a:rPr lang="de-DE" sz="2200" dirty="0" err="1"/>
-              <a:t>normalization</a:t>
-            </a:r>
-            <a:endParaRPr lang="de-DE" sz="2200" dirty="0"/>
+            <a:endParaRPr lang="de-DE" sz="1600" dirty="0" smtClean="0"/>
+          </a:p>
+          <a:p>
+            <a:r>
+              <a:rPr lang="de-DE" sz="1600" dirty="0" smtClean="0">
+                <a:solidFill>
+                  <a:srgbClr val="FF0000"/>
+                </a:solidFill>
+              </a:rPr>
+              <a:t>Rep1</a:t>
+            </a:r>
+          </a:p>
+          <a:p>
+            <a:r>
+              <a:rPr lang="de-DE" sz="1600" dirty="0" smtClean="0">
+                <a:solidFill>
+                  <a:srgbClr val="0070C0"/>
+                </a:solidFill>
+              </a:rPr>
+              <a:t>Rep2</a:t>
+            </a:r>
+          </a:p>
+          <a:p>
+            <a:r>
+              <a:rPr lang="de-DE" sz="1600" dirty="0" smtClean="0">
+                <a:solidFill>
+                  <a:srgbClr val="71C65A"/>
+                </a:solidFill>
+              </a:rPr>
+              <a:t>Rep3</a:t>
+            </a:r>
+            <a:endParaRPr lang="de-DE" sz="1600" dirty="0">
+              <a:solidFill>
+                <a:srgbClr val="71C65A"/>
+              </a:solidFill>
+            </a:endParaRPr>
           </a:p>
         </p:txBody>
       </p:sp>
@@ -36983,6 +36700,87 @@
           </a:fontRef>
         </p:style>
       </p:cxnSp>
+      <p:sp>
+        <p:nvSpPr>
+          <p:cNvPr id="17" name="Textfeld 16"/>
+          <p:cNvSpPr txBox="1"/>
+          <p:nvPr/>
+        </p:nvSpPr>
+        <p:spPr>
+          <a:xfrm>
+            <a:off x="7465379" y="5067094"/>
+            <a:ext cx="4266974" cy="1323439"/>
+          </a:xfrm>
+          <a:prstGeom prst="rect">
+            <a:avLst/>
+          </a:prstGeom>
+          <a:noFill/>
+        </p:spPr>
+        <p:txBody>
+          <a:bodyPr wrap="square" rtlCol="0">
+            <a:spAutoFit/>
+          </a:bodyPr>
+          <a:lstStyle/>
+          <a:p>
+            <a:r>
+              <a:rPr lang="de-DE" sz="1600" dirty="0"/>
+              <a:t>Protein </a:t>
+            </a:r>
+            <a:r>
+              <a:rPr lang="de-DE" sz="1600" dirty="0" err="1"/>
+              <a:t>Amount</a:t>
+            </a:r>
+            <a:r>
+              <a:rPr lang="de-DE" sz="1600" dirty="0"/>
+              <a:t> in Rep1, Rep2, Rep3 </a:t>
+            </a:r>
+            <a:r>
+              <a:rPr lang="de-DE" sz="1600" dirty="0" smtClean="0"/>
+              <a:t>after </a:t>
+            </a:r>
+            <a:r>
+              <a:rPr lang="de-DE" sz="1600" dirty="0" err="1" smtClean="0"/>
+              <a:t>normalization</a:t>
+            </a:r>
+            <a:endParaRPr lang="de-DE" sz="1600" dirty="0" smtClean="0"/>
+          </a:p>
+          <a:p>
+            <a:r>
+              <a:rPr lang="de-DE" sz="1600" dirty="0" smtClean="0">
+                <a:solidFill>
+                  <a:srgbClr val="FF0000"/>
+                </a:solidFill>
+              </a:rPr>
+              <a:t>Rep1</a:t>
+            </a:r>
+          </a:p>
+          <a:p>
+            <a:r>
+              <a:rPr lang="de-DE" sz="1600" dirty="0" smtClean="0">
+                <a:solidFill>
+                  <a:srgbClr val="0070C0"/>
+                </a:solidFill>
+              </a:rPr>
+              <a:t>Rep2</a:t>
+            </a:r>
+          </a:p>
+          <a:p>
+            <a:r>
+              <a:rPr lang="de-DE" sz="1600" dirty="0" smtClean="0">
+                <a:solidFill>
+                  <a:srgbClr val="71C65A"/>
+                </a:solidFill>
+              </a:rPr>
+              <a:t>Rep3</a:t>
+            </a:r>
+            <a:endParaRPr lang="de-DE" sz="1600" dirty="0">
+              <a:solidFill>
+                <a:srgbClr val="71C65A"/>
+              </a:solidFill>
+            </a:endParaRPr>
+          </a:p>
+        </p:txBody>
+      </p:sp>
     </p:spTree>
     <p:extLst>
       <p:ext uri="{BB962C8B-B14F-4D97-AF65-F5344CB8AC3E}">
@@ -37358,7 +37156,7 @@
                                           </p:stCondLst>
                                         </p:cTn>
                                         <p:tgtEl>
-                                          <p:spTgt spid="15"/>
+                                          <p:spTgt spid="17"/>
                                         </p:tgtEl>
                                         <p:attrNameLst>
                                           <p:attrName>style.visibility</p:attrName>
@@ -37402,8 +37200,8 @@
       <p:bldP spid="3" grpId="0" animBg="1"/>
       <p:bldP spid="11" grpId="0"/>
       <p:bldP spid="14" grpId="0"/>
-      <p:bldP spid="15" grpId="0"/>
       <p:bldP spid="16" grpId="0"/>
+      <p:bldP spid="17" grpId="0"/>
     </p:bldLst>
   </p:timing>
 </p:sld>
@@ -37535,52 +37333,6 @@
       </p:pic>
       <p:sp>
         <p:nvSpPr>
-          <p:cNvPr id="8" name="Ellipse 7"/>
-          <p:cNvSpPr/>
-          <p:nvPr/>
-        </p:nvSpPr>
-        <p:spPr>
-          <a:xfrm>
-            <a:off x="10908843" y="74279"/>
-            <a:ext cx="1141960" cy="1097783"/>
-          </a:xfrm>
-          <a:prstGeom prst="ellipse">
-            <a:avLst/>
-          </a:prstGeom>
-          <a:noFill/>
-          <a:ln>
-            <a:solidFill>
-              <a:schemeClr val="tx1"/>
-            </a:solidFill>
-          </a:ln>
-        </p:spPr>
-        <p:style>
-          <a:lnRef idx="2">
-            <a:schemeClr val="accent1">
-              <a:shade val="50000"/>
-            </a:schemeClr>
-          </a:lnRef>
-          <a:fillRef idx="1">
-            <a:schemeClr val="accent1"/>
-          </a:fillRef>
-          <a:effectRef idx="0">
-            <a:schemeClr val="accent1"/>
-          </a:effectRef>
-          <a:fontRef idx="minor">
-            <a:schemeClr val="lt1"/>
-          </a:fontRef>
-        </p:style>
-        <p:txBody>
-          <a:bodyPr rtlCol="0" anchor="ctr"/>
-          <a:lstStyle/>
-          <a:p>
-            <a:pPr algn="ctr"/>
-            <a:endParaRPr lang="de-DE"/>
-          </a:p>
-        </p:txBody>
-      </p:sp>
-      <p:sp>
-        <p:nvSpPr>
           <p:cNvPr id="3" name="Textfeld 2"/>
           <p:cNvSpPr txBox="1"/>
           <p:nvPr/>
@@ -37832,7 +37584,7 @@
         <p:spPr>
           <a:xfrm>
             <a:off x="418233" y="3479065"/>
-            <a:ext cx="7240250" cy="769441"/>
+            <a:ext cx="7240250" cy="1107996"/>
           </a:xfrm>
           <a:prstGeom prst="rect">
             <a:avLst/>
@@ -37852,15 +37604,15 @@
           </a:p>
           <a:p>
             <a:r>
-              <a:rPr lang="de-DE" sz="2200" dirty="0"/>
-              <a:t>1. </a:t>
-            </a:r>
-            <a:r>
-              <a:rPr lang="de-DE" sz="2200" dirty="0" err="1"/>
+              <a:rPr lang="de-DE" sz="2200" dirty="0" smtClean="0"/>
+              <a:t>	</a:t>
+            </a:r>
+            <a:r>
+              <a:rPr lang="de-DE" sz="2200" dirty="0" err="1" smtClean="0"/>
               <a:t>Comparing</a:t>
             </a:r>
             <a:r>
-              <a:rPr lang="de-DE" sz="2200" dirty="0"/>
+              <a:rPr lang="de-DE" sz="2200" dirty="0" smtClean="0"/>
               <a:t> </a:t>
             </a:r>
             <a:r>
@@ -37904,9 +37656,12 @@
               <a:t> </a:t>
             </a:r>
             <a:r>
-              <a:rPr lang="de-DE" sz="2200" dirty="0" err="1"/>
+              <a:rPr lang="de-DE" sz="2200" dirty="0" err="1" smtClean="0"/>
               <a:t>fraction</a:t>
             </a:r>
+            <a:endParaRPr lang="de-DE" sz="2200" dirty="0" smtClean="0"/>
+          </a:p>
+          <a:p>
             <a:endParaRPr lang="de-DE" sz="2200" dirty="0"/>
           </a:p>
         </p:txBody>

--- a/Final presentation outline & temporary draft.pptx
+++ b/Final presentation outline & temporary draft.pptx
@@ -5,7 +5,7 @@
     <p:sldMasterId id="2147483648" r:id="rId1"/>
   </p:sldMasterIdLst>
   <p:notesMasterIdLst>
-    <p:notesMasterId r:id="rId32"/>
+    <p:notesMasterId r:id="rId35"/>
   </p:notesMasterIdLst>
   <p:sldIdLst>
     <p:sldId id="259" r:id="rId2"/>
@@ -38,6 +38,9 @@
     <p:sldId id="323" r:id="rId29"/>
     <p:sldId id="324" r:id="rId30"/>
     <p:sldId id="326" r:id="rId31"/>
+    <p:sldId id="330" r:id="rId32"/>
+    <p:sldId id="331" r:id="rId33"/>
+    <p:sldId id="332" r:id="rId34"/>
   </p:sldIdLst>
   <p:sldSz cx="12192000" cy="6858000"/>
   <p:notesSz cx="6858000" cy="9144000"/>
@@ -175,6 +178,9 @@
             <p14:sldId id="323"/>
             <p14:sldId id="324"/>
             <p14:sldId id="326"/>
+            <p14:sldId id="330"/>
+            <p14:sldId id="331"/>
+            <p14:sldId id="332"/>
           </p14:sldIdLst>
         </p14:section>
       </p14:sectionLst>
@@ -8108,6 +8114,90 @@
 </p:notes>
 </file>
 
+<file path=ppt/notesSlides/notesSlide18.xml><?xml version="1.0" encoding="utf-8"?>
+<p:notes xmlns:a="http://schemas.openxmlformats.org/drawingml/2006/main" xmlns:r="http://schemas.openxmlformats.org/officeDocument/2006/relationships" xmlns:p="http://schemas.openxmlformats.org/presentationml/2006/main">
+  <p:cSld>
+    <p:spTree>
+      <p:nvGrpSpPr>
+        <p:cNvPr id="1" name=""/>
+        <p:cNvGrpSpPr/>
+        <p:nvPr/>
+      </p:nvGrpSpPr>
+      <p:grpSpPr>
+        <a:xfrm>
+          <a:off x="0" y="0"/>
+          <a:ext cx="0" cy="0"/>
+          <a:chOff x="0" y="0"/>
+          <a:chExt cx="0" cy="0"/>
+        </a:xfrm>
+      </p:grpSpPr>
+      <p:sp>
+        <p:nvSpPr>
+          <p:cNvPr id="2" name="Folienbildplatzhalter 1"/>
+          <p:cNvSpPr>
+            <a:spLocks noGrp="1" noRot="1" noChangeAspect="1"/>
+          </p:cNvSpPr>
+          <p:nvPr>
+            <p:ph type="sldImg"/>
+          </p:nvPr>
+        </p:nvSpPr>
+        <p:spPr/>
+      </p:sp>
+      <p:sp>
+        <p:nvSpPr>
+          <p:cNvPr id="3" name="Notizenplatzhalter 2"/>
+          <p:cNvSpPr>
+            <a:spLocks noGrp="1"/>
+          </p:cNvSpPr>
+          <p:nvPr>
+            <p:ph type="body" idx="1"/>
+          </p:nvPr>
+        </p:nvSpPr>
+        <p:spPr/>
+        <p:txBody>
+          <a:bodyPr/>
+          <a:lstStyle/>
+          <a:p>
+            <a:endParaRPr lang="en-GB" dirty="0"/>
+          </a:p>
+        </p:txBody>
+      </p:sp>
+      <p:sp>
+        <p:nvSpPr>
+          <p:cNvPr id="4" name="Foliennummernplatzhalter 3"/>
+          <p:cNvSpPr>
+            <a:spLocks noGrp="1"/>
+          </p:cNvSpPr>
+          <p:nvPr>
+            <p:ph type="sldNum" sz="quarter" idx="5"/>
+          </p:nvPr>
+        </p:nvSpPr>
+        <p:spPr/>
+        <p:txBody>
+          <a:bodyPr/>
+          <a:lstStyle/>
+          <a:p>
+            <a:fld id="{CAD725D7-3157-4FF7-8F2A-10244555D54B}" type="slidenum">
+              <a:rPr lang="en-GB" smtClean="0"/>
+              <a:t>31</a:t>
+            </a:fld>
+            <a:endParaRPr lang="en-GB"/>
+          </a:p>
+        </p:txBody>
+      </p:sp>
+    </p:spTree>
+    <p:extLst>
+      <p:ext uri="{BB962C8B-B14F-4D97-AF65-F5344CB8AC3E}">
+        <p14:creationId xmlns:p14="http://schemas.microsoft.com/office/powerpoint/2010/main" val="1439117585"/>
+      </p:ext>
+    </p:extLst>
+  </p:cSld>
+  <p:clrMapOvr>
+    <a:masterClrMapping/>
+  </p:clrMapOvr>
+</p:notes>
+</file>
+
 <file path=ppt/notesSlides/notesSlide2.xml><?xml version="1.0" encoding="utf-8"?>
 <p:notes xmlns:a="http://schemas.openxmlformats.org/drawingml/2006/main" xmlns:r="http://schemas.openxmlformats.org/officeDocument/2006/relationships" xmlns:p="http://schemas.openxmlformats.org/presentationml/2006/main">
   <p:cSld>
@@ -19358,8 +19448,8 @@
           </a:p>
         </p:txBody>
       </p:sp>
-      <mc:AlternateContent xmlns:mc="http://schemas.openxmlformats.org/markup-compatibility/2006">
-        <mc:Choice xmlns:p14="http://schemas.microsoft.com/office/powerpoint/2010/main" Requires="p14">
+      <mc:AlternateContent xmlns:mc="http://schemas.openxmlformats.org/markup-compatibility/2006" xmlns:p14="http://schemas.microsoft.com/office/powerpoint/2010/main">
+        <mc:Choice Requires="p14">
           <p:contentPart p14:bwMode="auto" r:id="rId3">
             <p14:nvContentPartPr>
               <p14:cNvPr id="5" name="Freihand 4">
@@ -19378,7 +19468,7 @@
             </p14:xfrm>
           </p:contentPart>
         </mc:Choice>
-        <mc:Fallback>
+        <mc:Fallback xmlns="">
           <p:pic>
             <p:nvPicPr>
               <p:cNvPr id="5" name="Freihand 4">
@@ -19409,8 +19499,8 @@
           </p:pic>
         </mc:Fallback>
       </mc:AlternateContent>
-      <mc:AlternateContent xmlns:mc="http://schemas.openxmlformats.org/markup-compatibility/2006">
-        <mc:Choice xmlns:p14="http://schemas.microsoft.com/office/powerpoint/2010/main" Requires="p14">
+      <mc:AlternateContent xmlns:mc="http://schemas.openxmlformats.org/markup-compatibility/2006" xmlns:p14="http://schemas.microsoft.com/office/powerpoint/2010/main">
+        <mc:Choice Requires="p14">
           <p:contentPart p14:bwMode="auto" r:id="rId5">
             <p14:nvContentPartPr>
               <p14:cNvPr id="13" name="Freihand 12">
@@ -19429,7 +19519,7 @@
             </p14:xfrm>
           </p:contentPart>
         </mc:Choice>
-        <mc:Fallback>
+        <mc:Fallback xmlns="">
           <p:pic>
             <p:nvPicPr>
               <p:cNvPr id="13" name="Freihand 12">
@@ -19480,8 +19570,8 @@
             <a:chExt cx="360" cy="360"/>
           </a:xfrm>
         </p:grpSpPr>
-        <mc:AlternateContent xmlns:mc="http://schemas.openxmlformats.org/markup-compatibility/2006">
-          <mc:Choice xmlns:p14="http://schemas.microsoft.com/office/powerpoint/2010/main" Requires="p14">
+        <mc:AlternateContent xmlns:mc="http://schemas.openxmlformats.org/markup-compatibility/2006" xmlns:p14="http://schemas.microsoft.com/office/powerpoint/2010/main">
+          <mc:Choice Requires="p14">
             <p:contentPart p14:bwMode="auto" r:id="rId6">
               <p14:nvContentPartPr>
                 <p14:cNvPr id="14" name="Freihand 13">
@@ -19500,7 +19590,7 @@
               </p14:xfrm>
             </p:contentPart>
           </mc:Choice>
-          <mc:Fallback>
+          <mc:Fallback xmlns="">
             <p:pic>
               <p:nvPicPr>
                 <p:cNvPr id="14" name="Freihand 13">
@@ -19531,8 +19621,8 @@
             </p:pic>
           </mc:Fallback>
         </mc:AlternateContent>
-        <mc:AlternateContent xmlns:mc="http://schemas.openxmlformats.org/markup-compatibility/2006">
-          <mc:Choice xmlns:p14="http://schemas.microsoft.com/office/powerpoint/2010/main" Requires="p14">
+        <mc:AlternateContent xmlns:mc="http://schemas.openxmlformats.org/markup-compatibility/2006" xmlns:p14="http://schemas.microsoft.com/office/powerpoint/2010/main">
+          <mc:Choice Requires="p14">
             <p:contentPart p14:bwMode="auto" r:id="rId7">
               <p14:nvContentPartPr>
                 <p14:cNvPr id="15" name="Freihand 14">
@@ -19551,7 +19641,7 @@
               </p14:xfrm>
             </p:contentPart>
           </mc:Choice>
-          <mc:Fallback>
+          <mc:Fallback xmlns="">
             <p:pic>
               <p:nvPicPr>
                 <p:cNvPr id="15" name="Freihand 14">
@@ -19583,8 +19673,8 @@
           </mc:Fallback>
         </mc:AlternateContent>
       </p:grpSp>
-      <mc:AlternateContent xmlns:mc="http://schemas.openxmlformats.org/markup-compatibility/2006">
-        <mc:Choice xmlns:p14="http://schemas.microsoft.com/office/powerpoint/2010/main" Requires="p14">
+      <mc:AlternateContent xmlns:mc="http://schemas.openxmlformats.org/markup-compatibility/2006" xmlns:p14="http://schemas.microsoft.com/office/powerpoint/2010/main">
+        <mc:Choice Requires="p14">
           <p:contentPart p14:bwMode="auto" r:id="rId8">
             <p14:nvContentPartPr>
               <p14:cNvPr id="17" name="Freihand 16">
@@ -19603,7 +19693,7 @@
             </p14:xfrm>
           </p:contentPart>
         </mc:Choice>
-        <mc:Fallback>
+        <mc:Fallback xmlns="">
           <p:pic>
             <p:nvPicPr>
               <p:cNvPr id="17" name="Freihand 16">
@@ -19634,8 +19724,8 @@
           </p:pic>
         </mc:Fallback>
       </mc:AlternateContent>
-      <mc:AlternateContent xmlns:mc="http://schemas.openxmlformats.org/markup-compatibility/2006">
-        <mc:Choice xmlns:p14="http://schemas.microsoft.com/office/powerpoint/2010/main" Requires="p14">
+      <mc:AlternateContent xmlns:mc="http://schemas.openxmlformats.org/markup-compatibility/2006" xmlns:p14="http://schemas.microsoft.com/office/powerpoint/2010/main">
+        <mc:Choice Requires="p14">
           <p:contentPart p14:bwMode="auto" r:id="rId9">
             <p14:nvContentPartPr>
               <p14:cNvPr id="18" name="Freihand 17">
@@ -19654,7 +19744,7 @@
             </p14:xfrm>
           </p:contentPart>
         </mc:Choice>
-        <mc:Fallback>
+        <mc:Fallback xmlns="">
           <p:pic>
             <p:nvPicPr>
               <p:cNvPr id="18" name="Freihand 17">
@@ -19685,8 +19775,8 @@
           </p:pic>
         </mc:Fallback>
       </mc:AlternateContent>
-      <mc:AlternateContent xmlns:mc="http://schemas.openxmlformats.org/markup-compatibility/2006">
-        <mc:Choice xmlns:p14="http://schemas.microsoft.com/office/powerpoint/2010/main" Requires="p14">
+      <mc:AlternateContent xmlns:mc="http://schemas.openxmlformats.org/markup-compatibility/2006" xmlns:p14="http://schemas.microsoft.com/office/powerpoint/2010/main">
+        <mc:Choice Requires="p14">
           <p:contentPart p14:bwMode="auto" r:id="rId10">
             <p14:nvContentPartPr>
               <p14:cNvPr id="19" name="Freihand 18">
@@ -19705,7 +19795,7 @@
             </p14:xfrm>
           </p:contentPart>
         </mc:Choice>
-        <mc:Fallback>
+        <mc:Fallback xmlns="">
           <p:pic>
             <p:nvPicPr>
               <p:cNvPr id="19" name="Freihand 18">
@@ -19756,8 +19846,8 @@
             <a:chExt cx="360" cy="360"/>
           </a:xfrm>
         </p:grpSpPr>
-        <mc:AlternateContent xmlns:mc="http://schemas.openxmlformats.org/markup-compatibility/2006">
-          <mc:Choice xmlns:p14="http://schemas.microsoft.com/office/powerpoint/2010/main" Requires="p14">
+        <mc:AlternateContent xmlns:mc="http://schemas.openxmlformats.org/markup-compatibility/2006" xmlns:p14="http://schemas.microsoft.com/office/powerpoint/2010/main">
+          <mc:Choice Requires="p14">
             <p:contentPart p14:bwMode="auto" r:id="rId11">
               <p14:nvContentPartPr>
                 <p14:cNvPr id="20" name="Freihand 19">
@@ -19776,7 +19866,7 @@
               </p14:xfrm>
             </p:contentPart>
           </mc:Choice>
-          <mc:Fallback>
+          <mc:Fallback xmlns="">
             <p:pic>
               <p:nvPicPr>
                 <p:cNvPr id="20" name="Freihand 19">
@@ -19807,8 +19897,8 @@
             </p:pic>
           </mc:Fallback>
         </mc:AlternateContent>
-        <mc:AlternateContent xmlns:mc="http://schemas.openxmlformats.org/markup-compatibility/2006">
-          <mc:Choice xmlns:p14="http://schemas.microsoft.com/office/powerpoint/2010/main" Requires="p14">
+        <mc:AlternateContent xmlns:mc="http://schemas.openxmlformats.org/markup-compatibility/2006" xmlns:p14="http://schemas.microsoft.com/office/powerpoint/2010/main">
+          <mc:Choice Requires="p14">
             <p:contentPart p14:bwMode="auto" r:id="rId12">
               <p14:nvContentPartPr>
                 <p14:cNvPr id="21" name="Freihand 20">
@@ -19827,7 +19917,7 @@
               </p14:xfrm>
             </p:contentPart>
           </mc:Choice>
-          <mc:Fallback>
+          <mc:Fallback xmlns="">
             <p:pic>
               <p:nvPicPr>
                 <p:cNvPr id="21" name="Freihand 20">
@@ -19859,8 +19949,8 @@
           </mc:Fallback>
         </mc:AlternateContent>
       </p:grpSp>
-      <mc:AlternateContent xmlns:mc="http://schemas.openxmlformats.org/markup-compatibility/2006">
-        <mc:Choice xmlns:p14="http://schemas.microsoft.com/office/powerpoint/2010/main" Requires="p14">
+      <mc:AlternateContent xmlns:mc="http://schemas.openxmlformats.org/markup-compatibility/2006" xmlns:p14="http://schemas.microsoft.com/office/powerpoint/2010/main">
+        <mc:Choice Requires="p14">
           <p:contentPart p14:bwMode="auto" r:id="rId13">
             <p14:nvContentPartPr>
               <p14:cNvPr id="23" name="Freihand 22">
@@ -19879,7 +19969,7 @@
             </p14:xfrm>
           </p:contentPart>
         </mc:Choice>
-        <mc:Fallback>
+        <mc:Fallback xmlns="">
           <p:pic>
             <p:nvPicPr>
               <p:cNvPr id="23" name="Freihand 22">
@@ -21640,8 +21730,8 @@
           </p:txBody>
         </p:sp>
       </p:grpSp>
-      <mc:AlternateContent xmlns:mc="http://schemas.openxmlformats.org/markup-compatibility/2006">
-        <mc:Choice xmlns:p14="http://schemas.microsoft.com/office/powerpoint/2010/main" Requires="p14">
+      <mc:AlternateContent xmlns:mc="http://schemas.openxmlformats.org/markup-compatibility/2006" xmlns:p14="http://schemas.microsoft.com/office/powerpoint/2010/main">
+        <mc:Choice Requires="p14">
           <p:contentPart p14:bwMode="auto" r:id="rId5">
             <p14:nvContentPartPr>
               <p14:cNvPr id="14" name="Freihand 13">
@@ -21660,7 +21750,7 @@
             </p14:xfrm>
           </p:contentPart>
         </mc:Choice>
-        <mc:Fallback>
+        <mc:Fallback xmlns="">
           <p:pic>
             <p:nvPicPr>
               <p:cNvPr id="14" name="Freihand 13">
@@ -21691,8 +21781,8 @@
           </p:pic>
         </mc:Fallback>
       </mc:AlternateContent>
-      <mc:AlternateContent xmlns:mc="http://schemas.openxmlformats.org/markup-compatibility/2006">
-        <mc:Choice xmlns:p14="http://schemas.microsoft.com/office/powerpoint/2010/main" Requires="p14">
+      <mc:AlternateContent xmlns:mc="http://schemas.openxmlformats.org/markup-compatibility/2006" xmlns:p14="http://schemas.microsoft.com/office/powerpoint/2010/main">
+        <mc:Choice Requires="p14">
           <p:contentPart p14:bwMode="auto" r:id="rId7">
             <p14:nvContentPartPr>
               <p14:cNvPr id="15" name="Freihand 14">
@@ -21711,7 +21801,7 @@
             </p14:xfrm>
           </p:contentPart>
         </mc:Choice>
-        <mc:Fallback>
+        <mc:Fallback xmlns="">
           <p:pic>
             <p:nvPicPr>
               <p:cNvPr id="15" name="Freihand 14">
@@ -33174,6 +33264,415 @@
       <p:bldP spid="15" grpId="0" animBg="1"/>
     </p:bldLst>
   </p:timing>
+</p:sld>
+</file>
+
+<file path=ppt/slides/slide31.xml><?xml version="1.0" encoding="utf-8"?>
+<p:sld xmlns:a="http://schemas.openxmlformats.org/drawingml/2006/main" xmlns:r="http://schemas.openxmlformats.org/officeDocument/2006/relationships" xmlns:p="http://schemas.openxmlformats.org/presentationml/2006/main">
+  <p:cSld>
+    <p:spTree>
+      <p:nvGrpSpPr>
+        <p:cNvPr id="1" name=""/>
+        <p:cNvGrpSpPr/>
+        <p:nvPr/>
+      </p:nvGrpSpPr>
+      <p:grpSpPr>
+        <a:xfrm>
+          <a:off x="0" y="0"/>
+          <a:ext cx="0" cy="0"/>
+          <a:chOff x="0" y="0"/>
+          <a:chExt cx="0" cy="0"/>
+        </a:xfrm>
+      </p:grpSpPr>
+      <p:sp>
+        <p:nvSpPr>
+          <p:cNvPr id="2" name="Titel 1">
+            <a:extLst>
+              <a:ext uri="{FF2B5EF4-FFF2-40B4-BE49-F238E27FC236}">
+                <a16:creationId xmlns:a16="http://schemas.microsoft.com/office/drawing/2014/main" id="{0EC4717D-04FA-1CCD-C74F-66D6759C0E0C}"/>
+              </a:ext>
+            </a:extLst>
+          </p:cNvPr>
+          <p:cNvSpPr>
+            <a:spLocks noGrp="1"/>
+          </p:cNvSpPr>
+          <p:nvPr>
+            <p:ph type="title"/>
+          </p:nvPr>
+        </p:nvSpPr>
+        <p:spPr>
+          <a:xfrm>
+            <a:off x="838200" y="136525"/>
+            <a:ext cx="10515600" cy="1325563"/>
+          </a:xfrm>
+        </p:spPr>
+        <p:txBody>
+          <a:bodyPr/>
+          <a:lstStyle/>
+          <a:p>
+            <a:pPr algn="ctr"/>
+            <a:r>
+              <a:rPr lang="en-GB" dirty="0"/>
+              <a:t>k-means with additional variable</a:t>
+            </a:r>
+          </a:p>
+        </p:txBody>
+      </p:sp>
+      <p:sp>
+        <p:nvSpPr>
+          <p:cNvPr id="3" name="Inhaltsplatzhalter 2">
+            <a:extLst>
+              <a:ext uri="{FF2B5EF4-FFF2-40B4-BE49-F238E27FC236}">
+                <a16:creationId xmlns:a16="http://schemas.microsoft.com/office/drawing/2014/main" id="{614B6682-F16D-BFDA-4A36-2F50782D7A01}"/>
+              </a:ext>
+            </a:extLst>
+          </p:cNvPr>
+          <p:cNvSpPr>
+            <a:spLocks noGrp="1"/>
+          </p:cNvSpPr>
+          <p:nvPr>
+            <p:ph idx="1"/>
+          </p:nvPr>
+        </p:nvSpPr>
+        <p:spPr>
+          <a:xfrm>
+            <a:off x="917713" y="1253331"/>
+            <a:ext cx="10515600" cy="4351338"/>
+          </a:xfrm>
+        </p:spPr>
+        <p:txBody>
+          <a:bodyPr/>
+          <a:lstStyle/>
+          <a:p>
+            <a:r>
+              <a:rPr lang="en-GB" dirty="0"/>
+              <a:t>add the number of shifts in interphase and mitosis</a:t>
+            </a:r>
+          </a:p>
+          <a:p>
+            <a:r>
+              <a:rPr lang="en-GB" dirty="0"/>
+              <a:t>contributes to cluster structure, but does not improve </a:t>
+            </a:r>
+            <a:r>
+              <a:rPr lang="en-GB" dirty="0" err="1"/>
+              <a:t>wss</a:t>
+            </a:r>
+            <a:endParaRPr lang="en-GB" dirty="0"/>
+          </a:p>
+        </p:txBody>
+      </p:sp>
+      <p:sp>
+        <p:nvSpPr>
+          <p:cNvPr id="4" name="Foliennummernplatzhalter 3">
+            <a:extLst>
+              <a:ext uri="{FF2B5EF4-FFF2-40B4-BE49-F238E27FC236}">
+                <a16:creationId xmlns:a16="http://schemas.microsoft.com/office/drawing/2014/main" id="{CA317332-43E8-CC6C-A890-25E42E75710C}"/>
+              </a:ext>
+            </a:extLst>
+          </p:cNvPr>
+          <p:cNvSpPr>
+            <a:spLocks noGrp="1"/>
+          </p:cNvSpPr>
+          <p:nvPr>
+            <p:ph type="sldNum" sz="quarter" idx="12"/>
+          </p:nvPr>
+        </p:nvSpPr>
+        <p:spPr/>
+        <p:txBody>
+          <a:bodyPr/>
+          <a:lstStyle/>
+          <a:p>
+            <a:fld id="{B054D835-26B3-49F1-AA08-AA3DD4F10E75}" type="slidenum">
+              <a:rPr lang="de-DE" smtClean="0"/>
+              <a:t>31</a:t>
+            </a:fld>
+            <a:endParaRPr lang="de-DE" dirty="0"/>
+          </a:p>
+        </p:txBody>
+      </p:sp>
+      <p:pic>
+        <p:nvPicPr>
+          <p:cNvPr id="6" name="Grafik 5" descr="Ein Bild, das Karte enthält.&#10;&#10;Automatisch generierte Beschreibung">
+            <a:extLst>
+              <a:ext uri="{FF2B5EF4-FFF2-40B4-BE49-F238E27FC236}">
+                <a16:creationId xmlns:a16="http://schemas.microsoft.com/office/drawing/2014/main" id="{6799803A-45C5-1DF9-BAD4-B5CD8323344B}"/>
+              </a:ext>
+            </a:extLst>
+          </p:cNvPr>
+          <p:cNvPicPr>
+            <a:picLocks noChangeAspect="1"/>
+          </p:cNvPicPr>
+          <p:nvPr/>
+        </p:nvPicPr>
+        <p:blipFill>
+          <a:blip r:embed="rId3">
+            <a:extLst>
+              <a:ext uri="{28A0092B-C50C-407E-A947-70E740481C1C}">
+                <a14:useLocalDpi xmlns:a14="http://schemas.microsoft.com/office/drawing/2010/main" val="0"/>
+              </a:ext>
+            </a:extLst>
+          </a:blip>
+          <a:stretch>
+            <a:fillRect/>
+          </a:stretch>
+        </p:blipFill>
+        <p:spPr>
+          <a:xfrm>
+            <a:off x="2915478" y="2373100"/>
+            <a:ext cx="6520069" cy="3983250"/>
+          </a:xfrm>
+          <a:prstGeom prst="rect">
+            <a:avLst/>
+          </a:prstGeom>
+        </p:spPr>
+      </p:pic>
+    </p:spTree>
+    <p:extLst>
+      <p:ext uri="{BB962C8B-B14F-4D97-AF65-F5344CB8AC3E}">
+        <p14:creationId xmlns:p14="http://schemas.microsoft.com/office/powerpoint/2010/main" val="3937156013"/>
+      </p:ext>
+    </p:extLst>
+  </p:cSld>
+  <p:clrMapOvr>
+    <a:masterClrMapping/>
+  </p:clrMapOvr>
+</p:sld>
+</file>
+
+<file path=ppt/slides/slide32.xml><?xml version="1.0" encoding="utf-8"?>
+<p:sld xmlns:a="http://schemas.openxmlformats.org/drawingml/2006/main" xmlns:r="http://schemas.openxmlformats.org/officeDocument/2006/relationships" xmlns:p="http://schemas.openxmlformats.org/presentationml/2006/main">
+  <p:cSld>
+    <p:spTree>
+      <p:nvGrpSpPr>
+        <p:cNvPr id="1" name=""/>
+        <p:cNvGrpSpPr/>
+        <p:nvPr/>
+      </p:nvGrpSpPr>
+      <p:grpSpPr>
+        <a:xfrm>
+          <a:off x="0" y="0"/>
+          <a:ext cx="0" cy="0"/>
+          <a:chOff x="0" y="0"/>
+          <a:chExt cx="0" cy="0"/>
+        </a:xfrm>
+      </p:grpSpPr>
+      <p:sp>
+        <p:nvSpPr>
+          <p:cNvPr id="2" name="Titel 1">
+            <a:extLst>
+              <a:ext uri="{FF2B5EF4-FFF2-40B4-BE49-F238E27FC236}">
+                <a16:creationId xmlns:a16="http://schemas.microsoft.com/office/drawing/2014/main" id="{17F92252-4473-AC11-BDB5-AB784A021A83}"/>
+              </a:ext>
+            </a:extLst>
+          </p:cNvPr>
+          <p:cNvSpPr>
+            <a:spLocks noGrp="1"/>
+          </p:cNvSpPr>
+          <p:nvPr>
+            <p:ph type="title"/>
+          </p:nvPr>
+        </p:nvSpPr>
+        <p:spPr/>
+        <p:txBody>
+          <a:bodyPr/>
+          <a:lstStyle/>
+          <a:p>
+            <a:pPr algn="ctr"/>
+            <a:r>
+              <a:rPr lang="en-GB" dirty="0"/>
+              <a:t>Large shifts</a:t>
+            </a:r>
+          </a:p>
+        </p:txBody>
+      </p:sp>
+      <p:sp>
+        <p:nvSpPr>
+          <p:cNvPr id="4" name="Foliennummernplatzhalter 3">
+            <a:extLst>
+              <a:ext uri="{FF2B5EF4-FFF2-40B4-BE49-F238E27FC236}">
+                <a16:creationId xmlns:a16="http://schemas.microsoft.com/office/drawing/2014/main" id="{228F5A10-ED21-D5F7-7E3C-554359C3CC16}"/>
+              </a:ext>
+            </a:extLst>
+          </p:cNvPr>
+          <p:cNvSpPr>
+            <a:spLocks noGrp="1"/>
+          </p:cNvSpPr>
+          <p:nvPr>
+            <p:ph type="sldNum" sz="quarter" idx="12"/>
+          </p:nvPr>
+        </p:nvSpPr>
+        <p:spPr/>
+        <p:txBody>
+          <a:bodyPr/>
+          <a:lstStyle/>
+          <a:p>
+            <a:fld id="{B054D835-26B3-49F1-AA08-AA3DD4F10E75}" type="slidenum">
+              <a:rPr lang="de-DE" smtClean="0"/>
+              <a:t>32</a:t>
+            </a:fld>
+            <a:endParaRPr lang="de-DE" dirty="0"/>
+          </a:p>
+        </p:txBody>
+      </p:sp>
+      <p:pic>
+        <p:nvPicPr>
+          <p:cNvPr id="6" name="Grafik 5">
+            <a:extLst>
+              <a:ext uri="{FF2B5EF4-FFF2-40B4-BE49-F238E27FC236}">
+                <a16:creationId xmlns:a16="http://schemas.microsoft.com/office/drawing/2014/main" id="{7F9A304B-A39D-FBF1-277A-8CEE61AC5181}"/>
+              </a:ext>
+            </a:extLst>
+          </p:cNvPr>
+          <p:cNvPicPr>
+            <a:picLocks noChangeAspect="1"/>
+          </p:cNvPicPr>
+          <p:nvPr/>
+        </p:nvPicPr>
+        <p:blipFill>
+          <a:blip r:embed="rId2"/>
+          <a:stretch>
+            <a:fillRect/>
+          </a:stretch>
+        </p:blipFill>
+        <p:spPr>
+          <a:xfrm>
+            <a:off x="1984653" y="1646238"/>
+            <a:ext cx="8222693" cy="4107536"/>
+          </a:xfrm>
+          <a:prstGeom prst="rect">
+            <a:avLst/>
+          </a:prstGeom>
+        </p:spPr>
+      </p:pic>
+    </p:spTree>
+    <p:extLst>
+      <p:ext uri="{BB962C8B-B14F-4D97-AF65-F5344CB8AC3E}">
+        <p14:creationId xmlns:p14="http://schemas.microsoft.com/office/powerpoint/2010/main" val="3905006077"/>
+      </p:ext>
+    </p:extLst>
+  </p:cSld>
+  <p:clrMapOvr>
+    <a:masterClrMapping/>
+  </p:clrMapOvr>
+</p:sld>
+</file>
+
+<file path=ppt/slides/slide33.xml><?xml version="1.0" encoding="utf-8"?>
+<p:sld xmlns:a="http://schemas.openxmlformats.org/drawingml/2006/main" xmlns:r="http://schemas.openxmlformats.org/officeDocument/2006/relationships" xmlns:p="http://schemas.openxmlformats.org/presentationml/2006/main">
+  <p:cSld>
+    <p:spTree>
+      <p:nvGrpSpPr>
+        <p:cNvPr id="1" name=""/>
+        <p:cNvGrpSpPr/>
+        <p:nvPr/>
+      </p:nvGrpSpPr>
+      <p:grpSpPr>
+        <a:xfrm>
+          <a:off x="0" y="0"/>
+          <a:ext cx="0" cy="0"/>
+          <a:chOff x="0" y="0"/>
+          <a:chExt cx="0" cy="0"/>
+        </a:xfrm>
+      </p:grpSpPr>
+      <p:sp>
+        <p:nvSpPr>
+          <p:cNvPr id="2" name="Titel 1">
+            <a:extLst>
+              <a:ext uri="{FF2B5EF4-FFF2-40B4-BE49-F238E27FC236}">
+                <a16:creationId xmlns:a16="http://schemas.microsoft.com/office/drawing/2014/main" id="{88C53F99-5815-EDF9-7BB5-1EA9F344B842}"/>
+              </a:ext>
+            </a:extLst>
+          </p:cNvPr>
+          <p:cNvSpPr>
+            <a:spLocks noGrp="1"/>
+          </p:cNvSpPr>
+          <p:nvPr>
+            <p:ph type="title"/>
+          </p:nvPr>
+        </p:nvSpPr>
+        <p:spPr/>
+        <p:txBody>
+          <a:bodyPr/>
+          <a:lstStyle/>
+          <a:p>
+            <a:pPr algn="ctr"/>
+            <a:r>
+              <a:rPr lang="en-GB" dirty="0"/>
+              <a:t>Only local maximum shift</a:t>
+            </a:r>
+          </a:p>
+        </p:txBody>
+      </p:sp>
+      <p:sp>
+        <p:nvSpPr>
+          <p:cNvPr id="4" name="Foliennummernplatzhalter 3">
+            <a:extLst>
+              <a:ext uri="{FF2B5EF4-FFF2-40B4-BE49-F238E27FC236}">
+                <a16:creationId xmlns:a16="http://schemas.microsoft.com/office/drawing/2014/main" id="{9DC9A9BC-9A1B-61DB-1739-BC831245A5EF}"/>
+              </a:ext>
+            </a:extLst>
+          </p:cNvPr>
+          <p:cNvSpPr>
+            <a:spLocks noGrp="1"/>
+          </p:cNvSpPr>
+          <p:nvPr>
+            <p:ph type="sldNum" sz="quarter" idx="12"/>
+          </p:nvPr>
+        </p:nvSpPr>
+        <p:spPr/>
+        <p:txBody>
+          <a:bodyPr/>
+          <a:lstStyle/>
+          <a:p>
+            <a:fld id="{B054D835-26B3-49F1-AA08-AA3DD4F10E75}" type="slidenum">
+              <a:rPr lang="de-DE" smtClean="0"/>
+              <a:t>33</a:t>
+            </a:fld>
+            <a:endParaRPr lang="de-DE" dirty="0"/>
+          </a:p>
+        </p:txBody>
+      </p:sp>
+      <p:pic>
+        <p:nvPicPr>
+          <p:cNvPr id="6" name="Grafik 5">
+            <a:extLst>
+              <a:ext uri="{FF2B5EF4-FFF2-40B4-BE49-F238E27FC236}">
+                <a16:creationId xmlns:a16="http://schemas.microsoft.com/office/drawing/2014/main" id="{5C41DF96-8BBC-30A5-BC09-A7701CE6993C}"/>
+              </a:ext>
+            </a:extLst>
+          </p:cNvPr>
+          <p:cNvPicPr>
+            <a:picLocks noChangeAspect="1"/>
+          </p:cNvPicPr>
+          <p:nvPr/>
+        </p:nvPicPr>
+        <p:blipFill>
+          <a:blip r:embed="rId2"/>
+          <a:stretch>
+            <a:fillRect/>
+          </a:stretch>
+        </p:blipFill>
+        <p:spPr>
+          <a:xfrm>
+            <a:off x="1312099" y="1825625"/>
+            <a:ext cx="8375106" cy="4198984"/>
+          </a:xfrm>
+          <a:prstGeom prst="rect">
+            <a:avLst/>
+          </a:prstGeom>
+        </p:spPr>
+      </p:pic>
+    </p:spTree>
+    <p:extLst>
+      <p:ext uri="{BB962C8B-B14F-4D97-AF65-F5344CB8AC3E}">
+        <p14:creationId xmlns:p14="http://schemas.microsoft.com/office/powerpoint/2010/main" val="497806484"/>
+      </p:ext>
+    </p:extLst>
+  </p:cSld>
+  <p:clrMapOvr>
+    <a:masterClrMapping/>
+  </p:clrMapOvr>
 </p:sld>
 </file>
 

--- a/Final presentation outline & temporary draft.pptx
+++ b/Final presentation outline & temporary draft.pptx
@@ -17,12 +17,12 @@
     <p:sldId id="298" r:id="rId8"/>
     <p:sldId id="314" r:id="rId9"/>
     <p:sldId id="297" r:id="rId10"/>
-    <p:sldId id="299" r:id="rId11"/>
-    <p:sldId id="301" r:id="rId12"/>
+    <p:sldId id="333" r:id="rId11"/>
+    <p:sldId id="334" r:id="rId12"/>
     <p:sldId id="304" r:id="rId13"/>
-    <p:sldId id="303" r:id="rId14"/>
-    <p:sldId id="306" r:id="rId15"/>
-    <p:sldId id="316" r:id="rId16"/>
+    <p:sldId id="335" r:id="rId14"/>
+    <p:sldId id="336" r:id="rId15"/>
+    <p:sldId id="337" r:id="rId16"/>
     <p:sldId id="328" r:id="rId17"/>
     <p:sldId id="329" r:id="rId18"/>
     <p:sldId id="317" r:id="rId19"/>
@@ -153,12 +153,12 @@
             <p14:sldId id="298"/>
             <p14:sldId id="314"/>
             <p14:sldId id="297"/>
-            <p14:sldId id="299"/>
-            <p14:sldId id="301"/>
+            <p14:sldId id="333"/>
+            <p14:sldId id="334"/>
             <p14:sldId id="304"/>
-            <p14:sldId id="303"/>
-            <p14:sldId id="306"/>
-            <p14:sldId id="316"/>
+            <p14:sldId id="335"/>
+            <p14:sldId id="336"/>
+            <p14:sldId id="337"/>
             <p14:sldId id="328"/>
             <p14:sldId id="329"/>
             <p14:sldId id="317"/>
@@ -14114,7 +14114,7 @@
         </p:nvSpPr>
         <p:spPr>
           <a:xfrm>
-            <a:off x="2758190" y="1004341"/>
+            <a:off x="3047439" y="1690688"/>
             <a:ext cx="5411449" cy="430887"/>
           </a:xfrm>
           <a:prstGeom prst="rect">
@@ -14146,6 +14146,22 @@
             </a:r>
             <a:r>
               <a:rPr lang="de-DE" sz="2200" dirty="0"/>
+              <a:t> in all </a:t>
+            </a:r>
+            <a:r>
+              <a:rPr lang="de-DE" sz="2200" dirty="0" err="1"/>
+              <a:t>three</a:t>
+            </a:r>
+            <a:r>
+              <a:rPr lang="de-DE" sz="2200" dirty="0"/>
+              <a:t> </a:t>
+            </a:r>
+            <a:r>
+              <a:rPr lang="de-DE" sz="2200" dirty="0" err="1"/>
+              <a:t>replicates</a:t>
+            </a:r>
+            <a:r>
+              <a:rPr lang="de-DE" sz="2200" dirty="0"/>
               <a:t> </a:t>
             </a:r>
             <a:r>
@@ -14167,7 +14183,7 @@
         </p:nvSpPr>
         <p:spPr>
           <a:xfrm>
-            <a:off x="838200" y="2630305"/>
+            <a:off x="3047439" y="3850376"/>
             <a:ext cx="6250898" cy="430887"/>
           </a:xfrm>
           <a:prstGeom prst="rect">
@@ -14284,7 +14300,7 @@
     </p:spTree>
     <p:extLst>
       <p:ext uri="{BB962C8B-B14F-4D97-AF65-F5344CB8AC3E}">
-        <p14:creationId xmlns:p14="http://schemas.microsoft.com/office/powerpoint/2010/main" val="2971395372"/>
+        <p14:creationId xmlns:p14="http://schemas.microsoft.com/office/powerpoint/2010/main" val="1343887314"/>
       </p:ext>
     </p:extLst>
   </p:cSld>
@@ -14794,8 +14810,8 @@
         </p:nvSpPr>
         <p:spPr>
           <a:xfrm>
-            <a:off x="3132638" y="4337968"/>
-            <a:ext cx="5570806" cy="738664"/>
+            <a:off x="4738208" y="4738915"/>
+            <a:ext cx="2418371" cy="523220"/>
           </a:xfrm>
           <a:prstGeom prst="rect">
             <a:avLst/>
@@ -14809,12 +14825,8 @@
           <a:lstStyle/>
           <a:p>
             <a:r>
-              <a:rPr lang="de-DE" sz="1400" dirty="0" err="1"/>
-              <a:t>Shifting</a:t>
-            </a:r>
-            <a:r>
               <a:rPr lang="de-DE" sz="1400" dirty="0"/>
-              <a:t> </a:t>
+              <a:t>Shifting </a:t>
             </a:r>
             <a:r>
               <a:rPr lang="de-DE" sz="1400" dirty="0" err="1"/>
@@ -14838,15 +14850,7 @@
             </a:r>
             <a:r>
               <a:rPr lang="de-DE" sz="1400" dirty="0"/>
-              <a:t> global </a:t>
-            </a:r>
-            <a:r>
-              <a:rPr lang="de-DE" sz="1400" dirty="0" err="1"/>
-              <a:t>and</a:t>
-            </a:r>
-            <a:r>
-              <a:rPr lang="de-DE" sz="1400" dirty="0"/>
-              <a:t> </a:t>
+              <a:t> global and </a:t>
             </a:r>
             <a:r>
               <a:rPr lang="de-DE" sz="1400" dirty="0" err="1"/>
@@ -14862,6 +14866,35 @@
             </a:r>
             <a:endParaRPr lang="de-DE" sz="1400" dirty="0"/>
           </a:p>
+        </p:txBody>
+      </p:sp>
+      <p:sp>
+        <p:nvSpPr>
+          <p:cNvPr id="16" name="Textfeld 15">
+            <a:extLst>
+              <a:ext uri="{FF2B5EF4-FFF2-40B4-BE49-F238E27FC236}">
+                <a16:creationId xmlns:a16="http://schemas.microsoft.com/office/drawing/2014/main" id="{D2A26308-C504-7BD4-419A-599A745D39BB}"/>
+              </a:ext>
+            </a:extLst>
+          </p:cNvPr>
+          <p:cNvSpPr txBox="1"/>
+          <p:nvPr/>
+        </p:nvSpPr>
+        <p:spPr>
+          <a:xfrm>
+            <a:off x="7229052" y="4772175"/>
+            <a:ext cx="1305824" cy="523220"/>
+          </a:xfrm>
+          <a:prstGeom prst="rect">
+            <a:avLst/>
+          </a:prstGeom>
+          <a:noFill/>
+        </p:spPr>
+        <p:txBody>
+          <a:bodyPr wrap="square">
+            <a:spAutoFit/>
+          </a:bodyPr>
+          <a:lstStyle/>
           <a:p>
             <a:r>
               <a:rPr lang="de-DE" sz="1400" dirty="0" err="1">
@@ -14879,25 +14912,20 @@
           </a:p>
           <a:p>
             <a:r>
-              <a:rPr lang="de-DE" sz="1400" dirty="0" err="1">
+              <a:rPr lang="de-DE" sz="1400" dirty="0">
                 <a:solidFill>
                   <a:srgbClr val="0070C0"/>
                 </a:solidFill>
               </a:rPr>
-              <a:t>control</a:t>
-            </a:r>
-            <a:endParaRPr lang="de-DE" sz="1400" dirty="0">
-              <a:solidFill>
-                <a:srgbClr val="0070C0"/>
-              </a:solidFill>
-            </a:endParaRPr>
+              <a:t>Control</a:t>
+            </a:r>
           </a:p>
         </p:txBody>
       </p:sp>
     </p:spTree>
     <p:extLst>
       <p:ext uri="{BB962C8B-B14F-4D97-AF65-F5344CB8AC3E}">
-        <p14:creationId xmlns:p14="http://schemas.microsoft.com/office/powerpoint/2010/main" val="3392981531"/>
+        <p14:creationId xmlns:p14="http://schemas.microsoft.com/office/powerpoint/2010/main" val="3783909090"/>
       </p:ext>
     </p:extLst>
   </p:cSld>
@@ -16468,8 +16496,8 @@
         </p:nvSpPr>
         <p:spPr>
           <a:xfrm>
-            <a:off x="2490246" y="987396"/>
-            <a:ext cx="8418597" cy="769441"/>
+            <a:off x="2982454" y="1628242"/>
+            <a:ext cx="7793625" cy="769441"/>
           </a:xfrm>
           <a:prstGeom prst="rect">
             <a:avLst/>
@@ -16492,15 +16520,7 @@
             </a:r>
             <a:r>
               <a:rPr lang="de-DE" sz="2200" dirty="0"/>
-              <a:t> </a:t>
-            </a:r>
-            <a:r>
-              <a:rPr lang="de-DE" sz="2200" dirty="0" err="1"/>
-              <a:t>control</a:t>
-            </a:r>
-            <a:r>
-              <a:rPr lang="de-DE" sz="2200" dirty="0"/>
-              <a:t> and </a:t>
+              <a:t> Control and </a:t>
             </a:r>
             <a:r>
               <a:rPr lang="de-DE" sz="2200" dirty="0" err="1"/>
@@ -16532,7 +16552,13 @@
             </a:r>
             <a:r>
               <a:rPr lang="de-DE" sz="2200" dirty="0"/>
-              <a:t> at least 2 </a:t>
+              <a:t> at least 2</a:t>
+            </a:r>
+          </a:p>
+          <a:p>
+            <a:r>
+              <a:rPr lang="de-DE" sz="2200" dirty="0"/>
+              <a:t>   </a:t>
             </a:r>
             <a:r>
               <a:rPr lang="de-DE" sz="2200" dirty="0" err="1"/>
@@ -16554,39 +16580,6 @@
               <a:rPr lang="de-DE" sz="2200" dirty="0" err="1"/>
               <a:t>direction</a:t>
             </a:r>
-            <a:endParaRPr lang="de-DE" sz="2200" dirty="0"/>
-          </a:p>
-        </p:txBody>
-      </p:sp>
-      <p:sp>
-        <p:nvSpPr>
-          <p:cNvPr id="3" name="Textfeld 2"/>
-          <p:cNvSpPr txBox="1"/>
-          <p:nvPr/>
-        </p:nvSpPr>
-        <p:spPr>
-          <a:xfrm>
-            <a:off x="717452" y="2616591"/>
-            <a:ext cx="8885939" cy="769441"/>
-          </a:xfrm>
-          <a:prstGeom prst="rect">
-            <a:avLst/>
-          </a:prstGeom>
-          <a:noFill/>
-        </p:spPr>
-        <p:txBody>
-          <a:bodyPr wrap="square" rtlCol="0">
-            <a:spAutoFit/>
-          </a:bodyPr>
-          <a:lstStyle/>
-          <a:p>
-            <a:r>
-              <a:rPr lang="de-DE" sz="2200" dirty="0" err="1"/>
-              <a:t>Results</a:t>
-            </a:r>
-            <a:endParaRPr lang="de-DE" sz="2200" dirty="0"/>
-          </a:p>
-          <a:p>
             <a:endParaRPr lang="de-DE" sz="2200" dirty="0"/>
           </a:p>
         </p:txBody>
@@ -16637,6 +16630,14 @@
               <a:rPr lang="de-DE" sz="3200" dirty="0" err="1"/>
               <a:t>Shifts</a:t>
             </a:r>
+            <a:r>
+              <a:rPr lang="de-DE" sz="3200" dirty="0"/>
+              <a:t>: </a:t>
+            </a:r>
+            <a:r>
+              <a:rPr lang="de-DE" sz="3200" dirty="0" err="1"/>
+              <a:t>Results</a:t>
+            </a:r>
             <a:endParaRPr lang="de-DE" sz="3200" b="1" dirty="0">
               <a:latin typeface="Calibri Light" panose="020F0302020204030204" pitchFamily="34" charset="0"/>
               <a:cs typeface="Calibri Light" panose="020F0302020204030204" pitchFamily="34" charset="0"/>
@@ -16644,10 +16645,280 @@
           </a:p>
         </p:txBody>
       </p:sp>
+      <p:graphicFrame>
+        <p:nvGraphicFramePr>
+          <p:cNvPr id="7" name="Tabelle 7">
+            <a:extLst>
+              <a:ext uri="{FF2B5EF4-FFF2-40B4-BE49-F238E27FC236}">
+                <a16:creationId xmlns:a16="http://schemas.microsoft.com/office/drawing/2014/main" id="{8046F0FF-A299-B8B6-56D7-162509003D48}"/>
+              </a:ext>
+            </a:extLst>
+          </p:cNvPr>
+          <p:cNvGraphicFramePr>
+            <a:graphicFrameLocks noGrp="1"/>
+          </p:cNvGraphicFramePr>
+          <p:nvPr/>
+        </p:nvGraphicFramePr>
+        <p:xfrm>
+          <a:off x="1415920" y="3149236"/>
+          <a:ext cx="9360159" cy="2330668"/>
+        </p:xfrm>
+        <a:graphic>
+          <a:graphicData uri="http://schemas.openxmlformats.org/drawingml/2006/table">
+            <a:tbl>
+              <a:tblPr firstRow="1" bandRow="1">
+                <a:tableStyleId>{073A0DAA-6AF3-43AB-8588-CEC1D06C72B9}</a:tableStyleId>
+              </a:tblPr>
+              <a:tblGrid>
+                <a:gridCol w="3120053">
+                  <a:extLst>
+                    <a:ext uri="{9D8B030D-6E8A-4147-A177-3AD203B41FA5}">
+                      <a16:colId xmlns:a16="http://schemas.microsoft.com/office/drawing/2014/main" val="2051196554"/>
+                    </a:ext>
+                  </a:extLst>
+                </a:gridCol>
+                <a:gridCol w="3120053">
+                  <a:extLst>
+                    <a:ext uri="{9D8B030D-6E8A-4147-A177-3AD203B41FA5}">
+                      <a16:colId xmlns:a16="http://schemas.microsoft.com/office/drawing/2014/main" val="4223783788"/>
+                    </a:ext>
+                  </a:extLst>
+                </a:gridCol>
+                <a:gridCol w="3120053">
+                  <a:extLst>
+                    <a:ext uri="{9D8B030D-6E8A-4147-A177-3AD203B41FA5}">
+                      <a16:colId xmlns:a16="http://schemas.microsoft.com/office/drawing/2014/main" val="353595237"/>
+                    </a:ext>
+                  </a:extLst>
+                </a:gridCol>
+              </a:tblGrid>
+              <a:tr h="493156">
+                <a:tc>
+                  <a:txBody>
+                    <a:bodyPr/>
+                    <a:lstStyle/>
+                    <a:p>
+                      <a:r>
+                        <a:rPr lang="de-DE" dirty="0"/>
+                        <a:t>Proteins</a:t>
+                      </a:r>
+                    </a:p>
+                  </a:txBody>
+                  <a:tcPr/>
+                </a:tc>
+                <a:tc>
+                  <a:txBody>
+                    <a:bodyPr/>
+                    <a:lstStyle/>
+                    <a:p>
+                      <a:r>
+                        <a:rPr lang="de-DE" dirty="0"/>
+                        <a:t>Interphase</a:t>
+                      </a:r>
+                    </a:p>
+                  </a:txBody>
+                  <a:tcPr/>
+                </a:tc>
+                <a:tc>
+                  <a:txBody>
+                    <a:bodyPr/>
+                    <a:lstStyle/>
+                    <a:p>
+                      <a:r>
+                        <a:rPr lang="de-DE" dirty="0" err="1"/>
+                        <a:t>Mitosis</a:t>
+                      </a:r>
+                      <a:endParaRPr lang="de-DE" dirty="0"/>
+                    </a:p>
+                  </a:txBody>
+                  <a:tcPr/>
+                </a:tc>
+                <a:extLst>
+                  <a:ext uri="{0D108BD9-81ED-4DB2-BD59-A6C34878D82A}">
+                    <a16:rowId xmlns:a16="http://schemas.microsoft.com/office/drawing/2014/main" val="2271078878"/>
+                  </a:ext>
+                </a:extLst>
+              </a:tr>
+              <a:tr h="493156">
+                <a:tc>
+                  <a:txBody>
+                    <a:bodyPr/>
+                    <a:lstStyle/>
+                    <a:p>
+                      <a:r>
+                        <a:rPr lang="de-DE" dirty="0"/>
+                        <a:t>Shift in global maximum</a:t>
+                      </a:r>
+                    </a:p>
+                  </a:txBody>
+                  <a:tcPr/>
+                </a:tc>
+                <a:tc>
+                  <a:txBody>
+                    <a:bodyPr/>
+                    <a:lstStyle/>
+                    <a:p>
+                      <a:r>
+                        <a:rPr lang="de-DE" dirty="0"/>
+                        <a:t>1118</a:t>
+                      </a:r>
+                    </a:p>
+                  </a:txBody>
+                  <a:tcPr/>
+                </a:tc>
+                <a:tc>
+                  <a:txBody>
+                    <a:bodyPr/>
+                    <a:lstStyle/>
+                    <a:p>
+                      <a:r>
+                        <a:rPr lang="de-DE" dirty="0"/>
+                        <a:t>1045</a:t>
+                      </a:r>
+                    </a:p>
+                  </a:txBody>
+                  <a:tcPr/>
+                </a:tc>
+                <a:extLst>
+                  <a:ext uri="{0D108BD9-81ED-4DB2-BD59-A6C34878D82A}">
+                    <a16:rowId xmlns:a16="http://schemas.microsoft.com/office/drawing/2014/main" val="850225123"/>
+                  </a:ext>
+                </a:extLst>
+              </a:tr>
+              <a:tr h="493156">
+                <a:tc>
+                  <a:txBody>
+                    <a:bodyPr/>
+                    <a:lstStyle/>
+                    <a:p>
+                      <a:r>
+                        <a:rPr lang="de-DE" dirty="0"/>
+                        <a:t>Shift in </a:t>
+                      </a:r>
+                      <a:r>
+                        <a:rPr lang="de-DE" dirty="0" err="1"/>
+                        <a:t>local</a:t>
+                      </a:r>
+                      <a:r>
+                        <a:rPr lang="de-DE" dirty="0"/>
+                        <a:t> </a:t>
+                      </a:r>
+                      <a:r>
+                        <a:rPr lang="de-DE" dirty="0" err="1"/>
+                        <a:t>maxima</a:t>
+                      </a:r>
+                      <a:endParaRPr lang="de-DE" dirty="0"/>
+                    </a:p>
+                  </a:txBody>
+                  <a:tcPr/>
+                </a:tc>
+                <a:tc>
+                  <a:txBody>
+                    <a:bodyPr/>
+                    <a:lstStyle/>
+                    <a:p>
+                      <a:r>
+                        <a:rPr lang="de-DE" dirty="0"/>
+                        <a:t>1902</a:t>
+                      </a:r>
+                    </a:p>
+                  </a:txBody>
+                  <a:tcPr/>
+                </a:tc>
+                <a:tc>
+                  <a:txBody>
+                    <a:bodyPr/>
+                    <a:lstStyle/>
+                    <a:p>
+                      <a:r>
+                        <a:rPr lang="de-DE" dirty="0"/>
+                        <a:t>1555</a:t>
+                      </a:r>
+                    </a:p>
+                  </a:txBody>
+                  <a:tcPr/>
+                </a:tc>
+                <a:extLst>
+                  <a:ext uri="{0D108BD9-81ED-4DB2-BD59-A6C34878D82A}">
+                    <a16:rowId xmlns:a16="http://schemas.microsoft.com/office/drawing/2014/main" val="1598105103"/>
+                  </a:ext>
+                </a:extLst>
+              </a:tr>
+              <a:tr h="851200">
+                <a:tc>
+                  <a:txBody>
+                    <a:bodyPr/>
+                    <a:lstStyle/>
+                    <a:p>
+                      <a:r>
+                        <a:rPr lang="de-DE" dirty="0"/>
+                        <a:t>Total </a:t>
+                      </a:r>
+                      <a:r>
+                        <a:rPr lang="de-DE" dirty="0" err="1"/>
+                        <a:t>number</a:t>
+                      </a:r>
+                      <a:r>
+                        <a:rPr lang="de-DE" dirty="0"/>
+                        <a:t> </a:t>
+                      </a:r>
+                      <a:r>
+                        <a:rPr lang="de-DE" dirty="0" err="1"/>
+                        <a:t>of</a:t>
+                      </a:r>
+                      <a:r>
+                        <a:rPr lang="de-DE" dirty="0"/>
+                        <a:t> shifting </a:t>
+                      </a:r>
+                      <a:r>
+                        <a:rPr lang="de-DE" dirty="0" err="1"/>
+                        <a:t>proteins</a:t>
+                      </a:r>
+                      <a:endParaRPr lang="de-DE" dirty="0"/>
+                    </a:p>
+                  </a:txBody>
+                  <a:tcPr/>
+                </a:tc>
+                <a:tc>
+                  <a:txBody>
+                    <a:bodyPr/>
+                    <a:lstStyle/>
+                    <a:p>
+                      <a:r>
+                        <a:rPr lang="de-DE" dirty="0"/>
+                        <a:t>2107</a:t>
+                      </a:r>
+                    </a:p>
+                  </a:txBody>
+                  <a:tcPr/>
+                </a:tc>
+                <a:tc>
+                  <a:txBody>
+                    <a:bodyPr/>
+                    <a:lstStyle/>
+                    <a:p>
+                      <a:r>
+                        <a:rPr lang="de-DE" dirty="0"/>
+                        <a:t>1828</a:t>
+                      </a:r>
+                    </a:p>
+                  </a:txBody>
+                  <a:tcPr/>
+                </a:tc>
+                <a:extLst>
+                  <a:ext uri="{0D108BD9-81ED-4DB2-BD59-A6C34878D82A}">
+                    <a16:rowId xmlns:a16="http://schemas.microsoft.com/office/drawing/2014/main" val="2004400870"/>
+                  </a:ext>
+                </a:extLst>
+              </a:tr>
+            </a:tbl>
+          </a:graphicData>
+        </a:graphic>
+      </p:graphicFrame>
     </p:spTree>
     <p:extLst>
       <p:ext uri="{BB962C8B-B14F-4D97-AF65-F5344CB8AC3E}">
-        <p14:creationId xmlns:p14="http://schemas.microsoft.com/office/powerpoint/2010/main" val="782307850"/>
+        <p14:creationId xmlns:p14="http://schemas.microsoft.com/office/powerpoint/2010/main" val="3547871394"/>
       </p:ext>
     </p:extLst>
   </p:cSld>
@@ -16805,51 +17076,6 @@
                       </p:childTnLst>
                     </p:cTn>
                   </p:par>
-                  <p:par>
-                    <p:cTn id="16" fill="hold">
-                      <p:stCondLst>
-                        <p:cond delay="indefinite"/>
-                      </p:stCondLst>
-                      <p:childTnLst>
-                        <p:par>
-                          <p:cTn id="17" fill="hold">
-                            <p:stCondLst>
-                              <p:cond delay="0"/>
-                            </p:stCondLst>
-                            <p:childTnLst>
-                              <p:par>
-                                <p:cTn id="18" presetID="1" presetClass="entr" presetSubtype="0" fill="hold" grpId="0" nodeType="clickEffect">
-                                  <p:stCondLst>
-                                    <p:cond delay="0"/>
-                                  </p:stCondLst>
-                                  <p:childTnLst>
-                                    <p:set>
-                                      <p:cBhvr>
-                                        <p:cTn id="19" dur="1" fill="hold">
-                                          <p:stCondLst>
-                                            <p:cond delay="0"/>
-                                          </p:stCondLst>
-                                        </p:cTn>
-                                        <p:tgtEl>
-                                          <p:spTgt spid="3"/>
-                                        </p:tgtEl>
-                                        <p:attrNameLst>
-                                          <p:attrName>style.visibility</p:attrName>
-                                        </p:attrNameLst>
-                                      </p:cBhvr>
-                                      <p:to>
-                                        <p:strVal val="visible"/>
-                                      </p:to>
-                                    </p:set>
-                                  </p:childTnLst>
-                                </p:cTn>
-                              </p:par>
-                            </p:childTnLst>
-                          </p:cTn>
-                        </p:par>
-                      </p:childTnLst>
-                    </p:cTn>
-                  </p:par>
                 </p:childTnLst>
               </p:cTn>
               <p:prevCondLst>
@@ -16874,7 +17100,6 @@
     <p:bldLst>
       <p:bldP spid="5" grpId="0" animBg="1"/>
       <p:bldP spid="10" grpId="0"/>
-      <p:bldP spid="3" grpId="0"/>
       <p:bldP spid="9" grpId="0"/>
     </p:bldLst>
   </p:timing>
@@ -17067,6 +17292,29 @@
               <a:buChar char="•"/>
             </a:pPr>
             <a:r>
+              <a:rPr lang="de-DE" sz="2200" b="1" dirty="0"/>
+              <a:t>Analysis </a:t>
+            </a:r>
+            <a:r>
+              <a:rPr lang="de-DE" sz="2200" b="1" dirty="0" err="1"/>
+              <a:t>of</a:t>
+            </a:r>
+            <a:r>
+              <a:rPr lang="de-DE" sz="2200" b="1" dirty="0"/>
+              <a:t> y-</a:t>
+            </a:r>
+            <a:r>
+              <a:rPr lang="de-DE" sz="2200" b="1" dirty="0" err="1"/>
+              <a:t>shifts</a:t>
+            </a:r>
+            <a:endParaRPr lang="de-DE" sz="2200" b="1" dirty="0"/>
+          </a:p>
+          <a:p>
+            <a:pPr marL="342900" indent="-342900">
+              <a:buFont typeface="Arial" panose="020B0604020202020204" pitchFamily="34" charset="0"/>
+              <a:buChar char="•"/>
+            </a:pPr>
+            <a:r>
               <a:rPr lang="de-DE" sz="2200" dirty="0"/>
               <a:t>2-sided t-test</a:t>
             </a:r>
@@ -17103,27 +17351,8 @@
             </a:r>
             <a:r>
               <a:rPr lang="de-DE" sz="2200" b="1" dirty="0"/>
-              <a:t> p&lt;0.025</a:t>
-            </a:r>
-          </a:p>
-          <a:p>
-            <a:r>
-              <a:rPr lang="de-DE" sz="2200" b="1" dirty="0"/>
-              <a:t>Analysis </a:t>
-            </a:r>
-            <a:r>
-              <a:rPr lang="de-DE" sz="2200" b="1" dirty="0" err="1"/>
-              <a:t>of</a:t>
-            </a:r>
-            <a:r>
-              <a:rPr lang="de-DE" sz="2200" b="1" dirty="0"/>
-              <a:t> y-</a:t>
-            </a:r>
-            <a:r>
-              <a:rPr lang="de-DE" sz="2200" b="1" dirty="0" err="1"/>
-              <a:t>shifts</a:t>
-            </a:r>
-            <a:endParaRPr lang="de-DE" sz="2200" b="1" dirty="0"/>
+              <a:t> p &lt; 0.025</a:t>
+            </a:r>
           </a:p>
           <a:p>
             <a:pPr marL="342900" indent="-342900">
@@ -17150,7 +17379,7 @@
         </p:blipFill>
         <p:spPr>
           <a:xfrm>
-            <a:off x="4247177" y="1835140"/>
+            <a:off x="4601740" y="2077905"/>
             <a:ext cx="6005595" cy="3688994"/>
           </a:xfrm>
           <a:prstGeom prst="rect">
@@ -17234,7 +17463,7 @@
         </p:nvSpPr>
         <p:spPr>
           <a:xfrm>
-            <a:off x="6138406" y="5187434"/>
+            <a:off x="6138406" y="5582233"/>
             <a:ext cx="1065476" cy="369332"/>
           </a:xfrm>
           <a:prstGeom prst="rect">
@@ -17268,7 +17497,7 @@
         </p:nvSpPr>
         <p:spPr>
           <a:xfrm>
-            <a:off x="10252772" y="3197391"/>
+            <a:off x="10607335" y="3197391"/>
             <a:ext cx="1065476" cy="369332"/>
           </a:xfrm>
           <a:prstGeom prst="rect">
@@ -17382,7 +17611,7 @@
     </p:spTree>
     <p:extLst>
       <p:ext uri="{BB962C8B-B14F-4D97-AF65-F5344CB8AC3E}">
-        <p14:creationId xmlns:p14="http://schemas.microsoft.com/office/powerpoint/2010/main" val="2274798653"/>
+        <p14:creationId xmlns:p14="http://schemas.microsoft.com/office/powerpoint/2010/main" val="77838139"/>
       </p:ext>
     </p:extLst>
   </p:cSld>
@@ -17921,30 +18150,6 @@
           </a:prstGeom>
         </p:spPr>
       </p:pic>
-      <p:pic>
-        <p:nvPicPr>
-          <p:cNvPr id="9" name="Grafik 8"/>
-          <p:cNvPicPr>
-            <a:picLocks noChangeAspect="1"/>
-          </p:cNvPicPr>
-          <p:nvPr/>
-        </p:nvPicPr>
-        <p:blipFill>
-          <a:blip r:embed="rId3"/>
-          <a:stretch>
-            <a:fillRect/>
-          </a:stretch>
-        </p:blipFill>
-        <p:spPr>
-          <a:xfrm>
-            <a:off x="4134415" y="1498025"/>
-            <a:ext cx="3421421" cy="2101640"/>
-          </a:xfrm>
-          <a:prstGeom prst="rect">
-            <a:avLst/>
-          </a:prstGeom>
-        </p:spPr>
-      </p:pic>
       <p:sp>
         <p:nvSpPr>
           <p:cNvPr id="14" name="Textfeld 13"/>
@@ -17981,108 +18186,6 @@
       </p:sp>
       <p:sp>
         <p:nvSpPr>
-          <p:cNvPr id="16" name="Textfeld 15"/>
-          <p:cNvSpPr txBox="1"/>
-          <p:nvPr/>
-        </p:nvSpPr>
-        <p:spPr>
-          <a:xfrm>
-            <a:off x="7434469" y="2150571"/>
-            <a:ext cx="1065476" cy="369332"/>
-          </a:xfrm>
-          <a:prstGeom prst="rect">
-            <a:avLst/>
-          </a:prstGeom>
-          <a:noFill/>
-        </p:spPr>
-        <p:txBody>
-          <a:bodyPr wrap="square" rtlCol="0">
-            <a:spAutoFit/>
-          </a:bodyPr>
-          <a:lstStyle/>
-          <a:p>
-            <a:r>
-              <a:rPr lang="de-DE" dirty="0"/>
-              <a:t>y-</a:t>
-            </a:r>
-            <a:r>
-              <a:rPr lang="de-DE" dirty="0" err="1"/>
-              <a:t>shift</a:t>
-            </a:r>
-            <a:endParaRPr lang="de-DE" dirty="0"/>
-          </a:p>
-        </p:txBody>
-      </p:sp>
-      <p:cxnSp>
-        <p:nvCxnSpPr>
-          <p:cNvPr id="10" name="Gerade Verbindung mit Pfeil 9"/>
-          <p:cNvCxnSpPr/>
-          <p:nvPr/>
-        </p:nvCxnSpPr>
-        <p:spPr>
-          <a:xfrm flipV="1">
-            <a:off x="5179093" y="2672690"/>
-            <a:ext cx="760532" cy="11524"/>
-          </a:xfrm>
-          <a:prstGeom prst="straightConnector1">
-            <a:avLst/>
-          </a:prstGeom>
-          <a:ln>
-            <a:headEnd type="triangle"/>
-            <a:tailEnd type="triangle"/>
-          </a:ln>
-        </p:spPr>
-        <p:style>
-          <a:lnRef idx="1">
-            <a:schemeClr val="dk1"/>
-          </a:lnRef>
-          <a:fillRef idx="0">
-            <a:schemeClr val="dk1"/>
-          </a:fillRef>
-          <a:effectRef idx="0">
-            <a:schemeClr val="dk1"/>
-          </a:effectRef>
-          <a:fontRef idx="minor">
-            <a:schemeClr val="tx1"/>
-          </a:fontRef>
-        </p:style>
-      </p:cxnSp>
-      <p:cxnSp>
-        <p:nvCxnSpPr>
-          <p:cNvPr id="17" name="Gerade Verbindung mit Pfeil 16"/>
-          <p:cNvCxnSpPr/>
-          <p:nvPr/>
-        </p:nvCxnSpPr>
-        <p:spPr>
-          <a:xfrm>
-            <a:off x="6980107" y="1763723"/>
-            <a:ext cx="4196" cy="1273399"/>
-          </a:xfrm>
-          <a:prstGeom prst="straightConnector1">
-            <a:avLst/>
-          </a:prstGeom>
-          <a:ln>
-            <a:headEnd type="triangle"/>
-            <a:tailEnd type="triangle"/>
-          </a:ln>
-        </p:spPr>
-        <p:style>
-          <a:lnRef idx="1">
-            <a:schemeClr val="dk1"/>
-          </a:lnRef>
-          <a:fillRef idx="0">
-            <a:schemeClr val="dk1"/>
-          </a:fillRef>
-          <a:effectRef idx="0">
-            <a:schemeClr val="dk1"/>
-          </a:effectRef>
-          <a:fontRef idx="minor">
-            <a:schemeClr val="tx1"/>
-          </a:fontRef>
-        </p:style>
-      </p:cxnSp>
-      <p:sp>
-        <p:nvSpPr>
           <p:cNvPr id="15" name="Titel 1"/>
           <p:cNvSpPr txBox="1">
             <a:spLocks/>
@@ -18091,7 +18194,7 @@
         </p:nvSpPr>
         <p:spPr>
           <a:xfrm>
-            <a:off x="838200" y="365125"/>
+            <a:off x="834297" y="732511"/>
             <a:ext cx="10515600" cy="1325563"/>
           </a:xfrm>
           <a:prstGeom prst="rect">
@@ -18129,35 +18232,7 @@
             </a:r>
             <a:r>
               <a:rPr lang="de-DE" sz="3200" dirty="0" err="1"/>
-              <a:t>Is</a:t>
-            </a:r>
-            <a:r>
-              <a:rPr lang="de-DE" sz="3200" dirty="0"/>
-              <a:t> </a:t>
-            </a:r>
-            <a:r>
-              <a:rPr lang="de-DE" sz="3200" dirty="0" err="1"/>
-              <a:t>the</a:t>
-            </a:r>
-            <a:r>
-              <a:rPr lang="de-DE" sz="3200" dirty="0"/>
-              <a:t> y-</a:t>
-            </a:r>
-            <a:r>
-              <a:rPr lang="de-DE" sz="3200" dirty="0" err="1"/>
-              <a:t>shift</a:t>
-            </a:r>
-            <a:r>
-              <a:rPr lang="de-DE" sz="3200" dirty="0"/>
-              <a:t> </a:t>
-            </a:r>
-            <a:r>
-              <a:rPr lang="de-DE" sz="3200" dirty="0" err="1"/>
-              <a:t>significant</a:t>
-            </a:r>
-            <a:r>
-              <a:rPr lang="de-DE" sz="3200" dirty="0"/>
-              <a:t>?</a:t>
+              <a:t>Results</a:t>
             </a:r>
             <a:endParaRPr lang="de-DE" sz="3200" b="1" dirty="0">
               <a:latin typeface="Calibri Light" panose="020F0302020204030204" pitchFamily="34" charset="0"/>
@@ -18166,43 +18241,488 @@
           </a:p>
         </p:txBody>
       </p:sp>
-      <p:sp>
-        <p:nvSpPr>
-          <p:cNvPr id="3" name="Textfeld 2"/>
-          <p:cNvSpPr txBox="1"/>
+      <p:graphicFrame>
+        <p:nvGraphicFramePr>
+          <p:cNvPr id="7" name="Tabelle 7">
+            <a:extLst>
+              <a:ext uri="{FF2B5EF4-FFF2-40B4-BE49-F238E27FC236}">
+                <a16:creationId xmlns:a16="http://schemas.microsoft.com/office/drawing/2014/main" id="{15D4A95A-4C05-D871-44A7-FF2E08F692DE}"/>
+              </a:ext>
+            </a:extLst>
+          </p:cNvPr>
+          <p:cNvGraphicFramePr>
+            <a:graphicFrameLocks noGrp="1"/>
+          </p:cNvGraphicFramePr>
           <p:nvPr/>
-        </p:nvSpPr>
-        <p:spPr>
-          <a:xfrm>
-            <a:off x="838200" y="4023360"/>
-            <a:ext cx="7996311" cy="769441"/>
-          </a:xfrm>
-          <a:prstGeom prst="rect">
-            <a:avLst/>
-          </a:prstGeom>
-          <a:noFill/>
-        </p:spPr>
-        <p:txBody>
-          <a:bodyPr wrap="square" rtlCol="0">
-            <a:spAutoFit/>
-          </a:bodyPr>
-          <a:lstStyle/>
-          <a:p>
-            <a:r>
-              <a:rPr lang="de-DE" sz="2200" dirty="0" err="1"/>
-              <a:t>Results</a:t>
-            </a:r>
-            <a:endParaRPr lang="de-DE" sz="2200" dirty="0"/>
-          </a:p>
-          <a:p>
-            <a:endParaRPr lang="de-DE" sz="2200" dirty="0"/>
-          </a:p>
-        </p:txBody>
-      </p:sp>
+        </p:nvGraphicFramePr>
+        <p:xfrm>
+          <a:off x="1258251" y="2804927"/>
+          <a:ext cx="10142800" cy="3383280"/>
+        </p:xfrm>
+        <a:graphic>
+          <a:graphicData uri="http://schemas.openxmlformats.org/drawingml/2006/table">
+            <a:tbl>
+              <a:tblPr firstRow="1" bandRow="1">
+                <a:tableStyleId>{073A0DAA-6AF3-43AB-8588-CEC1D06C72B9}</a:tableStyleId>
+              </a:tblPr>
+              <a:tblGrid>
+                <a:gridCol w="2028560">
+                  <a:extLst>
+                    <a:ext uri="{9D8B030D-6E8A-4147-A177-3AD203B41FA5}">
+                      <a16:colId xmlns:a16="http://schemas.microsoft.com/office/drawing/2014/main" val="560060117"/>
+                    </a:ext>
+                  </a:extLst>
+                </a:gridCol>
+                <a:gridCol w="2028560">
+                  <a:extLst>
+                    <a:ext uri="{9D8B030D-6E8A-4147-A177-3AD203B41FA5}">
+                      <a16:colId xmlns:a16="http://schemas.microsoft.com/office/drawing/2014/main" val="1331218808"/>
+                    </a:ext>
+                  </a:extLst>
+                </a:gridCol>
+                <a:gridCol w="2028560">
+                  <a:extLst>
+                    <a:ext uri="{9D8B030D-6E8A-4147-A177-3AD203B41FA5}">
+                      <a16:colId xmlns:a16="http://schemas.microsoft.com/office/drawing/2014/main" val="397429389"/>
+                    </a:ext>
+                  </a:extLst>
+                </a:gridCol>
+                <a:gridCol w="2028560">
+                  <a:extLst>
+                    <a:ext uri="{9D8B030D-6E8A-4147-A177-3AD203B41FA5}">
+                      <a16:colId xmlns:a16="http://schemas.microsoft.com/office/drawing/2014/main" val="2952200738"/>
+                    </a:ext>
+                  </a:extLst>
+                </a:gridCol>
+                <a:gridCol w="2028560">
+                  <a:extLst>
+                    <a:ext uri="{9D8B030D-6E8A-4147-A177-3AD203B41FA5}">
+                      <a16:colId xmlns:a16="http://schemas.microsoft.com/office/drawing/2014/main" val="441034388"/>
+                    </a:ext>
+                  </a:extLst>
+                </a:gridCol>
+              </a:tblGrid>
+              <a:tr h="370840">
+                <a:tc>
+                  <a:txBody>
+                    <a:bodyPr/>
+                    <a:lstStyle/>
+                    <a:p>
+                      <a:r>
+                        <a:rPr lang="de-DE" dirty="0"/>
+                        <a:t>Proteins</a:t>
+                      </a:r>
+                    </a:p>
+                  </a:txBody>
+                  <a:tcPr/>
+                </a:tc>
+                <a:tc>
+                  <a:txBody>
+                    <a:bodyPr/>
+                    <a:lstStyle/>
+                    <a:p>
+                      <a:r>
+                        <a:rPr lang="de-DE" dirty="0"/>
+                        <a:t>Interphase</a:t>
+                      </a:r>
+                    </a:p>
+                  </a:txBody>
+                  <a:tcPr/>
+                </a:tc>
+                <a:tc>
+                  <a:txBody>
+                    <a:bodyPr/>
+                    <a:lstStyle/>
+                    <a:p>
+                      <a:r>
+                        <a:rPr lang="de-DE" dirty="0"/>
+                        <a:t>Interphase after </a:t>
+                      </a:r>
+                      <a:r>
+                        <a:rPr lang="de-DE" dirty="0" err="1"/>
+                        <a:t>statistical</a:t>
+                      </a:r>
+                      <a:r>
+                        <a:rPr lang="de-DE" dirty="0"/>
+                        <a:t> </a:t>
+                      </a:r>
+                      <a:r>
+                        <a:rPr lang="de-DE" dirty="0" err="1"/>
+                        <a:t>testing</a:t>
+                      </a:r>
+                      <a:endParaRPr lang="de-DE" dirty="0"/>
+                    </a:p>
+                  </a:txBody>
+                  <a:tcPr/>
+                </a:tc>
+                <a:tc>
+                  <a:txBody>
+                    <a:bodyPr/>
+                    <a:lstStyle/>
+                    <a:p>
+                      <a:r>
+                        <a:rPr lang="de-DE" dirty="0" err="1"/>
+                        <a:t>Mitosis</a:t>
+                      </a:r>
+                      <a:endParaRPr lang="de-DE" dirty="0"/>
+                    </a:p>
+                  </a:txBody>
+                  <a:tcPr/>
+                </a:tc>
+                <a:tc>
+                  <a:txBody>
+                    <a:bodyPr/>
+                    <a:lstStyle/>
+                    <a:p>
+                      <a:r>
+                        <a:rPr lang="de-DE" dirty="0" err="1"/>
+                        <a:t>Mitosis</a:t>
+                      </a:r>
+                      <a:r>
+                        <a:rPr lang="de-DE" dirty="0"/>
+                        <a:t> after </a:t>
+                      </a:r>
+                      <a:r>
+                        <a:rPr lang="de-DE" dirty="0" err="1"/>
+                        <a:t>statistical</a:t>
+                      </a:r>
+                      <a:r>
+                        <a:rPr lang="de-DE" dirty="0"/>
+                        <a:t> </a:t>
+                      </a:r>
+                      <a:r>
+                        <a:rPr lang="de-DE" dirty="0" err="1"/>
+                        <a:t>testing</a:t>
+                      </a:r>
+                      <a:endParaRPr lang="de-DE" dirty="0"/>
+                    </a:p>
+                  </a:txBody>
+                  <a:tcPr/>
+                </a:tc>
+                <a:extLst>
+                  <a:ext uri="{0D108BD9-81ED-4DB2-BD59-A6C34878D82A}">
+                    <a16:rowId xmlns:a16="http://schemas.microsoft.com/office/drawing/2014/main" val="2239466377"/>
+                  </a:ext>
+                </a:extLst>
+              </a:tr>
+              <a:tr h="370840">
+                <a:tc>
+                  <a:txBody>
+                    <a:bodyPr/>
+                    <a:lstStyle/>
+                    <a:p>
+                      <a:pPr marL="0" marR="0" lvl="0" indent="0" algn="l" defTabSz="914400" rtl="0" eaLnBrk="1" fontAlgn="auto" latinLnBrk="0" hangingPunct="1">
+                        <a:lnSpc>
+                          <a:spcPct val="100000"/>
+                        </a:lnSpc>
+                        <a:spcBef>
+                          <a:spcPts val="0"/>
+                        </a:spcBef>
+                        <a:spcAft>
+                          <a:spcPts val="0"/>
+                        </a:spcAft>
+                        <a:buClrTx/>
+                        <a:buSzTx/>
+                        <a:buFontTx/>
+                        <a:buNone/>
+                        <a:tabLst/>
+                        <a:defRPr/>
+                      </a:pPr>
+                      <a:r>
+                        <a:rPr lang="de-DE" dirty="0"/>
+                        <a:t>Shift in global maximum</a:t>
+                      </a:r>
+                    </a:p>
+                    <a:p>
+                      <a:endParaRPr lang="de-DE" dirty="0"/>
+                    </a:p>
+                  </a:txBody>
+                  <a:tcPr/>
+                </a:tc>
+                <a:tc>
+                  <a:txBody>
+                    <a:bodyPr/>
+                    <a:lstStyle/>
+                    <a:p>
+                      <a:r>
+                        <a:rPr lang="de-DE" dirty="0"/>
+                        <a:t>1118</a:t>
+                      </a:r>
+                    </a:p>
+                  </a:txBody>
+                  <a:tcPr/>
+                </a:tc>
+                <a:tc>
+                  <a:txBody>
+                    <a:bodyPr/>
+                    <a:lstStyle/>
+                    <a:p>
+                      <a:r>
+                        <a:rPr lang="de-DE" dirty="0"/>
+                        <a:t>869</a:t>
+                      </a:r>
+                    </a:p>
+                  </a:txBody>
+                  <a:tcPr/>
+                </a:tc>
+                <a:tc>
+                  <a:txBody>
+                    <a:bodyPr/>
+                    <a:lstStyle/>
+                    <a:p>
+                      <a:r>
+                        <a:rPr lang="de-DE" dirty="0"/>
+                        <a:t>1045</a:t>
+                      </a:r>
+                    </a:p>
+                  </a:txBody>
+                  <a:tcPr/>
+                </a:tc>
+                <a:tc>
+                  <a:txBody>
+                    <a:bodyPr/>
+                    <a:lstStyle/>
+                    <a:p>
+                      <a:r>
+                        <a:rPr lang="de-DE" dirty="0"/>
+                        <a:t>641</a:t>
+                      </a:r>
+                    </a:p>
+                  </a:txBody>
+                  <a:tcPr/>
+                </a:tc>
+                <a:extLst>
+                  <a:ext uri="{0D108BD9-81ED-4DB2-BD59-A6C34878D82A}">
+                    <a16:rowId xmlns:a16="http://schemas.microsoft.com/office/drawing/2014/main" val="4187465815"/>
+                  </a:ext>
+                </a:extLst>
+              </a:tr>
+              <a:tr h="370840">
+                <a:tc>
+                  <a:txBody>
+                    <a:bodyPr/>
+                    <a:lstStyle/>
+                    <a:p>
+                      <a:pPr marL="0" marR="0" lvl="0" indent="0" algn="l" defTabSz="914400" rtl="0" eaLnBrk="1" fontAlgn="auto" latinLnBrk="0" hangingPunct="1">
+                        <a:lnSpc>
+                          <a:spcPct val="100000"/>
+                        </a:lnSpc>
+                        <a:spcBef>
+                          <a:spcPts val="0"/>
+                        </a:spcBef>
+                        <a:spcAft>
+                          <a:spcPts val="0"/>
+                        </a:spcAft>
+                        <a:buClrTx/>
+                        <a:buSzTx/>
+                        <a:buFontTx/>
+                        <a:buNone/>
+                        <a:tabLst/>
+                        <a:defRPr/>
+                      </a:pPr>
+                      <a:r>
+                        <a:rPr lang="de-DE" dirty="0"/>
+                        <a:t>Shift in </a:t>
+                      </a:r>
+                      <a:r>
+                        <a:rPr lang="de-DE" dirty="0" err="1"/>
+                        <a:t>local</a:t>
+                      </a:r>
+                      <a:r>
+                        <a:rPr lang="de-DE" dirty="0"/>
+                        <a:t> </a:t>
+                      </a:r>
+                      <a:r>
+                        <a:rPr lang="de-DE" dirty="0" err="1"/>
+                        <a:t>maxima</a:t>
+                      </a:r>
+                      <a:endParaRPr lang="de-DE" dirty="0"/>
+                    </a:p>
+                    <a:p>
+                      <a:endParaRPr lang="de-DE" dirty="0"/>
+                    </a:p>
+                  </a:txBody>
+                  <a:tcPr/>
+                </a:tc>
+                <a:tc>
+                  <a:txBody>
+                    <a:bodyPr/>
+                    <a:lstStyle/>
+                    <a:p>
+                      <a:r>
+                        <a:rPr lang="de-DE" dirty="0"/>
+                        <a:t>1902</a:t>
+                      </a:r>
+                    </a:p>
+                  </a:txBody>
+                  <a:tcPr/>
+                </a:tc>
+                <a:tc>
+                  <a:txBody>
+                    <a:bodyPr/>
+                    <a:lstStyle/>
+                    <a:p>
+                      <a:r>
+                        <a:rPr lang="de-DE" dirty="0"/>
+                        <a:t>1471</a:t>
+                      </a:r>
+                    </a:p>
+                  </a:txBody>
+                  <a:tcPr/>
+                </a:tc>
+                <a:tc>
+                  <a:txBody>
+                    <a:bodyPr/>
+                    <a:lstStyle/>
+                    <a:p>
+                      <a:r>
+                        <a:rPr lang="de-DE" dirty="0"/>
+                        <a:t>1555</a:t>
+                      </a:r>
+                    </a:p>
+                  </a:txBody>
+                  <a:tcPr/>
+                </a:tc>
+                <a:tc>
+                  <a:txBody>
+                    <a:bodyPr/>
+                    <a:lstStyle/>
+                    <a:p>
+                      <a:r>
+                        <a:rPr lang="de-DE" dirty="0"/>
+                        <a:t>1081</a:t>
+                      </a:r>
+                    </a:p>
+                  </a:txBody>
+                  <a:tcPr/>
+                </a:tc>
+                <a:extLst>
+                  <a:ext uri="{0D108BD9-81ED-4DB2-BD59-A6C34878D82A}">
+                    <a16:rowId xmlns:a16="http://schemas.microsoft.com/office/drawing/2014/main" val="2465180331"/>
+                  </a:ext>
+                </a:extLst>
+              </a:tr>
+              <a:tr h="370840">
+                <a:tc>
+                  <a:txBody>
+                    <a:bodyPr/>
+                    <a:lstStyle/>
+                    <a:p>
+                      <a:pPr marL="0" marR="0" lvl="0" indent="0" algn="l" defTabSz="914400" rtl="0" eaLnBrk="1" fontAlgn="auto" latinLnBrk="0" hangingPunct="1">
+                        <a:lnSpc>
+                          <a:spcPct val="100000"/>
+                        </a:lnSpc>
+                        <a:spcBef>
+                          <a:spcPts val="0"/>
+                        </a:spcBef>
+                        <a:spcAft>
+                          <a:spcPts val="0"/>
+                        </a:spcAft>
+                        <a:buClrTx/>
+                        <a:buSzTx/>
+                        <a:buFontTx/>
+                        <a:buNone/>
+                        <a:tabLst/>
+                        <a:defRPr/>
+                      </a:pPr>
+                      <a:r>
+                        <a:rPr lang="de-DE" dirty="0"/>
+                        <a:t>Total </a:t>
+                      </a:r>
+                      <a:r>
+                        <a:rPr lang="de-DE" dirty="0" err="1"/>
+                        <a:t>number</a:t>
+                      </a:r>
+                      <a:r>
+                        <a:rPr lang="de-DE" dirty="0"/>
+                        <a:t> </a:t>
+                      </a:r>
+                      <a:r>
+                        <a:rPr lang="de-DE" dirty="0" err="1"/>
+                        <a:t>of</a:t>
+                      </a:r>
+                      <a:r>
+                        <a:rPr lang="de-DE" dirty="0"/>
+                        <a:t> shifting </a:t>
+                      </a:r>
+                      <a:r>
+                        <a:rPr lang="de-DE" dirty="0" err="1"/>
+                        <a:t>proteins</a:t>
+                      </a:r>
+                      <a:endParaRPr lang="de-DE" dirty="0"/>
+                    </a:p>
+                    <a:p>
+                      <a:endParaRPr lang="de-DE" dirty="0"/>
+                    </a:p>
+                  </a:txBody>
+                  <a:tcPr/>
+                </a:tc>
+                <a:tc>
+                  <a:txBody>
+                    <a:bodyPr/>
+                    <a:lstStyle/>
+                    <a:p>
+                      <a:r>
+                        <a:rPr lang="de-DE" dirty="0"/>
+                        <a:t>2107</a:t>
+                      </a:r>
+                    </a:p>
+                  </a:txBody>
+                  <a:tcPr/>
+                </a:tc>
+                <a:tc>
+                  <a:txBody>
+                    <a:bodyPr/>
+                    <a:lstStyle/>
+                    <a:p>
+                      <a:r>
+                        <a:rPr lang="de-DE" dirty="0"/>
+                        <a:t>1653</a:t>
+                      </a:r>
+                    </a:p>
+                  </a:txBody>
+                  <a:tcPr/>
+                </a:tc>
+                <a:tc>
+                  <a:txBody>
+                    <a:bodyPr/>
+                    <a:lstStyle/>
+                    <a:p>
+                      <a:r>
+                        <a:rPr lang="de-DE" dirty="0"/>
+                        <a:t>1828</a:t>
+                      </a:r>
+                    </a:p>
+                  </a:txBody>
+                  <a:tcPr/>
+                </a:tc>
+                <a:tc>
+                  <a:txBody>
+                    <a:bodyPr/>
+                    <a:lstStyle/>
+                    <a:p>
+                      <a:r>
+                        <a:rPr lang="de-DE" dirty="0"/>
+                        <a:t>1244</a:t>
+                      </a:r>
+                    </a:p>
+                  </a:txBody>
+                  <a:tcPr/>
+                </a:tc>
+                <a:extLst>
+                  <a:ext uri="{0D108BD9-81ED-4DB2-BD59-A6C34878D82A}">
+                    <a16:rowId xmlns:a16="http://schemas.microsoft.com/office/drawing/2014/main" val="2952192048"/>
+                  </a:ext>
+                </a:extLst>
+              </a:tr>
+            </a:tbl>
+          </a:graphicData>
+        </a:graphic>
+      </p:graphicFrame>
     </p:spTree>
     <p:extLst>
       <p:ext uri="{BB962C8B-B14F-4D97-AF65-F5344CB8AC3E}">
-        <p14:creationId xmlns:p14="http://schemas.microsoft.com/office/powerpoint/2010/main" val="3642516185"/>
+        <p14:creationId xmlns:p14="http://schemas.microsoft.com/office/powerpoint/2010/main" val="3785724077"/>
       </p:ext>
     </p:extLst>
   </p:cSld>
@@ -18328,7 +18848,7 @@
                             </p:stCondLst>
                             <p:childTnLst>
                               <p:par>
-                                <p:cTn id="14" presetID="22" presetClass="entr" presetSubtype="8" fill="hold" nodeType="clickEffect">
+                                <p:cTn id="14" presetID="1" presetClass="entr" presetSubtype="0" fill="hold" grpId="0" nodeType="clickEffect">
                                   <p:stCondLst>
                                     <p:cond delay="0"/>
                                   </p:stCondLst>
@@ -18341,240 +18861,7 @@
                                           </p:stCondLst>
                                         </p:cTn>
                                         <p:tgtEl>
-                                          <p:spTgt spid="9"/>
-                                        </p:tgtEl>
-                                        <p:attrNameLst>
-                                          <p:attrName>style.visibility</p:attrName>
-                                        </p:attrNameLst>
-                                      </p:cBhvr>
-                                      <p:to>
-                                        <p:strVal val="visible"/>
-                                      </p:to>
-                                    </p:set>
-                                    <p:animEffect transition="in" filter="wipe(left)">
-                                      <p:cBhvr>
-                                        <p:cTn id="16" dur="500"/>
-                                        <p:tgtEl>
-                                          <p:spTgt spid="9"/>
-                                        </p:tgtEl>
-                                      </p:cBhvr>
-                                    </p:animEffect>
-                                  </p:childTnLst>
-                                </p:cTn>
-                              </p:par>
-                            </p:childTnLst>
-                          </p:cTn>
-                        </p:par>
-                      </p:childTnLst>
-                    </p:cTn>
-                  </p:par>
-                  <p:par>
-                    <p:cTn id="17" fill="hold">
-                      <p:stCondLst>
-                        <p:cond delay="indefinite"/>
-                      </p:stCondLst>
-                      <p:childTnLst>
-                        <p:par>
-                          <p:cTn id="18" fill="hold">
-                            <p:stCondLst>
-                              <p:cond delay="0"/>
-                            </p:stCondLst>
-                            <p:childTnLst>
-                              <p:par>
-                                <p:cTn id="19" presetID="1" presetClass="entr" presetSubtype="0" fill="hold" nodeType="clickEffect">
-                                  <p:stCondLst>
-                                    <p:cond delay="0"/>
-                                  </p:stCondLst>
-                                  <p:childTnLst>
-                                    <p:set>
-                                      <p:cBhvr>
-                                        <p:cTn id="20" dur="1" fill="hold">
-                                          <p:stCondLst>
-                                            <p:cond delay="0"/>
-                                          </p:stCondLst>
-                                        </p:cTn>
-                                        <p:tgtEl>
-                                          <p:spTgt spid="10"/>
-                                        </p:tgtEl>
-                                        <p:attrNameLst>
-                                          <p:attrName>style.visibility</p:attrName>
-                                        </p:attrNameLst>
-                                      </p:cBhvr>
-                                      <p:to>
-                                        <p:strVal val="visible"/>
-                                      </p:to>
-                                    </p:set>
-                                  </p:childTnLst>
-                                </p:cTn>
-                              </p:par>
-                            </p:childTnLst>
-                          </p:cTn>
-                        </p:par>
-                      </p:childTnLst>
-                    </p:cTn>
-                  </p:par>
-                  <p:par>
-                    <p:cTn id="21" fill="hold">
-                      <p:stCondLst>
-                        <p:cond delay="indefinite"/>
-                      </p:stCondLst>
-                      <p:childTnLst>
-                        <p:par>
-                          <p:cTn id="22" fill="hold">
-                            <p:stCondLst>
-                              <p:cond delay="0"/>
-                            </p:stCondLst>
-                            <p:childTnLst>
-                              <p:par>
-                                <p:cTn id="23" presetID="1" presetClass="entr" presetSubtype="0" fill="hold" grpId="0" nodeType="clickEffect">
-                                  <p:stCondLst>
-                                    <p:cond delay="0"/>
-                                  </p:stCondLst>
-                                  <p:childTnLst>
-                                    <p:set>
-                                      <p:cBhvr>
-                                        <p:cTn id="24" dur="1" fill="hold">
-                                          <p:stCondLst>
-                                            <p:cond delay="0"/>
-                                          </p:stCondLst>
-                                        </p:cTn>
-                                        <p:tgtEl>
                                           <p:spTgt spid="14"/>
-                                        </p:tgtEl>
-                                        <p:attrNameLst>
-                                          <p:attrName>style.visibility</p:attrName>
-                                        </p:attrNameLst>
-                                      </p:cBhvr>
-                                      <p:to>
-                                        <p:strVal val="visible"/>
-                                      </p:to>
-                                    </p:set>
-                                  </p:childTnLst>
-                                </p:cTn>
-                              </p:par>
-                            </p:childTnLst>
-                          </p:cTn>
-                        </p:par>
-                      </p:childTnLst>
-                    </p:cTn>
-                  </p:par>
-                  <p:par>
-                    <p:cTn id="25" fill="hold">
-                      <p:stCondLst>
-                        <p:cond delay="indefinite"/>
-                      </p:stCondLst>
-                      <p:childTnLst>
-                        <p:par>
-                          <p:cTn id="26" fill="hold">
-                            <p:stCondLst>
-                              <p:cond delay="0"/>
-                            </p:stCondLst>
-                            <p:childTnLst>
-                              <p:par>
-                                <p:cTn id="27" presetID="1" presetClass="entr" presetSubtype="0" fill="hold" nodeType="clickEffect">
-                                  <p:stCondLst>
-                                    <p:cond delay="0"/>
-                                  </p:stCondLst>
-                                  <p:childTnLst>
-                                    <p:set>
-                                      <p:cBhvr>
-                                        <p:cTn id="28" dur="1" fill="hold">
-                                          <p:stCondLst>
-                                            <p:cond delay="0"/>
-                                          </p:stCondLst>
-                                        </p:cTn>
-                                        <p:tgtEl>
-                                          <p:spTgt spid="17"/>
-                                        </p:tgtEl>
-                                        <p:attrNameLst>
-                                          <p:attrName>style.visibility</p:attrName>
-                                        </p:attrNameLst>
-                                      </p:cBhvr>
-                                      <p:to>
-                                        <p:strVal val="visible"/>
-                                      </p:to>
-                                    </p:set>
-                                  </p:childTnLst>
-                                </p:cTn>
-                              </p:par>
-                            </p:childTnLst>
-                          </p:cTn>
-                        </p:par>
-                      </p:childTnLst>
-                    </p:cTn>
-                  </p:par>
-                  <p:par>
-                    <p:cTn id="29" fill="hold">
-                      <p:stCondLst>
-                        <p:cond delay="indefinite"/>
-                      </p:stCondLst>
-                      <p:childTnLst>
-                        <p:par>
-                          <p:cTn id="30" fill="hold">
-                            <p:stCondLst>
-                              <p:cond delay="0"/>
-                            </p:stCondLst>
-                            <p:childTnLst>
-                              <p:par>
-                                <p:cTn id="31" presetID="1" presetClass="entr" presetSubtype="0" fill="hold" grpId="0" nodeType="clickEffect">
-                                  <p:stCondLst>
-                                    <p:cond delay="0"/>
-                                  </p:stCondLst>
-                                  <p:childTnLst>
-                                    <p:set>
-                                      <p:cBhvr>
-                                        <p:cTn id="32" dur="1" fill="hold">
-                                          <p:stCondLst>
-                                            <p:cond delay="0"/>
-                                          </p:stCondLst>
-                                        </p:cTn>
-                                        <p:tgtEl>
-                                          <p:spTgt spid="16"/>
-                                        </p:tgtEl>
-                                        <p:attrNameLst>
-                                          <p:attrName>style.visibility</p:attrName>
-                                        </p:attrNameLst>
-                                      </p:cBhvr>
-                                      <p:to>
-                                        <p:strVal val="visible"/>
-                                      </p:to>
-                                    </p:set>
-                                  </p:childTnLst>
-                                </p:cTn>
-                              </p:par>
-                            </p:childTnLst>
-                          </p:cTn>
-                        </p:par>
-                      </p:childTnLst>
-                    </p:cTn>
-                  </p:par>
-                  <p:par>
-                    <p:cTn id="33" fill="hold">
-                      <p:stCondLst>
-                        <p:cond delay="indefinite"/>
-                      </p:stCondLst>
-                      <p:childTnLst>
-                        <p:par>
-                          <p:cTn id="34" fill="hold">
-                            <p:stCondLst>
-                              <p:cond delay="0"/>
-                            </p:stCondLst>
-                            <p:childTnLst>
-                              <p:par>
-                                <p:cTn id="35" presetID="1" presetClass="entr" presetSubtype="0" fill="hold" grpId="0" nodeType="clickEffect">
-                                  <p:stCondLst>
-                                    <p:cond delay="0"/>
-                                  </p:stCondLst>
-                                  <p:childTnLst>
-                                    <p:set>
-                                      <p:cBhvr>
-                                        <p:cTn id="36" dur="1" fill="hold">
-                                          <p:stCondLst>
-                                            <p:cond delay="0"/>
-                                          </p:stCondLst>
-                                        </p:cTn>
-                                        <p:tgtEl>
-                                          <p:spTgt spid="3"/>
                                         </p:tgtEl>
                                         <p:attrNameLst>
                                           <p:attrName>style.visibility</p:attrName>
@@ -18617,9 +18904,7 @@
     <p:bldLst>
       <p:bldP spid="4" grpId="0" animBg="1"/>
       <p:bldP spid="14" grpId="0"/>
-      <p:bldP spid="16" grpId="0"/>
       <p:bldP spid="15" grpId="0"/>
-      <p:bldP spid="3" grpId="0"/>
     </p:bldLst>
   </p:timing>
 </p:sld>

--- a/Final presentation outline & temporary draft.pptx
+++ b/Final presentation outline & temporary draft.pptx
@@ -5,7 +5,7 @@
     <p:sldMasterId id="2147483648" r:id="rId1"/>
   </p:sldMasterIdLst>
   <p:notesMasterIdLst>
-    <p:notesMasterId r:id="rId35"/>
+    <p:notesMasterId r:id="rId37"/>
   </p:notesMasterIdLst>
   <p:sldIdLst>
     <p:sldId id="259" r:id="rId2"/>
@@ -41,6 +41,8 @@
     <p:sldId id="330" r:id="rId32"/>
     <p:sldId id="331" r:id="rId33"/>
     <p:sldId id="332" r:id="rId34"/>
+    <p:sldId id="257" r:id="rId35"/>
+    <p:sldId id="338" r:id="rId36"/>
   </p:sldIdLst>
   <p:sldSz cx="12192000" cy="6858000"/>
   <p:notesSz cx="6858000" cy="9144000"/>
@@ -181,6 +183,8 @@
             <p14:sldId id="330"/>
             <p14:sldId id="331"/>
             <p14:sldId id="332"/>
+            <p14:sldId id="257"/>
+            <p14:sldId id="338"/>
           </p14:sldIdLst>
         </p14:section>
       </p14:sectionLst>
@@ -4395,6 +4399,195 @@
 </inkml:ink>
 </file>
 
+<file path=ppt/ink/ink13.xml><?xml version="1.0" encoding="utf-8"?>
+<inkml:ink xmlns:inkml="http://www.w3.org/2003/InkML">
+  <inkml:definitions>
+    <inkml:context xml:id="ctx0">
+      <inkml:inkSource xml:id="inkSrc0">
+        <inkml:traceFormat>
+          <inkml:channel name="X" type="integer" min="-2.14748E9" max="2.14748E9" units="cm"/>
+          <inkml:channel name="Y" type="integer" min="-2.14748E9" max="2.14748E9" units="cm"/>
+          <inkml:channel name="F" type="integer" max="32767" units="dev"/>
+        </inkml:traceFormat>
+        <inkml:channelProperties>
+          <inkml:channelProperty channel="X" name="resolution" value="1000" units="1/cm"/>
+          <inkml:channelProperty channel="Y" name="resolution" value="1000" units="1/cm"/>
+          <inkml:channelProperty channel="F" name="resolution" value="0" units="1/dev"/>
+        </inkml:channelProperties>
+      </inkml:inkSource>
+      <inkml:timestamp xml:id="ts0" timeString="2022-07-17T17:09:16.267"/>
+    </inkml:context>
+    <inkml:brush xml:id="br0">
+      <inkml:brushProperty name="width" value="0.05" units="cm"/>
+      <inkml:brushProperty name="height" value="0.05" units="cm"/>
+    </inkml:brush>
+  </inkml:definitions>
+  <inkml:trace contextRef="#ctx0" brushRef="#br0">1 1489 24575,'1'-9'0,"1"1"0,0-1 0,1 0 0,0 1 0,0 0 0,1 0 0,0 0 0,7-10 0,6-15 0,-8 14 0,0 0 0,1 1 0,1 0 0,1 1 0,21-25 0,-4 13 0,60-48 0,101-94 0,-108 92 0,-65 61 0,1 0 0,0 1 0,1 1 0,1 1 0,38-23 0,493-190 0,-406 169 0,-84 32 0,0 2 0,102-24 0,-47 21 0,85-14 0,-12 2 0,-6 2 0,-119 31 0,1 4 0,87 6 0,-29 0 0,14-1 0,142-5 0,-196-8 0,-46 5 0,59-1 0,-40 8 0,0-3 0,-1-2 0,65-13 0,54-13 0,212-8 0,-197 23 0,615-3 0,-173 12 0,-220-20 0,443-12 0,-445 36 0,403 7 0,-420 39 0,-300-31 0,534 111 0,165 58 0,-231-84 0,-309-60 0,95 8 0,200 39 0,-494-74 0,170 45 0,-183-43 0,1 1 0,-2 2 0,54 32 0,65 36 0,-83-46 0,71 48 0,46 43 0,-22-40 0,-112-57 0,1-3 0,85 30 0,130 27 0,-217-72 0,-1-2 0,59 5 0,-90-14 0,1 2 0,-1 0 0,0 2 0,32 14 0,89 47 0,-109-50 0,15 7 0,65 43 0,-111-64-136,0-1-1,0 1 1,0 0-1,-1 0 1,1 1-1,-1-1 1,0 1-1,0 0 0,4 8 1,-2 2-6690</inkml:trace>
+</inkml:ink>
+</file>
+
+<file path=ppt/ink/ink14.xml><?xml version="1.0" encoding="utf-8"?>
+<inkml:ink xmlns:inkml="http://www.w3.org/2003/InkML">
+  <inkml:definitions>
+    <inkml:context xml:id="ctx0">
+      <inkml:inkSource xml:id="inkSrc0">
+        <inkml:traceFormat>
+          <inkml:channel name="X" type="integer" min="-2.14748E9" max="2.14748E9" units="cm"/>
+          <inkml:channel name="Y" type="integer" min="-2.14748E9" max="2.14748E9" units="cm"/>
+          <inkml:channel name="F" type="integer" max="32767" units="dev"/>
+        </inkml:traceFormat>
+        <inkml:channelProperties>
+          <inkml:channelProperty channel="X" name="resolution" value="1000" units="1/cm"/>
+          <inkml:channelProperty channel="Y" name="resolution" value="1000" units="1/cm"/>
+          <inkml:channelProperty channel="F" name="resolution" value="0" units="1/dev"/>
+        </inkml:channelProperties>
+      </inkml:inkSource>
+      <inkml:timestamp xml:id="ts0" timeString="2022-07-17T17:09:17.853"/>
+    </inkml:context>
+    <inkml:brush xml:id="br0">
+      <inkml:brushProperty name="width" value="0.05" units="cm"/>
+      <inkml:brushProperty name="height" value="0.05" units="cm"/>
+    </inkml:brush>
+  </inkml:definitions>
+  <inkml:trace contextRef="#ctx0" brushRef="#br0">31 822 24575,'0'-696'0,"-5"629"120,4 63-234,1-1 0,-1 0-1,-1 1 1,1 0 0,0-1 0,-1 1-1,0 0 1,0 0 0,0 0 0,-1 0-1,0 0 1,-3-4 0</inkml:trace>
+</inkml:ink>
+</file>
+
+<file path=ppt/ink/ink15.xml><?xml version="1.0" encoding="utf-8"?>
+<inkml:ink xmlns:inkml="http://www.w3.org/2003/InkML">
+  <inkml:definitions>
+    <inkml:context xml:id="ctx0">
+      <inkml:inkSource xml:id="inkSrc0">
+        <inkml:traceFormat>
+          <inkml:channel name="X" type="integer" min="-2.14748E9" max="2.14748E9" units="cm"/>
+          <inkml:channel name="Y" type="integer" min="-2.14748E9" max="2.14748E9" units="cm"/>
+          <inkml:channel name="F" type="integer" max="32767" units="dev"/>
+        </inkml:traceFormat>
+        <inkml:channelProperties>
+          <inkml:channelProperty channel="X" name="resolution" value="1000" units="1/cm"/>
+          <inkml:channelProperty channel="Y" name="resolution" value="1000" units="1/cm"/>
+          <inkml:channelProperty channel="F" name="resolution" value="0" units="1/dev"/>
+        </inkml:channelProperties>
+      </inkml:inkSource>
+      <inkml:timestamp xml:id="ts0" timeString="2022-07-17T17:09:19.611"/>
+    </inkml:context>
+    <inkml:brush xml:id="br0">
+      <inkml:brushProperty name="width" value="0.05" units="cm"/>
+      <inkml:brushProperty name="height" value="0.05" units="cm"/>
+    </inkml:brush>
+  </inkml:definitions>
+  <inkml:trace contextRef="#ctx0" brushRef="#br0">960 0 24575,'-552'0'0,"523"2"0,-50 8 0,50-4 0,-50 1 0,38-8-88,19 1-231,0 0-1,0 1 1,-43 8 0,45-4-6507</inkml:trace>
+</inkml:ink>
+</file>
+
+<file path=ppt/ink/ink16.xml><?xml version="1.0" encoding="utf-8"?>
+<inkml:ink xmlns:inkml="http://www.w3.org/2003/InkML">
+  <inkml:definitions>
+    <inkml:context xml:id="ctx0">
+      <inkml:inkSource xml:id="inkSrc0">
+        <inkml:traceFormat>
+          <inkml:channel name="X" type="integer" min="-2.14748E9" max="2.14748E9" units="cm"/>
+          <inkml:channel name="Y" type="integer" min="-2.14748E9" max="2.14748E9" units="cm"/>
+          <inkml:channel name="F" type="integer" max="32767" units="dev"/>
+        </inkml:traceFormat>
+        <inkml:channelProperties>
+          <inkml:channelProperty channel="X" name="resolution" value="1000" units="1/cm"/>
+          <inkml:channelProperty channel="Y" name="resolution" value="1000" units="1/cm"/>
+          <inkml:channelProperty channel="F" name="resolution" value="0" units="1/dev"/>
+        </inkml:channelProperties>
+      </inkml:inkSource>
+      <inkml:timestamp xml:id="ts0" timeString="2022-07-17T17:09:51.064"/>
+    </inkml:context>
+    <inkml:brush xml:id="br0">
+      <inkml:brushProperty name="width" value="0.05" units="cm"/>
+      <inkml:brushProperty name="height" value="0.05" units="cm"/>
+    </inkml:brush>
+  </inkml:definitions>
+  <inkml:trace contextRef="#ctx0" brushRef="#br0">0 1 24575,'64'25'0,"-2"2"0,87 53 0,-15-8 0,3-4 0,267 93 0,-251-112 0,91 26 0,-190-62 0,1-2 0,88 7 0,-119-18 0,-1 1 0,0 1 0,0 2 0,0 0 0,0 1 0,0 1 0,41 19 0,-38-14 0,1-1 0,48 10 0,16 7 0,-55-14 0,22 8 0,110 26 0,-98-30 0,86 32 0,47 12 0,173 31 0,-70-5 0,-16-4 0,-65-40 0,25 5 0,206 35 0,-296-58 0,598 55 0,-491-58 0,91 3 0,90-27 0,203 3 0,-522 9 0,232 47 0,-289-43 0,184 15 0,-40-7 0,-9 7 0,325 4 0,-319-33 0,642 17 0,278 34 0,-1054-53 0,0-4 0,0-3 0,95-23 0,-170 31 0,510-83 0,-352 56 0,175-40 0,-302 59 0,342-90 0,-243 75 0,-85 17 0,87-24 0,204-72 0,-268 81 0,-7 3 0,120-54 0,-114 39 0,22-11 0,127-83 0,65-54 0,-229 148 0,-40 26 0,-1-1 0,25-19 0,16-14 0,20-19 0,-53 39 0,0-1 0,-2 0 0,0-2 0,-2-1 0,22-37 0,-36 51 0,-1-1 0,0 1 0,-1-1 0,-1 1 0,0-1 0,0 0 0,-1 0 0,-1-17 0,0 14 0,0-1 0,2 1 0,0 1 0,1-1 0,5-18 0,3 3 0,1 1 0,2 0 0,20-33 0,-30 64-57,-2 11 199,-1 12-1592,-2-4-5376</inkml:trace>
+</inkml:ink>
+</file>
+
+<file path=ppt/ink/ink17.xml><?xml version="1.0" encoding="utf-8"?>
+<inkml:ink xmlns:inkml="http://www.w3.org/2003/InkML">
+  <inkml:definitions>
+    <inkml:context xml:id="ctx0">
+      <inkml:inkSource xml:id="inkSrc0">
+        <inkml:traceFormat>
+          <inkml:channel name="X" type="integer" min="-2.14748E9" max="2.14748E9" units="cm"/>
+          <inkml:channel name="Y" type="integer" min="-2.14748E9" max="2.14748E9" units="cm"/>
+          <inkml:channel name="F" type="integer" max="32767" units="dev"/>
+        </inkml:traceFormat>
+        <inkml:channelProperties>
+          <inkml:channelProperty channel="X" name="resolution" value="1000" units="1/cm"/>
+          <inkml:channelProperty channel="Y" name="resolution" value="1000" units="1/cm"/>
+          <inkml:channelProperty channel="F" name="resolution" value="0" units="1/dev"/>
+        </inkml:channelProperties>
+      </inkml:inkSource>
+      <inkml:timestamp xml:id="ts0" timeString="2022-07-17T17:09:52.947"/>
+    </inkml:context>
+    <inkml:brush xml:id="br0">
+      <inkml:brushProperty name="width" value="0.05" units="cm"/>
+      <inkml:brushProperty name="height" value="0.05" units="cm"/>
+    </inkml:brush>
+  </inkml:definitions>
+  <inkml:trace contextRef="#ctx0" brushRef="#br0">1 276 24575,'4'-6'0,"1"0"0,-1 0 0,0-1 0,0 1 0,-1-1 0,5-13 0,12-20 0,-4 14 0,2 2 0,25-27 0,-34 41 0,1 1 0,0 0 0,0 0 0,1 1 0,0 1 0,0 0 0,17-8 0,-27 15 0,0-1 0,0 1 0,0 0 0,0 0 0,-1-1 0,1 1 0,0 0 0,0 0 0,0 0 0,0 0 0,0 0 0,0 0 0,0 0 0,0 0 0,0 1 0,0-1 0,-1 0 0,1 1 0,0-1 0,0 0 0,0 1 0,0-1 0,-1 1 0,1-1 0,0 1 0,0-1 0,0 2 0,16 29 0,-4 41 0,-13-71 0,2 16 0,1 0 0,0 1 0,1-2 0,1 1 0,0 0 0,1-1 0,1 0 0,1 0 0,0-1 0,1 0 0,1-1 0,0 0 0,1 0 0,0-1 0,1 0 0,22 18 0,-19-19 0,7 6 0,39 26 0,-56-41 0,-1 0 0,1 0 0,0-1 0,1 1 0,-1-1 0,0 0 0,1-1 0,-1 1 0,1-1 0,0 0 0,-1-1 0,1 1 0,0-1 0,9-1 0,-5-3-1365</inkml:trace>
+</inkml:ink>
+</file>
+
+<file path=ppt/ink/ink18.xml><?xml version="1.0" encoding="utf-8"?>
+<inkml:ink xmlns:inkml="http://www.w3.org/2003/InkML">
+  <inkml:definitions>
+    <inkml:context xml:id="ctx0">
+      <inkml:inkSource xml:id="inkSrc0">
+        <inkml:traceFormat>
+          <inkml:channel name="X" type="integer" min="-2.14748E9" max="2.14748E9" units="cm"/>
+          <inkml:channel name="Y" type="integer" min="-2.14748E9" max="2.14748E9" units="cm"/>
+          <inkml:channel name="F" type="integer" max="32767" units="dev"/>
+        </inkml:traceFormat>
+        <inkml:channelProperties>
+          <inkml:channelProperty channel="X" name="resolution" value="1000" units="1/cm"/>
+          <inkml:channelProperty channel="Y" name="resolution" value="1000" units="1/cm"/>
+          <inkml:channelProperty channel="F" name="resolution" value="0" units="1/dev"/>
+        </inkml:channelProperties>
+      </inkml:inkSource>
+      <inkml:timestamp xml:id="ts0" timeString="2022-07-17T17:09:55.207"/>
+    </inkml:context>
+    <inkml:brush xml:id="br0">
+      <inkml:brushProperty name="width" value="0.05" units="cm"/>
+      <inkml:brushProperty name="height" value="0.05" units="cm"/>
+    </inkml:brush>
+  </inkml:definitions>
+  <inkml:trace contextRef="#ctx0" brushRef="#br0">670 0 24575,'-649'0'-1365,"628"0"-5461</inkml:trace>
+</inkml:ink>
+</file>
+
+<file path=ppt/ink/ink19.xml><?xml version="1.0" encoding="utf-8"?>
+<inkml:ink xmlns:inkml="http://www.w3.org/2003/InkML">
+  <inkml:definitions>
+    <inkml:context xml:id="ctx0">
+      <inkml:inkSource xml:id="inkSrc0">
+        <inkml:traceFormat>
+          <inkml:channel name="X" type="integer" min="-2.14748E9" max="2.14748E9" units="cm"/>
+          <inkml:channel name="Y" type="integer" min="-2.14748E9" max="2.14748E9" units="cm"/>
+          <inkml:channel name="F" type="integer" max="32767" units="dev"/>
+        </inkml:traceFormat>
+        <inkml:channelProperties>
+          <inkml:channelProperty channel="X" name="resolution" value="1000" units="1/cm"/>
+          <inkml:channelProperty channel="Y" name="resolution" value="1000" units="1/cm"/>
+          <inkml:channelProperty channel="F" name="resolution" value="0" units="1/dev"/>
+        </inkml:channelProperties>
+      </inkml:inkSource>
+      <inkml:timestamp xml:id="ts0" timeString="2022-07-17T17:09:57.106"/>
+    </inkml:context>
+    <inkml:brush xml:id="br0">
+      <inkml:brushProperty name="width" value="0.05" units="cm"/>
+      <inkml:brushProperty name="height" value="0.05" units="cm"/>
+    </inkml:brush>
+  </inkml:definitions>
+  <inkml:trace contextRef="#ctx0" brushRef="#br0">368 1 24575,'-12'11'0,"-1"-1"0,-1-1 0,0 0 0,-18 9 0,-24 15 0,25-9 0,-34 35 0,-8 6 0,64-59 0,3-1 0,1-1 0,-1 1 0,0 0 0,1 0 0,0 0 0,-7 11 0,11-15 0,1 0 0,-1 0 0,1 0 0,-1 0 0,1 0 0,0 0 0,0 0 0,-1 1 0,1-1 0,0 0 0,0 0 0,0 0 0,0 0 0,0 0 0,0 0 0,1 1 0,-1-1 0,0 0 0,1 2 0,0-1 0,1 0 0,-1 0 0,1-1 0,-1 1 0,1 0 0,-1-1 0,1 1 0,0-1 0,0 1 0,0-1 0,0 0 0,0 0 0,3 2 0,22 8 0,0-1 0,49 11 0,-52-16 0,0 1 0,-1 2 0,0 0 0,37 19 0,-17-3-82,-31-18-61,1 0 1,-1 1-1,-1 1 1,1 0-1,-1 0 1,-1 1-1,0 0 1,12 14-1,-11-8-6683</inkml:trace>
+</inkml:ink>
+</file>
+
 <file path=ppt/ink/ink2.xml><?xml version="1.0" encoding="utf-8"?>
 <inkml:ink xmlns:inkml="http://www.w3.org/2003/InkML">
   <inkml:definitions>
@@ -4420,6 +4613,168 @@
     </inkml:brush>
   </inkml:definitions>
   <inkml:trace contextRef="#ctx0" brushRef="#br0">0 0 24575</inkml:trace>
+</inkml:ink>
+</file>
+
+<file path=ppt/ink/ink20.xml><?xml version="1.0" encoding="utf-8"?>
+<inkml:ink xmlns:inkml="http://www.w3.org/2003/InkML">
+  <inkml:definitions>
+    <inkml:context xml:id="ctx0">
+      <inkml:inkSource xml:id="inkSrc0">
+        <inkml:traceFormat>
+          <inkml:channel name="X" type="integer" min="-2.14748E9" max="2.14748E9" units="cm"/>
+          <inkml:channel name="Y" type="integer" min="-2.14748E9" max="2.14748E9" units="cm"/>
+          <inkml:channel name="F" type="integer" max="32767" units="dev"/>
+        </inkml:traceFormat>
+        <inkml:channelProperties>
+          <inkml:channelProperty channel="X" name="resolution" value="1000" units="1/cm"/>
+          <inkml:channelProperty channel="Y" name="resolution" value="1000" units="1/cm"/>
+          <inkml:channelProperty channel="F" name="resolution" value="0" units="1/dev"/>
+        </inkml:channelProperties>
+      </inkml:inkSource>
+      <inkml:timestamp xml:id="ts0" timeString="2022-07-17T17:09:59.476"/>
+    </inkml:context>
+    <inkml:brush xml:id="br0">
+      <inkml:brushProperty name="width" value="0.05" units="cm"/>
+      <inkml:brushProperty name="height" value="0.05" units="cm"/>
+    </inkml:brush>
+  </inkml:definitions>
+  <inkml:trace contextRef="#ctx0" brushRef="#br0">1 1 24575,'33'0'0,"2"-1"0,0 2 0,0 1 0,53 11 0,98 11 0,-141-17-1365,-25-5-5461</inkml:trace>
+</inkml:ink>
+</file>
+
+<file path=ppt/ink/ink21.xml><?xml version="1.0" encoding="utf-8"?>
+<inkml:ink xmlns:inkml="http://www.w3.org/2003/InkML">
+  <inkml:definitions>
+    <inkml:context xml:id="ctx0">
+      <inkml:inkSource xml:id="inkSrc0">
+        <inkml:traceFormat>
+          <inkml:channel name="X" type="integer" min="-2.14748E9" max="2.14748E9" units="cm"/>
+          <inkml:channel name="Y" type="integer" min="-2.14748E9" max="2.14748E9" units="cm"/>
+          <inkml:channel name="F" type="integer" max="32767" units="dev"/>
+        </inkml:traceFormat>
+        <inkml:channelProperties>
+          <inkml:channelProperty channel="X" name="resolution" value="1000" units="1/cm"/>
+          <inkml:channelProperty channel="Y" name="resolution" value="1000" units="1/cm"/>
+          <inkml:channelProperty channel="F" name="resolution" value="0" units="1/dev"/>
+        </inkml:channelProperties>
+      </inkml:inkSource>
+      <inkml:timestamp xml:id="ts0" timeString="2022-07-17T17:10:01.657"/>
+    </inkml:context>
+    <inkml:brush xml:id="br0">
+      <inkml:brushProperty name="width" value="0.05" units="cm"/>
+      <inkml:brushProperty name="height" value="0.05" units="cm"/>
+    </inkml:brush>
+  </inkml:definitions>
+  <inkml:trace contextRef="#ctx0" brushRef="#br0">1 0 24575,'2'4'0,"1"0"0,0 0 0,0 0 0,1-1 0,-1 1 0,1-1 0,0 0 0,0 0 0,8 4 0,0 2 0,4 5 0,-1 1 0,0 0 0,-1 1 0,-1 0 0,-1 1 0,0 0 0,-1 1 0,11 24 0,-2-7 0,-15-27 0,-1 0 0,1 0 0,-1 0 0,-1 0 0,6 16 0,-9-21 0,0-1 0,1 1 0,-1 0 0,0-1 0,0 1 0,0 0 0,-1-1 0,1 1 0,-1-1 0,1 1 0,-1 0 0,0-1 0,0 1 0,0-1 0,0 0 0,-1 1 0,1-1 0,0 0 0,-1 0 0,0 0 0,1 0 0,-1 0 0,0 0 0,-4 2 0,-73 55 79,48-38-801,-40 37 0,55-43-6104</inkml:trace>
+</inkml:ink>
+</file>
+
+<file path=ppt/ink/ink22.xml><?xml version="1.0" encoding="utf-8"?>
+<inkml:ink xmlns:inkml="http://www.w3.org/2003/InkML">
+  <inkml:definitions>
+    <inkml:context xml:id="ctx0">
+      <inkml:inkSource xml:id="inkSrc0">
+        <inkml:traceFormat>
+          <inkml:channel name="X" type="integer" min="-2.14748E9" max="2.14748E9" units="cm"/>
+          <inkml:channel name="Y" type="integer" min="-2.14748E9" max="2.14748E9" units="cm"/>
+          <inkml:channel name="F" type="integer" max="32767" units="dev"/>
+        </inkml:traceFormat>
+        <inkml:channelProperties>
+          <inkml:channelProperty channel="X" name="resolution" value="1000" units="1/cm"/>
+          <inkml:channelProperty channel="Y" name="resolution" value="1000" units="1/cm"/>
+          <inkml:channelProperty channel="F" name="resolution" value="0" units="1/dev"/>
+        </inkml:channelProperties>
+      </inkml:inkSource>
+      <inkml:timestamp xml:id="ts0" timeString="2022-07-17T17:10:07.404"/>
+    </inkml:context>
+    <inkml:brush xml:id="br0">
+      <inkml:brushProperty name="width" value="0.05" units="cm"/>
+      <inkml:brushProperty name="height" value="0.05" units="cm"/>
+    </inkml:brush>
+  </inkml:definitions>
+  <inkml:trace contextRef="#ctx0" brushRef="#br0">740 49 24575,'-72'0'0,"-100"-14"0,49 7 0,33 3 0,18-7 0,51 6 0,-1 2 0,-29-2 0,-45 6-1365,75-1-5461</inkml:trace>
+</inkml:ink>
+</file>
+
+<file path=ppt/ink/ink23.xml><?xml version="1.0" encoding="utf-8"?>
+<inkml:ink xmlns:inkml="http://www.w3.org/2003/InkML">
+  <inkml:definitions>
+    <inkml:context xml:id="ctx0">
+      <inkml:inkSource xml:id="inkSrc0">
+        <inkml:traceFormat>
+          <inkml:channel name="X" type="integer" min="-2.14748E9" max="2.14748E9" units="cm"/>
+          <inkml:channel name="Y" type="integer" min="-2.14748E9" max="2.14748E9" units="cm"/>
+          <inkml:channel name="F" type="integer" max="32767" units="dev"/>
+        </inkml:traceFormat>
+        <inkml:channelProperties>
+          <inkml:channelProperty channel="X" name="resolution" value="1000" units="1/cm"/>
+          <inkml:channelProperty channel="Y" name="resolution" value="1000" units="1/cm"/>
+          <inkml:channelProperty channel="F" name="resolution" value="0" units="1/dev"/>
+        </inkml:channelProperties>
+      </inkml:inkSource>
+      <inkml:timestamp xml:id="ts0" timeString="2022-07-17T17:10:09.287"/>
+    </inkml:context>
+    <inkml:brush xml:id="br0">
+      <inkml:brushProperty name="width" value="0.05" units="cm"/>
+      <inkml:brushProperty name="height" value="0.05" units="cm"/>
+    </inkml:brush>
+  </inkml:definitions>
+  <inkml:trace contextRef="#ctx0" brushRef="#br0">293 1 24575,'-5'2'0,"0"0"0,0 1 0,1 0 0,-1 0 0,1 1 0,-1-1 0,1 1 0,0 0 0,-6 7 0,0 0 0,4-4 0,0 0 0,1 0 0,-1 1 0,2-1 0,-1 1 0,1 0 0,0 1 0,-4 14 0,6-16 0,-1 1 0,0-1 0,0 1 0,0-1 0,-1 0 0,0 0 0,-1-1 0,0 1 0,0-1 0,0 0 0,0 0 0,-10 7 0,-21 7 0,-17 12 0,50-30 0,0 0 0,0 0 0,1 0 0,-1 1 0,1-1 0,0 1 0,0 0 0,0-1 0,0 1 0,0 0 0,0 0 0,1 0 0,-3 5 0,5-7 0,-1 0 0,0-1 0,0 1 0,0 0 0,1 0 0,-1-1 0,0 1 0,1 0 0,-1 0 0,0-1 0,1 1 0,-1 0 0,1-1 0,0 1 0,-1-1 0,1 1 0,-1-1 0,1 1 0,0-1 0,-1 1 0,1-1 0,0 0 0,-1 1 0,1-1 0,0 0 0,0 1 0,-1-1 0,2 0 0,27 9 0,-26-9 0,44 11-95,-31-8-63,0 0-1,0 1 0,0 1 0,-1 1 0,0 0 1,0 1-1,23 14 0,-26-13-6667</inkml:trace>
+</inkml:ink>
+</file>
+
+<file path=ppt/ink/ink24.xml><?xml version="1.0" encoding="utf-8"?>
+<inkml:ink xmlns:inkml="http://www.w3.org/2003/InkML">
+  <inkml:definitions>
+    <inkml:context xml:id="ctx0">
+      <inkml:inkSource xml:id="inkSrc0">
+        <inkml:traceFormat>
+          <inkml:channel name="X" type="integer" min="-2.14748E9" max="2.14748E9" units="cm"/>
+          <inkml:channel name="Y" type="integer" min="-2.14748E9" max="2.14748E9" units="cm"/>
+          <inkml:channel name="F" type="integer" max="32767" units="dev"/>
+        </inkml:traceFormat>
+        <inkml:channelProperties>
+          <inkml:channelProperty channel="X" name="resolution" value="1000" units="1/cm"/>
+          <inkml:channelProperty channel="Y" name="resolution" value="1000" units="1/cm"/>
+          <inkml:channelProperty channel="F" name="resolution" value="0" units="1/dev"/>
+        </inkml:channelProperties>
+      </inkml:inkSource>
+      <inkml:timestamp xml:id="ts0" timeString="2022-07-17T17:10:11.343"/>
+    </inkml:context>
+    <inkml:brush xml:id="br0">
+      <inkml:brushProperty name="width" value="0.05" units="cm"/>
+      <inkml:brushProperty name="height" value="0.05" units="cm"/>
+    </inkml:brush>
+  </inkml:definitions>
+  <inkml:trace contextRef="#ctx0" brushRef="#br0">0 1 24575,'480'0'-1365,"-459"0"-5461</inkml:trace>
+</inkml:ink>
+</file>
+
+<file path=ppt/ink/ink25.xml><?xml version="1.0" encoding="utf-8"?>
+<inkml:ink xmlns:inkml="http://www.w3.org/2003/InkML">
+  <inkml:definitions>
+    <inkml:context xml:id="ctx0">
+      <inkml:inkSource xml:id="inkSrc0">
+        <inkml:traceFormat>
+          <inkml:channel name="X" type="integer" min="-2.14748E9" max="2.14748E9" units="cm"/>
+          <inkml:channel name="Y" type="integer" min="-2.14748E9" max="2.14748E9" units="cm"/>
+          <inkml:channel name="F" type="integer" max="32767" units="dev"/>
+        </inkml:traceFormat>
+        <inkml:channelProperties>
+          <inkml:channelProperty channel="X" name="resolution" value="1000" units="1/cm"/>
+          <inkml:channelProperty channel="Y" name="resolution" value="1000" units="1/cm"/>
+          <inkml:channelProperty channel="F" name="resolution" value="0" units="1/dev"/>
+        </inkml:channelProperties>
+      </inkml:inkSource>
+      <inkml:timestamp xml:id="ts0" timeString="2022-07-17T17:10:13.335"/>
+    </inkml:context>
+    <inkml:brush xml:id="br0">
+      <inkml:brushProperty name="width" value="0.05" units="cm"/>
+      <inkml:brushProperty name="height" value="0.05" units="cm"/>
+    </inkml:brush>
+  </inkml:definitions>
+  <inkml:trace contextRef="#ctx0" brushRef="#br0">138 1 24575,'1'4'0,"-1"1"0,1 0 0,0 0 0,1 0 0,-1-1 0,1 1 0,0-1 0,0 1 0,1-1 0,-1 0 0,6 7 0,40 46 0,-26-33 0,76 77 0,-74-79 0,-22-20 0,-1-1 0,1 1 0,-1-1 0,1 1 0,-1 0 0,0 0 0,1-1 0,-1 1 0,0 0 0,0 0 0,0 0 0,-1 0 0,1 0 0,0 1 0,-1-1 0,0 0 0,1 0 0,-1 0 0,0 1 0,0-1 0,0 0 0,0 0 0,-1 3 0,0-1 0,-1 0 0,1 0 0,-1 0 0,0-1 0,-1 1 0,1-1 0,0 1 0,-1-1 0,0 0 0,0 1 0,-4 2 0,-9 7 0,0-1 0,-1-1 0,-35 18 0,33-20 0,-18 8 0,1 2 0,1 2 0,-44 33 0,54-39-1365,16-13-5461</inkml:trace>
 </inkml:ink>
 </file>
 
@@ -14450,7 +14805,7 @@
         </p:blipFill>
         <p:spPr>
           <a:xfrm>
-            <a:off x="2687496" y="1105381"/>
+            <a:off x="2687496" y="1114712"/>
             <a:ext cx="5505890" cy="3345732"/>
           </a:xfrm>
           <a:prstGeom prst="rect">
@@ -33952,6 +34307,3233 @@
     <p:extLst>
       <p:ext uri="{BB962C8B-B14F-4D97-AF65-F5344CB8AC3E}">
         <p14:creationId xmlns:p14="http://schemas.microsoft.com/office/powerpoint/2010/main" val="497806484"/>
+      </p:ext>
+    </p:extLst>
+  </p:cSld>
+  <p:clrMapOvr>
+    <a:masterClrMapping/>
+  </p:clrMapOvr>
+</p:sld>
+</file>
+
+<file path=ppt/slides/slide34.xml><?xml version="1.0" encoding="utf-8"?>
+<p:sld xmlns:a="http://schemas.openxmlformats.org/drawingml/2006/main" xmlns:r="http://schemas.openxmlformats.org/officeDocument/2006/relationships" xmlns:p="http://schemas.openxmlformats.org/presentationml/2006/main">
+  <p:cSld>
+    <p:spTree>
+      <p:nvGrpSpPr>
+        <p:cNvPr id="1" name=""/>
+        <p:cNvGrpSpPr/>
+        <p:nvPr/>
+      </p:nvGrpSpPr>
+      <p:grpSpPr>
+        <a:xfrm>
+          <a:off x="0" y="0"/>
+          <a:ext cx="0" cy="0"/>
+          <a:chOff x="0" y="0"/>
+          <a:chExt cx="0" cy="0"/>
+        </a:xfrm>
+      </p:grpSpPr>
+      <p:graphicFrame>
+        <p:nvGraphicFramePr>
+          <p:cNvPr id="2" name="Tabelle 2">
+            <a:extLst>
+              <a:ext uri="{FF2B5EF4-FFF2-40B4-BE49-F238E27FC236}">
+                <a16:creationId xmlns:a16="http://schemas.microsoft.com/office/drawing/2014/main" id="{927D763F-BD1C-254E-702C-C45D42714545}"/>
+              </a:ext>
+            </a:extLst>
+          </p:cNvPr>
+          <p:cNvGraphicFramePr>
+            <a:graphicFrameLocks noGrp="1"/>
+          </p:cNvGraphicFramePr>
+          <p:nvPr>
+            <p:extLst>
+              <p:ext uri="{D42A27DB-BD31-4B8C-83A1-F6EECF244321}">
+                <p14:modId xmlns:p14="http://schemas.microsoft.com/office/powerpoint/2010/main" val="2128401263"/>
+              </p:ext>
+            </p:extLst>
+          </p:nvPr>
+        </p:nvGraphicFramePr>
+        <p:xfrm>
+          <a:off x="1237705" y="2467909"/>
+          <a:ext cx="4317040" cy="3929976"/>
+        </p:xfrm>
+        <a:graphic>
+          <a:graphicData uri="http://schemas.openxmlformats.org/drawingml/2006/table">
+            <a:tbl>
+              <a:tblPr firstRow="1" bandRow="1">
+                <a:tableStyleId>{5940675A-B579-460E-94D1-54222C63F5DA}</a:tableStyleId>
+              </a:tblPr>
+              <a:tblGrid>
+                <a:gridCol w="539630">
+                  <a:extLst>
+                    <a:ext uri="{9D8B030D-6E8A-4147-A177-3AD203B41FA5}">
+                      <a16:colId xmlns:a16="http://schemas.microsoft.com/office/drawing/2014/main" val="1785607372"/>
+                    </a:ext>
+                  </a:extLst>
+                </a:gridCol>
+                <a:gridCol w="539630">
+                  <a:extLst>
+                    <a:ext uri="{9D8B030D-6E8A-4147-A177-3AD203B41FA5}">
+                      <a16:colId xmlns:a16="http://schemas.microsoft.com/office/drawing/2014/main" val="1463598042"/>
+                    </a:ext>
+                  </a:extLst>
+                </a:gridCol>
+                <a:gridCol w="539630">
+                  <a:extLst>
+                    <a:ext uri="{9D8B030D-6E8A-4147-A177-3AD203B41FA5}">
+                      <a16:colId xmlns:a16="http://schemas.microsoft.com/office/drawing/2014/main" val="209405926"/>
+                    </a:ext>
+                  </a:extLst>
+                </a:gridCol>
+                <a:gridCol w="539630">
+                  <a:extLst>
+                    <a:ext uri="{9D8B030D-6E8A-4147-A177-3AD203B41FA5}">
+                      <a16:colId xmlns:a16="http://schemas.microsoft.com/office/drawing/2014/main" val="394831403"/>
+                    </a:ext>
+                  </a:extLst>
+                </a:gridCol>
+                <a:gridCol w="539630">
+                  <a:extLst>
+                    <a:ext uri="{9D8B030D-6E8A-4147-A177-3AD203B41FA5}">
+                      <a16:colId xmlns:a16="http://schemas.microsoft.com/office/drawing/2014/main" val="3869553879"/>
+                    </a:ext>
+                  </a:extLst>
+                </a:gridCol>
+                <a:gridCol w="539630">
+                  <a:extLst>
+                    <a:ext uri="{9D8B030D-6E8A-4147-A177-3AD203B41FA5}">
+                      <a16:colId xmlns:a16="http://schemas.microsoft.com/office/drawing/2014/main" val="4281842237"/>
+                    </a:ext>
+                  </a:extLst>
+                </a:gridCol>
+                <a:gridCol w="539630">
+                  <a:extLst>
+                    <a:ext uri="{9D8B030D-6E8A-4147-A177-3AD203B41FA5}">
+                      <a16:colId xmlns:a16="http://schemas.microsoft.com/office/drawing/2014/main" val="4076474880"/>
+                    </a:ext>
+                  </a:extLst>
+                </a:gridCol>
+                <a:gridCol w="539630">
+                  <a:extLst>
+                    <a:ext uri="{9D8B030D-6E8A-4147-A177-3AD203B41FA5}">
+                      <a16:colId xmlns:a16="http://schemas.microsoft.com/office/drawing/2014/main" val="1829535068"/>
+                    </a:ext>
+                  </a:extLst>
+                </a:gridCol>
+              </a:tblGrid>
+              <a:tr h="491247">
+                <a:tc>
+                  <a:txBody>
+                    <a:bodyPr/>
+                    <a:lstStyle/>
+                    <a:p>
+                      <a:r>
+                        <a:rPr lang="de-DE" dirty="0"/>
+                        <a:t>0</a:t>
+                      </a:r>
+                    </a:p>
+                  </a:txBody>
+                  <a:tcPr/>
+                </a:tc>
+                <a:tc>
+                  <a:txBody>
+                    <a:bodyPr/>
+                    <a:lstStyle/>
+                    <a:p>
+                      <a:r>
+                        <a:rPr lang="de-DE" dirty="0"/>
+                        <a:t>0</a:t>
+                      </a:r>
+                    </a:p>
+                  </a:txBody>
+                  <a:tcPr/>
+                </a:tc>
+                <a:tc>
+                  <a:txBody>
+                    <a:bodyPr/>
+                    <a:lstStyle/>
+                    <a:p>
+                      <a:r>
+                        <a:rPr lang="de-DE" dirty="0"/>
+                        <a:t>0</a:t>
+                      </a:r>
+                    </a:p>
+                  </a:txBody>
+                  <a:tcPr/>
+                </a:tc>
+                <a:tc>
+                  <a:txBody>
+                    <a:bodyPr/>
+                    <a:lstStyle/>
+                    <a:p>
+                      <a:r>
+                        <a:rPr lang="de-DE" dirty="0"/>
+                        <a:t>0</a:t>
+                      </a:r>
+                    </a:p>
+                  </a:txBody>
+                  <a:tcPr>
+                    <a:solidFill>
+                      <a:schemeClr val="accent5">
+                        <a:lumMod val="40000"/>
+                        <a:lumOff val="60000"/>
+                      </a:schemeClr>
+                    </a:solidFill>
+                  </a:tcPr>
+                </a:tc>
+                <a:tc>
+                  <a:txBody>
+                    <a:bodyPr/>
+                    <a:lstStyle/>
+                    <a:p>
+                      <a:r>
+                        <a:rPr lang="de-DE" dirty="0"/>
+                        <a:t>13</a:t>
+                      </a:r>
+                    </a:p>
+                  </a:txBody>
+                  <a:tcPr>
+                    <a:solidFill>
+                      <a:srgbClr val="00B0F0"/>
+                    </a:solidFill>
+                  </a:tcPr>
+                </a:tc>
+                <a:tc>
+                  <a:txBody>
+                    <a:bodyPr/>
+                    <a:lstStyle/>
+                    <a:p>
+                      <a:r>
+                        <a:rPr lang="de-DE" dirty="0"/>
+                        <a:t>0</a:t>
+                      </a:r>
+                    </a:p>
+                  </a:txBody>
+                  <a:tcPr>
+                    <a:solidFill>
+                      <a:schemeClr val="accent5">
+                        <a:lumMod val="40000"/>
+                        <a:lumOff val="60000"/>
+                      </a:schemeClr>
+                    </a:solidFill>
+                  </a:tcPr>
+                </a:tc>
+                <a:tc>
+                  <a:txBody>
+                    <a:bodyPr/>
+                    <a:lstStyle/>
+                    <a:p>
+                      <a:r>
+                        <a:rPr lang="de-DE" dirty="0"/>
+                        <a:t>0</a:t>
+                      </a:r>
+                    </a:p>
+                  </a:txBody>
+                  <a:tcPr/>
+                </a:tc>
+                <a:tc>
+                  <a:txBody>
+                    <a:bodyPr/>
+                    <a:lstStyle/>
+                    <a:p>
+                      <a:r>
+                        <a:rPr lang="de-DE" dirty="0"/>
+                        <a:t>0</a:t>
+                      </a:r>
+                    </a:p>
+                  </a:txBody>
+                  <a:tcPr/>
+                </a:tc>
+                <a:extLst>
+                  <a:ext uri="{0D108BD9-81ED-4DB2-BD59-A6C34878D82A}">
+                    <a16:rowId xmlns:a16="http://schemas.microsoft.com/office/drawing/2014/main" val="2850280056"/>
+                  </a:ext>
+                </a:extLst>
+              </a:tr>
+              <a:tr h="491247">
+                <a:tc>
+                  <a:txBody>
+                    <a:bodyPr/>
+                    <a:lstStyle/>
+                    <a:p>
+                      <a:r>
+                        <a:rPr lang="de-DE" dirty="0"/>
+                        <a:t>0</a:t>
+                      </a:r>
+                    </a:p>
+                  </a:txBody>
+                  <a:tcPr/>
+                </a:tc>
+                <a:tc>
+                  <a:txBody>
+                    <a:bodyPr/>
+                    <a:lstStyle/>
+                    <a:p>
+                      <a:r>
+                        <a:rPr lang="de-DE" dirty="0"/>
+                        <a:t>0</a:t>
+                      </a:r>
+                    </a:p>
+                  </a:txBody>
+                  <a:tcPr/>
+                </a:tc>
+                <a:tc>
+                  <a:txBody>
+                    <a:bodyPr/>
+                    <a:lstStyle/>
+                    <a:p>
+                      <a:r>
+                        <a:rPr lang="de-DE" dirty="0"/>
+                        <a:t>0</a:t>
+                      </a:r>
+                    </a:p>
+                  </a:txBody>
+                  <a:tcPr/>
+                </a:tc>
+                <a:tc>
+                  <a:txBody>
+                    <a:bodyPr/>
+                    <a:lstStyle/>
+                    <a:p>
+                      <a:r>
+                        <a:rPr lang="de-DE" dirty="0"/>
+                        <a:t>0</a:t>
+                      </a:r>
+                    </a:p>
+                  </a:txBody>
+                  <a:tcPr/>
+                </a:tc>
+                <a:tc>
+                  <a:txBody>
+                    <a:bodyPr/>
+                    <a:lstStyle/>
+                    <a:p>
+                      <a:r>
+                        <a:rPr lang="de-DE" dirty="0"/>
+                        <a:t>0</a:t>
+                      </a:r>
+                    </a:p>
+                  </a:txBody>
+                  <a:tcPr/>
+                </a:tc>
+                <a:tc>
+                  <a:txBody>
+                    <a:bodyPr/>
+                    <a:lstStyle/>
+                    <a:p>
+                      <a:r>
+                        <a:rPr lang="de-DE" dirty="0"/>
+                        <a:t>0</a:t>
+                      </a:r>
+                    </a:p>
+                  </a:txBody>
+                  <a:tcPr/>
+                </a:tc>
+                <a:tc>
+                  <a:txBody>
+                    <a:bodyPr/>
+                    <a:lstStyle/>
+                    <a:p>
+                      <a:r>
+                        <a:rPr lang="de-DE" dirty="0"/>
+                        <a:t>0</a:t>
+                      </a:r>
+                    </a:p>
+                  </a:txBody>
+                  <a:tcPr/>
+                </a:tc>
+                <a:tc>
+                  <a:txBody>
+                    <a:bodyPr/>
+                    <a:lstStyle/>
+                    <a:p>
+                      <a:r>
+                        <a:rPr lang="de-DE" dirty="0"/>
+                        <a:t>0</a:t>
+                      </a:r>
+                    </a:p>
+                  </a:txBody>
+                  <a:tcPr/>
+                </a:tc>
+                <a:extLst>
+                  <a:ext uri="{0D108BD9-81ED-4DB2-BD59-A6C34878D82A}">
+                    <a16:rowId xmlns:a16="http://schemas.microsoft.com/office/drawing/2014/main" val="138266482"/>
+                  </a:ext>
+                </a:extLst>
+              </a:tr>
+              <a:tr h="491247">
+                <a:tc>
+                  <a:txBody>
+                    <a:bodyPr/>
+                    <a:lstStyle/>
+                    <a:p>
+                      <a:r>
+                        <a:rPr lang="de-DE" dirty="0"/>
+                        <a:t>9</a:t>
+                      </a:r>
+                    </a:p>
+                  </a:txBody>
+                  <a:tcPr>
+                    <a:solidFill>
+                      <a:srgbClr val="FFFF00"/>
+                    </a:solidFill>
+                  </a:tcPr>
+                </a:tc>
+                <a:tc>
+                  <a:txBody>
+                    <a:bodyPr/>
+                    <a:lstStyle/>
+                    <a:p>
+                      <a:r>
+                        <a:rPr lang="de-DE" dirty="0"/>
+                        <a:t>0</a:t>
+                      </a:r>
+                    </a:p>
+                  </a:txBody>
+                  <a:tcPr/>
+                </a:tc>
+                <a:tc>
+                  <a:txBody>
+                    <a:bodyPr/>
+                    <a:lstStyle/>
+                    <a:p>
+                      <a:r>
+                        <a:rPr lang="de-DE" dirty="0"/>
+                        <a:t>0</a:t>
+                      </a:r>
+                    </a:p>
+                  </a:txBody>
+                  <a:tcPr/>
+                </a:tc>
+                <a:tc>
+                  <a:txBody>
+                    <a:bodyPr/>
+                    <a:lstStyle/>
+                    <a:p>
+                      <a:r>
+                        <a:rPr lang="de-DE" dirty="0"/>
+                        <a:t>0</a:t>
+                      </a:r>
+                    </a:p>
+                  </a:txBody>
+                  <a:tcPr/>
+                </a:tc>
+                <a:tc>
+                  <a:txBody>
+                    <a:bodyPr/>
+                    <a:lstStyle/>
+                    <a:p>
+                      <a:r>
+                        <a:rPr lang="de-DE" dirty="0"/>
+                        <a:t>0</a:t>
+                      </a:r>
+                    </a:p>
+                  </a:txBody>
+                  <a:tcPr/>
+                </a:tc>
+                <a:tc>
+                  <a:txBody>
+                    <a:bodyPr/>
+                    <a:lstStyle/>
+                    <a:p>
+                      <a:r>
+                        <a:rPr lang="de-DE" dirty="0"/>
+                        <a:t>14</a:t>
+                      </a:r>
+                    </a:p>
+                  </a:txBody>
+                  <a:tcPr>
+                    <a:solidFill>
+                      <a:srgbClr val="FFFF00"/>
+                    </a:solidFill>
+                  </a:tcPr>
+                </a:tc>
+                <a:tc>
+                  <a:txBody>
+                    <a:bodyPr/>
+                    <a:lstStyle/>
+                    <a:p>
+                      <a:r>
+                        <a:rPr lang="de-DE" dirty="0"/>
+                        <a:t>0</a:t>
+                      </a:r>
+                    </a:p>
+                  </a:txBody>
+                  <a:tcPr/>
+                </a:tc>
+                <a:tc>
+                  <a:txBody>
+                    <a:bodyPr/>
+                    <a:lstStyle/>
+                    <a:p>
+                      <a:r>
+                        <a:rPr lang="de-DE" dirty="0"/>
+                        <a:t>0</a:t>
+                      </a:r>
+                    </a:p>
+                  </a:txBody>
+                  <a:tcPr/>
+                </a:tc>
+                <a:extLst>
+                  <a:ext uri="{0D108BD9-81ED-4DB2-BD59-A6C34878D82A}">
+                    <a16:rowId xmlns:a16="http://schemas.microsoft.com/office/drawing/2014/main" val="295067002"/>
+                  </a:ext>
+                </a:extLst>
+              </a:tr>
+              <a:tr h="491247">
+                <a:tc>
+                  <a:txBody>
+                    <a:bodyPr/>
+                    <a:lstStyle/>
+                    <a:p>
+                      <a:r>
+                        <a:rPr lang="de-DE" dirty="0"/>
+                        <a:t>0</a:t>
+                      </a:r>
+                    </a:p>
+                  </a:txBody>
+                  <a:tcPr/>
+                </a:tc>
+                <a:tc>
+                  <a:txBody>
+                    <a:bodyPr/>
+                    <a:lstStyle/>
+                    <a:p>
+                      <a:r>
+                        <a:rPr lang="de-DE" dirty="0"/>
+                        <a:t>0</a:t>
+                      </a:r>
+                    </a:p>
+                  </a:txBody>
+                  <a:tcPr/>
+                </a:tc>
+                <a:tc>
+                  <a:txBody>
+                    <a:bodyPr/>
+                    <a:lstStyle/>
+                    <a:p>
+                      <a:r>
+                        <a:rPr lang="de-DE" dirty="0"/>
+                        <a:t>0</a:t>
+                      </a:r>
+                    </a:p>
+                  </a:txBody>
+                  <a:tcPr/>
+                </a:tc>
+                <a:tc>
+                  <a:txBody>
+                    <a:bodyPr/>
+                    <a:lstStyle/>
+                    <a:p>
+                      <a:r>
+                        <a:rPr lang="de-DE" dirty="0"/>
+                        <a:t>0</a:t>
+                      </a:r>
+                    </a:p>
+                  </a:txBody>
+                  <a:tcPr/>
+                </a:tc>
+                <a:tc>
+                  <a:txBody>
+                    <a:bodyPr/>
+                    <a:lstStyle/>
+                    <a:p>
+                      <a:r>
+                        <a:rPr lang="de-DE" dirty="0"/>
+                        <a:t>0</a:t>
+                      </a:r>
+                    </a:p>
+                  </a:txBody>
+                  <a:tcPr/>
+                </a:tc>
+                <a:tc>
+                  <a:txBody>
+                    <a:bodyPr/>
+                    <a:lstStyle/>
+                    <a:p>
+                      <a:r>
+                        <a:rPr lang="de-DE" dirty="0"/>
+                        <a:t>0</a:t>
+                      </a:r>
+                    </a:p>
+                  </a:txBody>
+                  <a:tcPr/>
+                </a:tc>
+                <a:tc>
+                  <a:txBody>
+                    <a:bodyPr/>
+                    <a:lstStyle/>
+                    <a:p>
+                      <a:r>
+                        <a:rPr lang="de-DE" dirty="0"/>
+                        <a:t>0</a:t>
+                      </a:r>
+                    </a:p>
+                  </a:txBody>
+                  <a:tcPr/>
+                </a:tc>
+                <a:tc>
+                  <a:txBody>
+                    <a:bodyPr/>
+                    <a:lstStyle/>
+                    <a:p>
+                      <a:r>
+                        <a:rPr lang="de-DE" dirty="0"/>
+                        <a:t>0</a:t>
+                      </a:r>
+                    </a:p>
+                  </a:txBody>
+                  <a:tcPr/>
+                </a:tc>
+                <a:extLst>
+                  <a:ext uri="{0D108BD9-81ED-4DB2-BD59-A6C34878D82A}">
+                    <a16:rowId xmlns:a16="http://schemas.microsoft.com/office/drawing/2014/main" val="3250296098"/>
+                  </a:ext>
+                </a:extLst>
+              </a:tr>
+              <a:tr h="491247">
+                <a:tc>
+                  <a:txBody>
+                    <a:bodyPr/>
+                    <a:lstStyle/>
+                    <a:p>
+                      <a:r>
+                        <a:rPr lang="de-DE" dirty="0"/>
+                        <a:t>0</a:t>
+                      </a:r>
+                    </a:p>
+                  </a:txBody>
+                  <a:tcPr>
+                    <a:solidFill>
+                      <a:schemeClr val="accent6">
+                        <a:lumMod val="40000"/>
+                        <a:lumOff val="60000"/>
+                      </a:schemeClr>
+                    </a:solidFill>
+                  </a:tcPr>
+                </a:tc>
+                <a:tc>
+                  <a:txBody>
+                    <a:bodyPr/>
+                    <a:lstStyle/>
+                    <a:p>
+                      <a:r>
+                        <a:rPr lang="de-DE" dirty="0"/>
+                        <a:t>10</a:t>
+                      </a:r>
+                    </a:p>
+                  </a:txBody>
+                  <a:tcPr>
+                    <a:solidFill>
+                      <a:srgbClr val="92D050"/>
+                    </a:solidFill>
+                  </a:tcPr>
+                </a:tc>
+                <a:tc>
+                  <a:txBody>
+                    <a:bodyPr/>
+                    <a:lstStyle/>
+                    <a:p>
+                      <a:r>
+                        <a:rPr lang="de-DE" dirty="0"/>
+                        <a:t>0</a:t>
+                      </a:r>
+                    </a:p>
+                  </a:txBody>
+                  <a:tcPr>
+                    <a:solidFill>
+                      <a:schemeClr val="accent6">
+                        <a:lumMod val="40000"/>
+                        <a:lumOff val="60000"/>
+                      </a:schemeClr>
+                    </a:solidFill>
+                  </a:tcPr>
+                </a:tc>
+                <a:tc>
+                  <a:txBody>
+                    <a:bodyPr/>
+                    <a:lstStyle/>
+                    <a:p>
+                      <a:r>
+                        <a:rPr lang="de-DE" dirty="0"/>
+                        <a:t>0</a:t>
+                      </a:r>
+                    </a:p>
+                  </a:txBody>
+                  <a:tcPr/>
+                </a:tc>
+                <a:tc>
+                  <a:txBody>
+                    <a:bodyPr/>
+                    <a:lstStyle/>
+                    <a:p>
+                      <a:r>
+                        <a:rPr lang="de-DE" dirty="0"/>
+                        <a:t>0</a:t>
+                      </a:r>
+                    </a:p>
+                  </a:txBody>
+                  <a:tcPr/>
+                </a:tc>
+                <a:tc>
+                  <a:txBody>
+                    <a:bodyPr/>
+                    <a:lstStyle/>
+                    <a:p>
+                      <a:r>
+                        <a:rPr lang="de-DE" dirty="0"/>
+                        <a:t>0</a:t>
+                      </a:r>
+                    </a:p>
+                  </a:txBody>
+                  <a:tcPr/>
+                </a:tc>
+                <a:tc>
+                  <a:txBody>
+                    <a:bodyPr/>
+                    <a:lstStyle/>
+                    <a:p>
+                      <a:r>
+                        <a:rPr lang="de-DE" dirty="0"/>
+                        <a:t>0</a:t>
+                      </a:r>
+                    </a:p>
+                  </a:txBody>
+                  <a:tcPr/>
+                </a:tc>
+                <a:tc>
+                  <a:txBody>
+                    <a:bodyPr/>
+                    <a:lstStyle/>
+                    <a:p>
+                      <a:r>
+                        <a:rPr lang="de-DE" dirty="0"/>
+                        <a:t>0</a:t>
+                      </a:r>
+                    </a:p>
+                  </a:txBody>
+                  <a:tcPr/>
+                </a:tc>
+                <a:extLst>
+                  <a:ext uri="{0D108BD9-81ED-4DB2-BD59-A6C34878D82A}">
+                    <a16:rowId xmlns:a16="http://schemas.microsoft.com/office/drawing/2014/main" val="697286374"/>
+                  </a:ext>
+                </a:extLst>
+              </a:tr>
+              <a:tr h="491247">
+                <a:tc>
+                  <a:txBody>
+                    <a:bodyPr/>
+                    <a:lstStyle/>
+                    <a:p>
+                      <a:r>
+                        <a:rPr lang="de-DE" dirty="0"/>
+                        <a:t>0</a:t>
+                      </a:r>
+                    </a:p>
+                  </a:txBody>
+                  <a:tcPr/>
+                </a:tc>
+                <a:tc>
+                  <a:txBody>
+                    <a:bodyPr/>
+                    <a:lstStyle/>
+                    <a:p>
+                      <a:r>
+                        <a:rPr lang="de-DE" dirty="0"/>
+                        <a:t>0</a:t>
+                      </a:r>
+                    </a:p>
+                  </a:txBody>
+                  <a:tcPr/>
+                </a:tc>
+                <a:tc>
+                  <a:txBody>
+                    <a:bodyPr/>
+                    <a:lstStyle/>
+                    <a:p>
+                      <a:r>
+                        <a:rPr lang="de-DE" dirty="0"/>
+                        <a:t>0</a:t>
+                      </a:r>
+                    </a:p>
+                  </a:txBody>
+                  <a:tcPr/>
+                </a:tc>
+                <a:tc>
+                  <a:txBody>
+                    <a:bodyPr/>
+                    <a:lstStyle/>
+                    <a:p>
+                      <a:r>
+                        <a:rPr lang="de-DE" dirty="0"/>
+                        <a:t>0</a:t>
+                      </a:r>
+                    </a:p>
+                  </a:txBody>
+                  <a:tcPr/>
+                </a:tc>
+                <a:tc>
+                  <a:txBody>
+                    <a:bodyPr/>
+                    <a:lstStyle/>
+                    <a:p>
+                      <a:r>
+                        <a:rPr lang="de-DE" dirty="0"/>
+                        <a:t>0</a:t>
+                      </a:r>
+                    </a:p>
+                  </a:txBody>
+                  <a:tcPr/>
+                </a:tc>
+                <a:tc>
+                  <a:txBody>
+                    <a:bodyPr/>
+                    <a:lstStyle/>
+                    <a:p>
+                      <a:r>
+                        <a:rPr lang="de-DE" dirty="0"/>
+                        <a:t>0</a:t>
+                      </a:r>
+                    </a:p>
+                  </a:txBody>
+                  <a:tcPr/>
+                </a:tc>
+                <a:tc>
+                  <a:txBody>
+                    <a:bodyPr/>
+                    <a:lstStyle/>
+                    <a:p>
+                      <a:r>
+                        <a:rPr lang="de-DE" dirty="0"/>
+                        <a:t>15</a:t>
+                      </a:r>
+                    </a:p>
+                  </a:txBody>
+                  <a:tcPr/>
+                </a:tc>
+                <a:tc>
+                  <a:txBody>
+                    <a:bodyPr/>
+                    <a:lstStyle/>
+                    <a:p>
+                      <a:r>
+                        <a:rPr lang="de-DE" dirty="0"/>
+                        <a:t>0</a:t>
+                      </a:r>
+                    </a:p>
+                  </a:txBody>
+                  <a:tcPr/>
+                </a:tc>
+                <a:extLst>
+                  <a:ext uri="{0D108BD9-81ED-4DB2-BD59-A6C34878D82A}">
+                    <a16:rowId xmlns:a16="http://schemas.microsoft.com/office/drawing/2014/main" val="576374473"/>
+                  </a:ext>
+                </a:extLst>
+              </a:tr>
+              <a:tr h="491247">
+                <a:tc>
+                  <a:txBody>
+                    <a:bodyPr/>
+                    <a:lstStyle/>
+                    <a:p>
+                      <a:r>
+                        <a:rPr lang="de-DE" dirty="0"/>
+                        <a:t>0</a:t>
+                      </a:r>
+                    </a:p>
+                  </a:txBody>
+                  <a:tcPr/>
+                </a:tc>
+                <a:tc>
+                  <a:txBody>
+                    <a:bodyPr/>
+                    <a:lstStyle/>
+                    <a:p>
+                      <a:r>
+                        <a:rPr lang="de-DE" dirty="0"/>
+                        <a:t>0</a:t>
+                      </a:r>
+                    </a:p>
+                  </a:txBody>
+                  <a:tcPr/>
+                </a:tc>
+                <a:tc>
+                  <a:txBody>
+                    <a:bodyPr/>
+                    <a:lstStyle/>
+                    <a:p>
+                      <a:r>
+                        <a:rPr lang="de-DE" dirty="0"/>
+                        <a:t>0</a:t>
+                      </a:r>
+                    </a:p>
+                  </a:txBody>
+                  <a:tcPr/>
+                </a:tc>
+                <a:tc>
+                  <a:txBody>
+                    <a:bodyPr/>
+                    <a:lstStyle/>
+                    <a:p>
+                      <a:r>
+                        <a:rPr lang="de-DE" dirty="0"/>
+                        <a:t>0</a:t>
+                      </a:r>
+                    </a:p>
+                  </a:txBody>
+                  <a:tcPr/>
+                </a:tc>
+                <a:tc>
+                  <a:txBody>
+                    <a:bodyPr/>
+                    <a:lstStyle/>
+                    <a:p>
+                      <a:r>
+                        <a:rPr lang="de-DE" dirty="0"/>
+                        <a:t>0</a:t>
+                      </a:r>
+                    </a:p>
+                  </a:txBody>
+                  <a:tcPr/>
+                </a:tc>
+                <a:tc>
+                  <a:txBody>
+                    <a:bodyPr/>
+                    <a:lstStyle/>
+                    <a:p>
+                      <a:r>
+                        <a:rPr lang="de-DE" dirty="0"/>
+                        <a:t>0</a:t>
+                      </a:r>
+                    </a:p>
+                  </a:txBody>
+                  <a:tcPr/>
+                </a:tc>
+                <a:tc>
+                  <a:txBody>
+                    <a:bodyPr/>
+                    <a:lstStyle/>
+                    <a:p>
+                      <a:r>
+                        <a:rPr lang="de-DE" dirty="0"/>
+                        <a:t>0</a:t>
+                      </a:r>
+                    </a:p>
+                  </a:txBody>
+                  <a:tcPr/>
+                </a:tc>
+                <a:tc>
+                  <a:txBody>
+                    <a:bodyPr/>
+                    <a:lstStyle/>
+                    <a:p>
+                      <a:r>
+                        <a:rPr lang="de-DE" dirty="0"/>
+                        <a:t>0</a:t>
+                      </a:r>
+                    </a:p>
+                  </a:txBody>
+                  <a:tcPr/>
+                </a:tc>
+                <a:extLst>
+                  <a:ext uri="{0D108BD9-81ED-4DB2-BD59-A6C34878D82A}">
+                    <a16:rowId xmlns:a16="http://schemas.microsoft.com/office/drawing/2014/main" val="389785549"/>
+                  </a:ext>
+                </a:extLst>
+              </a:tr>
+              <a:tr h="491247">
+                <a:tc>
+                  <a:txBody>
+                    <a:bodyPr/>
+                    <a:lstStyle/>
+                    <a:p>
+                      <a:r>
+                        <a:rPr lang="de-DE" dirty="0"/>
+                        <a:t>0</a:t>
+                      </a:r>
+                    </a:p>
+                  </a:txBody>
+                  <a:tcPr/>
+                </a:tc>
+                <a:tc>
+                  <a:txBody>
+                    <a:bodyPr/>
+                    <a:lstStyle/>
+                    <a:p>
+                      <a:r>
+                        <a:rPr lang="de-DE" dirty="0"/>
+                        <a:t>0</a:t>
+                      </a:r>
+                    </a:p>
+                  </a:txBody>
+                  <a:tcPr/>
+                </a:tc>
+                <a:tc>
+                  <a:txBody>
+                    <a:bodyPr/>
+                    <a:lstStyle/>
+                    <a:p>
+                      <a:r>
+                        <a:rPr lang="de-DE" dirty="0"/>
+                        <a:t>0</a:t>
+                      </a:r>
+                    </a:p>
+                  </a:txBody>
+                  <a:tcPr/>
+                </a:tc>
+                <a:tc>
+                  <a:txBody>
+                    <a:bodyPr/>
+                    <a:lstStyle/>
+                    <a:p>
+                      <a:r>
+                        <a:rPr lang="de-DE" dirty="0"/>
+                        <a:t>0</a:t>
+                      </a:r>
+                    </a:p>
+                  </a:txBody>
+                  <a:tcPr/>
+                </a:tc>
+                <a:tc>
+                  <a:txBody>
+                    <a:bodyPr/>
+                    <a:lstStyle/>
+                    <a:p>
+                      <a:r>
+                        <a:rPr lang="de-DE" dirty="0"/>
+                        <a:t>0</a:t>
+                      </a:r>
+                    </a:p>
+                  </a:txBody>
+                  <a:tcPr/>
+                </a:tc>
+                <a:tc>
+                  <a:txBody>
+                    <a:bodyPr/>
+                    <a:lstStyle/>
+                    <a:p>
+                      <a:r>
+                        <a:rPr lang="de-DE" dirty="0"/>
+                        <a:t>0</a:t>
+                      </a:r>
+                    </a:p>
+                  </a:txBody>
+                  <a:tcPr/>
+                </a:tc>
+                <a:tc>
+                  <a:txBody>
+                    <a:bodyPr/>
+                    <a:lstStyle/>
+                    <a:p>
+                      <a:r>
+                        <a:rPr lang="de-DE" dirty="0"/>
+                        <a:t>0</a:t>
+                      </a:r>
+                    </a:p>
+                  </a:txBody>
+                  <a:tcPr/>
+                </a:tc>
+                <a:tc>
+                  <a:txBody>
+                    <a:bodyPr/>
+                    <a:lstStyle/>
+                    <a:p>
+                      <a:r>
+                        <a:rPr lang="de-DE" dirty="0"/>
+                        <a:t>0</a:t>
+                      </a:r>
+                    </a:p>
+                  </a:txBody>
+                  <a:tcPr/>
+                </a:tc>
+                <a:extLst>
+                  <a:ext uri="{0D108BD9-81ED-4DB2-BD59-A6C34878D82A}">
+                    <a16:rowId xmlns:a16="http://schemas.microsoft.com/office/drawing/2014/main" val="1810393475"/>
+                  </a:ext>
+                </a:extLst>
+              </a:tr>
+            </a:tbl>
+          </a:graphicData>
+        </a:graphic>
+      </p:graphicFrame>
+      <p:graphicFrame>
+        <p:nvGraphicFramePr>
+          <p:cNvPr id="3" name="Tabelle 2">
+            <a:extLst>
+              <a:ext uri="{FF2B5EF4-FFF2-40B4-BE49-F238E27FC236}">
+                <a16:creationId xmlns:a16="http://schemas.microsoft.com/office/drawing/2014/main" id="{13563FCD-D765-4789-D682-66A92231F2E2}"/>
+              </a:ext>
+            </a:extLst>
+          </p:cNvPr>
+          <p:cNvGraphicFramePr>
+            <a:graphicFrameLocks noGrp="1"/>
+          </p:cNvGraphicFramePr>
+          <p:nvPr>
+            <p:extLst>
+              <p:ext uri="{D42A27DB-BD31-4B8C-83A1-F6EECF244321}">
+                <p14:modId xmlns:p14="http://schemas.microsoft.com/office/powerpoint/2010/main" val="3145374047"/>
+              </p:ext>
+            </p:extLst>
+          </p:nvPr>
+        </p:nvGraphicFramePr>
+        <p:xfrm>
+          <a:off x="7037585" y="2442151"/>
+          <a:ext cx="4317040" cy="3929976"/>
+        </p:xfrm>
+        <a:graphic>
+          <a:graphicData uri="http://schemas.openxmlformats.org/drawingml/2006/table">
+            <a:tbl>
+              <a:tblPr firstRow="1" bandRow="1">
+                <a:tableStyleId>{5940675A-B579-460E-94D1-54222C63F5DA}</a:tableStyleId>
+              </a:tblPr>
+              <a:tblGrid>
+                <a:gridCol w="539630">
+                  <a:extLst>
+                    <a:ext uri="{9D8B030D-6E8A-4147-A177-3AD203B41FA5}">
+                      <a16:colId xmlns:a16="http://schemas.microsoft.com/office/drawing/2014/main" val="1785607372"/>
+                    </a:ext>
+                  </a:extLst>
+                </a:gridCol>
+                <a:gridCol w="539630">
+                  <a:extLst>
+                    <a:ext uri="{9D8B030D-6E8A-4147-A177-3AD203B41FA5}">
+                      <a16:colId xmlns:a16="http://schemas.microsoft.com/office/drawing/2014/main" val="1463598042"/>
+                    </a:ext>
+                  </a:extLst>
+                </a:gridCol>
+                <a:gridCol w="539630">
+                  <a:extLst>
+                    <a:ext uri="{9D8B030D-6E8A-4147-A177-3AD203B41FA5}">
+                      <a16:colId xmlns:a16="http://schemas.microsoft.com/office/drawing/2014/main" val="209405926"/>
+                    </a:ext>
+                  </a:extLst>
+                </a:gridCol>
+                <a:gridCol w="539630">
+                  <a:extLst>
+                    <a:ext uri="{9D8B030D-6E8A-4147-A177-3AD203B41FA5}">
+                      <a16:colId xmlns:a16="http://schemas.microsoft.com/office/drawing/2014/main" val="394831403"/>
+                    </a:ext>
+                  </a:extLst>
+                </a:gridCol>
+                <a:gridCol w="539630">
+                  <a:extLst>
+                    <a:ext uri="{9D8B030D-6E8A-4147-A177-3AD203B41FA5}">
+                      <a16:colId xmlns:a16="http://schemas.microsoft.com/office/drawing/2014/main" val="3869553879"/>
+                    </a:ext>
+                  </a:extLst>
+                </a:gridCol>
+                <a:gridCol w="539630">
+                  <a:extLst>
+                    <a:ext uri="{9D8B030D-6E8A-4147-A177-3AD203B41FA5}">
+                      <a16:colId xmlns:a16="http://schemas.microsoft.com/office/drawing/2014/main" val="4281842237"/>
+                    </a:ext>
+                  </a:extLst>
+                </a:gridCol>
+                <a:gridCol w="539630">
+                  <a:extLst>
+                    <a:ext uri="{9D8B030D-6E8A-4147-A177-3AD203B41FA5}">
+                      <a16:colId xmlns:a16="http://schemas.microsoft.com/office/drawing/2014/main" val="4076474880"/>
+                    </a:ext>
+                  </a:extLst>
+                </a:gridCol>
+                <a:gridCol w="539630">
+                  <a:extLst>
+                    <a:ext uri="{9D8B030D-6E8A-4147-A177-3AD203B41FA5}">
+                      <a16:colId xmlns:a16="http://schemas.microsoft.com/office/drawing/2014/main" val="1829535068"/>
+                    </a:ext>
+                  </a:extLst>
+                </a:gridCol>
+              </a:tblGrid>
+              <a:tr h="491247">
+                <a:tc>
+                  <a:txBody>
+                    <a:bodyPr/>
+                    <a:lstStyle/>
+                    <a:p>
+                      <a:r>
+                        <a:rPr lang="de-DE" dirty="0"/>
+                        <a:t>0</a:t>
+                      </a:r>
+                    </a:p>
+                  </a:txBody>
+                  <a:tcPr/>
+                </a:tc>
+                <a:tc>
+                  <a:txBody>
+                    <a:bodyPr/>
+                    <a:lstStyle/>
+                    <a:p>
+                      <a:r>
+                        <a:rPr lang="de-DE" dirty="0"/>
+                        <a:t>10</a:t>
+                      </a:r>
+                    </a:p>
+                  </a:txBody>
+                  <a:tcPr>
+                    <a:solidFill>
+                      <a:srgbClr val="00B0F0"/>
+                    </a:solidFill>
+                  </a:tcPr>
+                </a:tc>
+                <a:tc>
+                  <a:txBody>
+                    <a:bodyPr/>
+                    <a:lstStyle/>
+                    <a:p>
+                      <a:r>
+                        <a:rPr lang="de-DE" dirty="0"/>
+                        <a:t>0</a:t>
+                      </a:r>
+                    </a:p>
+                  </a:txBody>
+                  <a:tcPr/>
+                </a:tc>
+                <a:tc>
+                  <a:txBody>
+                    <a:bodyPr/>
+                    <a:lstStyle/>
+                    <a:p>
+                      <a:r>
+                        <a:rPr lang="de-DE" dirty="0"/>
+                        <a:t>0</a:t>
+                      </a:r>
+                    </a:p>
+                  </a:txBody>
+                  <a:tcPr>
+                    <a:solidFill>
+                      <a:schemeClr val="accent5">
+                        <a:lumMod val="40000"/>
+                        <a:lumOff val="60000"/>
+                      </a:schemeClr>
+                    </a:solidFill>
+                  </a:tcPr>
+                </a:tc>
+                <a:tc>
+                  <a:txBody>
+                    <a:bodyPr/>
+                    <a:lstStyle/>
+                    <a:p>
+                      <a:r>
+                        <a:rPr lang="de-DE" dirty="0"/>
+                        <a:t>0</a:t>
+                      </a:r>
+                    </a:p>
+                  </a:txBody>
+                  <a:tcPr>
+                    <a:solidFill>
+                      <a:schemeClr val="accent5">
+                        <a:lumMod val="40000"/>
+                        <a:lumOff val="60000"/>
+                      </a:schemeClr>
+                    </a:solidFill>
+                  </a:tcPr>
+                </a:tc>
+                <a:tc>
+                  <a:txBody>
+                    <a:bodyPr/>
+                    <a:lstStyle/>
+                    <a:p>
+                      <a:r>
+                        <a:rPr lang="de-DE" dirty="0"/>
+                        <a:t>0</a:t>
+                      </a:r>
+                    </a:p>
+                  </a:txBody>
+                  <a:tcPr>
+                    <a:solidFill>
+                      <a:schemeClr val="accent5">
+                        <a:lumMod val="40000"/>
+                        <a:lumOff val="60000"/>
+                      </a:schemeClr>
+                    </a:solidFill>
+                  </a:tcPr>
+                </a:tc>
+                <a:tc>
+                  <a:txBody>
+                    <a:bodyPr/>
+                    <a:lstStyle/>
+                    <a:p>
+                      <a:r>
+                        <a:rPr lang="de-DE" dirty="0"/>
+                        <a:t>0</a:t>
+                      </a:r>
+                    </a:p>
+                  </a:txBody>
+                  <a:tcPr/>
+                </a:tc>
+                <a:tc>
+                  <a:txBody>
+                    <a:bodyPr/>
+                    <a:lstStyle/>
+                    <a:p>
+                      <a:r>
+                        <a:rPr lang="de-DE" dirty="0"/>
+                        <a:t>0</a:t>
+                      </a:r>
+                    </a:p>
+                  </a:txBody>
+                  <a:tcPr/>
+                </a:tc>
+                <a:extLst>
+                  <a:ext uri="{0D108BD9-81ED-4DB2-BD59-A6C34878D82A}">
+                    <a16:rowId xmlns:a16="http://schemas.microsoft.com/office/drawing/2014/main" val="2850280056"/>
+                  </a:ext>
+                </a:extLst>
+              </a:tr>
+              <a:tr h="491247">
+                <a:tc>
+                  <a:txBody>
+                    <a:bodyPr/>
+                    <a:lstStyle/>
+                    <a:p>
+                      <a:r>
+                        <a:rPr lang="de-DE" dirty="0"/>
+                        <a:t>0</a:t>
+                      </a:r>
+                    </a:p>
+                  </a:txBody>
+                  <a:tcPr/>
+                </a:tc>
+                <a:tc>
+                  <a:txBody>
+                    <a:bodyPr/>
+                    <a:lstStyle/>
+                    <a:p>
+                      <a:r>
+                        <a:rPr lang="de-DE" dirty="0"/>
+                        <a:t>0</a:t>
+                      </a:r>
+                    </a:p>
+                  </a:txBody>
+                  <a:tcPr/>
+                </a:tc>
+                <a:tc>
+                  <a:txBody>
+                    <a:bodyPr/>
+                    <a:lstStyle/>
+                    <a:p>
+                      <a:r>
+                        <a:rPr lang="de-DE" dirty="0"/>
+                        <a:t>0</a:t>
+                      </a:r>
+                    </a:p>
+                  </a:txBody>
+                  <a:tcPr/>
+                </a:tc>
+                <a:tc>
+                  <a:txBody>
+                    <a:bodyPr/>
+                    <a:lstStyle/>
+                    <a:p>
+                      <a:r>
+                        <a:rPr lang="de-DE" dirty="0"/>
+                        <a:t>0</a:t>
+                      </a:r>
+                    </a:p>
+                  </a:txBody>
+                  <a:tcPr/>
+                </a:tc>
+                <a:tc>
+                  <a:txBody>
+                    <a:bodyPr/>
+                    <a:lstStyle/>
+                    <a:p>
+                      <a:r>
+                        <a:rPr lang="de-DE" dirty="0"/>
+                        <a:t>0</a:t>
+                      </a:r>
+                    </a:p>
+                  </a:txBody>
+                  <a:tcPr/>
+                </a:tc>
+                <a:tc>
+                  <a:txBody>
+                    <a:bodyPr/>
+                    <a:lstStyle/>
+                    <a:p>
+                      <a:r>
+                        <a:rPr lang="de-DE" dirty="0"/>
+                        <a:t>0</a:t>
+                      </a:r>
+                    </a:p>
+                  </a:txBody>
+                  <a:tcPr/>
+                </a:tc>
+                <a:tc>
+                  <a:txBody>
+                    <a:bodyPr/>
+                    <a:lstStyle/>
+                    <a:p>
+                      <a:r>
+                        <a:rPr lang="de-DE" dirty="0"/>
+                        <a:t>0</a:t>
+                      </a:r>
+                    </a:p>
+                  </a:txBody>
+                  <a:tcPr/>
+                </a:tc>
+                <a:tc>
+                  <a:txBody>
+                    <a:bodyPr/>
+                    <a:lstStyle/>
+                    <a:p>
+                      <a:r>
+                        <a:rPr lang="de-DE" dirty="0"/>
+                        <a:t>0</a:t>
+                      </a:r>
+                    </a:p>
+                  </a:txBody>
+                  <a:tcPr/>
+                </a:tc>
+                <a:extLst>
+                  <a:ext uri="{0D108BD9-81ED-4DB2-BD59-A6C34878D82A}">
+                    <a16:rowId xmlns:a16="http://schemas.microsoft.com/office/drawing/2014/main" val="138266482"/>
+                  </a:ext>
+                </a:extLst>
+              </a:tr>
+              <a:tr h="491247">
+                <a:tc>
+                  <a:txBody>
+                    <a:bodyPr/>
+                    <a:lstStyle/>
+                    <a:p>
+                      <a:r>
+                        <a:rPr lang="de-DE" dirty="0"/>
+                        <a:t>9</a:t>
+                      </a:r>
+                    </a:p>
+                  </a:txBody>
+                  <a:tcPr>
+                    <a:solidFill>
+                      <a:srgbClr val="FFFF00"/>
+                    </a:solidFill>
+                  </a:tcPr>
+                </a:tc>
+                <a:tc>
+                  <a:txBody>
+                    <a:bodyPr/>
+                    <a:lstStyle/>
+                    <a:p>
+                      <a:r>
+                        <a:rPr lang="de-DE" dirty="0"/>
+                        <a:t>0</a:t>
+                      </a:r>
+                    </a:p>
+                  </a:txBody>
+                  <a:tcPr/>
+                </a:tc>
+                <a:tc>
+                  <a:txBody>
+                    <a:bodyPr/>
+                    <a:lstStyle/>
+                    <a:p>
+                      <a:r>
+                        <a:rPr lang="de-DE" dirty="0"/>
+                        <a:t>0</a:t>
+                      </a:r>
+                    </a:p>
+                  </a:txBody>
+                  <a:tcPr/>
+                </a:tc>
+                <a:tc>
+                  <a:txBody>
+                    <a:bodyPr/>
+                    <a:lstStyle/>
+                    <a:p>
+                      <a:r>
+                        <a:rPr lang="de-DE" dirty="0"/>
+                        <a:t>0</a:t>
+                      </a:r>
+                    </a:p>
+                  </a:txBody>
+                  <a:tcPr/>
+                </a:tc>
+                <a:tc>
+                  <a:txBody>
+                    <a:bodyPr/>
+                    <a:lstStyle/>
+                    <a:p>
+                      <a:r>
+                        <a:rPr lang="de-DE" dirty="0"/>
+                        <a:t>0</a:t>
+                      </a:r>
+                    </a:p>
+                  </a:txBody>
+                  <a:tcPr/>
+                </a:tc>
+                <a:tc>
+                  <a:txBody>
+                    <a:bodyPr/>
+                    <a:lstStyle/>
+                    <a:p>
+                      <a:r>
+                        <a:rPr lang="de-DE" dirty="0"/>
+                        <a:t>14</a:t>
+                      </a:r>
+                    </a:p>
+                  </a:txBody>
+                  <a:tcPr>
+                    <a:solidFill>
+                      <a:srgbClr val="FFFF00"/>
+                    </a:solidFill>
+                  </a:tcPr>
+                </a:tc>
+                <a:tc>
+                  <a:txBody>
+                    <a:bodyPr/>
+                    <a:lstStyle/>
+                    <a:p>
+                      <a:r>
+                        <a:rPr lang="de-DE" dirty="0"/>
+                        <a:t>0</a:t>
+                      </a:r>
+                    </a:p>
+                  </a:txBody>
+                  <a:tcPr/>
+                </a:tc>
+                <a:tc>
+                  <a:txBody>
+                    <a:bodyPr/>
+                    <a:lstStyle/>
+                    <a:p>
+                      <a:r>
+                        <a:rPr lang="de-DE" dirty="0"/>
+                        <a:t>0</a:t>
+                      </a:r>
+                    </a:p>
+                  </a:txBody>
+                  <a:tcPr/>
+                </a:tc>
+                <a:extLst>
+                  <a:ext uri="{0D108BD9-81ED-4DB2-BD59-A6C34878D82A}">
+                    <a16:rowId xmlns:a16="http://schemas.microsoft.com/office/drawing/2014/main" val="295067002"/>
+                  </a:ext>
+                </a:extLst>
+              </a:tr>
+              <a:tr h="491247">
+                <a:tc>
+                  <a:txBody>
+                    <a:bodyPr/>
+                    <a:lstStyle/>
+                    <a:p>
+                      <a:r>
+                        <a:rPr lang="de-DE" dirty="0"/>
+                        <a:t>0</a:t>
+                      </a:r>
+                    </a:p>
+                  </a:txBody>
+                  <a:tcPr/>
+                </a:tc>
+                <a:tc>
+                  <a:txBody>
+                    <a:bodyPr/>
+                    <a:lstStyle/>
+                    <a:p>
+                      <a:r>
+                        <a:rPr lang="de-DE" dirty="0"/>
+                        <a:t>0</a:t>
+                      </a:r>
+                    </a:p>
+                  </a:txBody>
+                  <a:tcPr/>
+                </a:tc>
+                <a:tc>
+                  <a:txBody>
+                    <a:bodyPr/>
+                    <a:lstStyle/>
+                    <a:p>
+                      <a:r>
+                        <a:rPr lang="de-DE" dirty="0"/>
+                        <a:t>0</a:t>
+                      </a:r>
+                    </a:p>
+                  </a:txBody>
+                  <a:tcPr/>
+                </a:tc>
+                <a:tc>
+                  <a:txBody>
+                    <a:bodyPr/>
+                    <a:lstStyle/>
+                    <a:p>
+                      <a:r>
+                        <a:rPr lang="de-DE" dirty="0"/>
+                        <a:t>0</a:t>
+                      </a:r>
+                    </a:p>
+                  </a:txBody>
+                  <a:tcPr/>
+                </a:tc>
+                <a:tc>
+                  <a:txBody>
+                    <a:bodyPr/>
+                    <a:lstStyle/>
+                    <a:p>
+                      <a:r>
+                        <a:rPr lang="de-DE" dirty="0"/>
+                        <a:t>0</a:t>
+                      </a:r>
+                    </a:p>
+                  </a:txBody>
+                  <a:tcPr/>
+                </a:tc>
+                <a:tc>
+                  <a:txBody>
+                    <a:bodyPr/>
+                    <a:lstStyle/>
+                    <a:p>
+                      <a:r>
+                        <a:rPr lang="de-DE" dirty="0"/>
+                        <a:t>0</a:t>
+                      </a:r>
+                    </a:p>
+                  </a:txBody>
+                  <a:tcPr/>
+                </a:tc>
+                <a:tc>
+                  <a:txBody>
+                    <a:bodyPr/>
+                    <a:lstStyle/>
+                    <a:p>
+                      <a:r>
+                        <a:rPr lang="de-DE" dirty="0"/>
+                        <a:t>0</a:t>
+                      </a:r>
+                    </a:p>
+                  </a:txBody>
+                  <a:tcPr/>
+                </a:tc>
+                <a:tc>
+                  <a:txBody>
+                    <a:bodyPr/>
+                    <a:lstStyle/>
+                    <a:p>
+                      <a:r>
+                        <a:rPr lang="de-DE" dirty="0"/>
+                        <a:t>0</a:t>
+                      </a:r>
+                    </a:p>
+                  </a:txBody>
+                  <a:tcPr/>
+                </a:tc>
+                <a:extLst>
+                  <a:ext uri="{0D108BD9-81ED-4DB2-BD59-A6C34878D82A}">
+                    <a16:rowId xmlns:a16="http://schemas.microsoft.com/office/drawing/2014/main" val="3250296098"/>
+                  </a:ext>
+                </a:extLst>
+              </a:tr>
+              <a:tr h="491247">
+                <a:tc>
+                  <a:txBody>
+                    <a:bodyPr/>
+                    <a:lstStyle/>
+                    <a:p>
+                      <a:r>
+                        <a:rPr lang="de-DE" dirty="0"/>
+                        <a:t>0</a:t>
+                      </a:r>
+                    </a:p>
+                  </a:txBody>
+                  <a:tcPr>
+                    <a:solidFill>
+                      <a:schemeClr val="accent6">
+                        <a:lumMod val="40000"/>
+                        <a:lumOff val="60000"/>
+                      </a:schemeClr>
+                    </a:solidFill>
+                  </a:tcPr>
+                </a:tc>
+                <a:tc>
+                  <a:txBody>
+                    <a:bodyPr/>
+                    <a:lstStyle/>
+                    <a:p>
+                      <a:r>
+                        <a:rPr lang="de-DE" dirty="0"/>
+                        <a:t>0</a:t>
+                      </a:r>
+                    </a:p>
+                  </a:txBody>
+                  <a:tcPr>
+                    <a:solidFill>
+                      <a:schemeClr val="accent6">
+                        <a:lumMod val="40000"/>
+                        <a:lumOff val="60000"/>
+                      </a:schemeClr>
+                    </a:solidFill>
+                  </a:tcPr>
+                </a:tc>
+                <a:tc>
+                  <a:txBody>
+                    <a:bodyPr/>
+                    <a:lstStyle/>
+                    <a:p>
+                      <a:r>
+                        <a:rPr lang="de-DE" dirty="0"/>
+                        <a:t>10</a:t>
+                      </a:r>
+                    </a:p>
+                  </a:txBody>
+                  <a:tcPr>
+                    <a:solidFill>
+                      <a:schemeClr val="accent6">
+                        <a:lumMod val="40000"/>
+                        <a:lumOff val="60000"/>
+                      </a:schemeClr>
+                    </a:solidFill>
+                  </a:tcPr>
+                </a:tc>
+                <a:tc>
+                  <a:txBody>
+                    <a:bodyPr/>
+                    <a:lstStyle/>
+                    <a:p>
+                      <a:r>
+                        <a:rPr lang="de-DE" dirty="0"/>
+                        <a:t>0</a:t>
+                      </a:r>
+                    </a:p>
+                  </a:txBody>
+                  <a:tcPr/>
+                </a:tc>
+                <a:tc>
+                  <a:txBody>
+                    <a:bodyPr/>
+                    <a:lstStyle/>
+                    <a:p>
+                      <a:r>
+                        <a:rPr lang="de-DE" dirty="0"/>
+                        <a:t>0</a:t>
+                      </a:r>
+                    </a:p>
+                  </a:txBody>
+                  <a:tcPr/>
+                </a:tc>
+                <a:tc>
+                  <a:txBody>
+                    <a:bodyPr/>
+                    <a:lstStyle/>
+                    <a:p>
+                      <a:r>
+                        <a:rPr lang="de-DE" dirty="0"/>
+                        <a:t>0</a:t>
+                      </a:r>
+                    </a:p>
+                  </a:txBody>
+                  <a:tcPr/>
+                </a:tc>
+                <a:tc>
+                  <a:txBody>
+                    <a:bodyPr/>
+                    <a:lstStyle/>
+                    <a:p>
+                      <a:r>
+                        <a:rPr lang="de-DE" dirty="0"/>
+                        <a:t>0</a:t>
+                      </a:r>
+                    </a:p>
+                  </a:txBody>
+                  <a:tcPr/>
+                </a:tc>
+                <a:tc>
+                  <a:txBody>
+                    <a:bodyPr/>
+                    <a:lstStyle/>
+                    <a:p>
+                      <a:r>
+                        <a:rPr lang="de-DE" dirty="0"/>
+                        <a:t>0</a:t>
+                      </a:r>
+                    </a:p>
+                  </a:txBody>
+                  <a:tcPr/>
+                </a:tc>
+                <a:extLst>
+                  <a:ext uri="{0D108BD9-81ED-4DB2-BD59-A6C34878D82A}">
+                    <a16:rowId xmlns:a16="http://schemas.microsoft.com/office/drawing/2014/main" val="697286374"/>
+                  </a:ext>
+                </a:extLst>
+              </a:tr>
+              <a:tr h="491247">
+                <a:tc>
+                  <a:txBody>
+                    <a:bodyPr/>
+                    <a:lstStyle/>
+                    <a:p>
+                      <a:r>
+                        <a:rPr lang="de-DE" dirty="0"/>
+                        <a:t>0</a:t>
+                      </a:r>
+                    </a:p>
+                  </a:txBody>
+                  <a:tcPr/>
+                </a:tc>
+                <a:tc>
+                  <a:txBody>
+                    <a:bodyPr/>
+                    <a:lstStyle/>
+                    <a:p>
+                      <a:r>
+                        <a:rPr lang="de-DE" dirty="0"/>
+                        <a:t>0</a:t>
+                      </a:r>
+                    </a:p>
+                  </a:txBody>
+                  <a:tcPr/>
+                </a:tc>
+                <a:tc>
+                  <a:txBody>
+                    <a:bodyPr/>
+                    <a:lstStyle/>
+                    <a:p>
+                      <a:r>
+                        <a:rPr lang="de-DE" dirty="0"/>
+                        <a:t>0</a:t>
+                      </a:r>
+                    </a:p>
+                  </a:txBody>
+                  <a:tcPr/>
+                </a:tc>
+                <a:tc>
+                  <a:txBody>
+                    <a:bodyPr/>
+                    <a:lstStyle/>
+                    <a:p>
+                      <a:r>
+                        <a:rPr lang="de-DE" dirty="0"/>
+                        <a:t>0</a:t>
+                      </a:r>
+                    </a:p>
+                  </a:txBody>
+                  <a:tcPr/>
+                </a:tc>
+                <a:tc>
+                  <a:txBody>
+                    <a:bodyPr/>
+                    <a:lstStyle/>
+                    <a:p>
+                      <a:r>
+                        <a:rPr lang="de-DE" dirty="0"/>
+                        <a:t>0</a:t>
+                      </a:r>
+                    </a:p>
+                  </a:txBody>
+                  <a:tcPr/>
+                </a:tc>
+                <a:tc>
+                  <a:txBody>
+                    <a:bodyPr/>
+                    <a:lstStyle/>
+                    <a:p>
+                      <a:r>
+                        <a:rPr lang="de-DE" dirty="0"/>
+                        <a:t>0</a:t>
+                      </a:r>
+                    </a:p>
+                  </a:txBody>
+                  <a:tcPr/>
+                </a:tc>
+                <a:tc>
+                  <a:txBody>
+                    <a:bodyPr/>
+                    <a:lstStyle/>
+                    <a:p>
+                      <a:r>
+                        <a:rPr lang="de-DE" dirty="0"/>
+                        <a:t>15</a:t>
+                      </a:r>
+                    </a:p>
+                  </a:txBody>
+                  <a:tcPr/>
+                </a:tc>
+                <a:tc>
+                  <a:txBody>
+                    <a:bodyPr/>
+                    <a:lstStyle/>
+                    <a:p>
+                      <a:r>
+                        <a:rPr lang="de-DE" dirty="0"/>
+                        <a:t>0</a:t>
+                      </a:r>
+                    </a:p>
+                  </a:txBody>
+                  <a:tcPr/>
+                </a:tc>
+                <a:extLst>
+                  <a:ext uri="{0D108BD9-81ED-4DB2-BD59-A6C34878D82A}">
+                    <a16:rowId xmlns:a16="http://schemas.microsoft.com/office/drawing/2014/main" val="576374473"/>
+                  </a:ext>
+                </a:extLst>
+              </a:tr>
+              <a:tr h="491247">
+                <a:tc>
+                  <a:txBody>
+                    <a:bodyPr/>
+                    <a:lstStyle/>
+                    <a:p>
+                      <a:r>
+                        <a:rPr lang="de-DE" dirty="0"/>
+                        <a:t>0</a:t>
+                      </a:r>
+                    </a:p>
+                  </a:txBody>
+                  <a:tcPr/>
+                </a:tc>
+                <a:tc>
+                  <a:txBody>
+                    <a:bodyPr/>
+                    <a:lstStyle/>
+                    <a:p>
+                      <a:r>
+                        <a:rPr lang="de-DE" dirty="0"/>
+                        <a:t>0</a:t>
+                      </a:r>
+                    </a:p>
+                  </a:txBody>
+                  <a:tcPr/>
+                </a:tc>
+                <a:tc>
+                  <a:txBody>
+                    <a:bodyPr/>
+                    <a:lstStyle/>
+                    <a:p>
+                      <a:r>
+                        <a:rPr lang="de-DE" dirty="0"/>
+                        <a:t>0</a:t>
+                      </a:r>
+                    </a:p>
+                  </a:txBody>
+                  <a:tcPr/>
+                </a:tc>
+                <a:tc>
+                  <a:txBody>
+                    <a:bodyPr/>
+                    <a:lstStyle/>
+                    <a:p>
+                      <a:r>
+                        <a:rPr lang="de-DE" dirty="0"/>
+                        <a:t>0</a:t>
+                      </a:r>
+                    </a:p>
+                  </a:txBody>
+                  <a:tcPr/>
+                </a:tc>
+                <a:tc>
+                  <a:txBody>
+                    <a:bodyPr/>
+                    <a:lstStyle/>
+                    <a:p>
+                      <a:r>
+                        <a:rPr lang="de-DE" dirty="0"/>
+                        <a:t>0</a:t>
+                      </a:r>
+                    </a:p>
+                  </a:txBody>
+                  <a:tcPr/>
+                </a:tc>
+                <a:tc>
+                  <a:txBody>
+                    <a:bodyPr/>
+                    <a:lstStyle/>
+                    <a:p>
+                      <a:r>
+                        <a:rPr lang="de-DE" dirty="0"/>
+                        <a:t>0</a:t>
+                      </a:r>
+                    </a:p>
+                  </a:txBody>
+                  <a:tcPr/>
+                </a:tc>
+                <a:tc>
+                  <a:txBody>
+                    <a:bodyPr/>
+                    <a:lstStyle/>
+                    <a:p>
+                      <a:r>
+                        <a:rPr lang="de-DE" dirty="0"/>
+                        <a:t>0</a:t>
+                      </a:r>
+                    </a:p>
+                  </a:txBody>
+                  <a:tcPr/>
+                </a:tc>
+                <a:tc>
+                  <a:txBody>
+                    <a:bodyPr/>
+                    <a:lstStyle/>
+                    <a:p>
+                      <a:r>
+                        <a:rPr lang="de-DE" dirty="0"/>
+                        <a:t>0</a:t>
+                      </a:r>
+                    </a:p>
+                  </a:txBody>
+                  <a:tcPr/>
+                </a:tc>
+                <a:extLst>
+                  <a:ext uri="{0D108BD9-81ED-4DB2-BD59-A6C34878D82A}">
+                    <a16:rowId xmlns:a16="http://schemas.microsoft.com/office/drawing/2014/main" val="389785549"/>
+                  </a:ext>
+                </a:extLst>
+              </a:tr>
+              <a:tr h="491247">
+                <a:tc>
+                  <a:txBody>
+                    <a:bodyPr/>
+                    <a:lstStyle/>
+                    <a:p>
+                      <a:r>
+                        <a:rPr lang="de-DE" dirty="0"/>
+                        <a:t>0</a:t>
+                      </a:r>
+                    </a:p>
+                  </a:txBody>
+                  <a:tcPr/>
+                </a:tc>
+                <a:tc>
+                  <a:txBody>
+                    <a:bodyPr/>
+                    <a:lstStyle/>
+                    <a:p>
+                      <a:r>
+                        <a:rPr lang="de-DE" dirty="0"/>
+                        <a:t>0</a:t>
+                      </a:r>
+                    </a:p>
+                  </a:txBody>
+                  <a:tcPr/>
+                </a:tc>
+                <a:tc>
+                  <a:txBody>
+                    <a:bodyPr/>
+                    <a:lstStyle/>
+                    <a:p>
+                      <a:r>
+                        <a:rPr lang="de-DE" dirty="0"/>
+                        <a:t>0</a:t>
+                      </a:r>
+                    </a:p>
+                  </a:txBody>
+                  <a:tcPr/>
+                </a:tc>
+                <a:tc>
+                  <a:txBody>
+                    <a:bodyPr/>
+                    <a:lstStyle/>
+                    <a:p>
+                      <a:r>
+                        <a:rPr lang="de-DE" dirty="0"/>
+                        <a:t>0</a:t>
+                      </a:r>
+                    </a:p>
+                  </a:txBody>
+                  <a:tcPr/>
+                </a:tc>
+                <a:tc>
+                  <a:txBody>
+                    <a:bodyPr/>
+                    <a:lstStyle/>
+                    <a:p>
+                      <a:r>
+                        <a:rPr lang="de-DE" dirty="0"/>
+                        <a:t>0</a:t>
+                      </a:r>
+                    </a:p>
+                  </a:txBody>
+                  <a:tcPr/>
+                </a:tc>
+                <a:tc>
+                  <a:txBody>
+                    <a:bodyPr/>
+                    <a:lstStyle/>
+                    <a:p>
+                      <a:r>
+                        <a:rPr lang="de-DE" dirty="0"/>
+                        <a:t>0</a:t>
+                      </a:r>
+                    </a:p>
+                  </a:txBody>
+                  <a:tcPr/>
+                </a:tc>
+                <a:tc>
+                  <a:txBody>
+                    <a:bodyPr/>
+                    <a:lstStyle/>
+                    <a:p>
+                      <a:r>
+                        <a:rPr lang="de-DE" dirty="0"/>
+                        <a:t>0</a:t>
+                      </a:r>
+                    </a:p>
+                  </a:txBody>
+                  <a:tcPr/>
+                </a:tc>
+                <a:tc>
+                  <a:txBody>
+                    <a:bodyPr/>
+                    <a:lstStyle/>
+                    <a:p>
+                      <a:r>
+                        <a:rPr lang="de-DE" dirty="0"/>
+                        <a:t>0</a:t>
+                      </a:r>
+                    </a:p>
+                  </a:txBody>
+                  <a:tcPr/>
+                </a:tc>
+                <a:extLst>
+                  <a:ext uri="{0D108BD9-81ED-4DB2-BD59-A6C34878D82A}">
+                    <a16:rowId xmlns:a16="http://schemas.microsoft.com/office/drawing/2014/main" val="1810393475"/>
+                  </a:ext>
+                </a:extLst>
+              </a:tr>
+            </a:tbl>
+          </a:graphicData>
+        </a:graphic>
+      </p:graphicFrame>
+      <p:grpSp>
+        <p:nvGrpSpPr>
+          <p:cNvPr id="7" name="Gruppieren 6">
+            <a:extLst>
+              <a:ext uri="{FF2B5EF4-FFF2-40B4-BE49-F238E27FC236}">
+                <a16:creationId xmlns:a16="http://schemas.microsoft.com/office/drawing/2014/main" id="{5A003DF8-9750-4400-105C-6CCAC23CD8B4}"/>
+              </a:ext>
+            </a:extLst>
+          </p:cNvPr>
+          <p:cNvGrpSpPr/>
+          <p:nvPr/>
+        </p:nvGrpSpPr>
+        <p:grpSpPr>
+          <a:xfrm>
+            <a:off x="4022232" y="1607496"/>
+            <a:ext cx="5211000" cy="640080"/>
+            <a:chOff x="3907345" y="1223497"/>
+            <a:chExt cx="5211000" cy="640080"/>
+          </a:xfrm>
+        </p:grpSpPr>
+        <mc:AlternateContent xmlns:mc="http://schemas.openxmlformats.org/markup-compatibility/2006">
+          <mc:Choice xmlns:p14="http://schemas.microsoft.com/office/powerpoint/2010/main" Requires="p14">
+            <p:contentPart p14:bwMode="auto" r:id="rId2">
+              <p14:nvContentPartPr>
+                <p14:cNvPr id="4" name="Freihand 3">
+                  <a:extLst>
+                    <a:ext uri="{FF2B5EF4-FFF2-40B4-BE49-F238E27FC236}">
+                      <a16:creationId xmlns:a16="http://schemas.microsoft.com/office/drawing/2014/main" id="{15AFD78F-D132-E5DD-D1CD-4E7A1D23E4D4}"/>
+                    </a:ext>
+                  </a:extLst>
+                </p14:cNvPr>
+                <p14:cNvContentPartPr/>
+                <p14:nvPr/>
+              </p14:nvContentPartPr>
+              <p14:xfrm>
+                <a:off x="3907345" y="1223497"/>
+                <a:ext cx="5210280" cy="631440"/>
+              </p14:xfrm>
+            </p:contentPart>
+          </mc:Choice>
+          <mc:Fallback>
+            <p:pic>
+              <p:nvPicPr>
+                <p:cNvPr id="4" name="Freihand 3">
+                  <a:extLst>
+                    <a:ext uri="{FF2B5EF4-FFF2-40B4-BE49-F238E27FC236}">
+                      <a16:creationId xmlns:a16="http://schemas.microsoft.com/office/drawing/2014/main" id="{15AFD78F-D132-E5DD-D1CD-4E7A1D23E4D4}"/>
+                    </a:ext>
+                  </a:extLst>
+                </p:cNvPr>
+                <p:cNvPicPr/>
+                <p:nvPr/>
+              </p:nvPicPr>
+              <p:blipFill>
+                <a:blip r:embed="rId3"/>
+                <a:stretch>
+                  <a:fillRect/>
+                </a:stretch>
+              </p:blipFill>
+              <p:spPr>
+                <a:xfrm>
+                  <a:off x="3898705" y="1214497"/>
+                  <a:ext cx="5227920" cy="649080"/>
+                </a:xfrm>
+                <a:prstGeom prst="rect">
+                  <a:avLst/>
+                </a:prstGeom>
+              </p:spPr>
+            </p:pic>
+          </mc:Fallback>
+        </mc:AlternateContent>
+        <mc:AlternateContent xmlns:mc="http://schemas.openxmlformats.org/markup-compatibility/2006">
+          <mc:Choice xmlns:p14="http://schemas.microsoft.com/office/powerpoint/2010/main" Requires="p14">
+            <p:contentPart p14:bwMode="auto" r:id="rId4">
+              <p14:nvContentPartPr>
+                <p14:cNvPr id="5" name="Freihand 4">
+                  <a:extLst>
+                    <a:ext uri="{FF2B5EF4-FFF2-40B4-BE49-F238E27FC236}">
+                      <a16:creationId xmlns:a16="http://schemas.microsoft.com/office/drawing/2014/main" id="{3AE2BAFB-EAC8-2FAC-62FE-6E2730765078}"/>
+                    </a:ext>
+                  </a:extLst>
+                </p14:cNvPr>
+                <p14:cNvContentPartPr/>
+                <p14:nvPr/>
+              </p14:nvContentPartPr>
+              <p14:xfrm>
+                <a:off x="9106825" y="1567297"/>
+                <a:ext cx="11520" cy="296280"/>
+              </p14:xfrm>
+            </p:contentPart>
+          </mc:Choice>
+          <mc:Fallback>
+            <p:pic>
+              <p:nvPicPr>
+                <p:cNvPr id="5" name="Freihand 4">
+                  <a:extLst>
+                    <a:ext uri="{FF2B5EF4-FFF2-40B4-BE49-F238E27FC236}">
+                      <a16:creationId xmlns:a16="http://schemas.microsoft.com/office/drawing/2014/main" id="{3AE2BAFB-EAC8-2FAC-62FE-6E2730765078}"/>
+                    </a:ext>
+                  </a:extLst>
+                </p:cNvPr>
+                <p:cNvPicPr/>
+                <p:nvPr/>
+              </p:nvPicPr>
+              <p:blipFill>
+                <a:blip r:embed="rId5"/>
+                <a:stretch>
+                  <a:fillRect/>
+                </a:stretch>
+              </p:blipFill>
+              <p:spPr>
+                <a:xfrm>
+                  <a:off x="9097825" y="1558297"/>
+                  <a:ext cx="29160" cy="313920"/>
+                </a:xfrm>
+                <a:prstGeom prst="rect">
+                  <a:avLst/>
+                </a:prstGeom>
+              </p:spPr>
+            </p:pic>
+          </mc:Fallback>
+        </mc:AlternateContent>
+        <mc:AlternateContent xmlns:mc="http://schemas.openxmlformats.org/markup-compatibility/2006">
+          <mc:Choice xmlns:p14="http://schemas.microsoft.com/office/powerpoint/2010/main" Requires="p14">
+            <p:contentPart p14:bwMode="auto" r:id="rId6">
+              <p14:nvContentPartPr>
+                <p14:cNvPr id="6" name="Freihand 5">
+                  <a:extLst>
+                    <a:ext uri="{FF2B5EF4-FFF2-40B4-BE49-F238E27FC236}">
+                      <a16:creationId xmlns:a16="http://schemas.microsoft.com/office/drawing/2014/main" id="{FA1972B5-46B2-A61F-A475-63980A3FBAE8}"/>
+                    </a:ext>
+                  </a:extLst>
+                </p14:cNvPr>
+                <p14:cNvContentPartPr/>
+                <p14:nvPr/>
+              </p14:nvContentPartPr>
+              <p14:xfrm>
+                <a:off x="8755105" y="1845937"/>
+                <a:ext cx="345960" cy="14040"/>
+              </p14:xfrm>
+            </p:contentPart>
+          </mc:Choice>
+          <mc:Fallback>
+            <p:pic>
+              <p:nvPicPr>
+                <p:cNvPr id="6" name="Freihand 5">
+                  <a:extLst>
+                    <a:ext uri="{FF2B5EF4-FFF2-40B4-BE49-F238E27FC236}">
+                      <a16:creationId xmlns:a16="http://schemas.microsoft.com/office/drawing/2014/main" id="{FA1972B5-46B2-A61F-A475-63980A3FBAE8}"/>
+                    </a:ext>
+                  </a:extLst>
+                </p:cNvPr>
+                <p:cNvPicPr/>
+                <p:nvPr/>
+              </p:nvPicPr>
+              <p:blipFill>
+                <a:blip r:embed="rId7"/>
+                <a:stretch>
+                  <a:fillRect/>
+                </a:stretch>
+              </p:blipFill>
+              <p:spPr>
+                <a:xfrm>
+                  <a:off x="8746105" y="1836937"/>
+                  <a:ext cx="363600" cy="31680"/>
+                </a:xfrm>
+                <a:prstGeom prst="rect">
+                  <a:avLst/>
+                </a:prstGeom>
+              </p:spPr>
+            </p:pic>
+          </mc:Fallback>
+        </mc:AlternateContent>
+      </p:grpSp>
+      <p:grpSp>
+        <p:nvGrpSpPr>
+          <p:cNvPr id="17" name="Gruppieren 16">
+            <a:extLst>
+              <a:ext uri="{FF2B5EF4-FFF2-40B4-BE49-F238E27FC236}">
+                <a16:creationId xmlns:a16="http://schemas.microsoft.com/office/drawing/2014/main" id="{587A6E87-DC9D-87AD-7A91-4118DD9E34E9}"/>
+              </a:ext>
+            </a:extLst>
+          </p:cNvPr>
+          <p:cNvGrpSpPr/>
+          <p:nvPr/>
+        </p:nvGrpSpPr>
+        <p:grpSpPr>
+          <a:xfrm>
+            <a:off x="2328752" y="4633418"/>
+            <a:ext cx="5898960" cy="836280"/>
+            <a:chOff x="2216785" y="4123297"/>
+            <a:chExt cx="5898960" cy="836280"/>
+          </a:xfrm>
+        </p:grpSpPr>
+        <mc:AlternateContent xmlns:mc="http://schemas.openxmlformats.org/markup-compatibility/2006">
+          <mc:Choice xmlns:p14="http://schemas.microsoft.com/office/powerpoint/2010/main" Requires="p14">
+            <p:contentPart p14:bwMode="auto" r:id="rId8">
+              <p14:nvContentPartPr>
+                <p14:cNvPr id="9" name="Freihand 8">
+                  <a:extLst>
+                    <a:ext uri="{FF2B5EF4-FFF2-40B4-BE49-F238E27FC236}">
+                      <a16:creationId xmlns:a16="http://schemas.microsoft.com/office/drawing/2014/main" id="{4ADB350B-AAEA-69BE-2F96-F2492DEF9B44}"/>
+                    </a:ext>
+                  </a:extLst>
+                </p14:cNvPr>
+                <p14:cNvContentPartPr/>
+                <p14:nvPr/>
+              </p14:nvContentPartPr>
+              <p14:xfrm>
+                <a:off x="2216785" y="4321657"/>
+                <a:ext cx="5496480" cy="637920"/>
+              </p14:xfrm>
+            </p:contentPart>
+          </mc:Choice>
+          <mc:Fallback>
+            <p:pic>
+              <p:nvPicPr>
+                <p:cNvPr id="9" name="Freihand 8">
+                  <a:extLst>
+                    <a:ext uri="{FF2B5EF4-FFF2-40B4-BE49-F238E27FC236}">
+                      <a16:creationId xmlns:a16="http://schemas.microsoft.com/office/drawing/2014/main" id="{4ADB350B-AAEA-69BE-2F96-F2492DEF9B44}"/>
+                    </a:ext>
+                  </a:extLst>
+                </p:cNvPr>
+                <p:cNvPicPr/>
+                <p:nvPr/>
+              </p:nvPicPr>
+              <p:blipFill>
+                <a:blip r:embed="rId9"/>
+                <a:stretch>
+                  <a:fillRect/>
+                </a:stretch>
+              </p:blipFill>
+              <p:spPr>
+                <a:xfrm>
+                  <a:off x="2207785" y="4313017"/>
+                  <a:ext cx="5514120" cy="655560"/>
+                </a:xfrm>
+                <a:prstGeom prst="rect">
+                  <a:avLst/>
+                </a:prstGeom>
+              </p:spPr>
+            </p:pic>
+          </mc:Fallback>
+        </mc:AlternateContent>
+        <mc:AlternateContent xmlns:mc="http://schemas.openxmlformats.org/markup-compatibility/2006">
+          <mc:Choice xmlns:p14="http://schemas.microsoft.com/office/powerpoint/2010/main" Requires="p14">
+            <p:contentPart p14:bwMode="auto" r:id="rId10">
+              <p14:nvContentPartPr>
+                <p14:cNvPr id="10" name="Freihand 9">
+                  <a:extLst>
+                    <a:ext uri="{FF2B5EF4-FFF2-40B4-BE49-F238E27FC236}">
+                      <a16:creationId xmlns:a16="http://schemas.microsoft.com/office/drawing/2014/main" id="{7FD9DCBA-F586-852F-42FF-A545A4BB39FB}"/>
+                    </a:ext>
+                  </a:extLst>
+                </p14:cNvPr>
+                <p14:cNvContentPartPr/>
+                <p14:nvPr/>
+              </p14:nvContentPartPr>
+              <p14:xfrm>
+                <a:off x="7616785" y="4256857"/>
+                <a:ext cx="227160" cy="176040"/>
+              </p14:xfrm>
+            </p:contentPart>
+          </mc:Choice>
+          <mc:Fallback>
+            <p:pic>
+              <p:nvPicPr>
+                <p:cNvPr id="10" name="Freihand 9">
+                  <a:extLst>
+                    <a:ext uri="{FF2B5EF4-FFF2-40B4-BE49-F238E27FC236}">
+                      <a16:creationId xmlns:a16="http://schemas.microsoft.com/office/drawing/2014/main" id="{7FD9DCBA-F586-852F-42FF-A545A4BB39FB}"/>
+                    </a:ext>
+                  </a:extLst>
+                </p:cNvPr>
+                <p:cNvPicPr/>
+                <p:nvPr/>
+              </p:nvPicPr>
+              <p:blipFill>
+                <a:blip r:embed="rId11"/>
+                <a:stretch>
+                  <a:fillRect/>
+                </a:stretch>
+              </p:blipFill>
+              <p:spPr>
+                <a:xfrm>
+                  <a:off x="7608145" y="4248217"/>
+                  <a:ext cx="244800" cy="193680"/>
+                </a:xfrm>
+                <a:prstGeom prst="rect">
+                  <a:avLst/>
+                </a:prstGeom>
+              </p:spPr>
+            </p:pic>
+          </mc:Fallback>
+        </mc:AlternateContent>
+        <mc:AlternateContent xmlns:mc="http://schemas.openxmlformats.org/markup-compatibility/2006">
+          <mc:Choice xmlns:p14="http://schemas.microsoft.com/office/powerpoint/2010/main" Requires="p14">
+            <p:contentPart p14:bwMode="auto" r:id="rId12">
+              <p14:nvContentPartPr>
+                <p14:cNvPr id="12" name="Freihand 11">
+                  <a:extLst>
+                    <a:ext uri="{FF2B5EF4-FFF2-40B4-BE49-F238E27FC236}">
+                      <a16:creationId xmlns:a16="http://schemas.microsoft.com/office/drawing/2014/main" id="{66FD779F-9A55-7783-1044-177524EDB8DE}"/>
+                    </a:ext>
+                  </a:extLst>
+                </p14:cNvPr>
+                <p14:cNvContentPartPr/>
+                <p14:nvPr/>
+              </p14:nvContentPartPr>
+              <p14:xfrm>
+                <a:off x="7255345" y="4243897"/>
+                <a:ext cx="241200" cy="360"/>
+              </p14:xfrm>
+            </p:contentPart>
+          </mc:Choice>
+          <mc:Fallback>
+            <p:pic>
+              <p:nvPicPr>
+                <p:cNvPr id="12" name="Freihand 11">
+                  <a:extLst>
+                    <a:ext uri="{FF2B5EF4-FFF2-40B4-BE49-F238E27FC236}">
+                      <a16:creationId xmlns:a16="http://schemas.microsoft.com/office/drawing/2014/main" id="{66FD779F-9A55-7783-1044-177524EDB8DE}"/>
+                    </a:ext>
+                  </a:extLst>
+                </p:cNvPr>
+                <p:cNvPicPr/>
+                <p:nvPr/>
+              </p:nvPicPr>
+              <p:blipFill>
+                <a:blip r:embed="rId13"/>
+                <a:stretch>
+                  <a:fillRect/>
+                </a:stretch>
+              </p:blipFill>
+              <p:spPr>
+                <a:xfrm>
+                  <a:off x="7246345" y="4234897"/>
+                  <a:ext cx="258840" cy="18000"/>
+                </a:xfrm>
+                <a:prstGeom prst="rect">
+                  <a:avLst/>
+                </a:prstGeom>
+              </p:spPr>
+            </p:pic>
+          </mc:Fallback>
+        </mc:AlternateContent>
+        <mc:AlternateContent xmlns:mc="http://schemas.openxmlformats.org/markup-compatibility/2006">
+          <mc:Choice xmlns:p14="http://schemas.microsoft.com/office/powerpoint/2010/main" Requires="p14">
+            <p:contentPart p14:bwMode="auto" r:id="rId14">
+              <p14:nvContentPartPr>
+                <p14:cNvPr id="13" name="Freihand 12">
+                  <a:extLst>
+                    <a:ext uri="{FF2B5EF4-FFF2-40B4-BE49-F238E27FC236}">
+                      <a16:creationId xmlns:a16="http://schemas.microsoft.com/office/drawing/2014/main" id="{167CBDA3-72D2-FFCC-27A4-899F2C8BF743}"/>
+                    </a:ext>
+                  </a:extLst>
+                </p14:cNvPr>
+                <p14:cNvContentPartPr/>
+                <p14:nvPr/>
+              </p14:nvContentPartPr>
+              <p14:xfrm>
+                <a:off x="7208545" y="4131577"/>
+                <a:ext cx="173160" cy="200160"/>
+              </p14:xfrm>
+            </p:contentPart>
+          </mc:Choice>
+          <mc:Fallback>
+            <p:pic>
+              <p:nvPicPr>
+                <p:cNvPr id="13" name="Freihand 12">
+                  <a:extLst>
+                    <a:ext uri="{FF2B5EF4-FFF2-40B4-BE49-F238E27FC236}">
+                      <a16:creationId xmlns:a16="http://schemas.microsoft.com/office/drawing/2014/main" id="{167CBDA3-72D2-FFCC-27A4-899F2C8BF743}"/>
+                    </a:ext>
+                  </a:extLst>
+                </p:cNvPr>
+                <p:cNvPicPr/>
+                <p:nvPr/>
+              </p:nvPicPr>
+              <p:blipFill>
+                <a:blip r:embed="rId15"/>
+                <a:stretch>
+                  <a:fillRect/>
+                </a:stretch>
+              </p:blipFill>
+              <p:spPr>
+                <a:xfrm>
+                  <a:off x="7199545" y="4122937"/>
+                  <a:ext cx="190800" cy="217800"/>
+                </a:xfrm>
+                <a:prstGeom prst="rect">
+                  <a:avLst/>
+                </a:prstGeom>
+              </p:spPr>
+            </p:pic>
+          </mc:Fallback>
+        </mc:AlternateContent>
+        <mc:AlternateContent xmlns:mc="http://schemas.openxmlformats.org/markup-compatibility/2006">
+          <mc:Choice xmlns:p14="http://schemas.microsoft.com/office/powerpoint/2010/main" Requires="p14">
+            <p:contentPart p14:bwMode="auto" r:id="rId16">
+              <p14:nvContentPartPr>
+                <p14:cNvPr id="15" name="Freihand 14">
+                  <a:extLst>
+                    <a:ext uri="{FF2B5EF4-FFF2-40B4-BE49-F238E27FC236}">
+                      <a16:creationId xmlns:a16="http://schemas.microsoft.com/office/drawing/2014/main" id="{48C48965-FA32-1563-97AB-52BCBCE77DA5}"/>
+                    </a:ext>
+                  </a:extLst>
+                </p14:cNvPr>
+                <p14:cNvContentPartPr/>
+                <p14:nvPr/>
+              </p14:nvContentPartPr>
+              <p14:xfrm>
+                <a:off x="7892905" y="4209337"/>
+                <a:ext cx="172440" cy="18000"/>
+              </p14:xfrm>
+            </p:contentPart>
+          </mc:Choice>
+          <mc:Fallback>
+            <p:pic>
+              <p:nvPicPr>
+                <p:cNvPr id="15" name="Freihand 14">
+                  <a:extLst>
+                    <a:ext uri="{FF2B5EF4-FFF2-40B4-BE49-F238E27FC236}">
+                      <a16:creationId xmlns:a16="http://schemas.microsoft.com/office/drawing/2014/main" id="{48C48965-FA32-1563-97AB-52BCBCE77DA5}"/>
+                    </a:ext>
+                  </a:extLst>
+                </p:cNvPr>
+                <p:cNvPicPr/>
+                <p:nvPr/>
+              </p:nvPicPr>
+              <p:blipFill>
+                <a:blip r:embed="rId17"/>
+                <a:stretch>
+                  <a:fillRect/>
+                </a:stretch>
+              </p:blipFill>
+              <p:spPr>
+                <a:xfrm>
+                  <a:off x="7884265" y="4200337"/>
+                  <a:ext cx="190080" cy="35640"/>
+                </a:xfrm>
+                <a:prstGeom prst="rect">
+                  <a:avLst/>
+                </a:prstGeom>
+              </p:spPr>
+            </p:pic>
+          </mc:Fallback>
+        </mc:AlternateContent>
+        <mc:AlternateContent xmlns:mc="http://schemas.openxmlformats.org/markup-compatibility/2006">
+          <mc:Choice xmlns:p14="http://schemas.microsoft.com/office/powerpoint/2010/main" Requires="p14">
+            <p:contentPart p14:bwMode="auto" r:id="rId18">
+              <p14:nvContentPartPr>
+                <p14:cNvPr id="16" name="Freihand 15">
+                  <a:extLst>
+                    <a:ext uri="{FF2B5EF4-FFF2-40B4-BE49-F238E27FC236}">
+                      <a16:creationId xmlns:a16="http://schemas.microsoft.com/office/drawing/2014/main" id="{1D134A47-86E7-03EA-6D28-22A6847BA7B4}"/>
+                    </a:ext>
+                  </a:extLst>
+                </p14:cNvPr>
+                <p14:cNvContentPartPr/>
+                <p14:nvPr/>
+              </p14:nvContentPartPr>
+              <p14:xfrm>
+                <a:off x="8030785" y="4123297"/>
+                <a:ext cx="84960" cy="191880"/>
+              </p14:xfrm>
+            </p:contentPart>
+          </mc:Choice>
+          <mc:Fallback>
+            <p:pic>
+              <p:nvPicPr>
+                <p:cNvPr id="16" name="Freihand 15">
+                  <a:extLst>
+                    <a:ext uri="{FF2B5EF4-FFF2-40B4-BE49-F238E27FC236}">
+                      <a16:creationId xmlns:a16="http://schemas.microsoft.com/office/drawing/2014/main" id="{1D134A47-86E7-03EA-6D28-22A6847BA7B4}"/>
+                    </a:ext>
+                  </a:extLst>
+                </p:cNvPr>
+                <p:cNvPicPr/>
+                <p:nvPr/>
+              </p:nvPicPr>
+              <p:blipFill>
+                <a:blip r:embed="rId19"/>
+                <a:stretch>
+                  <a:fillRect/>
+                </a:stretch>
+              </p:blipFill>
+              <p:spPr>
+                <a:xfrm>
+                  <a:off x="8022145" y="4114297"/>
+                  <a:ext cx="102600" cy="209520"/>
+                </a:xfrm>
+                <a:prstGeom prst="rect">
+                  <a:avLst/>
+                </a:prstGeom>
+              </p:spPr>
+            </p:pic>
+          </mc:Fallback>
+        </mc:AlternateContent>
+      </p:grpSp>
+      <p:grpSp>
+        <p:nvGrpSpPr>
+          <p:cNvPr id="20" name="Gruppieren 19">
+            <a:extLst>
+              <a:ext uri="{FF2B5EF4-FFF2-40B4-BE49-F238E27FC236}">
+                <a16:creationId xmlns:a16="http://schemas.microsoft.com/office/drawing/2014/main" id="{52EFFB9F-D527-EFA1-7043-F60F92EA6143}"/>
+              </a:ext>
+            </a:extLst>
+          </p:cNvPr>
+          <p:cNvGrpSpPr/>
+          <p:nvPr/>
+        </p:nvGrpSpPr>
+        <p:grpSpPr>
+          <a:xfrm>
+            <a:off x="8894472" y="2658793"/>
+            <a:ext cx="321480" cy="152280"/>
+            <a:chOff x="8874625" y="2208097"/>
+            <a:chExt cx="321480" cy="152280"/>
+          </a:xfrm>
+        </p:grpSpPr>
+        <mc:AlternateContent xmlns:mc="http://schemas.openxmlformats.org/markup-compatibility/2006">
+          <mc:Choice xmlns:p14="http://schemas.microsoft.com/office/powerpoint/2010/main" Requires="p14">
+            <p:contentPart p14:bwMode="auto" r:id="rId20">
+              <p14:nvContentPartPr>
+                <p14:cNvPr id="18" name="Freihand 17">
+                  <a:extLst>
+                    <a:ext uri="{FF2B5EF4-FFF2-40B4-BE49-F238E27FC236}">
+                      <a16:creationId xmlns:a16="http://schemas.microsoft.com/office/drawing/2014/main" id="{54D1C324-24F2-0656-993C-F7AC376AE92A}"/>
+                    </a:ext>
+                  </a:extLst>
+                </p14:cNvPr>
+                <p14:cNvContentPartPr/>
+                <p14:nvPr/>
+              </p14:nvContentPartPr>
+              <p14:xfrm>
+                <a:off x="8929345" y="2302777"/>
+                <a:ext cx="266760" cy="18000"/>
+              </p14:xfrm>
+            </p:contentPart>
+          </mc:Choice>
+          <mc:Fallback>
+            <p:pic>
+              <p:nvPicPr>
+                <p:cNvPr id="18" name="Freihand 17">
+                  <a:extLst>
+                    <a:ext uri="{FF2B5EF4-FFF2-40B4-BE49-F238E27FC236}">
+                      <a16:creationId xmlns:a16="http://schemas.microsoft.com/office/drawing/2014/main" id="{54D1C324-24F2-0656-993C-F7AC376AE92A}"/>
+                    </a:ext>
+                  </a:extLst>
+                </p:cNvPr>
+                <p:cNvPicPr/>
+                <p:nvPr/>
+              </p:nvPicPr>
+              <p:blipFill>
+                <a:blip r:embed="rId21"/>
+                <a:stretch>
+                  <a:fillRect/>
+                </a:stretch>
+              </p:blipFill>
+              <p:spPr>
+                <a:xfrm>
+                  <a:off x="8920345" y="2293777"/>
+                  <a:ext cx="284400" cy="35640"/>
+                </a:xfrm>
+                <a:prstGeom prst="rect">
+                  <a:avLst/>
+                </a:prstGeom>
+              </p:spPr>
+            </p:pic>
+          </mc:Fallback>
+        </mc:AlternateContent>
+        <mc:AlternateContent xmlns:mc="http://schemas.openxmlformats.org/markup-compatibility/2006">
+          <mc:Choice xmlns:p14="http://schemas.microsoft.com/office/powerpoint/2010/main" Requires="p14">
+            <p:contentPart p14:bwMode="auto" r:id="rId22">
+              <p14:nvContentPartPr>
+                <p14:cNvPr id="19" name="Freihand 18">
+                  <a:extLst>
+                    <a:ext uri="{FF2B5EF4-FFF2-40B4-BE49-F238E27FC236}">
+                      <a16:creationId xmlns:a16="http://schemas.microsoft.com/office/drawing/2014/main" id="{21AEFF71-5C12-BECF-959A-4AE597D9267E}"/>
+                    </a:ext>
+                  </a:extLst>
+                </p14:cNvPr>
+                <p14:cNvContentPartPr/>
+                <p14:nvPr/>
+              </p14:nvContentPartPr>
+              <p14:xfrm>
+                <a:off x="8874625" y="2208097"/>
+                <a:ext cx="105840" cy="152280"/>
+              </p14:xfrm>
+            </p:contentPart>
+          </mc:Choice>
+          <mc:Fallback>
+            <p:pic>
+              <p:nvPicPr>
+                <p:cNvPr id="19" name="Freihand 18">
+                  <a:extLst>
+                    <a:ext uri="{FF2B5EF4-FFF2-40B4-BE49-F238E27FC236}">
+                      <a16:creationId xmlns:a16="http://schemas.microsoft.com/office/drawing/2014/main" id="{21AEFF71-5C12-BECF-959A-4AE597D9267E}"/>
+                    </a:ext>
+                  </a:extLst>
+                </p:cNvPr>
+                <p:cNvPicPr/>
+                <p:nvPr/>
+              </p:nvPicPr>
+              <p:blipFill>
+                <a:blip r:embed="rId23"/>
+                <a:stretch>
+                  <a:fillRect/>
+                </a:stretch>
+              </p:blipFill>
+              <p:spPr>
+                <a:xfrm>
+                  <a:off x="8865625" y="2199457"/>
+                  <a:ext cx="123480" cy="169920"/>
+                </a:xfrm>
+                <a:prstGeom prst="rect">
+                  <a:avLst/>
+                </a:prstGeom>
+              </p:spPr>
+            </p:pic>
+          </mc:Fallback>
+        </mc:AlternateContent>
+      </p:grpSp>
+      <p:grpSp>
+        <p:nvGrpSpPr>
+          <p:cNvPr id="23" name="Gruppieren 22">
+            <a:extLst>
+              <a:ext uri="{FF2B5EF4-FFF2-40B4-BE49-F238E27FC236}">
+                <a16:creationId xmlns:a16="http://schemas.microsoft.com/office/drawing/2014/main" id="{A5D7C49F-BF71-A4EF-344A-4E100C63C699}"/>
+              </a:ext>
+            </a:extLst>
+          </p:cNvPr>
+          <p:cNvGrpSpPr/>
+          <p:nvPr/>
+        </p:nvGrpSpPr>
+        <p:grpSpPr>
+          <a:xfrm>
+            <a:off x="9662614" y="2699857"/>
+            <a:ext cx="214560" cy="203040"/>
+            <a:chOff x="9531985" y="2242657"/>
+            <a:chExt cx="214560" cy="203040"/>
+          </a:xfrm>
+        </p:grpSpPr>
+        <mc:AlternateContent xmlns:mc="http://schemas.openxmlformats.org/markup-compatibility/2006">
+          <mc:Choice xmlns:p14="http://schemas.microsoft.com/office/powerpoint/2010/main" Requires="p14">
+            <p:contentPart p14:bwMode="auto" r:id="rId24">
+              <p14:nvContentPartPr>
+                <p14:cNvPr id="21" name="Freihand 20">
+                  <a:extLst>
+                    <a:ext uri="{FF2B5EF4-FFF2-40B4-BE49-F238E27FC236}">
+                      <a16:creationId xmlns:a16="http://schemas.microsoft.com/office/drawing/2014/main" id="{96D3B09C-273A-E2F3-6E7C-E8C0B94F5C94}"/>
+                    </a:ext>
+                  </a:extLst>
+                </p14:cNvPr>
+                <p14:cNvContentPartPr/>
+                <p14:nvPr/>
+              </p14:nvContentPartPr>
+              <p14:xfrm>
+                <a:off x="9531985" y="2311777"/>
+                <a:ext cx="180720" cy="360"/>
+              </p14:xfrm>
+            </p:contentPart>
+          </mc:Choice>
+          <mc:Fallback>
+            <p:pic>
+              <p:nvPicPr>
+                <p:cNvPr id="21" name="Freihand 20">
+                  <a:extLst>
+                    <a:ext uri="{FF2B5EF4-FFF2-40B4-BE49-F238E27FC236}">
+                      <a16:creationId xmlns:a16="http://schemas.microsoft.com/office/drawing/2014/main" id="{96D3B09C-273A-E2F3-6E7C-E8C0B94F5C94}"/>
+                    </a:ext>
+                  </a:extLst>
+                </p:cNvPr>
+                <p:cNvPicPr/>
+                <p:nvPr/>
+              </p:nvPicPr>
+              <p:blipFill>
+                <a:blip r:embed="rId25"/>
+                <a:stretch>
+                  <a:fillRect/>
+                </a:stretch>
+              </p:blipFill>
+              <p:spPr>
+                <a:xfrm>
+                  <a:off x="9522985" y="2303137"/>
+                  <a:ext cx="198360" cy="18000"/>
+                </a:xfrm>
+                <a:prstGeom prst="rect">
+                  <a:avLst/>
+                </a:prstGeom>
+              </p:spPr>
+            </p:pic>
+          </mc:Fallback>
+        </mc:AlternateContent>
+        <mc:AlternateContent xmlns:mc="http://schemas.openxmlformats.org/markup-compatibility/2006">
+          <mc:Choice xmlns:p14="http://schemas.microsoft.com/office/powerpoint/2010/main" Requires="p14">
+            <p:contentPart p14:bwMode="auto" r:id="rId26">
+              <p14:nvContentPartPr>
+                <p14:cNvPr id="22" name="Freihand 21">
+                  <a:extLst>
+                    <a:ext uri="{FF2B5EF4-FFF2-40B4-BE49-F238E27FC236}">
+                      <a16:creationId xmlns:a16="http://schemas.microsoft.com/office/drawing/2014/main" id="{EC6B3DE8-0E19-B879-138D-E86C15FFAF9A}"/>
+                    </a:ext>
+                  </a:extLst>
+                </p14:cNvPr>
+                <p14:cNvContentPartPr/>
+                <p14:nvPr/>
+              </p14:nvContentPartPr>
+              <p14:xfrm>
+                <a:off x="9611905" y="2242657"/>
+                <a:ext cx="134640" cy="203040"/>
+              </p14:xfrm>
+            </p:contentPart>
+          </mc:Choice>
+          <mc:Fallback>
+            <p:pic>
+              <p:nvPicPr>
+                <p:cNvPr id="22" name="Freihand 21">
+                  <a:extLst>
+                    <a:ext uri="{FF2B5EF4-FFF2-40B4-BE49-F238E27FC236}">
+                      <a16:creationId xmlns:a16="http://schemas.microsoft.com/office/drawing/2014/main" id="{EC6B3DE8-0E19-B879-138D-E86C15FFAF9A}"/>
+                    </a:ext>
+                  </a:extLst>
+                </p:cNvPr>
+                <p:cNvPicPr/>
+                <p:nvPr/>
+              </p:nvPicPr>
+              <p:blipFill>
+                <a:blip r:embed="rId27"/>
+                <a:stretch>
+                  <a:fillRect/>
+                </a:stretch>
+              </p:blipFill>
+              <p:spPr>
+                <a:xfrm>
+                  <a:off x="9603265" y="2234017"/>
+                  <a:ext cx="152280" cy="220680"/>
+                </a:xfrm>
+                <a:prstGeom prst="rect">
+                  <a:avLst/>
+                </a:prstGeom>
+              </p:spPr>
+            </p:pic>
+          </mc:Fallback>
+        </mc:AlternateContent>
+      </p:grpSp>
+      <p:sp>
+        <p:nvSpPr>
+          <p:cNvPr id="33" name="Textfeld 32">
+            <a:extLst>
+              <a:ext uri="{FF2B5EF4-FFF2-40B4-BE49-F238E27FC236}">
+                <a16:creationId xmlns:a16="http://schemas.microsoft.com/office/drawing/2014/main" id="{3600436C-6973-EB95-A33E-2CC3B358EA95}"/>
+              </a:ext>
+            </a:extLst>
+          </p:cNvPr>
+          <p:cNvSpPr txBox="1"/>
+          <p:nvPr/>
+        </p:nvSpPr>
+        <p:spPr>
+          <a:xfrm>
+            <a:off x="1367766" y="263342"/>
+            <a:ext cx="8061297" cy="769441"/>
+          </a:xfrm>
+          <a:prstGeom prst="rect">
+            <a:avLst/>
+          </a:prstGeom>
+          <a:noFill/>
+        </p:spPr>
+        <p:txBody>
+          <a:bodyPr wrap="square" rtlCol="0">
+            <a:spAutoFit/>
+          </a:bodyPr>
+          <a:lstStyle/>
+          <a:p>
+            <a:r>
+              <a:rPr lang="de-DE" sz="4400" dirty="0"/>
+              <a:t>Matrices </a:t>
+            </a:r>
+            <a:r>
+              <a:rPr lang="de-DE" sz="4400" dirty="0" err="1"/>
+              <a:t>for</a:t>
+            </a:r>
+            <a:r>
+              <a:rPr lang="de-DE" sz="4400" dirty="0"/>
+              <a:t> </a:t>
+            </a:r>
+            <a:r>
+              <a:rPr lang="de-DE" sz="4400" dirty="0" err="1"/>
+              <a:t>looking</a:t>
+            </a:r>
+            <a:r>
+              <a:rPr lang="de-DE" sz="4400" dirty="0"/>
+              <a:t> </a:t>
+            </a:r>
+            <a:r>
+              <a:rPr lang="de-DE" sz="4400" dirty="0" err="1"/>
+              <a:t>for</a:t>
+            </a:r>
+            <a:r>
+              <a:rPr lang="de-DE" sz="4400" dirty="0"/>
+              <a:t> </a:t>
+            </a:r>
+            <a:r>
+              <a:rPr lang="de-DE" sz="4400" dirty="0" err="1"/>
+              <a:t>local</a:t>
+            </a:r>
+            <a:r>
+              <a:rPr lang="de-DE" sz="4400" dirty="0"/>
+              <a:t> </a:t>
+            </a:r>
+            <a:r>
+              <a:rPr lang="de-DE" sz="4400" dirty="0" err="1"/>
+              <a:t>shifts</a:t>
+            </a:r>
+            <a:endParaRPr lang="de-DE" sz="4400" dirty="0"/>
+          </a:p>
+        </p:txBody>
+      </p:sp>
+      <p:sp>
+        <p:nvSpPr>
+          <p:cNvPr id="34" name="Textfeld 33">
+            <a:extLst>
+              <a:ext uri="{FF2B5EF4-FFF2-40B4-BE49-F238E27FC236}">
+                <a16:creationId xmlns:a16="http://schemas.microsoft.com/office/drawing/2014/main" id="{FE782C8D-1818-1726-ABD2-593DCEC3D38A}"/>
+              </a:ext>
+            </a:extLst>
+          </p:cNvPr>
+          <p:cNvSpPr txBox="1"/>
+          <p:nvPr/>
+        </p:nvSpPr>
+        <p:spPr>
+          <a:xfrm>
+            <a:off x="1237705" y="1680432"/>
+            <a:ext cx="1478951" cy="369332"/>
+          </a:xfrm>
+          <a:prstGeom prst="rect">
+            <a:avLst/>
+          </a:prstGeom>
+          <a:noFill/>
+        </p:spPr>
+        <p:txBody>
+          <a:bodyPr wrap="square" rtlCol="0">
+            <a:spAutoFit/>
+          </a:bodyPr>
+          <a:lstStyle/>
+          <a:p>
+            <a:r>
+              <a:rPr lang="de-DE" dirty="0"/>
+              <a:t>Control</a:t>
+            </a:r>
+          </a:p>
+        </p:txBody>
+      </p:sp>
+      <p:sp>
+        <p:nvSpPr>
+          <p:cNvPr id="35" name="Textfeld 34">
+            <a:extLst>
+              <a:ext uri="{FF2B5EF4-FFF2-40B4-BE49-F238E27FC236}">
+                <a16:creationId xmlns:a16="http://schemas.microsoft.com/office/drawing/2014/main" id="{5F7D57B1-9304-36E0-43B1-B8959DB76C28}"/>
+              </a:ext>
+            </a:extLst>
+          </p:cNvPr>
+          <p:cNvSpPr txBox="1"/>
+          <p:nvPr/>
+        </p:nvSpPr>
+        <p:spPr>
+          <a:xfrm>
+            <a:off x="9662614" y="1646657"/>
+            <a:ext cx="1968722" cy="383946"/>
+          </a:xfrm>
+          <a:prstGeom prst="rect">
+            <a:avLst/>
+          </a:prstGeom>
+          <a:noFill/>
+        </p:spPr>
+        <p:txBody>
+          <a:bodyPr wrap="square" rtlCol="0">
+            <a:spAutoFit/>
+          </a:bodyPr>
+          <a:lstStyle/>
+          <a:p>
+            <a:r>
+              <a:rPr lang="de-DE" dirty="0" err="1"/>
+              <a:t>RNase</a:t>
+            </a:r>
+            <a:endParaRPr lang="de-DE" dirty="0"/>
+          </a:p>
+        </p:txBody>
+      </p:sp>
+    </p:spTree>
+    <p:extLst>
+      <p:ext uri="{BB962C8B-B14F-4D97-AF65-F5344CB8AC3E}">
+        <p14:creationId xmlns:p14="http://schemas.microsoft.com/office/powerpoint/2010/main" val="3493216695"/>
+      </p:ext>
+    </p:extLst>
+  </p:cSld>
+  <p:clrMapOvr>
+    <a:masterClrMapping/>
+  </p:clrMapOvr>
+</p:sld>
+</file>
+
+<file path=ppt/slides/slide35.xml><?xml version="1.0" encoding="utf-8"?>
+<p:sld xmlns:a="http://schemas.openxmlformats.org/drawingml/2006/main" xmlns:r="http://schemas.openxmlformats.org/officeDocument/2006/relationships" xmlns:p="http://schemas.openxmlformats.org/presentationml/2006/main">
+  <p:cSld>
+    <p:spTree>
+      <p:nvGrpSpPr>
+        <p:cNvPr id="1" name=""/>
+        <p:cNvGrpSpPr/>
+        <p:nvPr/>
+      </p:nvGrpSpPr>
+      <p:grpSpPr>
+        <a:xfrm>
+          <a:off x="0" y="0"/>
+          <a:ext cx="0" cy="0"/>
+          <a:chOff x="0" y="0"/>
+          <a:chExt cx="0" cy="0"/>
+        </a:xfrm>
+      </p:grpSpPr>
+      <p:sp>
+        <p:nvSpPr>
+          <p:cNvPr id="2" name="Titel 1">
+            <a:extLst>
+              <a:ext uri="{FF2B5EF4-FFF2-40B4-BE49-F238E27FC236}">
+                <a16:creationId xmlns:a16="http://schemas.microsoft.com/office/drawing/2014/main" id="{A65A6E79-7A17-9844-DB15-57532092B265}"/>
+              </a:ext>
+            </a:extLst>
+          </p:cNvPr>
+          <p:cNvSpPr>
+            <a:spLocks noGrp="1"/>
+          </p:cNvSpPr>
+          <p:nvPr>
+            <p:ph type="title"/>
+          </p:nvPr>
+        </p:nvSpPr>
+        <p:spPr/>
+        <p:txBody>
+          <a:bodyPr/>
+          <a:lstStyle/>
+          <a:p>
+            <a:r>
+              <a:rPr lang="de-DE" dirty="0" err="1"/>
+              <a:t>Why</a:t>
+            </a:r>
+            <a:r>
+              <a:rPr lang="de-DE" dirty="0"/>
+              <a:t> </a:t>
+            </a:r>
+            <a:r>
+              <a:rPr lang="de-DE" dirty="0" err="1"/>
+              <a:t>local</a:t>
+            </a:r>
+            <a:r>
+              <a:rPr lang="de-DE" dirty="0"/>
+              <a:t> </a:t>
+            </a:r>
+            <a:r>
+              <a:rPr lang="de-DE" dirty="0" err="1"/>
+              <a:t>maxima</a:t>
+            </a:r>
+            <a:r>
+              <a:rPr lang="de-DE" dirty="0"/>
+              <a:t>?</a:t>
+            </a:r>
+          </a:p>
+        </p:txBody>
+      </p:sp>
+      <p:sp>
+        <p:nvSpPr>
+          <p:cNvPr id="3" name="Inhaltsplatzhalter 2">
+            <a:extLst>
+              <a:ext uri="{FF2B5EF4-FFF2-40B4-BE49-F238E27FC236}">
+                <a16:creationId xmlns:a16="http://schemas.microsoft.com/office/drawing/2014/main" id="{CF0FD142-A659-D19E-908C-26E898DACEFD}"/>
+              </a:ext>
+            </a:extLst>
+          </p:cNvPr>
+          <p:cNvSpPr>
+            <a:spLocks noGrp="1"/>
+          </p:cNvSpPr>
+          <p:nvPr>
+            <p:ph idx="1"/>
+          </p:nvPr>
+        </p:nvSpPr>
+        <p:spPr/>
+        <p:txBody>
+          <a:bodyPr/>
+          <a:lstStyle/>
+          <a:p>
+            <a:r>
+              <a:rPr lang="de-DE" dirty="0" err="1"/>
+              <a:t>Identify</a:t>
+            </a:r>
+            <a:r>
+              <a:rPr lang="de-DE" dirty="0"/>
+              <a:t> </a:t>
+            </a:r>
+            <a:r>
+              <a:rPr lang="de-DE" dirty="0" err="1"/>
+              <a:t>proteins</a:t>
+            </a:r>
+            <a:r>
+              <a:rPr lang="de-DE" dirty="0"/>
+              <a:t> </a:t>
+            </a:r>
+            <a:r>
+              <a:rPr lang="de-DE" dirty="0" err="1"/>
+              <a:t>with</a:t>
+            </a:r>
+            <a:r>
+              <a:rPr lang="de-DE" dirty="0"/>
+              <a:t> partial shift</a:t>
+            </a:r>
+          </a:p>
+          <a:p>
+            <a:endParaRPr lang="de-DE" dirty="0"/>
+          </a:p>
+          <a:p>
+            <a:r>
+              <a:rPr lang="de-DE" dirty="0" err="1"/>
+              <a:t>Improved</a:t>
+            </a:r>
+            <a:r>
+              <a:rPr lang="de-DE" dirty="0"/>
+              <a:t> </a:t>
+            </a:r>
+            <a:r>
+              <a:rPr lang="de-DE" dirty="0" err="1"/>
+              <a:t>approach</a:t>
+            </a:r>
+            <a:r>
+              <a:rPr lang="de-DE" dirty="0"/>
+              <a:t> </a:t>
+            </a:r>
+            <a:r>
+              <a:rPr lang="de-DE" dirty="0" err="1"/>
+              <a:t>to</a:t>
+            </a:r>
+            <a:r>
+              <a:rPr lang="de-DE" dirty="0"/>
+              <a:t> </a:t>
+            </a:r>
+            <a:r>
+              <a:rPr lang="de-DE" dirty="0" err="1"/>
+              <a:t>test</a:t>
+            </a:r>
+            <a:r>
+              <a:rPr lang="de-DE" dirty="0"/>
+              <a:t> </a:t>
+            </a:r>
+            <a:r>
+              <a:rPr lang="de-DE" dirty="0" err="1"/>
+              <a:t>for</a:t>
+            </a:r>
+            <a:r>
+              <a:rPr lang="de-DE" dirty="0"/>
+              <a:t> </a:t>
+            </a:r>
+            <a:r>
+              <a:rPr lang="de-DE" dirty="0" err="1"/>
+              <a:t>reproducibility</a:t>
+            </a:r>
+            <a:r>
+              <a:rPr lang="de-DE" dirty="0"/>
+              <a:t> by </a:t>
+            </a:r>
+            <a:r>
+              <a:rPr lang="de-DE" dirty="0" err="1"/>
+              <a:t>comparing</a:t>
+            </a:r>
+            <a:r>
+              <a:rPr lang="de-DE" dirty="0"/>
+              <a:t> </a:t>
+            </a:r>
+            <a:r>
+              <a:rPr lang="de-DE" dirty="0" err="1"/>
+              <a:t>maxima</a:t>
+            </a:r>
+            <a:endParaRPr lang="de-DE" dirty="0"/>
+          </a:p>
+          <a:p>
+            <a:endParaRPr lang="de-DE" dirty="0"/>
+          </a:p>
+          <a:p>
+            <a:r>
+              <a:rPr lang="de-DE" dirty="0"/>
+              <a:t>Y-</a:t>
+            </a:r>
+            <a:r>
+              <a:rPr lang="de-DE" dirty="0" err="1"/>
+              <a:t>thresholds</a:t>
+            </a:r>
+            <a:r>
+              <a:rPr lang="de-DE" dirty="0"/>
+              <a:t> </a:t>
+            </a:r>
+            <a:r>
+              <a:rPr lang="de-DE" dirty="0" err="1"/>
+              <a:t>to</a:t>
+            </a:r>
+            <a:r>
+              <a:rPr lang="de-DE" dirty="0"/>
+              <a:t> </a:t>
+            </a:r>
+            <a:r>
+              <a:rPr lang="de-DE" dirty="0" err="1"/>
+              <a:t>avoid</a:t>
+            </a:r>
+            <a:r>
+              <a:rPr lang="de-DE" dirty="0"/>
+              <a:t> </a:t>
+            </a:r>
+            <a:r>
+              <a:rPr lang="de-DE" dirty="0" err="1"/>
+              <a:t>to</a:t>
+            </a:r>
+            <a:r>
+              <a:rPr lang="de-DE" dirty="0"/>
+              <a:t> </a:t>
+            </a:r>
+            <a:r>
+              <a:rPr lang="de-DE" dirty="0" err="1"/>
+              <a:t>many</a:t>
+            </a:r>
+            <a:r>
+              <a:rPr lang="de-DE" dirty="0"/>
+              <a:t> </a:t>
+            </a:r>
+            <a:r>
+              <a:rPr lang="de-DE" dirty="0" err="1"/>
+              <a:t>false</a:t>
+            </a:r>
+            <a:r>
+              <a:rPr lang="de-DE" dirty="0"/>
+              <a:t> positives</a:t>
+            </a:r>
+          </a:p>
+        </p:txBody>
+      </p:sp>
+    </p:spTree>
+    <p:extLst>
+      <p:ext uri="{BB962C8B-B14F-4D97-AF65-F5344CB8AC3E}">
+        <p14:creationId xmlns:p14="http://schemas.microsoft.com/office/powerpoint/2010/main" val="967901821"/>
       </p:ext>
     </p:extLst>
   </p:cSld>
